--- a/figs/abs.pptx
+++ b/figs/abs.pptx
@@ -5,8 +5,8 @@
     <p:sldMasterId id="2147483684" r:id="rId1"/>
   </p:sldMasterIdLst>
   <p:sldIdLst>
-    <p:sldId id="256" r:id="rId2"/>
-    <p:sldId id="257" r:id="rId3"/>
+    <p:sldId id="257" r:id="rId2"/>
+    <p:sldId id="258" r:id="rId3"/>
   </p:sldIdLst>
   <p:sldSz cx="12192000" cy="16256000"/>
   <p:notesSz cx="6858000" cy="9144000"/>
@@ -2972,3275 +2972,6 @@
           <a:chExt cx="0" cy="0"/>
         </a:xfrm>
       </p:grpSpPr>
-      <p:sp>
-        <p:nvSpPr>
-          <p:cNvPr id="94" name="文本框 93"/>
-          <p:cNvSpPr txBox="1"/>
-          <p:nvPr/>
-        </p:nvSpPr>
-        <p:spPr>
-          <a:xfrm>
-            <a:off x="4434228" y="9208528"/>
-            <a:ext cx="287258" cy="209288"/>
-          </a:xfrm>
-          <a:prstGeom prst="rect">
-            <a:avLst/>
-          </a:prstGeom>
-          <a:noFill/>
-        </p:spPr>
-        <p:txBody>
-          <a:bodyPr wrap="none" rtlCol="0">
-            <a:spAutoFit/>
-          </a:bodyPr>
-          <a:lstStyle/>
-          <a:p>
-            <a:r>
-              <a:rPr lang="en-US" sz="760" dirty="0"/>
-              <a:t>R2</a:t>
-            </a:r>
-            <a:endParaRPr lang="en-US" sz="760" dirty="0"/>
-          </a:p>
-        </p:txBody>
-      </p:sp>
-      <p:sp>
-        <p:nvSpPr>
-          <p:cNvPr id="96" name="文本框 95"/>
-          <p:cNvSpPr txBox="1"/>
-          <p:nvPr/>
-        </p:nvSpPr>
-        <p:spPr>
-          <a:xfrm>
-            <a:off x="3989044" y="9208528"/>
-            <a:ext cx="287258" cy="209288"/>
-          </a:xfrm>
-          <a:prstGeom prst="rect">
-            <a:avLst/>
-          </a:prstGeom>
-          <a:noFill/>
-        </p:spPr>
-        <p:txBody>
-          <a:bodyPr wrap="none" rtlCol="0">
-            <a:spAutoFit/>
-          </a:bodyPr>
-          <a:lstStyle/>
-          <a:p>
-            <a:r>
-              <a:rPr lang="en-US" sz="760" dirty="0"/>
-              <a:t>R3</a:t>
-            </a:r>
-            <a:endParaRPr lang="en-US" sz="760" dirty="0"/>
-          </a:p>
-        </p:txBody>
-      </p:sp>
-      <p:sp>
-        <p:nvSpPr>
-          <p:cNvPr id="4" name="矩形 3"/>
-          <p:cNvSpPr/>
-          <p:nvPr/>
-        </p:nvSpPr>
-        <p:spPr>
-          <a:xfrm>
-            <a:off x="6271906" y="9354173"/>
-            <a:ext cx="318845" cy="173200"/>
-          </a:xfrm>
-          <a:prstGeom prst="rect">
-            <a:avLst/>
-          </a:prstGeom>
-        </p:spPr>
-        <p:style>
-          <a:lnRef idx="2">
-            <a:schemeClr val="accent1">
-              <a:shade val="50000"/>
-            </a:schemeClr>
-          </a:lnRef>
-          <a:fillRef idx="1">
-            <a:schemeClr val="accent1"/>
-          </a:fillRef>
-          <a:effectRef idx="0">
-            <a:schemeClr val="accent1"/>
-          </a:effectRef>
-          <a:fontRef idx="minor">
-            <a:schemeClr val="lt1"/>
-          </a:fontRef>
-        </p:style>
-        <p:txBody>
-          <a:bodyPr rtlCol="0" anchor="ctr"/>
-          <a:lstStyle/>
-          <a:p>
-            <a:pPr algn="ctr"/>
-            <a:r>
-              <a:rPr lang="en-US" sz="760" dirty="0"/>
-              <a:t>NSR</a:t>
-            </a:r>
-            <a:endParaRPr lang="en-US" sz="760" dirty="0"/>
-          </a:p>
-        </p:txBody>
-      </p:sp>
-      <p:sp>
-        <p:nvSpPr>
-          <p:cNvPr id="5" name="矩形 4"/>
-          <p:cNvSpPr/>
-          <p:nvPr/>
-        </p:nvSpPr>
-        <p:spPr>
-          <a:xfrm>
-            <a:off x="5931163" y="9354174"/>
-            <a:ext cx="318845" cy="177136"/>
-          </a:xfrm>
-          <a:prstGeom prst="rect">
-            <a:avLst/>
-          </a:prstGeom>
-        </p:spPr>
-        <p:style>
-          <a:lnRef idx="2">
-            <a:schemeClr val="accent1">
-              <a:shade val="50000"/>
-            </a:schemeClr>
-          </a:lnRef>
-          <a:fillRef idx="1">
-            <a:schemeClr val="accent1"/>
-          </a:fillRef>
-          <a:effectRef idx="0">
-            <a:schemeClr val="accent1"/>
-          </a:effectRef>
-          <a:fontRef idx="minor">
-            <a:schemeClr val="lt1"/>
-          </a:fontRef>
-        </p:style>
-        <p:txBody>
-          <a:bodyPr rtlCol="0" anchor="ctr"/>
-          <a:lstStyle/>
-          <a:p>
-            <a:pPr algn="ctr">
-              <a:lnSpc>
-                <a:spcPts val="506"/>
-              </a:lnSpc>
-            </a:pPr>
-            <a:r>
-              <a:rPr lang="en-US" sz="760" dirty="0"/>
-              <a:t>Sinus</a:t>
-            </a:r>
-          </a:p>
-          <a:p>
-            <a:pPr algn="ctr">
-              <a:lnSpc>
-                <a:spcPts val="506"/>
-              </a:lnSpc>
-            </a:pPr>
-            <a:r>
-              <a:rPr lang="en-US" sz="760" dirty="0"/>
-              <a:t>Brady</a:t>
-            </a:r>
-            <a:endParaRPr lang="en-US" sz="760" dirty="0"/>
-          </a:p>
-        </p:txBody>
-      </p:sp>
-      <p:sp>
-        <p:nvSpPr>
-          <p:cNvPr id="6" name="矩形 5"/>
-          <p:cNvSpPr/>
-          <p:nvPr/>
-        </p:nvSpPr>
-        <p:spPr>
-          <a:xfrm>
-            <a:off x="6623470" y="9354174"/>
-            <a:ext cx="318845" cy="177136"/>
-          </a:xfrm>
-          <a:prstGeom prst="rect">
-            <a:avLst/>
-          </a:prstGeom>
-        </p:spPr>
-        <p:style>
-          <a:lnRef idx="2">
-            <a:schemeClr val="accent1">
-              <a:shade val="50000"/>
-            </a:schemeClr>
-          </a:lnRef>
-          <a:fillRef idx="1">
-            <a:schemeClr val="accent1"/>
-          </a:fillRef>
-          <a:effectRef idx="0">
-            <a:schemeClr val="accent1"/>
-          </a:effectRef>
-          <a:fontRef idx="minor">
-            <a:schemeClr val="lt1"/>
-          </a:fontRef>
-        </p:style>
-        <p:txBody>
-          <a:bodyPr rtlCol="0" anchor="ctr"/>
-          <a:lstStyle/>
-          <a:p>
-            <a:pPr algn="ctr">
-              <a:lnSpc>
-                <a:spcPts val="506"/>
-              </a:lnSpc>
-            </a:pPr>
-            <a:r>
-              <a:rPr lang="en-US" sz="760" dirty="0"/>
-              <a:t>Sinus</a:t>
-            </a:r>
-          </a:p>
-          <a:p>
-            <a:pPr algn="ctr">
-              <a:lnSpc>
-                <a:spcPts val="506"/>
-              </a:lnSpc>
-            </a:pPr>
-            <a:r>
-              <a:rPr lang="en-US" sz="760" dirty="0" err="1"/>
-              <a:t>Tachy</a:t>
-            </a:r>
-            <a:endParaRPr lang="en-US" sz="760" dirty="0"/>
-          </a:p>
-        </p:txBody>
-      </p:sp>
-      <p:sp>
-        <p:nvSpPr>
-          <p:cNvPr id="7" name="圆角矩形 6"/>
-          <p:cNvSpPr/>
-          <p:nvPr/>
-        </p:nvSpPr>
-        <p:spPr>
-          <a:xfrm>
-            <a:off x="6086649" y="9011708"/>
-            <a:ext cx="318845" cy="188945"/>
-          </a:xfrm>
-          <a:prstGeom prst="roundRect">
-            <a:avLst/>
-          </a:prstGeom>
-          <a:noFill/>
-          <a:ln w="28575">
-            <a:solidFill>
-              <a:schemeClr val="tx1"/>
-            </a:solidFill>
-          </a:ln>
-        </p:spPr>
-        <p:style>
-          <a:lnRef idx="2">
-            <a:schemeClr val="accent1">
-              <a:shade val="50000"/>
-            </a:schemeClr>
-          </a:lnRef>
-          <a:fillRef idx="1">
-            <a:schemeClr val="accent1"/>
-          </a:fillRef>
-          <a:effectRef idx="0">
-            <a:schemeClr val="accent1"/>
-          </a:effectRef>
-          <a:fontRef idx="minor">
-            <a:schemeClr val="lt1"/>
-          </a:fontRef>
-        </p:style>
-        <p:txBody>
-          <a:bodyPr rtlCol="0" anchor="ctr"/>
-          <a:lstStyle/>
-          <a:p>
-            <a:pPr algn="ctr"/>
-            <a:endParaRPr lang="en-US" sz="760"/>
-          </a:p>
-        </p:txBody>
-      </p:sp>
-      <p:cxnSp>
-        <p:nvCxnSpPr>
-          <p:cNvPr id="9" name="直接箭头连接符 8"/>
-          <p:cNvCxnSpPr>
-            <a:stCxn id="5" idx="0"/>
-            <a:endCxn id="7" idx="2"/>
-          </p:cNvCxnSpPr>
-          <p:nvPr/>
-        </p:nvCxnSpPr>
-        <p:spPr>
-          <a:xfrm flipV="1">
-            <a:off x="6090588" y="9200652"/>
-            <a:ext cx="155485" cy="153521"/>
-          </a:xfrm>
-          <a:prstGeom prst="straightConnector1">
-            <a:avLst/>
-          </a:prstGeom>
-          <a:ln>
-            <a:solidFill>
-              <a:schemeClr val="tx1"/>
-            </a:solidFill>
-            <a:tailEnd type="triangle"/>
-          </a:ln>
-        </p:spPr>
-        <p:style>
-          <a:lnRef idx="1">
-            <a:schemeClr val="accent1"/>
-          </a:lnRef>
-          <a:fillRef idx="0">
-            <a:schemeClr val="accent1"/>
-          </a:fillRef>
-          <a:effectRef idx="0">
-            <a:schemeClr val="accent1"/>
-          </a:effectRef>
-          <a:fontRef idx="minor">
-            <a:schemeClr val="tx1"/>
-          </a:fontRef>
-        </p:style>
-      </p:cxnSp>
-      <p:cxnSp>
-        <p:nvCxnSpPr>
-          <p:cNvPr id="11" name="直接箭头连接符 10"/>
-          <p:cNvCxnSpPr>
-            <a:stCxn id="4" idx="0"/>
-            <a:endCxn id="7" idx="2"/>
-          </p:cNvCxnSpPr>
-          <p:nvPr/>
-        </p:nvCxnSpPr>
-        <p:spPr>
-          <a:xfrm flipH="1" flipV="1">
-            <a:off x="6246071" y="9200651"/>
-            <a:ext cx="185258" cy="153521"/>
-          </a:xfrm>
-          <a:prstGeom prst="straightConnector1">
-            <a:avLst/>
-          </a:prstGeom>
-          <a:ln>
-            <a:solidFill>
-              <a:schemeClr val="tx1"/>
-            </a:solidFill>
-            <a:tailEnd type="triangle"/>
-          </a:ln>
-        </p:spPr>
-        <p:style>
-          <a:lnRef idx="1">
-            <a:schemeClr val="accent1"/>
-          </a:lnRef>
-          <a:fillRef idx="0">
-            <a:schemeClr val="accent1"/>
-          </a:fillRef>
-          <a:effectRef idx="0">
-            <a:schemeClr val="accent1"/>
-          </a:effectRef>
-          <a:fontRef idx="minor">
-            <a:schemeClr val="tx1"/>
-          </a:fontRef>
-        </p:style>
-      </p:cxnSp>
-      <p:cxnSp>
-        <p:nvCxnSpPr>
-          <p:cNvPr id="13" name="直接箭头连接符 12"/>
-          <p:cNvCxnSpPr>
-            <a:stCxn id="6" idx="0"/>
-            <a:endCxn id="7" idx="2"/>
-          </p:cNvCxnSpPr>
-          <p:nvPr/>
-        </p:nvCxnSpPr>
-        <p:spPr>
-          <a:xfrm flipH="1" flipV="1">
-            <a:off x="6246072" y="9200652"/>
-            <a:ext cx="536821" cy="153521"/>
-          </a:xfrm>
-          <a:prstGeom prst="straightConnector1">
-            <a:avLst/>
-          </a:prstGeom>
-          <a:ln>
-            <a:solidFill>
-              <a:schemeClr val="tx1"/>
-            </a:solidFill>
-            <a:tailEnd type="triangle"/>
-          </a:ln>
-        </p:spPr>
-        <p:style>
-          <a:lnRef idx="1">
-            <a:schemeClr val="accent1"/>
-          </a:lnRef>
-          <a:fillRef idx="0">
-            <a:schemeClr val="accent1"/>
-          </a:fillRef>
-          <a:effectRef idx="0">
-            <a:schemeClr val="accent1"/>
-          </a:effectRef>
-          <a:fontRef idx="minor">
-            <a:schemeClr val="tx1"/>
-          </a:fontRef>
-        </p:style>
-      </p:cxnSp>
-      <p:sp>
-        <p:nvSpPr>
-          <p:cNvPr id="14" name="圆角矩形 13"/>
-          <p:cNvSpPr/>
-          <p:nvPr/>
-        </p:nvSpPr>
-        <p:spPr>
-          <a:xfrm>
-            <a:off x="4956015" y="8681057"/>
-            <a:ext cx="318845" cy="188945"/>
-          </a:xfrm>
-          <a:prstGeom prst="roundRect">
-            <a:avLst/>
-          </a:prstGeom>
-          <a:noFill/>
-          <a:ln w="28575">
-            <a:solidFill>
-              <a:schemeClr val="tx1"/>
-            </a:solidFill>
-          </a:ln>
-        </p:spPr>
-        <p:style>
-          <a:lnRef idx="2">
-            <a:schemeClr val="accent1">
-              <a:shade val="50000"/>
-            </a:schemeClr>
-          </a:lnRef>
-          <a:fillRef idx="1">
-            <a:schemeClr val="accent1"/>
-          </a:fillRef>
-          <a:effectRef idx="0">
-            <a:schemeClr val="accent1"/>
-          </a:effectRef>
-          <a:fontRef idx="minor">
-            <a:schemeClr val="lt1"/>
-          </a:fontRef>
-        </p:style>
-        <p:txBody>
-          <a:bodyPr rtlCol="0" anchor="ctr"/>
-          <a:lstStyle/>
-          <a:p>
-            <a:pPr algn="ctr"/>
-            <a:endParaRPr lang="en-US" sz="760"/>
-          </a:p>
-        </p:txBody>
-      </p:sp>
-      <p:sp>
-        <p:nvSpPr>
-          <p:cNvPr id="15" name="圆角矩形 14"/>
-          <p:cNvSpPr/>
-          <p:nvPr/>
-        </p:nvSpPr>
-        <p:spPr>
-          <a:xfrm>
-            <a:off x="4956014" y="8248058"/>
-            <a:ext cx="318845" cy="188945"/>
-          </a:xfrm>
-          <a:prstGeom prst="roundRect">
-            <a:avLst/>
-          </a:prstGeom>
-          <a:noFill/>
-          <a:ln w="28575">
-            <a:solidFill>
-              <a:schemeClr val="tx1"/>
-            </a:solidFill>
-          </a:ln>
-        </p:spPr>
-        <p:style>
-          <a:lnRef idx="2">
-            <a:schemeClr val="accent1">
-              <a:shade val="50000"/>
-            </a:schemeClr>
-          </a:lnRef>
-          <a:fillRef idx="1">
-            <a:schemeClr val="accent1"/>
-          </a:fillRef>
-          <a:effectRef idx="0">
-            <a:schemeClr val="accent1"/>
-          </a:effectRef>
-          <a:fontRef idx="minor">
-            <a:schemeClr val="lt1"/>
-          </a:fontRef>
-        </p:style>
-        <p:txBody>
-          <a:bodyPr rtlCol="0" anchor="ctr"/>
-          <a:lstStyle/>
-          <a:p>
-            <a:pPr algn="ctr"/>
-            <a:endParaRPr lang="en-US" sz="760"/>
-          </a:p>
-        </p:txBody>
-      </p:sp>
-      <p:sp>
-        <p:nvSpPr>
-          <p:cNvPr id="16" name="圆角矩形 15"/>
-          <p:cNvSpPr/>
-          <p:nvPr/>
-        </p:nvSpPr>
-        <p:spPr>
-          <a:xfrm>
-            <a:off x="4058934" y="8681057"/>
-            <a:ext cx="318845" cy="188945"/>
-          </a:xfrm>
-          <a:prstGeom prst="roundRect">
-            <a:avLst/>
-          </a:prstGeom>
-          <a:noFill/>
-          <a:ln w="28575">
-            <a:solidFill>
-              <a:schemeClr val="tx1"/>
-            </a:solidFill>
-          </a:ln>
-        </p:spPr>
-        <p:style>
-          <a:lnRef idx="2">
-            <a:schemeClr val="accent1">
-              <a:shade val="50000"/>
-            </a:schemeClr>
-          </a:lnRef>
-          <a:fillRef idx="1">
-            <a:schemeClr val="accent1"/>
-          </a:fillRef>
-          <a:effectRef idx="0">
-            <a:schemeClr val="accent1"/>
-          </a:effectRef>
-          <a:fontRef idx="minor">
-            <a:schemeClr val="lt1"/>
-          </a:fontRef>
-        </p:style>
-        <p:txBody>
-          <a:bodyPr rtlCol="0" anchor="ctr"/>
-          <a:lstStyle/>
-          <a:p>
-            <a:pPr algn="ctr"/>
-            <a:endParaRPr lang="en-US" sz="760"/>
-          </a:p>
-        </p:txBody>
-      </p:sp>
-      <p:sp>
-        <p:nvSpPr>
-          <p:cNvPr id="17" name="矩形 16"/>
-          <p:cNvSpPr/>
-          <p:nvPr/>
-        </p:nvSpPr>
-        <p:spPr>
-          <a:xfrm>
-            <a:off x="4767151" y="9358111"/>
-            <a:ext cx="318845" cy="177136"/>
-          </a:xfrm>
-          <a:prstGeom prst="rect">
-            <a:avLst/>
-          </a:prstGeom>
-        </p:spPr>
-        <p:style>
-          <a:lnRef idx="2">
-            <a:schemeClr val="accent1">
-              <a:shade val="50000"/>
-            </a:schemeClr>
-          </a:lnRef>
-          <a:fillRef idx="1">
-            <a:schemeClr val="accent1"/>
-          </a:fillRef>
-          <a:effectRef idx="0">
-            <a:schemeClr val="accent1"/>
-          </a:effectRef>
-          <a:fontRef idx="minor">
-            <a:schemeClr val="lt1"/>
-          </a:fontRef>
-        </p:style>
-        <p:txBody>
-          <a:bodyPr rtlCol="0" anchor="ctr"/>
-          <a:lstStyle/>
-          <a:p>
-            <a:pPr algn="ctr">
-              <a:lnSpc>
-                <a:spcPts val="506"/>
-              </a:lnSpc>
-            </a:pPr>
-            <a:r>
-              <a:rPr lang="en-US" sz="760" dirty="0"/>
-              <a:t>SVT</a:t>
-            </a:r>
-            <a:endParaRPr lang="en-US" sz="760" dirty="0"/>
-          </a:p>
-        </p:txBody>
-      </p:sp>
-      <p:sp>
-        <p:nvSpPr>
-          <p:cNvPr id="18" name="矩形 17"/>
-          <p:cNvSpPr/>
-          <p:nvPr/>
-        </p:nvSpPr>
-        <p:spPr>
-          <a:xfrm>
-            <a:off x="5573285" y="9358111"/>
-            <a:ext cx="318845" cy="177136"/>
-          </a:xfrm>
-          <a:prstGeom prst="rect">
-            <a:avLst/>
-          </a:prstGeom>
-        </p:spPr>
-        <p:style>
-          <a:lnRef idx="2">
-            <a:schemeClr val="accent1">
-              <a:shade val="50000"/>
-            </a:schemeClr>
-          </a:lnRef>
-          <a:fillRef idx="1">
-            <a:schemeClr val="accent1"/>
-          </a:fillRef>
-          <a:effectRef idx="0">
-            <a:schemeClr val="accent1"/>
-          </a:effectRef>
-          <a:fontRef idx="minor">
-            <a:schemeClr val="lt1"/>
-          </a:fontRef>
-        </p:style>
-        <p:txBody>
-          <a:bodyPr rtlCol="0" anchor="ctr"/>
-          <a:lstStyle/>
-          <a:p>
-            <a:pPr algn="ctr">
-              <a:lnSpc>
-                <a:spcPts val="506"/>
-              </a:lnSpc>
-            </a:pPr>
-            <a:r>
-              <a:rPr lang="en-US" sz="760" dirty="0"/>
-              <a:t>AV</a:t>
-            </a:r>
-          </a:p>
-          <a:p>
-            <a:pPr algn="ctr">
-              <a:lnSpc>
-                <a:spcPts val="506"/>
-              </a:lnSpc>
-            </a:pPr>
-            <a:r>
-              <a:rPr lang="en-US" sz="760" dirty="0"/>
-              <a:t>Block</a:t>
-            </a:r>
-            <a:endParaRPr lang="en-US" sz="760" dirty="0"/>
-          </a:p>
-        </p:txBody>
-      </p:sp>
-      <p:sp>
-        <p:nvSpPr>
-          <p:cNvPr id="19" name="矩形 18"/>
-          <p:cNvSpPr/>
-          <p:nvPr/>
-        </p:nvSpPr>
-        <p:spPr>
-          <a:xfrm>
-            <a:off x="3847684" y="9358111"/>
-            <a:ext cx="318845" cy="177136"/>
-          </a:xfrm>
-          <a:prstGeom prst="rect">
-            <a:avLst/>
-          </a:prstGeom>
-        </p:spPr>
-        <p:style>
-          <a:lnRef idx="2">
-            <a:schemeClr val="accent1">
-              <a:shade val="50000"/>
-            </a:schemeClr>
-          </a:lnRef>
-          <a:fillRef idx="1">
-            <a:schemeClr val="accent1"/>
-          </a:fillRef>
-          <a:effectRef idx="0">
-            <a:schemeClr val="accent1"/>
-          </a:effectRef>
-          <a:fontRef idx="minor">
-            <a:schemeClr val="lt1"/>
-          </a:fontRef>
-        </p:style>
-        <p:txBody>
-          <a:bodyPr rtlCol="0" anchor="ctr"/>
-          <a:lstStyle/>
-          <a:p>
-            <a:pPr algn="ctr">
-              <a:lnSpc>
-                <a:spcPts val="506"/>
-              </a:lnSpc>
-            </a:pPr>
-            <a:r>
-              <a:rPr lang="en-US" sz="760" dirty="0"/>
-              <a:t>V-Fib</a:t>
-            </a:r>
-            <a:endParaRPr lang="en-US" sz="760" dirty="0"/>
-          </a:p>
-        </p:txBody>
-      </p:sp>
-      <p:sp>
-        <p:nvSpPr>
-          <p:cNvPr id="20" name="矩形 19"/>
-          <p:cNvSpPr/>
-          <p:nvPr/>
-        </p:nvSpPr>
-        <p:spPr>
-          <a:xfrm>
-            <a:off x="5170463" y="9358111"/>
-            <a:ext cx="318845" cy="177136"/>
-          </a:xfrm>
-          <a:prstGeom prst="rect">
-            <a:avLst/>
-          </a:prstGeom>
-        </p:spPr>
-        <p:style>
-          <a:lnRef idx="2">
-            <a:schemeClr val="accent1">
-              <a:shade val="50000"/>
-            </a:schemeClr>
-          </a:lnRef>
-          <a:fillRef idx="1">
-            <a:schemeClr val="accent1"/>
-          </a:fillRef>
-          <a:effectRef idx="0">
-            <a:schemeClr val="accent1"/>
-          </a:effectRef>
-          <a:fontRef idx="minor">
-            <a:schemeClr val="lt1"/>
-          </a:fontRef>
-        </p:style>
-        <p:txBody>
-          <a:bodyPr rtlCol="0" anchor="ctr"/>
-          <a:lstStyle/>
-          <a:p>
-            <a:pPr algn="ctr">
-              <a:lnSpc>
-                <a:spcPts val="506"/>
-              </a:lnSpc>
-            </a:pPr>
-            <a:r>
-              <a:rPr lang="en-US" sz="760" dirty="0"/>
-              <a:t>A-Fib</a:t>
-            </a:r>
-            <a:endParaRPr lang="en-US" sz="760" dirty="0"/>
-          </a:p>
-        </p:txBody>
-      </p:sp>
-      <p:sp>
-        <p:nvSpPr>
-          <p:cNvPr id="21" name="矩形 20"/>
-          <p:cNvSpPr/>
-          <p:nvPr/>
-        </p:nvSpPr>
-        <p:spPr>
-          <a:xfrm>
-            <a:off x="4298068" y="9358111"/>
-            <a:ext cx="318845" cy="177136"/>
-          </a:xfrm>
-          <a:prstGeom prst="rect">
-            <a:avLst/>
-          </a:prstGeom>
-        </p:spPr>
-        <p:style>
-          <a:lnRef idx="2">
-            <a:schemeClr val="accent1">
-              <a:shade val="50000"/>
-            </a:schemeClr>
-          </a:lnRef>
-          <a:fillRef idx="1">
-            <a:schemeClr val="accent1"/>
-          </a:fillRef>
-          <a:effectRef idx="0">
-            <a:schemeClr val="accent1"/>
-          </a:effectRef>
-          <a:fontRef idx="minor">
-            <a:schemeClr val="lt1"/>
-          </a:fontRef>
-        </p:style>
-        <p:txBody>
-          <a:bodyPr rtlCol="0" anchor="ctr"/>
-          <a:lstStyle/>
-          <a:p>
-            <a:pPr algn="ctr">
-              <a:lnSpc>
-                <a:spcPts val="506"/>
-              </a:lnSpc>
-            </a:pPr>
-            <a:r>
-              <a:rPr lang="en-US" sz="760" dirty="0"/>
-              <a:t>V </a:t>
-            </a:r>
-            <a:r>
-              <a:rPr lang="en-US" sz="760" dirty="0" err="1"/>
-              <a:t>Tachy</a:t>
-            </a:r>
-            <a:endParaRPr lang="en-US" sz="760" dirty="0"/>
-          </a:p>
-        </p:txBody>
-      </p:sp>
-      <p:cxnSp>
-        <p:nvCxnSpPr>
-          <p:cNvPr id="23" name="直接箭头连接符 22"/>
-          <p:cNvCxnSpPr>
-            <a:stCxn id="18" idx="0"/>
-            <a:endCxn id="7" idx="2"/>
-          </p:cNvCxnSpPr>
-          <p:nvPr/>
-        </p:nvCxnSpPr>
-        <p:spPr>
-          <a:xfrm flipV="1">
-            <a:off x="5732709" y="9200652"/>
-            <a:ext cx="513364" cy="157458"/>
-          </a:xfrm>
-          <a:prstGeom prst="straightConnector1">
-            <a:avLst/>
-          </a:prstGeom>
-          <a:ln>
-            <a:solidFill>
-              <a:schemeClr val="tx1"/>
-            </a:solidFill>
-            <a:tailEnd type="triangle"/>
-          </a:ln>
-        </p:spPr>
-        <p:style>
-          <a:lnRef idx="1">
-            <a:schemeClr val="accent1"/>
-          </a:lnRef>
-          <a:fillRef idx="0">
-            <a:schemeClr val="accent1"/>
-          </a:fillRef>
-          <a:effectRef idx="0">
-            <a:schemeClr val="accent1"/>
-          </a:effectRef>
-          <a:fontRef idx="minor">
-            <a:schemeClr val="tx1"/>
-          </a:fontRef>
-        </p:style>
-      </p:cxnSp>
-      <p:cxnSp>
-        <p:nvCxnSpPr>
-          <p:cNvPr id="29" name="直接箭头连接符 28"/>
-          <p:cNvCxnSpPr>
-            <a:stCxn id="17" idx="0"/>
-            <a:endCxn id="48" idx="2"/>
-          </p:cNvCxnSpPr>
-          <p:nvPr/>
-        </p:nvCxnSpPr>
-        <p:spPr>
-          <a:xfrm flipV="1">
-            <a:off x="4926575" y="9208529"/>
-            <a:ext cx="488" cy="149582"/>
-          </a:xfrm>
-          <a:prstGeom prst="straightConnector1">
-            <a:avLst/>
-          </a:prstGeom>
-          <a:ln>
-            <a:solidFill>
-              <a:schemeClr val="tx1"/>
-            </a:solidFill>
-            <a:tailEnd type="triangle"/>
-          </a:ln>
-        </p:spPr>
-        <p:style>
-          <a:lnRef idx="1">
-            <a:schemeClr val="accent1"/>
-          </a:lnRef>
-          <a:fillRef idx="0">
-            <a:schemeClr val="accent1"/>
-          </a:fillRef>
-          <a:effectRef idx="0">
-            <a:schemeClr val="accent1"/>
-          </a:effectRef>
-          <a:fontRef idx="minor">
-            <a:schemeClr val="tx1"/>
-          </a:fontRef>
-        </p:style>
-      </p:cxnSp>
-      <p:cxnSp>
-        <p:nvCxnSpPr>
-          <p:cNvPr id="31" name="直接箭头连接符 30"/>
-          <p:cNvCxnSpPr>
-            <a:stCxn id="20" idx="0"/>
-            <a:endCxn id="53" idx="2"/>
-          </p:cNvCxnSpPr>
-          <p:nvPr/>
-        </p:nvCxnSpPr>
-        <p:spPr>
-          <a:xfrm flipH="1" flipV="1">
-            <a:off x="5329886" y="9208529"/>
-            <a:ext cx="1" cy="149582"/>
-          </a:xfrm>
-          <a:prstGeom prst="straightConnector1">
-            <a:avLst/>
-          </a:prstGeom>
-          <a:ln>
-            <a:solidFill>
-              <a:schemeClr val="tx1"/>
-            </a:solidFill>
-            <a:tailEnd type="triangle"/>
-          </a:ln>
-        </p:spPr>
-        <p:style>
-          <a:lnRef idx="1">
-            <a:schemeClr val="accent1"/>
-          </a:lnRef>
-          <a:fillRef idx="0">
-            <a:schemeClr val="accent1"/>
-          </a:fillRef>
-          <a:effectRef idx="0">
-            <a:schemeClr val="accent1"/>
-          </a:effectRef>
-          <a:fontRef idx="minor">
-            <a:schemeClr val="tx1"/>
-          </a:fontRef>
-        </p:style>
-      </p:cxnSp>
-      <p:cxnSp>
-        <p:nvCxnSpPr>
-          <p:cNvPr id="33" name="直接箭头连接符 32"/>
-          <p:cNvCxnSpPr>
-            <a:stCxn id="19" idx="0"/>
-            <a:endCxn id="36" idx="2"/>
-          </p:cNvCxnSpPr>
-          <p:nvPr/>
-        </p:nvCxnSpPr>
-        <p:spPr>
-          <a:xfrm flipV="1">
-            <a:off x="4007107" y="9208528"/>
-            <a:ext cx="0" cy="149582"/>
-          </a:xfrm>
-          <a:prstGeom prst="straightConnector1">
-            <a:avLst/>
-          </a:prstGeom>
-          <a:ln>
-            <a:solidFill>
-              <a:schemeClr val="tx1"/>
-            </a:solidFill>
-            <a:tailEnd type="triangle"/>
-          </a:ln>
-        </p:spPr>
-        <p:style>
-          <a:lnRef idx="1">
-            <a:schemeClr val="accent1"/>
-          </a:lnRef>
-          <a:fillRef idx="0">
-            <a:schemeClr val="accent1"/>
-          </a:fillRef>
-          <a:effectRef idx="0">
-            <a:schemeClr val="accent1"/>
-          </a:effectRef>
-          <a:fontRef idx="minor">
-            <a:schemeClr val="tx1"/>
-          </a:fontRef>
-        </p:style>
-      </p:cxnSp>
-      <p:cxnSp>
-        <p:nvCxnSpPr>
-          <p:cNvPr id="35" name="直接箭头连接符 34"/>
-          <p:cNvCxnSpPr>
-            <a:stCxn id="21" idx="0"/>
-            <a:endCxn id="41" idx="2"/>
-          </p:cNvCxnSpPr>
-          <p:nvPr/>
-        </p:nvCxnSpPr>
-        <p:spPr>
-          <a:xfrm flipH="1" flipV="1">
-            <a:off x="4456427" y="9208528"/>
-            <a:ext cx="1066" cy="149582"/>
-          </a:xfrm>
-          <a:prstGeom prst="straightConnector1">
-            <a:avLst/>
-          </a:prstGeom>
-          <a:ln>
-            <a:solidFill>
-              <a:schemeClr val="tx1"/>
-            </a:solidFill>
-            <a:tailEnd type="triangle"/>
-          </a:ln>
-        </p:spPr>
-        <p:style>
-          <a:lnRef idx="1">
-            <a:schemeClr val="accent1"/>
-          </a:lnRef>
-          <a:fillRef idx="0">
-            <a:schemeClr val="accent1"/>
-          </a:fillRef>
-          <a:effectRef idx="0">
-            <a:schemeClr val="accent1"/>
-          </a:effectRef>
-          <a:fontRef idx="minor">
-            <a:schemeClr val="tx1"/>
-          </a:fontRef>
-        </p:style>
-      </p:cxnSp>
-      <p:sp>
-        <p:nvSpPr>
-          <p:cNvPr id="36" name="圆角矩形 35"/>
-          <p:cNvSpPr/>
-          <p:nvPr/>
-        </p:nvSpPr>
-        <p:spPr>
-          <a:xfrm>
-            <a:off x="3847684" y="9019583"/>
-            <a:ext cx="318845" cy="188945"/>
-          </a:xfrm>
-          <a:prstGeom prst="roundRect">
-            <a:avLst/>
-          </a:prstGeom>
-          <a:noFill/>
-          <a:ln w="28575">
-            <a:solidFill>
-              <a:schemeClr val="tx1"/>
-            </a:solidFill>
-          </a:ln>
-        </p:spPr>
-        <p:style>
-          <a:lnRef idx="2">
-            <a:schemeClr val="accent1">
-              <a:shade val="50000"/>
-            </a:schemeClr>
-          </a:lnRef>
-          <a:fillRef idx="1">
-            <a:schemeClr val="accent1"/>
-          </a:fillRef>
-          <a:effectRef idx="0">
-            <a:schemeClr val="accent1"/>
-          </a:effectRef>
-          <a:fontRef idx="minor">
-            <a:schemeClr val="lt1"/>
-          </a:fontRef>
-        </p:style>
-        <p:txBody>
-          <a:bodyPr rtlCol="0" anchor="ctr"/>
-          <a:lstStyle/>
-          <a:p>
-            <a:pPr algn="ctr"/>
-            <a:endParaRPr lang="en-US" sz="760"/>
-          </a:p>
-        </p:txBody>
-      </p:sp>
-      <p:sp>
-        <p:nvSpPr>
-          <p:cNvPr id="41" name="圆角矩形 40"/>
-          <p:cNvSpPr/>
-          <p:nvPr/>
-        </p:nvSpPr>
-        <p:spPr>
-          <a:xfrm>
-            <a:off x="4297003" y="9019583"/>
-            <a:ext cx="318845" cy="188945"/>
-          </a:xfrm>
-          <a:prstGeom prst="roundRect">
-            <a:avLst/>
-          </a:prstGeom>
-          <a:noFill/>
-          <a:ln w="28575">
-            <a:solidFill>
-              <a:schemeClr val="tx1"/>
-            </a:solidFill>
-          </a:ln>
-        </p:spPr>
-        <p:style>
-          <a:lnRef idx="2">
-            <a:schemeClr val="accent1">
-              <a:shade val="50000"/>
-            </a:schemeClr>
-          </a:lnRef>
-          <a:fillRef idx="1">
-            <a:schemeClr val="accent1"/>
-          </a:fillRef>
-          <a:effectRef idx="0">
-            <a:schemeClr val="accent1"/>
-          </a:effectRef>
-          <a:fontRef idx="minor">
-            <a:schemeClr val="lt1"/>
-          </a:fontRef>
-        </p:style>
-        <p:txBody>
-          <a:bodyPr rtlCol="0" anchor="ctr"/>
-          <a:lstStyle/>
-          <a:p>
-            <a:pPr algn="ctr"/>
-            <a:endParaRPr lang="en-US" sz="760"/>
-          </a:p>
-        </p:txBody>
-      </p:sp>
-      <p:cxnSp>
-        <p:nvCxnSpPr>
-          <p:cNvPr id="45" name="直接箭头连接符 44"/>
-          <p:cNvCxnSpPr>
-            <a:stCxn id="41" idx="0"/>
-            <a:endCxn id="16" idx="2"/>
-          </p:cNvCxnSpPr>
-          <p:nvPr/>
-        </p:nvCxnSpPr>
-        <p:spPr>
-          <a:xfrm flipH="1" flipV="1">
-            <a:off x="4218357" y="8870002"/>
-            <a:ext cx="238069" cy="149582"/>
-          </a:xfrm>
-          <a:prstGeom prst="straightConnector1">
-            <a:avLst/>
-          </a:prstGeom>
-          <a:ln>
-            <a:solidFill>
-              <a:schemeClr val="tx1"/>
-            </a:solidFill>
-            <a:tailEnd type="triangle"/>
-          </a:ln>
-        </p:spPr>
-        <p:style>
-          <a:lnRef idx="1">
-            <a:schemeClr val="accent1"/>
-          </a:lnRef>
-          <a:fillRef idx="0">
-            <a:schemeClr val="accent1"/>
-          </a:fillRef>
-          <a:effectRef idx="0">
-            <a:schemeClr val="accent1"/>
-          </a:effectRef>
-          <a:fontRef idx="minor">
-            <a:schemeClr val="tx1"/>
-          </a:fontRef>
-        </p:style>
-      </p:cxnSp>
-      <p:cxnSp>
-        <p:nvCxnSpPr>
-          <p:cNvPr id="47" name="直接箭头连接符 46"/>
-          <p:cNvCxnSpPr>
-            <a:stCxn id="36" idx="0"/>
-            <a:endCxn id="16" idx="2"/>
-          </p:cNvCxnSpPr>
-          <p:nvPr/>
-        </p:nvCxnSpPr>
-        <p:spPr>
-          <a:xfrm flipV="1">
-            <a:off x="4007107" y="8870002"/>
-            <a:ext cx="211250" cy="149582"/>
-          </a:xfrm>
-          <a:prstGeom prst="straightConnector1">
-            <a:avLst/>
-          </a:prstGeom>
-          <a:ln>
-            <a:solidFill>
-              <a:schemeClr val="tx1"/>
-            </a:solidFill>
-            <a:tailEnd type="triangle"/>
-          </a:ln>
-        </p:spPr>
-        <p:style>
-          <a:lnRef idx="1">
-            <a:schemeClr val="accent1"/>
-          </a:lnRef>
-          <a:fillRef idx="0">
-            <a:schemeClr val="accent1"/>
-          </a:fillRef>
-          <a:effectRef idx="0">
-            <a:schemeClr val="accent1"/>
-          </a:effectRef>
-          <a:fontRef idx="minor">
-            <a:schemeClr val="tx1"/>
-          </a:fontRef>
-        </p:style>
-      </p:cxnSp>
-      <p:sp>
-        <p:nvSpPr>
-          <p:cNvPr id="48" name="圆角矩形 47"/>
-          <p:cNvSpPr/>
-          <p:nvPr/>
-        </p:nvSpPr>
-        <p:spPr>
-          <a:xfrm>
-            <a:off x="4767640" y="9019583"/>
-            <a:ext cx="318845" cy="188945"/>
-          </a:xfrm>
-          <a:prstGeom prst="roundRect">
-            <a:avLst/>
-          </a:prstGeom>
-          <a:noFill/>
-          <a:ln w="28575">
-            <a:solidFill>
-              <a:schemeClr val="tx1"/>
-            </a:solidFill>
-          </a:ln>
-        </p:spPr>
-        <p:style>
-          <a:lnRef idx="2">
-            <a:schemeClr val="accent1">
-              <a:shade val="50000"/>
-            </a:schemeClr>
-          </a:lnRef>
-          <a:fillRef idx="1">
-            <a:schemeClr val="accent1"/>
-          </a:fillRef>
-          <a:effectRef idx="0">
-            <a:schemeClr val="accent1"/>
-          </a:effectRef>
-          <a:fontRef idx="minor">
-            <a:schemeClr val="lt1"/>
-          </a:fontRef>
-        </p:style>
-        <p:txBody>
-          <a:bodyPr rtlCol="0" anchor="ctr"/>
-          <a:lstStyle/>
-          <a:p>
-            <a:pPr algn="ctr"/>
-            <a:endParaRPr lang="en-US" sz="760"/>
-          </a:p>
-        </p:txBody>
-      </p:sp>
-      <p:sp>
-        <p:nvSpPr>
-          <p:cNvPr id="53" name="圆角矩形 52"/>
-          <p:cNvSpPr/>
-          <p:nvPr/>
-        </p:nvSpPr>
-        <p:spPr>
-          <a:xfrm>
-            <a:off x="5170462" y="9019583"/>
-            <a:ext cx="318845" cy="188945"/>
-          </a:xfrm>
-          <a:prstGeom prst="roundRect">
-            <a:avLst/>
-          </a:prstGeom>
-          <a:noFill/>
-          <a:ln w="28575">
-            <a:solidFill>
-              <a:schemeClr val="tx1"/>
-            </a:solidFill>
-          </a:ln>
-        </p:spPr>
-        <p:style>
-          <a:lnRef idx="2">
-            <a:schemeClr val="accent1">
-              <a:shade val="50000"/>
-            </a:schemeClr>
-          </a:lnRef>
-          <a:fillRef idx="1">
-            <a:schemeClr val="accent1"/>
-          </a:fillRef>
-          <a:effectRef idx="0">
-            <a:schemeClr val="accent1"/>
-          </a:effectRef>
-          <a:fontRef idx="minor">
-            <a:schemeClr val="lt1"/>
-          </a:fontRef>
-        </p:style>
-        <p:txBody>
-          <a:bodyPr rtlCol="0" anchor="ctr"/>
-          <a:lstStyle/>
-          <a:p>
-            <a:pPr algn="ctr"/>
-            <a:endParaRPr lang="en-US" sz="760"/>
-          </a:p>
-        </p:txBody>
-      </p:sp>
-      <p:cxnSp>
-        <p:nvCxnSpPr>
-          <p:cNvPr id="57" name="直接箭头连接符 56"/>
-          <p:cNvCxnSpPr>
-            <a:stCxn id="48" idx="0"/>
-            <a:endCxn id="14" idx="2"/>
-          </p:cNvCxnSpPr>
-          <p:nvPr/>
-        </p:nvCxnSpPr>
-        <p:spPr>
-          <a:xfrm flipV="1">
-            <a:off x="4927063" y="8870002"/>
-            <a:ext cx="188375" cy="149582"/>
-          </a:xfrm>
-          <a:prstGeom prst="straightConnector1">
-            <a:avLst/>
-          </a:prstGeom>
-          <a:ln>
-            <a:solidFill>
-              <a:schemeClr val="tx1"/>
-            </a:solidFill>
-            <a:tailEnd type="triangle"/>
-          </a:ln>
-        </p:spPr>
-        <p:style>
-          <a:lnRef idx="1">
-            <a:schemeClr val="accent1"/>
-          </a:lnRef>
-          <a:fillRef idx="0">
-            <a:schemeClr val="accent1"/>
-          </a:fillRef>
-          <a:effectRef idx="0">
-            <a:schemeClr val="accent1"/>
-          </a:effectRef>
-          <a:fontRef idx="minor">
-            <a:schemeClr val="tx1"/>
-          </a:fontRef>
-        </p:style>
-      </p:cxnSp>
-      <p:cxnSp>
-        <p:nvCxnSpPr>
-          <p:cNvPr id="59" name="直接箭头连接符 58"/>
-          <p:cNvCxnSpPr>
-            <a:stCxn id="53" idx="0"/>
-            <a:endCxn id="14" idx="2"/>
-          </p:cNvCxnSpPr>
-          <p:nvPr/>
-        </p:nvCxnSpPr>
-        <p:spPr>
-          <a:xfrm flipH="1" flipV="1">
-            <a:off x="5115437" y="8870003"/>
-            <a:ext cx="214448" cy="149581"/>
-          </a:xfrm>
-          <a:prstGeom prst="straightConnector1">
-            <a:avLst/>
-          </a:prstGeom>
-          <a:ln>
-            <a:solidFill>
-              <a:schemeClr val="tx1"/>
-            </a:solidFill>
-            <a:tailEnd type="triangle"/>
-          </a:ln>
-        </p:spPr>
-        <p:style>
-          <a:lnRef idx="1">
-            <a:schemeClr val="accent1"/>
-          </a:lnRef>
-          <a:fillRef idx="0">
-            <a:schemeClr val="accent1"/>
-          </a:fillRef>
-          <a:effectRef idx="0">
-            <a:schemeClr val="accent1"/>
-          </a:effectRef>
-          <a:fontRef idx="minor">
-            <a:schemeClr val="tx1"/>
-          </a:fontRef>
-        </p:style>
-      </p:cxnSp>
-      <p:sp>
-        <p:nvSpPr>
-          <p:cNvPr id="64" name="圆角矩形 63"/>
-          <p:cNvSpPr/>
-          <p:nvPr/>
-        </p:nvSpPr>
-        <p:spPr>
-          <a:xfrm>
-            <a:off x="6086649" y="8680892"/>
-            <a:ext cx="318845" cy="188945"/>
-          </a:xfrm>
-          <a:prstGeom prst="roundRect">
-            <a:avLst/>
-          </a:prstGeom>
-          <a:noFill/>
-          <a:ln w="28575">
-            <a:solidFill>
-              <a:schemeClr val="tx1"/>
-            </a:solidFill>
-          </a:ln>
-        </p:spPr>
-        <p:style>
-          <a:lnRef idx="2">
-            <a:schemeClr val="accent1">
-              <a:shade val="50000"/>
-            </a:schemeClr>
-          </a:lnRef>
-          <a:fillRef idx="1">
-            <a:schemeClr val="accent1"/>
-          </a:fillRef>
-          <a:effectRef idx="0">
-            <a:schemeClr val="accent1"/>
-          </a:effectRef>
-          <a:fontRef idx="minor">
-            <a:schemeClr val="lt1"/>
-          </a:fontRef>
-        </p:style>
-        <p:txBody>
-          <a:bodyPr rtlCol="0" anchor="ctr"/>
-          <a:lstStyle/>
-          <a:p>
-            <a:pPr algn="ctr"/>
-            <a:endParaRPr lang="en-US" sz="760"/>
-          </a:p>
-        </p:txBody>
-      </p:sp>
-      <p:cxnSp>
-        <p:nvCxnSpPr>
-          <p:cNvPr id="66" name="直接箭头连接符 65"/>
-          <p:cNvCxnSpPr>
-            <a:stCxn id="7" idx="0"/>
-            <a:endCxn id="64" idx="2"/>
-          </p:cNvCxnSpPr>
-          <p:nvPr/>
-        </p:nvCxnSpPr>
-        <p:spPr>
-          <a:xfrm flipV="1">
-            <a:off x="6246071" y="8869837"/>
-            <a:ext cx="0" cy="141870"/>
-          </a:xfrm>
-          <a:prstGeom prst="straightConnector1">
-            <a:avLst/>
-          </a:prstGeom>
-          <a:ln>
-            <a:solidFill>
-              <a:schemeClr val="tx1"/>
-            </a:solidFill>
-            <a:tailEnd type="triangle"/>
-          </a:ln>
-        </p:spPr>
-        <p:style>
-          <a:lnRef idx="1">
-            <a:schemeClr val="accent1"/>
-          </a:lnRef>
-          <a:fillRef idx="0">
-            <a:schemeClr val="accent1"/>
-          </a:fillRef>
-          <a:effectRef idx="0">
-            <a:schemeClr val="accent1"/>
-          </a:effectRef>
-          <a:fontRef idx="minor">
-            <a:schemeClr val="tx1"/>
-          </a:fontRef>
-        </p:style>
-      </p:cxnSp>
-      <p:cxnSp>
-        <p:nvCxnSpPr>
-          <p:cNvPr id="68" name="直接箭头连接符 67"/>
-          <p:cNvCxnSpPr>
-            <a:stCxn id="16" idx="0"/>
-            <a:endCxn id="15" idx="2"/>
-          </p:cNvCxnSpPr>
-          <p:nvPr/>
-        </p:nvCxnSpPr>
-        <p:spPr>
-          <a:xfrm flipV="1">
-            <a:off x="4218358" y="8437004"/>
-            <a:ext cx="897080" cy="244055"/>
-          </a:xfrm>
-          <a:prstGeom prst="straightConnector1">
-            <a:avLst/>
-          </a:prstGeom>
-          <a:ln>
-            <a:solidFill>
-              <a:schemeClr val="tx1"/>
-            </a:solidFill>
-            <a:tailEnd type="triangle"/>
-          </a:ln>
-        </p:spPr>
-        <p:style>
-          <a:lnRef idx="1">
-            <a:schemeClr val="accent1"/>
-          </a:lnRef>
-          <a:fillRef idx="0">
-            <a:schemeClr val="accent1"/>
-          </a:fillRef>
-          <a:effectRef idx="0">
-            <a:schemeClr val="accent1"/>
-          </a:effectRef>
-          <a:fontRef idx="minor">
-            <a:schemeClr val="tx1"/>
-          </a:fontRef>
-        </p:style>
-      </p:cxnSp>
-      <p:cxnSp>
-        <p:nvCxnSpPr>
-          <p:cNvPr id="70" name="直接箭头连接符 69"/>
-          <p:cNvCxnSpPr>
-            <a:stCxn id="14" idx="0"/>
-            <a:endCxn id="15" idx="2"/>
-          </p:cNvCxnSpPr>
-          <p:nvPr/>
-        </p:nvCxnSpPr>
-        <p:spPr>
-          <a:xfrm flipH="1" flipV="1">
-            <a:off x="5115438" y="8437004"/>
-            <a:ext cx="1" cy="244055"/>
-          </a:xfrm>
-          <a:prstGeom prst="straightConnector1">
-            <a:avLst/>
-          </a:prstGeom>
-          <a:ln>
-            <a:solidFill>
-              <a:schemeClr val="tx1"/>
-            </a:solidFill>
-            <a:tailEnd type="triangle"/>
-          </a:ln>
-        </p:spPr>
-        <p:style>
-          <a:lnRef idx="1">
-            <a:schemeClr val="accent1"/>
-          </a:lnRef>
-          <a:fillRef idx="0">
-            <a:schemeClr val="accent1"/>
-          </a:fillRef>
-          <a:effectRef idx="0">
-            <a:schemeClr val="accent1"/>
-          </a:effectRef>
-          <a:fontRef idx="minor">
-            <a:schemeClr val="tx1"/>
-          </a:fontRef>
-        </p:style>
-      </p:cxnSp>
-      <p:cxnSp>
-        <p:nvCxnSpPr>
-          <p:cNvPr id="72" name="直接箭头连接符 71"/>
-          <p:cNvCxnSpPr>
-            <a:stCxn id="64" idx="0"/>
-            <a:endCxn id="15" idx="2"/>
-          </p:cNvCxnSpPr>
-          <p:nvPr/>
-        </p:nvCxnSpPr>
-        <p:spPr>
-          <a:xfrm flipH="1" flipV="1">
-            <a:off x="5115437" y="8437004"/>
-            <a:ext cx="1130634" cy="243890"/>
-          </a:xfrm>
-          <a:prstGeom prst="straightConnector1">
-            <a:avLst/>
-          </a:prstGeom>
-          <a:ln>
-            <a:solidFill>
-              <a:schemeClr val="tx1"/>
-            </a:solidFill>
-            <a:tailEnd type="triangle"/>
-          </a:ln>
-        </p:spPr>
-        <p:style>
-          <a:lnRef idx="1">
-            <a:schemeClr val="accent1"/>
-          </a:lnRef>
-          <a:fillRef idx="0">
-            <a:schemeClr val="accent1"/>
-          </a:fillRef>
-          <a:effectRef idx="0">
-            <a:schemeClr val="accent1"/>
-          </a:effectRef>
-          <a:fontRef idx="minor">
-            <a:schemeClr val="tx1"/>
-          </a:fontRef>
-        </p:style>
-      </p:cxnSp>
-      <p:sp>
-        <p:nvSpPr>
-          <p:cNvPr id="86" name="圆角矩形 85"/>
-          <p:cNvSpPr/>
-          <p:nvPr/>
-        </p:nvSpPr>
-        <p:spPr>
-          <a:xfrm>
-            <a:off x="4956014" y="7913465"/>
-            <a:ext cx="318845" cy="188945"/>
-          </a:xfrm>
-          <a:prstGeom prst="roundRect">
-            <a:avLst/>
-          </a:prstGeom>
-          <a:noFill/>
-          <a:ln w="28575">
-            <a:solidFill>
-              <a:schemeClr val="tx1"/>
-            </a:solidFill>
-          </a:ln>
-        </p:spPr>
-        <p:style>
-          <a:lnRef idx="2">
-            <a:schemeClr val="accent1">
-              <a:shade val="50000"/>
-            </a:schemeClr>
-          </a:lnRef>
-          <a:fillRef idx="1">
-            <a:schemeClr val="accent1"/>
-          </a:fillRef>
-          <a:effectRef idx="0">
-            <a:schemeClr val="accent1"/>
-          </a:effectRef>
-          <a:fontRef idx="minor">
-            <a:schemeClr val="lt1"/>
-          </a:fontRef>
-        </p:style>
-        <p:txBody>
-          <a:bodyPr rtlCol="0" anchor="ctr"/>
-          <a:lstStyle/>
-          <a:p>
-            <a:pPr algn="ctr"/>
-            <a:endParaRPr lang="en-US" sz="760"/>
-          </a:p>
-        </p:txBody>
-      </p:sp>
-      <p:cxnSp>
-        <p:nvCxnSpPr>
-          <p:cNvPr id="88" name="直接箭头连接符 87"/>
-          <p:cNvCxnSpPr>
-            <a:stCxn id="15" idx="0"/>
-            <a:endCxn id="86" idx="2"/>
-          </p:cNvCxnSpPr>
-          <p:nvPr/>
-        </p:nvCxnSpPr>
-        <p:spPr>
-          <a:xfrm flipV="1">
-            <a:off x="5115437" y="8102410"/>
-            <a:ext cx="0" cy="145647"/>
-          </a:xfrm>
-          <a:prstGeom prst="straightConnector1">
-            <a:avLst/>
-          </a:prstGeom>
-          <a:ln>
-            <a:solidFill>
-              <a:schemeClr val="tx1"/>
-            </a:solidFill>
-            <a:tailEnd type="triangle"/>
-          </a:ln>
-        </p:spPr>
-        <p:style>
-          <a:lnRef idx="1">
-            <a:schemeClr val="accent1"/>
-          </a:lnRef>
-          <a:fillRef idx="0">
-            <a:schemeClr val="accent1"/>
-          </a:fillRef>
-          <a:effectRef idx="0">
-            <a:schemeClr val="accent1"/>
-          </a:effectRef>
-          <a:fontRef idx="minor">
-            <a:schemeClr val="tx1"/>
-          </a:fontRef>
-        </p:style>
-      </p:cxnSp>
-      <p:sp>
-        <p:nvSpPr>
-          <p:cNvPr id="90" name="文本框 89"/>
-          <p:cNvSpPr txBox="1"/>
-          <p:nvPr/>
-        </p:nvSpPr>
-        <p:spPr>
-          <a:xfrm>
-            <a:off x="5837215" y="9161293"/>
-            <a:ext cx="287258" cy="209288"/>
-          </a:xfrm>
-          <a:prstGeom prst="rect">
-            <a:avLst/>
-          </a:prstGeom>
-          <a:noFill/>
-        </p:spPr>
-        <p:txBody>
-          <a:bodyPr wrap="none" rtlCol="0">
-            <a:spAutoFit/>
-          </a:bodyPr>
-          <a:lstStyle/>
-          <a:p>
-            <a:r>
-              <a:rPr lang="en-US" sz="760" dirty="0"/>
-              <a:t>R1</a:t>
-            </a:r>
-            <a:endParaRPr lang="en-US" sz="760" dirty="0"/>
-          </a:p>
-        </p:txBody>
-      </p:sp>
-      <p:sp>
-        <p:nvSpPr>
-          <p:cNvPr id="91" name="文本框 90"/>
-          <p:cNvSpPr txBox="1"/>
-          <p:nvPr/>
-        </p:nvSpPr>
-        <p:spPr>
-          <a:xfrm>
-            <a:off x="4909079" y="9210172"/>
-            <a:ext cx="287258" cy="209288"/>
-          </a:xfrm>
-          <a:prstGeom prst="rect">
-            <a:avLst/>
-          </a:prstGeom>
-          <a:noFill/>
-        </p:spPr>
-        <p:txBody>
-          <a:bodyPr wrap="none" rtlCol="0">
-            <a:spAutoFit/>
-          </a:bodyPr>
-          <a:lstStyle/>
-          <a:p>
-            <a:r>
-              <a:rPr lang="en-US" sz="760" dirty="0"/>
-              <a:t>R2</a:t>
-            </a:r>
-            <a:endParaRPr lang="en-US" sz="760" dirty="0"/>
-          </a:p>
-        </p:txBody>
-      </p:sp>
-      <p:sp>
-        <p:nvSpPr>
-          <p:cNvPr id="92" name="文本框 91"/>
-          <p:cNvSpPr txBox="1"/>
-          <p:nvPr/>
-        </p:nvSpPr>
-        <p:spPr>
-          <a:xfrm>
-            <a:off x="6225470" y="8883450"/>
-            <a:ext cx="287258" cy="209288"/>
-          </a:xfrm>
-          <a:prstGeom prst="rect">
-            <a:avLst/>
-          </a:prstGeom>
-          <a:noFill/>
-        </p:spPr>
-        <p:txBody>
-          <a:bodyPr wrap="none" rtlCol="0">
-            <a:spAutoFit/>
-          </a:bodyPr>
-          <a:lstStyle/>
-          <a:p>
-            <a:r>
-              <a:rPr lang="en-US" sz="760" dirty="0"/>
-              <a:t>R2</a:t>
-            </a:r>
-            <a:endParaRPr lang="en-US" sz="760" dirty="0"/>
-          </a:p>
-        </p:txBody>
-      </p:sp>
-      <p:sp>
-        <p:nvSpPr>
-          <p:cNvPr id="93" name="文本框 92"/>
-          <p:cNvSpPr txBox="1"/>
-          <p:nvPr/>
-        </p:nvSpPr>
-        <p:spPr>
-          <a:xfrm>
-            <a:off x="5278746" y="8868525"/>
-            <a:ext cx="287258" cy="209288"/>
-          </a:xfrm>
-          <a:prstGeom prst="rect">
-            <a:avLst/>
-          </a:prstGeom>
-          <a:noFill/>
-        </p:spPr>
-        <p:txBody>
-          <a:bodyPr wrap="none" rtlCol="0">
-            <a:spAutoFit/>
-          </a:bodyPr>
-          <a:lstStyle/>
-          <a:p>
-            <a:r>
-              <a:rPr lang="en-US" sz="760" dirty="0"/>
-              <a:t>R2</a:t>
-            </a:r>
-            <a:endParaRPr lang="en-US" sz="760" dirty="0"/>
-          </a:p>
-        </p:txBody>
-      </p:sp>
-      <p:sp>
-        <p:nvSpPr>
-          <p:cNvPr id="95" name="文本框 94"/>
-          <p:cNvSpPr txBox="1"/>
-          <p:nvPr/>
-        </p:nvSpPr>
-        <p:spPr>
-          <a:xfrm>
-            <a:off x="3897804" y="8877055"/>
-            <a:ext cx="287258" cy="209288"/>
-          </a:xfrm>
-          <a:prstGeom prst="rect">
-            <a:avLst/>
-          </a:prstGeom>
-          <a:noFill/>
-        </p:spPr>
-        <p:txBody>
-          <a:bodyPr wrap="none" rtlCol="0">
-            <a:spAutoFit/>
-          </a:bodyPr>
-          <a:lstStyle/>
-          <a:p>
-            <a:r>
-              <a:rPr lang="en-US" sz="760" dirty="0"/>
-              <a:t>R2</a:t>
-            </a:r>
-            <a:endParaRPr lang="en-US" sz="760" dirty="0"/>
-          </a:p>
-        </p:txBody>
-      </p:sp>
-      <p:sp>
-        <p:nvSpPr>
-          <p:cNvPr id="97" name="文本框 96"/>
-          <p:cNvSpPr txBox="1"/>
-          <p:nvPr/>
-        </p:nvSpPr>
-        <p:spPr>
-          <a:xfrm>
-            <a:off x="5319914" y="9212961"/>
-            <a:ext cx="287258" cy="209288"/>
-          </a:xfrm>
-          <a:prstGeom prst="rect">
-            <a:avLst/>
-          </a:prstGeom>
-          <a:noFill/>
-        </p:spPr>
-        <p:txBody>
-          <a:bodyPr wrap="none" rtlCol="0">
-            <a:spAutoFit/>
-          </a:bodyPr>
-          <a:lstStyle/>
-          <a:p>
-            <a:r>
-              <a:rPr lang="en-US" sz="760" dirty="0"/>
-              <a:t>R3</a:t>
-            </a:r>
-            <a:endParaRPr lang="en-US" sz="760" dirty="0"/>
-          </a:p>
-        </p:txBody>
-      </p:sp>
-      <p:sp>
-        <p:nvSpPr>
-          <p:cNvPr id="98" name="文本框 97"/>
-          <p:cNvSpPr txBox="1"/>
-          <p:nvPr/>
-        </p:nvSpPr>
-        <p:spPr>
-          <a:xfrm>
-            <a:off x="4804806" y="8876728"/>
-            <a:ext cx="287258" cy="209288"/>
-          </a:xfrm>
-          <a:prstGeom prst="rect">
-            <a:avLst/>
-          </a:prstGeom>
-          <a:noFill/>
-        </p:spPr>
-        <p:txBody>
-          <a:bodyPr wrap="none" rtlCol="0">
-            <a:spAutoFit/>
-          </a:bodyPr>
-          <a:lstStyle/>
-          <a:p>
-            <a:r>
-              <a:rPr lang="en-US" sz="760" dirty="0"/>
-              <a:t>R3</a:t>
-            </a:r>
-            <a:endParaRPr lang="en-US" sz="760" dirty="0"/>
-          </a:p>
-        </p:txBody>
-      </p:sp>
-      <p:sp>
-        <p:nvSpPr>
-          <p:cNvPr id="99" name="文本框 98"/>
-          <p:cNvSpPr txBox="1"/>
-          <p:nvPr/>
-        </p:nvSpPr>
-        <p:spPr>
-          <a:xfrm>
-            <a:off x="4352818" y="8859838"/>
-            <a:ext cx="287258" cy="209288"/>
-          </a:xfrm>
-          <a:prstGeom prst="rect">
-            <a:avLst/>
-          </a:prstGeom>
-          <a:noFill/>
-        </p:spPr>
-        <p:txBody>
-          <a:bodyPr wrap="none" rtlCol="0">
-            <a:spAutoFit/>
-          </a:bodyPr>
-          <a:lstStyle/>
-          <a:p>
-            <a:r>
-              <a:rPr lang="en-US" sz="760" dirty="0"/>
-              <a:t>R3</a:t>
-            </a:r>
-            <a:endParaRPr lang="en-US" sz="760" dirty="0"/>
-          </a:p>
-        </p:txBody>
-      </p:sp>
-      <p:sp>
-        <p:nvSpPr>
-          <p:cNvPr id="100" name="文本框 99"/>
-          <p:cNvSpPr txBox="1"/>
-          <p:nvPr/>
-        </p:nvSpPr>
-        <p:spPr>
-          <a:xfrm>
-            <a:off x="4414177" y="8467022"/>
-            <a:ext cx="287258" cy="209288"/>
-          </a:xfrm>
-          <a:prstGeom prst="rect">
-            <a:avLst/>
-          </a:prstGeom>
-          <a:noFill/>
-        </p:spPr>
-        <p:txBody>
-          <a:bodyPr wrap="none" rtlCol="0">
-            <a:spAutoFit/>
-          </a:bodyPr>
-          <a:lstStyle/>
-          <a:p>
-            <a:r>
-              <a:rPr lang="en-US" sz="760" dirty="0"/>
-              <a:t>R1</a:t>
-            </a:r>
-            <a:endParaRPr lang="en-US" sz="760" dirty="0"/>
-          </a:p>
-        </p:txBody>
-      </p:sp>
-      <p:sp>
-        <p:nvSpPr>
-          <p:cNvPr id="101" name="文本框 100"/>
-          <p:cNvSpPr txBox="1"/>
-          <p:nvPr/>
-        </p:nvSpPr>
-        <p:spPr>
-          <a:xfrm>
-            <a:off x="5085996" y="8465302"/>
-            <a:ext cx="287258" cy="209288"/>
-          </a:xfrm>
-          <a:prstGeom prst="rect">
-            <a:avLst/>
-          </a:prstGeom>
-          <a:noFill/>
-        </p:spPr>
-        <p:txBody>
-          <a:bodyPr wrap="none" rtlCol="0">
-            <a:spAutoFit/>
-          </a:bodyPr>
-          <a:lstStyle/>
-          <a:p>
-            <a:r>
-              <a:rPr lang="en-US" sz="760" dirty="0"/>
-              <a:t>R1</a:t>
-            </a:r>
-            <a:endParaRPr lang="en-US" sz="760" dirty="0"/>
-          </a:p>
-        </p:txBody>
-      </p:sp>
-      <p:sp>
-        <p:nvSpPr>
-          <p:cNvPr id="102" name="文本框 101"/>
-          <p:cNvSpPr txBox="1"/>
-          <p:nvPr/>
-        </p:nvSpPr>
-        <p:spPr>
-          <a:xfrm>
-            <a:off x="5787255" y="8465302"/>
-            <a:ext cx="287258" cy="209288"/>
-          </a:xfrm>
-          <a:prstGeom prst="rect">
-            <a:avLst/>
-          </a:prstGeom>
-          <a:noFill/>
-        </p:spPr>
-        <p:txBody>
-          <a:bodyPr wrap="none" rtlCol="0">
-            <a:spAutoFit/>
-          </a:bodyPr>
-          <a:lstStyle/>
-          <a:p>
-            <a:r>
-              <a:rPr lang="en-US" sz="760" dirty="0"/>
-              <a:t>R1</a:t>
-            </a:r>
-            <a:endParaRPr lang="en-US" sz="760" dirty="0"/>
-          </a:p>
-        </p:txBody>
-      </p:sp>
-      <p:sp>
-        <p:nvSpPr>
-          <p:cNvPr id="103" name="文本框 102"/>
-          <p:cNvSpPr txBox="1"/>
-          <p:nvPr/>
-        </p:nvSpPr>
-        <p:spPr>
-          <a:xfrm>
-            <a:off x="5122838" y="8100432"/>
-            <a:ext cx="287258" cy="209288"/>
-          </a:xfrm>
-          <a:prstGeom prst="rect">
-            <a:avLst/>
-          </a:prstGeom>
-          <a:noFill/>
-        </p:spPr>
-        <p:txBody>
-          <a:bodyPr wrap="none" rtlCol="0">
-            <a:spAutoFit/>
-          </a:bodyPr>
-          <a:lstStyle/>
-          <a:p>
-            <a:r>
-              <a:rPr lang="en-US" sz="760" dirty="0"/>
-              <a:t>R4</a:t>
-            </a:r>
-            <a:endParaRPr lang="en-US" sz="760" dirty="0"/>
-          </a:p>
-        </p:txBody>
-      </p:sp>
-      <p:sp>
-        <p:nvSpPr>
-          <p:cNvPr id="104" name="椭圆 103"/>
-          <p:cNvSpPr/>
-          <p:nvPr/>
-        </p:nvSpPr>
-        <p:spPr>
-          <a:xfrm>
-            <a:off x="5073942" y="7937076"/>
-            <a:ext cx="43300" cy="43300"/>
-          </a:xfrm>
-          <a:prstGeom prst="ellipse">
-            <a:avLst/>
-          </a:prstGeom>
-          <a:ln>
-            <a:solidFill>
-              <a:srgbClr val="FF0000"/>
-            </a:solidFill>
-          </a:ln>
-        </p:spPr>
-        <p:style>
-          <a:lnRef idx="2">
-            <a:schemeClr val="accent1">
-              <a:shade val="50000"/>
-            </a:schemeClr>
-          </a:lnRef>
-          <a:fillRef idx="1">
-            <a:schemeClr val="accent1"/>
-          </a:fillRef>
-          <a:effectRef idx="0">
-            <a:schemeClr val="accent1"/>
-          </a:effectRef>
-          <a:fontRef idx="minor">
-            <a:schemeClr val="lt1"/>
-          </a:fontRef>
-        </p:style>
-        <p:txBody>
-          <a:bodyPr rtlCol="0" anchor="ctr"/>
-          <a:lstStyle/>
-          <a:p>
-            <a:pPr algn="ctr"/>
-            <a:endParaRPr lang="en-US" sz="760"/>
-          </a:p>
-        </p:txBody>
-      </p:sp>
-      <p:sp>
-        <p:nvSpPr>
-          <p:cNvPr id="105" name="椭圆 104"/>
-          <p:cNvSpPr/>
-          <p:nvPr/>
-        </p:nvSpPr>
-        <p:spPr>
-          <a:xfrm>
-            <a:off x="5115438" y="8027611"/>
-            <a:ext cx="43300" cy="43300"/>
-          </a:xfrm>
-          <a:prstGeom prst="ellipse">
-            <a:avLst/>
-          </a:prstGeom>
-          <a:ln>
-            <a:solidFill>
-              <a:srgbClr val="FF0000"/>
-            </a:solidFill>
-          </a:ln>
-        </p:spPr>
-        <p:style>
-          <a:lnRef idx="2">
-            <a:schemeClr val="accent1">
-              <a:shade val="50000"/>
-            </a:schemeClr>
-          </a:lnRef>
-          <a:fillRef idx="1">
-            <a:schemeClr val="accent1"/>
-          </a:fillRef>
-          <a:effectRef idx="0">
-            <a:schemeClr val="accent1"/>
-          </a:effectRef>
-          <a:fontRef idx="minor">
-            <a:schemeClr val="lt1"/>
-          </a:fontRef>
-        </p:style>
-        <p:txBody>
-          <a:bodyPr rtlCol="0" anchor="ctr"/>
-          <a:lstStyle/>
-          <a:p>
-            <a:pPr algn="ctr"/>
-            <a:endParaRPr lang="en-US" sz="760"/>
-          </a:p>
-        </p:txBody>
-      </p:sp>
-      <p:sp>
-        <p:nvSpPr>
-          <p:cNvPr id="106" name="圆角矩形 105"/>
-          <p:cNvSpPr/>
-          <p:nvPr/>
-        </p:nvSpPr>
-        <p:spPr>
-          <a:xfrm>
-            <a:off x="4956014" y="7631508"/>
-            <a:ext cx="318845" cy="188945"/>
-          </a:xfrm>
-          <a:prstGeom prst="roundRect">
-            <a:avLst/>
-          </a:prstGeom>
-          <a:noFill/>
-          <a:ln w="28575">
-            <a:solidFill>
-              <a:schemeClr val="tx1"/>
-            </a:solidFill>
-          </a:ln>
-        </p:spPr>
-        <p:style>
-          <a:lnRef idx="2">
-            <a:schemeClr val="accent1">
-              <a:shade val="50000"/>
-            </a:schemeClr>
-          </a:lnRef>
-          <a:fillRef idx="1">
-            <a:schemeClr val="accent1"/>
-          </a:fillRef>
-          <a:effectRef idx="0">
-            <a:schemeClr val="accent1"/>
-          </a:effectRef>
-          <a:fontRef idx="minor">
-            <a:schemeClr val="lt1"/>
-          </a:fontRef>
-        </p:style>
-        <p:txBody>
-          <a:bodyPr rtlCol="0" anchor="ctr"/>
-          <a:lstStyle/>
-          <a:p>
-            <a:pPr algn="ctr"/>
-            <a:endParaRPr lang="en-US" sz="760"/>
-          </a:p>
-        </p:txBody>
-      </p:sp>
-      <p:sp>
-        <p:nvSpPr>
-          <p:cNvPr id="107" name="椭圆 106"/>
-          <p:cNvSpPr/>
-          <p:nvPr/>
-        </p:nvSpPr>
-        <p:spPr>
-          <a:xfrm>
-            <a:off x="5073942" y="7655118"/>
-            <a:ext cx="43300" cy="43300"/>
-          </a:xfrm>
-          <a:prstGeom prst="ellipse">
-            <a:avLst/>
-          </a:prstGeom>
-          <a:ln>
-            <a:solidFill>
-              <a:srgbClr val="FF0000"/>
-            </a:solidFill>
-          </a:ln>
-        </p:spPr>
-        <p:style>
-          <a:lnRef idx="2">
-            <a:schemeClr val="accent1">
-              <a:shade val="50000"/>
-            </a:schemeClr>
-          </a:lnRef>
-          <a:fillRef idx="1">
-            <a:schemeClr val="accent1"/>
-          </a:fillRef>
-          <a:effectRef idx="0">
-            <a:schemeClr val="accent1"/>
-          </a:effectRef>
-          <a:fontRef idx="minor">
-            <a:schemeClr val="lt1"/>
-          </a:fontRef>
-        </p:style>
-        <p:txBody>
-          <a:bodyPr rtlCol="0" anchor="ctr"/>
-          <a:lstStyle/>
-          <a:p>
-            <a:pPr algn="ctr"/>
-            <a:endParaRPr lang="en-US" sz="760"/>
-          </a:p>
-        </p:txBody>
-      </p:sp>
-      <p:sp>
-        <p:nvSpPr>
-          <p:cNvPr id="108" name="椭圆 107"/>
-          <p:cNvSpPr/>
-          <p:nvPr/>
-        </p:nvSpPr>
-        <p:spPr>
-          <a:xfrm>
-            <a:off x="5115438" y="7745653"/>
-            <a:ext cx="43300" cy="43300"/>
-          </a:xfrm>
-          <a:prstGeom prst="ellipse">
-            <a:avLst/>
-          </a:prstGeom>
-          <a:ln>
-            <a:solidFill>
-              <a:srgbClr val="FF0000"/>
-            </a:solidFill>
-          </a:ln>
-        </p:spPr>
-        <p:style>
-          <a:lnRef idx="2">
-            <a:schemeClr val="accent1">
-              <a:shade val="50000"/>
-            </a:schemeClr>
-          </a:lnRef>
-          <a:fillRef idx="1">
-            <a:schemeClr val="accent1"/>
-          </a:fillRef>
-          <a:effectRef idx="0">
-            <a:schemeClr val="accent1"/>
-          </a:effectRef>
-          <a:fontRef idx="minor">
-            <a:schemeClr val="lt1"/>
-          </a:fontRef>
-        </p:style>
-        <p:txBody>
-          <a:bodyPr rtlCol="0" anchor="ctr"/>
-          <a:lstStyle/>
-          <a:p>
-            <a:pPr algn="ctr"/>
-            <a:endParaRPr lang="en-US" sz="760"/>
-          </a:p>
-        </p:txBody>
-      </p:sp>
-      <p:cxnSp>
-        <p:nvCxnSpPr>
-          <p:cNvPr id="110" name="直接连接符 109"/>
-          <p:cNvCxnSpPr>
-            <a:endCxn id="105" idx="0"/>
-          </p:cNvCxnSpPr>
-          <p:nvPr/>
-        </p:nvCxnSpPr>
-        <p:spPr>
-          <a:xfrm>
-            <a:off x="5102344" y="7976158"/>
-            <a:ext cx="34744" cy="51452"/>
-          </a:xfrm>
-          <a:prstGeom prst="line">
-            <a:avLst/>
-          </a:prstGeom>
-          <a:ln w="38100"/>
-        </p:spPr>
-        <p:style>
-          <a:lnRef idx="1">
-            <a:schemeClr val="accent1"/>
-          </a:lnRef>
-          <a:fillRef idx="0">
-            <a:schemeClr val="accent1"/>
-          </a:fillRef>
-          <a:effectRef idx="0">
-            <a:schemeClr val="accent1"/>
-          </a:effectRef>
-          <a:fontRef idx="minor">
-            <a:schemeClr val="tx1"/>
-          </a:fontRef>
-        </p:style>
-      </p:cxnSp>
-      <p:cxnSp>
-        <p:nvCxnSpPr>
-          <p:cNvPr id="113" name="直接箭头连接符 112"/>
-          <p:cNvCxnSpPr>
-            <a:stCxn id="86" idx="0"/>
-            <a:endCxn id="106" idx="2"/>
-          </p:cNvCxnSpPr>
-          <p:nvPr/>
-        </p:nvCxnSpPr>
-        <p:spPr>
-          <a:xfrm flipV="1">
-            <a:off x="5115437" y="7820454"/>
-            <a:ext cx="0" cy="93013"/>
-          </a:xfrm>
-          <a:prstGeom prst="straightConnector1">
-            <a:avLst/>
-          </a:prstGeom>
-          <a:ln>
-            <a:solidFill>
-              <a:schemeClr val="tx1"/>
-            </a:solidFill>
-            <a:tailEnd type="triangle"/>
-          </a:ln>
-        </p:spPr>
-        <p:style>
-          <a:lnRef idx="1">
-            <a:schemeClr val="accent1"/>
-          </a:lnRef>
-          <a:fillRef idx="0">
-            <a:schemeClr val="accent1"/>
-          </a:fillRef>
-          <a:effectRef idx="0">
-            <a:schemeClr val="accent1"/>
-          </a:effectRef>
-          <a:fontRef idx="minor">
-            <a:schemeClr val="tx1"/>
-          </a:fontRef>
-        </p:style>
-      </p:cxnSp>
-      <p:sp>
-        <p:nvSpPr>
-          <p:cNvPr id="114" name="椭圆 113"/>
-          <p:cNvSpPr/>
-          <p:nvPr/>
-        </p:nvSpPr>
-        <p:spPr>
-          <a:xfrm>
-            <a:off x="5037681" y="8260603"/>
-            <a:ext cx="43300" cy="43300"/>
-          </a:xfrm>
-          <a:prstGeom prst="ellipse">
-            <a:avLst/>
-          </a:prstGeom>
-          <a:ln>
-            <a:solidFill>
-              <a:srgbClr val="FF0000"/>
-            </a:solidFill>
-          </a:ln>
-        </p:spPr>
-        <p:style>
-          <a:lnRef idx="2">
-            <a:schemeClr val="accent1">
-              <a:shade val="50000"/>
-            </a:schemeClr>
-          </a:lnRef>
-          <a:fillRef idx="1">
-            <a:schemeClr val="accent1"/>
-          </a:fillRef>
-          <a:effectRef idx="0">
-            <a:schemeClr val="accent1"/>
-          </a:effectRef>
-          <a:fontRef idx="minor">
-            <a:schemeClr val="lt1"/>
-          </a:fontRef>
-        </p:style>
-        <p:txBody>
-          <a:bodyPr rtlCol="0" anchor="ctr"/>
-          <a:lstStyle/>
-          <a:p>
-            <a:pPr algn="ctr"/>
-            <a:endParaRPr lang="en-US" sz="760"/>
-          </a:p>
-        </p:txBody>
-      </p:sp>
-      <p:sp>
-        <p:nvSpPr>
-          <p:cNvPr id="115" name="椭圆 114"/>
-          <p:cNvSpPr/>
-          <p:nvPr/>
-        </p:nvSpPr>
-        <p:spPr>
-          <a:xfrm>
-            <a:off x="5099855" y="8320881"/>
-            <a:ext cx="43300" cy="43300"/>
-          </a:xfrm>
-          <a:prstGeom prst="ellipse">
-            <a:avLst/>
-          </a:prstGeom>
-        </p:spPr>
-        <p:style>
-          <a:lnRef idx="2">
-            <a:schemeClr val="accent1">
-              <a:shade val="50000"/>
-            </a:schemeClr>
-          </a:lnRef>
-          <a:fillRef idx="1">
-            <a:schemeClr val="accent1"/>
-          </a:fillRef>
-          <a:effectRef idx="0">
-            <a:schemeClr val="accent1"/>
-          </a:effectRef>
-          <a:fontRef idx="minor">
-            <a:schemeClr val="lt1"/>
-          </a:fontRef>
-        </p:style>
-        <p:txBody>
-          <a:bodyPr rtlCol="0" anchor="ctr"/>
-          <a:lstStyle/>
-          <a:p>
-            <a:pPr algn="ctr"/>
-            <a:endParaRPr lang="en-US" sz="760"/>
-          </a:p>
-        </p:txBody>
-      </p:sp>
-      <p:cxnSp>
-        <p:nvCxnSpPr>
-          <p:cNvPr id="116" name="直接连接符 115"/>
-          <p:cNvCxnSpPr/>
-          <p:nvPr/>
-        </p:nvCxnSpPr>
-        <p:spPr>
-          <a:xfrm>
-            <a:off x="5070252" y="8301974"/>
-            <a:ext cx="31557" cy="29660"/>
-          </a:xfrm>
-          <a:prstGeom prst="line">
-            <a:avLst/>
-          </a:prstGeom>
-          <a:ln w="38100"/>
-        </p:spPr>
-        <p:style>
-          <a:lnRef idx="1">
-            <a:schemeClr val="accent1"/>
-          </a:lnRef>
-          <a:fillRef idx="0">
-            <a:schemeClr val="accent1"/>
-          </a:fillRef>
-          <a:effectRef idx="0">
-            <a:schemeClr val="accent1"/>
-          </a:effectRef>
-          <a:fontRef idx="minor">
-            <a:schemeClr val="tx1"/>
-          </a:fontRef>
-        </p:style>
-      </p:cxnSp>
-      <p:sp>
-        <p:nvSpPr>
-          <p:cNvPr id="118" name="椭圆 117"/>
-          <p:cNvSpPr/>
-          <p:nvPr/>
-        </p:nvSpPr>
-        <p:spPr>
-          <a:xfrm>
-            <a:off x="5163879" y="8383852"/>
-            <a:ext cx="43300" cy="43300"/>
-          </a:xfrm>
-          <a:prstGeom prst="ellipse">
-            <a:avLst/>
-          </a:prstGeom>
-          <a:ln>
-            <a:solidFill>
-              <a:srgbClr val="FF0000"/>
-            </a:solidFill>
-          </a:ln>
-        </p:spPr>
-        <p:style>
-          <a:lnRef idx="2">
-            <a:schemeClr val="accent1">
-              <a:shade val="50000"/>
-            </a:schemeClr>
-          </a:lnRef>
-          <a:fillRef idx="1">
-            <a:schemeClr val="accent1"/>
-          </a:fillRef>
-          <a:effectRef idx="0">
-            <a:schemeClr val="accent1"/>
-          </a:effectRef>
-          <a:fontRef idx="minor">
-            <a:schemeClr val="lt1"/>
-          </a:fontRef>
-        </p:style>
-        <p:txBody>
-          <a:bodyPr rtlCol="0" anchor="ctr"/>
-          <a:lstStyle/>
-          <a:p>
-            <a:pPr algn="ctr"/>
-            <a:endParaRPr lang="en-US" sz="760"/>
-          </a:p>
-        </p:txBody>
-      </p:sp>
-      <p:cxnSp>
-        <p:nvCxnSpPr>
-          <p:cNvPr id="119" name="直接连接符 118"/>
-          <p:cNvCxnSpPr/>
-          <p:nvPr/>
-        </p:nvCxnSpPr>
-        <p:spPr>
-          <a:xfrm>
-            <a:off x="5137088" y="8360550"/>
-            <a:ext cx="33133" cy="27909"/>
-          </a:xfrm>
-          <a:prstGeom prst="line">
-            <a:avLst/>
-          </a:prstGeom>
-          <a:ln w="38100"/>
-        </p:spPr>
-        <p:style>
-          <a:lnRef idx="1">
-            <a:schemeClr val="accent1"/>
-          </a:lnRef>
-          <a:fillRef idx="0">
-            <a:schemeClr val="accent1"/>
-          </a:fillRef>
-          <a:effectRef idx="0">
-            <a:schemeClr val="accent1"/>
-          </a:effectRef>
-          <a:fontRef idx="minor">
-            <a:schemeClr val="tx1"/>
-          </a:fontRef>
-        </p:style>
-      </p:cxnSp>
-      <p:sp>
-        <p:nvSpPr>
-          <p:cNvPr id="124" name="椭圆 123"/>
-          <p:cNvSpPr/>
-          <p:nvPr/>
-        </p:nvSpPr>
-        <p:spPr>
-          <a:xfrm>
-            <a:off x="5026929" y="8692882"/>
-            <a:ext cx="43300" cy="43300"/>
-          </a:xfrm>
-          <a:prstGeom prst="ellipse">
-            <a:avLst/>
-          </a:prstGeom>
-          <a:ln>
-            <a:solidFill>
-              <a:srgbClr val="FF0000"/>
-            </a:solidFill>
-          </a:ln>
-        </p:spPr>
-        <p:style>
-          <a:lnRef idx="2">
-            <a:schemeClr val="accent1">
-              <a:shade val="50000"/>
-            </a:schemeClr>
-          </a:lnRef>
-          <a:fillRef idx="1">
-            <a:schemeClr val="accent1"/>
-          </a:fillRef>
-          <a:effectRef idx="0">
-            <a:schemeClr val="accent1"/>
-          </a:effectRef>
-          <a:fontRef idx="minor">
-            <a:schemeClr val="lt1"/>
-          </a:fontRef>
-        </p:style>
-        <p:txBody>
-          <a:bodyPr rtlCol="0" anchor="ctr"/>
-          <a:lstStyle/>
-          <a:p>
-            <a:pPr algn="ctr"/>
-            <a:endParaRPr lang="en-US" sz="760"/>
-          </a:p>
-        </p:txBody>
-      </p:sp>
-      <p:sp>
-        <p:nvSpPr>
-          <p:cNvPr id="125" name="椭圆 124"/>
-          <p:cNvSpPr/>
-          <p:nvPr/>
-        </p:nvSpPr>
-        <p:spPr>
-          <a:xfrm>
-            <a:off x="5089103" y="8753161"/>
-            <a:ext cx="43300" cy="43300"/>
-          </a:xfrm>
-          <a:prstGeom prst="ellipse">
-            <a:avLst/>
-          </a:prstGeom>
-        </p:spPr>
-        <p:style>
-          <a:lnRef idx="2">
-            <a:schemeClr val="accent1">
-              <a:shade val="50000"/>
-            </a:schemeClr>
-          </a:lnRef>
-          <a:fillRef idx="1">
-            <a:schemeClr val="accent1"/>
-          </a:fillRef>
-          <a:effectRef idx="0">
-            <a:schemeClr val="accent1"/>
-          </a:effectRef>
-          <a:fontRef idx="minor">
-            <a:schemeClr val="lt1"/>
-          </a:fontRef>
-        </p:style>
-        <p:txBody>
-          <a:bodyPr rtlCol="0" anchor="ctr"/>
-          <a:lstStyle/>
-          <a:p>
-            <a:pPr algn="ctr"/>
-            <a:endParaRPr lang="en-US" sz="760"/>
-          </a:p>
-        </p:txBody>
-      </p:sp>
-      <p:cxnSp>
-        <p:nvCxnSpPr>
-          <p:cNvPr id="126" name="直接连接符 125"/>
-          <p:cNvCxnSpPr/>
-          <p:nvPr/>
-        </p:nvCxnSpPr>
-        <p:spPr>
-          <a:xfrm>
-            <a:off x="5059501" y="8734253"/>
-            <a:ext cx="31557" cy="29660"/>
-          </a:xfrm>
-          <a:prstGeom prst="line">
-            <a:avLst/>
-          </a:prstGeom>
-          <a:ln w="38100"/>
-        </p:spPr>
-        <p:style>
-          <a:lnRef idx="1">
-            <a:schemeClr val="accent1"/>
-          </a:lnRef>
-          <a:fillRef idx="0">
-            <a:schemeClr val="accent1"/>
-          </a:fillRef>
-          <a:effectRef idx="0">
-            <a:schemeClr val="accent1"/>
-          </a:effectRef>
-          <a:fontRef idx="minor">
-            <a:schemeClr val="tx1"/>
-          </a:fontRef>
-        </p:style>
-      </p:cxnSp>
-      <p:sp>
-        <p:nvSpPr>
-          <p:cNvPr id="127" name="椭圆 126"/>
-          <p:cNvSpPr/>
-          <p:nvPr/>
-        </p:nvSpPr>
-        <p:spPr>
-          <a:xfrm>
-            <a:off x="5153127" y="8816132"/>
-            <a:ext cx="43300" cy="43300"/>
-          </a:xfrm>
-          <a:prstGeom prst="ellipse">
-            <a:avLst/>
-          </a:prstGeom>
-          <a:ln>
-            <a:solidFill>
-              <a:schemeClr val="accent1"/>
-            </a:solidFill>
-          </a:ln>
-        </p:spPr>
-        <p:style>
-          <a:lnRef idx="2">
-            <a:schemeClr val="accent1">
-              <a:shade val="50000"/>
-            </a:schemeClr>
-          </a:lnRef>
-          <a:fillRef idx="1">
-            <a:schemeClr val="accent1"/>
-          </a:fillRef>
-          <a:effectRef idx="0">
-            <a:schemeClr val="accent1"/>
-          </a:effectRef>
-          <a:fontRef idx="minor">
-            <a:schemeClr val="lt1"/>
-          </a:fontRef>
-        </p:style>
-        <p:txBody>
-          <a:bodyPr rtlCol="0" anchor="ctr"/>
-          <a:lstStyle/>
-          <a:p>
-            <a:pPr algn="ctr"/>
-            <a:endParaRPr lang="en-US" sz="760"/>
-          </a:p>
-        </p:txBody>
-      </p:sp>
-      <p:cxnSp>
-        <p:nvCxnSpPr>
-          <p:cNvPr id="128" name="直接连接符 127"/>
-          <p:cNvCxnSpPr/>
-          <p:nvPr/>
-        </p:nvCxnSpPr>
-        <p:spPr>
-          <a:xfrm>
-            <a:off x="5126336" y="8792829"/>
-            <a:ext cx="33133" cy="27909"/>
-          </a:xfrm>
-          <a:prstGeom prst="line">
-            <a:avLst/>
-          </a:prstGeom>
-          <a:ln w="38100"/>
-        </p:spPr>
-        <p:style>
-          <a:lnRef idx="1">
-            <a:schemeClr val="accent1"/>
-          </a:lnRef>
-          <a:fillRef idx="0">
-            <a:schemeClr val="accent1"/>
-          </a:fillRef>
-          <a:effectRef idx="0">
-            <a:schemeClr val="accent1"/>
-          </a:effectRef>
-          <a:fontRef idx="minor">
-            <a:schemeClr val="tx1"/>
-          </a:fontRef>
-        </p:style>
-      </p:cxnSp>
-      <p:sp>
-        <p:nvSpPr>
-          <p:cNvPr id="129" name="椭圆 128"/>
-          <p:cNvSpPr/>
-          <p:nvPr/>
-        </p:nvSpPr>
-        <p:spPr>
-          <a:xfrm>
-            <a:off x="4126215" y="8695051"/>
-            <a:ext cx="43300" cy="43300"/>
-          </a:xfrm>
-          <a:prstGeom prst="ellipse">
-            <a:avLst/>
-          </a:prstGeom>
-          <a:ln>
-            <a:solidFill>
-              <a:srgbClr val="FF0000"/>
-            </a:solidFill>
-          </a:ln>
-        </p:spPr>
-        <p:style>
-          <a:lnRef idx="2">
-            <a:schemeClr val="accent1">
-              <a:shade val="50000"/>
-            </a:schemeClr>
-          </a:lnRef>
-          <a:fillRef idx="1">
-            <a:schemeClr val="accent1"/>
-          </a:fillRef>
-          <a:effectRef idx="0">
-            <a:schemeClr val="accent1"/>
-          </a:effectRef>
-          <a:fontRef idx="minor">
-            <a:schemeClr val="lt1"/>
-          </a:fontRef>
-        </p:style>
-        <p:txBody>
-          <a:bodyPr rtlCol="0" anchor="ctr"/>
-          <a:lstStyle/>
-          <a:p>
-            <a:pPr algn="ctr"/>
-            <a:endParaRPr lang="en-US" sz="760"/>
-          </a:p>
-        </p:txBody>
-      </p:sp>
-      <p:sp>
-        <p:nvSpPr>
-          <p:cNvPr id="130" name="椭圆 129"/>
-          <p:cNvSpPr/>
-          <p:nvPr/>
-        </p:nvSpPr>
-        <p:spPr>
-          <a:xfrm>
-            <a:off x="4188390" y="8755328"/>
-            <a:ext cx="43300" cy="43300"/>
-          </a:xfrm>
-          <a:prstGeom prst="ellipse">
-            <a:avLst/>
-          </a:prstGeom>
-        </p:spPr>
-        <p:style>
-          <a:lnRef idx="2">
-            <a:schemeClr val="accent1">
-              <a:shade val="50000"/>
-            </a:schemeClr>
-          </a:lnRef>
-          <a:fillRef idx="1">
-            <a:schemeClr val="accent1"/>
-          </a:fillRef>
-          <a:effectRef idx="0">
-            <a:schemeClr val="accent1"/>
-          </a:effectRef>
-          <a:fontRef idx="minor">
-            <a:schemeClr val="lt1"/>
-          </a:fontRef>
-        </p:style>
-        <p:txBody>
-          <a:bodyPr rtlCol="0" anchor="ctr"/>
-          <a:lstStyle/>
-          <a:p>
-            <a:pPr algn="ctr"/>
-            <a:endParaRPr lang="en-US" sz="760"/>
-          </a:p>
-        </p:txBody>
-      </p:sp>
-      <p:cxnSp>
-        <p:nvCxnSpPr>
-          <p:cNvPr id="131" name="直接连接符 130"/>
-          <p:cNvCxnSpPr/>
-          <p:nvPr/>
-        </p:nvCxnSpPr>
-        <p:spPr>
-          <a:xfrm>
-            <a:off x="4158788" y="8736422"/>
-            <a:ext cx="31557" cy="29660"/>
-          </a:xfrm>
-          <a:prstGeom prst="line">
-            <a:avLst/>
-          </a:prstGeom>
-          <a:ln w="38100"/>
-        </p:spPr>
-        <p:style>
-          <a:lnRef idx="1">
-            <a:schemeClr val="accent1"/>
-          </a:lnRef>
-          <a:fillRef idx="0">
-            <a:schemeClr val="accent1"/>
-          </a:fillRef>
-          <a:effectRef idx="0">
-            <a:schemeClr val="accent1"/>
-          </a:effectRef>
-          <a:fontRef idx="minor">
-            <a:schemeClr val="tx1"/>
-          </a:fontRef>
-        </p:style>
-      </p:cxnSp>
-      <p:sp>
-        <p:nvSpPr>
-          <p:cNvPr id="132" name="椭圆 131"/>
-          <p:cNvSpPr/>
-          <p:nvPr/>
-        </p:nvSpPr>
-        <p:spPr>
-          <a:xfrm>
-            <a:off x="4252414" y="8818300"/>
-            <a:ext cx="43300" cy="43300"/>
-          </a:xfrm>
-          <a:prstGeom prst="ellipse">
-            <a:avLst/>
-          </a:prstGeom>
-          <a:ln>
-            <a:solidFill>
-              <a:srgbClr val="FF0000"/>
-            </a:solidFill>
-          </a:ln>
-        </p:spPr>
-        <p:style>
-          <a:lnRef idx="2">
-            <a:schemeClr val="accent1">
-              <a:shade val="50000"/>
-            </a:schemeClr>
-          </a:lnRef>
-          <a:fillRef idx="1">
-            <a:schemeClr val="accent1"/>
-          </a:fillRef>
-          <a:effectRef idx="0">
-            <a:schemeClr val="accent1"/>
-          </a:effectRef>
-          <a:fontRef idx="minor">
-            <a:schemeClr val="lt1"/>
-          </a:fontRef>
-        </p:style>
-        <p:txBody>
-          <a:bodyPr rtlCol="0" anchor="ctr"/>
-          <a:lstStyle/>
-          <a:p>
-            <a:pPr algn="ctr"/>
-            <a:endParaRPr lang="en-US" sz="760"/>
-          </a:p>
-        </p:txBody>
-      </p:sp>
-      <p:cxnSp>
-        <p:nvCxnSpPr>
-          <p:cNvPr id="133" name="直接连接符 132"/>
-          <p:cNvCxnSpPr/>
-          <p:nvPr/>
-        </p:nvCxnSpPr>
-        <p:spPr>
-          <a:xfrm>
-            <a:off x="4225623" y="8794998"/>
-            <a:ext cx="33133" cy="27909"/>
-          </a:xfrm>
-          <a:prstGeom prst="line">
-            <a:avLst/>
-          </a:prstGeom>
-          <a:ln w="38100"/>
-        </p:spPr>
-        <p:style>
-          <a:lnRef idx="1">
-            <a:schemeClr val="accent1"/>
-          </a:lnRef>
-          <a:fillRef idx="0">
-            <a:schemeClr val="accent1"/>
-          </a:fillRef>
-          <a:effectRef idx="0">
-            <a:schemeClr val="accent1"/>
-          </a:effectRef>
-          <a:fontRef idx="minor">
-            <a:schemeClr val="tx1"/>
-          </a:fontRef>
-        </p:style>
-      </p:cxnSp>
-      <p:sp>
-        <p:nvSpPr>
-          <p:cNvPr id="134" name="椭圆 133"/>
-          <p:cNvSpPr/>
-          <p:nvPr/>
-        </p:nvSpPr>
-        <p:spPr>
-          <a:xfrm>
-            <a:off x="6172234" y="8702239"/>
-            <a:ext cx="43300" cy="43300"/>
-          </a:xfrm>
-          <a:prstGeom prst="ellipse">
-            <a:avLst/>
-          </a:prstGeom>
-          <a:ln>
-            <a:solidFill>
-              <a:srgbClr val="FF0000"/>
-            </a:solidFill>
-          </a:ln>
-        </p:spPr>
-        <p:style>
-          <a:lnRef idx="2">
-            <a:schemeClr val="accent1">
-              <a:shade val="50000"/>
-            </a:schemeClr>
-          </a:lnRef>
-          <a:fillRef idx="1">
-            <a:schemeClr val="accent1"/>
-          </a:fillRef>
-          <a:effectRef idx="0">
-            <a:schemeClr val="accent1"/>
-          </a:effectRef>
-          <a:fontRef idx="minor">
-            <a:schemeClr val="lt1"/>
-          </a:fontRef>
-        </p:style>
-        <p:txBody>
-          <a:bodyPr rtlCol="0" anchor="ctr"/>
-          <a:lstStyle/>
-          <a:p>
-            <a:pPr algn="ctr"/>
-            <a:endParaRPr lang="en-US" sz="760"/>
-          </a:p>
-        </p:txBody>
-      </p:sp>
-      <p:sp>
-        <p:nvSpPr>
-          <p:cNvPr id="135" name="椭圆 134"/>
-          <p:cNvSpPr/>
-          <p:nvPr/>
-        </p:nvSpPr>
-        <p:spPr>
-          <a:xfrm>
-            <a:off x="6234408" y="8762517"/>
-            <a:ext cx="43300" cy="43300"/>
-          </a:xfrm>
-          <a:prstGeom prst="ellipse">
-            <a:avLst/>
-          </a:prstGeom>
-        </p:spPr>
-        <p:style>
-          <a:lnRef idx="2">
-            <a:schemeClr val="accent1">
-              <a:shade val="50000"/>
-            </a:schemeClr>
-          </a:lnRef>
-          <a:fillRef idx="1">
-            <a:schemeClr val="accent1"/>
-          </a:fillRef>
-          <a:effectRef idx="0">
-            <a:schemeClr val="accent1"/>
-          </a:effectRef>
-          <a:fontRef idx="minor">
-            <a:schemeClr val="lt1"/>
-          </a:fontRef>
-        </p:style>
-        <p:txBody>
-          <a:bodyPr rtlCol="0" anchor="ctr"/>
-          <a:lstStyle/>
-          <a:p>
-            <a:pPr algn="ctr"/>
-            <a:endParaRPr lang="en-US" sz="760"/>
-          </a:p>
-        </p:txBody>
-      </p:sp>
-      <p:cxnSp>
-        <p:nvCxnSpPr>
-          <p:cNvPr id="136" name="直接连接符 135"/>
-          <p:cNvCxnSpPr/>
-          <p:nvPr/>
-        </p:nvCxnSpPr>
-        <p:spPr>
-          <a:xfrm>
-            <a:off x="6204806" y="8743610"/>
-            <a:ext cx="31557" cy="29660"/>
-          </a:xfrm>
-          <a:prstGeom prst="line">
-            <a:avLst/>
-          </a:prstGeom>
-          <a:ln w="38100"/>
-        </p:spPr>
-        <p:style>
-          <a:lnRef idx="1">
-            <a:schemeClr val="accent1"/>
-          </a:lnRef>
-          <a:fillRef idx="0">
-            <a:schemeClr val="accent1"/>
-          </a:fillRef>
-          <a:effectRef idx="0">
-            <a:schemeClr val="accent1"/>
-          </a:effectRef>
-          <a:fontRef idx="minor">
-            <a:schemeClr val="tx1"/>
-          </a:fontRef>
-        </p:style>
-      </p:cxnSp>
-      <p:sp>
-        <p:nvSpPr>
-          <p:cNvPr id="137" name="椭圆 136"/>
-          <p:cNvSpPr/>
-          <p:nvPr/>
-        </p:nvSpPr>
-        <p:spPr>
-          <a:xfrm>
-            <a:off x="6298433" y="8825488"/>
-            <a:ext cx="43300" cy="43300"/>
-          </a:xfrm>
-          <a:prstGeom prst="ellipse">
-            <a:avLst/>
-          </a:prstGeom>
-          <a:ln>
-            <a:solidFill>
-              <a:schemeClr val="accent1"/>
-            </a:solidFill>
-          </a:ln>
-        </p:spPr>
-        <p:style>
-          <a:lnRef idx="2">
-            <a:schemeClr val="accent1">
-              <a:shade val="50000"/>
-            </a:schemeClr>
-          </a:lnRef>
-          <a:fillRef idx="1">
-            <a:schemeClr val="accent1"/>
-          </a:fillRef>
-          <a:effectRef idx="0">
-            <a:schemeClr val="accent1"/>
-          </a:effectRef>
-          <a:fontRef idx="minor">
-            <a:schemeClr val="lt1"/>
-          </a:fontRef>
-        </p:style>
-        <p:txBody>
-          <a:bodyPr rtlCol="0" anchor="ctr"/>
-          <a:lstStyle/>
-          <a:p>
-            <a:pPr algn="ctr"/>
-            <a:endParaRPr lang="en-US" sz="760"/>
-          </a:p>
-        </p:txBody>
-      </p:sp>
-      <p:cxnSp>
-        <p:nvCxnSpPr>
-          <p:cNvPr id="138" name="直接连接符 137"/>
-          <p:cNvCxnSpPr/>
-          <p:nvPr/>
-        </p:nvCxnSpPr>
-        <p:spPr>
-          <a:xfrm>
-            <a:off x="6271641" y="8802186"/>
-            <a:ext cx="33133" cy="27909"/>
-          </a:xfrm>
-          <a:prstGeom prst="line">
-            <a:avLst/>
-          </a:prstGeom>
-          <a:ln w="38100"/>
-        </p:spPr>
-        <p:style>
-          <a:lnRef idx="1">
-            <a:schemeClr val="accent1"/>
-          </a:lnRef>
-          <a:fillRef idx="0">
-            <a:schemeClr val="accent1"/>
-          </a:fillRef>
-          <a:effectRef idx="0">
-            <a:schemeClr val="accent1"/>
-          </a:effectRef>
-          <a:fontRef idx="minor">
-            <a:schemeClr val="tx1"/>
-          </a:fontRef>
-        </p:style>
-      </p:cxnSp>
-      <p:sp>
-        <p:nvSpPr>
-          <p:cNvPr id="139" name="矩形 138"/>
-          <p:cNvSpPr/>
-          <p:nvPr/>
-        </p:nvSpPr>
-        <p:spPr>
-          <a:xfrm>
-            <a:off x="5538296" y="8686959"/>
-            <a:ext cx="318845" cy="177136"/>
-          </a:xfrm>
-          <a:prstGeom prst="rect">
-            <a:avLst/>
-          </a:prstGeom>
-        </p:spPr>
-        <p:style>
-          <a:lnRef idx="2">
-            <a:schemeClr val="accent1">
-              <a:shade val="50000"/>
-            </a:schemeClr>
-          </a:lnRef>
-          <a:fillRef idx="1">
-            <a:schemeClr val="accent1"/>
-          </a:fillRef>
-          <a:effectRef idx="0">
-            <a:schemeClr val="accent1"/>
-          </a:effectRef>
-          <a:fontRef idx="minor">
-            <a:schemeClr val="lt1"/>
-          </a:fontRef>
-        </p:style>
-        <p:txBody>
-          <a:bodyPr rtlCol="0" anchor="ctr"/>
-          <a:lstStyle/>
-          <a:p>
-            <a:pPr algn="ctr">
-              <a:lnSpc>
-                <a:spcPts val="506"/>
-              </a:lnSpc>
-            </a:pPr>
-            <a:r>
-              <a:rPr lang="en-US" sz="760" dirty="0"/>
-              <a:t>PAC</a:t>
-            </a:r>
-            <a:endParaRPr lang="en-US" sz="760" dirty="0"/>
-          </a:p>
-        </p:txBody>
-      </p:sp>
-      <p:sp>
-        <p:nvSpPr>
-          <p:cNvPr id="140" name="矩形 139"/>
-          <p:cNvSpPr/>
-          <p:nvPr/>
-        </p:nvSpPr>
-        <p:spPr>
-          <a:xfrm>
-            <a:off x="4507232" y="8686798"/>
-            <a:ext cx="318845" cy="177136"/>
-          </a:xfrm>
-          <a:prstGeom prst="rect">
-            <a:avLst/>
-          </a:prstGeom>
-        </p:spPr>
-        <p:style>
-          <a:lnRef idx="2">
-            <a:schemeClr val="accent1">
-              <a:shade val="50000"/>
-            </a:schemeClr>
-          </a:lnRef>
-          <a:fillRef idx="1">
-            <a:schemeClr val="accent1"/>
-          </a:fillRef>
-          <a:effectRef idx="0">
-            <a:schemeClr val="accent1"/>
-          </a:effectRef>
-          <a:fontRef idx="minor">
-            <a:schemeClr val="lt1"/>
-          </a:fontRef>
-        </p:style>
-        <p:txBody>
-          <a:bodyPr rtlCol="0" anchor="ctr"/>
-          <a:lstStyle/>
-          <a:p>
-            <a:pPr algn="ctr">
-              <a:lnSpc>
-                <a:spcPts val="506"/>
-              </a:lnSpc>
-            </a:pPr>
-            <a:r>
-              <a:rPr lang="en-US" sz="760" dirty="0"/>
-              <a:t>PVC</a:t>
-            </a:r>
-            <a:endParaRPr lang="en-US" sz="760" dirty="0"/>
-          </a:p>
-        </p:txBody>
-      </p:sp>
-      <p:cxnSp>
-        <p:nvCxnSpPr>
-          <p:cNvPr id="142" name="直接箭头连接符 141"/>
-          <p:cNvCxnSpPr>
-            <a:stCxn id="140" idx="1"/>
-            <a:endCxn id="16" idx="3"/>
-          </p:cNvCxnSpPr>
-          <p:nvPr/>
-        </p:nvCxnSpPr>
-        <p:spPr>
-          <a:xfrm flipH="1">
-            <a:off x="4377780" y="8775365"/>
-            <a:ext cx="129454" cy="165"/>
-          </a:xfrm>
-          <a:prstGeom prst="straightConnector1">
-            <a:avLst/>
-          </a:prstGeom>
-          <a:ln>
-            <a:solidFill>
-              <a:schemeClr val="tx1"/>
-            </a:solidFill>
-            <a:tailEnd type="triangle"/>
-          </a:ln>
-        </p:spPr>
-        <p:style>
-          <a:lnRef idx="1">
-            <a:schemeClr val="accent1"/>
-          </a:lnRef>
-          <a:fillRef idx="0">
-            <a:schemeClr val="accent1"/>
-          </a:fillRef>
-          <a:effectRef idx="0">
-            <a:schemeClr val="accent1"/>
-          </a:effectRef>
-          <a:fontRef idx="minor">
-            <a:schemeClr val="tx1"/>
-          </a:fontRef>
-        </p:style>
-      </p:cxnSp>
-      <p:cxnSp>
-        <p:nvCxnSpPr>
-          <p:cNvPr id="144" name="直接箭头连接符 143"/>
-          <p:cNvCxnSpPr>
-            <a:stCxn id="139" idx="1"/>
-            <a:endCxn id="14" idx="3"/>
-          </p:cNvCxnSpPr>
-          <p:nvPr/>
-        </p:nvCxnSpPr>
-        <p:spPr>
-          <a:xfrm flipH="1">
-            <a:off x="5274859" y="8775527"/>
-            <a:ext cx="263438" cy="4"/>
-          </a:xfrm>
-          <a:prstGeom prst="straightConnector1">
-            <a:avLst/>
-          </a:prstGeom>
-          <a:ln>
-            <a:solidFill>
-              <a:schemeClr val="tx1"/>
-            </a:solidFill>
-            <a:tailEnd type="triangle"/>
-          </a:ln>
-        </p:spPr>
-        <p:style>
-          <a:lnRef idx="1">
-            <a:schemeClr val="accent1"/>
-          </a:lnRef>
-          <a:fillRef idx="0">
-            <a:schemeClr val="accent1"/>
-          </a:fillRef>
-          <a:effectRef idx="0">
-            <a:schemeClr val="accent1"/>
-          </a:effectRef>
-          <a:fontRef idx="minor">
-            <a:schemeClr val="tx1"/>
-          </a:fontRef>
-        </p:style>
-      </p:cxnSp>
-      <p:cxnSp>
-        <p:nvCxnSpPr>
-          <p:cNvPr id="146" name="直接箭头连接符 145"/>
-          <p:cNvCxnSpPr>
-            <a:stCxn id="139" idx="3"/>
-            <a:endCxn id="64" idx="1"/>
-          </p:cNvCxnSpPr>
-          <p:nvPr/>
-        </p:nvCxnSpPr>
-        <p:spPr>
-          <a:xfrm flipV="1">
-            <a:off x="5857142" y="8775365"/>
-            <a:ext cx="229508" cy="161"/>
-          </a:xfrm>
-          <a:prstGeom prst="straightConnector1">
-            <a:avLst/>
-          </a:prstGeom>
-          <a:ln>
-            <a:solidFill>
-              <a:schemeClr val="tx1"/>
-            </a:solidFill>
-            <a:tailEnd type="triangle"/>
-          </a:ln>
-        </p:spPr>
-        <p:style>
-          <a:lnRef idx="1">
-            <a:schemeClr val="accent1"/>
-          </a:lnRef>
-          <a:fillRef idx="0">
-            <a:schemeClr val="accent1"/>
-          </a:fillRef>
-          <a:effectRef idx="0">
-            <a:schemeClr val="accent1"/>
-          </a:effectRef>
-          <a:fontRef idx="minor">
-            <a:schemeClr val="tx1"/>
-          </a:fontRef>
-        </p:style>
-      </p:cxnSp>
-    </p:spTree>
-    <p:extLst>
-      <p:ext uri="{BB962C8B-B14F-4D97-AF65-F5344CB8AC3E}">
-        <p14:creationId xmlns:p14="http://schemas.microsoft.com/office/powerpoint/2010/main" val="2706574722"/>
-      </p:ext>
-    </p:extLst>
-  </p:cSld>
-  <p:clrMapOvr>
-    <a:masterClrMapping/>
-  </p:clrMapOvr>
-</p:sld>
-</file>
-
-<file path=ppt/slides/slide2.xml><?xml version="1.0" encoding="utf-8"?>
-<p:sld xmlns:a="http://schemas.openxmlformats.org/drawingml/2006/main" xmlns:r="http://schemas.openxmlformats.org/officeDocument/2006/relationships" xmlns:p="http://schemas.openxmlformats.org/presentationml/2006/main">
-  <p:cSld>
-    <p:spTree>
-      <p:nvGrpSpPr>
-        <p:cNvPr id="1" name=""/>
-        <p:cNvGrpSpPr/>
-        <p:nvPr/>
-      </p:nvGrpSpPr>
-      <p:grpSpPr>
-        <a:xfrm>
-          <a:off x="0" y="0"/>
-          <a:ext cx="0" cy="0"/>
-          <a:chOff x="0" y="0"/>
-          <a:chExt cx="0" cy="0"/>
-        </a:xfrm>
-      </p:grpSpPr>
       <p:graphicFrame>
         <p:nvGraphicFramePr>
           <p:cNvPr id="2" name="表格 1"/>
@@ -27002,6 +23733,1724 @@
     <p:extLst>
       <p:ext uri="{BB962C8B-B14F-4D97-AF65-F5344CB8AC3E}">
         <p14:creationId xmlns:p14="http://schemas.microsoft.com/office/powerpoint/2010/main" val="449698557"/>
+      </p:ext>
+    </p:extLst>
+  </p:cSld>
+  <p:clrMapOvr>
+    <a:masterClrMapping/>
+  </p:clrMapOvr>
+</p:sld>
+</file>
+
+<file path=ppt/slides/slide2.xml><?xml version="1.0" encoding="utf-8"?>
+<p:sld xmlns:a="http://schemas.openxmlformats.org/drawingml/2006/main" xmlns:r="http://schemas.openxmlformats.org/officeDocument/2006/relationships" xmlns:p="http://schemas.openxmlformats.org/presentationml/2006/main">
+  <p:cSld>
+    <p:spTree>
+      <p:nvGrpSpPr>
+        <p:cNvPr id="1" name=""/>
+        <p:cNvGrpSpPr/>
+        <p:nvPr/>
+      </p:nvGrpSpPr>
+      <p:grpSpPr>
+        <a:xfrm>
+          <a:off x="0" y="0"/>
+          <a:ext cx="0" cy="0"/>
+          <a:chOff x="0" y="0"/>
+          <a:chExt cx="0" cy="0"/>
+        </a:xfrm>
+      </p:grpSpPr>
+      <p:sp>
+        <p:nvSpPr>
+          <p:cNvPr id="2" name="椭圆 1"/>
+          <p:cNvSpPr/>
+          <p:nvPr/>
+        </p:nvSpPr>
+        <p:spPr>
+          <a:xfrm>
+            <a:off x="1989038" y="8961230"/>
+            <a:ext cx="210696" cy="210696"/>
+          </a:xfrm>
+          <a:prstGeom prst="ellipse">
+            <a:avLst/>
+          </a:prstGeom>
+          <a:solidFill>
+            <a:srgbClr val="FF0000"/>
+          </a:solidFill>
+        </p:spPr>
+        <p:style>
+          <a:lnRef idx="2">
+            <a:schemeClr val="accent1">
+              <a:shade val="50000"/>
+            </a:schemeClr>
+          </a:lnRef>
+          <a:fillRef idx="1">
+            <a:schemeClr val="accent1"/>
+          </a:fillRef>
+          <a:effectRef idx="0">
+            <a:schemeClr val="accent1"/>
+          </a:effectRef>
+          <a:fontRef idx="minor">
+            <a:schemeClr val="lt1"/>
+          </a:fontRef>
+        </p:style>
+        <p:txBody>
+          <a:bodyPr rtlCol="0" anchor="ctr"/>
+          <a:lstStyle/>
+          <a:p>
+            <a:pPr algn="ctr"/>
+            <a:endParaRPr lang="en-US"/>
+          </a:p>
+        </p:txBody>
+      </p:sp>
+      <p:sp>
+        <p:nvSpPr>
+          <p:cNvPr id="3" name="椭圆 2"/>
+          <p:cNvSpPr/>
+          <p:nvPr/>
+        </p:nvSpPr>
+        <p:spPr>
+          <a:xfrm>
+            <a:off x="2199735" y="9416800"/>
+            <a:ext cx="210696" cy="210696"/>
+          </a:xfrm>
+          <a:prstGeom prst="ellipse">
+            <a:avLst/>
+          </a:prstGeom>
+        </p:spPr>
+        <p:style>
+          <a:lnRef idx="2">
+            <a:schemeClr val="accent1">
+              <a:shade val="50000"/>
+            </a:schemeClr>
+          </a:lnRef>
+          <a:fillRef idx="1">
+            <a:schemeClr val="accent1"/>
+          </a:fillRef>
+          <a:effectRef idx="0">
+            <a:schemeClr val="accent1"/>
+          </a:effectRef>
+          <a:fontRef idx="minor">
+            <a:schemeClr val="lt1"/>
+          </a:fontRef>
+        </p:style>
+        <p:txBody>
+          <a:bodyPr rtlCol="0" anchor="ctr"/>
+          <a:lstStyle/>
+          <a:p>
+            <a:pPr algn="ctr"/>
+            <a:endParaRPr lang="en-US"/>
+          </a:p>
+        </p:txBody>
+      </p:sp>
+      <p:sp>
+        <p:nvSpPr>
+          <p:cNvPr id="4" name="椭圆 3"/>
+          <p:cNvSpPr/>
+          <p:nvPr/>
+        </p:nvSpPr>
+        <p:spPr>
+          <a:xfrm>
+            <a:off x="2305081" y="9872369"/>
+            <a:ext cx="210696" cy="210696"/>
+          </a:xfrm>
+          <a:prstGeom prst="ellipse">
+            <a:avLst/>
+          </a:prstGeom>
+        </p:spPr>
+        <p:style>
+          <a:lnRef idx="2">
+            <a:schemeClr val="accent1">
+              <a:shade val="50000"/>
+            </a:schemeClr>
+          </a:lnRef>
+          <a:fillRef idx="1">
+            <a:schemeClr val="accent1"/>
+          </a:fillRef>
+          <a:effectRef idx="0">
+            <a:schemeClr val="accent1"/>
+          </a:effectRef>
+          <a:fontRef idx="minor">
+            <a:schemeClr val="lt1"/>
+          </a:fontRef>
+        </p:style>
+        <p:txBody>
+          <a:bodyPr rtlCol="0" anchor="ctr"/>
+          <a:lstStyle/>
+          <a:p>
+            <a:pPr algn="ctr"/>
+            <a:endParaRPr lang="en-US"/>
+          </a:p>
+        </p:txBody>
+      </p:sp>
+      <p:sp>
+        <p:nvSpPr>
+          <p:cNvPr id="5" name="椭圆 4"/>
+          <p:cNvSpPr/>
+          <p:nvPr/>
+        </p:nvSpPr>
+        <p:spPr>
+          <a:xfrm>
+            <a:off x="2601702" y="9701988"/>
+            <a:ext cx="210696" cy="210696"/>
+          </a:xfrm>
+          <a:prstGeom prst="ellipse">
+            <a:avLst/>
+          </a:prstGeom>
+        </p:spPr>
+        <p:style>
+          <a:lnRef idx="2">
+            <a:schemeClr val="accent1">
+              <a:shade val="50000"/>
+            </a:schemeClr>
+          </a:lnRef>
+          <a:fillRef idx="1">
+            <a:schemeClr val="accent1"/>
+          </a:fillRef>
+          <a:effectRef idx="0">
+            <a:schemeClr val="accent1"/>
+          </a:effectRef>
+          <a:fontRef idx="minor">
+            <a:schemeClr val="lt1"/>
+          </a:fontRef>
+        </p:style>
+        <p:txBody>
+          <a:bodyPr rtlCol="0" anchor="ctr"/>
+          <a:lstStyle/>
+          <a:p>
+            <a:pPr algn="ctr"/>
+            <a:endParaRPr lang="en-US"/>
+          </a:p>
+        </p:txBody>
+      </p:sp>
+      <p:sp>
+        <p:nvSpPr>
+          <p:cNvPr id="6" name="椭圆 5"/>
+          <p:cNvSpPr/>
+          <p:nvPr/>
+        </p:nvSpPr>
+        <p:spPr>
+          <a:xfrm>
+            <a:off x="1573370" y="9412703"/>
+            <a:ext cx="210696" cy="210696"/>
+          </a:xfrm>
+          <a:prstGeom prst="ellipse">
+            <a:avLst/>
+          </a:prstGeom>
+        </p:spPr>
+        <p:style>
+          <a:lnRef idx="2">
+            <a:schemeClr val="accent1">
+              <a:shade val="50000"/>
+            </a:schemeClr>
+          </a:lnRef>
+          <a:fillRef idx="1">
+            <a:schemeClr val="accent1"/>
+          </a:fillRef>
+          <a:effectRef idx="0">
+            <a:schemeClr val="accent1"/>
+          </a:effectRef>
+          <a:fontRef idx="minor">
+            <a:schemeClr val="lt1"/>
+          </a:fontRef>
+        </p:style>
+        <p:txBody>
+          <a:bodyPr rtlCol="0" anchor="ctr"/>
+          <a:lstStyle/>
+          <a:p>
+            <a:pPr algn="ctr"/>
+            <a:endParaRPr lang="en-US"/>
+          </a:p>
+        </p:txBody>
+      </p:sp>
+      <p:sp>
+        <p:nvSpPr>
+          <p:cNvPr id="7" name="椭圆 6"/>
+          <p:cNvSpPr/>
+          <p:nvPr/>
+        </p:nvSpPr>
+        <p:spPr>
+          <a:xfrm>
+            <a:off x="2685227" y="8999780"/>
+            <a:ext cx="210696" cy="210696"/>
+          </a:xfrm>
+          <a:prstGeom prst="ellipse">
+            <a:avLst/>
+          </a:prstGeom>
+        </p:spPr>
+        <p:style>
+          <a:lnRef idx="2">
+            <a:schemeClr val="accent1">
+              <a:shade val="50000"/>
+            </a:schemeClr>
+          </a:lnRef>
+          <a:fillRef idx="1">
+            <a:schemeClr val="accent1"/>
+          </a:fillRef>
+          <a:effectRef idx="0">
+            <a:schemeClr val="accent1"/>
+          </a:effectRef>
+          <a:fontRef idx="minor">
+            <a:schemeClr val="lt1"/>
+          </a:fontRef>
+        </p:style>
+        <p:txBody>
+          <a:bodyPr rtlCol="0" anchor="ctr"/>
+          <a:lstStyle/>
+          <a:p>
+            <a:pPr algn="ctr"/>
+            <a:endParaRPr lang="en-US"/>
+          </a:p>
+        </p:txBody>
+      </p:sp>
+      <p:sp>
+        <p:nvSpPr>
+          <p:cNvPr id="8" name="椭圆 7"/>
+          <p:cNvSpPr/>
+          <p:nvPr/>
+        </p:nvSpPr>
+        <p:spPr>
+          <a:xfrm>
+            <a:off x="2492057" y="10298582"/>
+            <a:ext cx="210696" cy="210696"/>
+          </a:xfrm>
+          <a:prstGeom prst="ellipse">
+            <a:avLst/>
+          </a:prstGeom>
+          <a:solidFill>
+            <a:srgbClr val="FF0000"/>
+          </a:solidFill>
+        </p:spPr>
+        <p:style>
+          <a:lnRef idx="2">
+            <a:schemeClr val="accent1">
+              <a:shade val="50000"/>
+            </a:schemeClr>
+          </a:lnRef>
+          <a:fillRef idx="1">
+            <a:schemeClr val="accent1"/>
+          </a:fillRef>
+          <a:effectRef idx="0">
+            <a:schemeClr val="accent1"/>
+          </a:effectRef>
+          <a:fontRef idx="minor">
+            <a:schemeClr val="lt1"/>
+          </a:fontRef>
+        </p:style>
+        <p:txBody>
+          <a:bodyPr rtlCol="0" anchor="ctr"/>
+          <a:lstStyle/>
+          <a:p>
+            <a:pPr algn="ctr"/>
+            <a:endParaRPr lang="en-US"/>
+          </a:p>
+        </p:txBody>
+      </p:sp>
+      <p:sp>
+        <p:nvSpPr>
+          <p:cNvPr id="9" name="椭圆 8"/>
+          <p:cNvSpPr/>
+          <p:nvPr/>
+        </p:nvSpPr>
+        <p:spPr>
+          <a:xfrm>
+            <a:off x="2865069" y="10157092"/>
+            <a:ext cx="210696" cy="210696"/>
+          </a:xfrm>
+          <a:prstGeom prst="ellipse">
+            <a:avLst/>
+          </a:prstGeom>
+        </p:spPr>
+        <p:style>
+          <a:lnRef idx="2">
+            <a:schemeClr val="accent1">
+              <a:shade val="50000"/>
+            </a:schemeClr>
+          </a:lnRef>
+          <a:fillRef idx="1">
+            <a:schemeClr val="accent1"/>
+          </a:fillRef>
+          <a:effectRef idx="0">
+            <a:schemeClr val="accent1"/>
+          </a:effectRef>
+          <a:fontRef idx="minor">
+            <a:schemeClr val="lt1"/>
+          </a:fontRef>
+        </p:style>
+        <p:txBody>
+          <a:bodyPr rtlCol="0" anchor="ctr"/>
+          <a:lstStyle/>
+          <a:p>
+            <a:pPr algn="ctr"/>
+            <a:endParaRPr lang="en-US"/>
+          </a:p>
+        </p:txBody>
+      </p:sp>
+      <p:sp>
+        <p:nvSpPr>
+          <p:cNvPr id="10" name="椭圆 9"/>
+          <p:cNvSpPr/>
+          <p:nvPr/>
+        </p:nvSpPr>
+        <p:spPr>
+          <a:xfrm>
+            <a:off x="3142183" y="9627496"/>
+            <a:ext cx="210696" cy="210696"/>
+          </a:xfrm>
+          <a:prstGeom prst="ellipse">
+            <a:avLst/>
+          </a:prstGeom>
+        </p:spPr>
+        <p:style>
+          <a:lnRef idx="2">
+            <a:schemeClr val="accent1">
+              <a:shade val="50000"/>
+            </a:schemeClr>
+          </a:lnRef>
+          <a:fillRef idx="1">
+            <a:schemeClr val="accent1"/>
+          </a:fillRef>
+          <a:effectRef idx="0">
+            <a:schemeClr val="accent1"/>
+          </a:effectRef>
+          <a:fontRef idx="minor">
+            <a:schemeClr val="lt1"/>
+          </a:fontRef>
+        </p:style>
+        <p:txBody>
+          <a:bodyPr rtlCol="0" anchor="ctr"/>
+          <a:lstStyle/>
+          <a:p>
+            <a:pPr algn="ctr"/>
+            <a:endParaRPr lang="en-US"/>
+          </a:p>
+        </p:txBody>
+      </p:sp>
+      <p:sp>
+        <p:nvSpPr>
+          <p:cNvPr id="11" name="椭圆 10"/>
+          <p:cNvSpPr/>
+          <p:nvPr/>
+        </p:nvSpPr>
+        <p:spPr>
+          <a:xfrm>
+            <a:off x="1803002" y="10157092"/>
+            <a:ext cx="210696" cy="210696"/>
+          </a:xfrm>
+          <a:prstGeom prst="ellipse">
+            <a:avLst/>
+          </a:prstGeom>
+        </p:spPr>
+        <p:style>
+          <a:lnRef idx="2">
+            <a:schemeClr val="accent1">
+              <a:shade val="50000"/>
+            </a:schemeClr>
+          </a:lnRef>
+          <a:fillRef idx="1">
+            <a:schemeClr val="accent1"/>
+          </a:fillRef>
+          <a:effectRef idx="0">
+            <a:schemeClr val="accent1"/>
+          </a:effectRef>
+          <a:fontRef idx="minor">
+            <a:schemeClr val="lt1"/>
+          </a:fontRef>
+        </p:style>
+        <p:txBody>
+          <a:bodyPr rtlCol="0" anchor="ctr"/>
+          <a:lstStyle/>
+          <a:p>
+            <a:pPr algn="ctr"/>
+            <a:endParaRPr lang="en-US"/>
+          </a:p>
+        </p:txBody>
+      </p:sp>
+      <p:cxnSp>
+        <p:nvCxnSpPr>
+          <p:cNvPr id="12" name="直接连接符 11"/>
+          <p:cNvCxnSpPr>
+            <a:stCxn id="2" idx="3"/>
+            <a:endCxn id="6" idx="7"/>
+          </p:cNvCxnSpPr>
+          <p:nvPr/>
+        </p:nvCxnSpPr>
+        <p:spPr>
+          <a:xfrm flipH="1">
+            <a:off x="1753212" y="9141073"/>
+            <a:ext cx="266680" cy="302484"/>
+          </a:xfrm>
+          <a:prstGeom prst="line">
+            <a:avLst/>
+          </a:prstGeom>
+          <a:ln w="19050">
+            <a:solidFill>
+              <a:schemeClr val="tx1"/>
+            </a:solidFill>
+          </a:ln>
+        </p:spPr>
+        <p:style>
+          <a:lnRef idx="1">
+            <a:schemeClr val="accent1"/>
+          </a:lnRef>
+          <a:fillRef idx="0">
+            <a:schemeClr val="accent1"/>
+          </a:fillRef>
+          <a:effectRef idx="0">
+            <a:schemeClr val="accent1"/>
+          </a:effectRef>
+          <a:fontRef idx="minor">
+            <a:schemeClr val="tx1"/>
+          </a:fontRef>
+        </p:style>
+      </p:cxnSp>
+      <p:cxnSp>
+        <p:nvCxnSpPr>
+          <p:cNvPr id="13" name="直接连接符 12"/>
+          <p:cNvCxnSpPr>
+            <a:stCxn id="2" idx="6"/>
+            <a:endCxn id="7" idx="2"/>
+          </p:cNvCxnSpPr>
+          <p:nvPr/>
+        </p:nvCxnSpPr>
+        <p:spPr>
+          <a:xfrm>
+            <a:off x="2199735" y="9066581"/>
+            <a:ext cx="485492" cy="38550"/>
+          </a:xfrm>
+          <a:prstGeom prst="line">
+            <a:avLst/>
+          </a:prstGeom>
+          <a:ln w="19050">
+            <a:solidFill>
+              <a:schemeClr val="tx1"/>
+            </a:solidFill>
+          </a:ln>
+        </p:spPr>
+        <p:style>
+          <a:lnRef idx="1">
+            <a:schemeClr val="accent1"/>
+          </a:lnRef>
+          <a:fillRef idx="0">
+            <a:schemeClr val="accent1"/>
+          </a:fillRef>
+          <a:effectRef idx="0">
+            <a:schemeClr val="accent1"/>
+          </a:effectRef>
+          <a:fontRef idx="minor">
+            <a:schemeClr val="tx1"/>
+          </a:fontRef>
+        </p:style>
+      </p:cxnSp>
+      <p:cxnSp>
+        <p:nvCxnSpPr>
+          <p:cNvPr id="14" name="直接连接符 13"/>
+          <p:cNvCxnSpPr>
+            <a:stCxn id="2" idx="5"/>
+            <a:endCxn id="3" idx="0"/>
+          </p:cNvCxnSpPr>
+          <p:nvPr/>
+        </p:nvCxnSpPr>
+        <p:spPr>
+          <a:xfrm>
+            <a:off x="2168881" y="9141073"/>
+            <a:ext cx="136204" cy="275727"/>
+          </a:xfrm>
+          <a:prstGeom prst="line">
+            <a:avLst/>
+          </a:prstGeom>
+          <a:ln w="19050">
+            <a:solidFill>
+              <a:schemeClr val="tx1"/>
+            </a:solidFill>
+          </a:ln>
+        </p:spPr>
+        <p:style>
+          <a:lnRef idx="1">
+            <a:schemeClr val="accent1"/>
+          </a:lnRef>
+          <a:fillRef idx="0">
+            <a:schemeClr val="accent1"/>
+          </a:fillRef>
+          <a:effectRef idx="0">
+            <a:schemeClr val="accent1"/>
+          </a:effectRef>
+          <a:fontRef idx="minor">
+            <a:schemeClr val="tx1"/>
+          </a:fontRef>
+        </p:style>
+      </p:cxnSp>
+      <p:cxnSp>
+        <p:nvCxnSpPr>
+          <p:cNvPr id="15" name="直接连接符 14"/>
+          <p:cNvCxnSpPr>
+            <a:stCxn id="3" idx="4"/>
+            <a:endCxn id="4" idx="1"/>
+          </p:cNvCxnSpPr>
+          <p:nvPr/>
+        </p:nvCxnSpPr>
+        <p:spPr>
+          <a:xfrm>
+            <a:off x="2305085" y="9627496"/>
+            <a:ext cx="30849" cy="275727"/>
+          </a:xfrm>
+          <a:prstGeom prst="line">
+            <a:avLst/>
+          </a:prstGeom>
+          <a:ln w="19050">
+            <a:solidFill>
+              <a:schemeClr val="tx1"/>
+            </a:solidFill>
+          </a:ln>
+        </p:spPr>
+        <p:style>
+          <a:lnRef idx="1">
+            <a:schemeClr val="accent1"/>
+          </a:lnRef>
+          <a:fillRef idx="0">
+            <a:schemeClr val="accent1"/>
+          </a:fillRef>
+          <a:effectRef idx="0">
+            <a:schemeClr val="accent1"/>
+          </a:effectRef>
+          <a:fontRef idx="minor">
+            <a:schemeClr val="tx1"/>
+          </a:fontRef>
+        </p:style>
+      </p:cxnSp>
+      <p:cxnSp>
+        <p:nvCxnSpPr>
+          <p:cNvPr id="16" name="直接连接符 15"/>
+          <p:cNvCxnSpPr>
+            <a:stCxn id="3" idx="5"/>
+            <a:endCxn id="5" idx="1"/>
+          </p:cNvCxnSpPr>
+          <p:nvPr/>
+        </p:nvCxnSpPr>
+        <p:spPr>
+          <a:xfrm>
+            <a:off x="2379577" y="9596642"/>
+            <a:ext cx="252979" cy="136200"/>
+          </a:xfrm>
+          <a:prstGeom prst="line">
+            <a:avLst/>
+          </a:prstGeom>
+          <a:ln w="19050">
+            <a:solidFill>
+              <a:schemeClr val="tx1"/>
+            </a:solidFill>
+          </a:ln>
+        </p:spPr>
+        <p:style>
+          <a:lnRef idx="1">
+            <a:schemeClr val="accent1"/>
+          </a:lnRef>
+          <a:fillRef idx="0">
+            <a:schemeClr val="accent1"/>
+          </a:fillRef>
+          <a:effectRef idx="0">
+            <a:schemeClr val="accent1"/>
+          </a:effectRef>
+          <a:fontRef idx="minor">
+            <a:schemeClr val="tx1"/>
+          </a:fontRef>
+        </p:style>
+      </p:cxnSp>
+      <p:cxnSp>
+        <p:nvCxnSpPr>
+          <p:cNvPr id="17" name="直接连接符 16"/>
+          <p:cNvCxnSpPr>
+            <a:stCxn id="4" idx="4"/>
+            <a:endCxn id="8" idx="0"/>
+          </p:cNvCxnSpPr>
+          <p:nvPr/>
+        </p:nvCxnSpPr>
+        <p:spPr>
+          <a:xfrm>
+            <a:off x="2410431" y="10083065"/>
+            <a:ext cx="186976" cy="215517"/>
+          </a:xfrm>
+          <a:prstGeom prst="line">
+            <a:avLst/>
+          </a:prstGeom>
+          <a:ln w="19050">
+            <a:solidFill>
+              <a:schemeClr val="tx1"/>
+            </a:solidFill>
+          </a:ln>
+        </p:spPr>
+        <p:style>
+          <a:lnRef idx="1">
+            <a:schemeClr val="accent1"/>
+          </a:lnRef>
+          <a:fillRef idx="0">
+            <a:schemeClr val="accent1"/>
+          </a:fillRef>
+          <a:effectRef idx="0">
+            <a:schemeClr val="accent1"/>
+          </a:effectRef>
+          <a:fontRef idx="minor">
+            <a:schemeClr val="tx1"/>
+          </a:fontRef>
+        </p:style>
+      </p:cxnSp>
+      <p:cxnSp>
+        <p:nvCxnSpPr>
+          <p:cNvPr id="18" name="直接连接符 17"/>
+          <p:cNvCxnSpPr>
+            <a:stCxn id="5" idx="4"/>
+            <a:endCxn id="9" idx="1"/>
+          </p:cNvCxnSpPr>
+          <p:nvPr/>
+        </p:nvCxnSpPr>
+        <p:spPr>
+          <a:xfrm>
+            <a:off x="2707053" y="9912684"/>
+            <a:ext cx="188870" cy="275261"/>
+          </a:xfrm>
+          <a:prstGeom prst="line">
+            <a:avLst/>
+          </a:prstGeom>
+          <a:ln w="19050">
+            <a:solidFill>
+              <a:schemeClr val="tx1"/>
+            </a:solidFill>
+          </a:ln>
+        </p:spPr>
+        <p:style>
+          <a:lnRef idx="1">
+            <a:schemeClr val="accent1"/>
+          </a:lnRef>
+          <a:fillRef idx="0">
+            <a:schemeClr val="accent1"/>
+          </a:fillRef>
+          <a:effectRef idx="0">
+            <a:schemeClr val="accent1"/>
+          </a:effectRef>
+          <a:fontRef idx="minor">
+            <a:schemeClr val="tx1"/>
+          </a:fontRef>
+        </p:style>
+      </p:cxnSp>
+      <p:cxnSp>
+        <p:nvCxnSpPr>
+          <p:cNvPr id="19" name="直接连接符 18"/>
+          <p:cNvCxnSpPr>
+            <a:stCxn id="8" idx="2"/>
+            <a:endCxn id="11" idx="6"/>
+          </p:cNvCxnSpPr>
+          <p:nvPr/>
+        </p:nvCxnSpPr>
+        <p:spPr>
+          <a:xfrm flipH="1" flipV="1">
+            <a:off x="2013699" y="10262442"/>
+            <a:ext cx="478358" cy="141490"/>
+          </a:xfrm>
+          <a:prstGeom prst="line">
+            <a:avLst/>
+          </a:prstGeom>
+          <a:ln w="19050">
+            <a:solidFill>
+              <a:schemeClr val="tx1"/>
+            </a:solidFill>
+          </a:ln>
+        </p:spPr>
+        <p:style>
+          <a:lnRef idx="1">
+            <a:schemeClr val="accent1"/>
+          </a:lnRef>
+          <a:fillRef idx="0">
+            <a:schemeClr val="accent1"/>
+          </a:fillRef>
+          <a:effectRef idx="0">
+            <a:schemeClr val="accent1"/>
+          </a:effectRef>
+          <a:fontRef idx="minor">
+            <a:schemeClr val="tx1"/>
+          </a:fontRef>
+        </p:style>
+      </p:cxnSp>
+      <p:cxnSp>
+        <p:nvCxnSpPr>
+          <p:cNvPr id="20" name="直接连接符 19"/>
+          <p:cNvCxnSpPr>
+            <a:stCxn id="9" idx="0"/>
+            <a:endCxn id="10" idx="3"/>
+          </p:cNvCxnSpPr>
+          <p:nvPr/>
+        </p:nvCxnSpPr>
+        <p:spPr>
+          <a:xfrm flipV="1">
+            <a:off x="2970420" y="9807338"/>
+            <a:ext cx="202618" cy="349753"/>
+          </a:xfrm>
+          <a:prstGeom prst="line">
+            <a:avLst/>
+          </a:prstGeom>
+          <a:ln w="19050">
+            <a:solidFill>
+              <a:schemeClr val="tx1"/>
+            </a:solidFill>
+          </a:ln>
+        </p:spPr>
+        <p:style>
+          <a:lnRef idx="1">
+            <a:schemeClr val="accent1"/>
+          </a:lnRef>
+          <a:fillRef idx="0">
+            <a:schemeClr val="accent1"/>
+          </a:fillRef>
+          <a:effectRef idx="0">
+            <a:schemeClr val="accent1"/>
+          </a:effectRef>
+          <a:fontRef idx="minor">
+            <a:schemeClr val="tx1"/>
+          </a:fontRef>
+        </p:style>
+      </p:cxnSp>
+      <p:sp>
+        <p:nvSpPr>
+          <p:cNvPr id="21" name="椭圆 20"/>
+          <p:cNvSpPr/>
+          <p:nvPr/>
+        </p:nvSpPr>
+        <p:spPr>
+          <a:xfrm>
+            <a:off x="4162911" y="8992232"/>
+            <a:ext cx="210696" cy="210696"/>
+          </a:xfrm>
+          <a:prstGeom prst="ellipse">
+            <a:avLst/>
+          </a:prstGeom>
+          <a:solidFill>
+            <a:srgbClr val="FF0000"/>
+          </a:solidFill>
+        </p:spPr>
+        <p:style>
+          <a:lnRef idx="2">
+            <a:schemeClr val="accent1">
+              <a:shade val="50000"/>
+            </a:schemeClr>
+          </a:lnRef>
+          <a:fillRef idx="1">
+            <a:schemeClr val="accent1"/>
+          </a:fillRef>
+          <a:effectRef idx="0">
+            <a:schemeClr val="accent1"/>
+          </a:effectRef>
+          <a:fontRef idx="minor">
+            <a:schemeClr val="lt1"/>
+          </a:fontRef>
+        </p:style>
+        <p:txBody>
+          <a:bodyPr rtlCol="0" anchor="ctr"/>
+          <a:lstStyle/>
+          <a:p>
+            <a:pPr algn="ctr"/>
+            <a:endParaRPr lang="en-US"/>
+          </a:p>
+        </p:txBody>
+      </p:sp>
+      <p:sp>
+        <p:nvSpPr>
+          <p:cNvPr id="22" name="椭圆 21"/>
+          <p:cNvSpPr/>
+          <p:nvPr/>
+        </p:nvSpPr>
+        <p:spPr>
+          <a:xfrm>
+            <a:off x="4405655" y="9567388"/>
+            <a:ext cx="210696" cy="210696"/>
+          </a:xfrm>
+          <a:prstGeom prst="ellipse">
+            <a:avLst/>
+          </a:prstGeom>
+        </p:spPr>
+        <p:style>
+          <a:lnRef idx="2">
+            <a:schemeClr val="accent1">
+              <a:shade val="50000"/>
+            </a:schemeClr>
+          </a:lnRef>
+          <a:fillRef idx="1">
+            <a:schemeClr val="accent1"/>
+          </a:fillRef>
+          <a:effectRef idx="0">
+            <a:schemeClr val="accent1"/>
+          </a:effectRef>
+          <a:fontRef idx="minor">
+            <a:schemeClr val="lt1"/>
+          </a:fontRef>
+        </p:style>
+        <p:txBody>
+          <a:bodyPr rtlCol="0" anchor="ctr"/>
+          <a:lstStyle/>
+          <a:p>
+            <a:pPr algn="ctr"/>
+            <a:endParaRPr lang="en-US"/>
+          </a:p>
+        </p:txBody>
+      </p:sp>
+      <p:sp>
+        <p:nvSpPr>
+          <p:cNvPr id="23" name="椭圆 22"/>
+          <p:cNvSpPr/>
+          <p:nvPr/>
+        </p:nvSpPr>
+        <p:spPr>
+          <a:xfrm>
+            <a:off x="5038942" y="10188094"/>
+            <a:ext cx="210696" cy="210696"/>
+          </a:xfrm>
+          <a:prstGeom prst="ellipse">
+            <a:avLst/>
+          </a:prstGeom>
+          <a:solidFill>
+            <a:srgbClr val="FF0000"/>
+          </a:solidFill>
+        </p:spPr>
+        <p:style>
+          <a:lnRef idx="2">
+            <a:schemeClr val="accent1">
+              <a:shade val="50000"/>
+            </a:schemeClr>
+          </a:lnRef>
+          <a:fillRef idx="1">
+            <a:schemeClr val="accent1"/>
+          </a:fillRef>
+          <a:effectRef idx="0">
+            <a:schemeClr val="accent1"/>
+          </a:effectRef>
+          <a:fontRef idx="minor">
+            <a:schemeClr val="lt1"/>
+          </a:fontRef>
+        </p:style>
+        <p:txBody>
+          <a:bodyPr rtlCol="0" anchor="ctr"/>
+          <a:lstStyle/>
+          <a:p>
+            <a:pPr algn="ctr"/>
+            <a:endParaRPr lang="en-US">
+              <a:solidFill>
+                <a:srgbClr val="FF0000"/>
+              </a:solidFill>
+            </a:endParaRPr>
+          </a:p>
+        </p:txBody>
+      </p:sp>
+      <p:cxnSp>
+        <p:nvCxnSpPr>
+          <p:cNvPr id="24" name="直接连接符 23"/>
+          <p:cNvCxnSpPr>
+            <a:stCxn id="21" idx="5"/>
+            <a:endCxn id="22" idx="1"/>
+          </p:cNvCxnSpPr>
+          <p:nvPr/>
+        </p:nvCxnSpPr>
+        <p:spPr>
+          <a:xfrm>
+            <a:off x="4342753" y="9172075"/>
+            <a:ext cx="93755" cy="426167"/>
+          </a:xfrm>
+          <a:prstGeom prst="line">
+            <a:avLst/>
+          </a:prstGeom>
+          <a:ln w="19050">
+            <a:solidFill>
+              <a:schemeClr val="tx1"/>
+            </a:solidFill>
+          </a:ln>
+        </p:spPr>
+        <p:style>
+          <a:lnRef idx="1">
+            <a:schemeClr val="accent1"/>
+          </a:lnRef>
+          <a:fillRef idx="0">
+            <a:schemeClr val="accent1"/>
+          </a:fillRef>
+          <a:effectRef idx="0">
+            <a:schemeClr val="accent1"/>
+          </a:effectRef>
+          <a:fontRef idx="minor">
+            <a:schemeClr val="tx1"/>
+          </a:fontRef>
+        </p:style>
+      </p:cxnSp>
+      <p:cxnSp>
+        <p:nvCxnSpPr>
+          <p:cNvPr id="25" name="直接连接符 24"/>
+          <p:cNvCxnSpPr>
+            <a:stCxn id="22" idx="4"/>
+            <a:endCxn id="23" idx="1"/>
+          </p:cNvCxnSpPr>
+          <p:nvPr/>
+        </p:nvCxnSpPr>
+        <p:spPr>
+          <a:xfrm>
+            <a:off x="4511005" y="9778084"/>
+            <a:ext cx="558791" cy="440864"/>
+          </a:xfrm>
+          <a:prstGeom prst="line">
+            <a:avLst/>
+          </a:prstGeom>
+          <a:ln w="19050">
+            <a:solidFill>
+              <a:schemeClr val="tx1"/>
+            </a:solidFill>
+          </a:ln>
+        </p:spPr>
+        <p:style>
+          <a:lnRef idx="1">
+            <a:schemeClr val="accent1"/>
+          </a:lnRef>
+          <a:fillRef idx="0">
+            <a:schemeClr val="accent1"/>
+          </a:fillRef>
+          <a:effectRef idx="0">
+            <a:schemeClr val="accent1"/>
+          </a:effectRef>
+          <a:fontRef idx="minor">
+            <a:schemeClr val="tx1"/>
+          </a:fontRef>
+        </p:style>
+      </p:cxnSp>
+      <p:sp>
+        <p:nvSpPr>
+          <p:cNvPr id="26" name="椭圆 25"/>
+          <p:cNvSpPr/>
+          <p:nvPr/>
+        </p:nvSpPr>
+        <p:spPr>
+          <a:xfrm>
+            <a:off x="5984139" y="8956088"/>
+            <a:ext cx="210696" cy="210696"/>
+          </a:xfrm>
+          <a:prstGeom prst="ellipse">
+            <a:avLst/>
+          </a:prstGeom>
+          <a:solidFill>
+            <a:srgbClr val="FF0000"/>
+          </a:solidFill>
+        </p:spPr>
+        <p:style>
+          <a:lnRef idx="2">
+            <a:schemeClr val="accent1">
+              <a:shade val="50000"/>
+            </a:schemeClr>
+          </a:lnRef>
+          <a:fillRef idx="1">
+            <a:schemeClr val="accent1"/>
+          </a:fillRef>
+          <a:effectRef idx="0">
+            <a:schemeClr val="accent1"/>
+          </a:effectRef>
+          <a:fontRef idx="minor">
+            <a:schemeClr val="lt1"/>
+          </a:fontRef>
+        </p:style>
+        <p:txBody>
+          <a:bodyPr rtlCol="0" anchor="ctr"/>
+          <a:lstStyle/>
+          <a:p>
+            <a:pPr algn="ctr"/>
+            <a:endParaRPr lang="en-US"/>
+          </a:p>
+        </p:txBody>
+      </p:sp>
+      <p:sp>
+        <p:nvSpPr>
+          <p:cNvPr id="27" name="椭圆 26"/>
+          <p:cNvSpPr/>
+          <p:nvPr/>
+        </p:nvSpPr>
+        <p:spPr>
+          <a:xfrm>
+            <a:off x="6860170" y="10151949"/>
+            <a:ext cx="210696" cy="210696"/>
+          </a:xfrm>
+          <a:prstGeom prst="ellipse">
+            <a:avLst/>
+          </a:prstGeom>
+          <a:solidFill>
+            <a:srgbClr val="FF0000"/>
+          </a:solidFill>
+        </p:spPr>
+        <p:style>
+          <a:lnRef idx="2">
+            <a:schemeClr val="accent1">
+              <a:shade val="50000"/>
+            </a:schemeClr>
+          </a:lnRef>
+          <a:fillRef idx="1">
+            <a:schemeClr val="accent1"/>
+          </a:fillRef>
+          <a:effectRef idx="0">
+            <a:schemeClr val="accent1"/>
+          </a:effectRef>
+          <a:fontRef idx="minor">
+            <a:schemeClr val="lt1"/>
+          </a:fontRef>
+        </p:style>
+        <p:txBody>
+          <a:bodyPr rtlCol="0" anchor="ctr"/>
+          <a:lstStyle/>
+          <a:p>
+            <a:pPr algn="ctr"/>
+            <a:endParaRPr lang="en-US">
+              <a:solidFill>
+                <a:srgbClr val="FF0000"/>
+              </a:solidFill>
+            </a:endParaRPr>
+          </a:p>
+        </p:txBody>
+      </p:sp>
+      <p:cxnSp>
+        <p:nvCxnSpPr>
+          <p:cNvPr id="28" name="直接连接符 27"/>
+          <p:cNvCxnSpPr>
+            <a:stCxn id="26" idx="5"/>
+            <a:endCxn id="27" idx="1"/>
+          </p:cNvCxnSpPr>
+          <p:nvPr/>
+        </p:nvCxnSpPr>
+        <p:spPr>
+          <a:xfrm>
+            <a:off x="6163981" y="9135930"/>
+            <a:ext cx="727043" cy="1046873"/>
+          </a:xfrm>
+          <a:prstGeom prst="line">
+            <a:avLst/>
+          </a:prstGeom>
+          <a:ln w="19050">
+            <a:solidFill>
+              <a:schemeClr val="tx1"/>
+            </a:solidFill>
+          </a:ln>
+        </p:spPr>
+        <p:style>
+          <a:lnRef idx="1">
+            <a:schemeClr val="accent1"/>
+          </a:lnRef>
+          <a:fillRef idx="0">
+            <a:schemeClr val="accent1"/>
+          </a:fillRef>
+          <a:effectRef idx="0">
+            <a:schemeClr val="accent1"/>
+          </a:effectRef>
+          <a:fontRef idx="minor">
+            <a:schemeClr val="tx1"/>
+          </a:fontRef>
+        </p:style>
+      </p:cxnSp>
+      <p:sp>
+        <p:nvSpPr>
+          <p:cNvPr id="29" name="椭圆 28"/>
+          <p:cNvSpPr/>
+          <p:nvPr/>
+        </p:nvSpPr>
+        <p:spPr>
+          <a:xfrm>
+            <a:off x="7815660" y="8899260"/>
+            <a:ext cx="210696" cy="210696"/>
+          </a:xfrm>
+          <a:prstGeom prst="ellipse">
+            <a:avLst/>
+          </a:prstGeom>
+          <a:solidFill>
+            <a:srgbClr val="FF0000"/>
+          </a:solidFill>
+        </p:spPr>
+        <p:style>
+          <a:lnRef idx="2">
+            <a:schemeClr val="accent1">
+              <a:shade val="50000"/>
+            </a:schemeClr>
+          </a:lnRef>
+          <a:fillRef idx="1">
+            <a:schemeClr val="accent1"/>
+          </a:fillRef>
+          <a:effectRef idx="0">
+            <a:schemeClr val="accent1"/>
+          </a:effectRef>
+          <a:fontRef idx="minor">
+            <a:schemeClr val="lt1"/>
+          </a:fontRef>
+        </p:style>
+        <p:txBody>
+          <a:bodyPr rtlCol="0" anchor="ctr"/>
+          <a:lstStyle/>
+          <a:p>
+            <a:pPr algn="ctr"/>
+            <a:endParaRPr lang="en-US"/>
+          </a:p>
+        </p:txBody>
+      </p:sp>
+      <p:sp>
+        <p:nvSpPr>
+          <p:cNvPr id="30" name="椭圆 29"/>
+          <p:cNvSpPr/>
+          <p:nvPr/>
+        </p:nvSpPr>
+        <p:spPr>
+          <a:xfrm>
+            <a:off x="8691691" y="10095121"/>
+            <a:ext cx="210696" cy="210696"/>
+          </a:xfrm>
+          <a:prstGeom prst="ellipse">
+            <a:avLst/>
+          </a:prstGeom>
+          <a:solidFill>
+            <a:srgbClr val="FF0000"/>
+          </a:solidFill>
+        </p:spPr>
+        <p:style>
+          <a:lnRef idx="2">
+            <a:schemeClr val="accent1">
+              <a:shade val="50000"/>
+            </a:schemeClr>
+          </a:lnRef>
+          <a:fillRef idx="1">
+            <a:schemeClr val="accent1"/>
+          </a:fillRef>
+          <a:effectRef idx="0">
+            <a:schemeClr val="accent1"/>
+          </a:effectRef>
+          <a:fontRef idx="minor">
+            <a:schemeClr val="lt1"/>
+          </a:fontRef>
+        </p:style>
+        <p:txBody>
+          <a:bodyPr rtlCol="0" anchor="ctr"/>
+          <a:lstStyle/>
+          <a:p>
+            <a:pPr algn="ctr"/>
+            <a:endParaRPr lang="en-US">
+              <a:solidFill>
+                <a:srgbClr val="FF0000"/>
+              </a:solidFill>
+            </a:endParaRPr>
+          </a:p>
+        </p:txBody>
+      </p:sp>
+      <p:sp>
+        <p:nvSpPr>
+          <p:cNvPr id="31" name="文本框 30"/>
+          <p:cNvSpPr txBox="1"/>
+          <p:nvPr/>
+        </p:nvSpPr>
+        <p:spPr>
+          <a:xfrm>
+            <a:off x="1882403" y="8662519"/>
+            <a:ext cx="450508" cy="400110"/>
+          </a:xfrm>
+          <a:prstGeom prst="rect">
+            <a:avLst/>
+          </a:prstGeom>
+          <a:noFill/>
+        </p:spPr>
+        <p:txBody>
+          <a:bodyPr wrap="none" rtlCol="0">
+            <a:spAutoFit/>
+          </a:bodyPr>
+          <a:lstStyle/>
+          <a:p>
+            <a:r>
+              <a:rPr lang="en-US" sz="2000" dirty="0" smtClean="0"/>
+              <a:t>SA</a:t>
+            </a:r>
+            <a:endParaRPr lang="en-US" sz="1600" dirty="0"/>
+          </a:p>
+        </p:txBody>
+      </p:sp>
+      <p:sp>
+        <p:nvSpPr>
+          <p:cNvPr id="32" name="文本框 31"/>
+          <p:cNvSpPr txBox="1"/>
+          <p:nvPr/>
+        </p:nvSpPr>
+        <p:spPr>
+          <a:xfrm>
+            <a:off x="1201125" y="9186778"/>
+            <a:ext cx="473206" cy="400110"/>
+          </a:xfrm>
+          <a:prstGeom prst="rect">
+            <a:avLst/>
+          </a:prstGeom>
+          <a:noFill/>
+        </p:spPr>
+        <p:txBody>
+          <a:bodyPr wrap="none" rtlCol="0">
+            <a:spAutoFit/>
+          </a:bodyPr>
+          <a:lstStyle/>
+          <a:p>
+            <a:r>
+              <a:rPr lang="en-US" sz="2000" dirty="0"/>
+              <a:t>RA</a:t>
+            </a:r>
+            <a:endParaRPr lang="en-US" sz="2000" dirty="0"/>
+          </a:p>
+        </p:txBody>
+      </p:sp>
+      <p:sp>
+        <p:nvSpPr>
+          <p:cNvPr id="33" name="文本框 32"/>
+          <p:cNvSpPr txBox="1"/>
+          <p:nvPr/>
+        </p:nvSpPr>
+        <p:spPr>
+          <a:xfrm>
+            <a:off x="2570002" y="8665265"/>
+            <a:ext cx="441146" cy="400110"/>
+          </a:xfrm>
+          <a:prstGeom prst="rect">
+            <a:avLst/>
+          </a:prstGeom>
+          <a:noFill/>
+        </p:spPr>
+        <p:txBody>
+          <a:bodyPr wrap="none" rtlCol="0">
+            <a:spAutoFit/>
+          </a:bodyPr>
+          <a:lstStyle>
+            <a:defPPr>
+              <a:defRPr lang="en-US"/>
+            </a:defPPr>
+            <a:lvl1pPr>
+              <a:defRPr sz="2000"/>
+            </a:lvl1pPr>
+          </a:lstStyle>
+          <a:p>
+            <a:r>
+              <a:rPr lang="en-US" dirty="0"/>
+              <a:t>LA</a:t>
+            </a:r>
+          </a:p>
+        </p:txBody>
+      </p:sp>
+      <p:sp>
+        <p:nvSpPr>
+          <p:cNvPr id="34" name="文本框 33"/>
+          <p:cNvSpPr txBox="1"/>
+          <p:nvPr/>
+        </p:nvSpPr>
+        <p:spPr>
+          <a:xfrm>
+            <a:off x="1819643" y="9314004"/>
+            <a:ext cx="468462" cy="400110"/>
+          </a:xfrm>
+          <a:prstGeom prst="rect">
+            <a:avLst/>
+          </a:prstGeom>
+          <a:noFill/>
+        </p:spPr>
+        <p:txBody>
+          <a:bodyPr wrap="none" rtlCol="0">
+            <a:spAutoFit/>
+          </a:bodyPr>
+          <a:lstStyle/>
+          <a:p>
+            <a:r>
+              <a:rPr lang="en-US" sz="2000" dirty="0" smtClean="0"/>
+              <a:t>AV</a:t>
+            </a:r>
+            <a:endParaRPr lang="en-US" sz="2000" dirty="0"/>
+          </a:p>
+        </p:txBody>
+      </p:sp>
+      <p:sp>
+        <p:nvSpPr>
+          <p:cNvPr id="35" name="文本框 34"/>
+          <p:cNvSpPr txBox="1"/>
+          <p:nvPr/>
+        </p:nvSpPr>
+        <p:spPr>
+          <a:xfrm>
+            <a:off x="2573298" y="9404816"/>
+            <a:ext cx="570990" cy="400110"/>
+          </a:xfrm>
+          <a:prstGeom prst="rect">
+            <a:avLst/>
+          </a:prstGeom>
+          <a:noFill/>
+        </p:spPr>
+        <p:txBody>
+          <a:bodyPr wrap="none" rtlCol="0">
+            <a:spAutoFit/>
+          </a:bodyPr>
+          <a:lstStyle/>
+          <a:p>
+            <a:r>
+              <a:rPr lang="en-US" sz="2000" dirty="0" smtClean="0"/>
+              <a:t>LBB</a:t>
+            </a:r>
+            <a:endParaRPr lang="en-US" sz="2000" dirty="0"/>
+          </a:p>
+        </p:txBody>
+      </p:sp>
+      <p:sp>
+        <p:nvSpPr>
+          <p:cNvPr id="36" name="文本框 35"/>
+          <p:cNvSpPr txBox="1"/>
+          <p:nvPr/>
+        </p:nvSpPr>
+        <p:spPr>
+          <a:xfrm>
+            <a:off x="1771843" y="9752445"/>
+            <a:ext cx="603050" cy="400110"/>
+          </a:xfrm>
+          <a:prstGeom prst="rect">
+            <a:avLst/>
+          </a:prstGeom>
+          <a:noFill/>
+        </p:spPr>
+        <p:txBody>
+          <a:bodyPr wrap="none" rtlCol="0">
+            <a:spAutoFit/>
+          </a:bodyPr>
+          <a:lstStyle/>
+          <a:p>
+            <a:r>
+              <a:rPr lang="en-US" sz="2000" dirty="0" smtClean="0"/>
+              <a:t>RBB</a:t>
+            </a:r>
+            <a:endParaRPr lang="en-US" sz="2000" dirty="0"/>
+          </a:p>
+        </p:txBody>
+      </p:sp>
+      <p:sp>
+        <p:nvSpPr>
+          <p:cNvPr id="37" name="文本框 36"/>
+          <p:cNvSpPr txBox="1"/>
+          <p:nvPr/>
+        </p:nvSpPr>
+        <p:spPr>
+          <a:xfrm>
+            <a:off x="1385347" y="10003820"/>
+            <a:ext cx="466474" cy="400110"/>
+          </a:xfrm>
+          <a:prstGeom prst="rect">
+            <a:avLst/>
+          </a:prstGeom>
+          <a:noFill/>
+        </p:spPr>
+        <p:txBody>
+          <a:bodyPr wrap="none" rtlCol="0">
+            <a:spAutoFit/>
+          </a:bodyPr>
+          <a:lstStyle/>
+          <a:p>
+            <a:r>
+              <a:rPr lang="en-US" sz="2000" dirty="0" smtClean="0"/>
+              <a:t>RV</a:t>
+            </a:r>
+            <a:endParaRPr lang="en-US" sz="2000" dirty="0"/>
+          </a:p>
+        </p:txBody>
+      </p:sp>
+      <p:sp>
+        <p:nvSpPr>
+          <p:cNvPr id="38" name="文本框 37"/>
+          <p:cNvSpPr txBox="1"/>
+          <p:nvPr/>
+        </p:nvSpPr>
+        <p:spPr>
+          <a:xfrm>
+            <a:off x="2013698" y="10382795"/>
+            <a:ext cx="603499" cy="400110"/>
+          </a:xfrm>
+          <a:prstGeom prst="rect">
+            <a:avLst/>
+          </a:prstGeom>
+          <a:noFill/>
+        </p:spPr>
+        <p:txBody>
+          <a:bodyPr wrap="none" rtlCol="0">
+            <a:spAutoFit/>
+          </a:bodyPr>
+          <a:lstStyle/>
+          <a:p>
+            <a:r>
+              <a:rPr lang="en-US" sz="2000" dirty="0" smtClean="0"/>
+              <a:t>RVA</a:t>
+            </a:r>
+            <a:endParaRPr lang="en-US" sz="2000" dirty="0"/>
+          </a:p>
+        </p:txBody>
+      </p:sp>
+      <p:sp>
+        <p:nvSpPr>
+          <p:cNvPr id="39" name="文本框 38"/>
+          <p:cNvSpPr txBox="1"/>
+          <p:nvPr/>
+        </p:nvSpPr>
+        <p:spPr>
+          <a:xfrm>
+            <a:off x="2991127" y="10241743"/>
+            <a:ext cx="556563" cy="400110"/>
+          </a:xfrm>
+          <a:prstGeom prst="rect">
+            <a:avLst/>
+          </a:prstGeom>
+          <a:noFill/>
+        </p:spPr>
+        <p:txBody>
+          <a:bodyPr wrap="none" rtlCol="0">
+            <a:spAutoFit/>
+          </a:bodyPr>
+          <a:lstStyle/>
+          <a:p>
+            <a:r>
+              <a:rPr lang="en-US" sz="2000" dirty="0" smtClean="0"/>
+              <a:t>LVA</a:t>
+            </a:r>
+            <a:endParaRPr lang="en-US" sz="2000" dirty="0"/>
+          </a:p>
+        </p:txBody>
+      </p:sp>
+      <p:sp>
+        <p:nvSpPr>
+          <p:cNvPr id="40" name="文本框 39"/>
+          <p:cNvSpPr txBox="1"/>
+          <p:nvPr/>
+        </p:nvSpPr>
+        <p:spPr>
+          <a:xfrm>
+            <a:off x="3130164" y="9330275"/>
+            <a:ext cx="419538" cy="400110"/>
+          </a:xfrm>
+          <a:prstGeom prst="rect">
+            <a:avLst/>
+          </a:prstGeom>
+          <a:noFill/>
+        </p:spPr>
+        <p:txBody>
+          <a:bodyPr wrap="none" rtlCol="0">
+            <a:spAutoFit/>
+          </a:bodyPr>
+          <a:lstStyle/>
+          <a:p>
+            <a:r>
+              <a:rPr lang="en-US" sz="2000" dirty="0" smtClean="0"/>
+              <a:t>LV</a:t>
+            </a:r>
+            <a:endParaRPr lang="en-US" sz="2000" dirty="0"/>
+          </a:p>
+        </p:txBody>
+      </p:sp>
+      <p:sp>
+        <p:nvSpPr>
+          <p:cNvPr id="41" name="文本框 40"/>
+          <p:cNvSpPr txBox="1"/>
+          <p:nvPr/>
+        </p:nvSpPr>
+        <p:spPr>
+          <a:xfrm>
+            <a:off x="3690969" y="8765985"/>
+            <a:ext cx="498855" cy="400110"/>
+          </a:xfrm>
+          <a:prstGeom prst="rect">
+            <a:avLst/>
+          </a:prstGeom>
+          <a:noFill/>
+        </p:spPr>
+        <p:txBody>
+          <a:bodyPr wrap="none" rtlCol="0">
+            <a:spAutoFit/>
+          </a:bodyPr>
+          <a:lstStyle/>
+          <a:p>
+            <a:r>
+              <a:rPr lang="en-US" sz="2000" dirty="0" smtClean="0"/>
+              <a:t>NA</a:t>
+            </a:r>
+            <a:endParaRPr lang="en-US" sz="2000" dirty="0"/>
+          </a:p>
+        </p:txBody>
+      </p:sp>
+      <p:sp>
+        <p:nvSpPr>
+          <p:cNvPr id="42" name="文本框 41"/>
+          <p:cNvSpPr txBox="1"/>
+          <p:nvPr/>
+        </p:nvSpPr>
+        <p:spPr>
+          <a:xfrm>
+            <a:off x="4504235" y="10218948"/>
+            <a:ext cx="495649" cy="400110"/>
+          </a:xfrm>
+          <a:prstGeom prst="rect">
+            <a:avLst/>
+          </a:prstGeom>
+          <a:noFill/>
+        </p:spPr>
+        <p:txBody>
+          <a:bodyPr wrap="none" rtlCol="0">
+            <a:spAutoFit/>
+          </a:bodyPr>
+          <a:lstStyle/>
+          <a:p>
+            <a:r>
+              <a:rPr lang="en-US" sz="2000" dirty="0" smtClean="0"/>
+              <a:t>NV</a:t>
+            </a:r>
+            <a:endParaRPr lang="en-US" sz="2000" dirty="0"/>
+          </a:p>
+        </p:txBody>
+      </p:sp>
+      <p:sp>
+        <p:nvSpPr>
+          <p:cNvPr id="43" name="文本框 42"/>
+          <p:cNvSpPr txBox="1"/>
+          <p:nvPr/>
+        </p:nvSpPr>
+        <p:spPr>
+          <a:xfrm>
+            <a:off x="4237896" y="9135930"/>
+            <a:ext cx="1257348" cy="780114"/>
+          </a:xfrm>
+          <a:prstGeom prst="rect">
+            <a:avLst/>
+          </a:prstGeom>
+          <a:noFill/>
+        </p:spPr>
+        <p:txBody>
+          <a:bodyPr wrap="none" rtlCol="0">
+            <a:spAutoFit/>
+          </a:bodyPr>
+          <a:lstStyle/>
+          <a:p>
+            <a:r>
+              <a:rPr lang="en-US" sz="500" dirty="0" smtClean="0"/>
+              <a:t>AV’</a:t>
+            </a:r>
+            <a:endParaRPr lang="en-US" sz="300" dirty="0"/>
+          </a:p>
+        </p:txBody>
+      </p:sp>
+      <p:sp>
+        <p:nvSpPr>
+          <p:cNvPr id="44" name="文本框 43"/>
+          <p:cNvSpPr txBox="1"/>
+          <p:nvPr/>
+        </p:nvSpPr>
+        <p:spPr>
+          <a:xfrm>
+            <a:off x="5520832" y="8735820"/>
+            <a:ext cx="553228" cy="400110"/>
+          </a:xfrm>
+          <a:prstGeom prst="rect">
+            <a:avLst/>
+          </a:prstGeom>
+          <a:noFill/>
+        </p:spPr>
+        <p:txBody>
+          <a:bodyPr wrap="none" rtlCol="0">
+            <a:spAutoFit/>
+          </a:bodyPr>
+          <a:lstStyle/>
+          <a:p>
+            <a:r>
+              <a:rPr lang="en-US" sz="2000" dirty="0" smtClean="0"/>
+              <a:t>NA’</a:t>
+            </a:r>
+            <a:endParaRPr lang="en-US" sz="2000" dirty="0"/>
+          </a:p>
+        </p:txBody>
+      </p:sp>
+      <p:sp>
+        <p:nvSpPr>
+          <p:cNvPr id="45" name="文本框 44"/>
+          <p:cNvSpPr txBox="1"/>
+          <p:nvPr/>
+        </p:nvSpPr>
+        <p:spPr>
+          <a:xfrm>
+            <a:off x="6299117" y="10151949"/>
+            <a:ext cx="566437" cy="400110"/>
+          </a:xfrm>
+          <a:prstGeom prst="rect">
+            <a:avLst/>
+          </a:prstGeom>
+          <a:noFill/>
+        </p:spPr>
+        <p:txBody>
+          <a:bodyPr wrap="none" rtlCol="0">
+            <a:spAutoFit/>
+          </a:bodyPr>
+          <a:lstStyle/>
+          <a:p>
+            <a:r>
+              <a:rPr lang="en-US" sz="2000" dirty="0" smtClean="0"/>
+              <a:t>NV’</a:t>
+            </a:r>
+            <a:endParaRPr lang="en-US" sz="2000" dirty="0"/>
+          </a:p>
+        </p:txBody>
+      </p:sp>
+      <p:sp>
+        <p:nvSpPr>
+          <p:cNvPr id="46" name="文本框 45"/>
+          <p:cNvSpPr txBox="1"/>
+          <p:nvPr/>
+        </p:nvSpPr>
+        <p:spPr>
+          <a:xfrm>
+            <a:off x="7303660" y="8612196"/>
+            <a:ext cx="617348" cy="400110"/>
+          </a:xfrm>
+          <a:prstGeom prst="rect">
+            <a:avLst/>
+          </a:prstGeom>
+          <a:noFill/>
+        </p:spPr>
+        <p:txBody>
+          <a:bodyPr wrap="none" rtlCol="0">
+            <a:spAutoFit/>
+          </a:bodyPr>
+          <a:lstStyle/>
+          <a:p>
+            <a:r>
+              <a:rPr lang="en-US" sz="2000" dirty="0" smtClean="0"/>
+              <a:t>NA’’</a:t>
+            </a:r>
+            <a:endParaRPr lang="en-US" sz="2000" dirty="0"/>
+          </a:p>
+        </p:txBody>
+      </p:sp>
+      <p:sp>
+        <p:nvSpPr>
+          <p:cNvPr id="47" name="文本框 46"/>
+          <p:cNvSpPr txBox="1"/>
+          <p:nvPr/>
+        </p:nvSpPr>
+        <p:spPr>
+          <a:xfrm>
+            <a:off x="8075082" y="10046832"/>
+            <a:ext cx="630557" cy="400110"/>
+          </a:xfrm>
+          <a:prstGeom prst="rect">
+            <a:avLst/>
+          </a:prstGeom>
+          <a:noFill/>
+        </p:spPr>
+        <p:txBody>
+          <a:bodyPr wrap="none" rtlCol="0">
+            <a:spAutoFit/>
+          </a:bodyPr>
+          <a:lstStyle/>
+          <a:p>
+            <a:r>
+              <a:rPr lang="en-US" sz="2000" dirty="0" smtClean="0"/>
+              <a:t>NV’’</a:t>
+            </a:r>
+            <a:endParaRPr lang="en-US" sz="2000" dirty="0"/>
+          </a:p>
+        </p:txBody>
+      </p:sp>
+    </p:spTree>
+    <p:extLst>
+      <p:ext uri="{BB962C8B-B14F-4D97-AF65-F5344CB8AC3E}">
+        <p14:creationId xmlns:p14="http://schemas.microsoft.com/office/powerpoint/2010/main" val="1899797336"/>
       </p:ext>
     </p:extLst>
   </p:cSld>

--- a/figs/abs.pptx
+++ b/figs/abs.pptx
@@ -25305,8 +25305,8 @@
         </p:nvSpPr>
         <p:spPr>
           <a:xfrm>
-            <a:off x="4237896" y="9135930"/>
-            <a:ext cx="1257348" cy="780114"/>
+            <a:off x="4438592" y="9272626"/>
+            <a:ext cx="539250" cy="400110"/>
           </a:xfrm>
           <a:prstGeom prst="rect">
             <a:avLst/>
@@ -25320,10 +25320,10 @@
           <a:lstStyle/>
           <a:p>
             <a:r>
-              <a:rPr lang="en-US" sz="500" dirty="0" smtClean="0"/>
+              <a:rPr lang="en-US" sz="2000" dirty="0" smtClean="0"/>
               <a:t>AV’</a:t>
             </a:r>
-            <a:endParaRPr lang="en-US" sz="300" dirty="0"/>
+            <a:endParaRPr lang="en-US" sz="2000" dirty="0"/>
           </a:p>
         </p:txBody>
       </p:sp>
@@ -25444,6 +25444,126 @@
               <a:t>NV’’</a:t>
             </a:r>
             <a:endParaRPr lang="en-US" sz="2000" dirty="0"/>
+          </a:p>
+        </p:txBody>
+      </p:sp>
+      <p:sp>
+        <p:nvSpPr>
+          <p:cNvPr id="49" name="文本框 48"/>
+          <p:cNvSpPr txBox="1"/>
+          <p:nvPr/>
+        </p:nvSpPr>
+        <p:spPr>
+          <a:xfrm>
+            <a:off x="2300009" y="10782905"/>
+            <a:ext cx="471604" cy="400110"/>
+          </a:xfrm>
+          <a:prstGeom prst="rect">
+            <a:avLst/>
+          </a:prstGeom>
+          <a:noFill/>
+        </p:spPr>
+        <p:txBody>
+          <a:bodyPr wrap="none" rtlCol="0">
+            <a:spAutoFit/>
+          </a:bodyPr>
+          <a:lstStyle/>
+          <a:p>
+            <a:r>
+              <a:rPr lang="en-US" sz="2000" b="1" dirty="0" smtClean="0"/>
+              <a:t>(a)</a:t>
+            </a:r>
+            <a:endParaRPr lang="en-US" b="1" dirty="0"/>
+          </a:p>
+        </p:txBody>
+      </p:sp>
+      <p:sp>
+        <p:nvSpPr>
+          <p:cNvPr id="50" name="文本框 49"/>
+          <p:cNvSpPr txBox="1"/>
+          <p:nvPr/>
+        </p:nvSpPr>
+        <p:spPr>
+          <a:xfrm>
+            <a:off x="4367649" y="10782905"/>
+            <a:ext cx="482824" cy="400110"/>
+          </a:xfrm>
+          <a:prstGeom prst="rect">
+            <a:avLst/>
+          </a:prstGeom>
+          <a:noFill/>
+        </p:spPr>
+        <p:txBody>
+          <a:bodyPr wrap="none" rtlCol="0">
+            <a:spAutoFit/>
+          </a:bodyPr>
+          <a:lstStyle/>
+          <a:p>
+            <a:r>
+              <a:rPr lang="en-US" sz="2000" b="1" dirty="0" smtClean="0"/>
+              <a:t>(b)</a:t>
+            </a:r>
+            <a:endParaRPr lang="en-US" b="1" dirty="0"/>
+          </a:p>
+        </p:txBody>
+      </p:sp>
+      <p:sp>
+        <p:nvSpPr>
+          <p:cNvPr id="51" name="文本框 50"/>
+          <p:cNvSpPr txBox="1"/>
+          <p:nvPr/>
+        </p:nvSpPr>
+        <p:spPr>
+          <a:xfrm>
+            <a:off x="6296388" y="10782905"/>
+            <a:ext cx="452368" cy="400110"/>
+          </a:xfrm>
+          <a:prstGeom prst="rect">
+            <a:avLst/>
+          </a:prstGeom>
+          <a:noFill/>
+        </p:spPr>
+        <p:txBody>
+          <a:bodyPr wrap="none" rtlCol="0">
+            <a:spAutoFit/>
+          </a:bodyPr>
+          <a:lstStyle/>
+          <a:p>
+            <a:r>
+              <a:rPr lang="en-US" sz="2000" b="1" dirty="0" smtClean="0"/>
+              <a:t>(c)</a:t>
+            </a:r>
+            <a:endParaRPr lang="en-US" b="1" dirty="0"/>
+          </a:p>
+        </p:txBody>
+      </p:sp>
+      <p:sp>
+        <p:nvSpPr>
+          <p:cNvPr id="52" name="文本框 51"/>
+          <p:cNvSpPr txBox="1"/>
+          <p:nvPr/>
+        </p:nvSpPr>
+        <p:spPr>
+          <a:xfrm>
+            <a:off x="7953259" y="10782905"/>
+            <a:ext cx="482824" cy="400110"/>
+          </a:xfrm>
+          <a:prstGeom prst="rect">
+            <a:avLst/>
+          </a:prstGeom>
+          <a:noFill/>
+        </p:spPr>
+        <p:txBody>
+          <a:bodyPr wrap="none" rtlCol="0">
+            <a:spAutoFit/>
+          </a:bodyPr>
+          <a:lstStyle/>
+          <a:p>
+            <a:r>
+              <a:rPr lang="en-US" sz="2000" b="1" dirty="0" smtClean="0"/>
+              <a:t>(d)</a:t>
+            </a:r>
+            <a:endParaRPr lang="en-US" b="1" dirty="0"/>
           </a:p>
         </p:txBody>
       </p:sp>

--- a/figs/abs.pptx
+++ b/figs/abs.pptx
@@ -25606,6 +25606,36 @@
       </p:grpSpPr>
       <p:sp>
         <p:nvSpPr>
+          <p:cNvPr id="1002" name="文本框 1001"/>
+          <p:cNvSpPr txBox="1"/>
+          <p:nvPr/>
+        </p:nvSpPr>
+        <p:spPr>
+          <a:xfrm>
+            <a:off x="2583037" y="11127449"/>
+            <a:ext cx="304892" cy="230832"/>
+          </a:xfrm>
+          <a:prstGeom prst="rect">
+            <a:avLst/>
+          </a:prstGeom>
+          <a:noFill/>
+        </p:spPr>
+        <p:txBody>
+          <a:bodyPr wrap="none" rtlCol="0">
+            <a:spAutoFit/>
+          </a:bodyPr>
+          <a:lstStyle/>
+          <a:p>
+            <a:r>
+              <a:rPr lang="en-US" sz="900" dirty="0" smtClean="0"/>
+              <a:t>R4</a:t>
+            </a:r>
+            <a:endParaRPr lang="en-US" sz="900" dirty="0"/>
+          </a:p>
+        </p:txBody>
+      </p:sp>
+      <p:sp>
+        <p:nvSpPr>
           <p:cNvPr id="446" name="文本框 445"/>
           <p:cNvSpPr txBox="1"/>
           <p:nvPr/>
@@ -26435,7 +26465,7 @@
         </p:nvGrpSpPr>
         <p:grpSpPr>
           <a:xfrm>
-            <a:off x="1652404" y="10209330"/>
+            <a:off x="1623854" y="10604278"/>
             <a:ext cx="386136" cy="335911"/>
             <a:chOff x="4197688" y="10514565"/>
             <a:chExt cx="386136" cy="335911"/>
@@ -28120,7 +28150,7 @@
         </p:nvGrpSpPr>
         <p:grpSpPr>
           <a:xfrm>
-            <a:off x="2278366" y="10223296"/>
+            <a:off x="2249816" y="10618244"/>
             <a:ext cx="195237" cy="335911"/>
             <a:chOff x="2299836" y="10327767"/>
             <a:chExt cx="195237" cy="335911"/>
@@ -35732,7 +35762,7 @@
         </p:nvSpPr>
         <p:spPr>
           <a:xfrm>
-            <a:off x="1094555" y="10220026"/>
+            <a:off x="1066005" y="10614974"/>
             <a:ext cx="45719" cy="45719"/>
           </a:xfrm>
           <a:prstGeom prst="ellipse">
@@ -35775,7 +35805,7 @@
         </p:nvSpPr>
         <p:spPr>
           <a:xfrm>
-            <a:off x="1140274" y="10318880"/>
+            <a:off x="1111724" y="10713828"/>
             <a:ext cx="45719" cy="45719"/>
           </a:xfrm>
           <a:prstGeom prst="ellipse">
@@ -35815,7 +35845,7 @@
         </p:nvSpPr>
         <p:spPr>
           <a:xfrm>
-            <a:off x="1163133" y="10417734"/>
+            <a:off x="1134583" y="10812682"/>
             <a:ext cx="45719" cy="45719"/>
           </a:xfrm>
           <a:prstGeom prst="ellipse">
@@ -35855,7 +35885,7 @@
         </p:nvSpPr>
         <p:spPr>
           <a:xfrm>
-            <a:off x="1227497" y="10380763"/>
+            <a:off x="1198947" y="10775711"/>
             <a:ext cx="45719" cy="45719"/>
           </a:xfrm>
           <a:prstGeom prst="ellipse">
@@ -35895,7 +35925,7 @@
         </p:nvSpPr>
         <p:spPr>
           <a:xfrm>
-            <a:off x="1004359" y="10317991"/>
+            <a:off x="975809" y="10712939"/>
             <a:ext cx="45719" cy="45719"/>
           </a:xfrm>
           <a:prstGeom prst="ellipse">
@@ -35938,7 +35968,7 @@
         </p:nvSpPr>
         <p:spPr>
           <a:xfrm>
-            <a:off x="1245621" y="10228391"/>
+            <a:off x="1217071" y="10623339"/>
             <a:ext cx="45719" cy="45719"/>
           </a:xfrm>
           <a:prstGeom prst="ellipse">
@@ -35978,7 +36008,7 @@
         </p:nvSpPr>
         <p:spPr>
           <a:xfrm>
-            <a:off x="1203705" y="10510218"/>
+            <a:off x="1175155" y="10905166"/>
             <a:ext cx="45719" cy="45719"/>
           </a:xfrm>
           <a:prstGeom prst="ellipse">
@@ -36018,7 +36048,7 @@
         </p:nvSpPr>
         <p:spPr>
           <a:xfrm>
-            <a:off x="1284645" y="10479516"/>
+            <a:off x="1256095" y="10874464"/>
             <a:ext cx="45719" cy="45719"/>
           </a:xfrm>
           <a:prstGeom prst="ellipse">
@@ -36058,7 +36088,7 @@
         </p:nvSpPr>
         <p:spPr>
           <a:xfrm>
-            <a:off x="1346529" y="10385600"/>
+            <a:off x="1317979" y="10780548"/>
             <a:ext cx="45719" cy="45719"/>
           </a:xfrm>
           <a:prstGeom prst="ellipse">
@@ -36098,7 +36128,7 @@
         </p:nvSpPr>
         <p:spPr>
           <a:xfrm>
-            <a:off x="1091208" y="10520256"/>
+            <a:off x="1062658" y="10915204"/>
             <a:ext cx="45719" cy="45719"/>
           </a:xfrm>
           <a:prstGeom prst="ellipse">
@@ -36141,7 +36171,7 @@
         </p:nvCxnSpPr>
         <p:spPr>
           <a:xfrm flipH="1">
-            <a:off x="1043383" y="10259050"/>
+            <a:off x="1014833" y="10653998"/>
             <a:ext cx="57867" cy="65636"/>
           </a:xfrm>
           <a:prstGeom prst="line">
@@ -36179,7 +36209,7 @@
         </p:nvCxnSpPr>
         <p:spPr>
           <a:xfrm>
-            <a:off x="1140274" y="10242886"/>
+            <a:off x="1111724" y="10637834"/>
             <a:ext cx="105347" cy="8365"/>
           </a:xfrm>
           <a:prstGeom prst="line">
@@ -36217,7 +36247,7 @@
         </p:nvCxnSpPr>
         <p:spPr>
           <a:xfrm>
-            <a:off x="1133579" y="10259050"/>
+            <a:off x="1105029" y="10653998"/>
             <a:ext cx="29555" cy="59830"/>
           </a:xfrm>
           <a:prstGeom prst="line">
@@ -36255,7 +36285,7 @@
         </p:nvCxnSpPr>
         <p:spPr>
           <a:xfrm>
-            <a:off x="1163134" y="10364599"/>
+            <a:off x="1134584" y="10759547"/>
             <a:ext cx="6694" cy="59830"/>
           </a:xfrm>
           <a:prstGeom prst="line">
@@ -36293,7 +36323,7 @@
         </p:nvCxnSpPr>
         <p:spPr>
           <a:xfrm>
-            <a:off x="1179298" y="10357904"/>
+            <a:off x="1150748" y="10752852"/>
             <a:ext cx="54894" cy="29554"/>
           </a:xfrm>
           <a:prstGeom prst="line">
@@ -36331,7 +36361,7 @@
         </p:nvCxnSpPr>
         <p:spPr>
           <a:xfrm>
-            <a:off x="1185993" y="10463453"/>
+            <a:off x="1157443" y="10858401"/>
             <a:ext cx="40572" cy="46765"/>
           </a:xfrm>
           <a:prstGeom prst="line">
@@ -36369,7 +36399,7 @@
         </p:nvCxnSpPr>
         <p:spPr>
           <a:xfrm>
-            <a:off x="1250357" y="10426482"/>
+            <a:off x="1221807" y="10821430"/>
             <a:ext cx="40983" cy="59729"/>
           </a:xfrm>
           <a:prstGeom prst="line">
@@ -36407,7 +36437,7 @@
         </p:nvCxnSpPr>
         <p:spPr>
           <a:xfrm flipH="1">
-            <a:off x="1136927" y="10533078"/>
+            <a:off x="1108377" y="10928026"/>
             <a:ext cx="66778" cy="10038"/>
           </a:xfrm>
           <a:prstGeom prst="line">
@@ -36445,7 +36475,7 @@
         </p:nvCxnSpPr>
         <p:spPr>
           <a:xfrm flipV="1">
-            <a:off x="1323669" y="10424624"/>
+            <a:off x="1295119" y="10819572"/>
             <a:ext cx="29555" cy="61587"/>
           </a:xfrm>
           <a:prstGeom prst="line">
@@ -36480,7 +36510,7 @@
         </p:nvSpPr>
         <p:spPr>
           <a:xfrm>
-            <a:off x="1101250" y="10590368"/>
+            <a:off x="1072700" y="10985316"/>
             <a:ext cx="45719" cy="45719"/>
           </a:xfrm>
           <a:prstGeom prst="ellipse">
@@ -36523,7 +36553,7 @@
         </p:nvSpPr>
         <p:spPr>
           <a:xfrm>
-            <a:off x="1146969" y="10689222"/>
+            <a:off x="1118419" y="11084170"/>
             <a:ext cx="45719" cy="45719"/>
           </a:xfrm>
           <a:prstGeom prst="ellipse">
@@ -36563,7 +36593,7 @@
         </p:nvSpPr>
         <p:spPr>
           <a:xfrm>
-            <a:off x="1169828" y="10788076"/>
+            <a:off x="1141278" y="11183024"/>
             <a:ext cx="45719" cy="45719"/>
           </a:xfrm>
           <a:prstGeom prst="ellipse">
@@ -36603,7 +36633,7 @@
         </p:nvSpPr>
         <p:spPr>
           <a:xfrm>
-            <a:off x="1234192" y="10751105"/>
+            <a:off x="1205642" y="11146053"/>
             <a:ext cx="45719" cy="45719"/>
           </a:xfrm>
           <a:prstGeom prst="ellipse">
@@ -36643,7 +36673,7 @@
         </p:nvSpPr>
         <p:spPr>
           <a:xfrm>
-            <a:off x="1011054" y="10688333"/>
+            <a:off x="982504" y="11083281"/>
             <a:ext cx="45719" cy="45719"/>
           </a:xfrm>
           <a:prstGeom prst="ellipse">
@@ -36686,7 +36716,7 @@
         </p:nvSpPr>
         <p:spPr>
           <a:xfrm>
-            <a:off x="1252316" y="10598733"/>
+            <a:off x="1223766" y="10993681"/>
             <a:ext cx="45719" cy="45719"/>
           </a:xfrm>
           <a:prstGeom prst="ellipse">
@@ -36726,7 +36756,7 @@
         </p:nvSpPr>
         <p:spPr>
           <a:xfrm>
-            <a:off x="1210400" y="10880560"/>
+            <a:off x="1181850" y="11275508"/>
             <a:ext cx="45719" cy="45719"/>
           </a:xfrm>
           <a:prstGeom prst="ellipse">
@@ -36766,7 +36796,7 @@
         </p:nvSpPr>
         <p:spPr>
           <a:xfrm>
-            <a:off x="1291340" y="10849858"/>
+            <a:off x="1262790" y="11244806"/>
             <a:ext cx="45719" cy="45719"/>
           </a:xfrm>
           <a:prstGeom prst="ellipse">
@@ -36806,7 +36836,7 @@
         </p:nvSpPr>
         <p:spPr>
           <a:xfrm>
-            <a:off x="1380522" y="10779504"/>
+            <a:off x="1351972" y="11174452"/>
             <a:ext cx="45719" cy="45719"/>
           </a:xfrm>
           <a:prstGeom prst="ellipse">
@@ -36846,7 +36876,7 @@
         </p:nvSpPr>
         <p:spPr>
           <a:xfrm>
-            <a:off x="1125280" y="10853139"/>
+            <a:off x="1096730" y="11248087"/>
             <a:ext cx="45719" cy="45719"/>
           </a:xfrm>
           <a:prstGeom prst="ellipse">
@@ -36889,7 +36919,7 @@
         </p:nvCxnSpPr>
         <p:spPr>
           <a:xfrm flipH="1">
-            <a:off x="1050078" y="10629392"/>
+            <a:off x="1021528" y="11024340"/>
             <a:ext cx="57867" cy="65636"/>
           </a:xfrm>
           <a:prstGeom prst="line">
@@ -36927,7 +36957,7 @@
         </p:nvCxnSpPr>
         <p:spPr>
           <a:xfrm>
-            <a:off x="1146969" y="10613228"/>
+            <a:off x="1118419" y="11008176"/>
             <a:ext cx="105347" cy="8365"/>
           </a:xfrm>
           <a:prstGeom prst="line">
@@ -36965,7 +36995,7 @@
         </p:nvCxnSpPr>
         <p:spPr>
           <a:xfrm>
-            <a:off x="1140274" y="10629392"/>
+            <a:off x="1111724" y="11024340"/>
             <a:ext cx="29555" cy="59830"/>
           </a:xfrm>
           <a:prstGeom prst="line">
@@ -37003,7 +37033,7 @@
         </p:nvCxnSpPr>
         <p:spPr>
           <a:xfrm>
-            <a:off x="1169829" y="10734941"/>
+            <a:off x="1141279" y="11129889"/>
             <a:ext cx="6694" cy="59830"/>
           </a:xfrm>
           <a:prstGeom prst="line">
@@ -37041,7 +37071,7 @@
         </p:nvCxnSpPr>
         <p:spPr>
           <a:xfrm>
-            <a:off x="1185993" y="10728246"/>
+            <a:off x="1157443" y="11123194"/>
             <a:ext cx="54894" cy="29554"/>
           </a:xfrm>
           <a:prstGeom prst="line">
@@ -37079,7 +37109,7 @@
         </p:nvCxnSpPr>
         <p:spPr>
           <a:xfrm>
-            <a:off x="1192688" y="10833795"/>
+            <a:off x="1164138" y="11228743"/>
             <a:ext cx="40572" cy="46765"/>
           </a:xfrm>
           <a:prstGeom prst="line">
@@ -37117,7 +37147,7 @@
         </p:nvCxnSpPr>
         <p:spPr>
           <a:xfrm>
-            <a:off x="1257052" y="10796824"/>
+            <a:off x="1228502" y="11191772"/>
             <a:ext cx="40983" cy="59729"/>
           </a:xfrm>
           <a:prstGeom prst="line">
@@ -37155,7 +37185,7 @@
         </p:nvCxnSpPr>
         <p:spPr>
           <a:xfrm flipH="1" flipV="1">
-            <a:off x="1170999" y="10875999"/>
+            <a:off x="1142449" y="11270947"/>
             <a:ext cx="39401" cy="27421"/>
           </a:xfrm>
           <a:prstGeom prst="line">
@@ -37193,7 +37223,7 @@
         </p:nvCxnSpPr>
         <p:spPr>
           <a:xfrm flipV="1">
-            <a:off x="1330364" y="10818528"/>
+            <a:off x="1301814" y="11213476"/>
             <a:ext cx="56853" cy="38025"/>
           </a:xfrm>
           <a:prstGeom prst="line">
@@ -37228,7 +37258,7 @@
         </p:nvSpPr>
         <p:spPr>
           <a:xfrm>
-            <a:off x="1314199" y="10705386"/>
+            <a:off x="1285649" y="11100334"/>
             <a:ext cx="45719" cy="45719"/>
           </a:xfrm>
           <a:prstGeom prst="ellipse">
@@ -37271,7 +37301,7 @@
         </p:nvCxnSpPr>
         <p:spPr>
           <a:xfrm flipV="1">
-            <a:off x="1273216" y="10744410"/>
+            <a:off x="1244666" y="11139358"/>
             <a:ext cx="47678" cy="13390"/>
           </a:xfrm>
           <a:prstGeom prst="line">
@@ -37309,7 +37339,7 @@
         </p:nvCxnSpPr>
         <p:spPr>
           <a:xfrm>
-            <a:off x="1353223" y="10744410"/>
+            <a:off x="1324673" y="11139358"/>
             <a:ext cx="33994" cy="41789"/>
           </a:xfrm>
           <a:prstGeom prst="line">
@@ -37344,7 +37374,7 @@
         </p:nvSpPr>
         <p:spPr>
           <a:xfrm>
-            <a:off x="1303703" y="10772817"/>
+            <a:off x="1275153" y="11167765"/>
             <a:ext cx="45719" cy="45719"/>
           </a:xfrm>
           <a:prstGeom prst="ellipse">
@@ -37384,7 +37414,7 @@
         </p:nvSpPr>
         <p:spPr>
           <a:xfrm>
-            <a:off x="1061698" y="10800532"/>
+            <a:off x="1033148" y="11195480"/>
             <a:ext cx="45719" cy="45719"/>
           </a:xfrm>
           <a:prstGeom prst="ellipse">
@@ -37424,7 +37454,7 @@
         </p:nvSpPr>
         <p:spPr>
           <a:xfrm>
-            <a:off x="1081457" y="10895577"/>
+            <a:off x="1052907" y="11290525"/>
             <a:ext cx="45719" cy="45719"/>
           </a:xfrm>
           <a:prstGeom prst="ellipse">
@@ -37467,7 +37497,7 @@
         </p:nvCxnSpPr>
         <p:spPr>
           <a:xfrm>
-            <a:off x="1273216" y="10790129"/>
+            <a:off x="1244666" y="11185077"/>
             <a:ext cx="30487" cy="5548"/>
           </a:xfrm>
           <a:prstGeom prst="line">
@@ -37505,7 +37535,7 @@
         </p:nvCxnSpPr>
         <p:spPr>
           <a:xfrm flipV="1">
-            <a:off x="1326563" y="10751105"/>
+            <a:off x="1298013" y="11146053"/>
             <a:ext cx="10496" cy="21712"/>
           </a:xfrm>
           <a:prstGeom prst="line">
@@ -37543,7 +37573,7 @@
         </p:nvCxnSpPr>
         <p:spPr>
           <a:xfrm flipH="1">
-            <a:off x="1314200" y="10818536"/>
+            <a:off x="1285650" y="11213484"/>
             <a:ext cx="12363" cy="31322"/>
           </a:xfrm>
           <a:prstGeom prst="line">
@@ -37581,7 +37611,7 @@
         </p:nvCxnSpPr>
         <p:spPr>
           <a:xfrm flipV="1">
-            <a:off x="1342727" y="10802364"/>
+            <a:off x="1314177" y="11197312"/>
             <a:ext cx="37795" cy="9477"/>
           </a:xfrm>
           <a:prstGeom prst="line">
@@ -37619,7 +37649,7 @@
         </p:nvCxnSpPr>
         <p:spPr>
           <a:xfrm flipV="1">
-            <a:off x="1215547" y="10790129"/>
+            <a:off x="1186997" y="11185077"/>
             <a:ext cx="25340" cy="20807"/>
           </a:xfrm>
           <a:prstGeom prst="line">
@@ -37657,7 +37687,7 @@
         </p:nvCxnSpPr>
         <p:spPr>
           <a:xfrm flipV="1">
-            <a:off x="1256119" y="10872718"/>
+            <a:off x="1227569" y="11267666"/>
             <a:ext cx="35221" cy="30702"/>
           </a:xfrm>
           <a:prstGeom prst="line">
@@ -37695,7 +37725,7 @@
         </p:nvCxnSpPr>
         <p:spPr>
           <a:xfrm>
-            <a:off x="1107417" y="10823392"/>
+            <a:off x="1078867" y="11218340"/>
             <a:ext cx="69106" cy="3708"/>
           </a:xfrm>
           <a:prstGeom prst="line">
@@ -37733,7 +37763,7 @@
         </p:nvCxnSpPr>
         <p:spPr>
           <a:xfrm>
-            <a:off x="1084558" y="10846251"/>
+            <a:off x="1056008" y="11241199"/>
             <a:ext cx="47417" cy="13583"/>
           </a:xfrm>
           <a:prstGeom prst="line">
@@ -37771,7 +37801,7 @@
         </p:nvCxnSpPr>
         <p:spPr>
           <a:xfrm flipH="1" flipV="1">
-            <a:off x="1104317" y="10895577"/>
+            <a:off x="1075767" y="11290525"/>
             <a:ext cx="43823" cy="3281"/>
           </a:xfrm>
           <a:prstGeom prst="line">
@@ -37809,7 +37839,7 @@
         </p:nvCxnSpPr>
         <p:spPr>
           <a:xfrm>
-            <a:off x="1127176" y="10918437"/>
+            <a:off x="1098626" y="11313385"/>
             <a:ext cx="89919" cy="1147"/>
           </a:xfrm>
           <a:prstGeom prst="line">
@@ -37881,14 +37911,14 @@
           <p:nvPr>
             <p:extLst>
               <p:ext uri="{D42A27DB-BD31-4B8C-83A1-F6EECF244321}">
-                <p14:modId xmlns:p14="http://schemas.microsoft.com/office/powerpoint/2010/main" val="386179562"/>
+                <p14:modId xmlns:p14="http://schemas.microsoft.com/office/powerpoint/2010/main" val="796073101"/>
               </p:ext>
             </p:extLst>
           </p:nvPr>
         </p:nvGraphicFramePr>
         <p:xfrm>
           <a:off x="322634" y="7130453"/>
-          <a:ext cx="614217" cy="3804500"/>
+          <a:ext cx="614217" cy="4208838"/>
         </p:xfrm>
         <a:graphic>
           <a:graphicData uri="http://schemas.openxmlformats.org/drawingml/2006/table">
@@ -38389,6 +38419,74 @@
                       <a:pPr algn="ctr"/>
                       <a:r>
                         <a:rPr lang="en-US" sz="800" dirty="0" smtClean="0"/>
+                        <a:t>Premature</a:t>
+                      </a:r>
+                    </a:p>
+                    <a:p>
+                      <a:pPr algn="ctr"/>
+                      <a:r>
+                        <a:rPr lang="en-US" sz="800" dirty="0" smtClean="0"/>
+                        <a:t>Ventricle</a:t>
+                      </a:r>
+                    </a:p>
+                    <a:p>
+                      <a:pPr algn="ctr"/>
+                      <a:r>
+                        <a:rPr lang="en-US" sz="800" dirty="0" smtClean="0"/>
+                        <a:t>Contraction</a:t>
+                      </a:r>
+                      <a:endParaRPr lang="en-US" sz="800" dirty="0" smtClean="0"/>
+                    </a:p>
+                  </a:txBody>
+                  <a:tcPr marL="38576" marR="38576" marT="19289" marB="19289" anchor="ctr">
+                    <a:lnL w="12700" cap="flat" cmpd="sng" algn="ctr">
+                      <a:solidFill>
+                        <a:schemeClr val="tx1"/>
+                      </a:solidFill>
+                      <a:prstDash val="solid"/>
+                      <a:round/>
+                      <a:headEnd type="none" w="med" len="med"/>
+                      <a:tailEnd type="none" w="med" len="med"/>
+                    </a:lnL>
+                    <a:lnR w="12700" cap="flat" cmpd="sng" algn="ctr">
+                      <a:solidFill>
+                        <a:schemeClr val="tx1"/>
+                      </a:solidFill>
+                      <a:prstDash val="solid"/>
+                      <a:round/>
+                      <a:headEnd type="none" w="med" len="med"/>
+                      <a:tailEnd type="none" w="med" len="med"/>
+                    </a:lnR>
+                    <a:lnT w="12700" cap="flat" cmpd="sng" algn="ctr">
+                      <a:solidFill>
+                        <a:schemeClr val="tx1"/>
+                      </a:solidFill>
+                      <a:prstDash val="solid"/>
+                      <a:round/>
+                      <a:headEnd type="none" w="med" len="med"/>
+                      <a:tailEnd type="none" w="med" len="med"/>
+                    </a:lnT>
+                    <a:lnB w="12700" cap="flat" cmpd="sng" algn="ctr">
+                      <a:solidFill>
+                        <a:schemeClr val="tx1"/>
+                      </a:solidFill>
+                      <a:prstDash val="solid"/>
+                      <a:round/>
+                      <a:headEnd type="none" w="med" len="med"/>
+                      <a:tailEnd type="none" w="med" len="med"/>
+                    </a:lnB>
+                  </a:tcPr>
+                </a:tc>
+              </a:tr>
+              <a:tr h="374478">
+                <a:tc>
+                  <a:txBody>
+                    <a:bodyPr/>
+                    <a:lstStyle/>
+                    <a:p>
+                      <a:pPr algn="ctr"/>
+                      <a:r>
+                        <a:rPr lang="en-US" sz="800" dirty="0" smtClean="0"/>
                         <a:t>Ventricle</a:t>
                       </a:r>
                     </a:p>
@@ -39006,7 +39104,7 @@
         </p:nvCxnSpPr>
         <p:spPr>
           <a:xfrm>
-            <a:off x="2072266" y="10389629"/>
+            <a:off x="2043716" y="10784577"/>
             <a:ext cx="161090" cy="0"/>
           </a:xfrm>
           <a:prstGeom prst="straightConnector1">
@@ -39042,7 +39140,7 @@
         </p:nvSpPr>
         <p:spPr>
           <a:xfrm>
-            <a:off x="3248530" y="10329173"/>
+            <a:off x="3219980" y="10724121"/>
             <a:ext cx="45719" cy="45719"/>
           </a:xfrm>
           <a:prstGeom prst="ellipse">
@@ -39085,7 +39183,7 @@
         </p:nvSpPr>
         <p:spPr>
           <a:xfrm>
-            <a:off x="3294249" y="10428027"/>
+            <a:off x="3265699" y="10822975"/>
             <a:ext cx="45719" cy="45719"/>
           </a:xfrm>
           <a:prstGeom prst="ellipse">
@@ -39125,7 +39223,7 @@
         </p:nvSpPr>
         <p:spPr>
           <a:xfrm>
-            <a:off x="3317108" y="10526881"/>
+            <a:off x="3288558" y="10921829"/>
             <a:ext cx="45719" cy="45719"/>
           </a:xfrm>
           <a:prstGeom prst="ellipse">
@@ -39165,7 +39263,7 @@
         </p:nvSpPr>
         <p:spPr>
           <a:xfrm>
-            <a:off x="3357680" y="10619365"/>
+            <a:off x="3329130" y="11014313"/>
             <a:ext cx="45719" cy="45719"/>
           </a:xfrm>
           <a:prstGeom prst="ellipse">
@@ -39211,7 +39309,7 @@
         </p:nvCxnSpPr>
         <p:spPr>
           <a:xfrm>
-            <a:off x="3287554" y="10368197"/>
+            <a:off x="3259004" y="10763145"/>
             <a:ext cx="29555" cy="59830"/>
           </a:xfrm>
           <a:prstGeom prst="line">
@@ -39249,7 +39347,7 @@
         </p:nvCxnSpPr>
         <p:spPr>
           <a:xfrm>
-            <a:off x="3317109" y="10473746"/>
+            <a:off x="3288559" y="10868694"/>
             <a:ext cx="6694" cy="59830"/>
           </a:xfrm>
           <a:prstGeom prst="line">
@@ -39287,7 +39385,7 @@
         </p:nvCxnSpPr>
         <p:spPr>
           <a:xfrm>
-            <a:off x="3339968" y="10572600"/>
+            <a:off x="3311418" y="10967548"/>
             <a:ext cx="40572" cy="46765"/>
           </a:xfrm>
           <a:prstGeom prst="line">
@@ -39322,7 +39420,7 @@
         </p:nvCxnSpPr>
         <p:spPr>
           <a:xfrm>
-            <a:off x="3008300" y="10489649"/>
+            <a:off x="2979750" y="10884597"/>
             <a:ext cx="182276" cy="0"/>
           </a:xfrm>
           <a:prstGeom prst="straightConnector1">
@@ -39632,7 +39730,7 @@
         </p:nvCxnSpPr>
         <p:spPr>
           <a:xfrm>
-            <a:off x="3416687" y="10489649"/>
+            <a:off x="3388137" y="10884597"/>
             <a:ext cx="187710" cy="0"/>
           </a:xfrm>
           <a:prstGeom prst="straightConnector1">
@@ -39770,7 +39868,7 @@
         </p:nvSpPr>
         <p:spPr>
           <a:xfrm>
-            <a:off x="3570488" y="10322247"/>
+            <a:off x="3541938" y="10717195"/>
             <a:ext cx="45719" cy="45719"/>
           </a:xfrm>
           <a:prstGeom prst="ellipse">
@@ -39813,7 +39911,7 @@
         </p:nvSpPr>
         <p:spPr>
           <a:xfrm>
-            <a:off x="3616207" y="10421101"/>
+            <a:off x="3587657" y="10816049"/>
             <a:ext cx="45719" cy="45719"/>
           </a:xfrm>
           <a:prstGeom prst="ellipse">
@@ -39853,7 +39951,7 @@
         </p:nvSpPr>
         <p:spPr>
           <a:xfrm>
-            <a:off x="3679638" y="10612439"/>
+            <a:off x="3651088" y="11007387"/>
             <a:ext cx="45719" cy="45719"/>
           </a:xfrm>
           <a:prstGeom prst="ellipse">
@@ -39899,7 +39997,7 @@
         </p:nvCxnSpPr>
         <p:spPr>
           <a:xfrm>
-            <a:off x="3609512" y="10361271"/>
+            <a:off x="3580962" y="10756219"/>
             <a:ext cx="29555" cy="59830"/>
           </a:xfrm>
           <a:prstGeom prst="line">
@@ -39937,7 +40035,7 @@
         </p:nvCxnSpPr>
         <p:spPr>
           <a:xfrm>
-            <a:off x="3639067" y="10466820"/>
+            <a:off x="3610517" y="10861768"/>
             <a:ext cx="63431" cy="145619"/>
           </a:xfrm>
           <a:prstGeom prst="line">
@@ -39972,7 +40070,7 @@
         </p:nvCxnSpPr>
         <p:spPr>
           <a:xfrm>
-            <a:off x="3725357" y="10485353"/>
+            <a:off x="3696807" y="10880301"/>
             <a:ext cx="238290" cy="0"/>
           </a:xfrm>
           <a:prstGeom prst="straightConnector1">
@@ -40008,7 +40106,7 @@
         </p:nvSpPr>
         <p:spPr>
           <a:xfrm>
-            <a:off x="1068218" y="10431319"/>
+            <a:off x="1039668" y="10826267"/>
             <a:ext cx="45719" cy="45719"/>
           </a:xfrm>
           <a:prstGeom prst="ellipse">
@@ -40051,7 +40149,7 @@
         </p:nvCxnSpPr>
         <p:spPr>
           <a:xfrm>
-            <a:off x="1113937" y="10454179"/>
+            <a:off x="1085387" y="10849127"/>
             <a:ext cx="55891" cy="2579"/>
           </a:xfrm>
           <a:prstGeom prst="line">
@@ -40089,7 +40187,7 @@
         </p:nvCxnSpPr>
         <p:spPr>
           <a:xfrm>
-            <a:off x="1091078" y="10477038"/>
+            <a:off x="1062528" y="10871986"/>
             <a:ext cx="22990" cy="43218"/>
           </a:xfrm>
           <a:prstGeom prst="line">
@@ -40184,7 +40282,7 @@
         </p:nvSpPr>
         <p:spPr>
           <a:xfrm>
-            <a:off x="1955882" y="9357105"/>
+            <a:off x="1955882" y="9384815"/>
             <a:ext cx="304892" cy="230832"/>
           </a:xfrm>
           <a:prstGeom prst="rect">
@@ -40214,7 +40312,7 @@
         </p:nvSpPr>
         <p:spPr>
           <a:xfrm>
-            <a:off x="1982569" y="10202409"/>
+            <a:off x="1954019" y="10597357"/>
             <a:ext cx="304892" cy="230832"/>
           </a:xfrm>
           <a:prstGeom prst="rect">
@@ -40274,7 +40372,7 @@
         </p:nvSpPr>
         <p:spPr>
           <a:xfrm>
-            <a:off x="1360816" y="9415556"/>
+            <a:off x="1360816" y="9465434"/>
             <a:ext cx="304892" cy="230832"/>
           </a:xfrm>
           <a:prstGeom prst="rect">
@@ -40334,7 +40432,7 @@
         </p:nvSpPr>
         <p:spPr>
           <a:xfrm>
-            <a:off x="1376869" y="10193231"/>
+            <a:off x="1348319" y="10588179"/>
             <a:ext cx="304892" cy="230832"/>
           </a:xfrm>
           <a:prstGeom prst="rect">
@@ -40364,7 +40462,7 @@
         </p:nvSpPr>
         <p:spPr>
           <a:xfrm>
-            <a:off x="1360032" y="10532170"/>
+            <a:off x="1331482" y="10960370"/>
             <a:ext cx="304892" cy="230832"/>
           </a:xfrm>
           <a:prstGeom prst="rect">
@@ -40424,7 +40522,7 @@
         </p:nvSpPr>
         <p:spPr>
           <a:xfrm>
-            <a:off x="2952609" y="10255843"/>
+            <a:off x="2924059" y="10650791"/>
             <a:ext cx="304892" cy="230832"/>
           </a:xfrm>
           <a:prstGeom prst="rect">
@@ -40484,7 +40582,7 @@
         </p:nvSpPr>
         <p:spPr>
           <a:xfrm>
-            <a:off x="3348825" y="10287344"/>
+            <a:off x="3320275" y="10682292"/>
             <a:ext cx="304892" cy="230832"/>
           </a:xfrm>
           <a:prstGeom prst="rect">
@@ -40544,7 +40642,7 @@
         </p:nvGrpSpPr>
         <p:grpSpPr>
           <a:xfrm>
-            <a:off x="4008401" y="10326007"/>
+            <a:off x="3979851" y="10720955"/>
             <a:ext cx="235809" cy="305209"/>
             <a:chOff x="7938751" y="8487266"/>
             <a:chExt cx="235809" cy="305209"/>
@@ -40687,7 +40785,7 @@
         </p:nvSpPr>
         <p:spPr>
           <a:xfrm>
-            <a:off x="3686947" y="10277171"/>
+            <a:off x="3658397" y="10672119"/>
             <a:ext cx="304892" cy="230832"/>
           </a:xfrm>
           <a:prstGeom prst="rect">
@@ -41194,8 +41292,8 @@
         </p:nvCxnSpPr>
         <p:spPr>
           <a:xfrm flipV="1">
-            <a:off x="4221350" y="9565363"/>
-            <a:ext cx="412163" cy="857211"/>
+            <a:off x="4198491" y="9565364"/>
+            <a:ext cx="435022" cy="1222511"/>
           </a:xfrm>
           <a:prstGeom prst="straightConnector1">
             <a:avLst/>
@@ -42766,7 +42864,7 @@
         </p:nvSpPr>
         <p:spPr>
           <a:xfrm>
-            <a:off x="1381347" y="7875027"/>
+            <a:off x="1381347" y="7913821"/>
             <a:ext cx="304892" cy="230832"/>
           </a:xfrm>
           <a:prstGeom prst="rect">
@@ -43124,7 +43222,7 @@
         </p:nvSpPr>
         <p:spPr>
           <a:xfrm>
-            <a:off x="1397167" y="8268602"/>
+            <a:off x="1385546" y="8301934"/>
             <a:ext cx="304892" cy="230832"/>
           </a:xfrm>
           <a:prstGeom prst="rect">
@@ -43647,7 +43745,7 @@
             <p:spPr>
               <a:xfrm>
                 <a:off x="4609116" y="8929495"/>
-                <a:ext cx="347659" cy="215444"/>
+                <a:ext cx="247888" cy="153888"/>
               </a:xfrm>
               <a:prstGeom prst="rect">
                 <a:avLst/>
@@ -43669,7 +43767,7 @@
                       <m:sSub>
                         <m:sSubPr>
                           <m:ctrlPr>
-                            <a:rPr lang="en-US" sz="1400" b="0" i="1" smtClean="0">
+                            <a:rPr lang="en-US" sz="1000" b="0" i="1" smtClean="0">
                               <a:solidFill>
                                 <a:srgbClr val="FF0000"/>
                               </a:solidFill>
@@ -43679,7 +43777,7 @@
                         </m:sSubPr>
                         <m:e>
                           <m:r>
-                            <a:rPr lang="en-US" sz="1400" b="0" i="1" smtClean="0">
+                            <a:rPr lang="en-US" sz="1000" b="0" i="1" smtClean="0">
                               <a:solidFill>
                                 <a:srgbClr val="FF0000"/>
                               </a:solidFill>
@@ -43690,7 +43788,7 @@
                         </m:e>
                         <m:sub>
                           <m:r>
-                            <a:rPr lang="en-US" sz="1400" b="0" i="1" smtClean="0">
+                            <a:rPr lang="en-US" sz="1000" b="0" i="1" smtClean="0">
                               <a:solidFill>
                                 <a:srgbClr val="FF0000"/>
                               </a:solidFill>
@@ -43703,7 +43801,7 @@
                     </m:oMath>
                   </m:oMathPara>
                 </a14:m>
-                <a:endParaRPr lang="en-US" sz="1400" dirty="0">
+                <a:endParaRPr lang="en-US" sz="1000" dirty="0">
                   <a:solidFill>
                     <a:srgbClr val="FF0000"/>
                   </a:solidFill>
@@ -43724,7 +43822,7 @@
             <p:spPr>
               <a:xfrm>
                 <a:off x="4609116" y="8929495"/>
-                <a:ext cx="347659" cy="215444"/>
+                <a:ext cx="247888" cy="153888"/>
               </a:xfrm>
               <a:prstGeom prst="rect">
                 <a:avLst/>
@@ -43732,7 +43830,7 @@
               <a:blipFill rotWithShape="0">
                 <a:blip r:embed="rId2"/>
                 <a:stretch>
-                  <a:fillRect l="-12281" r="-1754" b="-14286"/>
+                  <a:fillRect l="-9756" r="-2439" b="-16000"/>
                 </a:stretch>
               </a:blipFill>
             </p:spPr>
@@ -43762,7 +43860,7 @@
             <p:spPr>
               <a:xfrm>
                 <a:off x="3892985" y="7679380"/>
-                <a:ext cx="348622" cy="215444"/>
+                <a:ext cx="249492" cy="153888"/>
               </a:xfrm>
               <a:prstGeom prst="rect">
                 <a:avLst/>
@@ -43784,7 +43882,7 @@
                       <m:sSub>
                         <m:sSubPr>
                           <m:ctrlPr>
-                            <a:rPr lang="en-US" sz="1400" b="0" i="1" smtClean="0">
+                            <a:rPr lang="en-US" sz="1000" b="0" i="1" smtClean="0">
                               <a:solidFill>
                                 <a:srgbClr val="FF0000"/>
                               </a:solidFill>
@@ -43794,7 +43892,7 @@
                         </m:sSubPr>
                         <m:e>
                           <m:r>
-                            <a:rPr lang="en-US" sz="1400" b="0" i="1" smtClean="0">
+                            <a:rPr lang="en-US" sz="1000" b="0" i="1" smtClean="0">
                               <a:solidFill>
                                 <a:srgbClr val="FF0000"/>
                               </a:solidFill>
@@ -43805,7 +43903,7 @@
                         </m:e>
                         <m:sub>
                           <m:r>
-                            <a:rPr lang="en-US" sz="1400" b="0" i="1" smtClean="0">
+                            <a:rPr lang="en-US" sz="1000" b="0" i="1" smtClean="0">
                               <a:solidFill>
                                 <a:srgbClr val="FF0000"/>
                               </a:solidFill>
@@ -43816,7 +43914,7 @@
                         </m:sub>
                       </m:sSub>
                       <m:r>
-                        <a:rPr lang="en-US" sz="1400" b="0" i="1" smtClean="0">
+                        <a:rPr lang="en-US" sz="1000" b="0" i="1" smtClean="0">
                           <a:solidFill>
                             <a:srgbClr val="FF0000"/>
                           </a:solidFill>
@@ -43827,7 +43925,7 @@
                     </m:oMath>
                   </m:oMathPara>
                 </a14:m>
-                <a:endParaRPr lang="en-US" sz="1400" dirty="0">
+                <a:endParaRPr lang="en-US" sz="1000" dirty="0">
                   <a:solidFill>
                     <a:srgbClr val="FF0000"/>
                   </a:solidFill>
@@ -43848,7 +43946,7 @@
             <p:spPr>
               <a:xfrm>
                 <a:off x="3892985" y="7679380"/>
-                <a:ext cx="348622" cy="215444"/>
+                <a:ext cx="249492" cy="153888"/>
               </a:xfrm>
               <a:prstGeom prst="rect">
                 <a:avLst/>
@@ -43856,7 +43954,7 @@
               <a:blipFill rotWithShape="0">
                 <a:blip r:embed="rId3"/>
                 <a:stretch>
-                  <a:fillRect l="-12281" t="-2857" r="-12281" b="-8571"/>
+                  <a:fillRect l="-12195" t="-4000" r="-12195" b="-12000"/>
                 </a:stretch>
               </a:blipFill>
             </p:spPr>
@@ -43886,7 +43984,7 @@
             <p:spPr>
               <a:xfrm>
                 <a:off x="3840509" y="8485163"/>
-                <a:ext cx="386773" cy="215444"/>
+                <a:ext cx="309700" cy="153888"/>
               </a:xfrm>
               <a:prstGeom prst="rect">
                 <a:avLst/>
@@ -43908,7 +44006,7 @@
                       <m:sSub>
                         <m:sSubPr>
                           <m:ctrlPr>
-                            <a:rPr lang="en-US" sz="1400" b="0" i="1" smtClean="0">
+                            <a:rPr lang="en-US" sz="1000" b="0" i="1" smtClean="0">
                               <a:solidFill>
                                 <a:srgbClr val="FF0000"/>
                               </a:solidFill>
@@ -43918,7 +44016,7 @@
                         </m:sSubPr>
                         <m:e>
                           <m:r>
-                            <a:rPr lang="en-US" sz="1400" b="0" i="1" smtClean="0">
+                            <a:rPr lang="en-US" sz="1000" b="0" i="1" smtClean="0">
                               <a:solidFill>
                                 <a:srgbClr val="FF0000"/>
                               </a:solidFill>
@@ -43929,7 +44027,7 @@
                         </m:e>
                         <m:sub>
                           <m:r>
-                            <a:rPr lang="en-US" sz="1400" b="0" i="1" smtClean="0">
+                            <a:rPr lang="en-US" sz="1000" b="0" i="1" smtClean="0">
                               <a:solidFill>
                                 <a:srgbClr val="FF0000"/>
                               </a:solidFill>
@@ -43940,18 +44038,18 @@
                         </m:sub>
                       </m:sSub>
                       <m:r>
-                        <a:rPr lang="en-US" sz="1400" b="0" i="1" smtClean="0">
+                        <a:rPr lang="en-US" sz="1000" b="0" i="1" smtClean="0">
                           <a:solidFill>
                             <a:srgbClr val="FF0000"/>
                           </a:solidFill>
                           <a:latin typeface="Cambria Math" panose="02040503050406030204" pitchFamily="18" charset="0"/>
                         </a:rPr>
-                        <m:t>′′</m:t>
+                        <m:t>′′′</m:t>
                       </m:r>
                     </m:oMath>
                   </m:oMathPara>
                 </a14:m>
-                <a:endParaRPr lang="en-US" sz="1400" dirty="0">
+                <a:endParaRPr lang="en-US" sz="1000" dirty="0">
                   <a:solidFill>
                     <a:srgbClr val="FF0000"/>
                   </a:solidFill>
@@ -43972,7 +44070,7 @@
             <p:spPr>
               <a:xfrm>
                 <a:off x="3840509" y="8485163"/>
-                <a:ext cx="386773" cy="215444"/>
+                <a:ext cx="309700" cy="153888"/>
               </a:xfrm>
               <a:prstGeom prst="rect">
                 <a:avLst/>
@@ -43980,7 +44078,7 @@
               <a:blipFill rotWithShape="0">
                 <a:blip r:embed="rId4"/>
                 <a:stretch>
-                  <a:fillRect l="-11111" t="-2857" r="-12698" b="-14286"/>
+                  <a:fillRect l="-7843" t="-4000" r="-9804" b="-16000"/>
                 </a:stretch>
               </a:blipFill>
             </p:spPr>
@@ -44010,7 +44108,7 @@
             <p:spPr>
               <a:xfrm>
                 <a:off x="3828683" y="9197257"/>
-                <a:ext cx="404406" cy="215444"/>
+                <a:ext cx="322524" cy="153888"/>
               </a:xfrm>
               <a:prstGeom prst="rect">
                 <a:avLst/>
@@ -44032,7 +44130,7 @@
                       <m:sSub>
                         <m:sSubPr>
                           <m:ctrlPr>
-                            <a:rPr lang="en-US" sz="1400" b="0" i="1" smtClean="0">
+                            <a:rPr lang="en-US" sz="1000" b="0" i="1" smtClean="0">
                               <a:solidFill>
                                 <a:srgbClr val="FF0000"/>
                               </a:solidFill>
@@ -44042,7 +44140,7 @@
                         </m:sSubPr>
                         <m:e>
                           <m:r>
-                            <a:rPr lang="en-US" sz="1400" b="0" i="1" smtClean="0">
+                            <a:rPr lang="en-US" sz="1000" b="0" i="1" smtClean="0">
                               <a:solidFill>
                                 <a:srgbClr val="FF0000"/>
                               </a:solidFill>
@@ -44053,7 +44151,7 @@
                         </m:e>
                         <m:sub>
                           <m:r>
-                            <a:rPr lang="en-US" sz="1400" b="0" i="1" smtClean="0">
+                            <a:rPr lang="en-US" sz="1000" b="0" i="1" smtClean="0">
                               <a:solidFill>
                                 <a:srgbClr val="FF0000"/>
                               </a:solidFill>
@@ -44064,18 +44162,18 @@
                         </m:sub>
                       </m:sSub>
                       <m:r>
-                        <a:rPr lang="en-US" sz="1400" b="0" i="1" smtClean="0">
+                        <a:rPr lang="en-US" sz="1000" b="0" i="1" smtClean="0">
                           <a:solidFill>
                             <a:srgbClr val="FF0000"/>
                           </a:solidFill>
                           <a:latin typeface="Cambria Math" panose="02040503050406030204" pitchFamily="18" charset="0"/>
                         </a:rPr>
-                        <m:t>′′</m:t>
+                        <m:t>′′′</m:t>
                       </m:r>
                     </m:oMath>
                   </m:oMathPara>
                 </a14:m>
-                <a:endParaRPr lang="en-US" sz="1400" dirty="0">
+                <a:endParaRPr lang="en-US" sz="1000" dirty="0">
                   <a:solidFill>
                     <a:srgbClr val="FF0000"/>
                   </a:solidFill>
@@ -44096,7 +44194,7 @@
             <p:spPr>
               <a:xfrm>
                 <a:off x="3828683" y="9197257"/>
-                <a:ext cx="404406" cy="215444"/>
+                <a:ext cx="322524" cy="153888"/>
               </a:xfrm>
               <a:prstGeom prst="rect">
                 <a:avLst/>
@@ -44104,7 +44202,7 @@
               <a:blipFill rotWithShape="0">
                 <a:blip r:embed="rId5"/>
                 <a:stretch>
-                  <a:fillRect l="-10606" t="-2857" r="-12121" b="-14286"/>
+                  <a:fillRect l="-7547" t="-4000" r="-9434" b="-16000"/>
                 </a:stretch>
               </a:blipFill>
             </p:spPr>
@@ -46475,7 +46573,7 @@
         </p:nvSpPr>
         <p:spPr>
           <a:xfrm>
-            <a:off x="1965473" y="9726810"/>
+            <a:off x="1965473" y="9765604"/>
             <a:ext cx="304892" cy="230832"/>
           </a:xfrm>
           <a:prstGeom prst="rect">
@@ -47061,7 +47159,7 @@
         </p:nvGrpSpPr>
         <p:grpSpPr>
           <a:xfrm>
-            <a:off x="2817557" y="10330570"/>
+            <a:off x="2789007" y="10725518"/>
             <a:ext cx="195237" cy="335911"/>
             <a:chOff x="2299836" y="10327767"/>
             <a:chExt cx="195237" cy="335911"/>
@@ -47437,7 +47535,7 @@
         </p:nvGrpSpPr>
         <p:grpSpPr>
           <a:xfrm>
-            <a:off x="1639068" y="10595982"/>
+            <a:off x="1610518" y="10990930"/>
             <a:ext cx="386136" cy="335911"/>
             <a:chOff x="4197688" y="10514565"/>
             <a:chExt cx="386136" cy="335911"/>
@@ -48203,7 +48301,7 @@
         </p:nvCxnSpPr>
         <p:spPr>
           <a:xfrm>
-            <a:off x="1444152" y="10412761"/>
+            <a:off x="1415602" y="10807709"/>
             <a:ext cx="186702" cy="0"/>
           </a:xfrm>
           <a:prstGeom prst="straightConnector1">
@@ -48239,7 +48337,7 @@
         </p:nvCxnSpPr>
         <p:spPr>
           <a:xfrm>
-            <a:off x="1440442" y="10728245"/>
+            <a:off x="1411892" y="11123193"/>
             <a:ext cx="186702" cy="0"/>
           </a:xfrm>
           <a:prstGeom prst="straightConnector1">
@@ -48275,7 +48373,7 @@
         </p:nvGrpSpPr>
         <p:grpSpPr>
           <a:xfrm>
-            <a:off x="2308454" y="10580148"/>
+            <a:off x="2279904" y="10975096"/>
             <a:ext cx="195237" cy="335911"/>
             <a:chOff x="2299836" y="10327767"/>
             <a:chExt cx="195237" cy="335911"/>
@@ -48651,7 +48749,7 @@
         </p:nvCxnSpPr>
         <p:spPr>
           <a:xfrm>
-            <a:off x="2102354" y="10746481"/>
+            <a:off x="2073804" y="11141429"/>
             <a:ext cx="161090" cy="0"/>
           </a:xfrm>
           <a:prstGeom prst="straightConnector1">
@@ -48687,7 +48785,7 @@
         </p:nvSpPr>
         <p:spPr>
           <a:xfrm>
-            <a:off x="2012657" y="10559261"/>
+            <a:off x="1984107" y="10954209"/>
             <a:ext cx="304892" cy="230832"/>
           </a:xfrm>
           <a:prstGeom prst="rect">
@@ -48717,7 +48815,7 @@
         </p:nvCxnSpPr>
         <p:spPr>
           <a:xfrm>
-            <a:off x="2501531" y="10392927"/>
+            <a:off x="2472981" y="10787875"/>
             <a:ext cx="284708" cy="106595"/>
           </a:xfrm>
           <a:prstGeom prst="straightConnector1">
@@ -48748,15 +48846,13 @@
       <p:cxnSp>
         <p:nvCxnSpPr>
           <p:cNvPr id="1000" name="直接箭头连接符 999"/>
-          <p:cNvCxnSpPr>
-            <a:endCxn id="1002" idx="3"/>
-          </p:cNvCxnSpPr>
+          <p:cNvCxnSpPr/>
           <p:nvPr/>
         </p:nvCxnSpPr>
         <p:spPr>
           <a:xfrm flipV="1">
-            <a:off x="2547688" y="10662368"/>
-            <a:ext cx="224051" cy="131292"/>
+            <a:off x="2526300" y="11085805"/>
+            <a:ext cx="295791" cy="204092"/>
           </a:xfrm>
           <a:prstGeom prst="straightConnector1">
             <a:avLst/>
@@ -48791,37 +48887,7 @@
         </p:nvSpPr>
         <p:spPr>
           <a:xfrm>
-            <a:off x="2482368" y="10226074"/>
-            <a:ext cx="304892" cy="230832"/>
-          </a:xfrm>
-          <a:prstGeom prst="rect">
-            <a:avLst/>
-          </a:prstGeom>
-          <a:noFill/>
-        </p:spPr>
-        <p:txBody>
-          <a:bodyPr wrap="none" rtlCol="0">
-            <a:spAutoFit/>
-          </a:bodyPr>
-          <a:lstStyle/>
-          <a:p>
-            <a:r>
-              <a:rPr lang="en-US" sz="900" dirty="0" smtClean="0"/>
-              <a:t>R4</a:t>
-            </a:r>
-            <a:endParaRPr lang="en-US" sz="900" dirty="0"/>
-          </a:p>
-        </p:txBody>
-      </p:sp>
-      <p:sp>
-        <p:nvSpPr>
-          <p:cNvPr id="1002" name="文本框 1001"/>
-          <p:cNvSpPr txBox="1"/>
-          <p:nvPr/>
-        </p:nvSpPr>
-        <p:spPr>
-          <a:xfrm>
-            <a:off x="2466847" y="10546952"/>
+            <a:off x="2453818" y="10621022"/>
             <a:ext cx="304892" cy="230832"/>
           </a:xfrm>
           <a:prstGeom prst="rect">
@@ -48853,8 +48919,8 @@
             </p:nvSpPr>
             <p:spPr>
               <a:xfrm>
-                <a:off x="3879348" y="10047707"/>
-                <a:ext cx="404406" cy="215444"/>
+                <a:off x="3467097" y="10547767"/>
+                <a:ext cx="284052" cy="153888"/>
               </a:xfrm>
               <a:prstGeom prst="rect">
                 <a:avLst/>
@@ -48876,7 +48942,7 @@
                       <m:sSub>
                         <m:sSubPr>
                           <m:ctrlPr>
-                            <a:rPr lang="en-US" sz="1400" b="0" i="1" smtClean="0">
+                            <a:rPr lang="en-US" sz="1000" b="0" i="1" smtClean="0">
                               <a:solidFill>
                                 <a:srgbClr val="FF0000"/>
                               </a:solidFill>
@@ -48886,7 +48952,7 @@
                         </m:sSubPr>
                         <m:e>
                           <m:r>
-                            <a:rPr lang="en-US" sz="1400" b="0" i="1" smtClean="0">
+                            <a:rPr lang="en-US" sz="1000" b="0" i="1" smtClean="0">
                               <a:solidFill>
                                 <a:srgbClr val="FF0000"/>
                               </a:solidFill>
@@ -48897,7 +48963,7 @@
                         </m:e>
                         <m:sub>
                           <m:r>
-                            <a:rPr lang="en-US" sz="1400" b="0" i="1" smtClean="0">
+                            <a:rPr lang="en-US" sz="1000" b="0" i="1" smtClean="0">
                               <a:solidFill>
                                 <a:srgbClr val="FF0000"/>
                               </a:solidFill>
@@ -48908,7 +48974,7 @@
                         </m:sub>
                       </m:sSub>
                       <m:r>
-                        <a:rPr lang="en-US" sz="1400" b="0" i="1" smtClean="0">
+                        <a:rPr lang="en-US" sz="1000" b="0" i="1" smtClean="0">
                           <a:solidFill>
                             <a:srgbClr val="FF0000"/>
                           </a:solidFill>
@@ -48919,7 +48985,7 @@
                     </m:oMath>
                   </m:oMathPara>
                 </a14:m>
-                <a:endParaRPr lang="en-US" sz="1400" dirty="0">
+                <a:endParaRPr lang="en-US" sz="1000" dirty="0">
                   <a:solidFill>
                     <a:srgbClr val="FF0000"/>
                   </a:solidFill>
@@ -48939,8 +49005,8 @@
             </p:nvSpPr>
             <p:spPr>
               <a:xfrm>
-                <a:off x="3879348" y="10047707"/>
-                <a:ext cx="404406" cy="215444"/>
+                <a:off x="3467097" y="10547767"/>
+                <a:ext cx="284052" cy="153888"/>
               </a:xfrm>
               <a:prstGeom prst="rect">
                 <a:avLst/>
@@ -48948,7 +49014,5220 @@
               <a:blipFill rotWithShape="0">
                 <a:blip r:embed="rId6"/>
                 <a:stretch>
-                  <a:fillRect l="-8955" t="-2778" r="-8955" b="-11111"/>
+                  <a:fillRect l="-13043" r="-10870" b="-11538"/>
+                </a:stretch>
+              </a:blipFill>
+            </p:spPr>
+            <p:txBody>
+              <a:bodyPr/>
+              <a:lstStyle/>
+              <a:p>
+                <a:r>
+                  <a:rPr lang="en-US">
+                    <a:noFill/>
+                  </a:rPr>
+                  <a:t> </a:t>
+                </a:r>
+              </a:p>
+            </p:txBody>
+          </p:sp>
+        </mc:Fallback>
+      </mc:AlternateContent>
+      <p:grpSp>
+        <p:nvGrpSpPr>
+          <p:cNvPr id="1006" name="组合 1005"/>
+          <p:cNvGrpSpPr/>
+          <p:nvPr/>
+        </p:nvGrpSpPr>
+        <p:grpSpPr>
+          <a:xfrm>
+            <a:off x="1005363" y="10207089"/>
+            <a:ext cx="386136" cy="335911"/>
+            <a:chOff x="4197688" y="10514565"/>
+            <a:chExt cx="386136" cy="335911"/>
+          </a:xfrm>
+        </p:grpSpPr>
+        <p:sp>
+          <p:nvSpPr>
+            <p:cNvPr id="1007" name="椭圆 1006"/>
+            <p:cNvSpPr/>
+            <p:nvPr/>
+          </p:nvSpPr>
+          <p:spPr>
+            <a:xfrm>
+              <a:off x="4287884" y="10514565"/>
+              <a:ext cx="45719" cy="45719"/>
+            </a:xfrm>
+            <a:prstGeom prst="ellipse">
+              <a:avLst/>
+            </a:prstGeom>
+            <a:solidFill>
+              <a:srgbClr val="FF0000"/>
+            </a:solidFill>
+          </p:spPr>
+          <p:style>
+            <a:lnRef idx="2">
+              <a:schemeClr val="accent1">
+                <a:shade val="50000"/>
+              </a:schemeClr>
+            </a:lnRef>
+            <a:fillRef idx="1">
+              <a:schemeClr val="accent1"/>
+            </a:fillRef>
+            <a:effectRef idx="0">
+              <a:schemeClr val="accent1"/>
+            </a:effectRef>
+            <a:fontRef idx="minor">
+              <a:schemeClr val="lt1"/>
+            </a:fontRef>
+          </p:style>
+          <p:txBody>
+            <a:bodyPr rtlCol="0" anchor="ctr"/>
+            <a:lstStyle/>
+            <a:p>
+              <a:pPr algn="ctr"/>
+              <a:endParaRPr lang="en-US"/>
+            </a:p>
+          </p:txBody>
+        </p:sp>
+        <p:sp>
+          <p:nvSpPr>
+            <p:cNvPr id="1008" name="椭圆 1007"/>
+            <p:cNvSpPr/>
+            <p:nvPr/>
+          </p:nvSpPr>
+          <p:spPr>
+            <a:xfrm>
+              <a:off x="4333603" y="10613419"/>
+              <a:ext cx="45719" cy="45719"/>
+            </a:xfrm>
+            <a:prstGeom prst="ellipse">
+              <a:avLst/>
+            </a:prstGeom>
+          </p:spPr>
+          <p:style>
+            <a:lnRef idx="2">
+              <a:schemeClr val="accent1">
+                <a:shade val="50000"/>
+              </a:schemeClr>
+            </a:lnRef>
+            <a:fillRef idx="1">
+              <a:schemeClr val="accent1"/>
+            </a:fillRef>
+            <a:effectRef idx="0">
+              <a:schemeClr val="accent1"/>
+            </a:effectRef>
+            <a:fontRef idx="minor">
+              <a:schemeClr val="lt1"/>
+            </a:fontRef>
+          </p:style>
+          <p:txBody>
+            <a:bodyPr rtlCol="0" anchor="ctr"/>
+            <a:lstStyle/>
+            <a:p>
+              <a:pPr algn="ctr"/>
+              <a:endParaRPr lang="en-US"/>
+            </a:p>
+          </p:txBody>
+        </p:sp>
+        <p:sp>
+          <p:nvSpPr>
+            <p:cNvPr id="1009" name="椭圆 1008"/>
+            <p:cNvSpPr/>
+            <p:nvPr/>
+          </p:nvSpPr>
+          <p:spPr>
+            <a:xfrm>
+              <a:off x="4356462" y="10712273"/>
+              <a:ext cx="45719" cy="45719"/>
+            </a:xfrm>
+            <a:prstGeom prst="ellipse">
+              <a:avLst/>
+            </a:prstGeom>
+          </p:spPr>
+          <p:style>
+            <a:lnRef idx="2">
+              <a:schemeClr val="accent1">
+                <a:shade val="50000"/>
+              </a:schemeClr>
+            </a:lnRef>
+            <a:fillRef idx="1">
+              <a:schemeClr val="accent1"/>
+            </a:fillRef>
+            <a:effectRef idx="0">
+              <a:schemeClr val="accent1"/>
+            </a:effectRef>
+            <a:fontRef idx="minor">
+              <a:schemeClr val="lt1"/>
+            </a:fontRef>
+          </p:style>
+          <p:txBody>
+            <a:bodyPr rtlCol="0" anchor="ctr"/>
+            <a:lstStyle/>
+            <a:p>
+              <a:pPr algn="ctr"/>
+              <a:endParaRPr lang="en-US"/>
+            </a:p>
+          </p:txBody>
+        </p:sp>
+        <p:sp>
+          <p:nvSpPr>
+            <p:cNvPr id="1010" name="椭圆 1009"/>
+            <p:cNvSpPr/>
+            <p:nvPr/>
+          </p:nvSpPr>
+          <p:spPr>
+            <a:xfrm>
+              <a:off x="4420826" y="10675302"/>
+              <a:ext cx="45719" cy="45719"/>
+            </a:xfrm>
+            <a:prstGeom prst="ellipse">
+              <a:avLst/>
+            </a:prstGeom>
+          </p:spPr>
+          <p:style>
+            <a:lnRef idx="2">
+              <a:schemeClr val="accent1">
+                <a:shade val="50000"/>
+              </a:schemeClr>
+            </a:lnRef>
+            <a:fillRef idx="1">
+              <a:schemeClr val="accent1"/>
+            </a:fillRef>
+            <a:effectRef idx="0">
+              <a:schemeClr val="accent1"/>
+            </a:effectRef>
+            <a:fontRef idx="minor">
+              <a:schemeClr val="lt1"/>
+            </a:fontRef>
+          </p:style>
+          <p:txBody>
+            <a:bodyPr rtlCol="0" anchor="ctr"/>
+            <a:lstStyle/>
+            <a:p>
+              <a:pPr algn="ctr"/>
+              <a:endParaRPr lang="en-US"/>
+            </a:p>
+          </p:txBody>
+        </p:sp>
+        <p:sp>
+          <p:nvSpPr>
+            <p:cNvPr id="1011" name="椭圆 1010"/>
+            <p:cNvSpPr/>
+            <p:nvPr/>
+          </p:nvSpPr>
+          <p:spPr>
+            <a:xfrm>
+              <a:off x="4197688" y="10612530"/>
+              <a:ext cx="45719" cy="45719"/>
+            </a:xfrm>
+            <a:prstGeom prst="ellipse">
+              <a:avLst/>
+            </a:prstGeom>
+          </p:spPr>
+          <p:style>
+            <a:lnRef idx="2">
+              <a:schemeClr val="accent1">
+                <a:shade val="50000"/>
+              </a:schemeClr>
+            </a:lnRef>
+            <a:fillRef idx="1">
+              <a:schemeClr val="accent1"/>
+            </a:fillRef>
+            <a:effectRef idx="0">
+              <a:schemeClr val="accent1"/>
+            </a:effectRef>
+            <a:fontRef idx="minor">
+              <a:schemeClr val="lt1"/>
+            </a:fontRef>
+          </p:style>
+          <p:txBody>
+            <a:bodyPr rtlCol="0" anchor="ctr"/>
+            <a:lstStyle/>
+            <a:p>
+              <a:pPr algn="ctr"/>
+              <a:endParaRPr lang="en-US"/>
+            </a:p>
+          </p:txBody>
+        </p:sp>
+        <p:sp>
+          <p:nvSpPr>
+            <p:cNvPr id="1012" name="椭圆 1011"/>
+            <p:cNvSpPr/>
+            <p:nvPr/>
+          </p:nvSpPr>
+          <p:spPr>
+            <a:xfrm>
+              <a:off x="4438950" y="10522930"/>
+              <a:ext cx="45719" cy="45719"/>
+            </a:xfrm>
+            <a:prstGeom prst="ellipse">
+              <a:avLst/>
+            </a:prstGeom>
+          </p:spPr>
+          <p:style>
+            <a:lnRef idx="2">
+              <a:schemeClr val="accent1">
+                <a:shade val="50000"/>
+              </a:schemeClr>
+            </a:lnRef>
+            <a:fillRef idx="1">
+              <a:schemeClr val="accent1"/>
+            </a:fillRef>
+            <a:effectRef idx="0">
+              <a:schemeClr val="accent1"/>
+            </a:effectRef>
+            <a:fontRef idx="minor">
+              <a:schemeClr val="lt1"/>
+            </a:fontRef>
+          </p:style>
+          <p:txBody>
+            <a:bodyPr rtlCol="0" anchor="ctr"/>
+            <a:lstStyle/>
+            <a:p>
+              <a:pPr algn="ctr"/>
+              <a:endParaRPr lang="en-US"/>
+            </a:p>
+          </p:txBody>
+        </p:sp>
+        <p:sp>
+          <p:nvSpPr>
+            <p:cNvPr id="1013" name="椭圆 1012"/>
+            <p:cNvSpPr/>
+            <p:nvPr/>
+          </p:nvSpPr>
+          <p:spPr>
+            <a:xfrm>
+              <a:off x="4397034" y="10804757"/>
+              <a:ext cx="45719" cy="45719"/>
+            </a:xfrm>
+            <a:prstGeom prst="ellipse">
+              <a:avLst/>
+            </a:prstGeom>
+            <a:solidFill>
+              <a:schemeClr val="accent1"/>
+            </a:solidFill>
+          </p:spPr>
+          <p:style>
+            <a:lnRef idx="2">
+              <a:schemeClr val="accent1">
+                <a:shade val="50000"/>
+              </a:schemeClr>
+            </a:lnRef>
+            <a:fillRef idx="1">
+              <a:schemeClr val="accent1"/>
+            </a:fillRef>
+            <a:effectRef idx="0">
+              <a:schemeClr val="accent1"/>
+            </a:effectRef>
+            <a:fontRef idx="minor">
+              <a:schemeClr val="lt1"/>
+            </a:fontRef>
+          </p:style>
+          <p:txBody>
+            <a:bodyPr rtlCol="0" anchor="ctr"/>
+            <a:lstStyle/>
+            <a:p>
+              <a:pPr algn="ctr"/>
+              <a:endParaRPr lang="en-US"/>
+            </a:p>
+          </p:txBody>
+        </p:sp>
+        <p:sp>
+          <p:nvSpPr>
+            <p:cNvPr id="1014" name="椭圆 1013"/>
+            <p:cNvSpPr/>
+            <p:nvPr/>
+          </p:nvSpPr>
+          <p:spPr>
+            <a:xfrm>
+              <a:off x="4477974" y="10774055"/>
+              <a:ext cx="45719" cy="45719"/>
+            </a:xfrm>
+            <a:prstGeom prst="ellipse">
+              <a:avLst/>
+            </a:prstGeom>
+          </p:spPr>
+          <p:style>
+            <a:lnRef idx="2">
+              <a:schemeClr val="accent1">
+                <a:shade val="50000"/>
+              </a:schemeClr>
+            </a:lnRef>
+            <a:fillRef idx="1">
+              <a:schemeClr val="accent1"/>
+            </a:fillRef>
+            <a:effectRef idx="0">
+              <a:schemeClr val="accent1"/>
+            </a:effectRef>
+            <a:fontRef idx="minor">
+              <a:schemeClr val="lt1"/>
+            </a:fontRef>
+          </p:style>
+          <p:txBody>
+            <a:bodyPr rtlCol="0" anchor="ctr"/>
+            <a:lstStyle/>
+            <a:p>
+              <a:pPr algn="ctr"/>
+              <a:endParaRPr lang="en-US"/>
+            </a:p>
+          </p:txBody>
+        </p:sp>
+        <p:sp>
+          <p:nvSpPr>
+            <p:cNvPr id="1015" name="椭圆 1014"/>
+            <p:cNvSpPr/>
+            <p:nvPr/>
+          </p:nvSpPr>
+          <p:spPr>
+            <a:xfrm>
+              <a:off x="4538105" y="10659138"/>
+              <a:ext cx="45719" cy="45719"/>
+            </a:xfrm>
+            <a:prstGeom prst="ellipse">
+              <a:avLst/>
+            </a:prstGeom>
+          </p:spPr>
+          <p:style>
+            <a:lnRef idx="2">
+              <a:schemeClr val="accent1">
+                <a:shade val="50000"/>
+              </a:schemeClr>
+            </a:lnRef>
+            <a:fillRef idx="1">
+              <a:schemeClr val="accent1"/>
+            </a:fillRef>
+            <a:effectRef idx="0">
+              <a:schemeClr val="accent1"/>
+            </a:effectRef>
+            <a:fontRef idx="minor">
+              <a:schemeClr val="lt1"/>
+            </a:fontRef>
+          </p:style>
+          <p:txBody>
+            <a:bodyPr rtlCol="0" anchor="ctr"/>
+            <a:lstStyle/>
+            <a:p>
+              <a:pPr algn="ctr"/>
+              <a:endParaRPr lang="en-US"/>
+            </a:p>
+          </p:txBody>
+        </p:sp>
+        <p:sp>
+          <p:nvSpPr>
+            <p:cNvPr id="1016" name="椭圆 1015"/>
+            <p:cNvSpPr/>
+            <p:nvPr/>
+          </p:nvSpPr>
+          <p:spPr>
+            <a:xfrm>
+              <a:off x="4247516" y="10774055"/>
+              <a:ext cx="45719" cy="45719"/>
+            </a:xfrm>
+            <a:prstGeom prst="ellipse">
+              <a:avLst/>
+            </a:prstGeom>
+            <a:solidFill>
+              <a:srgbClr val="FF0000"/>
+            </a:solidFill>
+          </p:spPr>
+          <p:style>
+            <a:lnRef idx="2">
+              <a:schemeClr val="accent1">
+                <a:shade val="50000"/>
+              </a:schemeClr>
+            </a:lnRef>
+            <a:fillRef idx="1">
+              <a:schemeClr val="accent1"/>
+            </a:fillRef>
+            <a:effectRef idx="0">
+              <a:schemeClr val="accent1"/>
+            </a:effectRef>
+            <a:fontRef idx="minor">
+              <a:schemeClr val="lt1"/>
+            </a:fontRef>
+          </p:style>
+          <p:txBody>
+            <a:bodyPr rtlCol="0" anchor="ctr"/>
+            <a:lstStyle/>
+            <a:p>
+              <a:pPr algn="ctr"/>
+              <a:endParaRPr lang="en-US"/>
+            </a:p>
+          </p:txBody>
+        </p:sp>
+        <p:cxnSp>
+          <p:nvCxnSpPr>
+            <p:cNvPr id="1017" name="直接连接符 1016"/>
+            <p:cNvCxnSpPr>
+              <a:stCxn id="1007" idx="3"/>
+              <a:endCxn id="1011" idx="7"/>
+            </p:cNvCxnSpPr>
+            <p:nvPr/>
+          </p:nvCxnSpPr>
+          <p:spPr>
+            <a:xfrm flipH="1">
+              <a:off x="4236712" y="10553589"/>
+              <a:ext cx="57867" cy="65636"/>
+            </a:xfrm>
+            <a:prstGeom prst="line">
+              <a:avLst/>
+            </a:prstGeom>
+            <a:ln w="19050">
+              <a:solidFill>
+                <a:schemeClr val="tx1"/>
+              </a:solidFill>
+            </a:ln>
+          </p:spPr>
+          <p:style>
+            <a:lnRef idx="1">
+              <a:schemeClr val="accent1"/>
+            </a:lnRef>
+            <a:fillRef idx="0">
+              <a:schemeClr val="accent1"/>
+            </a:fillRef>
+            <a:effectRef idx="0">
+              <a:schemeClr val="accent1"/>
+            </a:effectRef>
+            <a:fontRef idx="minor">
+              <a:schemeClr val="tx1"/>
+            </a:fontRef>
+          </p:style>
+        </p:cxnSp>
+        <p:cxnSp>
+          <p:nvCxnSpPr>
+            <p:cNvPr id="1018" name="直接连接符 1017"/>
+            <p:cNvCxnSpPr>
+              <a:stCxn id="1007" idx="6"/>
+              <a:endCxn id="1012" idx="2"/>
+            </p:cNvCxnSpPr>
+            <p:nvPr/>
+          </p:nvCxnSpPr>
+          <p:spPr>
+            <a:xfrm>
+              <a:off x="4333603" y="10537425"/>
+              <a:ext cx="105347" cy="8365"/>
+            </a:xfrm>
+            <a:prstGeom prst="line">
+              <a:avLst/>
+            </a:prstGeom>
+            <a:ln w="19050">
+              <a:solidFill>
+                <a:schemeClr val="tx1"/>
+              </a:solidFill>
+            </a:ln>
+          </p:spPr>
+          <p:style>
+            <a:lnRef idx="1">
+              <a:schemeClr val="accent1"/>
+            </a:lnRef>
+            <a:fillRef idx="0">
+              <a:schemeClr val="accent1"/>
+            </a:fillRef>
+            <a:effectRef idx="0">
+              <a:schemeClr val="accent1"/>
+            </a:effectRef>
+            <a:fontRef idx="minor">
+              <a:schemeClr val="tx1"/>
+            </a:fontRef>
+          </p:style>
+        </p:cxnSp>
+        <p:cxnSp>
+          <p:nvCxnSpPr>
+            <p:cNvPr id="1019" name="直接连接符 1018"/>
+            <p:cNvCxnSpPr>
+              <a:stCxn id="1007" idx="5"/>
+              <a:endCxn id="1008" idx="0"/>
+            </p:cNvCxnSpPr>
+            <p:nvPr/>
+          </p:nvCxnSpPr>
+          <p:spPr>
+            <a:xfrm>
+              <a:off x="4326908" y="10553589"/>
+              <a:ext cx="29555" cy="59830"/>
+            </a:xfrm>
+            <a:prstGeom prst="line">
+              <a:avLst/>
+            </a:prstGeom>
+            <a:ln w="19050">
+              <a:solidFill>
+                <a:schemeClr val="tx1"/>
+              </a:solidFill>
+            </a:ln>
+          </p:spPr>
+          <p:style>
+            <a:lnRef idx="1">
+              <a:schemeClr val="accent1"/>
+            </a:lnRef>
+            <a:fillRef idx="0">
+              <a:schemeClr val="accent1"/>
+            </a:fillRef>
+            <a:effectRef idx="0">
+              <a:schemeClr val="accent1"/>
+            </a:effectRef>
+            <a:fontRef idx="minor">
+              <a:schemeClr val="tx1"/>
+            </a:fontRef>
+          </p:style>
+        </p:cxnSp>
+        <p:cxnSp>
+          <p:nvCxnSpPr>
+            <p:cNvPr id="1020" name="直接连接符 1019"/>
+            <p:cNvCxnSpPr>
+              <a:stCxn id="1008" idx="4"/>
+              <a:endCxn id="1009" idx="1"/>
+            </p:cNvCxnSpPr>
+            <p:nvPr/>
+          </p:nvCxnSpPr>
+          <p:spPr>
+            <a:xfrm>
+              <a:off x="4356463" y="10659138"/>
+              <a:ext cx="6694" cy="59830"/>
+            </a:xfrm>
+            <a:prstGeom prst="line">
+              <a:avLst/>
+            </a:prstGeom>
+            <a:ln w="19050">
+              <a:solidFill>
+                <a:schemeClr val="tx1"/>
+              </a:solidFill>
+            </a:ln>
+          </p:spPr>
+          <p:style>
+            <a:lnRef idx="1">
+              <a:schemeClr val="accent1"/>
+            </a:lnRef>
+            <a:fillRef idx="0">
+              <a:schemeClr val="accent1"/>
+            </a:fillRef>
+            <a:effectRef idx="0">
+              <a:schemeClr val="accent1"/>
+            </a:effectRef>
+            <a:fontRef idx="minor">
+              <a:schemeClr val="tx1"/>
+            </a:fontRef>
+          </p:style>
+        </p:cxnSp>
+        <p:cxnSp>
+          <p:nvCxnSpPr>
+            <p:cNvPr id="1021" name="直接连接符 1020"/>
+            <p:cNvCxnSpPr>
+              <a:stCxn id="1008" idx="5"/>
+              <a:endCxn id="1010" idx="1"/>
+            </p:cNvCxnSpPr>
+            <p:nvPr/>
+          </p:nvCxnSpPr>
+          <p:spPr>
+            <a:xfrm>
+              <a:off x="4372627" y="10652443"/>
+              <a:ext cx="54894" cy="29554"/>
+            </a:xfrm>
+            <a:prstGeom prst="line">
+              <a:avLst/>
+            </a:prstGeom>
+            <a:ln w="19050">
+              <a:solidFill>
+                <a:schemeClr val="tx1"/>
+              </a:solidFill>
+            </a:ln>
+          </p:spPr>
+          <p:style>
+            <a:lnRef idx="1">
+              <a:schemeClr val="accent1"/>
+            </a:lnRef>
+            <a:fillRef idx="0">
+              <a:schemeClr val="accent1"/>
+            </a:fillRef>
+            <a:effectRef idx="0">
+              <a:schemeClr val="accent1"/>
+            </a:effectRef>
+            <a:fontRef idx="minor">
+              <a:schemeClr val="tx1"/>
+            </a:fontRef>
+          </p:style>
+        </p:cxnSp>
+        <p:cxnSp>
+          <p:nvCxnSpPr>
+            <p:cNvPr id="1022" name="直接连接符 1021"/>
+            <p:cNvCxnSpPr>
+              <a:stCxn id="1009" idx="4"/>
+              <a:endCxn id="1013" idx="0"/>
+            </p:cNvCxnSpPr>
+            <p:nvPr/>
+          </p:nvCxnSpPr>
+          <p:spPr>
+            <a:xfrm>
+              <a:off x="4379322" y="10757992"/>
+              <a:ext cx="40572" cy="46765"/>
+            </a:xfrm>
+            <a:prstGeom prst="line">
+              <a:avLst/>
+            </a:prstGeom>
+            <a:ln w="19050">
+              <a:solidFill>
+                <a:schemeClr val="tx1"/>
+              </a:solidFill>
+            </a:ln>
+          </p:spPr>
+          <p:style>
+            <a:lnRef idx="1">
+              <a:schemeClr val="accent1"/>
+            </a:lnRef>
+            <a:fillRef idx="0">
+              <a:schemeClr val="accent1"/>
+            </a:fillRef>
+            <a:effectRef idx="0">
+              <a:schemeClr val="accent1"/>
+            </a:effectRef>
+            <a:fontRef idx="minor">
+              <a:schemeClr val="tx1"/>
+            </a:fontRef>
+          </p:style>
+        </p:cxnSp>
+        <p:cxnSp>
+          <p:nvCxnSpPr>
+            <p:cNvPr id="1023" name="直接连接符 1022"/>
+            <p:cNvCxnSpPr>
+              <a:stCxn id="1010" idx="4"/>
+              <a:endCxn id="1014" idx="1"/>
+            </p:cNvCxnSpPr>
+            <p:nvPr/>
+          </p:nvCxnSpPr>
+          <p:spPr>
+            <a:xfrm>
+              <a:off x="4443686" y="10721021"/>
+              <a:ext cx="40983" cy="59729"/>
+            </a:xfrm>
+            <a:prstGeom prst="line">
+              <a:avLst/>
+            </a:prstGeom>
+            <a:ln w="19050">
+              <a:solidFill>
+                <a:schemeClr val="tx1"/>
+              </a:solidFill>
+            </a:ln>
+          </p:spPr>
+          <p:style>
+            <a:lnRef idx="1">
+              <a:schemeClr val="accent1"/>
+            </a:lnRef>
+            <a:fillRef idx="0">
+              <a:schemeClr val="accent1"/>
+            </a:fillRef>
+            <a:effectRef idx="0">
+              <a:schemeClr val="accent1"/>
+            </a:effectRef>
+            <a:fontRef idx="minor">
+              <a:schemeClr val="tx1"/>
+            </a:fontRef>
+          </p:style>
+        </p:cxnSp>
+        <p:cxnSp>
+          <p:nvCxnSpPr>
+            <p:cNvPr id="1024" name="直接连接符 1023"/>
+            <p:cNvCxnSpPr>
+              <a:stCxn id="1013" idx="2"/>
+              <a:endCxn id="1016" idx="6"/>
+            </p:cNvCxnSpPr>
+            <p:nvPr/>
+          </p:nvCxnSpPr>
+          <p:spPr>
+            <a:xfrm flipH="1" flipV="1">
+              <a:off x="4293235" y="10796915"/>
+              <a:ext cx="103799" cy="30702"/>
+            </a:xfrm>
+            <a:prstGeom prst="line">
+              <a:avLst/>
+            </a:prstGeom>
+            <a:ln w="19050">
+              <a:solidFill>
+                <a:schemeClr val="tx1"/>
+              </a:solidFill>
+            </a:ln>
+          </p:spPr>
+          <p:style>
+            <a:lnRef idx="1">
+              <a:schemeClr val="accent1"/>
+            </a:lnRef>
+            <a:fillRef idx="0">
+              <a:schemeClr val="accent1"/>
+            </a:fillRef>
+            <a:effectRef idx="0">
+              <a:schemeClr val="accent1"/>
+            </a:effectRef>
+            <a:fontRef idx="minor">
+              <a:schemeClr val="tx1"/>
+            </a:fontRef>
+          </p:style>
+        </p:cxnSp>
+        <p:cxnSp>
+          <p:nvCxnSpPr>
+            <p:cNvPr id="1025" name="直接连接符 1024"/>
+            <p:cNvCxnSpPr>
+              <a:stCxn id="1014" idx="0"/>
+              <a:endCxn id="1015" idx="3"/>
+            </p:cNvCxnSpPr>
+            <p:nvPr/>
+          </p:nvCxnSpPr>
+          <p:spPr>
+            <a:xfrm flipV="1">
+              <a:off x="4500834" y="10698162"/>
+              <a:ext cx="43966" cy="75893"/>
+            </a:xfrm>
+            <a:prstGeom prst="line">
+              <a:avLst/>
+            </a:prstGeom>
+            <a:ln w="19050">
+              <a:solidFill>
+                <a:schemeClr val="tx1"/>
+              </a:solidFill>
+            </a:ln>
+          </p:spPr>
+          <p:style>
+            <a:lnRef idx="1">
+              <a:schemeClr val="accent1"/>
+            </a:lnRef>
+            <a:fillRef idx="0">
+              <a:schemeClr val="accent1"/>
+            </a:fillRef>
+            <a:effectRef idx="0">
+              <a:schemeClr val="accent1"/>
+            </a:effectRef>
+            <a:fontRef idx="minor">
+              <a:schemeClr val="tx1"/>
+            </a:fontRef>
+          </p:style>
+        </p:cxnSp>
+      </p:grpSp>
+      <p:grpSp>
+        <p:nvGrpSpPr>
+          <p:cNvPr id="1026" name="组合 1025"/>
+          <p:cNvGrpSpPr/>
+          <p:nvPr/>
+        </p:nvGrpSpPr>
+        <p:grpSpPr>
+          <a:xfrm>
+            <a:off x="2246934" y="10221940"/>
+            <a:ext cx="195237" cy="335911"/>
+            <a:chOff x="2299836" y="10327767"/>
+            <a:chExt cx="195237" cy="335911"/>
+          </a:xfrm>
+        </p:grpSpPr>
+        <p:sp>
+          <p:nvSpPr>
+            <p:cNvPr id="1027" name="椭圆 1026"/>
+            <p:cNvSpPr/>
+            <p:nvPr/>
+          </p:nvSpPr>
+          <p:spPr>
+            <a:xfrm>
+              <a:off x="2340204" y="10327767"/>
+              <a:ext cx="45719" cy="45719"/>
+            </a:xfrm>
+            <a:prstGeom prst="ellipse">
+              <a:avLst/>
+            </a:prstGeom>
+            <a:solidFill>
+              <a:srgbClr val="FF0000"/>
+            </a:solidFill>
+          </p:spPr>
+          <p:style>
+            <a:lnRef idx="2">
+              <a:schemeClr val="accent1">
+                <a:shade val="50000"/>
+              </a:schemeClr>
+            </a:lnRef>
+            <a:fillRef idx="1">
+              <a:schemeClr val="accent1"/>
+            </a:fillRef>
+            <a:effectRef idx="0">
+              <a:schemeClr val="accent1"/>
+            </a:effectRef>
+            <a:fontRef idx="minor">
+              <a:schemeClr val="lt1"/>
+            </a:fontRef>
+          </p:style>
+          <p:txBody>
+            <a:bodyPr rtlCol="0" anchor="ctr"/>
+            <a:lstStyle/>
+            <a:p>
+              <a:pPr algn="ctr"/>
+              <a:endParaRPr lang="en-US"/>
+            </a:p>
+          </p:txBody>
+        </p:sp>
+        <p:sp>
+          <p:nvSpPr>
+            <p:cNvPr id="1028" name="椭圆 1027"/>
+            <p:cNvSpPr/>
+            <p:nvPr/>
+          </p:nvSpPr>
+          <p:spPr>
+            <a:xfrm>
+              <a:off x="2385923" y="10426621"/>
+              <a:ext cx="45719" cy="45719"/>
+            </a:xfrm>
+            <a:prstGeom prst="ellipse">
+              <a:avLst/>
+            </a:prstGeom>
+          </p:spPr>
+          <p:style>
+            <a:lnRef idx="2">
+              <a:schemeClr val="accent1">
+                <a:shade val="50000"/>
+              </a:schemeClr>
+            </a:lnRef>
+            <a:fillRef idx="1">
+              <a:schemeClr val="accent1"/>
+            </a:fillRef>
+            <a:effectRef idx="0">
+              <a:schemeClr val="accent1"/>
+            </a:effectRef>
+            <a:fontRef idx="minor">
+              <a:schemeClr val="lt1"/>
+            </a:fontRef>
+          </p:style>
+          <p:txBody>
+            <a:bodyPr rtlCol="0" anchor="ctr"/>
+            <a:lstStyle/>
+            <a:p>
+              <a:pPr algn="ctr"/>
+              <a:endParaRPr lang="en-US"/>
+            </a:p>
+          </p:txBody>
+        </p:sp>
+        <p:sp>
+          <p:nvSpPr>
+            <p:cNvPr id="1029" name="椭圆 1028"/>
+            <p:cNvSpPr/>
+            <p:nvPr/>
+          </p:nvSpPr>
+          <p:spPr>
+            <a:xfrm>
+              <a:off x="2408782" y="10525475"/>
+              <a:ext cx="45719" cy="45719"/>
+            </a:xfrm>
+            <a:prstGeom prst="ellipse">
+              <a:avLst/>
+            </a:prstGeom>
+          </p:spPr>
+          <p:style>
+            <a:lnRef idx="2">
+              <a:schemeClr val="accent1">
+                <a:shade val="50000"/>
+              </a:schemeClr>
+            </a:lnRef>
+            <a:fillRef idx="1">
+              <a:schemeClr val="accent1"/>
+            </a:fillRef>
+            <a:effectRef idx="0">
+              <a:schemeClr val="accent1"/>
+            </a:effectRef>
+            <a:fontRef idx="minor">
+              <a:schemeClr val="lt1"/>
+            </a:fontRef>
+          </p:style>
+          <p:txBody>
+            <a:bodyPr rtlCol="0" anchor="ctr"/>
+            <a:lstStyle/>
+            <a:p>
+              <a:pPr algn="ctr"/>
+              <a:endParaRPr lang="en-US"/>
+            </a:p>
+          </p:txBody>
+        </p:sp>
+        <p:sp>
+          <p:nvSpPr>
+            <p:cNvPr id="1030" name="椭圆 1029"/>
+            <p:cNvSpPr/>
+            <p:nvPr/>
+          </p:nvSpPr>
+          <p:spPr>
+            <a:xfrm>
+              <a:off x="2449354" y="10617959"/>
+              <a:ext cx="45719" cy="45719"/>
+            </a:xfrm>
+            <a:prstGeom prst="ellipse">
+              <a:avLst/>
+            </a:prstGeom>
+            <a:solidFill>
+              <a:schemeClr val="accent1"/>
+            </a:solidFill>
+          </p:spPr>
+          <p:style>
+            <a:lnRef idx="2">
+              <a:schemeClr val="accent1">
+                <a:shade val="50000"/>
+              </a:schemeClr>
+            </a:lnRef>
+            <a:fillRef idx="1">
+              <a:schemeClr val="accent1"/>
+            </a:fillRef>
+            <a:effectRef idx="0">
+              <a:schemeClr val="accent1"/>
+            </a:effectRef>
+            <a:fontRef idx="minor">
+              <a:schemeClr val="lt1"/>
+            </a:fontRef>
+          </p:style>
+          <p:txBody>
+            <a:bodyPr rtlCol="0" anchor="ctr"/>
+            <a:lstStyle/>
+            <a:p>
+              <a:pPr algn="ctr"/>
+              <a:endParaRPr lang="en-US"/>
+            </a:p>
+          </p:txBody>
+        </p:sp>
+        <p:sp>
+          <p:nvSpPr>
+            <p:cNvPr id="1031" name="椭圆 1030"/>
+            <p:cNvSpPr/>
+            <p:nvPr/>
+          </p:nvSpPr>
+          <p:spPr>
+            <a:xfrm>
+              <a:off x="2299836" y="10587257"/>
+              <a:ext cx="45719" cy="45719"/>
+            </a:xfrm>
+            <a:prstGeom prst="ellipse">
+              <a:avLst/>
+            </a:prstGeom>
+            <a:solidFill>
+              <a:srgbClr val="FF0000"/>
+            </a:solidFill>
+          </p:spPr>
+          <p:style>
+            <a:lnRef idx="2">
+              <a:schemeClr val="accent1">
+                <a:shade val="50000"/>
+              </a:schemeClr>
+            </a:lnRef>
+            <a:fillRef idx="1">
+              <a:schemeClr val="accent1"/>
+            </a:fillRef>
+            <a:effectRef idx="0">
+              <a:schemeClr val="accent1"/>
+            </a:effectRef>
+            <a:fontRef idx="minor">
+              <a:schemeClr val="lt1"/>
+            </a:fontRef>
+          </p:style>
+          <p:txBody>
+            <a:bodyPr rtlCol="0" anchor="ctr"/>
+            <a:lstStyle/>
+            <a:p>
+              <a:pPr algn="ctr"/>
+              <a:endParaRPr lang="en-US"/>
+            </a:p>
+          </p:txBody>
+        </p:sp>
+        <p:cxnSp>
+          <p:nvCxnSpPr>
+            <p:cNvPr id="1032" name="直接连接符 1031"/>
+            <p:cNvCxnSpPr>
+              <a:stCxn id="1027" idx="5"/>
+              <a:endCxn id="1028" idx="0"/>
+            </p:cNvCxnSpPr>
+            <p:nvPr/>
+          </p:nvCxnSpPr>
+          <p:spPr>
+            <a:xfrm>
+              <a:off x="2379228" y="10366791"/>
+              <a:ext cx="29555" cy="59830"/>
+            </a:xfrm>
+            <a:prstGeom prst="line">
+              <a:avLst/>
+            </a:prstGeom>
+            <a:ln w="19050">
+              <a:solidFill>
+                <a:schemeClr val="tx1"/>
+              </a:solidFill>
+            </a:ln>
+          </p:spPr>
+          <p:style>
+            <a:lnRef idx="1">
+              <a:schemeClr val="accent1"/>
+            </a:lnRef>
+            <a:fillRef idx="0">
+              <a:schemeClr val="accent1"/>
+            </a:fillRef>
+            <a:effectRef idx="0">
+              <a:schemeClr val="accent1"/>
+            </a:effectRef>
+            <a:fontRef idx="minor">
+              <a:schemeClr val="tx1"/>
+            </a:fontRef>
+          </p:style>
+        </p:cxnSp>
+        <p:cxnSp>
+          <p:nvCxnSpPr>
+            <p:cNvPr id="1033" name="直接连接符 1032"/>
+            <p:cNvCxnSpPr>
+              <a:stCxn id="1028" idx="4"/>
+              <a:endCxn id="1029" idx="1"/>
+            </p:cNvCxnSpPr>
+            <p:nvPr/>
+          </p:nvCxnSpPr>
+          <p:spPr>
+            <a:xfrm>
+              <a:off x="2408783" y="10472340"/>
+              <a:ext cx="6694" cy="59830"/>
+            </a:xfrm>
+            <a:prstGeom prst="line">
+              <a:avLst/>
+            </a:prstGeom>
+            <a:ln w="19050">
+              <a:solidFill>
+                <a:schemeClr val="tx1"/>
+              </a:solidFill>
+            </a:ln>
+          </p:spPr>
+          <p:style>
+            <a:lnRef idx="1">
+              <a:schemeClr val="accent1"/>
+            </a:lnRef>
+            <a:fillRef idx="0">
+              <a:schemeClr val="accent1"/>
+            </a:fillRef>
+            <a:effectRef idx="0">
+              <a:schemeClr val="accent1"/>
+            </a:effectRef>
+            <a:fontRef idx="minor">
+              <a:schemeClr val="tx1"/>
+            </a:fontRef>
+          </p:style>
+        </p:cxnSp>
+        <p:cxnSp>
+          <p:nvCxnSpPr>
+            <p:cNvPr id="1034" name="直接连接符 1033"/>
+            <p:cNvCxnSpPr>
+              <a:stCxn id="1029" idx="4"/>
+              <a:endCxn id="1030" idx="0"/>
+            </p:cNvCxnSpPr>
+            <p:nvPr/>
+          </p:nvCxnSpPr>
+          <p:spPr>
+            <a:xfrm>
+              <a:off x="2431642" y="10571194"/>
+              <a:ext cx="40572" cy="46765"/>
+            </a:xfrm>
+            <a:prstGeom prst="line">
+              <a:avLst/>
+            </a:prstGeom>
+            <a:ln w="19050">
+              <a:solidFill>
+                <a:schemeClr val="tx1"/>
+              </a:solidFill>
+            </a:ln>
+          </p:spPr>
+          <p:style>
+            <a:lnRef idx="1">
+              <a:schemeClr val="accent1"/>
+            </a:lnRef>
+            <a:fillRef idx="0">
+              <a:schemeClr val="accent1"/>
+            </a:fillRef>
+            <a:effectRef idx="0">
+              <a:schemeClr val="accent1"/>
+            </a:effectRef>
+            <a:fontRef idx="minor">
+              <a:schemeClr val="tx1"/>
+            </a:fontRef>
+          </p:style>
+        </p:cxnSp>
+        <p:cxnSp>
+          <p:nvCxnSpPr>
+            <p:cNvPr id="1035" name="直接连接符 1034"/>
+            <p:cNvCxnSpPr>
+              <a:stCxn id="1030" idx="2"/>
+              <a:endCxn id="1031" idx="6"/>
+            </p:cNvCxnSpPr>
+            <p:nvPr/>
+          </p:nvCxnSpPr>
+          <p:spPr>
+            <a:xfrm flipH="1" flipV="1">
+              <a:off x="2345555" y="10610117"/>
+              <a:ext cx="103799" cy="30702"/>
+            </a:xfrm>
+            <a:prstGeom prst="line">
+              <a:avLst/>
+            </a:prstGeom>
+            <a:ln w="19050">
+              <a:solidFill>
+                <a:schemeClr val="tx1"/>
+              </a:solidFill>
+            </a:ln>
+          </p:spPr>
+          <p:style>
+            <a:lnRef idx="1">
+              <a:schemeClr val="accent1"/>
+            </a:lnRef>
+            <a:fillRef idx="0">
+              <a:schemeClr val="accent1"/>
+            </a:fillRef>
+            <a:effectRef idx="0">
+              <a:schemeClr val="accent1"/>
+            </a:effectRef>
+            <a:fontRef idx="minor">
+              <a:schemeClr val="tx1"/>
+            </a:fontRef>
+          </p:style>
+        </p:cxnSp>
+      </p:grpSp>
+      <p:cxnSp>
+        <p:nvCxnSpPr>
+          <p:cNvPr id="1036" name="直接箭头连接符 1035"/>
+          <p:cNvCxnSpPr/>
+          <p:nvPr/>
+        </p:nvCxnSpPr>
+        <p:spPr>
+          <a:xfrm flipV="1">
+            <a:off x="1444152" y="10388273"/>
+            <a:ext cx="757772" cy="9108"/>
+          </a:xfrm>
+          <a:prstGeom prst="straightConnector1">
+            <a:avLst/>
+          </a:prstGeom>
+          <a:ln>
+            <a:solidFill>
+              <a:schemeClr val="tx1"/>
+            </a:solidFill>
+            <a:tailEnd type="triangle"/>
+          </a:ln>
+        </p:spPr>
+        <p:style>
+          <a:lnRef idx="1">
+            <a:schemeClr val="accent1"/>
+          </a:lnRef>
+          <a:fillRef idx="0">
+            <a:schemeClr val="accent1"/>
+          </a:fillRef>
+          <a:effectRef idx="0">
+            <a:schemeClr val="accent1"/>
+          </a:effectRef>
+          <a:fontRef idx="minor">
+            <a:schemeClr val="tx1"/>
+          </a:fontRef>
+        </p:style>
+      </p:cxnSp>
+      <p:sp>
+        <p:nvSpPr>
+          <p:cNvPr id="1037" name="文本框 1036"/>
+          <p:cNvSpPr txBox="1"/>
+          <p:nvPr/>
+        </p:nvSpPr>
+        <p:spPr>
+          <a:xfrm>
+            <a:off x="1601898" y="10207050"/>
+            <a:ext cx="304892" cy="230832"/>
+          </a:xfrm>
+          <a:prstGeom prst="rect">
+            <a:avLst/>
+          </a:prstGeom>
+          <a:noFill/>
+        </p:spPr>
+        <p:txBody>
+          <a:bodyPr wrap="none" rtlCol="0">
+            <a:spAutoFit/>
+          </a:bodyPr>
+          <a:lstStyle/>
+          <a:p>
+            <a:r>
+              <a:rPr lang="en-US" sz="900" dirty="0" smtClean="0"/>
+              <a:t>R2</a:t>
+            </a:r>
+            <a:endParaRPr lang="en-US" sz="900" dirty="0"/>
+          </a:p>
+        </p:txBody>
+      </p:sp>
+      <p:cxnSp>
+        <p:nvCxnSpPr>
+          <p:cNvPr id="1039" name="直接箭头连接符 1038"/>
+          <p:cNvCxnSpPr/>
+          <p:nvPr/>
+        </p:nvCxnSpPr>
+        <p:spPr>
+          <a:xfrm>
+            <a:off x="2464281" y="10402940"/>
+            <a:ext cx="347385" cy="261023"/>
+          </a:xfrm>
+          <a:prstGeom prst="straightConnector1">
+            <a:avLst/>
+          </a:prstGeom>
+          <a:ln>
+            <a:solidFill>
+              <a:schemeClr val="tx1"/>
+            </a:solidFill>
+            <a:tailEnd type="triangle"/>
+          </a:ln>
+        </p:spPr>
+        <p:style>
+          <a:lnRef idx="1">
+            <a:schemeClr val="accent1"/>
+          </a:lnRef>
+          <a:fillRef idx="0">
+            <a:schemeClr val="accent1"/>
+          </a:fillRef>
+          <a:effectRef idx="0">
+            <a:schemeClr val="accent1"/>
+          </a:effectRef>
+          <a:fontRef idx="minor">
+            <a:schemeClr val="tx1"/>
+          </a:fontRef>
+        </p:style>
+      </p:cxnSp>
+      <p:sp>
+        <p:nvSpPr>
+          <p:cNvPr id="1040" name="文本框 1039"/>
+          <p:cNvSpPr txBox="1"/>
+          <p:nvPr/>
+        </p:nvSpPr>
+        <p:spPr>
+          <a:xfrm>
+            <a:off x="2522938" y="10326565"/>
+            <a:ext cx="304892" cy="230832"/>
+          </a:xfrm>
+          <a:prstGeom prst="rect">
+            <a:avLst/>
+          </a:prstGeom>
+          <a:noFill/>
+        </p:spPr>
+        <p:txBody>
+          <a:bodyPr wrap="none" rtlCol="0">
+            <a:spAutoFit/>
+          </a:bodyPr>
+          <a:lstStyle/>
+          <a:p>
+            <a:r>
+              <a:rPr lang="en-US" sz="900" dirty="0" smtClean="0"/>
+              <a:t>R4</a:t>
+            </a:r>
+            <a:endParaRPr lang="en-US" sz="900" dirty="0"/>
+          </a:p>
+        </p:txBody>
+      </p:sp>
+      <mc:AlternateContent xmlns:mc="http://schemas.openxmlformats.org/markup-compatibility/2006">
+        <mc:Choice xmlns:a14="http://schemas.microsoft.com/office/drawing/2010/main" Requires="a14">
+          <p:sp>
+            <p:nvSpPr>
+              <p:cNvPr id="1042" name="文本框 1041"/>
+              <p:cNvSpPr txBox="1"/>
+              <p:nvPr/>
+            </p:nvSpPr>
+            <p:spPr>
+              <a:xfrm>
+                <a:off x="3470993" y="7720755"/>
+                <a:ext cx="215828" cy="153888"/>
+              </a:xfrm>
+              <a:prstGeom prst="rect">
+                <a:avLst/>
+              </a:prstGeom>
+              <a:noFill/>
+            </p:spPr>
+            <p:txBody>
+              <a:bodyPr wrap="none" lIns="0" tIns="0" rIns="0" bIns="0" rtlCol="0">
+                <a:spAutoFit/>
+              </a:bodyPr>
+              <a:lstStyle/>
+              <a:p>
+                <a14:m>
+                  <m:oMathPara xmlns:m="http://schemas.openxmlformats.org/officeDocument/2006/math">
+                    <m:oMathParaPr>
+                      <m:jc m:val="centerGroup"/>
+                    </m:oMathParaPr>
+                    <m:oMath xmlns:m="http://schemas.openxmlformats.org/officeDocument/2006/math">
+                      <m:sSub>
+                        <m:sSubPr>
+                          <m:ctrlPr>
+                            <a:rPr lang="en-US" sz="1000" b="0" i="1" smtClean="0">
+                              <a:solidFill>
+                                <a:srgbClr val="FF0000"/>
+                              </a:solidFill>
+                              <a:latin typeface="Cambria Math" panose="02040503050406030204" pitchFamily="18" charset="0"/>
+                            </a:rPr>
+                          </m:ctrlPr>
+                        </m:sSubPr>
+                        <m:e>
+                          <m:r>
+                            <a:rPr lang="en-US" sz="1000" b="0" i="1" smtClean="0">
+                              <a:solidFill>
+                                <a:srgbClr val="FF0000"/>
+                              </a:solidFill>
+                              <a:latin typeface="Cambria Math" panose="02040503050406030204" pitchFamily="18" charset="0"/>
+                            </a:rPr>
+                            <m:t>𝐻</m:t>
+                          </m:r>
+                        </m:e>
+                        <m:sub>
+                          <m:r>
+                            <a:rPr lang="en-US" sz="1000" b="0" i="1" smtClean="0">
+                              <a:solidFill>
+                                <a:srgbClr val="FF0000"/>
+                              </a:solidFill>
+                              <a:latin typeface="Cambria Math" panose="02040503050406030204" pitchFamily="18" charset="0"/>
+                            </a:rPr>
+                            <m:t>𝑛</m:t>
+                          </m:r>
+                        </m:sub>
+                      </m:sSub>
+                      <m:r>
+                        <a:rPr lang="en-US" sz="1000" b="0" i="1" smtClean="0">
+                          <a:solidFill>
+                            <a:srgbClr val="FF0000"/>
+                          </a:solidFill>
+                          <a:latin typeface="Cambria Math" panose="02040503050406030204" pitchFamily="18" charset="0"/>
+                        </a:rPr>
+                        <m:t>′</m:t>
+                      </m:r>
+                    </m:oMath>
+                  </m:oMathPara>
+                </a14:m>
+                <a:endParaRPr lang="en-US" sz="1000" dirty="0">
+                  <a:solidFill>
+                    <a:srgbClr val="FF0000"/>
+                  </a:solidFill>
+                </a:endParaRPr>
+              </a:p>
+            </p:txBody>
+          </p:sp>
+        </mc:Choice>
+        <mc:Fallback>
+          <p:sp>
+            <p:nvSpPr>
+              <p:cNvPr id="1042" name="文本框 1041"/>
+              <p:cNvSpPr txBox="1">
+                <a:spLocks noRot="1" noChangeAspect="1" noMove="1" noResize="1" noEditPoints="1" noAdjustHandles="1" noChangeArrowheads="1" noChangeShapeType="1" noTextEdit="1"/>
+              </p:cNvSpPr>
+              <p:nvPr/>
+            </p:nvSpPr>
+            <p:spPr>
+              <a:xfrm>
+                <a:off x="3470993" y="7720755"/>
+                <a:ext cx="215828" cy="153888"/>
+              </a:xfrm>
+              <a:prstGeom prst="rect">
+                <a:avLst/>
+              </a:prstGeom>
+              <a:blipFill rotWithShape="0">
+                <a:blip r:embed="rId7"/>
+                <a:stretch>
+                  <a:fillRect l="-13889" t="-4000" r="-13889" b="-12000"/>
+                </a:stretch>
+              </a:blipFill>
+            </p:spPr>
+            <p:txBody>
+              <a:bodyPr/>
+              <a:lstStyle/>
+              <a:p>
+                <a:r>
+                  <a:rPr lang="en-US">
+                    <a:noFill/>
+                  </a:rPr>
+                  <a:t> </a:t>
+                </a:r>
+              </a:p>
+            </p:txBody>
+          </p:sp>
+        </mc:Fallback>
+      </mc:AlternateContent>
+      <mc:AlternateContent xmlns:mc="http://schemas.openxmlformats.org/markup-compatibility/2006">
+        <mc:Choice xmlns:a14="http://schemas.microsoft.com/office/drawing/2010/main" Requires="a14">
+          <p:sp>
+            <p:nvSpPr>
+              <p:cNvPr id="1043" name="文本框 1042"/>
+              <p:cNvSpPr txBox="1"/>
+              <p:nvPr/>
+            </p:nvSpPr>
+            <p:spPr>
+              <a:xfrm>
+                <a:off x="2615335" y="7720591"/>
+                <a:ext cx="182166" cy="153888"/>
+              </a:xfrm>
+              <a:prstGeom prst="rect">
+                <a:avLst/>
+              </a:prstGeom>
+              <a:noFill/>
+            </p:spPr>
+            <p:txBody>
+              <a:bodyPr wrap="none" lIns="0" tIns="0" rIns="0" bIns="0" rtlCol="0">
+                <a:spAutoFit/>
+              </a:bodyPr>
+              <a:lstStyle/>
+              <a:p>
+                <a14:m>
+                  <m:oMathPara xmlns:m="http://schemas.openxmlformats.org/officeDocument/2006/math">
+                    <m:oMathParaPr>
+                      <m:jc m:val="centerGroup"/>
+                    </m:oMathParaPr>
+                    <m:oMath xmlns:m="http://schemas.openxmlformats.org/officeDocument/2006/math">
+                      <m:sSub>
+                        <m:sSubPr>
+                          <m:ctrlPr>
+                            <a:rPr lang="en-US" sz="1000" b="0" i="1" smtClean="0">
+                              <a:solidFill>
+                                <a:srgbClr val="FF0000"/>
+                              </a:solidFill>
+                              <a:latin typeface="Cambria Math" panose="02040503050406030204" pitchFamily="18" charset="0"/>
+                            </a:rPr>
+                          </m:ctrlPr>
+                        </m:sSubPr>
+                        <m:e>
+                          <m:r>
+                            <a:rPr lang="en-US" sz="1000" b="0" i="1" smtClean="0">
+                              <a:solidFill>
+                                <a:srgbClr val="FF0000"/>
+                              </a:solidFill>
+                              <a:latin typeface="Cambria Math" panose="02040503050406030204" pitchFamily="18" charset="0"/>
+                            </a:rPr>
+                            <m:t>𝐻</m:t>
+                          </m:r>
+                        </m:e>
+                        <m:sub>
+                          <m:r>
+                            <a:rPr lang="en-US" sz="1000" b="0" i="1" smtClean="0">
+                              <a:solidFill>
+                                <a:srgbClr val="FF0000"/>
+                              </a:solidFill>
+                              <a:latin typeface="Cambria Math" panose="02040503050406030204" pitchFamily="18" charset="0"/>
+                            </a:rPr>
+                            <m:t>𝑛</m:t>
+                          </m:r>
+                        </m:sub>
+                      </m:sSub>
+                    </m:oMath>
+                  </m:oMathPara>
+                </a14:m>
+                <a:endParaRPr lang="en-US" sz="1000" dirty="0">
+                  <a:solidFill>
+                    <a:srgbClr val="FF0000"/>
+                  </a:solidFill>
+                </a:endParaRPr>
+              </a:p>
+            </p:txBody>
+          </p:sp>
+        </mc:Choice>
+        <mc:Fallback>
+          <p:sp>
+            <p:nvSpPr>
+              <p:cNvPr id="1043" name="文本框 1042"/>
+              <p:cNvSpPr txBox="1">
+                <a:spLocks noRot="1" noChangeAspect="1" noMove="1" noResize="1" noEditPoints="1" noAdjustHandles="1" noChangeArrowheads="1" noChangeShapeType="1" noTextEdit="1"/>
+              </p:cNvSpPr>
+              <p:nvPr/>
+            </p:nvSpPr>
+            <p:spPr>
+              <a:xfrm>
+                <a:off x="2615335" y="7720591"/>
+                <a:ext cx="182166" cy="153888"/>
+              </a:xfrm>
+              <a:prstGeom prst="rect">
+                <a:avLst/>
+              </a:prstGeom>
+              <a:blipFill rotWithShape="0">
+                <a:blip r:embed="rId8"/>
+                <a:stretch>
+                  <a:fillRect l="-16667" b="-12000"/>
+                </a:stretch>
+              </a:blipFill>
+            </p:spPr>
+            <p:txBody>
+              <a:bodyPr/>
+              <a:lstStyle/>
+              <a:p>
+                <a:r>
+                  <a:rPr lang="en-US">
+                    <a:noFill/>
+                  </a:rPr>
+                  <a:t> </a:t>
+                </a:r>
+              </a:p>
+            </p:txBody>
+          </p:sp>
+        </mc:Fallback>
+      </mc:AlternateContent>
+      <mc:AlternateContent xmlns:mc="http://schemas.openxmlformats.org/markup-compatibility/2006">
+        <mc:Choice xmlns:a14="http://schemas.microsoft.com/office/drawing/2010/main" Requires="a14">
+          <p:sp>
+            <p:nvSpPr>
+              <p:cNvPr id="1044" name="文本框 1043"/>
+              <p:cNvSpPr txBox="1"/>
+              <p:nvPr/>
+            </p:nvSpPr>
+            <p:spPr>
+              <a:xfrm>
+                <a:off x="1828347" y="7133872"/>
+                <a:ext cx="311752" cy="153888"/>
+              </a:xfrm>
+              <a:prstGeom prst="rect">
+                <a:avLst/>
+              </a:prstGeom>
+              <a:noFill/>
+            </p:spPr>
+            <p:txBody>
+              <a:bodyPr wrap="none" lIns="0" tIns="0" rIns="0" bIns="0" rtlCol="0">
+                <a:spAutoFit/>
+              </a:bodyPr>
+              <a:lstStyle/>
+              <a:p>
+                <a14:m>
+                  <m:oMathPara xmlns:m="http://schemas.openxmlformats.org/officeDocument/2006/math">
+                    <m:oMathParaPr>
+                      <m:jc m:val="centerGroup"/>
+                    </m:oMathParaPr>
+                    <m:oMath xmlns:m="http://schemas.openxmlformats.org/officeDocument/2006/math">
+                      <m:sSub>
+                        <m:sSubPr>
+                          <m:ctrlPr>
+                            <a:rPr lang="en-US" sz="1000" b="0" i="1" smtClean="0">
+                              <a:solidFill>
+                                <a:srgbClr val="FF0000"/>
+                              </a:solidFill>
+                              <a:latin typeface="Cambria Math" panose="02040503050406030204" pitchFamily="18" charset="0"/>
+                            </a:rPr>
+                          </m:ctrlPr>
+                        </m:sSubPr>
+                        <m:e>
+                          <m:r>
+                            <a:rPr lang="en-US" sz="1000" b="0" i="1" smtClean="0">
+                              <a:solidFill>
+                                <a:srgbClr val="FF0000"/>
+                              </a:solidFill>
+                              <a:latin typeface="Cambria Math" panose="02040503050406030204" pitchFamily="18" charset="0"/>
+                            </a:rPr>
+                            <m:t>𝐻</m:t>
+                          </m:r>
+                        </m:e>
+                        <m:sub>
+                          <m:r>
+                            <a:rPr lang="en-US" sz="1000" b="0" i="1" smtClean="0">
+                              <a:solidFill>
+                                <a:srgbClr val="FF0000"/>
+                              </a:solidFill>
+                              <a:latin typeface="Cambria Math" panose="02040503050406030204" pitchFamily="18" charset="0"/>
+                            </a:rPr>
+                            <m:t>𝑛𝑠𝑟</m:t>
+                          </m:r>
+                        </m:sub>
+                      </m:sSub>
+                      <m:r>
+                        <a:rPr lang="en-US" sz="1000" b="0" i="1" smtClean="0">
+                          <a:solidFill>
+                            <a:srgbClr val="FF0000"/>
+                          </a:solidFill>
+                          <a:latin typeface="Cambria Math" panose="02040503050406030204" pitchFamily="18" charset="0"/>
+                        </a:rPr>
+                        <m:t>′</m:t>
+                      </m:r>
+                    </m:oMath>
+                  </m:oMathPara>
+                </a14:m>
+                <a:endParaRPr lang="en-US" sz="1000" dirty="0">
+                  <a:solidFill>
+                    <a:srgbClr val="FF0000"/>
+                  </a:solidFill>
+                </a:endParaRPr>
+              </a:p>
+            </p:txBody>
+          </p:sp>
+        </mc:Choice>
+        <mc:Fallback>
+          <p:sp>
+            <p:nvSpPr>
+              <p:cNvPr id="1044" name="文本框 1043"/>
+              <p:cNvSpPr txBox="1">
+                <a:spLocks noRot="1" noChangeAspect="1" noMove="1" noResize="1" noEditPoints="1" noAdjustHandles="1" noChangeArrowheads="1" noChangeShapeType="1" noTextEdit="1"/>
+              </p:cNvSpPr>
+              <p:nvPr/>
+            </p:nvSpPr>
+            <p:spPr>
+              <a:xfrm>
+                <a:off x="1828347" y="7133872"/>
+                <a:ext cx="311752" cy="153888"/>
+              </a:xfrm>
+              <a:prstGeom prst="rect">
+                <a:avLst/>
+              </a:prstGeom>
+              <a:blipFill rotWithShape="0">
+                <a:blip r:embed="rId9"/>
+                <a:stretch>
+                  <a:fillRect l="-9804" r="-9804" b="-16000"/>
+                </a:stretch>
+              </a:blipFill>
+            </p:spPr>
+            <p:txBody>
+              <a:bodyPr/>
+              <a:lstStyle/>
+              <a:p>
+                <a:r>
+                  <a:rPr lang="en-US">
+                    <a:noFill/>
+                  </a:rPr>
+                  <a:t> </a:t>
+                </a:r>
+              </a:p>
+            </p:txBody>
+          </p:sp>
+        </mc:Fallback>
+      </mc:AlternateContent>
+      <mc:AlternateContent xmlns:mc="http://schemas.openxmlformats.org/markup-compatibility/2006">
+        <mc:Choice xmlns:a14="http://schemas.microsoft.com/office/drawing/2010/main" Requires="a14">
+          <p:sp>
+            <p:nvSpPr>
+              <p:cNvPr id="1045" name="文本框 1044"/>
+              <p:cNvSpPr txBox="1"/>
+              <p:nvPr/>
+            </p:nvSpPr>
+            <p:spPr>
+              <a:xfrm>
+                <a:off x="1811987" y="7495478"/>
+                <a:ext cx="231602" cy="153888"/>
+              </a:xfrm>
+              <a:prstGeom prst="rect">
+                <a:avLst/>
+              </a:prstGeom>
+              <a:noFill/>
+            </p:spPr>
+            <p:txBody>
+              <a:bodyPr wrap="none" lIns="0" tIns="0" rIns="0" bIns="0" rtlCol="0">
+                <a:spAutoFit/>
+              </a:bodyPr>
+              <a:lstStyle/>
+              <a:p>
+                <a14:m>
+                  <m:oMath xmlns:m="http://schemas.openxmlformats.org/officeDocument/2006/math">
+                    <m:sSub>
+                      <m:sSubPr>
+                        <m:ctrlPr>
+                          <a:rPr lang="en-US" sz="1000" b="0" i="1" smtClean="0">
+                            <a:solidFill>
+                              <a:srgbClr val="FF0000"/>
+                            </a:solidFill>
+                            <a:latin typeface="Cambria Math" panose="02040503050406030204" pitchFamily="18" charset="0"/>
+                          </a:rPr>
+                        </m:ctrlPr>
+                      </m:sSubPr>
+                      <m:e>
+                        <m:r>
+                          <a:rPr lang="en-US" sz="1000" b="0" i="1" smtClean="0">
+                            <a:solidFill>
+                              <a:srgbClr val="FF0000"/>
+                            </a:solidFill>
+                            <a:latin typeface="Cambria Math" panose="02040503050406030204" pitchFamily="18" charset="0"/>
+                          </a:rPr>
+                          <m:t>𝐻</m:t>
+                        </m:r>
+                      </m:e>
+                      <m:sub>
+                        <m:r>
+                          <a:rPr lang="en-US" sz="1000" b="0" i="1" smtClean="0">
+                            <a:solidFill>
+                              <a:srgbClr val="FF0000"/>
+                            </a:solidFill>
+                            <a:latin typeface="Cambria Math" panose="02040503050406030204" pitchFamily="18" charset="0"/>
+                          </a:rPr>
+                          <m:t>𝑏𝑟</m:t>
+                        </m:r>
+                      </m:sub>
+                    </m:sSub>
+                  </m:oMath>
+                </a14:m>
+                <a:r>
+                  <a:rPr lang="en-US" sz="1000" dirty="0" smtClean="0">
+                    <a:solidFill>
+                      <a:srgbClr val="FF0000"/>
+                    </a:solidFill>
+                  </a:rPr>
+                  <a:t>’</a:t>
+                </a:r>
+                <a:endParaRPr lang="en-US" sz="1000" dirty="0">
+                  <a:solidFill>
+                    <a:srgbClr val="FF0000"/>
+                  </a:solidFill>
+                </a:endParaRPr>
+              </a:p>
+            </p:txBody>
+          </p:sp>
+        </mc:Choice>
+        <mc:Fallback>
+          <p:sp>
+            <p:nvSpPr>
+              <p:cNvPr id="1045" name="文本框 1044"/>
+              <p:cNvSpPr txBox="1">
+                <a:spLocks noRot="1" noChangeAspect="1" noMove="1" noResize="1" noEditPoints="1" noAdjustHandles="1" noChangeArrowheads="1" noChangeShapeType="1" noTextEdit="1"/>
+              </p:cNvSpPr>
+              <p:nvPr/>
+            </p:nvSpPr>
+            <p:spPr>
+              <a:xfrm>
+                <a:off x="1811987" y="7495478"/>
+                <a:ext cx="231602" cy="153888"/>
+              </a:xfrm>
+              <a:prstGeom prst="rect">
+                <a:avLst/>
+              </a:prstGeom>
+              <a:blipFill rotWithShape="0">
+                <a:blip r:embed="rId10"/>
+                <a:stretch>
+                  <a:fillRect l="-18421" t="-24000" r="-31579" b="-56000"/>
+                </a:stretch>
+              </a:blipFill>
+            </p:spPr>
+            <p:txBody>
+              <a:bodyPr/>
+              <a:lstStyle/>
+              <a:p>
+                <a:r>
+                  <a:rPr lang="en-US">
+                    <a:noFill/>
+                  </a:rPr>
+                  <a:t> </a:t>
+                </a:r>
+              </a:p>
+            </p:txBody>
+          </p:sp>
+        </mc:Fallback>
+      </mc:AlternateContent>
+      <mc:AlternateContent xmlns:mc="http://schemas.openxmlformats.org/markup-compatibility/2006">
+        <mc:Choice xmlns:a14="http://schemas.microsoft.com/office/drawing/2010/main" Requires="a14">
+          <p:sp>
+            <p:nvSpPr>
+              <p:cNvPr id="1046" name="文本框 1045"/>
+              <p:cNvSpPr txBox="1"/>
+              <p:nvPr/>
+            </p:nvSpPr>
+            <p:spPr>
+              <a:xfrm>
+                <a:off x="1830128" y="7876348"/>
+                <a:ext cx="235834" cy="153888"/>
+              </a:xfrm>
+              <a:prstGeom prst="rect">
+                <a:avLst/>
+              </a:prstGeom>
+              <a:noFill/>
+            </p:spPr>
+            <p:txBody>
+              <a:bodyPr wrap="none" lIns="0" tIns="0" rIns="0" bIns="0" rtlCol="0">
+                <a:spAutoFit/>
+              </a:bodyPr>
+              <a:lstStyle/>
+              <a:p>
+                <a14:m>
+                  <m:oMath xmlns:m="http://schemas.openxmlformats.org/officeDocument/2006/math">
+                    <m:sSub>
+                      <m:sSubPr>
+                        <m:ctrlPr>
+                          <a:rPr lang="en-US" sz="1000" b="0" i="1" smtClean="0">
+                            <a:solidFill>
+                              <a:srgbClr val="FF0000"/>
+                            </a:solidFill>
+                            <a:latin typeface="Cambria Math" panose="02040503050406030204" pitchFamily="18" charset="0"/>
+                          </a:rPr>
+                        </m:ctrlPr>
+                      </m:sSubPr>
+                      <m:e>
+                        <m:r>
+                          <a:rPr lang="en-US" sz="1000" b="0" i="1" smtClean="0">
+                            <a:solidFill>
+                              <a:srgbClr val="FF0000"/>
+                            </a:solidFill>
+                            <a:latin typeface="Cambria Math" panose="02040503050406030204" pitchFamily="18" charset="0"/>
+                          </a:rPr>
+                          <m:t>𝐻</m:t>
+                        </m:r>
+                      </m:e>
+                      <m:sub>
+                        <m:r>
+                          <a:rPr lang="en-US" sz="1000" b="0" i="1" smtClean="0">
+                            <a:solidFill>
+                              <a:srgbClr val="FF0000"/>
+                            </a:solidFill>
+                            <a:latin typeface="Cambria Math" panose="02040503050406030204" pitchFamily="18" charset="0"/>
+                          </a:rPr>
+                          <m:t>𝑎𝑣</m:t>
+                        </m:r>
+                      </m:sub>
+                    </m:sSub>
+                  </m:oMath>
+                </a14:m>
+                <a:r>
+                  <a:rPr lang="en-US" sz="1000" dirty="0" smtClean="0">
+                    <a:solidFill>
+                      <a:srgbClr val="FF0000"/>
+                    </a:solidFill>
+                  </a:rPr>
+                  <a:t>’</a:t>
+                </a:r>
+                <a:endParaRPr lang="en-US" sz="1000" dirty="0">
+                  <a:solidFill>
+                    <a:srgbClr val="FF0000"/>
+                  </a:solidFill>
+                </a:endParaRPr>
+              </a:p>
+            </p:txBody>
+          </p:sp>
+        </mc:Choice>
+        <mc:Fallback>
+          <p:sp>
+            <p:nvSpPr>
+              <p:cNvPr id="1046" name="文本框 1045"/>
+              <p:cNvSpPr txBox="1">
+                <a:spLocks noRot="1" noChangeAspect="1" noMove="1" noResize="1" noEditPoints="1" noAdjustHandles="1" noChangeArrowheads="1" noChangeShapeType="1" noTextEdit="1"/>
+              </p:cNvSpPr>
+              <p:nvPr/>
+            </p:nvSpPr>
+            <p:spPr>
+              <a:xfrm>
+                <a:off x="1830128" y="7876348"/>
+                <a:ext cx="235834" cy="153888"/>
+              </a:xfrm>
+              <a:prstGeom prst="rect">
+                <a:avLst/>
+              </a:prstGeom>
+              <a:blipFill rotWithShape="0">
+                <a:blip r:embed="rId11"/>
+                <a:stretch>
+                  <a:fillRect l="-17949" t="-24000" r="-30769" b="-56000"/>
+                </a:stretch>
+              </a:blipFill>
+            </p:spPr>
+            <p:txBody>
+              <a:bodyPr/>
+              <a:lstStyle/>
+              <a:p>
+                <a:r>
+                  <a:rPr lang="en-US">
+                    <a:noFill/>
+                  </a:rPr>
+                  <a:t> </a:t>
+                </a:r>
+              </a:p>
+            </p:txBody>
+          </p:sp>
+        </mc:Fallback>
+      </mc:AlternateContent>
+      <mc:AlternateContent xmlns:mc="http://schemas.openxmlformats.org/markup-compatibility/2006">
+        <mc:Choice xmlns:a14="http://schemas.microsoft.com/office/drawing/2010/main" Requires="a14">
+          <p:sp>
+            <p:nvSpPr>
+              <p:cNvPr id="1048" name="文本框 1047"/>
+              <p:cNvSpPr txBox="1"/>
+              <p:nvPr/>
+            </p:nvSpPr>
+            <p:spPr>
+              <a:xfrm>
+                <a:off x="1840083" y="8252501"/>
+                <a:ext cx="324128" cy="153888"/>
+              </a:xfrm>
+              <a:prstGeom prst="rect">
+                <a:avLst/>
+              </a:prstGeom>
+              <a:noFill/>
+            </p:spPr>
+            <p:txBody>
+              <a:bodyPr wrap="none" lIns="0" tIns="0" rIns="0" bIns="0" rtlCol="0">
+                <a:spAutoFit/>
+              </a:bodyPr>
+              <a:lstStyle/>
+              <a:p>
+                <a14:m>
+                  <m:oMathPara xmlns:m="http://schemas.openxmlformats.org/officeDocument/2006/math">
+                    <m:oMathParaPr>
+                      <m:jc m:val="centerGroup"/>
+                    </m:oMathParaPr>
+                    <m:oMath xmlns:m="http://schemas.openxmlformats.org/officeDocument/2006/math">
+                      <m:sSub>
+                        <m:sSubPr>
+                          <m:ctrlPr>
+                            <a:rPr lang="en-US" sz="1000" b="0" i="1" smtClean="0">
+                              <a:solidFill>
+                                <a:srgbClr val="FF0000"/>
+                              </a:solidFill>
+                              <a:latin typeface="Cambria Math" panose="02040503050406030204" pitchFamily="18" charset="0"/>
+                            </a:rPr>
+                          </m:ctrlPr>
+                        </m:sSubPr>
+                        <m:e>
+                          <m:r>
+                            <a:rPr lang="en-US" sz="1000" b="0" i="1" smtClean="0">
+                              <a:solidFill>
+                                <a:srgbClr val="FF0000"/>
+                              </a:solidFill>
+                              <a:latin typeface="Cambria Math" panose="02040503050406030204" pitchFamily="18" charset="0"/>
+                            </a:rPr>
+                            <m:t>𝐻</m:t>
+                          </m:r>
+                        </m:e>
+                        <m:sub>
+                          <m:r>
+                            <a:rPr lang="en-US" sz="1000" b="0" i="1" smtClean="0">
+                              <a:solidFill>
+                                <a:srgbClr val="FF0000"/>
+                              </a:solidFill>
+                              <a:latin typeface="Cambria Math" panose="02040503050406030204" pitchFamily="18" charset="0"/>
+                            </a:rPr>
+                            <m:t>𝑏𝑏𝑏</m:t>
+                          </m:r>
+                        </m:sub>
+                      </m:sSub>
+                      <m:r>
+                        <a:rPr lang="en-US" sz="1000" b="0" i="1" smtClean="0">
+                          <a:solidFill>
+                            <a:srgbClr val="FF0000"/>
+                          </a:solidFill>
+                          <a:latin typeface="Cambria Math" panose="02040503050406030204" pitchFamily="18" charset="0"/>
+                        </a:rPr>
+                        <m:t>′</m:t>
+                      </m:r>
+                    </m:oMath>
+                  </m:oMathPara>
+                </a14:m>
+                <a:endParaRPr lang="en-US" sz="1000" dirty="0">
+                  <a:solidFill>
+                    <a:srgbClr val="FF0000"/>
+                  </a:solidFill>
+                </a:endParaRPr>
+              </a:p>
+            </p:txBody>
+          </p:sp>
+        </mc:Choice>
+        <mc:Fallback>
+          <p:sp>
+            <p:nvSpPr>
+              <p:cNvPr id="1048" name="文本框 1047"/>
+              <p:cNvSpPr txBox="1">
+                <a:spLocks noRot="1" noChangeAspect="1" noMove="1" noResize="1" noEditPoints="1" noAdjustHandles="1" noChangeArrowheads="1" noChangeShapeType="1" noTextEdit="1"/>
+              </p:cNvSpPr>
+              <p:nvPr/>
+            </p:nvSpPr>
+            <p:spPr>
+              <a:xfrm>
+                <a:off x="1840083" y="8252501"/>
+                <a:ext cx="324128" cy="153888"/>
+              </a:xfrm>
+              <a:prstGeom prst="rect">
+                <a:avLst/>
+              </a:prstGeom>
+              <a:blipFill rotWithShape="0">
+                <a:blip r:embed="rId12"/>
+                <a:stretch>
+                  <a:fillRect l="-9434" t="-4000" r="-9434" b="-16000"/>
+                </a:stretch>
+              </a:blipFill>
+            </p:spPr>
+            <p:txBody>
+              <a:bodyPr/>
+              <a:lstStyle/>
+              <a:p>
+                <a:r>
+                  <a:rPr lang="en-US">
+                    <a:noFill/>
+                  </a:rPr>
+                  <a:t> </a:t>
+                </a:r>
+              </a:p>
+            </p:txBody>
+          </p:sp>
+        </mc:Fallback>
+      </mc:AlternateContent>
+      <mc:AlternateContent xmlns:mc="http://schemas.openxmlformats.org/markup-compatibility/2006">
+        <mc:Choice xmlns:a14="http://schemas.microsoft.com/office/drawing/2010/main" Requires="a14">
+          <p:sp>
+            <p:nvSpPr>
+              <p:cNvPr id="1049" name="文本框 1048"/>
+              <p:cNvSpPr txBox="1"/>
+              <p:nvPr/>
+            </p:nvSpPr>
+            <p:spPr>
+              <a:xfrm>
+                <a:off x="1329282" y="8638718"/>
+                <a:ext cx="208710" cy="153888"/>
+              </a:xfrm>
+              <a:prstGeom prst="rect">
+                <a:avLst/>
+              </a:prstGeom>
+              <a:noFill/>
+            </p:spPr>
+            <p:txBody>
+              <a:bodyPr wrap="none" lIns="0" tIns="0" rIns="0" bIns="0" rtlCol="0">
+                <a:spAutoFit/>
+              </a:bodyPr>
+              <a:lstStyle/>
+              <a:p>
+                <a14:m>
+                  <m:oMathPara xmlns:m="http://schemas.openxmlformats.org/officeDocument/2006/math">
+                    <m:oMathParaPr>
+                      <m:jc m:val="centerGroup"/>
+                    </m:oMathParaPr>
+                    <m:oMath xmlns:m="http://schemas.openxmlformats.org/officeDocument/2006/math">
+                      <m:sSub>
+                        <m:sSubPr>
+                          <m:ctrlPr>
+                            <a:rPr lang="en-US" sz="1000" b="0" i="1" smtClean="0">
+                              <a:solidFill>
+                                <a:srgbClr val="FF0000"/>
+                              </a:solidFill>
+                              <a:latin typeface="Cambria Math" panose="02040503050406030204" pitchFamily="18" charset="0"/>
+                            </a:rPr>
+                          </m:ctrlPr>
+                        </m:sSubPr>
+                        <m:e>
+                          <m:r>
+                            <a:rPr lang="en-US" sz="1000" b="0" i="1" smtClean="0">
+                              <a:solidFill>
+                                <a:srgbClr val="FF0000"/>
+                              </a:solidFill>
+                              <a:latin typeface="Cambria Math" panose="02040503050406030204" pitchFamily="18" charset="0"/>
+                            </a:rPr>
+                            <m:t>𝐻</m:t>
+                          </m:r>
+                        </m:e>
+                        <m:sub>
+                          <m:r>
+                            <a:rPr lang="en-US" sz="1000" b="0" i="1" smtClean="0">
+                              <a:solidFill>
+                                <a:srgbClr val="FF0000"/>
+                              </a:solidFill>
+                              <a:latin typeface="Cambria Math" panose="02040503050406030204" pitchFamily="18" charset="0"/>
+                            </a:rPr>
+                            <m:t>𝑠𝑡</m:t>
+                          </m:r>
+                        </m:sub>
+                      </m:sSub>
+                    </m:oMath>
+                  </m:oMathPara>
+                </a14:m>
+                <a:endParaRPr lang="en-US" sz="1000" dirty="0">
+                  <a:solidFill>
+                    <a:srgbClr val="FF0000"/>
+                  </a:solidFill>
+                </a:endParaRPr>
+              </a:p>
+            </p:txBody>
+          </p:sp>
+        </mc:Choice>
+        <mc:Fallback>
+          <p:sp>
+            <p:nvSpPr>
+              <p:cNvPr id="1049" name="文本框 1048"/>
+              <p:cNvSpPr txBox="1">
+                <a:spLocks noRot="1" noChangeAspect="1" noMove="1" noResize="1" noEditPoints="1" noAdjustHandles="1" noChangeArrowheads="1" noChangeShapeType="1" noTextEdit="1"/>
+              </p:cNvSpPr>
+              <p:nvPr/>
+            </p:nvSpPr>
+            <p:spPr>
+              <a:xfrm>
+                <a:off x="1329282" y="8638718"/>
+                <a:ext cx="208710" cy="153888"/>
+              </a:xfrm>
+              <a:prstGeom prst="rect">
+                <a:avLst/>
+              </a:prstGeom>
+              <a:blipFill rotWithShape="0">
+                <a:blip r:embed="rId13"/>
+                <a:stretch>
+                  <a:fillRect l="-14706" r="-2941" b="-16000"/>
+                </a:stretch>
+              </a:blipFill>
+            </p:spPr>
+            <p:txBody>
+              <a:bodyPr/>
+              <a:lstStyle/>
+              <a:p>
+                <a:r>
+                  <a:rPr lang="en-US">
+                    <a:noFill/>
+                  </a:rPr>
+                  <a:t> </a:t>
+                </a:r>
+              </a:p>
+            </p:txBody>
+          </p:sp>
+        </mc:Fallback>
+      </mc:AlternateContent>
+      <mc:AlternateContent xmlns:mc="http://schemas.openxmlformats.org/markup-compatibility/2006">
+        <mc:Choice xmlns:a14="http://schemas.microsoft.com/office/drawing/2010/main" Requires="a14">
+          <p:sp>
+            <p:nvSpPr>
+              <p:cNvPr id="1050" name="文本框 1049"/>
+              <p:cNvSpPr txBox="1"/>
+              <p:nvPr/>
+            </p:nvSpPr>
+            <p:spPr>
+              <a:xfrm>
+                <a:off x="1293593" y="8211616"/>
+                <a:ext cx="290464" cy="153888"/>
+              </a:xfrm>
+              <a:prstGeom prst="rect">
+                <a:avLst/>
+              </a:prstGeom>
+              <a:noFill/>
+            </p:spPr>
+            <p:txBody>
+              <a:bodyPr wrap="none" lIns="0" tIns="0" rIns="0" bIns="0" rtlCol="0">
+                <a:spAutoFit/>
+              </a:bodyPr>
+              <a:lstStyle/>
+              <a:p>
+                <a14:m>
+                  <m:oMathPara xmlns:m="http://schemas.openxmlformats.org/officeDocument/2006/math">
+                    <m:oMathParaPr>
+                      <m:jc m:val="centerGroup"/>
+                    </m:oMathParaPr>
+                    <m:oMath xmlns:m="http://schemas.openxmlformats.org/officeDocument/2006/math">
+                      <m:sSub>
+                        <m:sSubPr>
+                          <m:ctrlPr>
+                            <a:rPr lang="en-US" sz="1000" b="0" i="1" smtClean="0">
+                              <a:solidFill>
+                                <a:srgbClr val="FF0000"/>
+                              </a:solidFill>
+                              <a:latin typeface="Cambria Math" panose="02040503050406030204" pitchFamily="18" charset="0"/>
+                            </a:rPr>
+                          </m:ctrlPr>
+                        </m:sSubPr>
+                        <m:e>
+                          <m:r>
+                            <a:rPr lang="en-US" sz="1000" b="0" i="1" smtClean="0">
+                              <a:solidFill>
+                                <a:srgbClr val="FF0000"/>
+                              </a:solidFill>
+                              <a:latin typeface="Cambria Math" panose="02040503050406030204" pitchFamily="18" charset="0"/>
+                            </a:rPr>
+                            <m:t>𝐻</m:t>
+                          </m:r>
+                        </m:e>
+                        <m:sub>
+                          <m:r>
+                            <a:rPr lang="en-US" sz="1000" b="0" i="1" smtClean="0">
+                              <a:solidFill>
+                                <a:srgbClr val="FF0000"/>
+                              </a:solidFill>
+                              <a:latin typeface="Cambria Math" panose="02040503050406030204" pitchFamily="18" charset="0"/>
+                            </a:rPr>
+                            <m:t>𝑏𝑏𝑏</m:t>
+                          </m:r>
+                        </m:sub>
+                      </m:sSub>
+                    </m:oMath>
+                  </m:oMathPara>
+                </a14:m>
+                <a:endParaRPr lang="en-US" sz="1000" dirty="0">
+                  <a:solidFill>
+                    <a:srgbClr val="FF0000"/>
+                  </a:solidFill>
+                </a:endParaRPr>
+              </a:p>
+            </p:txBody>
+          </p:sp>
+        </mc:Choice>
+        <mc:Fallback>
+          <p:sp>
+            <p:nvSpPr>
+              <p:cNvPr id="1050" name="文本框 1049"/>
+              <p:cNvSpPr txBox="1">
+                <a:spLocks noRot="1" noChangeAspect="1" noMove="1" noResize="1" noEditPoints="1" noAdjustHandles="1" noChangeArrowheads="1" noChangeShapeType="1" noTextEdit="1"/>
+              </p:cNvSpPr>
+              <p:nvPr/>
+            </p:nvSpPr>
+            <p:spPr>
+              <a:xfrm>
+                <a:off x="1293593" y="8211616"/>
+                <a:ext cx="290464" cy="153888"/>
+              </a:xfrm>
+              <a:prstGeom prst="rect">
+                <a:avLst/>
+              </a:prstGeom>
+              <a:blipFill rotWithShape="0">
+                <a:blip r:embed="rId14"/>
+                <a:stretch>
+                  <a:fillRect l="-10417" r="-2083" b="-20000"/>
+                </a:stretch>
+              </a:blipFill>
+            </p:spPr>
+            <p:txBody>
+              <a:bodyPr/>
+              <a:lstStyle/>
+              <a:p>
+                <a:r>
+                  <a:rPr lang="en-US">
+                    <a:noFill/>
+                  </a:rPr>
+                  <a:t> </a:t>
+                </a:r>
+              </a:p>
+            </p:txBody>
+          </p:sp>
+        </mc:Fallback>
+      </mc:AlternateContent>
+      <mc:AlternateContent xmlns:mc="http://schemas.openxmlformats.org/markup-compatibility/2006">
+        <mc:Choice xmlns:a14="http://schemas.microsoft.com/office/drawing/2010/main" Requires="a14">
+          <p:sp>
+            <p:nvSpPr>
+              <p:cNvPr id="1051" name="文本框 1050"/>
+              <p:cNvSpPr txBox="1"/>
+              <p:nvPr/>
+            </p:nvSpPr>
+            <p:spPr>
+              <a:xfrm>
+                <a:off x="1289752" y="7812225"/>
+                <a:ext cx="232628" cy="153888"/>
+              </a:xfrm>
+              <a:prstGeom prst="rect">
+                <a:avLst/>
+              </a:prstGeom>
+              <a:noFill/>
+            </p:spPr>
+            <p:txBody>
+              <a:bodyPr wrap="none" lIns="0" tIns="0" rIns="0" bIns="0" rtlCol="0">
+                <a:spAutoFit/>
+              </a:bodyPr>
+              <a:lstStyle/>
+              <a:p>
+                <a14:m>
+                  <m:oMathPara xmlns:m="http://schemas.openxmlformats.org/officeDocument/2006/math">
+                    <m:oMathParaPr>
+                      <m:jc m:val="centerGroup"/>
+                    </m:oMathParaPr>
+                    <m:oMath xmlns:m="http://schemas.openxmlformats.org/officeDocument/2006/math">
+                      <m:sSub>
+                        <m:sSubPr>
+                          <m:ctrlPr>
+                            <a:rPr lang="en-US" sz="1000" b="0" i="1" smtClean="0">
+                              <a:solidFill>
+                                <a:srgbClr val="FF0000"/>
+                              </a:solidFill>
+                              <a:latin typeface="Cambria Math" panose="02040503050406030204" pitchFamily="18" charset="0"/>
+                            </a:rPr>
+                          </m:ctrlPr>
+                        </m:sSubPr>
+                        <m:e>
+                          <m:r>
+                            <a:rPr lang="en-US" sz="1000" b="0" i="1" smtClean="0">
+                              <a:solidFill>
+                                <a:srgbClr val="FF0000"/>
+                              </a:solidFill>
+                              <a:latin typeface="Cambria Math" panose="02040503050406030204" pitchFamily="18" charset="0"/>
+                            </a:rPr>
+                            <m:t>𝐻</m:t>
+                          </m:r>
+                        </m:e>
+                        <m:sub>
+                          <m:r>
+                            <a:rPr lang="en-US" sz="1000" b="0" i="1" smtClean="0">
+                              <a:solidFill>
+                                <a:srgbClr val="FF0000"/>
+                              </a:solidFill>
+                              <a:latin typeface="Cambria Math" panose="02040503050406030204" pitchFamily="18" charset="0"/>
+                            </a:rPr>
+                            <m:t>𝑎𝑣</m:t>
+                          </m:r>
+                        </m:sub>
+                      </m:sSub>
+                    </m:oMath>
+                  </m:oMathPara>
+                </a14:m>
+                <a:endParaRPr lang="en-US" sz="1000" dirty="0">
+                  <a:solidFill>
+                    <a:srgbClr val="FF0000"/>
+                  </a:solidFill>
+                </a:endParaRPr>
+              </a:p>
+            </p:txBody>
+          </p:sp>
+        </mc:Choice>
+        <mc:Fallback>
+          <p:sp>
+            <p:nvSpPr>
+              <p:cNvPr id="1051" name="文本框 1050"/>
+              <p:cNvSpPr txBox="1">
+                <a:spLocks noRot="1" noChangeAspect="1" noMove="1" noResize="1" noEditPoints="1" noAdjustHandles="1" noChangeArrowheads="1" noChangeShapeType="1" noTextEdit="1"/>
+              </p:cNvSpPr>
+              <p:nvPr/>
+            </p:nvSpPr>
+            <p:spPr>
+              <a:xfrm>
+                <a:off x="1289752" y="7812225"/>
+                <a:ext cx="232628" cy="153888"/>
+              </a:xfrm>
+              <a:prstGeom prst="rect">
+                <a:avLst/>
+              </a:prstGeom>
+              <a:blipFill rotWithShape="0">
+                <a:blip r:embed="rId15"/>
+                <a:stretch>
+                  <a:fillRect l="-15789" b="-12000"/>
+                </a:stretch>
+              </a:blipFill>
+            </p:spPr>
+            <p:txBody>
+              <a:bodyPr/>
+              <a:lstStyle/>
+              <a:p>
+                <a:r>
+                  <a:rPr lang="en-US">
+                    <a:noFill/>
+                  </a:rPr>
+                  <a:t> </a:t>
+                </a:r>
+              </a:p>
+            </p:txBody>
+          </p:sp>
+        </mc:Fallback>
+      </mc:AlternateContent>
+      <mc:AlternateContent xmlns:mc="http://schemas.openxmlformats.org/markup-compatibility/2006">
+        <mc:Choice xmlns:a14="http://schemas.microsoft.com/office/drawing/2010/main" Requires="a14">
+          <p:sp>
+            <p:nvSpPr>
+              <p:cNvPr id="1052" name="文本框 1051"/>
+              <p:cNvSpPr txBox="1"/>
+              <p:nvPr/>
+            </p:nvSpPr>
+            <p:spPr>
+              <a:xfrm>
+                <a:off x="1293984" y="7437027"/>
+                <a:ext cx="228396" cy="153888"/>
+              </a:xfrm>
+              <a:prstGeom prst="rect">
+                <a:avLst/>
+              </a:prstGeom>
+              <a:noFill/>
+            </p:spPr>
+            <p:txBody>
+              <a:bodyPr wrap="none" lIns="0" tIns="0" rIns="0" bIns="0" rtlCol="0">
+                <a:spAutoFit/>
+              </a:bodyPr>
+              <a:lstStyle/>
+              <a:p>
+                <a14:m>
+                  <m:oMathPara xmlns:m="http://schemas.openxmlformats.org/officeDocument/2006/math">
+                    <m:oMathParaPr>
+                      <m:jc m:val="centerGroup"/>
+                    </m:oMathParaPr>
+                    <m:oMath xmlns:m="http://schemas.openxmlformats.org/officeDocument/2006/math">
+                      <m:sSub>
+                        <m:sSubPr>
+                          <m:ctrlPr>
+                            <a:rPr lang="en-US" sz="1000" b="0" i="1" smtClean="0">
+                              <a:solidFill>
+                                <a:srgbClr val="FF0000"/>
+                              </a:solidFill>
+                              <a:latin typeface="Cambria Math" panose="02040503050406030204" pitchFamily="18" charset="0"/>
+                            </a:rPr>
+                          </m:ctrlPr>
+                        </m:sSubPr>
+                        <m:e>
+                          <m:r>
+                            <a:rPr lang="en-US" sz="1000" b="0" i="1" smtClean="0">
+                              <a:solidFill>
+                                <a:srgbClr val="FF0000"/>
+                              </a:solidFill>
+                              <a:latin typeface="Cambria Math" panose="02040503050406030204" pitchFamily="18" charset="0"/>
+                            </a:rPr>
+                            <m:t>𝐻</m:t>
+                          </m:r>
+                        </m:e>
+                        <m:sub>
+                          <m:r>
+                            <a:rPr lang="en-US" sz="1000" b="0" i="1" smtClean="0">
+                              <a:solidFill>
+                                <a:srgbClr val="FF0000"/>
+                              </a:solidFill>
+                              <a:latin typeface="Cambria Math" panose="02040503050406030204" pitchFamily="18" charset="0"/>
+                            </a:rPr>
+                            <m:t>𝑏𝑟</m:t>
+                          </m:r>
+                        </m:sub>
+                      </m:sSub>
+                    </m:oMath>
+                  </m:oMathPara>
+                </a14:m>
+                <a:endParaRPr lang="en-US" sz="1000" dirty="0">
+                  <a:solidFill>
+                    <a:srgbClr val="FF0000"/>
+                  </a:solidFill>
+                </a:endParaRPr>
+              </a:p>
+            </p:txBody>
+          </p:sp>
+        </mc:Choice>
+        <mc:Fallback>
+          <p:sp>
+            <p:nvSpPr>
+              <p:cNvPr id="1052" name="文本框 1051"/>
+              <p:cNvSpPr txBox="1">
+                <a:spLocks noRot="1" noChangeAspect="1" noMove="1" noResize="1" noEditPoints="1" noAdjustHandles="1" noChangeArrowheads="1" noChangeShapeType="1" noTextEdit="1"/>
+              </p:cNvSpPr>
+              <p:nvPr/>
+            </p:nvSpPr>
+            <p:spPr>
+              <a:xfrm>
+                <a:off x="1293984" y="7437027"/>
+                <a:ext cx="228396" cy="153888"/>
+              </a:xfrm>
+              <a:prstGeom prst="rect">
+                <a:avLst/>
+              </a:prstGeom>
+              <a:blipFill rotWithShape="0">
+                <a:blip r:embed="rId16"/>
+                <a:stretch>
+                  <a:fillRect l="-13158" r="-2632" b="-16000"/>
+                </a:stretch>
+              </a:blipFill>
+            </p:spPr>
+            <p:txBody>
+              <a:bodyPr/>
+              <a:lstStyle/>
+              <a:p>
+                <a:r>
+                  <a:rPr lang="en-US">
+                    <a:noFill/>
+                  </a:rPr>
+                  <a:t> </a:t>
+                </a:r>
+              </a:p>
+            </p:txBody>
+          </p:sp>
+        </mc:Fallback>
+      </mc:AlternateContent>
+      <mc:AlternateContent xmlns:mc="http://schemas.openxmlformats.org/markup-compatibility/2006">
+        <mc:Choice xmlns:a14="http://schemas.microsoft.com/office/drawing/2010/main" Requires="a14">
+          <p:sp>
+            <p:nvSpPr>
+              <p:cNvPr id="1053" name="文本框 1052"/>
+              <p:cNvSpPr txBox="1"/>
+              <p:nvPr/>
+            </p:nvSpPr>
+            <p:spPr>
+              <a:xfrm>
+                <a:off x="1265482" y="7031132"/>
+                <a:ext cx="278089" cy="153888"/>
+              </a:xfrm>
+              <a:prstGeom prst="rect">
+                <a:avLst/>
+              </a:prstGeom>
+              <a:noFill/>
+            </p:spPr>
+            <p:txBody>
+              <a:bodyPr wrap="none" lIns="0" tIns="0" rIns="0" bIns="0" rtlCol="0">
+                <a:spAutoFit/>
+              </a:bodyPr>
+              <a:lstStyle/>
+              <a:p>
+                <a14:m>
+                  <m:oMathPara xmlns:m="http://schemas.openxmlformats.org/officeDocument/2006/math">
+                    <m:oMathParaPr>
+                      <m:jc m:val="centerGroup"/>
+                    </m:oMathParaPr>
+                    <m:oMath xmlns:m="http://schemas.openxmlformats.org/officeDocument/2006/math">
+                      <m:sSub>
+                        <m:sSubPr>
+                          <m:ctrlPr>
+                            <a:rPr lang="en-US" sz="1000" b="0" i="1" smtClean="0">
+                              <a:solidFill>
+                                <a:srgbClr val="FF0000"/>
+                              </a:solidFill>
+                              <a:latin typeface="Cambria Math" panose="02040503050406030204" pitchFamily="18" charset="0"/>
+                            </a:rPr>
+                          </m:ctrlPr>
+                        </m:sSubPr>
+                        <m:e>
+                          <m:r>
+                            <a:rPr lang="en-US" sz="1000" b="0" i="1" smtClean="0">
+                              <a:solidFill>
+                                <a:srgbClr val="FF0000"/>
+                              </a:solidFill>
+                              <a:latin typeface="Cambria Math" panose="02040503050406030204" pitchFamily="18" charset="0"/>
+                            </a:rPr>
+                            <m:t>𝐻</m:t>
+                          </m:r>
+                        </m:e>
+                        <m:sub>
+                          <m:r>
+                            <a:rPr lang="en-US" sz="1000" b="0" i="1" smtClean="0">
+                              <a:solidFill>
+                                <a:srgbClr val="FF0000"/>
+                              </a:solidFill>
+                              <a:latin typeface="Cambria Math" panose="02040503050406030204" pitchFamily="18" charset="0"/>
+                            </a:rPr>
+                            <m:t>𝑛𝑠𝑟</m:t>
+                          </m:r>
+                        </m:sub>
+                      </m:sSub>
+                    </m:oMath>
+                  </m:oMathPara>
+                </a14:m>
+                <a:endParaRPr lang="en-US" sz="1000" dirty="0">
+                  <a:solidFill>
+                    <a:srgbClr val="FF0000"/>
+                  </a:solidFill>
+                </a:endParaRPr>
+              </a:p>
+            </p:txBody>
+          </p:sp>
+        </mc:Choice>
+        <mc:Fallback>
+          <p:sp>
+            <p:nvSpPr>
+              <p:cNvPr id="1053" name="文本框 1052"/>
+              <p:cNvSpPr txBox="1">
+                <a:spLocks noRot="1" noChangeAspect="1" noMove="1" noResize="1" noEditPoints="1" noAdjustHandles="1" noChangeArrowheads="1" noChangeShapeType="1" noTextEdit="1"/>
+              </p:cNvSpPr>
+              <p:nvPr/>
+            </p:nvSpPr>
+            <p:spPr>
+              <a:xfrm>
+                <a:off x="1265482" y="7031132"/>
+                <a:ext cx="278089" cy="153888"/>
+              </a:xfrm>
+              <a:prstGeom prst="rect">
+                <a:avLst/>
+              </a:prstGeom>
+              <a:blipFill rotWithShape="0">
+                <a:blip r:embed="rId17"/>
+                <a:stretch>
+                  <a:fillRect l="-11111" r="-2222" b="-7692"/>
+                </a:stretch>
+              </a:blipFill>
+            </p:spPr>
+            <p:txBody>
+              <a:bodyPr/>
+              <a:lstStyle/>
+              <a:p>
+                <a:r>
+                  <a:rPr lang="en-US">
+                    <a:noFill/>
+                  </a:rPr>
+                  <a:t> </a:t>
+                </a:r>
+              </a:p>
+            </p:txBody>
+          </p:sp>
+        </mc:Fallback>
+      </mc:AlternateContent>
+      <mc:AlternateContent xmlns:mc="http://schemas.openxmlformats.org/markup-compatibility/2006">
+        <mc:Choice xmlns:a14="http://schemas.microsoft.com/office/drawing/2010/main" Requires="a14">
+          <p:sp>
+            <p:nvSpPr>
+              <p:cNvPr id="1054" name="文本框 1053"/>
+              <p:cNvSpPr txBox="1"/>
+              <p:nvPr/>
+            </p:nvSpPr>
+            <p:spPr>
+              <a:xfrm>
+                <a:off x="2732389" y="8597239"/>
+                <a:ext cx="242374" cy="153888"/>
+              </a:xfrm>
+              <a:prstGeom prst="rect">
+                <a:avLst/>
+              </a:prstGeom>
+              <a:noFill/>
+            </p:spPr>
+            <p:txBody>
+              <a:bodyPr wrap="none" lIns="0" tIns="0" rIns="0" bIns="0" rtlCol="0">
+                <a:spAutoFit/>
+              </a:bodyPr>
+              <a:lstStyle/>
+              <a:p>
+                <a14:m>
+                  <m:oMathPara xmlns:m="http://schemas.openxmlformats.org/officeDocument/2006/math">
+                    <m:oMathParaPr>
+                      <m:jc m:val="centerGroup"/>
+                    </m:oMathParaPr>
+                    <m:oMath xmlns:m="http://schemas.openxmlformats.org/officeDocument/2006/math">
+                      <m:sSub>
+                        <m:sSubPr>
+                          <m:ctrlPr>
+                            <a:rPr lang="en-US" sz="1000" b="0" i="1" smtClean="0">
+                              <a:solidFill>
+                                <a:srgbClr val="FF0000"/>
+                              </a:solidFill>
+                              <a:latin typeface="Cambria Math" panose="02040503050406030204" pitchFamily="18" charset="0"/>
+                            </a:rPr>
+                          </m:ctrlPr>
+                        </m:sSubPr>
+                        <m:e>
+                          <m:r>
+                            <a:rPr lang="en-US" sz="1000" b="0" i="1" smtClean="0">
+                              <a:solidFill>
+                                <a:srgbClr val="FF0000"/>
+                              </a:solidFill>
+                              <a:latin typeface="Cambria Math" panose="02040503050406030204" pitchFamily="18" charset="0"/>
+                            </a:rPr>
+                            <m:t>𝐻</m:t>
+                          </m:r>
+                        </m:e>
+                        <m:sub>
+                          <m:r>
+                            <a:rPr lang="en-US" sz="1000" b="0" i="1" smtClean="0">
+                              <a:solidFill>
+                                <a:srgbClr val="FF0000"/>
+                              </a:solidFill>
+                              <a:latin typeface="Cambria Math" panose="02040503050406030204" pitchFamily="18" charset="0"/>
+                            </a:rPr>
+                            <m:t>𝑠𝑡</m:t>
+                          </m:r>
+                        </m:sub>
+                      </m:sSub>
+                      <m:r>
+                        <a:rPr lang="en-US" sz="1000" b="0" i="1" smtClean="0">
+                          <a:solidFill>
+                            <a:srgbClr val="FF0000"/>
+                          </a:solidFill>
+                          <a:latin typeface="Cambria Math" panose="02040503050406030204" pitchFamily="18" charset="0"/>
+                        </a:rPr>
+                        <m:t>′</m:t>
+                      </m:r>
+                    </m:oMath>
+                  </m:oMathPara>
+                </a14:m>
+                <a:endParaRPr lang="en-US" sz="1000" dirty="0">
+                  <a:solidFill>
+                    <a:srgbClr val="FF0000"/>
+                  </a:solidFill>
+                </a:endParaRPr>
+              </a:p>
+            </p:txBody>
+          </p:sp>
+        </mc:Choice>
+        <mc:Fallback>
+          <p:sp>
+            <p:nvSpPr>
+              <p:cNvPr id="1054" name="文本框 1053"/>
+              <p:cNvSpPr txBox="1">
+                <a:spLocks noRot="1" noChangeAspect="1" noMove="1" noResize="1" noEditPoints="1" noAdjustHandles="1" noChangeArrowheads="1" noChangeShapeType="1" noTextEdit="1"/>
+              </p:cNvSpPr>
+              <p:nvPr/>
+            </p:nvSpPr>
+            <p:spPr>
+              <a:xfrm>
+                <a:off x="2732389" y="8597239"/>
+                <a:ext cx="242374" cy="153888"/>
+              </a:xfrm>
+              <a:prstGeom prst="rect">
+                <a:avLst/>
+              </a:prstGeom>
+              <a:blipFill rotWithShape="0">
+                <a:blip r:embed="rId18"/>
+                <a:stretch>
+                  <a:fillRect l="-12500" r="-15000" b="-11538"/>
+                </a:stretch>
+              </a:blipFill>
+            </p:spPr>
+            <p:txBody>
+              <a:bodyPr/>
+              <a:lstStyle/>
+              <a:p>
+                <a:r>
+                  <a:rPr lang="en-US">
+                    <a:noFill/>
+                  </a:rPr>
+                  <a:t> </a:t>
+                </a:r>
+              </a:p>
+            </p:txBody>
+          </p:sp>
+        </mc:Fallback>
+      </mc:AlternateContent>
+      <mc:AlternateContent xmlns:mc="http://schemas.openxmlformats.org/markup-compatibility/2006">
+        <mc:Choice xmlns:a14="http://schemas.microsoft.com/office/drawing/2010/main" Requires="a14">
+          <p:sp>
+            <p:nvSpPr>
+              <p:cNvPr id="1055" name="文本框 1054"/>
+              <p:cNvSpPr txBox="1"/>
+              <p:nvPr/>
+            </p:nvSpPr>
+            <p:spPr>
+              <a:xfrm>
+                <a:off x="3460093" y="8498733"/>
+                <a:ext cx="276038" cy="153888"/>
+              </a:xfrm>
+              <a:prstGeom prst="rect">
+                <a:avLst/>
+              </a:prstGeom>
+              <a:noFill/>
+            </p:spPr>
+            <p:txBody>
+              <a:bodyPr wrap="none" lIns="0" tIns="0" rIns="0" bIns="0" rtlCol="0">
+                <a:spAutoFit/>
+              </a:bodyPr>
+              <a:lstStyle/>
+              <a:p>
+                <a14:m>
+                  <m:oMathPara xmlns:m="http://schemas.openxmlformats.org/officeDocument/2006/math">
+                    <m:oMathParaPr>
+                      <m:jc m:val="centerGroup"/>
+                    </m:oMathParaPr>
+                    <m:oMath xmlns:m="http://schemas.openxmlformats.org/officeDocument/2006/math">
+                      <m:sSub>
+                        <m:sSubPr>
+                          <m:ctrlPr>
+                            <a:rPr lang="en-US" sz="1000" b="0" i="1" smtClean="0">
+                              <a:solidFill>
+                                <a:srgbClr val="FF0000"/>
+                              </a:solidFill>
+                              <a:latin typeface="Cambria Math" panose="02040503050406030204" pitchFamily="18" charset="0"/>
+                            </a:rPr>
+                          </m:ctrlPr>
+                        </m:sSubPr>
+                        <m:e>
+                          <m:r>
+                            <a:rPr lang="en-US" sz="1000" b="0" i="1" smtClean="0">
+                              <a:solidFill>
+                                <a:srgbClr val="FF0000"/>
+                              </a:solidFill>
+                              <a:latin typeface="Cambria Math" panose="02040503050406030204" pitchFamily="18" charset="0"/>
+                            </a:rPr>
+                            <m:t>𝐻</m:t>
+                          </m:r>
+                        </m:e>
+                        <m:sub>
+                          <m:r>
+                            <a:rPr lang="en-US" sz="1000" b="0" i="1" smtClean="0">
+                              <a:solidFill>
+                                <a:srgbClr val="FF0000"/>
+                              </a:solidFill>
+                              <a:latin typeface="Cambria Math" panose="02040503050406030204" pitchFamily="18" charset="0"/>
+                            </a:rPr>
+                            <m:t>𝑠𝑡</m:t>
+                          </m:r>
+                        </m:sub>
+                      </m:sSub>
+                      <m:r>
+                        <a:rPr lang="en-US" sz="1000" b="0" i="1" smtClean="0">
+                          <a:solidFill>
+                            <a:srgbClr val="FF0000"/>
+                          </a:solidFill>
+                          <a:latin typeface="Cambria Math" panose="02040503050406030204" pitchFamily="18" charset="0"/>
+                        </a:rPr>
+                        <m:t>′′</m:t>
+                      </m:r>
+                    </m:oMath>
+                  </m:oMathPara>
+                </a14:m>
+                <a:endParaRPr lang="en-US" sz="1000" dirty="0">
+                  <a:solidFill>
+                    <a:srgbClr val="FF0000"/>
+                  </a:solidFill>
+                </a:endParaRPr>
+              </a:p>
+            </p:txBody>
+          </p:sp>
+        </mc:Choice>
+        <mc:Fallback>
+          <p:sp>
+            <p:nvSpPr>
+              <p:cNvPr id="1055" name="文本框 1054"/>
+              <p:cNvSpPr txBox="1">
+                <a:spLocks noRot="1" noChangeAspect="1" noMove="1" noResize="1" noEditPoints="1" noAdjustHandles="1" noChangeArrowheads="1" noChangeShapeType="1" noTextEdit="1"/>
+              </p:cNvSpPr>
+              <p:nvPr/>
+            </p:nvSpPr>
+            <p:spPr>
+              <a:xfrm>
+                <a:off x="3460093" y="8498733"/>
+                <a:ext cx="276038" cy="153888"/>
+              </a:xfrm>
+              <a:prstGeom prst="rect">
+                <a:avLst/>
+              </a:prstGeom>
+              <a:blipFill rotWithShape="0">
+                <a:blip r:embed="rId19"/>
+                <a:stretch>
+                  <a:fillRect l="-13333" r="-11111" b="-16000"/>
+                </a:stretch>
+              </a:blipFill>
+            </p:spPr>
+            <p:txBody>
+              <a:bodyPr/>
+              <a:lstStyle/>
+              <a:p>
+                <a:r>
+                  <a:rPr lang="en-US">
+                    <a:noFill/>
+                  </a:rPr>
+                  <a:t> </a:t>
+                </a:r>
+              </a:p>
+            </p:txBody>
+          </p:sp>
+        </mc:Fallback>
+      </mc:AlternateContent>
+      <mc:AlternateContent xmlns:mc="http://schemas.openxmlformats.org/markup-compatibility/2006">
+        <mc:Choice xmlns:a14="http://schemas.microsoft.com/office/drawing/2010/main" Requires="a14">
+          <p:sp>
+            <p:nvSpPr>
+              <p:cNvPr id="1056" name="文本框 1055"/>
+              <p:cNvSpPr txBox="1"/>
+              <p:nvPr/>
+            </p:nvSpPr>
+            <p:spPr>
+              <a:xfrm>
+                <a:off x="3475672" y="9212478"/>
+                <a:ext cx="288862" cy="153888"/>
+              </a:xfrm>
+              <a:prstGeom prst="rect">
+                <a:avLst/>
+              </a:prstGeom>
+              <a:noFill/>
+            </p:spPr>
+            <p:txBody>
+              <a:bodyPr wrap="none" lIns="0" tIns="0" rIns="0" bIns="0" rtlCol="0">
+                <a:spAutoFit/>
+              </a:bodyPr>
+              <a:lstStyle/>
+              <a:p>
+                <a14:m>
+                  <m:oMathPara xmlns:m="http://schemas.openxmlformats.org/officeDocument/2006/math">
+                    <m:oMathParaPr>
+                      <m:jc m:val="centerGroup"/>
+                    </m:oMathParaPr>
+                    <m:oMath xmlns:m="http://schemas.openxmlformats.org/officeDocument/2006/math">
+                      <m:sSub>
+                        <m:sSubPr>
+                          <m:ctrlPr>
+                            <a:rPr lang="en-US" sz="1000" b="0" i="1" smtClean="0">
+                              <a:solidFill>
+                                <a:srgbClr val="FF0000"/>
+                              </a:solidFill>
+                              <a:latin typeface="Cambria Math" panose="02040503050406030204" pitchFamily="18" charset="0"/>
+                            </a:rPr>
+                          </m:ctrlPr>
+                        </m:sSubPr>
+                        <m:e>
+                          <m:r>
+                            <a:rPr lang="en-US" sz="1000" b="0" i="1" smtClean="0">
+                              <a:solidFill>
+                                <a:srgbClr val="FF0000"/>
+                              </a:solidFill>
+                              <a:latin typeface="Cambria Math" panose="02040503050406030204" pitchFamily="18" charset="0"/>
+                            </a:rPr>
+                            <m:t>𝐻</m:t>
+                          </m:r>
+                        </m:e>
+                        <m:sub>
+                          <m:r>
+                            <a:rPr lang="en-US" sz="1000" b="0" i="1" smtClean="0">
+                              <a:solidFill>
+                                <a:srgbClr val="FF0000"/>
+                              </a:solidFill>
+                              <a:latin typeface="Cambria Math" panose="02040503050406030204" pitchFamily="18" charset="0"/>
+                            </a:rPr>
+                            <m:t>𝑎𝑡</m:t>
+                          </m:r>
+                        </m:sub>
+                      </m:sSub>
+                      <m:r>
+                        <a:rPr lang="en-US" sz="1000" b="0" i="1" smtClean="0">
+                          <a:solidFill>
+                            <a:srgbClr val="FF0000"/>
+                          </a:solidFill>
+                          <a:latin typeface="Cambria Math" panose="02040503050406030204" pitchFamily="18" charset="0"/>
+                        </a:rPr>
+                        <m:t>′′</m:t>
+                      </m:r>
+                    </m:oMath>
+                  </m:oMathPara>
+                </a14:m>
+                <a:endParaRPr lang="en-US" sz="1000" dirty="0">
+                  <a:solidFill>
+                    <a:srgbClr val="FF0000"/>
+                  </a:solidFill>
+                </a:endParaRPr>
+              </a:p>
+            </p:txBody>
+          </p:sp>
+        </mc:Choice>
+        <mc:Fallback>
+          <p:sp>
+            <p:nvSpPr>
+              <p:cNvPr id="1056" name="文本框 1055"/>
+              <p:cNvSpPr txBox="1">
+                <a:spLocks noRot="1" noChangeAspect="1" noMove="1" noResize="1" noEditPoints="1" noAdjustHandles="1" noChangeArrowheads="1" noChangeShapeType="1" noTextEdit="1"/>
+              </p:cNvSpPr>
+              <p:nvPr/>
+            </p:nvSpPr>
+            <p:spPr>
+              <a:xfrm>
+                <a:off x="3475672" y="9212478"/>
+                <a:ext cx="288862" cy="153888"/>
+              </a:xfrm>
+              <a:prstGeom prst="rect">
+                <a:avLst/>
+              </a:prstGeom>
+              <a:blipFill rotWithShape="0">
+                <a:blip r:embed="rId20"/>
+                <a:stretch>
+                  <a:fillRect l="-10417" r="-10417" b="-16000"/>
+                </a:stretch>
+              </a:blipFill>
+            </p:spPr>
+            <p:txBody>
+              <a:bodyPr/>
+              <a:lstStyle/>
+              <a:p>
+                <a:r>
+                  <a:rPr lang="en-US">
+                    <a:noFill/>
+                  </a:rPr>
+                  <a:t> </a:t>
+                </a:r>
+              </a:p>
+            </p:txBody>
+          </p:sp>
+        </mc:Fallback>
+      </mc:AlternateContent>
+      <mc:AlternateContent xmlns:mc="http://schemas.openxmlformats.org/markup-compatibility/2006">
+        <mc:Choice xmlns:a14="http://schemas.microsoft.com/office/drawing/2010/main" Requires="a14">
+          <p:sp>
+            <p:nvSpPr>
+              <p:cNvPr id="1057" name="文本框 1056"/>
+              <p:cNvSpPr txBox="1"/>
+              <p:nvPr/>
+            </p:nvSpPr>
+            <p:spPr>
+              <a:xfrm>
+                <a:off x="3113909" y="9227289"/>
+                <a:ext cx="255198" cy="153888"/>
+              </a:xfrm>
+              <a:prstGeom prst="rect">
+                <a:avLst/>
+              </a:prstGeom>
+              <a:noFill/>
+            </p:spPr>
+            <p:txBody>
+              <a:bodyPr wrap="none" lIns="0" tIns="0" rIns="0" bIns="0" rtlCol="0">
+                <a:spAutoFit/>
+              </a:bodyPr>
+              <a:lstStyle/>
+              <a:p>
+                <a14:m>
+                  <m:oMathPara xmlns:m="http://schemas.openxmlformats.org/officeDocument/2006/math">
+                    <m:oMathParaPr>
+                      <m:jc m:val="centerGroup"/>
+                    </m:oMathParaPr>
+                    <m:oMath xmlns:m="http://schemas.openxmlformats.org/officeDocument/2006/math">
+                      <m:sSub>
+                        <m:sSubPr>
+                          <m:ctrlPr>
+                            <a:rPr lang="en-US" sz="1000" b="0" i="1" smtClean="0">
+                              <a:solidFill>
+                                <a:srgbClr val="FF0000"/>
+                              </a:solidFill>
+                              <a:latin typeface="Cambria Math" panose="02040503050406030204" pitchFamily="18" charset="0"/>
+                            </a:rPr>
+                          </m:ctrlPr>
+                        </m:sSubPr>
+                        <m:e>
+                          <m:r>
+                            <a:rPr lang="en-US" sz="1000" b="0" i="1" smtClean="0">
+                              <a:solidFill>
+                                <a:srgbClr val="FF0000"/>
+                              </a:solidFill>
+                              <a:latin typeface="Cambria Math" panose="02040503050406030204" pitchFamily="18" charset="0"/>
+                            </a:rPr>
+                            <m:t>𝐻</m:t>
+                          </m:r>
+                        </m:e>
+                        <m:sub>
+                          <m:r>
+                            <a:rPr lang="en-US" sz="1000" b="0" i="1" smtClean="0">
+                              <a:solidFill>
+                                <a:srgbClr val="FF0000"/>
+                              </a:solidFill>
+                              <a:latin typeface="Cambria Math" panose="02040503050406030204" pitchFamily="18" charset="0"/>
+                            </a:rPr>
+                            <m:t>𝑎𝑡</m:t>
+                          </m:r>
+                        </m:sub>
+                      </m:sSub>
+                      <m:r>
+                        <a:rPr lang="en-US" sz="1000" b="0" i="1" smtClean="0">
+                          <a:solidFill>
+                            <a:srgbClr val="FF0000"/>
+                          </a:solidFill>
+                          <a:latin typeface="Cambria Math" panose="02040503050406030204" pitchFamily="18" charset="0"/>
+                        </a:rPr>
+                        <m:t>′</m:t>
+                      </m:r>
+                    </m:oMath>
+                  </m:oMathPara>
+                </a14:m>
+                <a:endParaRPr lang="en-US" sz="1000" dirty="0">
+                  <a:solidFill>
+                    <a:srgbClr val="FF0000"/>
+                  </a:solidFill>
+                </a:endParaRPr>
+              </a:p>
+            </p:txBody>
+          </p:sp>
+        </mc:Choice>
+        <mc:Fallback>
+          <p:sp>
+            <p:nvSpPr>
+              <p:cNvPr id="1057" name="文本框 1056"/>
+              <p:cNvSpPr txBox="1">
+                <a:spLocks noRot="1" noChangeAspect="1" noMove="1" noResize="1" noEditPoints="1" noAdjustHandles="1" noChangeArrowheads="1" noChangeShapeType="1" noTextEdit="1"/>
+              </p:cNvSpPr>
+              <p:nvPr/>
+            </p:nvSpPr>
+            <p:spPr>
+              <a:xfrm>
+                <a:off x="3113909" y="9227289"/>
+                <a:ext cx="255198" cy="153888"/>
+              </a:xfrm>
+              <a:prstGeom prst="rect">
+                <a:avLst/>
+              </a:prstGeom>
+              <a:blipFill rotWithShape="0">
+                <a:blip r:embed="rId21"/>
+                <a:stretch>
+                  <a:fillRect l="-14286" t="-4000" r="-11905" b="-16000"/>
+                </a:stretch>
+              </a:blipFill>
+            </p:spPr>
+            <p:txBody>
+              <a:bodyPr/>
+              <a:lstStyle/>
+              <a:p>
+                <a:r>
+                  <a:rPr lang="en-US">
+                    <a:noFill/>
+                  </a:rPr>
+                  <a:t> </a:t>
+                </a:r>
+              </a:p>
+            </p:txBody>
+          </p:sp>
+        </mc:Fallback>
+      </mc:AlternateContent>
+      <mc:AlternateContent xmlns:mc="http://schemas.openxmlformats.org/markup-compatibility/2006">
+        <mc:Choice xmlns:a14="http://schemas.microsoft.com/office/drawing/2010/main" Requires="a14">
+          <p:sp>
+            <p:nvSpPr>
+              <p:cNvPr id="1058" name="文本框 1057"/>
+              <p:cNvSpPr txBox="1"/>
+              <p:nvPr/>
+            </p:nvSpPr>
+            <p:spPr>
+              <a:xfrm>
+                <a:off x="2717292" y="9243177"/>
+                <a:ext cx="221535" cy="153888"/>
+              </a:xfrm>
+              <a:prstGeom prst="rect">
+                <a:avLst/>
+              </a:prstGeom>
+              <a:noFill/>
+            </p:spPr>
+            <p:txBody>
+              <a:bodyPr wrap="none" lIns="0" tIns="0" rIns="0" bIns="0" rtlCol="0">
+                <a:spAutoFit/>
+              </a:bodyPr>
+              <a:lstStyle/>
+              <a:p>
+                <a14:m>
+                  <m:oMathPara xmlns:m="http://schemas.openxmlformats.org/officeDocument/2006/math">
+                    <m:oMathParaPr>
+                      <m:jc m:val="centerGroup"/>
+                    </m:oMathParaPr>
+                    <m:oMath xmlns:m="http://schemas.openxmlformats.org/officeDocument/2006/math">
+                      <m:sSub>
+                        <m:sSubPr>
+                          <m:ctrlPr>
+                            <a:rPr lang="en-US" sz="1000" b="0" i="1" smtClean="0">
+                              <a:solidFill>
+                                <a:srgbClr val="FF0000"/>
+                              </a:solidFill>
+                              <a:latin typeface="Cambria Math" panose="02040503050406030204" pitchFamily="18" charset="0"/>
+                            </a:rPr>
+                          </m:ctrlPr>
+                        </m:sSubPr>
+                        <m:e>
+                          <m:r>
+                            <a:rPr lang="en-US" sz="1000" b="0" i="1" smtClean="0">
+                              <a:solidFill>
+                                <a:srgbClr val="FF0000"/>
+                              </a:solidFill>
+                              <a:latin typeface="Cambria Math" panose="02040503050406030204" pitchFamily="18" charset="0"/>
+                            </a:rPr>
+                            <m:t>𝐻</m:t>
+                          </m:r>
+                        </m:e>
+                        <m:sub>
+                          <m:r>
+                            <a:rPr lang="en-US" sz="1000" b="0" i="1" smtClean="0">
+                              <a:solidFill>
+                                <a:srgbClr val="FF0000"/>
+                              </a:solidFill>
+                              <a:latin typeface="Cambria Math" panose="02040503050406030204" pitchFamily="18" charset="0"/>
+                            </a:rPr>
+                            <m:t>𝑎𝑡</m:t>
+                          </m:r>
+                        </m:sub>
+                      </m:sSub>
+                    </m:oMath>
+                  </m:oMathPara>
+                </a14:m>
+                <a:endParaRPr lang="en-US" sz="1000" dirty="0">
+                  <a:solidFill>
+                    <a:srgbClr val="FF0000"/>
+                  </a:solidFill>
+                </a:endParaRPr>
+              </a:p>
+            </p:txBody>
+          </p:sp>
+        </mc:Choice>
+        <mc:Fallback>
+          <p:sp>
+            <p:nvSpPr>
+              <p:cNvPr id="1058" name="文本框 1057"/>
+              <p:cNvSpPr txBox="1">
+                <a:spLocks noRot="1" noChangeAspect="1" noMove="1" noResize="1" noEditPoints="1" noAdjustHandles="1" noChangeArrowheads="1" noChangeShapeType="1" noTextEdit="1"/>
+              </p:cNvSpPr>
+              <p:nvPr/>
+            </p:nvSpPr>
+            <p:spPr>
+              <a:xfrm>
+                <a:off x="2717292" y="9243177"/>
+                <a:ext cx="221535" cy="153888"/>
+              </a:xfrm>
+              <a:prstGeom prst="rect">
+                <a:avLst/>
+              </a:prstGeom>
+              <a:blipFill rotWithShape="0">
+                <a:blip r:embed="rId22"/>
+                <a:stretch>
+                  <a:fillRect l="-16667" r="-2778" b="-11538"/>
+                </a:stretch>
+              </a:blipFill>
+            </p:spPr>
+            <p:txBody>
+              <a:bodyPr/>
+              <a:lstStyle/>
+              <a:p>
+                <a:r>
+                  <a:rPr lang="en-US">
+                    <a:noFill/>
+                  </a:rPr>
+                  <a:t> </a:t>
+                </a:r>
+              </a:p>
+            </p:txBody>
+          </p:sp>
+        </mc:Fallback>
+      </mc:AlternateContent>
+      <mc:AlternateContent xmlns:mc="http://schemas.openxmlformats.org/markup-compatibility/2006">
+        <mc:Choice xmlns:a14="http://schemas.microsoft.com/office/drawing/2010/main" Requires="a14">
+          <p:sp>
+            <p:nvSpPr>
+              <p:cNvPr id="1059" name="文本框 1058"/>
+              <p:cNvSpPr txBox="1"/>
+              <p:nvPr/>
+            </p:nvSpPr>
+            <p:spPr>
+              <a:xfrm>
+                <a:off x="2381193" y="8982612"/>
+                <a:ext cx="271228" cy="166199"/>
+              </a:xfrm>
+              <a:prstGeom prst="rect">
+                <a:avLst/>
+              </a:prstGeom>
+              <a:noFill/>
+            </p:spPr>
+            <p:txBody>
+              <a:bodyPr wrap="none" lIns="0" tIns="0" rIns="0" bIns="0" rtlCol="0">
+                <a:spAutoFit/>
+              </a:bodyPr>
+              <a:lstStyle/>
+              <a:p>
+                <a14:m>
+                  <m:oMath xmlns:m="http://schemas.openxmlformats.org/officeDocument/2006/math">
+                    <m:sSub>
+                      <m:sSubPr>
+                        <m:ctrlPr>
+                          <a:rPr lang="en-US" sz="1000" b="0" i="1" smtClean="0">
+                            <a:solidFill>
+                              <a:srgbClr val="FF0000"/>
+                            </a:solidFill>
+                            <a:latin typeface="Cambria Math" panose="02040503050406030204" pitchFamily="18" charset="0"/>
+                          </a:rPr>
+                        </m:ctrlPr>
+                      </m:sSubPr>
+                      <m:e>
+                        <m:r>
+                          <a:rPr lang="en-US" sz="1000" b="0" i="1" smtClean="0">
+                            <a:solidFill>
+                              <a:srgbClr val="FF0000"/>
+                            </a:solidFill>
+                            <a:latin typeface="Cambria Math" panose="02040503050406030204" pitchFamily="18" charset="0"/>
+                          </a:rPr>
+                          <m:t>𝐻</m:t>
+                        </m:r>
+                      </m:e>
+                      <m:sub>
+                        <m:r>
+                          <a:rPr lang="en-US" sz="1000" b="0" i="1" smtClean="0">
+                            <a:solidFill>
+                              <a:srgbClr val="FF0000"/>
+                            </a:solidFill>
+                            <a:latin typeface="Cambria Math" panose="02040503050406030204" pitchFamily="18" charset="0"/>
+                          </a:rPr>
+                          <m:t>𝑎𝑓</m:t>
+                        </m:r>
+                      </m:sub>
+                    </m:sSub>
+                  </m:oMath>
+                </a14:m>
+                <a:r>
+                  <a:rPr lang="en-US" sz="1000" dirty="0" smtClean="0">
+                    <a:solidFill>
+                      <a:srgbClr val="FF0000"/>
+                    </a:solidFill>
+                  </a:rPr>
+                  <a:t>’’</a:t>
+                </a:r>
+                <a:endParaRPr lang="en-US" sz="1000" dirty="0">
+                  <a:solidFill>
+                    <a:srgbClr val="FF0000"/>
+                  </a:solidFill>
+                </a:endParaRPr>
+              </a:p>
+            </p:txBody>
+          </p:sp>
+        </mc:Choice>
+        <mc:Fallback>
+          <p:sp>
+            <p:nvSpPr>
+              <p:cNvPr id="1059" name="文本框 1058"/>
+              <p:cNvSpPr txBox="1">
+                <a:spLocks noRot="1" noChangeAspect="1" noMove="1" noResize="1" noEditPoints="1" noAdjustHandles="1" noChangeArrowheads="1" noChangeShapeType="1" noTextEdit="1"/>
+              </p:cNvSpPr>
+              <p:nvPr/>
+            </p:nvSpPr>
+            <p:spPr>
+              <a:xfrm>
+                <a:off x="2381193" y="8982612"/>
+                <a:ext cx="271228" cy="166199"/>
+              </a:xfrm>
+              <a:prstGeom prst="rect">
+                <a:avLst/>
+              </a:prstGeom>
+              <a:blipFill rotWithShape="0">
+                <a:blip r:embed="rId23"/>
+                <a:stretch>
+                  <a:fillRect l="-18182" t="-22222" r="-29545" b="-44444"/>
+                </a:stretch>
+              </a:blipFill>
+            </p:spPr>
+            <p:txBody>
+              <a:bodyPr/>
+              <a:lstStyle/>
+              <a:p>
+                <a:r>
+                  <a:rPr lang="en-US">
+                    <a:noFill/>
+                  </a:rPr>
+                  <a:t> </a:t>
+                </a:r>
+              </a:p>
+            </p:txBody>
+          </p:sp>
+        </mc:Fallback>
+      </mc:AlternateContent>
+      <mc:AlternateContent xmlns:mc="http://schemas.openxmlformats.org/markup-compatibility/2006">
+        <mc:Choice xmlns:a14="http://schemas.microsoft.com/office/drawing/2010/main" Requires="a14">
+          <p:sp>
+            <p:nvSpPr>
+              <p:cNvPr id="1060" name="文本框 1059"/>
+              <p:cNvSpPr txBox="1"/>
+              <p:nvPr/>
+            </p:nvSpPr>
+            <p:spPr>
+              <a:xfrm>
+                <a:off x="2072684" y="9311831"/>
+                <a:ext cx="328039" cy="153888"/>
+              </a:xfrm>
+              <a:prstGeom prst="rect">
+                <a:avLst/>
+              </a:prstGeom>
+              <a:noFill/>
+            </p:spPr>
+            <p:txBody>
+              <a:bodyPr wrap="none" lIns="0" tIns="0" rIns="0" bIns="0" rtlCol="0">
+                <a:spAutoFit/>
+              </a:bodyPr>
+              <a:lstStyle/>
+              <a:p>
+                <a14:m>
+                  <m:oMath xmlns:m="http://schemas.openxmlformats.org/officeDocument/2006/math">
+                    <m:sSub>
+                      <m:sSubPr>
+                        <m:ctrlPr>
+                          <a:rPr lang="en-US" sz="1000" b="0" i="1" smtClean="0">
+                            <a:solidFill>
+                              <a:srgbClr val="FF0000"/>
+                            </a:solidFill>
+                            <a:latin typeface="Cambria Math" panose="02040503050406030204" pitchFamily="18" charset="0"/>
+                          </a:rPr>
+                        </m:ctrlPr>
+                      </m:sSubPr>
+                      <m:e>
+                        <m:r>
+                          <a:rPr lang="en-US" sz="1000" b="0" i="1" smtClean="0">
+                            <a:solidFill>
+                              <a:srgbClr val="FF0000"/>
+                            </a:solidFill>
+                            <a:latin typeface="Cambria Math" panose="02040503050406030204" pitchFamily="18" charset="0"/>
+                          </a:rPr>
+                          <m:t>𝐻</m:t>
+                        </m:r>
+                      </m:e>
+                      <m:sub>
+                        <m:r>
+                          <a:rPr lang="en-US" sz="1000" b="0" i="1" smtClean="0">
+                            <a:solidFill>
+                              <a:srgbClr val="FF0000"/>
+                            </a:solidFill>
+                            <a:latin typeface="Cambria Math" panose="02040503050406030204" pitchFamily="18" charset="0"/>
+                          </a:rPr>
+                          <m:t>𝑎𝑣𝑛</m:t>
+                        </m:r>
+                      </m:sub>
+                    </m:sSub>
+                  </m:oMath>
+                </a14:m>
+                <a:r>
+                  <a:rPr lang="en-US" sz="1000" dirty="0" smtClean="0">
+                    <a:solidFill>
+                      <a:srgbClr val="FF0000"/>
+                    </a:solidFill>
+                  </a:rPr>
+                  <a:t>’’</a:t>
+                </a:r>
+                <a:endParaRPr lang="en-US" sz="1000" dirty="0">
+                  <a:solidFill>
+                    <a:srgbClr val="FF0000"/>
+                  </a:solidFill>
+                </a:endParaRPr>
+              </a:p>
+            </p:txBody>
+          </p:sp>
+        </mc:Choice>
+        <mc:Fallback>
+          <p:sp>
+            <p:nvSpPr>
+              <p:cNvPr id="1060" name="文本框 1059"/>
+              <p:cNvSpPr txBox="1">
+                <a:spLocks noRot="1" noChangeAspect="1" noMove="1" noResize="1" noEditPoints="1" noAdjustHandles="1" noChangeArrowheads="1" noChangeShapeType="1" noTextEdit="1"/>
+              </p:cNvSpPr>
+              <p:nvPr/>
+            </p:nvSpPr>
+            <p:spPr>
+              <a:xfrm>
+                <a:off x="2072684" y="9311831"/>
+                <a:ext cx="328039" cy="153888"/>
+              </a:xfrm>
+              <a:prstGeom prst="rect">
+                <a:avLst/>
+              </a:prstGeom>
+              <a:blipFill rotWithShape="0">
+                <a:blip r:embed="rId24"/>
+                <a:stretch>
+                  <a:fillRect l="-12963" t="-24000" r="-22222" b="-56000"/>
+                </a:stretch>
+              </a:blipFill>
+            </p:spPr>
+            <p:txBody>
+              <a:bodyPr/>
+              <a:lstStyle/>
+              <a:p>
+                <a:r>
+                  <a:rPr lang="en-US">
+                    <a:noFill/>
+                  </a:rPr>
+                  <a:t> </a:t>
+                </a:r>
+              </a:p>
+            </p:txBody>
+          </p:sp>
+        </mc:Fallback>
+      </mc:AlternateContent>
+      <mc:AlternateContent xmlns:mc="http://schemas.openxmlformats.org/markup-compatibility/2006">
+        <mc:Choice xmlns:a14="http://schemas.microsoft.com/office/drawing/2010/main" Requires="a14">
+          <p:sp>
+            <p:nvSpPr>
+              <p:cNvPr id="1061" name="文本框 1060"/>
+              <p:cNvSpPr txBox="1"/>
+              <p:nvPr/>
+            </p:nvSpPr>
+            <p:spPr>
+              <a:xfrm>
+                <a:off x="2063189" y="9649767"/>
+                <a:ext cx="359394" cy="166199"/>
+              </a:xfrm>
+              <a:prstGeom prst="rect">
+                <a:avLst/>
+              </a:prstGeom>
+              <a:noFill/>
+            </p:spPr>
+            <p:txBody>
+              <a:bodyPr wrap="none" lIns="0" tIns="0" rIns="0" bIns="0" rtlCol="0">
+                <a:spAutoFit/>
+              </a:bodyPr>
+              <a:lstStyle/>
+              <a:p>
+                <a14:m>
+                  <m:oMath xmlns:m="http://schemas.openxmlformats.org/officeDocument/2006/math">
+                    <m:sSub>
+                      <m:sSubPr>
+                        <m:ctrlPr>
+                          <a:rPr lang="en-US" sz="1000" b="0" i="1" smtClean="0">
+                            <a:solidFill>
+                              <a:srgbClr val="FF0000"/>
+                            </a:solidFill>
+                            <a:latin typeface="Cambria Math" panose="02040503050406030204" pitchFamily="18" charset="0"/>
+                          </a:rPr>
+                        </m:ctrlPr>
+                      </m:sSubPr>
+                      <m:e>
+                        <m:r>
+                          <a:rPr lang="en-US" sz="1000" b="0" i="1" smtClean="0">
+                            <a:solidFill>
+                              <a:srgbClr val="FF0000"/>
+                            </a:solidFill>
+                            <a:latin typeface="Cambria Math" panose="02040503050406030204" pitchFamily="18" charset="0"/>
+                          </a:rPr>
+                          <m:t>𝐻</m:t>
+                        </m:r>
+                      </m:e>
+                      <m:sub>
+                        <m:r>
+                          <a:rPr lang="en-US" sz="1000" b="0" i="1" smtClean="0">
+                            <a:solidFill>
+                              <a:srgbClr val="FF0000"/>
+                            </a:solidFill>
+                            <a:latin typeface="Cambria Math" panose="02040503050406030204" pitchFamily="18" charset="0"/>
+                          </a:rPr>
+                          <m:t>𝑎𝑓𝑖𝑏</m:t>
+                        </m:r>
+                      </m:sub>
+                    </m:sSub>
+                  </m:oMath>
+                </a14:m>
+                <a:r>
+                  <a:rPr lang="en-US" sz="1000" dirty="0" smtClean="0">
+                    <a:solidFill>
+                      <a:srgbClr val="FF0000"/>
+                    </a:solidFill>
+                  </a:rPr>
+                  <a:t>’’</a:t>
+                </a:r>
+                <a:endParaRPr lang="en-US" sz="1000" dirty="0">
+                  <a:solidFill>
+                    <a:srgbClr val="FF0000"/>
+                  </a:solidFill>
+                </a:endParaRPr>
+              </a:p>
+            </p:txBody>
+          </p:sp>
+        </mc:Choice>
+        <mc:Fallback>
+          <p:sp>
+            <p:nvSpPr>
+              <p:cNvPr id="1061" name="文本框 1060"/>
+              <p:cNvSpPr txBox="1">
+                <a:spLocks noRot="1" noChangeAspect="1" noMove="1" noResize="1" noEditPoints="1" noAdjustHandles="1" noChangeArrowheads="1" noChangeShapeType="1" noTextEdit="1"/>
+              </p:cNvSpPr>
+              <p:nvPr/>
+            </p:nvSpPr>
+            <p:spPr>
+              <a:xfrm>
+                <a:off x="2063189" y="9649767"/>
+                <a:ext cx="359394" cy="166199"/>
+              </a:xfrm>
+              <a:prstGeom prst="rect">
+                <a:avLst/>
+              </a:prstGeom>
+              <a:blipFill rotWithShape="0">
+                <a:blip r:embed="rId25"/>
+                <a:stretch>
+                  <a:fillRect l="-11864" t="-22222" r="-20339" b="-44444"/>
+                </a:stretch>
+              </a:blipFill>
+            </p:spPr>
+            <p:txBody>
+              <a:bodyPr/>
+              <a:lstStyle/>
+              <a:p>
+                <a:r>
+                  <a:rPr lang="en-US">
+                    <a:noFill/>
+                  </a:rPr>
+                  <a:t> </a:t>
+                </a:r>
+              </a:p>
+            </p:txBody>
+          </p:sp>
+        </mc:Fallback>
+      </mc:AlternateContent>
+      <mc:AlternateContent xmlns:mc="http://schemas.openxmlformats.org/markup-compatibility/2006">
+        <mc:Choice xmlns:a14="http://schemas.microsoft.com/office/drawing/2010/main" Requires="a14">
+          <p:sp>
+            <p:nvSpPr>
+              <p:cNvPr id="1062" name="文本框 1061"/>
+              <p:cNvSpPr txBox="1"/>
+              <p:nvPr/>
+            </p:nvSpPr>
+            <p:spPr>
+              <a:xfrm>
+                <a:off x="1471444" y="8996885"/>
+                <a:ext cx="239168" cy="166199"/>
+              </a:xfrm>
+              <a:prstGeom prst="rect">
+                <a:avLst/>
+              </a:prstGeom>
+              <a:noFill/>
+            </p:spPr>
+            <p:txBody>
+              <a:bodyPr wrap="none" lIns="0" tIns="0" rIns="0" bIns="0" rtlCol="0">
+                <a:spAutoFit/>
+              </a:bodyPr>
+              <a:lstStyle/>
+              <a:p>
+                <a14:m>
+                  <m:oMath xmlns:m="http://schemas.openxmlformats.org/officeDocument/2006/math">
+                    <m:sSub>
+                      <m:sSubPr>
+                        <m:ctrlPr>
+                          <a:rPr lang="en-US" sz="1000" b="0" i="1" smtClean="0">
+                            <a:solidFill>
+                              <a:srgbClr val="FF0000"/>
+                            </a:solidFill>
+                            <a:latin typeface="Cambria Math" panose="02040503050406030204" pitchFamily="18" charset="0"/>
+                          </a:rPr>
+                        </m:ctrlPr>
+                      </m:sSubPr>
+                      <m:e>
+                        <m:r>
+                          <a:rPr lang="en-US" sz="1000" b="0" i="1" smtClean="0">
+                            <a:solidFill>
+                              <a:srgbClr val="FF0000"/>
+                            </a:solidFill>
+                            <a:latin typeface="Cambria Math" panose="02040503050406030204" pitchFamily="18" charset="0"/>
+                          </a:rPr>
+                          <m:t>𝐻</m:t>
+                        </m:r>
+                      </m:e>
+                      <m:sub>
+                        <m:r>
+                          <a:rPr lang="en-US" sz="1000" b="0" i="1" smtClean="0">
+                            <a:solidFill>
+                              <a:srgbClr val="FF0000"/>
+                            </a:solidFill>
+                            <a:latin typeface="Cambria Math" panose="02040503050406030204" pitchFamily="18" charset="0"/>
+                          </a:rPr>
+                          <m:t>𝑎𝑓</m:t>
+                        </m:r>
+                      </m:sub>
+                    </m:sSub>
+                  </m:oMath>
+                </a14:m>
+                <a:r>
+                  <a:rPr lang="en-US" sz="1000" dirty="0" smtClean="0">
+                    <a:solidFill>
+                      <a:srgbClr val="FF0000"/>
+                    </a:solidFill>
+                  </a:rPr>
+                  <a:t>’</a:t>
+                </a:r>
+                <a:endParaRPr lang="en-US" sz="1000" dirty="0">
+                  <a:solidFill>
+                    <a:srgbClr val="FF0000"/>
+                  </a:solidFill>
+                </a:endParaRPr>
+              </a:p>
+            </p:txBody>
+          </p:sp>
+        </mc:Choice>
+        <mc:Fallback>
+          <p:sp>
+            <p:nvSpPr>
+              <p:cNvPr id="1062" name="文本框 1061"/>
+              <p:cNvSpPr txBox="1">
+                <a:spLocks noRot="1" noChangeAspect="1" noMove="1" noResize="1" noEditPoints="1" noAdjustHandles="1" noChangeArrowheads="1" noChangeShapeType="1" noTextEdit="1"/>
+              </p:cNvSpPr>
+              <p:nvPr/>
+            </p:nvSpPr>
+            <p:spPr>
+              <a:xfrm>
+                <a:off x="1471444" y="8996885"/>
+                <a:ext cx="239168" cy="166199"/>
+              </a:xfrm>
+              <a:prstGeom prst="rect">
+                <a:avLst/>
+              </a:prstGeom>
+              <a:blipFill rotWithShape="0">
+                <a:blip r:embed="rId26"/>
+                <a:stretch>
+                  <a:fillRect l="-17500" t="-22222" r="-30000" b="-44444"/>
+                </a:stretch>
+              </a:blipFill>
+            </p:spPr>
+            <p:txBody>
+              <a:bodyPr/>
+              <a:lstStyle/>
+              <a:p>
+                <a:r>
+                  <a:rPr lang="en-US">
+                    <a:noFill/>
+                  </a:rPr>
+                  <a:t> </a:t>
+                </a:r>
+              </a:p>
+            </p:txBody>
+          </p:sp>
+        </mc:Fallback>
+      </mc:AlternateContent>
+      <mc:AlternateContent xmlns:mc="http://schemas.openxmlformats.org/markup-compatibility/2006">
+        <mc:Choice xmlns:a14="http://schemas.microsoft.com/office/drawing/2010/main" Requires="a14">
+          <p:sp>
+            <p:nvSpPr>
+              <p:cNvPr id="1063" name="文本框 1062"/>
+              <p:cNvSpPr txBox="1"/>
+              <p:nvPr/>
+            </p:nvSpPr>
+            <p:spPr>
+              <a:xfrm>
+                <a:off x="1416266" y="9380958"/>
+                <a:ext cx="295978" cy="153888"/>
+              </a:xfrm>
+              <a:prstGeom prst="rect">
+                <a:avLst/>
+              </a:prstGeom>
+              <a:noFill/>
+            </p:spPr>
+            <p:txBody>
+              <a:bodyPr wrap="none" lIns="0" tIns="0" rIns="0" bIns="0" rtlCol="0">
+                <a:spAutoFit/>
+              </a:bodyPr>
+              <a:lstStyle/>
+              <a:p>
+                <a14:m>
+                  <m:oMath xmlns:m="http://schemas.openxmlformats.org/officeDocument/2006/math">
+                    <m:sSub>
+                      <m:sSubPr>
+                        <m:ctrlPr>
+                          <a:rPr lang="en-US" sz="1000" b="0" i="1" smtClean="0">
+                            <a:solidFill>
+                              <a:srgbClr val="FF0000"/>
+                            </a:solidFill>
+                            <a:latin typeface="Cambria Math" panose="02040503050406030204" pitchFamily="18" charset="0"/>
+                          </a:rPr>
+                        </m:ctrlPr>
+                      </m:sSubPr>
+                      <m:e>
+                        <m:r>
+                          <a:rPr lang="en-US" sz="1000" b="0" i="1" smtClean="0">
+                            <a:solidFill>
+                              <a:srgbClr val="FF0000"/>
+                            </a:solidFill>
+                            <a:latin typeface="Cambria Math" panose="02040503050406030204" pitchFamily="18" charset="0"/>
+                          </a:rPr>
+                          <m:t>𝐻</m:t>
+                        </m:r>
+                      </m:e>
+                      <m:sub>
+                        <m:r>
+                          <a:rPr lang="en-US" sz="1000" b="0" i="1" smtClean="0">
+                            <a:solidFill>
+                              <a:srgbClr val="FF0000"/>
+                            </a:solidFill>
+                            <a:latin typeface="Cambria Math" panose="02040503050406030204" pitchFamily="18" charset="0"/>
+                          </a:rPr>
+                          <m:t>𝑎𝑣𝑛</m:t>
+                        </m:r>
+                      </m:sub>
+                    </m:sSub>
+                  </m:oMath>
+                </a14:m>
+                <a:r>
+                  <a:rPr lang="en-US" sz="1000" dirty="0" smtClean="0">
+                    <a:solidFill>
+                      <a:srgbClr val="FF0000"/>
+                    </a:solidFill>
+                  </a:rPr>
+                  <a:t>’</a:t>
+                </a:r>
+                <a:endParaRPr lang="en-US" sz="1000" dirty="0">
+                  <a:solidFill>
+                    <a:srgbClr val="FF0000"/>
+                  </a:solidFill>
+                </a:endParaRPr>
+              </a:p>
+            </p:txBody>
+          </p:sp>
+        </mc:Choice>
+        <mc:Fallback>
+          <p:sp>
+            <p:nvSpPr>
+              <p:cNvPr id="1063" name="文本框 1062"/>
+              <p:cNvSpPr txBox="1">
+                <a:spLocks noRot="1" noChangeAspect="1" noMove="1" noResize="1" noEditPoints="1" noAdjustHandles="1" noChangeArrowheads="1" noChangeShapeType="1" noTextEdit="1"/>
+              </p:cNvSpPr>
+              <p:nvPr/>
+            </p:nvSpPr>
+            <p:spPr>
+              <a:xfrm>
+                <a:off x="1416266" y="9380958"/>
+                <a:ext cx="295978" cy="153888"/>
+              </a:xfrm>
+              <a:prstGeom prst="rect">
+                <a:avLst/>
+              </a:prstGeom>
+              <a:blipFill rotWithShape="0">
+                <a:blip r:embed="rId27"/>
+                <a:stretch>
+                  <a:fillRect l="-14286" t="-24000" r="-24490" b="-56000"/>
+                </a:stretch>
+              </a:blipFill>
+            </p:spPr>
+            <p:txBody>
+              <a:bodyPr/>
+              <a:lstStyle/>
+              <a:p>
+                <a:r>
+                  <a:rPr lang="en-US">
+                    <a:noFill/>
+                  </a:rPr>
+                  <a:t> </a:t>
+                </a:r>
+              </a:p>
+            </p:txBody>
+          </p:sp>
+        </mc:Fallback>
+      </mc:AlternateContent>
+      <mc:AlternateContent xmlns:mc="http://schemas.openxmlformats.org/markup-compatibility/2006">
+        <mc:Choice xmlns:a14="http://schemas.microsoft.com/office/drawing/2010/main" Requires="a14">
+          <p:sp>
+            <p:nvSpPr>
+              <p:cNvPr id="1064" name="文本框 1063"/>
+              <p:cNvSpPr txBox="1"/>
+              <p:nvPr/>
+            </p:nvSpPr>
+            <p:spPr>
+              <a:xfrm>
+                <a:off x="1406771" y="9718894"/>
+                <a:ext cx="327334" cy="166199"/>
+              </a:xfrm>
+              <a:prstGeom prst="rect">
+                <a:avLst/>
+              </a:prstGeom>
+              <a:noFill/>
+            </p:spPr>
+            <p:txBody>
+              <a:bodyPr wrap="none" lIns="0" tIns="0" rIns="0" bIns="0" rtlCol="0">
+                <a:spAutoFit/>
+              </a:bodyPr>
+              <a:lstStyle/>
+              <a:p>
+                <a14:m>
+                  <m:oMath xmlns:m="http://schemas.openxmlformats.org/officeDocument/2006/math">
+                    <m:sSub>
+                      <m:sSubPr>
+                        <m:ctrlPr>
+                          <a:rPr lang="en-US" sz="1000" b="0" i="1" smtClean="0">
+                            <a:solidFill>
+                              <a:srgbClr val="FF0000"/>
+                            </a:solidFill>
+                            <a:latin typeface="Cambria Math" panose="02040503050406030204" pitchFamily="18" charset="0"/>
+                          </a:rPr>
+                        </m:ctrlPr>
+                      </m:sSubPr>
+                      <m:e>
+                        <m:r>
+                          <a:rPr lang="en-US" sz="1000" b="0" i="1" smtClean="0">
+                            <a:solidFill>
+                              <a:srgbClr val="FF0000"/>
+                            </a:solidFill>
+                            <a:latin typeface="Cambria Math" panose="02040503050406030204" pitchFamily="18" charset="0"/>
+                          </a:rPr>
+                          <m:t>𝐻</m:t>
+                        </m:r>
+                      </m:e>
+                      <m:sub>
+                        <m:r>
+                          <a:rPr lang="en-US" sz="1000" b="0" i="1" smtClean="0">
+                            <a:solidFill>
+                              <a:srgbClr val="FF0000"/>
+                            </a:solidFill>
+                            <a:latin typeface="Cambria Math" panose="02040503050406030204" pitchFamily="18" charset="0"/>
+                          </a:rPr>
+                          <m:t>𝑎𝑓𝑖𝑏</m:t>
+                        </m:r>
+                      </m:sub>
+                    </m:sSub>
+                  </m:oMath>
+                </a14:m>
+                <a:r>
+                  <a:rPr lang="en-US" sz="1000" dirty="0" smtClean="0">
+                    <a:solidFill>
+                      <a:srgbClr val="FF0000"/>
+                    </a:solidFill>
+                  </a:rPr>
+                  <a:t>’</a:t>
+                </a:r>
+                <a:endParaRPr lang="en-US" sz="1000" dirty="0">
+                  <a:solidFill>
+                    <a:srgbClr val="FF0000"/>
+                  </a:solidFill>
+                </a:endParaRPr>
+              </a:p>
+            </p:txBody>
+          </p:sp>
+        </mc:Choice>
+        <mc:Fallback>
+          <p:sp>
+            <p:nvSpPr>
+              <p:cNvPr id="1064" name="文本框 1063"/>
+              <p:cNvSpPr txBox="1">
+                <a:spLocks noRot="1" noChangeAspect="1" noMove="1" noResize="1" noEditPoints="1" noAdjustHandles="1" noChangeArrowheads="1" noChangeShapeType="1" noTextEdit="1"/>
+              </p:cNvSpPr>
+              <p:nvPr/>
+            </p:nvSpPr>
+            <p:spPr>
+              <a:xfrm>
+                <a:off x="1406771" y="9718894"/>
+                <a:ext cx="327334" cy="166199"/>
+              </a:xfrm>
+              <a:prstGeom prst="rect">
+                <a:avLst/>
+              </a:prstGeom>
+              <a:blipFill rotWithShape="0">
+                <a:blip r:embed="rId28"/>
+                <a:stretch>
+                  <a:fillRect l="-15094" t="-17857" r="-24528" b="-39286"/>
+                </a:stretch>
+              </a:blipFill>
+            </p:spPr>
+            <p:txBody>
+              <a:bodyPr/>
+              <a:lstStyle/>
+              <a:p>
+                <a:r>
+                  <a:rPr lang="en-US">
+                    <a:noFill/>
+                  </a:rPr>
+                  <a:t> </a:t>
+                </a:r>
+              </a:p>
+            </p:txBody>
+          </p:sp>
+        </mc:Fallback>
+      </mc:AlternateContent>
+      <mc:AlternateContent xmlns:mc="http://schemas.openxmlformats.org/markup-compatibility/2006">
+        <mc:Choice xmlns:a14="http://schemas.microsoft.com/office/drawing/2010/main" Requires="a14">
+          <p:sp>
+            <p:nvSpPr>
+              <p:cNvPr id="1068" name="文本框 1067"/>
+              <p:cNvSpPr txBox="1"/>
+              <p:nvPr/>
+            </p:nvSpPr>
+            <p:spPr>
+              <a:xfrm>
+                <a:off x="2384340" y="10167412"/>
+                <a:ext cx="314958" cy="165751"/>
+              </a:xfrm>
+              <a:prstGeom prst="rect">
+                <a:avLst/>
+              </a:prstGeom>
+              <a:noFill/>
+            </p:spPr>
+            <p:txBody>
+              <a:bodyPr wrap="none" lIns="0" tIns="0" rIns="0" bIns="0" rtlCol="0">
+                <a:spAutoFit/>
+              </a:bodyPr>
+              <a:lstStyle/>
+              <a:p>
+                <a14:m>
+                  <m:oMathPara xmlns:m="http://schemas.openxmlformats.org/officeDocument/2006/math">
+                    <m:oMathParaPr>
+                      <m:jc m:val="centerGroup"/>
+                    </m:oMathParaPr>
+                    <m:oMath xmlns:m="http://schemas.openxmlformats.org/officeDocument/2006/math">
+                      <m:sSub>
+                        <m:sSubPr>
+                          <m:ctrlPr>
+                            <a:rPr lang="en-US" sz="1000" b="0" i="1" smtClean="0">
+                              <a:solidFill>
+                                <a:srgbClr val="FF0000"/>
+                              </a:solidFill>
+                              <a:latin typeface="Cambria Math" panose="02040503050406030204" pitchFamily="18" charset="0"/>
+                            </a:rPr>
+                          </m:ctrlPr>
+                        </m:sSubPr>
+                        <m:e>
+                          <m:r>
+                            <a:rPr lang="en-US" sz="1000" b="0" i="1" smtClean="0">
+                              <a:solidFill>
+                                <a:srgbClr val="FF0000"/>
+                              </a:solidFill>
+                              <a:latin typeface="Cambria Math" panose="02040503050406030204" pitchFamily="18" charset="0"/>
+                            </a:rPr>
+                            <m:t>𝐻</m:t>
+                          </m:r>
+                        </m:e>
+                        <m:sub>
+                          <m:r>
+                            <a:rPr lang="en-US" sz="1000" b="0" i="1" smtClean="0">
+                              <a:solidFill>
+                                <a:srgbClr val="FF0000"/>
+                              </a:solidFill>
+                              <a:latin typeface="Cambria Math" panose="02040503050406030204" pitchFamily="18" charset="0"/>
+                            </a:rPr>
+                            <m:t>𝑝𝑣𝑐</m:t>
+                          </m:r>
+                        </m:sub>
+                      </m:sSub>
+                      <m:r>
+                        <a:rPr lang="en-US" sz="1000" b="0" i="1" smtClean="0">
+                          <a:solidFill>
+                            <a:srgbClr val="FF0000"/>
+                          </a:solidFill>
+                          <a:latin typeface="Cambria Math" panose="02040503050406030204" pitchFamily="18" charset="0"/>
+                        </a:rPr>
+                        <m:t>′</m:t>
+                      </m:r>
+                    </m:oMath>
+                  </m:oMathPara>
+                </a14:m>
+                <a:endParaRPr lang="en-US" sz="1000" dirty="0">
+                  <a:solidFill>
+                    <a:srgbClr val="FF0000"/>
+                  </a:solidFill>
+                </a:endParaRPr>
+              </a:p>
+            </p:txBody>
+          </p:sp>
+        </mc:Choice>
+        <mc:Fallback>
+          <p:sp>
+            <p:nvSpPr>
+              <p:cNvPr id="1068" name="文本框 1067"/>
+              <p:cNvSpPr txBox="1">
+                <a:spLocks noRot="1" noChangeAspect="1" noMove="1" noResize="1" noEditPoints="1" noAdjustHandles="1" noChangeArrowheads="1" noChangeShapeType="1" noTextEdit="1"/>
+              </p:cNvSpPr>
+              <p:nvPr/>
+            </p:nvSpPr>
+            <p:spPr>
+              <a:xfrm>
+                <a:off x="2384340" y="10167412"/>
+                <a:ext cx="314958" cy="165751"/>
+              </a:xfrm>
+              <a:prstGeom prst="rect">
+                <a:avLst/>
+              </a:prstGeom>
+              <a:blipFill rotWithShape="0">
+                <a:blip r:embed="rId29"/>
+                <a:stretch>
+                  <a:fillRect l="-7692" t="-3704" r="-11538" b="-18519"/>
+                </a:stretch>
+              </a:blipFill>
+            </p:spPr>
+            <p:txBody>
+              <a:bodyPr/>
+              <a:lstStyle/>
+              <a:p>
+                <a:r>
+                  <a:rPr lang="en-US">
+                    <a:noFill/>
+                  </a:rPr>
+                  <a:t> </a:t>
+                </a:r>
+              </a:p>
+            </p:txBody>
+          </p:sp>
+        </mc:Fallback>
+      </mc:AlternateContent>
+      <mc:AlternateContent xmlns:mc="http://schemas.openxmlformats.org/markup-compatibility/2006">
+        <mc:Choice xmlns:a14="http://schemas.microsoft.com/office/drawing/2010/main" Requires="a14">
+          <p:sp>
+            <p:nvSpPr>
+              <p:cNvPr id="1069" name="文本框 1068"/>
+              <p:cNvSpPr txBox="1"/>
+              <p:nvPr/>
+            </p:nvSpPr>
+            <p:spPr>
+              <a:xfrm>
+                <a:off x="1301573" y="10152339"/>
+                <a:ext cx="281295" cy="165751"/>
+              </a:xfrm>
+              <a:prstGeom prst="rect">
+                <a:avLst/>
+              </a:prstGeom>
+              <a:noFill/>
+            </p:spPr>
+            <p:txBody>
+              <a:bodyPr wrap="none" lIns="0" tIns="0" rIns="0" bIns="0" rtlCol="0">
+                <a:spAutoFit/>
+              </a:bodyPr>
+              <a:lstStyle/>
+              <a:p>
+                <a14:m>
+                  <m:oMathPara xmlns:m="http://schemas.openxmlformats.org/officeDocument/2006/math">
+                    <m:oMathParaPr>
+                      <m:jc m:val="centerGroup"/>
+                    </m:oMathParaPr>
+                    <m:oMath xmlns:m="http://schemas.openxmlformats.org/officeDocument/2006/math">
+                      <m:sSub>
+                        <m:sSubPr>
+                          <m:ctrlPr>
+                            <a:rPr lang="en-US" sz="1000" b="0" i="1" smtClean="0">
+                              <a:solidFill>
+                                <a:srgbClr val="FF0000"/>
+                              </a:solidFill>
+                              <a:latin typeface="Cambria Math" panose="02040503050406030204" pitchFamily="18" charset="0"/>
+                            </a:rPr>
+                          </m:ctrlPr>
+                        </m:sSubPr>
+                        <m:e>
+                          <m:r>
+                            <a:rPr lang="en-US" sz="1000" b="0" i="1" smtClean="0">
+                              <a:solidFill>
+                                <a:srgbClr val="FF0000"/>
+                              </a:solidFill>
+                              <a:latin typeface="Cambria Math" panose="02040503050406030204" pitchFamily="18" charset="0"/>
+                            </a:rPr>
+                            <m:t>𝐻</m:t>
+                          </m:r>
+                        </m:e>
+                        <m:sub>
+                          <m:r>
+                            <a:rPr lang="en-US" sz="1000" b="0" i="1" smtClean="0">
+                              <a:solidFill>
+                                <a:srgbClr val="FF0000"/>
+                              </a:solidFill>
+                              <a:latin typeface="Cambria Math" panose="02040503050406030204" pitchFamily="18" charset="0"/>
+                            </a:rPr>
+                            <m:t>𝑝𝑣𝑐</m:t>
+                          </m:r>
+                        </m:sub>
+                      </m:sSub>
+                    </m:oMath>
+                  </m:oMathPara>
+                </a14:m>
+                <a:endParaRPr lang="en-US" sz="1000" dirty="0">
+                  <a:solidFill>
+                    <a:srgbClr val="FF0000"/>
+                  </a:solidFill>
+                </a:endParaRPr>
+              </a:p>
+            </p:txBody>
+          </p:sp>
+        </mc:Choice>
+        <mc:Fallback>
+          <p:sp>
+            <p:nvSpPr>
+              <p:cNvPr id="1069" name="文本框 1068"/>
+              <p:cNvSpPr txBox="1">
+                <a:spLocks noRot="1" noChangeAspect="1" noMove="1" noResize="1" noEditPoints="1" noAdjustHandles="1" noChangeArrowheads="1" noChangeShapeType="1" noTextEdit="1"/>
+              </p:cNvSpPr>
+              <p:nvPr/>
+            </p:nvSpPr>
+            <p:spPr>
+              <a:xfrm>
+                <a:off x="1301573" y="10152339"/>
+                <a:ext cx="281295" cy="165751"/>
+              </a:xfrm>
+              <a:prstGeom prst="rect">
+                <a:avLst/>
+              </a:prstGeom>
+              <a:blipFill rotWithShape="0">
+                <a:blip r:embed="rId30"/>
+                <a:stretch>
+                  <a:fillRect l="-10870" r="-2174" b="-17857"/>
+                </a:stretch>
+              </a:blipFill>
+            </p:spPr>
+            <p:txBody>
+              <a:bodyPr/>
+              <a:lstStyle/>
+              <a:p>
+                <a:r>
+                  <a:rPr lang="en-US">
+                    <a:noFill/>
+                  </a:rPr>
+                  <a:t> </a:t>
+                </a:r>
+              </a:p>
+            </p:txBody>
+          </p:sp>
+        </mc:Fallback>
+      </mc:AlternateContent>
+      <mc:AlternateContent xmlns:mc="http://schemas.openxmlformats.org/markup-compatibility/2006">
+        <mc:Choice xmlns:a14="http://schemas.microsoft.com/office/drawing/2010/main" Requires="a14">
+          <p:sp>
+            <p:nvSpPr>
+              <p:cNvPr id="1070" name="文本框 1069"/>
+              <p:cNvSpPr txBox="1"/>
+              <p:nvPr/>
+            </p:nvSpPr>
+            <p:spPr>
+              <a:xfrm>
+                <a:off x="2331714" y="10558307"/>
+                <a:ext cx="292516" cy="153888"/>
+              </a:xfrm>
+              <a:prstGeom prst="rect">
+                <a:avLst/>
+              </a:prstGeom>
+              <a:noFill/>
+            </p:spPr>
+            <p:txBody>
+              <a:bodyPr wrap="none" lIns="0" tIns="0" rIns="0" bIns="0" rtlCol="0">
+                <a:spAutoFit/>
+              </a:bodyPr>
+              <a:lstStyle/>
+              <a:p>
+                <a14:m>
+                  <m:oMathPara xmlns:m="http://schemas.openxmlformats.org/officeDocument/2006/math">
+                    <m:oMathParaPr>
+                      <m:jc m:val="centerGroup"/>
+                    </m:oMathParaPr>
+                    <m:oMath xmlns:m="http://schemas.openxmlformats.org/officeDocument/2006/math">
+                      <m:sSub>
+                        <m:sSubPr>
+                          <m:ctrlPr>
+                            <a:rPr lang="en-US" sz="1000" b="0" i="1" smtClean="0">
+                              <a:solidFill>
+                                <a:srgbClr val="FF0000"/>
+                              </a:solidFill>
+                              <a:latin typeface="Cambria Math" panose="02040503050406030204" pitchFamily="18" charset="0"/>
+                            </a:rPr>
+                          </m:ctrlPr>
+                        </m:sSubPr>
+                        <m:e>
+                          <m:r>
+                            <a:rPr lang="en-US" sz="1000" b="0" i="1" smtClean="0">
+                              <a:solidFill>
+                                <a:srgbClr val="FF0000"/>
+                              </a:solidFill>
+                              <a:latin typeface="Cambria Math" panose="02040503050406030204" pitchFamily="18" charset="0"/>
+                            </a:rPr>
+                            <m:t>𝐻</m:t>
+                          </m:r>
+                        </m:e>
+                        <m:sub>
+                          <m:r>
+                            <a:rPr lang="en-US" sz="1000" b="0" i="1" smtClean="0">
+                              <a:solidFill>
+                                <a:srgbClr val="FF0000"/>
+                              </a:solidFill>
+                              <a:latin typeface="Cambria Math" panose="02040503050406030204" pitchFamily="18" charset="0"/>
+                            </a:rPr>
+                            <m:t>𝑣𝑟</m:t>
+                          </m:r>
+                        </m:sub>
+                      </m:sSub>
+                      <m:r>
+                        <a:rPr lang="en-US" sz="1000" b="0" i="1" smtClean="0">
+                          <a:solidFill>
+                            <a:srgbClr val="FF0000"/>
+                          </a:solidFill>
+                          <a:latin typeface="Cambria Math" panose="02040503050406030204" pitchFamily="18" charset="0"/>
+                        </a:rPr>
+                        <m:t>′′</m:t>
+                      </m:r>
+                    </m:oMath>
+                  </m:oMathPara>
+                </a14:m>
+                <a:endParaRPr lang="en-US" sz="1000" dirty="0">
+                  <a:solidFill>
+                    <a:srgbClr val="FF0000"/>
+                  </a:solidFill>
+                </a:endParaRPr>
+              </a:p>
+            </p:txBody>
+          </p:sp>
+        </mc:Choice>
+        <mc:Fallback>
+          <p:sp>
+            <p:nvSpPr>
+              <p:cNvPr id="1070" name="文本框 1069"/>
+              <p:cNvSpPr txBox="1">
+                <a:spLocks noRot="1" noChangeAspect="1" noMove="1" noResize="1" noEditPoints="1" noAdjustHandles="1" noChangeArrowheads="1" noChangeShapeType="1" noTextEdit="1"/>
+              </p:cNvSpPr>
+              <p:nvPr/>
+            </p:nvSpPr>
+            <p:spPr>
+              <a:xfrm>
+                <a:off x="2331714" y="10558307"/>
+                <a:ext cx="292516" cy="153888"/>
+              </a:xfrm>
+              <a:prstGeom prst="rect">
+                <a:avLst/>
+              </a:prstGeom>
+              <a:blipFill rotWithShape="0">
+                <a:blip r:embed="rId31"/>
+                <a:stretch>
+                  <a:fillRect l="-8333" r="-10417" b="-16000"/>
+                </a:stretch>
+              </a:blipFill>
+            </p:spPr>
+            <p:txBody>
+              <a:bodyPr/>
+              <a:lstStyle/>
+              <a:p>
+                <a:r>
+                  <a:rPr lang="en-US">
+                    <a:noFill/>
+                  </a:rPr>
+                  <a:t> </a:t>
+                </a:r>
+              </a:p>
+            </p:txBody>
+          </p:sp>
+        </mc:Fallback>
+      </mc:AlternateContent>
+      <mc:AlternateContent xmlns:mc="http://schemas.openxmlformats.org/markup-compatibility/2006">
+        <mc:Choice xmlns:a14="http://schemas.microsoft.com/office/drawing/2010/main" Requires="a14">
+          <p:sp>
+            <p:nvSpPr>
+              <p:cNvPr id="1071" name="文本框 1070"/>
+              <p:cNvSpPr txBox="1"/>
+              <p:nvPr/>
+            </p:nvSpPr>
+            <p:spPr>
+              <a:xfrm>
+                <a:off x="1914081" y="10504959"/>
+                <a:ext cx="258853" cy="153888"/>
+              </a:xfrm>
+              <a:prstGeom prst="rect">
+                <a:avLst/>
+              </a:prstGeom>
+              <a:noFill/>
+            </p:spPr>
+            <p:txBody>
+              <a:bodyPr wrap="none" lIns="0" tIns="0" rIns="0" bIns="0" rtlCol="0">
+                <a:spAutoFit/>
+              </a:bodyPr>
+              <a:lstStyle/>
+              <a:p>
+                <a14:m>
+                  <m:oMathPara xmlns:m="http://schemas.openxmlformats.org/officeDocument/2006/math">
+                    <m:oMathParaPr>
+                      <m:jc m:val="centerGroup"/>
+                    </m:oMathParaPr>
+                    <m:oMath xmlns:m="http://schemas.openxmlformats.org/officeDocument/2006/math">
+                      <m:sSub>
+                        <m:sSubPr>
+                          <m:ctrlPr>
+                            <a:rPr lang="en-US" sz="1000" b="0" i="1" smtClean="0">
+                              <a:solidFill>
+                                <a:srgbClr val="FF0000"/>
+                              </a:solidFill>
+                              <a:latin typeface="Cambria Math" panose="02040503050406030204" pitchFamily="18" charset="0"/>
+                            </a:rPr>
+                          </m:ctrlPr>
+                        </m:sSubPr>
+                        <m:e>
+                          <m:r>
+                            <a:rPr lang="en-US" sz="1000" b="0" i="1" smtClean="0">
+                              <a:solidFill>
+                                <a:srgbClr val="FF0000"/>
+                              </a:solidFill>
+                              <a:latin typeface="Cambria Math" panose="02040503050406030204" pitchFamily="18" charset="0"/>
+                            </a:rPr>
+                            <m:t>𝐻</m:t>
+                          </m:r>
+                        </m:e>
+                        <m:sub>
+                          <m:r>
+                            <a:rPr lang="en-US" sz="1000" b="0" i="1" smtClean="0">
+                              <a:solidFill>
+                                <a:srgbClr val="FF0000"/>
+                              </a:solidFill>
+                              <a:latin typeface="Cambria Math" panose="02040503050406030204" pitchFamily="18" charset="0"/>
+                            </a:rPr>
+                            <m:t>𝑣𝑟</m:t>
+                          </m:r>
+                        </m:sub>
+                      </m:sSub>
+                      <m:r>
+                        <a:rPr lang="en-US" sz="1000" b="0" i="1" smtClean="0">
+                          <a:solidFill>
+                            <a:srgbClr val="FF0000"/>
+                          </a:solidFill>
+                          <a:latin typeface="Cambria Math" panose="02040503050406030204" pitchFamily="18" charset="0"/>
+                        </a:rPr>
+                        <m:t>′</m:t>
+                      </m:r>
+                    </m:oMath>
+                  </m:oMathPara>
+                </a14:m>
+                <a:endParaRPr lang="en-US" sz="1000" dirty="0">
+                  <a:solidFill>
+                    <a:srgbClr val="FF0000"/>
+                  </a:solidFill>
+                </a:endParaRPr>
+              </a:p>
+            </p:txBody>
+          </p:sp>
+        </mc:Choice>
+        <mc:Fallback>
+          <p:sp>
+            <p:nvSpPr>
+              <p:cNvPr id="1071" name="文本框 1070"/>
+              <p:cNvSpPr txBox="1">
+                <a:spLocks noRot="1" noChangeAspect="1" noMove="1" noResize="1" noEditPoints="1" noAdjustHandles="1" noChangeArrowheads="1" noChangeShapeType="1" noTextEdit="1"/>
+              </p:cNvSpPr>
+              <p:nvPr/>
+            </p:nvSpPr>
+            <p:spPr>
+              <a:xfrm>
+                <a:off x="1914081" y="10504959"/>
+                <a:ext cx="258853" cy="153888"/>
+              </a:xfrm>
+              <a:prstGeom prst="rect">
+                <a:avLst/>
+              </a:prstGeom>
+              <a:blipFill rotWithShape="0">
+                <a:blip r:embed="rId32"/>
+                <a:stretch>
+                  <a:fillRect l="-11905" r="-11905" b="-16000"/>
+                </a:stretch>
+              </a:blipFill>
+            </p:spPr>
+            <p:txBody>
+              <a:bodyPr/>
+              <a:lstStyle/>
+              <a:p>
+                <a:r>
+                  <a:rPr lang="en-US">
+                    <a:noFill/>
+                  </a:rPr>
+                  <a:t> </a:t>
+                </a:r>
+              </a:p>
+            </p:txBody>
+          </p:sp>
+        </mc:Fallback>
+      </mc:AlternateContent>
+      <mc:AlternateContent xmlns:mc="http://schemas.openxmlformats.org/markup-compatibility/2006">
+        <mc:Choice xmlns:a14="http://schemas.microsoft.com/office/drawing/2010/main" Requires="a14">
+          <p:sp>
+            <p:nvSpPr>
+              <p:cNvPr id="1072" name="文本框 1071"/>
+              <p:cNvSpPr txBox="1"/>
+              <p:nvPr/>
+            </p:nvSpPr>
+            <p:spPr>
+              <a:xfrm>
+                <a:off x="1252129" y="10522074"/>
+                <a:ext cx="225190" cy="153888"/>
+              </a:xfrm>
+              <a:prstGeom prst="rect">
+                <a:avLst/>
+              </a:prstGeom>
+              <a:noFill/>
+            </p:spPr>
+            <p:txBody>
+              <a:bodyPr wrap="none" lIns="0" tIns="0" rIns="0" bIns="0" rtlCol="0">
+                <a:spAutoFit/>
+              </a:bodyPr>
+              <a:lstStyle/>
+              <a:p>
+                <a14:m>
+                  <m:oMathPara xmlns:m="http://schemas.openxmlformats.org/officeDocument/2006/math">
+                    <m:oMathParaPr>
+                      <m:jc m:val="centerGroup"/>
+                    </m:oMathParaPr>
+                    <m:oMath xmlns:m="http://schemas.openxmlformats.org/officeDocument/2006/math">
+                      <m:sSub>
+                        <m:sSubPr>
+                          <m:ctrlPr>
+                            <a:rPr lang="en-US" sz="1000" b="0" i="1" smtClean="0">
+                              <a:solidFill>
+                                <a:srgbClr val="FF0000"/>
+                              </a:solidFill>
+                              <a:latin typeface="Cambria Math" panose="02040503050406030204" pitchFamily="18" charset="0"/>
+                            </a:rPr>
+                          </m:ctrlPr>
+                        </m:sSubPr>
+                        <m:e>
+                          <m:r>
+                            <a:rPr lang="en-US" sz="1000" b="0" i="1" smtClean="0">
+                              <a:solidFill>
+                                <a:srgbClr val="FF0000"/>
+                              </a:solidFill>
+                              <a:latin typeface="Cambria Math" panose="02040503050406030204" pitchFamily="18" charset="0"/>
+                            </a:rPr>
+                            <m:t>𝐻</m:t>
+                          </m:r>
+                        </m:e>
+                        <m:sub>
+                          <m:r>
+                            <a:rPr lang="en-US" sz="1000" b="0" i="1" smtClean="0">
+                              <a:solidFill>
+                                <a:srgbClr val="FF0000"/>
+                              </a:solidFill>
+                              <a:latin typeface="Cambria Math" panose="02040503050406030204" pitchFamily="18" charset="0"/>
+                            </a:rPr>
+                            <m:t>𝑣𝑟</m:t>
+                          </m:r>
+                        </m:sub>
+                      </m:sSub>
+                    </m:oMath>
+                  </m:oMathPara>
+                </a14:m>
+                <a:endParaRPr lang="en-US" sz="1000" dirty="0">
+                  <a:solidFill>
+                    <a:srgbClr val="FF0000"/>
+                  </a:solidFill>
+                </a:endParaRPr>
+              </a:p>
+            </p:txBody>
+          </p:sp>
+        </mc:Choice>
+        <mc:Fallback>
+          <p:sp>
+            <p:nvSpPr>
+              <p:cNvPr id="1072" name="文本框 1071"/>
+              <p:cNvSpPr txBox="1">
+                <a:spLocks noRot="1" noChangeAspect="1" noMove="1" noResize="1" noEditPoints="1" noAdjustHandles="1" noChangeArrowheads="1" noChangeShapeType="1" noTextEdit="1"/>
+              </p:cNvSpPr>
+              <p:nvPr/>
+            </p:nvSpPr>
+            <p:spPr>
+              <a:xfrm>
+                <a:off x="1252129" y="10522074"/>
+                <a:ext cx="225190" cy="153888"/>
+              </a:xfrm>
+              <a:prstGeom prst="rect">
+                <a:avLst/>
+              </a:prstGeom>
+              <a:blipFill rotWithShape="0">
+                <a:blip r:embed="rId33"/>
+                <a:stretch>
+                  <a:fillRect l="-13514" b="-12000"/>
+                </a:stretch>
+              </a:blipFill>
+            </p:spPr>
+            <p:txBody>
+              <a:bodyPr/>
+              <a:lstStyle/>
+              <a:p>
+                <a:r>
+                  <a:rPr lang="en-US">
+                    <a:noFill/>
+                  </a:rPr>
+                  <a:t> </a:t>
+                </a:r>
+              </a:p>
+            </p:txBody>
+          </p:sp>
+        </mc:Fallback>
+      </mc:AlternateContent>
+      <mc:AlternateContent xmlns:mc="http://schemas.openxmlformats.org/markup-compatibility/2006">
+        <mc:Choice xmlns:a14="http://schemas.microsoft.com/office/drawing/2010/main" Requires="a14">
+          <p:sp>
+            <p:nvSpPr>
+              <p:cNvPr id="1073" name="文本框 1072"/>
+              <p:cNvSpPr txBox="1"/>
+              <p:nvPr/>
+            </p:nvSpPr>
+            <p:spPr>
+              <a:xfrm>
+                <a:off x="2386113" y="10929839"/>
+                <a:ext cx="298480" cy="166199"/>
+              </a:xfrm>
+              <a:prstGeom prst="rect">
+                <a:avLst/>
+              </a:prstGeom>
+              <a:noFill/>
+            </p:spPr>
+            <p:txBody>
+              <a:bodyPr wrap="none" lIns="0" tIns="0" rIns="0" bIns="0" rtlCol="0">
+                <a:spAutoFit/>
+              </a:bodyPr>
+              <a:lstStyle/>
+              <a:p>
+                <a14:m>
+                  <m:oMathPara xmlns:m="http://schemas.openxmlformats.org/officeDocument/2006/math">
+                    <m:oMathParaPr>
+                      <m:jc m:val="centerGroup"/>
+                    </m:oMathParaPr>
+                    <m:oMath xmlns:m="http://schemas.openxmlformats.org/officeDocument/2006/math">
+                      <m:sSub>
+                        <m:sSubPr>
+                          <m:ctrlPr>
+                            <a:rPr lang="en-US" sz="1000" b="0" i="1" smtClean="0">
+                              <a:solidFill>
+                                <a:srgbClr val="FF0000"/>
+                              </a:solidFill>
+                              <a:latin typeface="Cambria Math" panose="02040503050406030204" pitchFamily="18" charset="0"/>
+                            </a:rPr>
+                          </m:ctrlPr>
+                        </m:sSubPr>
+                        <m:e>
+                          <m:r>
+                            <a:rPr lang="en-US" sz="1000" b="0" i="1" smtClean="0">
+                              <a:solidFill>
+                                <a:srgbClr val="FF0000"/>
+                              </a:solidFill>
+                              <a:latin typeface="Cambria Math" panose="02040503050406030204" pitchFamily="18" charset="0"/>
+                            </a:rPr>
+                            <m:t>𝐻</m:t>
+                          </m:r>
+                        </m:e>
+                        <m:sub>
+                          <m:r>
+                            <a:rPr lang="en-US" sz="1000" b="0" i="1" smtClean="0">
+                              <a:solidFill>
+                                <a:srgbClr val="FF0000"/>
+                              </a:solidFill>
+                              <a:latin typeface="Cambria Math" panose="02040503050406030204" pitchFamily="18" charset="0"/>
+                            </a:rPr>
+                            <m:t>𝑣𝑓</m:t>
+                          </m:r>
+                        </m:sub>
+                      </m:sSub>
+                      <m:r>
+                        <a:rPr lang="en-US" sz="1000" b="0" i="1" smtClean="0">
+                          <a:solidFill>
+                            <a:srgbClr val="FF0000"/>
+                          </a:solidFill>
+                          <a:latin typeface="Cambria Math" panose="02040503050406030204" pitchFamily="18" charset="0"/>
+                        </a:rPr>
+                        <m:t>′′</m:t>
+                      </m:r>
+                    </m:oMath>
+                  </m:oMathPara>
+                </a14:m>
+                <a:endParaRPr lang="en-US" sz="1000" dirty="0">
+                  <a:solidFill>
+                    <a:srgbClr val="FF0000"/>
+                  </a:solidFill>
+                </a:endParaRPr>
+              </a:p>
+            </p:txBody>
+          </p:sp>
+        </mc:Choice>
+        <mc:Fallback>
+          <p:sp>
+            <p:nvSpPr>
+              <p:cNvPr id="1073" name="文本框 1072"/>
+              <p:cNvSpPr txBox="1">
+                <a:spLocks noRot="1" noChangeAspect="1" noMove="1" noResize="1" noEditPoints="1" noAdjustHandles="1" noChangeArrowheads="1" noChangeShapeType="1" noTextEdit="1"/>
+              </p:cNvSpPr>
+              <p:nvPr/>
+            </p:nvSpPr>
+            <p:spPr>
+              <a:xfrm>
+                <a:off x="2386113" y="10929839"/>
+                <a:ext cx="298480" cy="166199"/>
+              </a:xfrm>
+              <a:prstGeom prst="rect">
+                <a:avLst/>
+              </a:prstGeom>
+              <a:blipFill rotWithShape="0">
+                <a:blip r:embed="rId34"/>
+                <a:stretch>
+                  <a:fillRect l="-8163" t="-3704" r="-10204" b="-25926"/>
+                </a:stretch>
+              </a:blipFill>
+            </p:spPr>
+            <p:txBody>
+              <a:bodyPr/>
+              <a:lstStyle/>
+              <a:p>
+                <a:r>
+                  <a:rPr lang="en-US">
+                    <a:noFill/>
+                  </a:rPr>
+                  <a:t> </a:t>
+                </a:r>
+              </a:p>
+            </p:txBody>
+          </p:sp>
+        </mc:Fallback>
+      </mc:AlternateContent>
+      <mc:AlternateContent xmlns:mc="http://schemas.openxmlformats.org/markup-compatibility/2006">
+        <mc:Choice xmlns:a14="http://schemas.microsoft.com/office/drawing/2010/main" Requires="a14">
+          <p:sp>
+            <p:nvSpPr>
+              <p:cNvPr id="1075" name="文本框 1074"/>
+              <p:cNvSpPr txBox="1"/>
+              <p:nvPr/>
+            </p:nvSpPr>
+            <p:spPr>
+              <a:xfrm>
+                <a:off x="1885477" y="10891484"/>
+                <a:ext cx="264816" cy="166199"/>
+              </a:xfrm>
+              <a:prstGeom prst="rect">
+                <a:avLst/>
+              </a:prstGeom>
+              <a:noFill/>
+            </p:spPr>
+            <p:txBody>
+              <a:bodyPr wrap="none" lIns="0" tIns="0" rIns="0" bIns="0" rtlCol="0">
+                <a:spAutoFit/>
+              </a:bodyPr>
+              <a:lstStyle/>
+              <a:p>
+                <a14:m>
+                  <m:oMathPara xmlns:m="http://schemas.openxmlformats.org/officeDocument/2006/math">
+                    <m:oMathParaPr>
+                      <m:jc m:val="centerGroup"/>
+                    </m:oMathParaPr>
+                    <m:oMath xmlns:m="http://schemas.openxmlformats.org/officeDocument/2006/math">
+                      <m:sSub>
+                        <m:sSubPr>
+                          <m:ctrlPr>
+                            <a:rPr lang="en-US" sz="1000" b="0" i="1" smtClean="0">
+                              <a:solidFill>
+                                <a:srgbClr val="FF0000"/>
+                              </a:solidFill>
+                              <a:latin typeface="Cambria Math" panose="02040503050406030204" pitchFamily="18" charset="0"/>
+                            </a:rPr>
+                          </m:ctrlPr>
+                        </m:sSubPr>
+                        <m:e>
+                          <m:r>
+                            <a:rPr lang="en-US" sz="1000" b="0" i="1" smtClean="0">
+                              <a:solidFill>
+                                <a:srgbClr val="FF0000"/>
+                              </a:solidFill>
+                              <a:latin typeface="Cambria Math" panose="02040503050406030204" pitchFamily="18" charset="0"/>
+                            </a:rPr>
+                            <m:t>𝐻</m:t>
+                          </m:r>
+                        </m:e>
+                        <m:sub>
+                          <m:r>
+                            <a:rPr lang="en-US" sz="1000" b="0" i="1" smtClean="0">
+                              <a:solidFill>
+                                <a:srgbClr val="FF0000"/>
+                              </a:solidFill>
+                              <a:latin typeface="Cambria Math" panose="02040503050406030204" pitchFamily="18" charset="0"/>
+                            </a:rPr>
+                            <m:t>𝑣𝑓</m:t>
+                          </m:r>
+                        </m:sub>
+                      </m:sSub>
+                      <m:r>
+                        <a:rPr lang="en-US" sz="1000" b="0" i="1" smtClean="0">
+                          <a:solidFill>
+                            <a:srgbClr val="FF0000"/>
+                          </a:solidFill>
+                          <a:latin typeface="Cambria Math" panose="02040503050406030204" pitchFamily="18" charset="0"/>
+                        </a:rPr>
+                        <m:t>′</m:t>
+                      </m:r>
+                    </m:oMath>
+                  </m:oMathPara>
+                </a14:m>
+                <a:endParaRPr lang="en-US" sz="1000" dirty="0">
+                  <a:solidFill>
+                    <a:srgbClr val="FF0000"/>
+                  </a:solidFill>
+                </a:endParaRPr>
+              </a:p>
+            </p:txBody>
+          </p:sp>
+        </mc:Choice>
+        <mc:Fallback>
+          <p:sp>
+            <p:nvSpPr>
+              <p:cNvPr id="1075" name="文本框 1074"/>
+              <p:cNvSpPr txBox="1">
+                <a:spLocks noRot="1" noChangeAspect="1" noMove="1" noResize="1" noEditPoints="1" noAdjustHandles="1" noChangeArrowheads="1" noChangeShapeType="1" noTextEdit="1"/>
+              </p:cNvSpPr>
+              <p:nvPr/>
+            </p:nvSpPr>
+            <p:spPr>
+              <a:xfrm>
+                <a:off x="1885477" y="10891484"/>
+                <a:ext cx="264816" cy="166199"/>
+              </a:xfrm>
+              <a:prstGeom prst="rect">
+                <a:avLst/>
+              </a:prstGeom>
+              <a:blipFill rotWithShape="0">
+                <a:blip r:embed="rId35"/>
+                <a:stretch>
+                  <a:fillRect l="-11364" t="-3704" r="-11364" b="-25926"/>
+                </a:stretch>
+              </a:blipFill>
+            </p:spPr>
+            <p:txBody>
+              <a:bodyPr/>
+              <a:lstStyle/>
+              <a:p>
+                <a:r>
+                  <a:rPr lang="en-US">
+                    <a:noFill/>
+                  </a:rPr>
+                  <a:t> </a:t>
+                </a:r>
+              </a:p>
+            </p:txBody>
+          </p:sp>
+        </mc:Fallback>
+      </mc:AlternateContent>
+      <mc:AlternateContent xmlns:mc="http://schemas.openxmlformats.org/markup-compatibility/2006">
+        <mc:Choice xmlns:a14="http://schemas.microsoft.com/office/drawing/2010/main" Requires="a14">
+          <p:sp>
+            <p:nvSpPr>
+              <p:cNvPr id="1076" name="文本框 1075"/>
+              <p:cNvSpPr txBox="1"/>
+              <p:nvPr/>
+            </p:nvSpPr>
+            <p:spPr>
+              <a:xfrm>
+                <a:off x="1253034" y="10888283"/>
+                <a:ext cx="231153" cy="166199"/>
+              </a:xfrm>
+              <a:prstGeom prst="rect">
+                <a:avLst/>
+              </a:prstGeom>
+              <a:noFill/>
+            </p:spPr>
+            <p:txBody>
+              <a:bodyPr wrap="none" lIns="0" tIns="0" rIns="0" bIns="0" rtlCol="0">
+                <a:spAutoFit/>
+              </a:bodyPr>
+              <a:lstStyle/>
+              <a:p>
+                <a14:m>
+                  <m:oMathPara xmlns:m="http://schemas.openxmlformats.org/officeDocument/2006/math">
+                    <m:oMathParaPr>
+                      <m:jc m:val="centerGroup"/>
+                    </m:oMathParaPr>
+                    <m:oMath xmlns:m="http://schemas.openxmlformats.org/officeDocument/2006/math">
+                      <m:sSub>
+                        <m:sSubPr>
+                          <m:ctrlPr>
+                            <a:rPr lang="en-US" sz="1000" b="0" i="1" smtClean="0">
+                              <a:solidFill>
+                                <a:srgbClr val="FF0000"/>
+                              </a:solidFill>
+                              <a:latin typeface="Cambria Math" panose="02040503050406030204" pitchFamily="18" charset="0"/>
+                            </a:rPr>
+                          </m:ctrlPr>
+                        </m:sSubPr>
+                        <m:e>
+                          <m:r>
+                            <a:rPr lang="en-US" sz="1000" b="0" i="1" smtClean="0">
+                              <a:solidFill>
+                                <a:srgbClr val="FF0000"/>
+                              </a:solidFill>
+                              <a:latin typeface="Cambria Math" panose="02040503050406030204" pitchFamily="18" charset="0"/>
+                            </a:rPr>
+                            <m:t>𝐻</m:t>
+                          </m:r>
+                        </m:e>
+                        <m:sub>
+                          <m:r>
+                            <a:rPr lang="en-US" sz="1000" b="0" i="1" smtClean="0">
+                              <a:solidFill>
+                                <a:srgbClr val="FF0000"/>
+                              </a:solidFill>
+                              <a:latin typeface="Cambria Math" panose="02040503050406030204" pitchFamily="18" charset="0"/>
+                            </a:rPr>
+                            <m:t>𝑣𝑓</m:t>
+                          </m:r>
+                        </m:sub>
+                      </m:sSub>
+                    </m:oMath>
+                  </m:oMathPara>
+                </a14:m>
+                <a:endParaRPr lang="en-US" sz="1000" dirty="0">
+                  <a:solidFill>
+                    <a:srgbClr val="FF0000"/>
+                  </a:solidFill>
+                </a:endParaRPr>
+              </a:p>
+            </p:txBody>
+          </p:sp>
+        </mc:Choice>
+        <mc:Fallback>
+          <p:sp>
+            <p:nvSpPr>
+              <p:cNvPr id="1076" name="文本框 1075"/>
+              <p:cNvSpPr txBox="1">
+                <a:spLocks noRot="1" noChangeAspect="1" noMove="1" noResize="1" noEditPoints="1" noAdjustHandles="1" noChangeArrowheads="1" noChangeShapeType="1" noTextEdit="1"/>
+              </p:cNvSpPr>
+              <p:nvPr/>
+            </p:nvSpPr>
+            <p:spPr>
+              <a:xfrm>
+                <a:off x="1253034" y="10888283"/>
+                <a:ext cx="231153" cy="166199"/>
+              </a:xfrm>
+              <a:prstGeom prst="rect">
+                <a:avLst/>
+              </a:prstGeom>
+              <a:blipFill rotWithShape="0">
+                <a:blip r:embed="rId36"/>
+                <a:stretch>
+                  <a:fillRect l="-16216" r="-8108" b="-25926"/>
+                </a:stretch>
+              </a:blipFill>
+            </p:spPr>
+            <p:txBody>
+              <a:bodyPr/>
+              <a:lstStyle/>
+              <a:p>
+                <a:r>
+                  <a:rPr lang="en-US">
+                    <a:noFill/>
+                  </a:rPr>
+                  <a:t> </a:t>
+                </a:r>
+              </a:p>
+            </p:txBody>
+          </p:sp>
+        </mc:Fallback>
+      </mc:AlternateContent>
+      <mc:AlternateContent xmlns:mc="http://schemas.openxmlformats.org/markup-compatibility/2006">
+        <mc:Choice xmlns:a14="http://schemas.microsoft.com/office/drawing/2010/main" Requires="a14">
+          <p:sp>
+            <p:nvSpPr>
+              <p:cNvPr id="1077" name="文本框 1076"/>
+              <p:cNvSpPr txBox="1"/>
+              <p:nvPr/>
+            </p:nvSpPr>
+            <p:spPr>
+              <a:xfrm>
+                <a:off x="2803083" y="10531299"/>
+                <a:ext cx="216726" cy="153888"/>
+              </a:xfrm>
+              <a:prstGeom prst="rect">
+                <a:avLst/>
+              </a:prstGeom>
+              <a:noFill/>
+            </p:spPr>
+            <p:txBody>
+              <a:bodyPr wrap="none" lIns="0" tIns="0" rIns="0" bIns="0" rtlCol="0">
+                <a:spAutoFit/>
+              </a:bodyPr>
+              <a:lstStyle/>
+              <a:p>
+                <a14:m>
+                  <m:oMathPara xmlns:m="http://schemas.openxmlformats.org/officeDocument/2006/math">
+                    <m:oMathParaPr>
+                      <m:jc m:val="centerGroup"/>
+                    </m:oMathParaPr>
+                    <m:oMath xmlns:m="http://schemas.openxmlformats.org/officeDocument/2006/math">
+                      <m:sSub>
+                        <m:sSubPr>
+                          <m:ctrlPr>
+                            <a:rPr lang="en-US" sz="1000" b="0" i="1" smtClean="0">
+                              <a:solidFill>
+                                <a:srgbClr val="FF0000"/>
+                              </a:solidFill>
+                              <a:latin typeface="Cambria Math" panose="02040503050406030204" pitchFamily="18" charset="0"/>
+                            </a:rPr>
+                          </m:ctrlPr>
+                        </m:sSubPr>
+                        <m:e>
+                          <m:r>
+                            <a:rPr lang="en-US" sz="1000" b="0" i="1" smtClean="0">
+                              <a:solidFill>
+                                <a:srgbClr val="FF0000"/>
+                              </a:solidFill>
+                              <a:latin typeface="Cambria Math" panose="02040503050406030204" pitchFamily="18" charset="0"/>
+                            </a:rPr>
+                            <m:t>𝐻</m:t>
+                          </m:r>
+                        </m:e>
+                        <m:sub>
+                          <m:r>
+                            <a:rPr lang="en-US" sz="1000" b="0" i="1" smtClean="0">
+                              <a:solidFill>
+                                <a:srgbClr val="FF0000"/>
+                              </a:solidFill>
+                              <a:latin typeface="Cambria Math" panose="02040503050406030204" pitchFamily="18" charset="0"/>
+                            </a:rPr>
+                            <m:t>𝑣𝑡</m:t>
+                          </m:r>
+                        </m:sub>
+                      </m:sSub>
+                    </m:oMath>
+                  </m:oMathPara>
+                </a14:m>
+                <a:endParaRPr lang="en-US" sz="1000" dirty="0">
+                  <a:solidFill>
+                    <a:srgbClr val="FF0000"/>
+                  </a:solidFill>
+                </a:endParaRPr>
+              </a:p>
+            </p:txBody>
+          </p:sp>
+        </mc:Choice>
+        <mc:Fallback>
+          <p:sp>
+            <p:nvSpPr>
+              <p:cNvPr id="1077" name="文本框 1076"/>
+              <p:cNvSpPr txBox="1">
+                <a:spLocks noRot="1" noChangeAspect="1" noMove="1" noResize="1" noEditPoints="1" noAdjustHandles="1" noChangeArrowheads="1" noChangeShapeType="1" noTextEdit="1"/>
+              </p:cNvSpPr>
+              <p:nvPr/>
+            </p:nvSpPr>
+            <p:spPr>
+              <a:xfrm>
+                <a:off x="2803083" y="10531299"/>
+                <a:ext cx="216726" cy="153888"/>
+              </a:xfrm>
+              <a:prstGeom prst="rect">
+                <a:avLst/>
+              </a:prstGeom>
+              <a:blipFill rotWithShape="0">
+                <a:blip r:embed="rId37"/>
+                <a:stretch>
+                  <a:fillRect l="-17143" r="-2857" b="-16000"/>
+                </a:stretch>
+              </a:blipFill>
+            </p:spPr>
+            <p:txBody>
+              <a:bodyPr/>
+              <a:lstStyle/>
+              <a:p>
+                <a:r>
+                  <a:rPr lang="en-US">
+                    <a:noFill/>
+                  </a:rPr>
+                  <a:t> </a:t>
+                </a:r>
+              </a:p>
+            </p:txBody>
+          </p:sp>
+        </mc:Fallback>
+      </mc:AlternateContent>
+      <mc:AlternateContent xmlns:mc="http://schemas.openxmlformats.org/markup-compatibility/2006">
+        <mc:Choice xmlns:a14="http://schemas.microsoft.com/office/drawing/2010/main" Requires="a14">
+          <p:sp>
+            <p:nvSpPr>
+              <p:cNvPr id="1078" name="文本框 1077"/>
+              <p:cNvSpPr txBox="1"/>
+              <p:nvPr/>
+            </p:nvSpPr>
+            <p:spPr>
+              <a:xfrm>
+                <a:off x="3138396" y="10533324"/>
+                <a:ext cx="219932" cy="153888"/>
+              </a:xfrm>
+              <a:prstGeom prst="rect">
+                <a:avLst/>
+              </a:prstGeom>
+              <a:noFill/>
+            </p:spPr>
+            <p:txBody>
+              <a:bodyPr wrap="none" lIns="0" tIns="0" rIns="0" bIns="0" rtlCol="0">
+                <a:spAutoFit/>
+              </a:bodyPr>
+              <a:lstStyle/>
+              <a:p>
+                <a14:m>
+                  <m:oMath xmlns:m="http://schemas.openxmlformats.org/officeDocument/2006/math">
+                    <m:sSub>
+                      <m:sSubPr>
+                        <m:ctrlPr>
+                          <a:rPr lang="en-US" sz="1000" b="0" i="1" smtClean="0">
+                            <a:solidFill>
+                              <a:srgbClr val="FF0000"/>
+                            </a:solidFill>
+                            <a:latin typeface="Cambria Math" panose="02040503050406030204" pitchFamily="18" charset="0"/>
+                          </a:rPr>
+                        </m:ctrlPr>
+                      </m:sSubPr>
+                      <m:e>
+                        <m:r>
+                          <a:rPr lang="en-US" sz="1000" b="0" i="1" smtClean="0">
+                            <a:solidFill>
+                              <a:srgbClr val="FF0000"/>
+                            </a:solidFill>
+                            <a:latin typeface="Cambria Math" panose="02040503050406030204" pitchFamily="18" charset="0"/>
+                          </a:rPr>
+                          <m:t>𝐻</m:t>
+                        </m:r>
+                      </m:e>
+                      <m:sub>
+                        <m:r>
+                          <a:rPr lang="en-US" sz="1000" b="0" i="1" smtClean="0">
+                            <a:solidFill>
+                              <a:srgbClr val="FF0000"/>
+                            </a:solidFill>
+                            <a:latin typeface="Cambria Math" panose="02040503050406030204" pitchFamily="18" charset="0"/>
+                          </a:rPr>
+                          <m:t>𝑣𝑡</m:t>
+                        </m:r>
+                      </m:sub>
+                    </m:sSub>
+                  </m:oMath>
+                </a14:m>
+                <a:r>
+                  <a:rPr lang="en-US" sz="1000" dirty="0" smtClean="0">
+                    <a:solidFill>
+                      <a:srgbClr val="FF0000"/>
+                    </a:solidFill>
+                  </a:rPr>
+                  <a:t>’</a:t>
+                </a:r>
+                <a:endParaRPr lang="en-US" sz="1000" dirty="0">
+                  <a:solidFill>
+                    <a:srgbClr val="FF0000"/>
+                  </a:solidFill>
+                </a:endParaRPr>
+              </a:p>
+            </p:txBody>
+          </p:sp>
+        </mc:Choice>
+        <mc:Fallback>
+          <p:sp>
+            <p:nvSpPr>
+              <p:cNvPr id="1078" name="文本框 1077"/>
+              <p:cNvSpPr txBox="1">
+                <a:spLocks noRot="1" noChangeAspect="1" noMove="1" noResize="1" noEditPoints="1" noAdjustHandles="1" noChangeArrowheads="1" noChangeShapeType="1" noTextEdit="1"/>
+              </p:cNvSpPr>
+              <p:nvPr/>
+            </p:nvSpPr>
+            <p:spPr>
+              <a:xfrm>
+                <a:off x="3138396" y="10533324"/>
+                <a:ext cx="219932" cy="153888"/>
+              </a:xfrm>
+              <a:prstGeom prst="rect">
+                <a:avLst/>
+              </a:prstGeom>
+              <a:blipFill rotWithShape="0">
+                <a:blip r:embed="rId38"/>
+                <a:stretch>
+                  <a:fillRect l="-22222" t="-24000" r="-36111" b="-56000"/>
+                </a:stretch>
+              </a:blipFill>
+            </p:spPr>
+            <p:txBody>
+              <a:bodyPr/>
+              <a:lstStyle/>
+              <a:p>
+                <a:r>
+                  <a:rPr lang="en-US">
+                    <a:noFill/>
+                  </a:rPr>
+                  <a:t> </a:t>
+                </a:r>
+              </a:p>
+            </p:txBody>
+          </p:sp>
+        </mc:Fallback>
+      </mc:AlternateContent>
+      <mc:AlternateContent xmlns:mc="http://schemas.openxmlformats.org/markup-compatibility/2006">
+        <mc:Choice xmlns:a14="http://schemas.microsoft.com/office/drawing/2010/main" Requires="a14">
+          <p:sp>
+            <p:nvSpPr>
+              <p:cNvPr id="1079" name="文本框 1078"/>
+              <p:cNvSpPr txBox="1"/>
+              <p:nvPr/>
+            </p:nvSpPr>
+            <p:spPr>
+              <a:xfrm>
+                <a:off x="3917038" y="10543727"/>
+                <a:ext cx="317716" cy="153888"/>
+              </a:xfrm>
+              <a:prstGeom prst="rect">
+                <a:avLst/>
+              </a:prstGeom>
+              <a:noFill/>
+            </p:spPr>
+            <p:txBody>
+              <a:bodyPr wrap="none" lIns="0" tIns="0" rIns="0" bIns="0" rtlCol="0">
+                <a:spAutoFit/>
+              </a:bodyPr>
+              <a:lstStyle/>
+              <a:p>
+                <a14:m>
+                  <m:oMathPara xmlns:m="http://schemas.openxmlformats.org/officeDocument/2006/math">
+                    <m:oMathParaPr>
+                      <m:jc m:val="centerGroup"/>
+                    </m:oMathParaPr>
+                    <m:oMath xmlns:m="http://schemas.openxmlformats.org/officeDocument/2006/math">
+                      <m:sSub>
+                        <m:sSubPr>
+                          <m:ctrlPr>
+                            <a:rPr lang="en-US" sz="1000" b="0" i="1" smtClean="0">
+                              <a:solidFill>
+                                <a:srgbClr val="FF0000"/>
+                              </a:solidFill>
+                              <a:latin typeface="Cambria Math" panose="02040503050406030204" pitchFamily="18" charset="0"/>
+                            </a:rPr>
+                          </m:ctrlPr>
+                        </m:sSubPr>
+                        <m:e>
+                          <m:r>
+                            <a:rPr lang="en-US" sz="1000" b="0" i="1" smtClean="0">
+                              <a:solidFill>
+                                <a:srgbClr val="FF0000"/>
+                              </a:solidFill>
+                              <a:latin typeface="Cambria Math" panose="02040503050406030204" pitchFamily="18" charset="0"/>
+                            </a:rPr>
+                            <m:t>𝐻</m:t>
+                          </m:r>
+                        </m:e>
+                        <m:sub>
+                          <m:r>
+                            <a:rPr lang="en-US" sz="1000" b="0" i="1" smtClean="0">
+                              <a:solidFill>
+                                <a:srgbClr val="FF0000"/>
+                              </a:solidFill>
+                              <a:latin typeface="Cambria Math" panose="02040503050406030204" pitchFamily="18" charset="0"/>
+                            </a:rPr>
+                            <m:t>𝑣𝑡</m:t>
+                          </m:r>
+                        </m:sub>
+                      </m:sSub>
+                      <m:r>
+                        <a:rPr lang="en-US" sz="1000" b="0" i="1" smtClean="0">
+                          <a:solidFill>
+                            <a:srgbClr val="FF0000"/>
+                          </a:solidFill>
+                          <a:latin typeface="Cambria Math" panose="02040503050406030204" pitchFamily="18" charset="0"/>
+                        </a:rPr>
+                        <m:t>′′′</m:t>
+                      </m:r>
+                    </m:oMath>
+                  </m:oMathPara>
+                </a14:m>
+                <a:endParaRPr lang="en-US" sz="1000" dirty="0">
+                  <a:solidFill>
+                    <a:srgbClr val="FF0000"/>
+                  </a:solidFill>
+                </a:endParaRPr>
+              </a:p>
+            </p:txBody>
+          </p:sp>
+        </mc:Choice>
+        <mc:Fallback>
+          <p:sp>
+            <p:nvSpPr>
+              <p:cNvPr id="1079" name="文本框 1078"/>
+              <p:cNvSpPr txBox="1">
+                <a:spLocks noRot="1" noChangeAspect="1" noMove="1" noResize="1" noEditPoints="1" noAdjustHandles="1" noChangeArrowheads="1" noChangeShapeType="1" noTextEdit="1"/>
+              </p:cNvSpPr>
+              <p:nvPr/>
+            </p:nvSpPr>
+            <p:spPr>
+              <a:xfrm>
+                <a:off x="3917038" y="10543727"/>
+                <a:ext cx="317716" cy="153888"/>
+              </a:xfrm>
+              <a:prstGeom prst="rect">
+                <a:avLst/>
+              </a:prstGeom>
+              <a:blipFill rotWithShape="0">
+                <a:blip r:embed="rId39"/>
+                <a:stretch>
+                  <a:fillRect l="-9615" t="-4000" r="-9615" b="-16000"/>
                 </a:stretch>
               </a:blipFill>
             </p:spPr>

--- a/figs/abs.pptx
+++ b/figs/abs.pptx
@@ -245,7 +245,7 @@
           <a:p>
             <a:fld id="{5083D971-42EC-47BE-9198-28BD41951433}" type="datetimeFigureOut">
               <a:rPr lang="en-US" smtClean="0"/>
-              <a:t>4/22/2015</a:t>
+              <a:t>4/23/2015</a:t>
             </a:fld>
             <a:endParaRPr lang="en-US"/>
           </a:p>
@@ -415,7 +415,7 @@
           <a:p>
             <a:fld id="{5083D971-42EC-47BE-9198-28BD41951433}" type="datetimeFigureOut">
               <a:rPr lang="en-US" smtClean="0"/>
-              <a:t>4/22/2015</a:t>
+              <a:t>4/23/2015</a:t>
             </a:fld>
             <a:endParaRPr lang="en-US"/>
           </a:p>
@@ -595,7 +595,7 @@
           <a:p>
             <a:fld id="{5083D971-42EC-47BE-9198-28BD41951433}" type="datetimeFigureOut">
               <a:rPr lang="en-US" smtClean="0"/>
-              <a:t>4/22/2015</a:t>
+              <a:t>4/23/2015</a:t>
             </a:fld>
             <a:endParaRPr lang="en-US"/>
           </a:p>
@@ -765,7 +765,7 @@
           <a:p>
             <a:fld id="{5083D971-42EC-47BE-9198-28BD41951433}" type="datetimeFigureOut">
               <a:rPr lang="en-US" smtClean="0"/>
-              <a:t>4/22/2015</a:t>
+              <a:t>4/23/2015</a:t>
             </a:fld>
             <a:endParaRPr lang="en-US"/>
           </a:p>
@@ -1009,7 +1009,7 @@
           <a:p>
             <a:fld id="{5083D971-42EC-47BE-9198-28BD41951433}" type="datetimeFigureOut">
               <a:rPr lang="en-US" smtClean="0"/>
-              <a:t>4/22/2015</a:t>
+              <a:t>4/23/2015</a:t>
             </a:fld>
             <a:endParaRPr lang="en-US"/>
           </a:p>
@@ -1241,7 +1241,7 @@
           <a:p>
             <a:fld id="{5083D971-42EC-47BE-9198-28BD41951433}" type="datetimeFigureOut">
               <a:rPr lang="en-US" smtClean="0"/>
-              <a:t>4/22/2015</a:t>
+              <a:t>4/23/2015</a:t>
             </a:fld>
             <a:endParaRPr lang="en-US"/>
           </a:p>
@@ -1608,7 +1608,7 @@
           <a:p>
             <a:fld id="{5083D971-42EC-47BE-9198-28BD41951433}" type="datetimeFigureOut">
               <a:rPr lang="en-US" smtClean="0"/>
-              <a:t>4/22/2015</a:t>
+              <a:t>4/23/2015</a:t>
             </a:fld>
             <a:endParaRPr lang="en-US"/>
           </a:p>
@@ -1726,7 +1726,7 @@
           <a:p>
             <a:fld id="{5083D971-42EC-47BE-9198-28BD41951433}" type="datetimeFigureOut">
               <a:rPr lang="en-US" smtClean="0"/>
-              <a:t>4/22/2015</a:t>
+              <a:t>4/23/2015</a:t>
             </a:fld>
             <a:endParaRPr lang="en-US"/>
           </a:p>
@@ -1821,7 +1821,7 @@
           <a:p>
             <a:fld id="{5083D971-42EC-47BE-9198-28BD41951433}" type="datetimeFigureOut">
               <a:rPr lang="en-US" smtClean="0"/>
-              <a:t>4/22/2015</a:t>
+              <a:t>4/23/2015</a:t>
             </a:fld>
             <a:endParaRPr lang="en-US"/>
           </a:p>
@@ -2098,7 +2098,7 @@
           <a:p>
             <a:fld id="{5083D971-42EC-47BE-9198-28BD41951433}" type="datetimeFigureOut">
               <a:rPr lang="en-US" smtClean="0"/>
-              <a:t>4/22/2015</a:t>
+              <a:t>4/23/2015</a:t>
             </a:fld>
             <a:endParaRPr lang="en-US"/>
           </a:p>
@@ -2355,7 +2355,7 @@
           <a:p>
             <a:fld id="{5083D971-42EC-47BE-9198-28BD41951433}" type="datetimeFigureOut">
               <a:rPr lang="en-US" smtClean="0"/>
-              <a:t>4/22/2015</a:t>
+              <a:t>4/23/2015</a:t>
             </a:fld>
             <a:endParaRPr lang="en-US"/>
           </a:p>
@@ -2568,7 +2568,7 @@
           <a:p>
             <a:fld id="{5083D971-42EC-47BE-9198-28BD41951433}" type="datetimeFigureOut">
               <a:rPr lang="en-US" smtClean="0"/>
-              <a:t>4/22/2015</a:t>
+              <a:t>4/23/2015</a:t>
             </a:fld>
             <a:endParaRPr lang="en-US"/>
           </a:p>
@@ -25664,36 +25664,6 @@
           </a:p>
         </p:txBody>
       </p:sp>
-      <p:sp>
-        <p:nvSpPr>
-          <p:cNvPr id="759" name="文本框 758"/>
-          <p:cNvSpPr txBox="1"/>
-          <p:nvPr/>
-        </p:nvSpPr>
-        <p:spPr>
-          <a:xfrm>
-            <a:off x="3042561" y="8702445"/>
-            <a:ext cx="304892" cy="230832"/>
-          </a:xfrm>
-          <a:prstGeom prst="rect">
-            <a:avLst/>
-          </a:prstGeom>
-          <a:noFill/>
-        </p:spPr>
-        <p:txBody>
-          <a:bodyPr wrap="none" rtlCol="0">
-            <a:spAutoFit/>
-          </a:bodyPr>
-          <a:lstStyle/>
-          <a:p>
-            <a:r>
-              <a:rPr lang="en-US" sz="900" dirty="0" smtClean="0"/>
-              <a:t>R3</a:t>
-            </a:r>
-            <a:endParaRPr lang="en-US" sz="900" dirty="0"/>
-          </a:p>
-        </p:txBody>
-      </p:sp>
       <p:grpSp>
         <p:nvGrpSpPr>
           <p:cNvPr id="388" name="组合 387"/>
@@ -27231,7 +27201,7 @@
         </p:nvGrpSpPr>
         <p:grpSpPr>
           <a:xfrm>
-            <a:off x="3963647" y="9437839"/>
+            <a:off x="4140468" y="9200663"/>
             <a:ext cx="235809" cy="305209"/>
             <a:chOff x="7938751" y="8487266"/>
             <a:chExt cx="235809" cy="305209"/>
@@ -37874,8 +37844,8 @@
         </p:nvCxnSpPr>
         <p:spPr>
           <a:xfrm flipV="1">
-            <a:off x="1453471" y="8847102"/>
-            <a:ext cx="1175224" cy="12006"/>
+            <a:off x="1453471" y="8843516"/>
+            <a:ext cx="1526279" cy="15592"/>
           </a:xfrm>
           <a:prstGeom prst="straightConnector1">
             <a:avLst/>
@@ -38435,7 +38405,6 @@
                         <a:rPr lang="en-US" sz="800" dirty="0" smtClean="0"/>
                         <a:t>Contraction</a:t>
                       </a:r>
-                      <a:endParaRPr lang="en-US" sz="800" dirty="0" smtClean="0"/>
                     </a:p>
                   </a:txBody>
                   <a:tcPr marL="38576" marR="38576" marT="19289" marB="19289" anchor="ctr">
@@ -39456,7 +39425,7 @@
         </p:nvSpPr>
         <p:spPr>
           <a:xfrm>
-            <a:off x="3560621" y="9420790"/>
+            <a:off x="3737442" y="9183614"/>
             <a:ext cx="45719" cy="45719"/>
           </a:xfrm>
           <a:prstGeom prst="ellipse">
@@ -39499,7 +39468,7 @@
         </p:nvSpPr>
         <p:spPr>
           <a:xfrm>
-            <a:off x="3606340" y="9519644"/>
+            <a:off x="3783161" y="9282468"/>
             <a:ext cx="45719" cy="45719"/>
           </a:xfrm>
           <a:prstGeom prst="ellipse">
@@ -39539,7 +39508,7 @@
         </p:nvSpPr>
         <p:spPr>
           <a:xfrm>
-            <a:off x="3669771" y="9710982"/>
+            <a:off x="3846592" y="9473806"/>
             <a:ext cx="45719" cy="45719"/>
           </a:xfrm>
           <a:prstGeom prst="ellipse">
@@ -39585,7 +39554,7 @@
         </p:nvCxnSpPr>
         <p:spPr>
           <a:xfrm>
-            <a:off x="3599645" y="9459814"/>
+            <a:off x="3776466" y="9222638"/>
             <a:ext cx="29555" cy="59830"/>
           </a:xfrm>
           <a:prstGeom prst="line">
@@ -39623,7 +39592,7 @@
         </p:nvCxnSpPr>
         <p:spPr>
           <a:xfrm>
-            <a:off x="3629200" y="9565363"/>
+            <a:off x="3806021" y="9328187"/>
             <a:ext cx="63431" cy="145619"/>
           </a:xfrm>
           <a:prstGeom prst="line">
@@ -39694,7 +39663,7 @@
         </p:nvCxnSpPr>
         <p:spPr>
           <a:xfrm flipV="1">
-            <a:off x="3349541" y="9600462"/>
+            <a:off x="3580582" y="9366359"/>
             <a:ext cx="213891" cy="1"/>
           </a:xfrm>
           <a:prstGeom prst="straightConnector1">
@@ -39766,7 +39735,7 @@
         </p:nvCxnSpPr>
         <p:spPr>
           <a:xfrm>
-            <a:off x="3725357" y="9578802"/>
+            <a:off x="3902178" y="9341626"/>
             <a:ext cx="254783" cy="4027"/>
           </a:xfrm>
           <a:prstGeom prst="straightConnector1">
@@ -39802,8 +39771,8 @@
         </p:nvCxnSpPr>
         <p:spPr>
           <a:xfrm flipV="1">
-            <a:off x="4199456" y="9395290"/>
-            <a:ext cx="399906" cy="199792"/>
+            <a:off x="4388346" y="9327497"/>
+            <a:ext cx="245167" cy="1523"/>
           </a:xfrm>
           <a:prstGeom prst="straightConnector1">
             <a:avLst/>
@@ -40492,7 +40461,7 @@
         </p:nvSpPr>
         <p:spPr>
           <a:xfrm>
-            <a:off x="2893925" y="9387665"/>
+            <a:off x="2907952" y="9380507"/>
             <a:ext cx="304892" cy="230832"/>
           </a:xfrm>
           <a:prstGeom prst="rect">
@@ -40552,7 +40521,7 @@
         </p:nvSpPr>
         <p:spPr>
           <a:xfrm>
-            <a:off x="3284199" y="9401083"/>
+            <a:off x="3515240" y="9166980"/>
             <a:ext cx="304892" cy="230832"/>
           </a:xfrm>
           <a:prstGeom prst="rect">
@@ -40612,7 +40581,7 @@
         </p:nvSpPr>
         <p:spPr>
           <a:xfrm>
-            <a:off x="3666972" y="9387594"/>
+            <a:off x="3843793" y="9150418"/>
             <a:ext cx="304892" cy="230832"/>
           </a:xfrm>
           <a:prstGeom prst="rect">
@@ -41218,36 +41187,6 @@
           </a:p>
         </p:txBody>
       </p:sp>
-      <p:sp>
-        <p:nvSpPr>
-          <p:cNvPr id="486" name="文本框 485"/>
-          <p:cNvSpPr txBox="1"/>
-          <p:nvPr/>
-        </p:nvSpPr>
-        <p:spPr>
-          <a:xfrm>
-            <a:off x="4174397" y="9323068"/>
-            <a:ext cx="304892" cy="230832"/>
-          </a:xfrm>
-          <a:prstGeom prst="rect">
-            <a:avLst/>
-          </a:prstGeom>
-          <a:noFill/>
-        </p:spPr>
-        <p:txBody>
-          <a:bodyPr wrap="none" rtlCol="0">
-            <a:spAutoFit/>
-          </a:bodyPr>
-          <a:lstStyle/>
-          <a:p>
-            <a:r>
-              <a:rPr lang="en-US" sz="900" dirty="0" smtClean="0"/>
-              <a:t>R7</a:t>
-            </a:r>
-            <a:endParaRPr lang="en-US" sz="900" dirty="0"/>
-          </a:p>
-        </p:txBody>
-      </p:sp>
       <p:cxnSp>
         <p:nvCxnSpPr>
           <p:cNvPr id="24" name="直接箭头连接符 23"/>
@@ -41257,7 +41196,7 @@
         <p:spPr>
           <a:xfrm>
             <a:off x="4169762" y="8260198"/>
-            <a:ext cx="357750" cy="814939"/>
+            <a:ext cx="423166" cy="875715"/>
           </a:xfrm>
           <a:prstGeom prst="straightConnector1">
             <a:avLst/>
@@ -41388,7 +41327,7 @@
         </p:nvSpPr>
         <p:spPr>
           <a:xfrm>
-            <a:off x="2678268" y="8698464"/>
+            <a:off x="3061734" y="8710640"/>
             <a:ext cx="45719" cy="45719"/>
           </a:xfrm>
           <a:prstGeom prst="ellipse">
@@ -41431,7 +41370,7 @@
         </p:nvSpPr>
         <p:spPr>
           <a:xfrm>
-            <a:off x="2723987" y="8797318"/>
+            <a:off x="3107453" y="8809494"/>
             <a:ext cx="45719" cy="45719"/>
           </a:xfrm>
           <a:prstGeom prst="ellipse">
@@ -41471,7 +41410,7 @@
         </p:nvSpPr>
         <p:spPr>
           <a:xfrm>
-            <a:off x="2746846" y="8896172"/>
+            <a:off x="3130312" y="8908348"/>
             <a:ext cx="45719" cy="45719"/>
           </a:xfrm>
           <a:prstGeom prst="ellipse">
@@ -41511,7 +41450,7 @@
         </p:nvSpPr>
         <p:spPr>
           <a:xfrm>
-            <a:off x="2787418" y="8988656"/>
+            <a:off x="3170884" y="9000832"/>
             <a:ext cx="45719" cy="45719"/>
           </a:xfrm>
           <a:prstGeom prst="ellipse">
@@ -41554,7 +41493,7 @@
         </p:nvCxnSpPr>
         <p:spPr>
           <a:xfrm>
-            <a:off x="2717292" y="8737488"/>
+            <a:off x="3100758" y="8749664"/>
             <a:ext cx="29555" cy="59830"/>
           </a:xfrm>
           <a:prstGeom prst="line">
@@ -41592,7 +41531,7 @@
         </p:nvCxnSpPr>
         <p:spPr>
           <a:xfrm>
-            <a:off x="2746847" y="8843037"/>
+            <a:off x="3130313" y="8855213"/>
             <a:ext cx="6694" cy="59830"/>
           </a:xfrm>
           <a:prstGeom prst="line">
@@ -41630,7 +41569,7 @@
         </p:nvCxnSpPr>
         <p:spPr>
           <a:xfrm>
-            <a:off x="2769706" y="8941891"/>
+            <a:off x="3153172" y="8954067"/>
             <a:ext cx="40572" cy="46765"/>
           </a:xfrm>
           <a:prstGeom prst="line">
@@ -41657,489 +41596,6 @@
           </a:fontRef>
         </p:style>
       </p:cxnSp>
-      <p:cxnSp>
-        <p:nvCxnSpPr>
-          <p:cNvPr id="516" name="直接箭头连接符 515"/>
-          <p:cNvCxnSpPr/>
-          <p:nvPr/>
-        </p:nvCxnSpPr>
-        <p:spPr>
-          <a:xfrm>
-            <a:off x="2875051" y="8872026"/>
-            <a:ext cx="684324" cy="0"/>
-          </a:xfrm>
-          <a:prstGeom prst="straightConnector1">
-            <a:avLst/>
-          </a:prstGeom>
-          <a:ln>
-            <a:solidFill>
-              <a:schemeClr val="tx1"/>
-            </a:solidFill>
-            <a:tailEnd type="triangle"/>
-          </a:ln>
-        </p:spPr>
-        <p:style>
-          <a:lnRef idx="1">
-            <a:schemeClr val="accent1"/>
-          </a:lnRef>
-          <a:fillRef idx="0">
-            <a:schemeClr val="accent1"/>
-          </a:fillRef>
-          <a:effectRef idx="0">
-            <a:schemeClr val="accent1"/>
-          </a:effectRef>
-          <a:fontRef idx="minor">
-            <a:schemeClr val="tx1"/>
-          </a:fontRef>
-        </p:style>
-      </p:cxnSp>
-      <p:sp>
-        <p:nvSpPr>
-          <p:cNvPr id="760" name="椭圆 759"/>
-          <p:cNvSpPr/>
-          <p:nvPr/>
-        </p:nvSpPr>
-        <p:spPr>
-          <a:xfrm>
-            <a:off x="3560554" y="8695121"/>
-            <a:ext cx="45719" cy="45719"/>
-          </a:xfrm>
-          <a:prstGeom prst="ellipse">
-            <a:avLst/>
-          </a:prstGeom>
-          <a:solidFill>
-            <a:srgbClr val="FF0000"/>
-          </a:solidFill>
-        </p:spPr>
-        <p:style>
-          <a:lnRef idx="2">
-            <a:schemeClr val="accent1">
-              <a:shade val="50000"/>
-            </a:schemeClr>
-          </a:lnRef>
-          <a:fillRef idx="1">
-            <a:schemeClr val="accent1"/>
-          </a:fillRef>
-          <a:effectRef idx="0">
-            <a:schemeClr val="accent1"/>
-          </a:effectRef>
-          <a:fontRef idx="minor">
-            <a:schemeClr val="lt1"/>
-          </a:fontRef>
-        </p:style>
-        <p:txBody>
-          <a:bodyPr rtlCol="0" anchor="ctr"/>
-          <a:lstStyle/>
-          <a:p>
-            <a:pPr algn="ctr"/>
-            <a:endParaRPr lang="en-US"/>
-          </a:p>
-        </p:txBody>
-      </p:sp>
-      <p:sp>
-        <p:nvSpPr>
-          <p:cNvPr id="761" name="椭圆 760"/>
-          <p:cNvSpPr/>
-          <p:nvPr/>
-        </p:nvSpPr>
-        <p:spPr>
-          <a:xfrm>
-            <a:off x="3606273" y="8793975"/>
-            <a:ext cx="45719" cy="45719"/>
-          </a:xfrm>
-          <a:prstGeom prst="ellipse">
-            <a:avLst/>
-          </a:prstGeom>
-        </p:spPr>
-        <p:style>
-          <a:lnRef idx="2">
-            <a:schemeClr val="accent1">
-              <a:shade val="50000"/>
-            </a:schemeClr>
-          </a:lnRef>
-          <a:fillRef idx="1">
-            <a:schemeClr val="accent1"/>
-          </a:fillRef>
-          <a:effectRef idx="0">
-            <a:schemeClr val="accent1"/>
-          </a:effectRef>
-          <a:fontRef idx="minor">
-            <a:schemeClr val="lt1"/>
-          </a:fontRef>
-        </p:style>
-        <p:txBody>
-          <a:bodyPr rtlCol="0" anchor="ctr"/>
-          <a:lstStyle/>
-          <a:p>
-            <a:pPr algn="ctr"/>
-            <a:endParaRPr lang="en-US"/>
-          </a:p>
-        </p:txBody>
-      </p:sp>
-      <p:sp>
-        <p:nvSpPr>
-          <p:cNvPr id="762" name="椭圆 761"/>
-          <p:cNvSpPr/>
-          <p:nvPr/>
-        </p:nvSpPr>
-        <p:spPr>
-          <a:xfrm>
-            <a:off x="3669704" y="8985313"/>
-            <a:ext cx="45719" cy="45719"/>
-          </a:xfrm>
-          <a:prstGeom prst="ellipse">
-            <a:avLst/>
-          </a:prstGeom>
-          <a:solidFill>
-            <a:schemeClr val="accent1"/>
-          </a:solidFill>
-        </p:spPr>
-        <p:style>
-          <a:lnRef idx="2">
-            <a:schemeClr val="accent1">
-              <a:shade val="50000"/>
-            </a:schemeClr>
-          </a:lnRef>
-          <a:fillRef idx="1">
-            <a:schemeClr val="accent1"/>
-          </a:fillRef>
-          <a:effectRef idx="0">
-            <a:schemeClr val="accent1"/>
-          </a:effectRef>
-          <a:fontRef idx="minor">
-            <a:schemeClr val="lt1"/>
-          </a:fontRef>
-        </p:style>
-        <p:txBody>
-          <a:bodyPr rtlCol="0" anchor="ctr"/>
-          <a:lstStyle/>
-          <a:p>
-            <a:pPr algn="ctr"/>
-            <a:endParaRPr lang="en-US"/>
-          </a:p>
-        </p:txBody>
-      </p:sp>
-      <p:cxnSp>
-        <p:nvCxnSpPr>
-          <p:cNvPr id="764" name="直接连接符 763"/>
-          <p:cNvCxnSpPr>
-            <a:stCxn id="760" idx="5"/>
-            <a:endCxn id="761" idx="0"/>
-          </p:cNvCxnSpPr>
-          <p:nvPr/>
-        </p:nvCxnSpPr>
-        <p:spPr>
-          <a:xfrm>
-            <a:off x="3599578" y="8734145"/>
-            <a:ext cx="29555" cy="59830"/>
-          </a:xfrm>
-          <a:prstGeom prst="line">
-            <a:avLst/>
-          </a:prstGeom>
-          <a:ln w="19050">
-            <a:solidFill>
-              <a:schemeClr val="tx1"/>
-            </a:solidFill>
-          </a:ln>
-        </p:spPr>
-        <p:style>
-          <a:lnRef idx="1">
-            <a:schemeClr val="accent1"/>
-          </a:lnRef>
-          <a:fillRef idx="0">
-            <a:schemeClr val="accent1"/>
-          </a:fillRef>
-          <a:effectRef idx="0">
-            <a:schemeClr val="accent1"/>
-          </a:effectRef>
-          <a:fontRef idx="minor">
-            <a:schemeClr val="tx1"/>
-          </a:fontRef>
-        </p:style>
-      </p:cxnSp>
-      <p:cxnSp>
-        <p:nvCxnSpPr>
-          <p:cNvPr id="766" name="直接连接符 765"/>
-          <p:cNvCxnSpPr>
-            <a:stCxn id="761" idx="4"/>
-            <a:endCxn id="762" idx="0"/>
-          </p:cNvCxnSpPr>
-          <p:nvPr/>
-        </p:nvCxnSpPr>
-        <p:spPr>
-          <a:xfrm>
-            <a:off x="3629133" y="8839694"/>
-            <a:ext cx="63431" cy="145619"/>
-          </a:xfrm>
-          <a:prstGeom prst="line">
-            <a:avLst/>
-          </a:prstGeom>
-          <a:ln w="19050">
-            <a:solidFill>
-              <a:schemeClr val="tx1"/>
-            </a:solidFill>
-          </a:ln>
-        </p:spPr>
-        <p:style>
-          <a:lnRef idx="1">
-            <a:schemeClr val="accent1"/>
-          </a:lnRef>
-          <a:fillRef idx="0">
-            <a:schemeClr val="accent1"/>
-          </a:fillRef>
-          <a:effectRef idx="0">
-            <a:schemeClr val="accent1"/>
-          </a:effectRef>
-          <a:fontRef idx="minor">
-            <a:schemeClr val="tx1"/>
-          </a:fontRef>
-        </p:style>
-      </p:cxnSp>
-      <p:grpSp>
-        <p:nvGrpSpPr>
-          <p:cNvPr id="768" name="组合 767"/>
-          <p:cNvGrpSpPr/>
-          <p:nvPr/>
-        </p:nvGrpSpPr>
-        <p:grpSpPr>
-          <a:xfrm>
-            <a:off x="3957992" y="8710674"/>
-            <a:ext cx="235809" cy="305209"/>
-            <a:chOff x="7938751" y="8487266"/>
-            <a:chExt cx="235809" cy="305209"/>
-          </a:xfrm>
-        </p:grpSpPr>
-        <p:sp>
-          <p:nvSpPr>
-            <p:cNvPr id="771" name="椭圆 770"/>
-            <p:cNvSpPr/>
-            <p:nvPr/>
-          </p:nvSpPr>
-          <p:spPr>
-            <a:xfrm>
-              <a:off x="7938751" y="8487266"/>
-              <a:ext cx="45719" cy="45719"/>
-            </a:xfrm>
-            <a:prstGeom prst="ellipse">
-              <a:avLst/>
-            </a:prstGeom>
-            <a:solidFill>
-              <a:srgbClr val="FF0000"/>
-            </a:solidFill>
-          </p:spPr>
-          <p:style>
-            <a:lnRef idx="2">
-              <a:schemeClr val="accent1">
-                <a:shade val="50000"/>
-              </a:schemeClr>
-            </a:lnRef>
-            <a:fillRef idx="1">
-              <a:schemeClr val="accent1"/>
-            </a:fillRef>
-            <a:effectRef idx="0">
-              <a:schemeClr val="accent1"/>
-            </a:effectRef>
-            <a:fontRef idx="minor">
-              <a:schemeClr val="lt1"/>
-            </a:fontRef>
-          </p:style>
-          <p:txBody>
-            <a:bodyPr rtlCol="0" anchor="ctr"/>
-            <a:lstStyle/>
-            <a:p>
-              <a:pPr algn="ctr"/>
-              <a:endParaRPr lang="en-US"/>
-            </a:p>
-          </p:txBody>
-        </p:sp>
-        <p:sp>
-          <p:nvSpPr>
-            <p:cNvPr id="773" name="椭圆 772"/>
-            <p:cNvSpPr/>
-            <p:nvPr/>
-          </p:nvSpPr>
-          <p:spPr>
-            <a:xfrm>
-              <a:off x="8128841" y="8746756"/>
-              <a:ext cx="45719" cy="45719"/>
-            </a:xfrm>
-            <a:prstGeom prst="ellipse">
-              <a:avLst/>
-            </a:prstGeom>
-            <a:solidFill>
-              <a:schemeClr val="accent1"/>
-            </a:solidFill>
-          </p:spPr>
-          <p:style>
-            <a:lnRef idx="2">
-              <a:schemeClr val="accent1">
-                <a:shade val="50000"/>
-              </a:schemeClr>
-            </a:lnRef>
-            <a:fillRef idx="1">
-              <a:schemeClr val="accent1"/>
-            </a:fillRef>
-            <a:effectRef idx="0">
-              <a:schemeClr val="accent1"/>
-            </a:effectRef>
-            <a:fontRef idx="minor">
-              <a:schemeClr val="lt1"/>
-            </a:fontRef>
-          </p:style>
-          <p:txBody>
-            <a:bodyPr rtlCol="0" anchor="ctr"/>
-            <a:lstStyle/>
-            <a:p>
-              <a:pPr algn="ctr"/>
-              <a:endParaRPr lang="en-US">
-                <a:solidFill>
-                  <a:srgbClr val="FF0000"/>
-                </a:solidFill>
-              </a:endParaRPr>
-            </a:p>
-          </p:txBody>
-        </p:sp>
-        <p:cxnSp>
-          <p:nvCxnSpPr>
-            <p:cNvPr id="775" name="直接连接符 774"/>
-            <p:cNvCxnSpPr>
-              <a:stCxn id="771" idx="5"/>
-              <a:endCxn id="773" idx="1"/>
-            </p:cNvCxnSpPr>
-            <p:nvPr/>
-          </p:nvCxnSpPr>
-          <p:spPr>
-            <a:xfrm>
-              <a:off x="7977775" y="8526290"/>
-              <a:ext cx="157761" cy="227161"/>
-            </a:xfrm>
-            <a:prstGeom prst="line">
-              <a:avLst/>
-            </a:prstGeom>
-            <a:ln w="19050">
-              <a:solidFill>
-                <a:schemeClr val="tx1"/>
-              </a:solidFill>
-            </a:ln>
-          </p:spPr>
-          <p:style>
-            <a:lnRef idx="1">
-              <a:schemeClr val="accent1"/>
-            </a:lnRef>
-            <a:fillRef idx="0">
-              <a:schemeClr val="accent1"/>
-            </a:fillRef>
-            <a:effectRef idx="0">
-              <a:schemeClr val="accent1"/>
-            </a:effectRef>
-            <a:fontRef idx="minor">
-              <a:schemeClr val="tx1"/>
-            </a:fontRef>
-          </p:style>
-        </p:cxnSp>
-      </p:grpSp>
-      <p:cxnSp>
-        <p:nvCxnSpPr>
-          <p:cNvPr id="777" name="直接箭头连接符 776"/>
-          <p:cNvCxnSpPr/>
-          <p:nvPr/>
-        </p:nvCxnSpPr>
-        <p:spPr>
-          <a:xfrm>
-            <a:off x="3719702" y="8868263"/>
-            <a:ext cx="254783" cy="4027"/>
-          </a:xfrm>
-          <a:prstGeom prst="straightConnector1">
-            <a:avLst/>
-          </a:prstGeom>
-          <a:ln>
-            <a:solidFill>
-              <a:schemeClr val="tx1"/>
-            </a:solidFill>
-            <a:tailEnd type="triangle"/>
-          </a:ln>
-        </p:spPr>
-        <p:style>
-          <a:lnRef idx="1">
-            <a:schemeClr val="accent1"/>
-          </a:lnRef>
-          <a:fillRef idx="0">
-            <a:schemeClr val="accent1"/>
-          </a:fillRef>
-          <a:effectRef idx="0">
-            <a:schemeClr val="accent1"/>
-          </a:effectRef>
-          <a:fontRef idx="minor">
-            <a:schemeClr val="tx1"/>
-          </a:fontRef>
-        </p:style>
-      </p:cxnSp>
-      <p:sp>
-        <p:nvSpPr>
-          <p:cNvPr id="779" name="文本框 778"/>
-          <p:cNvSpPr txBox="1"/>
-          <p:nvPr/>
-        </p:nvSpPr>
-        <p:spPr>
-          <a:xfrm>
-            <a:off x="3661317" y="8677055"/>
-            <a:ext cx="304892" cy="230832"/>
-          </a:xfrm>
-          <a:prstGeom prst="rect">
-            <a:avLst/>
-          </a:prstGeom>
-          <a:noFill/>
-        </p:spPr>
-        <p:txBody>
-          <a:bodyPr wrap="none" rtlCol="0">
-            <a:spAutoFit/>
-          </a:bodyPr>
-          <a:lstStyle/>
-          <a:p>
-            <a:r>
-              <a:rPr lang="en-US" sz="900" dirty="0" smtClean="0"/>
-              <a:t>R6</a:t>
-            </a:r>
-            <a:endParaRPr lang="en-US" sz="900" dirty="0"/>
-          </a:p>
-        </p:txBody>
-      </p:sp>
-      <p:cxnSp>
-        <p:nvCxnSpPr>
-          <p:cNvPr id="788" name="直接箭头连接符 787"/>
-          <p:cNvCxnSpPr/>
-          <p:nvPr/>
-        </p:nvCxnSpPr>
-        <p:spPr>
-          <a:xfrm>
-            <a:off x="4241607" y="8996181"/>
-            <a:ext cx="223719" cy="207711"/>
-          </a:xfrm>
-          <a:prstGeom prst="straightConnector1">
-            <a:avLst/>
-          </a:prstGeom>
-          <a:ln>
-            <a:solidFill>
-              <a:schemeClr val="tx1"/>
-            </a:solidFill>
-            <a:tailEnd type="triangle"/>
-          </a:ln>
-        </p:spPr>
-        <p:style>
-          <a:lnRef idx="1">
-            <a:schemeClr val="accent1"/>
-          </a:lnRef>
-          <a:fillRef idx="0">
-            <a:schemeClr val="accent1"/>
-          </a:fillRef>
-          <a:effectRef idx="0">
-            <a:schemeClr val="accent1"/>
-          </a:effectRef>
-          <a:fontRef idx="minor">
-            <a:schemeClr val="tx1"/>
-          </a:fontRef>
-        </p:style>
-      </p:cxnSp>
       <p:sp>
         <p:nvSpPr>
           <p:cNvPr id="790" name="文本框 789"/>
@@ -42148,7 +41604,7 @@
         </p:nvSpPr>
         <p:spPr>
           <a:xfrm>
-            <a:off x="4118977" y="9037217"/>
+            <a:off x="4306692" y="9145411"/>
             <a:ext cx="304892" cy="230832"/>
           </a:xfrm>
           <a:prstGeom prst="rect">
@@ -43734,8 +43190,8 @@
           </a:fontRef>
         </p:style>
       </p:cxnSp>
-      <mc:AlternateContent xmlns:mc="http://schemas.openxmlformats.org/markup-compatibility/2006">
-        <mc:Choice xmlns:a14="http://schemas.microsoft.com/office/drawing/2010/main" Requires="a14">
+      <mc:AlternateContent xmlns:mc="http://schemas.openxmlformats.org/markup-compatibility/2006" xmlns:a14="http://schemas.microsoft.com/office/drawing/2010/main">
+        <mc:Choice Requires="a14">
           <p:sp>
             <p:nvSpPr>
               <p:cNvPr id="112" name="文本框 111"/>
@@ -43758,6 +43214,7 @@
               </a:bodyPr>
               <a:lstStyle/>
               <a:p>
+                <a:pPr/>
                 <a14:m>
                   <m:oMathPara xmlns:m="http://schemas.openxmlformats.org/officeDocument/2006/math">
                     <m:oMathParaPr>
@@ -43810,7 +43267,7 @@
             </p:txBody>
           </p:sp>
         </mc:Choice>
-        <mc:Fallback>
+        <mc:Fallback xmlns="">
           <p:sp>
             <p:nvSpPr>
               <p:cNvPr id="112" name="文本框 111"/>
@@ -43849,8 +43306,8 @@
           </p:sp>
         </mc:Fallback>
       </mc:AlternateContent>
-      <mc:AlternateContent xmlns:mc="http://schemas.openxmlformats.org/markup-compatibility/2006">
-        <mc:Choice xmlns:a14="http://schemas.microsoft.com/office/drawing/2010/main" Requires="a14">
+      <mc:AlternateContent xmlns:mc="http://schemas.openxmlformats.org/markup-compatibility/2006" xmlns:a14="http://schemas.microsoft.com/office/drawing/2010/main">
+        <mc:Choice Requires="a14">
           <p:sp>
             <p:nvSpPr>
               <p:cNvPr id="861" name="文本框 860"/>
@@ -43873,6 +43330,7 @@
               </a:bodyPr>
               <a:lstStyle/>
               <a:p>
+                <a:pPr/>
                 <a14:m>
                   <m:oMathPara xmlns:m="http://schemas.openxmlformats.org/officeDocument/2006/math">
                     <m:oMathParaPr>
@@ -43934,7 +43392,7 @@
             </p:txBody>
           </p:sp>
         </mc:Choice>
-        <mc:Fallback>
+        <mc:Fallback xmlns="">
           <p:sp>
             <p:nvSpPr>
               <p:cNvPr id="861" name="文本框 860"/>
@@ -43977,14 +43435,14 @@
         <mc:Choice xmlns:a14="http://schemas.microsoft.com/office/drawing/2010/main" Requires="a14">
           <p:sp>
             <p:nvSpPr>
-              <p:cNvPr id="862" name="文本框 861"/>
+              <p:cNvPr id="863" name="文本框 862"/>
               <p:cNvSpPr txBox="1"/>
               <p:nvPr/>
             </p:nvSpPr>
             <p:spPr>
               <a:xfrm>
-                <a:off x="3840509" y="8485163"/>
-                <a:ext cx="309700" cy="153888"/>
+                <a:off x="4014527" y="8993020"/>
+                <a:ext cx="356188" cy="153888"/>
               </a:xfrm>
               <a:prstGeom prst="rect">
                 <a:avLst/>
@@ -43997,130 +43455,7 @@
               </a:bodyPr>
               <a:lstStyle/>
               <a:p>
-                <a14:m>
-                  <m:oMathPara xmlns:m="http://schemas.openxmlformats.org/officeDocument/2006/math">
-                    <m:oMathParaPr>
-                      <m:jc m:val="centerGroup"/>
-                    </m:oMathParaPr>
-                    <m:oMath xmlns:m="http://schemas.openxmlformats.org/officeDocument/2006/math">
-                      <m:sSub>
-                        <m:sSubPr>
-                          <m:ctrlPr>
-                            <a:rPr lang="en-US" sz="1000" b="0" i="1" smtClean="0">
-                              <a:solidFill>
-                                <a:srgbClr val="FF0000"/>
-                              </a:solidFill>
-                              <a:latin typeface="Cambria Math" panose="02040503050406030204" pitchFamily="18" charset="0"/>
-                            </a:rPr>
-                          </m:ctrlPr>
-                        </m:sSubPr>
-                        <m:e>
-                          <m:r>
-                            <a:rPr lang="en-US" sz="1000" b="0" i="1" smtClean="0">
-                              <a:solidFill>
-                                <a:srgbClr val="FF0000"/>
-                              </a:solidFill>
-                              <a:latin typeface="Cambria Math" panose="02040503050406030204" pitchFamily="18" charset="0"/>
-                            </a:rPr>
-                            <m:t>𝐻</m:t>
-                          </m:r>
-                        </m:e>
-                        <m:sub>
-                          <m:r>
-                            <a:rPr lang="en-US" sz="1000" b="0" i="1" smtClean="0">
-                              <a:solidFill>
-                                <a:srgbClr val="FF0000"/>
-                              </a:solidFill>
-                              <a:latin typeface="Cambria Math" panose="02040503050406030204" pitchFamily="18" charset="0"/>
-                            </a:rPr>
-                            <m:t>𝑠𝑡</m:t>
-                          </m:r>
-                        </m:sub>
-                      </m:sSub>
-                      <m:r>
-                        <a:rPr lang="en-US" sz="1000" b="0" i="1" smtClean="0">
-                          <a:solidFill>
-                            <a:srgbClr val="FF0000"/>
-                          </a:solidFill>
-                          <a:latin typeface="Cambria Math" panose="02040503050406030204" pitchFamily="18" charset="0"/>
-                        </a:rPr>
-                        <m:t>′′′</m:t>
-                      </m:r>
-                    </m:oMath>
-                  </m:oMathPara>
-                </a14:m>
-                <a:endParaRPr lang="en-US" sz="1000" dirty="0">
-                  <a:solidFill>
-                    <a:srgbClr val="FF0000"/>
-                  </a:solidFill>
-                </a:endParaRPr>
-              </a:p>
-            </p:txBody>
-          </p:sp>
-        </mc:Choice>
-        <mc:Fallback>
-          <p:sp>
-            <p:nvSpPr>
-              <p:cNvPr id="862" name="文本框 861"/>
-              <p:cNvSpPr txBox="1">
-                <a:spLocks noRot="1" noChangeAspect="1" noMove="1" noResize="1" noEditPoints="1" noAdjustHandles="1" noChangeArrowheads="1" noChangeShapeType="1" noTextEdit="1"/>
-              </p:cNvSpPr>
-              <p:nvPr/>
-            </p:nvSpPr>
-            <p:spPr>
-              <a:xfrm>
-                <a:off x="3840509" y="8485163"/>
-                <a:ext cx="309700" cy="153888"/>
-              </a:xfrm>
-              <a:prstGeom prst="rect">
-                <a:avLst/>
-              </a:prstGeom>
-              <a:blipFill rotWithShape="0">
-                <a:blip r:embed="rId4"/>
-                <a:stretch>
-                  <a:fillRect l="-7843" t="-4000" r="-9804" b="-16000"/>
-                </a:stretch>
-              </a:blipFill>
-            </p:spPr>
-            <p:txBody>
-              <a:bodyPr/>
-              <a:lstStyle/>
-              <a:p>
-                <a:r>
-                  <a:rPr lang="en-US">
-                    <a:noFill/>
-                  </a:rPr>
-                  <a:t> </a:t>
-                </a:r>
-              </a:p>
-            </p:txBody>
-          </p:sp>
-        </mc:Fallback>
-      </mc:AlternateContent>
-      <mc:AlternateContent xmlns:mc="http://schemas.openxmlformats.org/markup-compatibility/2006">
-        <mc:Choice xmlns:a14="http://schemas.microsoft.com/office/drawing/2010/main" Requires="a14">
-          <p:sp>
-            <p:nvSpPr>
-              <p:cNvPr id="863" name="文本框 862"/>
-              <p:cNvSpPr txBox="1"/>
-              <p:nvPr/>
-            </p:nvSpPr>
-            <p:spPr>
-              <a:xfrm>
-                <a:off x="3828683" y="9197257"/>
-                <a:ext cx="322524" cy="153888"/>
-              </a:xfrm>
-              <a:prstGeom prst="rect">
-                <a:avLst/>
-              </a:prstGeom>
-              <a:noFill/>
-            </p:spPr>
-            <p:txBody>
-              <a:bodyPr wrap="none" lIns="0" tIns="0" rIns="0" bIns="0" rtlCol="0">
-                <a:spAutoFit/>
-              </a:bodyPr>
-              <a:lstStyle/>
-              <a:p>
+                <a:pPr/>
                 <a14:m>
                   <m:oMathPara xmlns:m="http://schemas.openxmlformats.org/officeDocument/2006/math">
                     <m:oMathParaPr>
@@ -44168,7 +43503,25 @@
                           </a:solidFill>
                           <a:latin typeface="Cambria Math" panose="02040503050406030204" pitchFamily="18" charset="0"/>
                         </a:rPr>
-                        <m:t>′′′</m:t>
+                        <m:t>′</m:t>
+                      </m:r>
+                      <m:r>
+                        <a:rPr lang="en-US" sz="1000" b="0" i="1" smtClean="0">
+                          <a:solidFill>
+                            <a:srgbClr val="FF0000"/>
+                          </a:solidFill>
+                          <a:latin typeface="Cambria Math" panose="02040503050406030204" pitchFamily="18" charset="0"/>
+                        </a:rPr>
+                        <m:t>′</m:t>
+                      </m:r>
+                      <m:r>
+                        <a:rPr lang="en-US" sz="1000" b="0" i="1" smtClean="0">
+                          <a:solidFill>
+                            <a:srgbClr val="FF0000"/>
+                          </a:solidFill>
+                          <a:latin typeface="Cambria Math" panose="02040503050406030204" pitchFamily="18" charset="0"/>
+                        </a:rPr>
+                        <m:t>′′</m:t>
                       </m:r>
                     </m:oMath>
                   </m:oMathPara>
@@ -44193,16 +43546,16 @@
             </p:nvSpPr>
             <p:spPr>
               <a:xfrm>
-                <a:off x="3828683" y="9197257"/>
-                <a:ext cx="322524" cy="153888"/>
+                <a:off x="4014527" y="8993020"/>
+                <a:ext cx="356188" cy="153888"/>
               </a:xfrm>
               <a:prstGeom prst="rect">
                 <a:avLst/>
               </a:prstGeom>
               <a:blipFill rotWithShape="0">
-                <a:blip r:embed="rId5"/>
+                <a:blip r:embed="rId4"/>
                 <a:stretch>
-                  <a:fillRect l="-7547" t="-4000" r="-9434" b="-16000"/>
+                  <a:fillRect l="-8621" r="-8621" b="-16000"/>
                 </a:stretch>
               </a:blipFill>
             </p:spPr>
@@ -48909,8 +48262,8 @@
           </a:p>
         </p:txBody>
       </p:sp>
-      <mc:AlternateContent xmlns:mc="http://schemas.openxmlformats.org/markup-compatibility/2006">
-        <mc:Choice xmlns:a14="http://schemas.microsoft.com/office/drawing/2010/main" Requires="a14">
+      <mc:AlternateContent xmlns:mc="http://schemas.openxmlformats.org/markup-compatibility/2006" xmlns:a14="http://schemas.microsoft.com/office/drawing/2010/main">
+        <mc:Choice Requires="a14">
           <p:sp>
             <p:nvSpPr>
               <p:cNvPr id="1004" name="文本框 1003"/>
@@ -48933,6 +48286,7 @@
               </a:bodyPr>
               <a:lstStyle/>
               <a:p>
+                <a:pPr/>
                 <a14:m>
                   <m:oMathPara xmlns:m="http://schemas.openxmlformats.org/officeDocument/2006/math">
                     <m:oMathParaPr>
@@ -48994,7 +48348,7 @@
             </p:txBody>
           </p:sp>
         </mc:Choice>
-        <mc:Fallback>
+        <mc:Fallback xmlns="">
           <p:sp>
             <p:nvSpPr>
               <p:cNvPr id="1004" name="文本框 1003"/>
@@ -50307,8 +49661,8 @@
           </a:p>
         </p:txBody>
       </p:sp>
-      <mc:AlternateContent xmlns:mc="http://schemas.openxmlformats.org/markup-compatibility/2006">
-        <mc:Choice xmlns:a14="http://schemas.microsoft.com/office/drawing/2010/main" Requires="a14">
+      <mc:AlternateContent xmlns:mc="http://schemas.openxmlformats.org/markup-compatibility/2006" xmlns:a14="http://schemas.microsoft.com/office/drawing/2010/main">
+        <mc:Choice Requires="a14">
           <p:sp>
             <p:nvSpPr>
               <p:cNvPr id="1042" name="文本框 1041"/>
@@ -50331,6 +49685,7 @@
               </a:bodyPr>
               <a:lstStyle/>
               <a:p>
+                <a:pPr/>
                 <a14:m>
                   <m:oMathPara xmlns:m="http://schemas.openxmlformats.org/officeDocument/2006/math">
                     <m:oMathParaPr>
@@ -50392,7 +49747,7 @@
             </p:txBody>
           </p:sp>
         </mc:Choice>
-        <mc:Fallback>
+        <mc:Fallback xmlns="">
           <p:sp>
             <p:nvSpPr>
               <p:cNvPr id="1042" name="文本框 1041"/>
@@ -50431,8 +49786,8 @@
           </p:sp>
         </mc:Fallback>
       </mc:AlternateContent>
-      <mc:AlternateContent xmlns:mc="http://schemas.openxmlformats.org/markup-compatibility/2006">
-        <mc:Choice xmlns:a14="http://schemas.microsoft.com/office/drawing/2010/main" Requires="a14">
+      <mc:AlternateContent xmlns:mc="http://schemas.openxmlformats.org/markup-compatibility/2006" xmlns:a14="http://schemas.microsoft.com/office/drawing/2010/main">
+        <mc:Choice Requires="a14">
           <p:sp>
             <p:nvSpPr>
               <p:cNvPr id="1043" name="文本框 1042"/>
@@ -50455,6 +49810,7 @@
               </a:bodyPr>
               <a:lstStyle/>
               <a:p>
+                <a:pPr/>
                 <a14:m>
                   <m:oMathPara xmlns:m="http://schemas.openxmlformats.org/officeDocument/2006/math">
                     <m:oMathParaPr>
@@ -50507,7 +49863,7 @@
             </p:txBody>
           </p:sp>
         </mc:Choice>
-        <mc:Fallback>
+        <mc:Fallback xmlns="">
           <p:sp>
             <p:nvSpPr>
               <p:cNvPr id="1043" name="文本框 1042"/>
@@ -50546,8 +49902,8 @@
           </p:sp>
         </mc:Fallback>
       </mc:AlternateContent>
-      <mc:AlternateContent xmlns:mc="http://schemas.openxmlformats.org/markup-compatibility/2006">
-        <mc:Choice xmlns:a14="http://schemas.microsoft.com/office/drawing/2010/main" Requires="a14">
+      <mc:AlternateContent xmlns:mc="http://schemas.openxmlformats.org/markup-compatibility/2006" xmlns:a14="http://schemas.microsoft.com/office/drawing/2010/main">
+        <mc:Choice Requires="a14">
           <p:sp>
             <p:nvSpPr>
               <p:cNvPr id="1044" name="文本框 1043"/>
@@ -50570,6 +49926,7 @@
               </a:bodyPr>
               <a:lstStyle/>
               <a:p>
+                <a:pPr/>
                 <a14:m>
                   <m:oMathPara xmlns:m="http://schemas.openxmlformats.org/officeDocument/2006/math">
                     <m:oMathParaPr>
@@ -50631,7 +49988,7 @@
             </p:txBody>
           </p:sp>
         </mc:Choice>
-        <mc:Fallback>
+        <mc:Fallback xmlns="">
           <p:sp>
             <p:nvSpPr>
               <p:cNvPr id="1044" name="文本框 1043"/>
@@ -50670,8 +50027,8 @@
           </p:sp>
         </mc:Fallback>
       </mc:AlternateContent>
-      <mc:AlternateContent xmlns:mc="http://schemas.openxmlformats.org/markup-compatibility/2006">
-        <mc:Choice xmlns:a14="http://schemas.microsoft.com/office/drawing/2010/main" Requires="a14">
+      <mc:AlternateContent xmlns:mc="http://schemas.openxmlformats.org/markup-compatibility/2006" xmlns:a14="http://schemas.microsoft.com/office/drawing/2010/main">
+        <mc:Choice Requires="a14">
           <p:sp>
             <p:nvSpPr>
               <p:cNvPr id="1045" name="文本框 1044"/>
@@ -50749,7 +50106,7 @@
             </p:txBody>
           </p:sp>
         </mc:Choice>
-        <mc:Fallback>
+        <mc:Fallback xmlns="">
           <p:sp>
             <p:nvSpPr>
               <p:cNvPr id="1045" name="文本框 1044"/>
@@ -50788,8 +50145,8 @@
           </p:sp>
         </mc:Fallback>
       </mc:AlternateContent>
-      <mc:AlternateContent xmlns:mc="http://schemas.openxmlformats.org/markup-compatibility/2006">
-        <mc:Choice xmlns:a14="http://schemas.microsoft.com/office/drawing/2010/main" Requires="a14">
+      <mc:AlternateContent xmlns:mc="http://schemas.openxmlformats.org/markup-compatibility/2006" xmlns:a14="http://schemas.microsoft.com/office/drawing/2010/main">
+        <mc:Choice Requires="a14">
           <p:sp>
             <p:nvSpPr>
               <p:cNvPr id="1046" name="文本框 1045"/>
@@ -50867,7 +50224,7 @@
             </p:txBody>
           </p:sp>
         </mc:Choice>
-        <mc:Fallback>
+        <mc:Fallback xmlns="">
           <p:sp>
             <p:nvSpPr>
               <p:cNvPr id="1046" name="文本框 1045"/>
@@ -50906,8 +50263,8 @@
           </p:sp>
         </mc:Fallback>
       </mc:AlternateContent>
-      <mc:AlternateContent xmlns:mc="http://schemas.openxmlformats.org/markup-compatibility/2006">
-        <mc:Choice xmlns:a14="http://schemas.microsoft.com/office/drawing/2010/main" Requires="a14">
+      <mc:AlternateContent xmlns:mc="http://schemas.openxmlformats.org/markup-compatibility/2006" xmlns:a14="http://schemas.microsoft.com/office/drawing/2010/main">
+        <mc:Choice Requires="a14">
           <p:sp>
             <p:nvSpPr>
               <p:cNvPr id="1048" name="文本框 1047"/>
@@ -50930,6 +50287,7 @@
               </a:bodyPr>
               <a:lstStyle/>
               <a:p>
+                <a:pPr/>
                 <a14:m>
                   <m:oMathPara xmlns:m="http://schemas.openxmlformats.org/officeDocument/2006/math">
                     <m:oMathParaPr>
@@ -50991,7 +50349,7 @@
             </p:txBody>
           </p:sp>
         </mc:Choice>
-        <mc:Fallback>
+        <mc:Fallback xmlns="">
           <p:sp>
             <p:nvSpPr>
               <p:cNvPr id="1048" name="文本框 1047"/>
@@ -51030,8 +50388,8 @@
           </p:sp>
         </mc:Fallback>
       </mc:AlternateContent>
-      <mc:AlternateContent xmlns:mc="http://schemas.openxmlformats.org/markup-compatibility/2006">
-        <mc:Choice xmlns:a14="http://schemas.microsoft.com/office/drawing/2010/main" Requires="a14">
+      <mc:AlternateContent xmlns:mc="http://schemas.openxmlformats.org/markup-compatibility/2006" xmlns:a14="http://schemas.microsoft.com/office/drawing/2010/main">
+        <mc:Choice Requires="a14">
           <p:sp>
             <p:nvSpPr>
               <p:cNvPr id="1049" name="文本框 1048"/>
@@ -51054,6 +50412,7 @@
               </a:bodyPr>
               <a:lstStyle/>
               <a:p>
+                <a:pPr/>
                 <a14:m>
                   <m:oMathPara xmlns:m="http://schemas.openxmlformats.org/officeDocument/2006/math">
                     <m:oMathParaPr>
@@ -51106,7 +50465,7 @@
             </p:txBody>
           </p:sp>
         </mc:Choice>
-        <mc:Fallback>
+        <mc:Fallback xmlns="">
           <p:sp>
             <p:nvSpPr>
               <p:cNvPr id="1049" name="文本框 1048"/>
@@ -51145,8 +50504,8 @@
           </p:sp>
         </mc:Fallback>
       </mc:AlternateContent>
-      <mc:AlternateContent xmlns:mc="http://schemas.openxmlformats.org/markup-compatibility/2006">
-        <mc:Choice xmlns:a14="http://schemas.microsoft.com/office/drawing/2010/main" Requires="a14">
+      <mc:AlternateContent xmlns:mc="http://schemas.openxmlformats.org/markup-compatibility/2006" xmlns:a14="http://schemas.microsoft.com/office/drawing/2010/main">
+        <mc:Choice Requires="a14">
           <p:sp>
             <p:nvSpPr>
               <p:cNvPr id="1050" name="文本框 1049"/>
@@ -51169,6 +50528,7 @@
               </a:bodyPr>
               <a:lstStyle/>
               <a:p>
+                <a:pPr/>
                 <a14:m>
                   <m:oMathPara xmlns:m="http://schemas.openxmlformats.org/officeDocument/2006/math">
                     <m:oMathParaPr>
@@ -51221,7 +50581,7 @@
             </p:txBody>
           </p:sp>
         </mc:Choice>
-        <mc:Fallback>
+        <mc:Fallback xmlns="">
           <p:sp>
             <p:nvSpPr>
               <p:cNvPr id="1050" name="文本框 1049"/>
@@ -51260,8 +50620,8 @@
           </p:sp>
         </mc:Fallback>
       </mc:AlternateContent>
-      <mc:AlternateContent xmlns:mc="http://schemas.openxmlformats.org/markup-compatibility/2006">
-        <mc:Choice xmlns:a14="http://schemas.microsoft.com/office/drawing/2010/main" Requires="a14">
+      <mc:AlternateContent xmlns:mc="http://schemas.openxmlformats.org/markup-compatibility/2006" xmlns:a14="http://schemas.microsoft.com/office/drawing/2010/main">
+        <mc:Choice Requires="a14">
           <p:sp>
             <p:nvSpPr>
               <p:cNvPr id="1051" name="文本框 1050"/>
@@ -51284,6 +50644,7 @@
               </a:bodyPr>
               <a:lstStyle/>
               <a:p>
+                <a:pPr/>
                 <a14:m>
                   <m:oMathPara xmlns:m="http://schemas.openxmlformats.org/officeDocument/2006/math">
                     <m:oMathParaPr>
@@ -51336,7 +50697,7 @@
             </p:txBody>
           </p:sp>
         </mc:Choice>
-        <mc:Fallback>
+        <mc:Fallback xmlns="">
           <p:sp>
             <p:nvSpPr>
               <p:cNvPr id="1051" name="文本框 1050"/>
@@ -51375,8 +50736,8 @@
           </p:sp>
         </mc:Fallback>
       </mc:AlternateContent>
-      <mc:AlternateContent xmlns:mc="http://schemas.openxmlformats.org/markup-compatibility/2006">
-        <mc:Choice xmlns:a14="http://schemas.microsoft.com/office/drawing/2010/main" Requires="a14">
+      <mc:AlternateContent xmlns:mc="http://schemas.openxmlformats.org/markup-compatibility/2006" xmlns:a14="http://schemas.microsoft.com/office/drawing/2010/main">
+        <mc:Choice Requires="a14">
           <p:sp>
             <p:nvSpPr>
               <p:cNvPr id="1052" name="文本框 1051"/>
@@ -51399,6 +50760,7 @@
               </a:bodyPr>
               <a:lstStyle/>
               <a:p>
+                <a:pPr/>
                 <a14:m>
                   <m:oMathPara xmlns:m="http://schemas.openxmlformats.org/officeDocument/2006/math">
                     <m:oMathParaPr>
@@ -51451,7 +50813,7 @@
             </p:txBody>
           </p:sp>
         </mc:Choice>
-        <mc:Fallback>
+        <mc:Fallback xmlns="">
           <p:sp>
             <p:nvSpPr>
               <p:cNvPr id="1052" name="文本框 1051"/>
@@ -51490,8 +50852,8 @@
           </p:sp>
         </mc:Fallback>
       </mc:AlternateContent>
-      <mc:AlternateContent xmlns:mc="http://schemas.openxmlformats.org/markup-compatibility/2006">
-        <mc:Choice xmlns:a14="http://schemas.microsoft.com/office/drawing/2010/main" Requires="a14">
+      <mc:AlternateContent xmlns:mc="http://schemas.openxmlformats.org/markup-compatibility/2006" xmlns:a14="http://schemas.microsoft.com/office/drawing/2010/main">
+        <mc:Choice Requires="a14">
           <p:sp>
             <p:nvSpPr>
               <p:cNvPr id="1053" name="文本框 1052"/>
@@ -51514,6 +50876,7 @@
               </a:bodyPr>
               <a:lstStyle/>
               <a:p>
+                <a:pPr/>
                 <a14:m>
                   <m:oMathPara xmlns:m="http://schemas.openxmlformats.org/officeDocument/2006/math">
                     <m:oMathParaPr>
@@ -51566,7 +50929,7 @@
             </p:txBody>
           </p:sp>
         </mc:Choice>
-        <mc:Fallback>
+        <mc:Fallback xmlns="">
           <p:sp>
             <p:nvSpPr>
               <p:cNvPr id="1053" name="文本框 1052"/>
@@ -51615,7 +50978,7 @@
             </p:nvSpPr>
             <p:spPr>
               <a:xfrm>
-                <a:off x="2732389" y="8597239"/>
+                <a:off x="3115855" y="8609415"/>
                 <a:ext cx="242374" cy="153888"/>
               </a:xfrm>
               <a:prstGeom prst="rect">
@@ -51629,6 +50992,7 @@
               </a:bodyPr>
               <a:lstStyle/>
               <a:p>
+                <a:pPr/>
                 <a14:m>
                   <m:oMathPara xmlns:m="http://schemas.openxmlformats.org/officeDocument/2006/math">
                     <m:oMathParaPr>
@@ -51701,7 +51065,7 @@
             </p:nvSpPr>
             <p:spPr>
               <a:xfrm>
-                <a:off x="2732389" y="8597239"/>
+                <a:off x="3115855" y="8609415"/>
                 <a:ext cx="242374" cy="153888"/>
               </a:xfrm>
               <a:prstGeom prst="rect">
@@ -51739,8 +51103,8 @@
             </p:nvSpPr>
             <p:spPr>
               <a:xfrm>
-                <a:off x="3460093" y="8498733"/>
-                <a:ext cx="276038" cy="153888"/>
+                <a:off x="3370114" y="8982612"/>
+                <a:ext cx="288862" cy="153888"/>
               </a:xfrm>
               <a:prstGeom prst="rect">
                 <a:avLst/>
@@ -51753,6 +51117,7 @@
               </a:bodyPr>
               <a:lstStyle/>
               <a:p>
+                <a:pPr/>
                 <a14:m>
                   <m:oMathPara xmlns:m="http://schemas.openxmlformats.org/officeDocument/2006/math">
                     <m:oMathParaPr>
@@ -51789,7 +51154,16 @@
                               </a:solidFill>
                               <a:latin typeface="Cambria Math" panose="02040503050406030204" pitchFamily="18" charset="0"/>
                             </a:rPr>
-                            <m:t>𝑠𝑡</m:t>
+                            <m:t>𝑎</m:t>
+                          </m:r>
+                          <m:r>
+                            <a:rPr lang="en-US" sz="1000" b="0" i="1" smtClean="0">
+                              <a:solidFill>
+                                <a:srgbClr val="FF0000"/>
+                              </a:solidFill>
+                              <a:latin typeface="Cambria Math" panose="02040503050406030204" pitchFamily="18" charset="0"/>
+                            </a:rPr>
+                            <m:t>𝑡</m:t>
                           </m:r>
                         </m:sub>
                       </m:sSub>
@@ -51800,7 +51174,16 @@
                           </a:solidFill>
                           <a:latin typeface="Cambria Math" panose="02040503050406030204" pitchFamily="18" charset="0"/>
                         </a:rPr>
-                        <m:t>′′</m:t>
+                        <m:t>′</m:t>
+                      </m:r>
+                      <m:r>
+                        <a:rPr lang="en-US" sz="1000" b="0" i="1" smtClean="0">
+                          <a:solidFill>
+                            <a:srgbClr val="FF0000"/>
+                          </a:solidFill>
+                          <a:latin typeface="Cambria Math" panose="02040503050406030204" pitchFamily="18" charset="0"/>
+                        </a:rPr>
+                        <m:t>′</m:t>
                       </m:r>
                     </m:oMath>
                   </m:oMathPara>
@@ -51825,8 +51208,8 @@
             </p:nvSpPr>
             <p:spPr>
               <a:xfrm>
-                <a:off x="3460093" y="8498733"/>
-                <a:ext cx="276038" cy="153888"/>
+                <a:off x="3370114" y="8982612"/>
+                <a:ext cx="288862" cy="153888"/>
               </a:xfrm>
               <a:prstGeom prst="rect">
                 <a:avLst/>
@@ -51834,7 +51217,7 @@
               <a:blipFill rotWithShape="0">
                 <a:blip r:embed="rId19"/>
                 <a:stretch>
-                  <a:fillRect l="-13333" r="-11111" b="-16000"/>
+                  <a:fillRect l="-12766" t="-4000" r="-10638" b="-16000"/>
                 </a:stretch>
               </a:blipFill>
             </p:spPr>
@@ -51863,8 +51246,8 @@
             </p:nvSpPr>
             <p:spPr>
               <a:xfrm>
-                <a:off x="3475672" y="9212478"/>
-                <a:ext cx="288862" cy="153888"/>
+                <a:off x="3669178" y="8985313"/>
+                <a:ext cx="322524" cy="153888"/>
               </a:xfrm>
               <a:prstGeom prst="rect">
                 <a:avLst/>
@@ -51877,6 +51260,7 @@
               </a:bodyPr>
               <a:lstStyle/>
               <a:p>
+                <a:pPr/>
                 <a14:m>
                   <m:oMathPara xmlns:m="http://schemas.openxmlformats.org/officeDocument/2006/math">
                     <m:oMathParaPr>
@@ -51924,7 +51308,25 @@
                           </a:solidFill>
                           <a:latin typeface="Cambria Math" panose="02040503050406030204" pitchFamily="18" charset="0"/>
                         </a:rPr>
-                        <m:t>′′</m:t>
+                        <m:t>′</m:t>
+                      </m:r>
+                      <m:r>
+                        <a:rPr lang="en-US" sz="1000" b="0" i="1" smtClean="0">
+                          <a:solidFill>
+                            <a:srgbClr val="FF0000"/>
+                          </a:solidFill>
+                          <a:latin typeface="Cambria Math" panose="02040503050406030204" pitchFamily="18" charset="0"/>
+                        </a:rPr>
+                        <m:t>′</m:t>
+                      </m:r>
+                      <m:r>
+                        <a:rPr lang="en-US" sz="1000" b="0" i="1" smtClean="0">
+                          <a:solidFill>
+                            <a:srgbClr val="FF0000"/>
+                          </a:solidFill>
+                          <a:latin typeface="Cambria Math" panose="02040503050406030204" pitchFamily="18" charset="0"/>
+                        </a:rPr>
+                        <m:t>′</m:t>
                       </m:r>
                     </m:oMath>
                   </m:oMathPara>
@@ -51949,8 +51351,8 @@
             </p:nvSpPr>
             <p:spPr>
               <a:xfrm>
-                <a:off x="3475672" y="9212478"/>
-                <a:ext cx="288862" cy="153888"/>
+                <a:off x="3669178" y="8985313"/>
+                <a:ext cx="322524" cy="153888"/>
               </a:xfrm>
               <a:prstGeom prst="rect">
                 <a:avLst/>
@@ -51958,7 +51360,7 @@
               <a:blipFill rotWithShape="0">
                 <a:blip r:embed="rId20"/>
                 <a:stretch>
-                  <a:fillRect l="-10417" r="-10417" b="-16000"/>
+                  <a:fillRect l="-9434" t="-4000" r="-7547" b="-16000"/>
                 </a:stretch>
               </a:blipFill>
             </p:spPr>
@@ -51987,7 +51389,7 @@
             </p:nvSpPr>
             <p:spPr>
               <a:xfrm>
-                <a:off x="3113909" y="9227289"/>
+                <a:off x="3081668" y="9270915"/>
                 <a:ext cx="255198" cy="153888"/>
               </a:xfrm>
               <a:prstGeom prst="rect">
@@ -52001,6 +51403,7 @@
               </a:bodyPr>
               <a:lstStyle/>
               <a:p>
+                <a:pPr/>
                 <a14:m>
                   <m:oMathPara xmlns:m="http://schemas.openxmlformats.org/officeDocument/2006/math">
                     <m:oMathParaPr>
@@ -52073,7 +51476,7 @@
             </p:nvSpPr>
             <p:spPr>
               <a:xfrm>
-                <a:off x="3113909" y="9227289"/>
+                <a:off x="3081668" y="9270915"/>
                 <a:ext cx="255198" cy="153888"/>
               </a:xfrm>
               <a:prstGeom prst="rect">
@@ -52082,7 +51485,7 @@
               <a:blipFill rotWithShape="0">
                 <a:blip r:embed="rId21"/>
                 <a:stretch>
-                  <a:fillRect l="-14286" t="-4000" r="-11905" b="-16000"/>
+                  <a:fillRect l="-14634" t="-4000" r="-14634" b="-16000"/>
                 </a:stretch>
               </a:blipFill>
             </p:spPr>
@@ -52111,7 +51514,7 @@
             </p:nvSpPr>
             <p:spPr>
               <a:xfrm>
-                <a:off x="2717292" y="9243177"/>
+                <a:off x="2724840" y="9288937"/>
                 <a:ext cx="221535" cy="153888"/>
               </a:xfrm>
               <a:prstGeom prst="rect">
@@ -52125,6 +51528,7 @@
               </a:bodyPr>
               <a:lstStyle/>
               <a:p>
+                <a:pPr/>
                 <a14:m>
                   <m:oMathPara xmlns:m="http://schemas.openxmlformats.org/officeDocument/2006/math">
                     <m:oMathParaPr>
@@ -52188,7 +51592,7 @@
             </p:nvSpPr>
             <p:spPr>
               <a:xfrm>
-                <a:off x="2717292" y="9243177"/>
+                <a:off x="2724840" y="9288937"/>
                 <a:ext cx="221535" cy="153888"/>
               </a:xfrm>
               <a:prstGeom prst="rect">
@@ -52197,7 +51601,7 @@
               <a:blipFill rotWithShape="0">
                 <a:blip r:embed="rId22"/>
                 <a:stretch>
-                  <a:fillRect l="-16667" r="-2778" b="-11538"/>
+                  <a:fillRect l="-16667" r="-2778" b="-16000"/>
                 </a:stretch>
               </a:blipFill>
             </p:spPr>
@@ -52216,8 +51620,8 @@
           </p:sp>
         </mc:Fallback>
       </mc:AlternateContent>
-      <mc:AlternateContent xmlns:mc="http://schemas.openxmlformats.org/markup-compatibility/2006">
-        <mc:Choice xmlns:a14="http://schemas.microsoft.com/office/drawing/2010/main" Requires="a14">
+      <mc:AlternateContent xmlns:mc="http://schemas.openxmlformats.org/markup-compatibility/2006" xmlns:a14="http://schemas.microsoft.com/office/drawing/2010/main">
+        <mc:Choice Requires="a14">
           <p:sp>
             <p:nvSpPr>
               <p:cNvPr id="1059" name="文本框 1058"/>
@@ -52295,7 +51699,7 @@
             </p:txBody>
           </p:sp>
         </mc:Choice>
-        <mc:Fallback>
+        <mc:Fallback xmlns="">
           <p:sp>
             <p:nvSpPr>
               <p:cNvPr id="1059" name="文本框 1058"/>
@@ -52334,8 +51738,8 @@
           </p:sp>
         </mc:Fallback>
       </mc:AlternateContent>
-      <mc:AlternateContent xmlns:mc="http://schemas.openxmlformats.org/markup-compatibility/2006">
-        <mc:Choice xmlns:a14="http://schemas.microsoft.com/office/drawing/2010/main" Requires="a14">
+      <mc:AlternateContent xmlns:mc="http://schemas.openxmlformats.org/markup-compatibility/2006" xmlns:a14="http://schemas.microsoft.com/office/drawing/2010/main">
+        <mc:Choice Requires="a14">
           <p:sp>
             <p:nvSpPr>
               <p:cNvPr id="1060" name="文本框 1059"/>
@@ -52413,7 +51817,7 @@
             </p:txBody>
           </p:sp>
         </mc:Choice>
-        <mc:Fallback>
+        <mc:Fallback xmlns="">
           <p:sp>
             <p:nvSpPr>
               <p:cNvPr id="1060" name="文本框 1059"/>
@@ -52452,8 +51856,8 @@
           </p:sp>
         </mc:Fallback>
       </mc:AlternateContent>
-      <mc:AlternateContent xmlns:mc="http://schemas.openxmlformats.org/markup-compatibility/2006">
-        <mc:Choice xmlns:a14="http://schemas.microsoft.com/office/drawing/2010/main" Requires="a14">
+      <mc:AlternateContent xmlns:mc="http://schemas.openxmlformats.org/markup-compatibility/2006" xmlns:a14="http://schemas.microsoft.com/office/drawing/2010/main">
+        <mc:Choice Requires="a14">
           <p:sp>
             <p:nvSpPr>
               <p:cNvPr id="1061" name="文本框 1060"/>
@@ -52531,7 +51935,7 @@
             </p:txBody>
           </p:sp>
         </mc:Choice>
-        <mc:Fallback>
+        <mc:Fallback xmlns="">
           <p:sp>
             <p:nvSpPr>
               <p:cNvPr id="1061" name="文本框 1060"/>
@@ -52570,8 +51974,8 @@
           </p:sp>
         </mc:Fallback>
       </mc:AlternateContent>
-      <mc:AlternateContent xmlns:mc="http://schemas.openxmlformats.org/markup-compatibility/2006">
-        <mc:Choice xmlns:a14="http://schemas.microsoft.com/office/drawing/2010/main" Requires="a14">
+      <mc:AlternateContent xmlns:mc="http://schemas.openxmlformats.org/markup-compatibility/2006" xmlns:a14="http://schemas.microsoft.com/office/drawing/2010/main">
+        <mc:Choice Requires="a14">
           <p:sp>
             <p:nvSpPr>
               <p:cNvPr id="1062" name="文本框 1061"/>
@@ -52649,7 +52053,7 @@
             </p:txBody>
           </p:sp>
         </mc:Choice>
-        <mc:Fallback>
+        <mc:Fallback xmlns="">
           <p:sp>
             <p:nvSpPr>
               <p:cNvPr id="1062" name="文本框 1061"/>
@@ -52688,8 +52092,8 @@
           </p:sp>
         </mc:Fallback>
       </mc:AlternateContent>
-      <mc:AlternateContent xmlns:mc="http://schemas.openxmlformats.org/markup-compatibility/2006">
-        <mc:Choice xmlns:a14="http://schemas.microsoft.com/office/drawing/2010/main" Requires="a14">
+      <mc:AlternateContent xmlns:mc="http://schemas.openxmlformats.org/markup-compatibility/2006" xmlns:a14="http://schemas.microsoft.com/office/drawing/2010/main">
+        <mc:Choice Requires="a14">
           <p:sp>
             <p:nvSpPr>
               <p:cNvPr id="1063" name="文本框 1062"/>
@@ -52767,7 +52171,7 @@
             </p:txBody>
           </p:sp>
         </mc:Choice>
-        <mc:Fallback>
+        <mc:Fallback xmlns="">
           <p:sp>
             <p:nvSpPr>
               <p:cNvPr id="1063" name="文本框 1062"/>
@@ -52806,8 +52210,8 @@
           </p:sp>
         </mc:Fallback>
       </mc:AlternateContent>
-      <mc:AlternateContent xmlns:mc="http://schemas.openxmlformats.org/markup-compatibility/2006">
-        <mc:Choice xmlns:a14="http://schemas.microsoft.com/office/drawing/2010/main" Requires="a14">
+      <mc:AlternateContent xmlns:mc="http://schemas.openxmlformats.org/markup-compatibility/2006" xmlns:a14="http://schemas.microsoft.com/office/drawing/2010/main">
+        <mc:Choice Requires="a14">
           <p:sp>
             <p:nvSpPr>
               <p:cNvPr id="1064" name="文本框 1063"/>
@@ -52885,7 +52289,7 @@
             </p:txBody>
           </p:sp>
         </mc:Choice>
-        <mc:Fallback>
+        <mc:Fallback xmlns="">
           <p:sp>
             <p:nvSpPr>
               <p:cNvPr id="1064" name="文本框 1063"/>
@@ -52924,8 +52328,8 @@
           </p:sp>
         </mc:Fallback>
       </mc:AlternateContent>
-      <mc:AlternateContent xmlns:mc="http://schemas.openxmlformats.org/markup-compatibility/2006">
-        <mc:Choice xmlns:a14="http://schemas.microsoft.com/office/drawing/2010/main" Requires="a14">
+      <mc:AlternateContent xmlns:mc="http://schemas.openxmlformats.org/markup-compatibility/2006" xmlns:a14="http://schemas.microsoft.com/office/drawing/2010/main">
+        <mc:Choice Requires="a14">
           <p:sp>
             <p:nvSpPr>
               <p:cNvPr id="1068" name="文本框 1067"/>
@@ -52948,6 +52352,7 @@
               </a:bodyPr>
               <a:lstStyle/>
               <a:p>
+                <a:pPr/>
                 <a14:m>
                   <m:oMathPara xmlns:m="http://schemas.openxmlformats.org/officeDocument/2006/math">
                     <m:oMathParaPr>
@@ -53009,7 +52414,7 @@
             </p:txBody>
           </p:sp>
         </mc:Choice>
-        <mc:Fallback>
+        <mc:Fallback xmlns="">
           <p:sp>
             <p:nvSpPr>
               <p:cNvPr id="1068" name="文本框 1067"/>
@@ -53048,8 +52453,8 @@
           </p:sp>
         </mc:Fallback>
       </mc:AlternateContent>
-      <mc:AlternateContent xmlns:mc="http://schemas.openxmlformats.org/markup-compatibility/2006">
-        <mc:Choice xmlns:a14="http://schemas.microsoft.com/office/drawing/2010/main" Requires="a14">
+      <mc:AlternateContent xmlns:mc="http://schemas.openxmlformats.org/markup-compatibility/2006" xmlns:a14="http://schemas.microsoft.com/office/drawing/2010/main">
+        <mc:Choice Requires="a14">
           <p:sp>
             <p:nvSpPr>
               <p:cNvPr id="1069" name="文本框 1068"/>
@@ -53072,6 +52477,7 @@
               </a:bodyPr>
               <a:lstStyle/>
               <a:p>
+                <a:pPr/>
                 <a14:m>
                   <m:oMathPara xmlns:m="http://schemas.openxmlformats.org/officeDocument/2006/math">
                     <m:oMathParaPr>
@@ -53124,7 +52530,7 @@
             </p:txBody>
           </p:sp>
         </mc:Choice>
-        <mc:Fallback>
+        <mc:Fallback xmlns="">
           <p:sp>
             <p:nvSpPr>
               <p:cNvPr id="1069" name="文本框 1068"/>
@@ -53163,8 +52569,8 @@
           </p:sp>
         </mc:Fallback>
       </mc:AlternateContent>
-      <mc:AlternateContent xmlns:mc="http://schemas.openxmlformats.org/markup-compatibility/2006">
-        <mc:Choice xmlns:a14="http://schemas.microsoft.com/office/drawing/2010/main" Requires="a14">
+      <mc:AlternateContent xmlns:mc="http://schemas.openxmlformats.org/markup-compatibility/2006" xmlns:a14="http://schemas.microsoft.com/office/drawing/2010/main">
+        <mc:Choice Requires="a14">
           <p:sp>
             <p:nvSpPr>
               <p:cNvPr id="1070" name="文本框 1069"/>
@@ -53187,6 +52593,7 @@
               </a:bodyPr>
               <a:lstStyle/>
               <a:p>
+                <a:pPr/>
                 <a14:m>
                   <m:oMathPara xmlns:m="http://schemas.openxmlformats.org/officeDocument/2006/math">
                     <m:oMathParaPr>
@@ -53248,7 +52655,7 @@
             </p:txBody>
           </p:sp>
         </mc:Choice>
-        <mc:Fallback>
+        <mc:Fallback xmlns="">
           <p:sp>
             <p:nvSpPr>
               <p:cNvPr id="1070" name="文本框 1069"/>
@@ -53287,8 +52694,8 @@
           </p:sp>
         </mc:Fallback>
       </mc:AlternateContent>
-      <mc:AlternateContent xmlns:mc="http://schemas.openxmlformats.org/markup-compatibility/2006">
-        <mc:Choice xmlns:a14="http://schemas.microsoft.com/office/drawing/2010/main" Requires="a14">
+      <mc:AlternateContent xmlns:mc="http://schemas.openxmlformats.org/markup-compatibility/2006" xmlns:a14="http://schemas.microsoft.com/office/drawing/2010/main">
+        <mc:Choice Requires="a14">
           <p:sp>
             <p:nvSpPr>
               <p:cNvPr id="1071" name="文本框 1070"/>
@@ -53311,6 +52718,7 @@
               </a:bodyPr>
               <a:lstStyle/>
               <a:p>
+                <a:pPr/>
                 <a14:m>
                   <m:oMathPara xmlns:m="http://schemas.openxmlformats.org/officeDocument/2006/math">
                     <m:oMathParaPr>
@@ -53372,7 +52780,7 @@
             </p:txBody>
           </p:sp>
         </mc:Choice>
-        <mc:Fallback>
+        <mc:Fallback xmlns="">
           <p:sp>
             <p:nvSpPr>
               <p:cNvPr id="1071" name="文本框 1070"/>
@@ -53411,8 +52819,8 @@
           </p:sp>
         </mc:Fallback>
       </mc:AlternateContent>
-      <mc:AlternateContent xmlns:mc="http://schemas.openxmlformats.org/markup-compatibility/2006">
-        <mc:Choice xmlns:a14="http://schemas.microsoft.com/office/drawing/2010/main" Requires="a14">
+      <mc:AlternateContent xmlns:mc="http://schemas.openxmlformats.org/markup-compatibility/2006" xmlns:a14="http://schemas.microsoft.com/office/drawing/2010/main">
+        <mc:Choice Requires="a14">
           <p:sp>
             <p:nvSpPr>
               <p:cNvPr id="1072" name="文本框 1071"/>
@@ -53435,6 +52843,7 @@
               </a:bodyPr>
               <a:lstStyle/>
               <a:p>
+                <a:pPr/>
                 <a14:m>
                   <m:oMathPara xmlns:m="http://schemas.openxmlformats.org/officeDocument/2006/math">
                     <m:oMathParaPr>
@@ -53487,7 +52896,7 @@
             </p:txBody>
           </p:sp>
         </mc:Choice>
-        <mc:Fallback>
+        <mc:Fallback xmlns="">
           <p:sp>
             <p:nvSpPr>
               <p:cNvPr id="1072" name="文本框 1071"/>
@@ -53526,8 +52935,8 @@
           </p:sp>
         </mc:Fallback>
       </mc:AlternateContent>
-      <mc:AlternateContent xmlns:mc="http://schemas.openxmlformats.org/markup-compatibility/2006">
-        <mc:Choice xmlns:a14="http://schemas.microsoft.com/office/drawing/2010/main" Requires="a14">
+      <mc:AlternateContent xmlns:mc="http://schemas.openxmlformats.org/markup-compatibility/2006" xmlns:a14="http://schemas.microsoft.com/office/drawing/2010/main">
+        <mc:Choice Requires="a14">
           <p:sp>
             <p:nvSpPr>
               <p:cNvPr id="1073" name="文本框 1072"/>
@@ -53550,6 +52959,7 @@
               </a:bodyPr>
               <a:lstStyle/>
               <a:p>
+                <a:pPr/>
                 <a14:m>
                   <m:oMathPara xmlns:m="http://schemas.openxmlformats.org/officeDocument/2006/math">
                     <m:oMathParaPr>
@@ -53611,7 +53021,7 @@
             </p:txBody>
           </p:sp>
         </mc:Choice>
-        <mc:Fallback>
+        <mc:Fallback xmlns="">
           <p:sp>
             <p:nvSpPr>
               <p:cNvPr id="1073" name="文本框 1072"/>
@@ -53650,8 +53060,8 @@
           </p:sp>
         </mc:Fallback>
       </mc:AlternateContent>
-      <mc:AlternateContent xmlns:mc="http://schemas.openxmlformats.org/markup-compatibility/2006">
-        <mc:Choice xmlns:a14="http://schemas.microsoft.com/office/drawing/2010/main" Requires="a14">
+      <mc:AlternateContent xmlns:mc="http://schemas.openxmlformats.org/markup-compatibility/2006" xmlns:a14="http://schemas.microsoft.com/office/drawing/2010/main">
+        <mc:Choice Requires="a14">
           <p:sp>
             <p:nvSpPr>
               <p:cNvPr id="1075" name="文本框 1074"/>
@@ -53674,6 +53084,7 @@
               </a:bodyPr>
               <a:lstStyle/>
               <a:p>
+                <a:pPr/>
                 <a14:m>
                   <m:oMathPara xmlns:m="http://schemas.openxmlformats.org/officeDocument/2006/math">
                     <m:oMathParaPr>
@@ -53735,7 +53146,7 @@
             </p:txBody>
           </p:sp>
         </mc:Choice>
-        <mc:Fallback>
+        <mc:Fallback xmlns="">
           <p:sp>
             <p:nvSpPr>
               <p:cNvPr id="1075" name="文本框 1074"/>
@@ -53774,8 +53185,8 @@
           </p:sp>
         </mc:Fallback>
       </mc:AlternateContent>
-      <mc:AlternateContent xmlns:mc="http://schemas.openxmlformats.org/markup-compatibility/2006">
-        <mc:Choice xmlns:a14="http://schemas.microsoft.com/office/drawing/2010/main" Requires="a14">
+      <mc:AlternateContent xmlns:mc="http://schemas.openxmlformats.org/markup-compatibility/2006" xmlns:a14="http://schemas.microsoft.com/office/drawing/2010/main">
+        <mc:Choice Requires="a14">
           <p:sp>
             <p:nvSpPr>
               <p:cNvPr id="1076" name="文本框 1075"/>
@@ -53798,6 +53209,7 @@
               </a:bodyPr>
               <a:lstStyle/>
               <a:p>
+                <a:pPr/>
                 <a14:m>
                   <m:oMathPara xmlns:m="http://schemas.openxmlformats.org/officeDocument/2006/math">
                     <m:oMathParaPr>
@@ -53850,7 +53262,7 @@
             </p:txBody>
           </p:sp>
         </mc:Choice>
-        <mc:Fallback>
+        <mc:Fallback xmlns="">
           <p:sp>
             <p:nvSpPr>
               <p:cNvPr id="1076" name="文本框 1075"/>
@@ -53889,8 +53301,8 @@
           </p:sp>
         </mc:Fallback>
       </mc:AlternateContent>
-      <mc:AlternateContent xmlns:mc="http://schemas.openxmlformats.org/markup-compatibility/2006">
-        <mc:Choice xmlns:a14="http://schemas.microsoft.com/office/drawing/2010/main" Requires="a14">
+      <mc:AlternateContent xmlns:mc="http://schemas.openxmlformats.org/markup-compatibility/2006" xmlns:a14="http://schemas.microsoft.com/office/drawing/2010/main">
+        <mc:Choice Requires="a14">
           <p:sp>
             <p:nvSpPr>
               <p:cNvPr id="1077" name="文本框 1076"/>
@@ -53913,6 +53325,7 @@
               </a:bodyPr>
               <a:lstStyle/>
               <a:p>
+                <a:pPr/>
                 <a14:m>
                   <m:oMathPara xmlns:m="http://schemas.openxmlformats.org/officeDocument/2006/math">
                     <m:oMathParaPr>
@@ -53965,7 +53378,7 @@
             </p:txBody>
           </p:sp>
         </mc:Choice>
-        <mc:Fallback>
+        <mc:Fallback xmlns="">
           <p:sp>
             <p:nvSpPr>
               <p:cNvPr id="1077" name="文本框 1076"/>
@@ -54004,8 +53417,8 @@
           </p:sp>
         </mc:Fallback>
       </mc:AlternateContent>
-      <mc:AlternateContent xmlns:mc="http://schemas.openxmlformats.org/markup-compatibility/2006">
-        <mc:Choice xmlns:a14="http://schemas.microsoft.com/office/drawing/2010/main" Requires="a14">
+      <mc:AlternateContent xmlns:mc="http://schemas.openxmlformats.org/markup-compatibility/2006" xmlns:a14="http://schemas.microsoft.com/office/drawing/2010/main">
+        <mc:Choice Requires="a14">
           <p:sp>
             <p:nvSpPr>
               <p:cNvPr id="1078" name="文本框 1077"/>
@@ -54083,7 +53496,7 @@
             </p:txBody>
           </p:sp>
         </mc:Choice>
-        <mc:Fallback>
+        <mc:Fallback xmlns="">
           <p:sp>
             <p:nvSpPr>
               <p:cNvPr id="1078" name="文本框 1077"/>
@@ -54122,8 +53535,8 @@
           </p:sp>
         </mc:Fallback>
       </mc:AlternateContent>
-      <mc:AlternateContent xmlns:mc="http://schemas.openxmlformats.org/markup-compatibility/2006">
-        <mc:Choice xmlns:a14="http://schemas.microsoft.com/office/drawing/2010/main" Requires="a14">
+      <mc:AlternateContent xmlns:mc="http://schemas.openxmlformats.org/markup-compatibility/2006" xmlns:a14="http://schemas.microsoft.com/office/drawing/2010/main">
+        <mc:Choice Requires="a14">
           <p:sp>
             <p:nvSpPr>
               <p:cNvPr id="1079" name="文本框 1078"/>
@@ -54146,6 +53559,7 @@
               </a:bodyPr>
               <a:lstStyle/>
               <a:p>
+                <a:pPr/>
                 <a14:m>
                   <m:oMathPara xmlns:m="http://schemas.openxmlformats.org/officeDocument/2006/math">
                     <m:oMathParaPr>
@@ -54207,7 +53621,7 @@
             </p:txBody>
           </p:sp>
         </mc:Choice>
-        <mc:Fallback>
+        <mc:Fallback xmlns="">
           <p:sp>
             <p:nvSpPr>
               <p:cNvPr id="1079" name="文本框 1078"/>
@@ -54246,6 +53660,415 @@
           </p:sp>
         </mc:Fallback>
       </mc:AlternateContent>
+      <p:sp>
+        <p:nvSpPr>
+          <p:cNvPr id="721" name="椭圆 720"/>
+          <p:cNvSpPr/>
+          <p:nvPr/>
+        </p:nvSpPr>
+        <p:spPr>
+          <a:xfrm>
+            <a:off x="3459490" y="9188811"/>
+            <a:ext cx="45719" cy="45719"/>
+          </a:xfrm>
+          <a:prstGeom prst="ellipse">
+            <a:avLst/>
+          </a:prstGeom>
+          <a:solidFill>
+            <a:srgbClr val="FF0000"/>
+          </a:solidFill>
+        </p:spPr>
+        <p:style>
+          <a:lnRef idx="2">
+            <a:schemeClr val="accent1">
+              <a:shade val="50000"/>
+            </a:schemeClr>
+          </a:lnRef>
+          <a:fillRef idx="1">
+            <a:schemeClr val="accent1"/>
+          </a:fillRef>
+          <a:effectRef idx="0">
+            <a:schemeClr val="accent1"/>
+          </a:effectRef>
+          <a:fontRef idx="minor">
+            <a:schemeClr val="lt1"/>
+          </a:fontRef>
+        </p:style>
+        <p:txBody>
+          <a:bodyPr rtlCol="0" anchor="ctr"/>
+          <a:lstStyle/>
+          <a:p>
+            <a:pPr algn="ctr"/>
+            <a:endParaRPr lang="en-US"/>
+          </a:p>
+        </p:txBody>
+      </p:sp>
+      <p:sp>
+        <p:nvSpPr>
+          <p:cNvPr id="722" name="椭圆 721"/>
+          <p:cNvSpPr/>
+          <p:nvPr/>
+        </p:nvSpPr>
+        <p:spPr>
+          <a:xfrm>
+            <a:off x="3505209" y="9287665"/>
+            <a:ext cx="45719" cy="45719"/>
+          </a:xfrm>
+          <a:prstGeom prst="ellipse">
+            <a:avLst/>
+          </a:prstGeom>
+        </p:spPr>
+        <p:style>
+          <a:lnRef idx="2">
+            <a:schemeClr val="accent1">
+              <a:shade val="50000"/>
+            </a:schemeClr>
+          </a:lnRef>
+          <a:fillRef idx="1">
+            <a:schemeClr val="accent1"/>
+          </a:fillRef>
+          <a:effectRef idx="0">
+            <a:schemeClr val="accent1"/>
+          </a:effectRef>
+          <a:fontRef idx="minor">
+            <a:schemeClr val="lt1"/>
+          </a:fontRef>
+        </p:style>
+        <p:txBody>
+          <a:bodyPr rtlCol="0" anchor="ctr"/>
+          <a:lstStyle/>
+          <a:p>
+            <a:pPr algn="ctr"/>
+            <a:endParaRPr lang="en-US"/>
+          </a:p>
+        </p:txBody>
+      </p:sp>
+      <p:sp>
+        <p:nvSpPr>
+          <p:cNvPr id="723" name="椭圆 722"/>
+          <p:cNvSpPr/>
+          <p:nvPr/>
+        </p:nvSpPr>
+        <p:spPr>
+          <a:xfrm>
+            <a:off x="3528068" y="9386519"/>
+            <a:ext cx="45719" cy="45719"/>
+          </a:xfrm>
+          <a:prstGeom prst="ellipse">
+            <a:avLst/>
+          </a:prstGeom>
+        </p:spPr>
+        <p:style>
+          <a:lnRef idx="2">
+            <a:schemeClr val="accent1">
+              <a:shade val="50000"/>
+            </a:schemeClr>
+          </a:lnRef>
+          <a:fillRef idx="1">
+            <a:schemeClr val="accent1"/>
+          </a:fillRef>
+          <a:effectRef idx="0">
+            <a:schemeClr val="accent1"/>
+          </a:effectRef>
+          <a:fontRef idx="minor">
+            <a:schemeClr val="lt1"/>
+          </a:fontRef>
+        </p:style>
+        <p:txBody>
+          <a:bodyPr rtlCol="0" anchor="ctr"/>
+          <a:lstStyle/>
+          <a:p>
+            <a:pPr algn="ctr"/>
+            <a:endParaRPr lang="en-US"/>
+          </a:p>
+        </p:txBody>
+      </p:sp>
+      <p:sp>
+        <p:nvSpPr>
+          <p:cNvPr id="763" name="椭圆 762"/>
+          <p:cNvSpPr/>
+          <p:nvPr/>
+        </p:nvSpPr>
+        <p:spPr>
+          <a:xfrm>
+            <a:off x="3568640" y="9479003"/>
+            <a:ext cx="45719" cy="45719"/>
+          </a:xfrm>
+          <a:prstGeom prst="ellipse">
+            <a:avLst/>
+          </a:prstGeom>
+        </p:spPr>
+        <p:style>
+          <a:lnRef idx="2">
+            <a:schemeClr val="accent1">
+              <a:shade val="50000"/>
+            </a:schemeClr>
+          </a:lnRef>
+          <a:fillRef idx="1">
+            <a:schemeClr val="accent1"/>
+          </a:fillRef>
+          <a:effectRef idx="0">
+            <a:schemeClr val="accent1"/>
+          </a:effectRef>
+          <a:fontRef idx="minor">
+            <a:schemeClr val="lt1"/>
+          </a:fontRef>
+        </p:style>
+        <p:txBody>
+          <a:bodyPr rtlCol="0" anchor="ctr"/>
+          <a:lstStyle/>
+          <a:p>
+            <a:pPr algn="ctr"/>
+            <a:endParaRPr lang="en-US"/>
+          </a:p>
+        </p:txBody>
+      </p:sp>
+      <p:cxnSp>
+        <p:nvCxnSpPr>
+          <p:cNvPr id="765" name="直接连接符 764"/>
+          <p:cNvCxnSpPr>
+            <a:stCxn id="721" idx="5"/>
+            <a:endCxn id="722" idx="0"/>
+          </p:cNvCxnSpPr>
+          <p:nvPr/>
+        </p:nvCxnSpPr>
+        <p:spPr>
+          <a:xfrm>
+            <a:off x="3498514" y="9227835"/>
+            <a:ext cx="29555" cy="59830"/>
+          </a:xfrm>
+          <a:prstGeom prst="line">
+            <a:avLst/>
+          </a:prstGeom>
+          <a:ln w="19050">
+            <a:solidFill>
+              <a:schemeClr val="tx1"/>
+            </a:solidFill>
+          </a:ln>
+        </p:spPr>
+        <p:style>
+          <a:lnRef idx="1">
+            <a:schemeClr val="accent1"/>
+          </a:lnRef>
+          <a:fillRef idx="0">
+            <a:schemeClr val="accent1"/>
+          </a:fillRef>
+          <a:effectRef idx="0">
+            <a:schemeClr val="accent1"/>
+          </a:effectRef>
+          <a:fontRef idx="minor">
+            <a:schemeClr val="tx1"/>
+          </a:fontRef>
+        </p:style>
+      </p:cxnSp>
+      <p:cxnSp>
+        <p:nvCxnSpPr>
+          <p:cNvPr id="767" name="直接连接符 766"/>
+          <p:cNvCxnSpPr>
+            <a:stCxn id="722" idx="4"/>
+            <a:endCxn id="723" idx="1"/>
+          </p:cNvCxnSpPr>
+          <p:nvPr/>
+        </p:nvCxnSpPr>
+        <p:spPr>
+          <a:xfrm>
+            <a:off x="3528069" y="9333384"/>
+            <a:ext cx="6694" cy="59830"/>
+          </a:xfrm>
+          <a:prstGeom prst="line">
+            <a:avLst/>
+          </a:prstGeom>
+          <a:ln w="19050">
+            <a:solidFill>
+              <a:schemeClr val="tx1"/>
+            </a:solidFill>
+          </a:ln>
+        </p:spPr>
+        <p:style>
+          <a:lnRef idx="1">
+            <a:schemeClr val="accent1"/>
+          </a:lnRef>
+          <a:fillRef idx="0">
+            <a:schemeClr val="accent1"/>
+          </a:fillRef>
+          <a:effectRef idx="0">
+            <a:schemeClr val="accent1"/>
+          </a:effectRef>
+          <a:fontRef idx="minor">
+            <a:schemeClr val="tx1"/>
+          </a:fontRef>
+        </p:style>
+      </p:cxnSp>
+      <p:cxnSp>
+        <p:nvCxnSpPr>
+          <p:cNvPr id="791" name="直接连接符 790"/>
+          <p:cNvCxnSpPr>
+            <a:stCxn id="723" idx="4"/>
+            <a:endCxn id="763" idx="0"/>
+          </p:cNvCxnSpPr>
+          <p:nvPr/>
+        </p:nvCxnSpPr>
+        <p:spPr>
+          <a:xfrm>
+            <a:off x="3550928" y="9432238"/>
+            <a:ext cx="40572" cy="46765"/>
+          </a:xfrm>
+          <a:prstGeom prst="line">
+            <a:avLst/>
+          </a:prstGeom>
+          <a:ln w="19050">
+            <a:solidFill>
+              <a:schemeClr val="tx1"/>
+            </a:solidFill>
+          </a:ln>
+        </p:spPr>
+        <p:style>
+          <a:lnRef idx="1">
+            <a:schemeClr val="accent1"/>
+          </a:lnRef>
+          <a:fillRef idx="0">
+            <a:schemeClr val="accent1"/>
+          </a:fillRef>
+          <a:effectRef idx="0">
+            <a:schemeClr val="accent1"/>
+          </a:effectRef>
+          <a:fontRef idx="minor">
+            <a:schemeClr val="tx1"/>
+          </a:fontRef>
+        </p:style>
+      </p:cxnSp>
+      <p:cxnSp>
+        <p:nvCxnSpPr>
+          <p:cNvPr id="4" name="直接箭头连接符 3"/>
+          <p:cNvCxnSpPr/>
+          <p:nvPr/>
+        </p:nvCxnSpPr>
+        <p:spPr>
+          <a:xfrm>
+            <a:off x="3234315" y="9049189"/>
+            <a:ext cx="166751" cy="173449"/>
+          </a:xfrm>
+          <a:prstGeom prst="straightConnector1">
+            <a:avLst/>
+          </a:prstGeom>
+          <a:ln>
+            <a:solidFill>
+              <a:schemeClr val="tx1"/>
+            </a:solidFill>
+            <a:tailEnd type="triangle"/>
+          </a:ln>
+        </p:spPr>
+        <p:style>
+          <a:lnRef idx="1">
+            <a:schemeClr val="accent1"/>
+          </a:lnRef>
+          <a:fillRef idx="0">
+            <a:schemeClr val="accent1"/>
+          </a:fillRef>
+          <a:effectRef idx="0">
+            <a:schemeClr val="accent1"/>
+          </a:effectRef>
+          <a:fontRef idx="minor">
+            <a:schemeClr val="tx1"/>
+          </a:fontRef>
+        </p:style>
+      </p:cxnSp>
+      <p:cxnSp>
+        <p:nvCxnSpPr>
+          <p:cNvPr id="6" name="直接箭头连接符 5"/>
+          <p:cNvCxnSpPr/>
+          <p:nvPr/>
+        </p:nvCxnSpPr>
+        <p:spPr>
+          <a:xfrm flipV="1">
+            <a:off x="3305965" y="9448377"/>
+            <a:ext cx="156647" cy="179249"/>
+          </a:xfrm>
+          <a:prstGeom prst="straightConnector1">
+            <a:avLst/>
+          </a:prstGeom>
+          <a:ln>
+            <a:solidFill>
+              <a:schemeClr val="tx1"/>
+            </a:solidFill>
+            <a:tailEnd type="triangle"/>
+          </a:ln>
+        </p:spPr>
+        <p:style>
+          <a:lnRef idx="1">
+            <a:schemeClr val="accent1"/>
+          </a:lnRef>
+          <a:fillRef idx="0">
+            <a:schemeClr val="accent1"/>
+          </a:fillRef>
+          <a:effectRef idx="0">
+            <a:schemeClr val="accent1"/>
+          </a:effectRef>
+          <a:fontRef idx="minor">
+            <a:schemeClr val="tx1"/>
+          </a:fontRef>
+        </p:style>
+      </p:cxnSp>
+      <p:sp>
+        <p:nvSpPr>
+          <p:cNvPr id="793" name="文本框 792"/>
+          <p:cNvSpPr txBox="1"/>
+          <p:nvPr/>
+        </p:nvSpPr>
+        <p:spPr>
+          <a:xfrm>
+            <a:off x="3082085" y="9039869"/>
+            <a:ext cx="304892" cy="230832"/>
+          </a:xfrm>
+          <a:prstGeom prst="rect">
+            <a:avLst/>
+          </a:prstGeom>
+          <a:noFill/>
+        </p:spPr>
+        <p:txBody>
+          <a:bodyPr wrap="none" rtlCol="0">
+            <a:spAutoFit/>
+          </a:bodyPr>
+          <a:lstStyle/>
+          <a:p>
+            <a:r>
+              <a:rPr lang="en-US" sz="900" dirty="0" smtClean="0"/>
+              <a:t>R4</a:t>
+            </a:r>
+            <a:endParaRPr lang="en-US" sz="900" dirty="0"/>
+          </a:p>
+        </p:txBody>
+      </p:sp>
+      <p:sp>
+        <p:nvSpPr>
+          <p:cNvPr id="853" name="文本框 852"/>
+          <p:cNvSpPr txBox="1"/>
+          <p:nvPr/>
+        </p:nvSpPr>
+        <p:spPr>
+          <a:xfrm>
+            <a:off x="3286667" y="9530669"/>
+            <a:ext cx="304892" cy="230832"/>
+          </a:xfrm>
+          <a:prstGeom prst="rect">
+            <a:avLst/>
+          </a:prstGeom>
+          <a:noFill/>
+        </p:spPr>
+        <p:txBody>
+          <a:bodyPr wrap="none" rtlCol="0">
+            <a:spAutoFit/>
+          </a:bodyPr>
+          <a:lstStyle/>
+          <a:p>
+            <a:r>
+              <a:rPr lang="en-US" sz="900" dirty="0" smtClean="0"/>
+              <a:t>R4</a:t>
+            </a:r>
+            <a:endParaRPr lang="en-US" sz="900" dirty="0"/>
+          </a:p>
+        </p:txBody>
+      </p:sp>
     </p:spTree>
     <p:extLst>
       <p:ext uri="{BB962C8B-B14F-4D97-AF65-F5344CB8AC3E}">

--- a/figs/abs.pptx
+++ b/figs/abs.pptx
@@ -23762,754 +23762,6 @@
       </p:grpSpPr>
       <p:sp>
         <p:nvSpPr>
-          <p:cNvPr id="2" name="椭圆 1"/>
-          <p:cNvSpPr/>
-          <p:nvPr/>
-        </p:nvSpPr>
-        <p:spPr>
-          <a:xfrm>
-            <a:off x="1989038" y="8961230"/>
-            <a:ext cx="210696" cy="210696"/>
-          </a:xfrm>
-          <a:prstGeom prst="ellipse">
-            <a:avLst/>
-          </a:prstGeom>
-          <a:solidFill>
-            <a:srgbClr val="FF0000"/>
-          </a:solidFill>
-        </p:spPr>
-        <p:style>
-          <a:lnRef idx="2">
-            <a:schemeClr val="accent1">
-              <a:shade val="50000"/>
-            </a:schemeClr>
-          </a:lnRef>
-          <a:fillRef idx="1">
-            <a:schemeClr val="accent1"/>
-          </a:fillRef>
-          <a:effectRef idx="0">
-            <a:schemeClr val="accent1"/>
-          </a:effectRef>
-          <a:fontRef idx="minor">
-            <a:schemeClr val="lt1"/>
-          </a:fontRef>
-        </p:style>
-        <p:txBody>
-          <a:bodyPr rtlCol="0" anchor="ctr"/>
-          <a:lstStyle/>
-          <a:p>
-            <a:pPr algn="ctr"/>
-            <a:endParaRPr lang="en-US"/>
-          </a:p>
-        </p:txBody>
-      </p:sp>
-      <p:sp>
-        <p:nvSpPr>
-          <p:cNvPr id="3" name="椭圆 2"/>
-          <p:cNvSpPr/>
-          <p:nvPr/>
-        </p:nvSpPr>
-        <p:spPr>
-          <a:xfrm>
-            <a:off x="2199735" y="9416800"/>
-            <a:ext cx="210696" cy="210696"/>
-          </a:xfrm>
-          <a:prstGeom prst="ellipse">
-            <a:avLst/>
-          </a:prstGeom>
-        </p:spPr>
-        <p:style>
-          <a:lnRef idx="2">
-            <a:schemeClr val="accent1">
-              <a:shade val="50000"/>
-            </a:schemeClr>
-          </a:lnRef>
-          <a:fillRef idx="1">
-            <a:schemeClr val="accent1"/>
-          </a:fillRef>
-          <a:effectRef idx="0">
-            <a:schemeClr val="accent1"/>
-          </a:effectRef>
-          <a:fontRef idx="minor">
-            <a:schemeClr val="lt1"/>
-          </a:fontRef>
-        </p:style>
-        <p:txBody>
-          <a:bodyPr rtlCol="0" anchor="ctr"/>
-          <a:lstStyle/>
-          <a:p>
-            <a:pPr algn="ctr"/>
-            <a:endParaRPr lang="en-US"/>
-          </a:p>
-        </p:txBody>
-      </p:sp>
-      <p:sp>
-        <p:nvSpPr>
-          <p:cNvPr id="4" name="椭圆 3"/>
-          <p:cNvSpPr/>
-          <p:nvPr/>
-        </p:nvSpPr>
-        <p:spPr>
-          <a:xfrm>
-            <a:off x="2305081" y="9872369"/>
-            <a:ext cx="210696" cy="210696"/>
-          </a:xfrm>
-          <a:prstGeom prst="ellipse">
-            <a:avLst/>
-          </a:prstGeom>
-        </p:spPr>
-        <p:style>
-          <a:lnRef idx="2">
-            <a:schemeClr val="accent1">
-              <a:shade val="50000"/>
-            </a:schemeClr>
-          </a:lnRef>
-          <a:fillRef idx="1">
-            <a:schemeClr val="accent1"/>
-          </a:fillRef>
-          <a:effectRef idx="0">
-            <a:schemeClr val="accent1"/>
-          </a:effectRef>
-          <a:fontRef idx="minor">
-            <a:schemeClr val="lt1"/>
-          </a:fontRef>
-        </p:style>
-        <p:txBody>
-          <a:bodyPr rtlCol="0" anchor="ctr"/>
-          <a:lstStyle/>
-          <a:p>
-            <a:pPr algn="ctr"/>
-            <a:endParaRPr lang="en-US"/>
-          </a:p>
-        </p:txBody>
-      </p:sp>
-      <p:sp>
-        <p:nvSpPr>
-          <p:cNvPr id="5" name="椭圆 4"/>
-          <p:cNvSpPr/>
-          <p:nvPr/>
-        </p:nvSpPr>
-        <p:spPr>
-          <a:xfrm>
-            <a:off x="2601702" y="9701988"/>
-            <a:ext cx="210696" cy="210696"/>
-          </a:xfrm>
-          <a:prstGeom prst="ellipse">
-            <a:avLst/>
-          </a:prstGeom>
-        </p:spPr>
-        <p:style>
-          <a:lnRef idx="2">
-            <a:schemeClr val="accent1">
-              <a:shade val="50000"/>
-            </a:schemeClr>
-          </a:lnRef>
-          <a:fillRef idx="1">
-            <a:schemeClr val="accent1"/>
-          </a:fillRef>
-          <a:effectRef idx="0">
-            <a:schemeClr val="accent1"/>
-          </a:effectRef>
-          <a:fontRef idx="minor">
-            <a:schemeClr val="lt1"/>
-          </a:fontRef>
-        </p:style>
-        <p:txBody>
-          <a:bodyPr rtlCol="0" anchor="ctr"/>
-          <a:lstStyle/>
-          <a:p>
-            <a:pPr algn="ctr"/>
-            <a:endParaRPr lang="en-US"/>
-          </a:p>
-        </p:txBody>
-      </p:sp>
-      <p:sp>
-        <p:nvSpPr>
-          <p:cNvPr id="6" name="椭圆 5"/>
-          <p:cNvSpPr/>
-          <p:nvPr/>
-        </p:nvSpPr>
-        <p:spPr>
-          <a:xfrm>
-            <a:off x="1573370" y="9412703"/>
-            <a:ext cx="210696" cy="210696"/>
-          </a:xfrm>
-          <a:prstGeom prst="ellipse">
-            <a:avLst/>
-          </a:prstGeom>
-        </p:spPr>
-        <p:style>
-          <a:lnRef idx="2">
-            <a:schemeClr val="accent1">
-              <a:shade val="50000"/>
-            </a:schemeClr>
-          </a:lnRef>
-          <a:fillRef idx="1">
-            <a:schemeClr val="accent1"/>
-          </a:fillRef>
-          <a:effectRef idx="0">
-            <a:schemeClr val="accent1"/>
-          </a:effectRef>
-          <a:fontRef idx="minor">
-            <a:schemeClr val="lt1"/>
-          </a:fontRef>
-        </p:style>
-        <p:txBody>
-          <a:bodyPr rtlCol="0" anchor="ctr"/>
-          <a:lstStyle/>
-          <a:p>
-            <a:pPr algn="ctr"/>
-            <a:endParaRPr lang="en-US"/>
-          </a:p>
-        </p:txBody>
-      </p:sp>
-      <p:sp>
-        <p:nvSpPr>
-          <p:cNvPr id="7" name="椭圆 6"/>
-          <p:cNvSpPr/>
-          <p:nvPr/>
-        </p:nvSpPr>
-        <p:spPr>
-          <a:xfrm>
-            <a:off x="2685227" y="8999780"/>
-            <a:ext cx="210696" cy="210696"/>
-          </a:xfrm>
-          <a:prstGeom prst="ellipse">
-            <a:avLst/>
-          </a:prstGeom>
-        </p:spPr>
-        <p:style>
-          <a:lnRef idx="2">
-            <a:schemeClr val="accent1">
-              <a:shade val="50000"/>
-            </a:schemeClr>
-          </a:lnRef>
-          <a:fillRef idx="1">
-            <a:schemeClr val="accent1"/>
-          </a:fillRef>
-          <a:effectRef idx="0">
-            <a:schemeClr val="accent1"/>
-          </a:effectRef>
-          <a:fontRef idx="minor">
-            <a:schemeClr val="lt1"/>
-          </a:fontRef>
-        </p:style>
-        <p:txBody>
-          <a:bodyPr rtlCol="0" anchor="ctr"/>
-          <a:lstStyle/>
-          <a:p>
-            <a:pPr algn="ctr"/>
-            <a:endParaRPr lang="en-US"/>
-          </a:p>
-        </p:txBody>
-      </p:sp>
-      <p:sp>
-        <p:nvSpPr>
-          <p:cNvPr id="8" name="椭圆 7"/>
-          <p:cNvSpPr/>
-          <p:nvPr/>
-        </p:nvSpPr>
-        <p:spPr>
-          <a:xfrm>
-            <a:off x="2492057" y="10298582"/>
-            <a:ext cx="210696" cy="210696"/>
-          </a:xfrm>
-          <a:prstGeom prst="ellipse">
-            <a:avLst/>
-          </a:prstGeom>
-          <a:solidFill>
-            <a:srgbClr val="FF0000"/>
-          </a:solidFill>
-        </p:spPr>
-        <p:style>
-          <a:lnRef idx="2">
-            <a:schemeClr val="accent1">
-              <a:shade val="50000"/>
-            </a:schemeClr>
-          </a:lnRef>
-          <a:fillRef idx="1">
-            <a:schemeClr val="accent1"/>
-          </a:fillRef>
-          <a:effectRef idx="0">
-            <a:schemeClr val="accent1"/>
-          </a:effectRef>
-          <a:fontRef idx="minor">
-            <a:schemeClr val="lt1"/>
-          </a:fontRef>
-        </p:style>
-        <p:txBody>
-          <a:bodyPr rtlCol="0" anchor="ctr"/>
-          <a:lstStyle/>
-          <a:p>
-            <a:pPr algn="ctr"/>
-            <a:endParaRPr lang="en-US"/>
-          </a:p>
-        </p:txBody>
-      </p:sp>
-      <p:sp>
-        <p:nvSpPr>
-          <p:cNvPr id="9" name="椭圆 8"/>
-          <p:cNvSpPr/>
-          <p:nvPr/>
-        </p:nvSpPr>
-        <p:spPr>
-          <a:xfrm>
-            <a:off x="2865069" y="10157092"/>
-            <a:ext cx="210696" cy="210696"/>
-          </a:xfrm>
-          <a:prstGeom prst="ellipse">
-            <a:avLst/>
-          </a:prstGeom>
-        </p:spPr>
-        <p:style>
-          <a:lnRef idx="2">
-            <a:schemeClr val="accent1">
-              <a:shade val="50000"/>
-            </a:schemeClr>
-          </a:lnRef>
-          <a:fillRef idx="1">
-            <a:schemeClr val="accent1"/>
-          </a:fillRef>
-          <a:effectRef idx="0">
-            <a:schemeClr val="accent1"/>
-          </a:effectRef>
-          <a:fontRef idx="minor">
-            <a:schemeClr val="lt1"/>
-          </a:fontRef>
-        </p:style>
-        <p:txBody>
-          <a:bodyPr rtlCol="0" anchor="ctr"/>
-          <a:lstStyle/>
-          <a:p>
-            <a:pPr algn="ctr"/>
-            <a:endParaRPr lang="en-US"/>
-          </a:p>
-        </p:txBody>
-      </p:sp>
-      <p:sp>
-        <p:nvSpPr>
-          <p:cNvPr id="10" name="椭圆 9"/>
-          <p:cNvSpPr/>
-          <p:nvPr/>
-        </p:nvSpPr>
-        <p:spPr>
-          <a:xfrm>
-            <a:off x="3142183" y="9627496"/>
-            <a:ext cx="210696" cy="210696"/>
-          </a:xfrm>
-          <a:prstGeom prst="ellipse">
-            <a:avLst/>
-          </a:prstGeom>
-        </p:spPr>
-        <p:style>
-          <a:lnRef idx="2">
-            <a:schemeClr val="accent1">
-              <a:shade val="50000"/>
-            </a:schemeClr>
-          </a:lnRef>
-          <a:fillRef idx="1">
-            <a:schemeClr val="accent1"/>
-          </a:fillRef>
-          <a:effectRef idx="0">
-            <a:schemeClr val="accent1"/>
-          </a:effectRef>
-          <a:fontRef idx="minor">
-            <a:schemeClr val="lt1"/>
-          </a:fontRef>
-        </p:style>
-        <p:txBody>
-          <a:bodyPr rtlCol="0" anchor="ctr"/>
-          <a:lstStyle/>
-          <a:p>
-            <a:pPr algn="ctr"/>
-            <a:endParaRPr lang="en-US"/>
-          </a:p>
-        </p:txBody>
-      </p:sp>
-      <p:sp>
-        <p:nvSpPr>
-          <p:cNvPr id="11" name="椭圆 10"/>
-          <p:cNvSpPr/>
-          <p:nvPr/>
-        </p:nvSpPr>
-        <p:spPr>
-          <a:xfrm>
-            <a:off x="1803002" y="10157092"/>
-            <a:ext cx="210696" cy="210696"/>
-          </a:xfrm>
-          <a:prstGeom prst="ellipse">
-            <a:avLst/>
-          </a:prstGeom>
-        </p:spPr>
-        <p:style>
-          <a:lnRef idx="2">
-            <a:schemeClr val="accent1">
-              <a:shade val="50000"/>
-            </a:schemeClr>
-          </a:lnRef>
-          <a:fillRef idx="1">
-            <a:schemeClr val="accent1"/>
-          </a:fillRef>
-          <a:effectRef idx="0">
-            <a:schemeClr val="accent1"/>
-          </a:effectRef>
-          <a:fontRef idx="minor">
-            <a:schemeClr val="lt1"/>
-          </a:fontRef>
-        </p:style>
-        <p:txBody>
-          <a:bodyPr rtlCol="0" anchor="ctr"/>
-          <a:lstStyle/>
-          <a:p>
-            <a:pPr algn="ctr"/>
-            <a:endParaRPr lang="en-US"/>
-          </a:p>
-        </p:txBody>
-      </p:sp>
-      <p:cxnSp>
-        <p:nvCxnSpPr>
-          <p:cNvPr id="12" name="直接连接符 11"/>
-          <p:cNvCxnSpPr>
-            <a:stCxn id="2" idx="3"/>
-            <a:endCxn id="6" idx="7"/>
-          </p:cNvCxnSpPr>
-          <p:nvPr/>
-        </p:nvCxnSpPr>
-        <p:spPr>
-          <a:xfrm flipH="1">
-            <a:off x="1753212" y="9141073"/>
-            <a:ext cx="266680" cy="302484"/>
-          </a:xfrm>
-          <a:prstGeom prst="line">
-            <a:avLst/>
-          </a:prstGeom>
-          <a:ln w="19050">
-            <a:solidFill>
-              <a:schemeClr val="tx1"/>
-            </a:solidFill>
-          </a:ln>
-        </p:spPr>
-        <p:style>
-          <a:lnRef idx="1">
-            <a:schemeClr val="accent1"/>
-          </a:lnRef>
-          <a:fillRef idx="0">
-            <a:schemeClr val="accent1"/>
-          </a:fillRef>
-          <a:effectRef idx="0">
-            <a:schemeClr val="accent1"/>
-          </a:effectRef>
-          <a:fontRef idx="minor">
-            <a:schemeClr val="tx1"/>
-          </a:fontRef>
-        </p:style>
-      </p:cxnSp>
-      <p:cxnSp>
-        <p:nvCxnSpPr>
-          <p:cNvPr id="13" name="直接连接符 12"/>
-          <p:cNvCxnSpPr>
-            <a:stCxn id="2" idx="6"/>
-            <a:endCxn id="7" idx="2"/>
-          </p:cNvCxnSpPr>
-          <p:nvPr/>
-        </p:nvCxnSpPr>
-        <p:spPr>
-          <a:xfrm>
-            <a:off x="2199735" y="9066581"/>
-            <a:ext cx="485492" cy="38550"/>
-          </a:xfrm>
-          <a:prstGeom prst="line">
-            <a:avLst/>
-          </a:prstGeom>
-          <a:ln w="19050">
-            <a:solidFill>
-              <a:schemeClr val="tx1"/>
-            </a:solidFill>
-          </a:ln>
-        </p:spPr>
-        <p:style>
-          <a:lnRef idx="1">
-            <a:schemeClr val="accent1"/>
-          </a:lnRef>
-          <a:fillRef idx="0">
-            <a:schemeClr val="accent1"/>
-          </a:fillRef>
-          <a:effectRef idx="0">
-            <a:schemeClr val="accent1"/>
-          </a:effectRef>
-          <a:fontRef idx="minor">
-            <a:schemeClr val="tx1"/>
-          </a:fontRef>
-        </p:style>
-      </p:cxnSp>
-      <p:cxnSp>
-        <p:nvCxnSpPr>
-          <p:cNvPr id="14" name="直接连接符 13"/>
-          <p:cNvCxnSpPr>
-            <a:stCxn id="2" idx="5"/>
-            <a:endCxn id="3" idx="0"/>
-          </p:cNvCxnSpPr>
-          <p:nvPr/>
-        </p:nvCxnSpPr>
-        <p:spPr>
-          <a:xfrm>
-            <a:off x="2168881" y="9141073"/>
-            <a:ext cx="136204" cy="275727"/>
-          </a:xfrm>
-          <a:prstGeom prst="line">
-            <a:avLst/>
-          </a:prstGeom>
-          <a:ln w="19050">
-            <a:solidFill>
-              <a:schemeClr val="tx1"/>
-            </a:solidFill>
-          </a:ln>
-        </p:spPr>
-        <p:style>
-          <a:lnRef idx="1">
-            <a:schemeClr val="accent1"/>
-          </a:lnRef>
-          <a:fillRef idx="0">
-            <a:schemeClr val="accent1"/>
-          </a:fillRef>
-          <a:effectRef idx="0">
-            <a:schemeClr val="accent1"/>
-          </a:effectRef>
-          <a:fontRef idx="minor">
-            <a:schemeClr val="tx1"/>
-          </a:fontRef>
-        </p:style>
-      </p:cxnSp>
-      <p:cxnSp>
-        <p:nvCxnSpPr>
-          <p:cNvPr id="15" name="直接连接符 14"/>
-          <p:cNvCxnSpPr>
-            <a:stCxn id="3" idx="4"/>
-            <a:endCxn id="4" idx="1"/>
-          </p:cNvCxnSpPr>
-          <p:nvPr/>
-        </p:nvCxnSpPr>
-        <p:spPr>
-          <a:xfrm>
-            <a:off x="2305085" y="9627496"/>
-            <a:ext cx="30849" cy="275727"/>
-          </a:xfrm>
-          <a:prstGeom prst="line">
-            <a:avLst/>
-          </a:prstGeom>
-          <a:ln w="19050">
-            <a:solidFill>
-              <a:schemeClr val="tx1"/>
-            </a:solidFill>
-          </a:ln>
-        </p:spPr>
-        <p:style>
-          <a:lnRef idx="1">
-            <a:schemeClr val="accent1"/>
-          </a:lnRef>
-          <a:fillRef idx="0">
-            <a:schemeClr val="accent1"/>
-          </a:fillRef>
-          <a:effectRef idx="0">
-            <a:schemeClr val="accent1"/>
-          </a:effectRef>
-          <a:fontRef idx="minor">
-            <a:schemeClr val="tx1"/>
-          </a:fontRef>
-        </p:style>
-      </p:cxnSp>
-      <p:cxnSp>
-        <p:nvCxnSpPr>
-          <p:cNvPr id="16" name="直接连接符 15"/>
-          <p:cNvCxnSpPr>
-            <a:stCxn id="3" idx="5"/>
-            <a:endCxn id="5" idx="1"/>
-          </p:cNvCxnSpPr>
-          <p:nvPr/>
-        </p:nvCxnSpPr>
-        <p:spPr>
-          <a:xfrm>
-            <a:off x="2379577" y="9596642"/>
-            <a:ext cx="252979" cy="136200"/>
-          </a:xfrm>
-          <a:prstGeom prst="line">
-            <a:avLst/>
-          </a:prstGeom>
-          <a:ln w="19050">
-            <a:solidFill>
-              <a:schemeClr val="tx1"/>
-            </a:solidFill>
-          </a:ln>
-        </p:spPr>
-        <p:style>
-          <a:lnRef idx="1">
-            <a:schemeClr val="accent1"/>
-          </a:lnRef>
-          <a:fillRef idx="0">
-            <a:schemeClr val="accent1"/>
-          </a:fillRef>
-          <a:effectRef idx="0">
-            <a:schemeClr val="accent1"/>
-          </a:effectRef>
-          <a:fontRef idx="minor">
-            <a:schemeClr val="tx1"/>
-          </a:fontRef>
-        </p:style>
-      </p:cxnSp>
-      <p:cxnSp>
-        <p:nvCxnSpPr>
-          <p:cNvPr id="17" name="直接连接符 16"/>
-          <p:cNvCxnSpPr>
-            <a:stCxn id="4" idx="4"/>
-            <a:endCxn id="8" idx="0"/>
-          </p:cNvCxnSpPr>
-          <p:nvPr/>
-        </p:nvCxnSpPr>
-        <p:spPr>
-          <a:xfrm>
-            <a:off x="2410431" y="10083065"/>
-            <a:ext cx="186976" cy="215517"/>
-          </a:xfrm>
-          <a:prstGeom prst="line">
-            <a:avLst/>
-          </a:prstGeom>
-          <a:ln w="19050">
-            <a:solidFill>
-              <a:schemeClr val="tx1"/>
-            </a:solidFill>
-          </a:ln>
-        </p:spPr>
-        <p:style>
-          <a:lnRef idx="1">
-            <a:schemeClr val="accent1"/>
-          </a:lnRef>
-          <a:fillRef idx="0">
-            <a:schemeClr val="accent1"/>
-          </a:fillRef>
-          <a:effectRef idx="0">
-            <a:schemeClr val="accent1"/>
-          </a:effectRef>
-          <a:fontRef idx="minor">
-            <a:schemeClr val="tx1"/>
-          </a:fontRef>
-        </p:style>
-      </p:cxnSp>
-      <p:cxnSp>
-        <p:nvCxnSpPr>
-          <p:cNvPr id="18" name="直接连接符 17"/>
-          <p:cNvCxnSpPr>
-            <a:stCxn id="5" idx="4"/>
-            <a:endCxn id="9" idx="1"/>
-          </p:cNvCxnSpPr>
-          <p:nvPr/>
-        </p:nvCxnSpPr>
-        <p:spPr>
-          <a:xfrm>
-            <a:off x="2707053" y="9912684"/>
-            <a:ext cx="188870" cy="275261"/>
-          </a:xfrm>
-          <a:prstGeom prst="line">
-            <a:avLst/>
-          </a:prstGeom>
-          <a:ln w="19050">
-            <a:solidFill>
-              <a:schemeClr val="tx1"/>
-            </a:solidFill>
-          </a:ln>
-        </p:spPr>
-        <p:style>
-          <a:lnRef idx="1">
-            <a:schemeClr val="accent1"/>
-          </a:lnRef>
-          <a:fillRef idx="0">
-            <a:schemeClr val="accent1"/>
-          </a:fillRef>
-          <a:effectRef idx="0">
-            <a:schemeClr val="accent1"/>
-          </a:effectRef>
-          <a:fontRef idx="minor">
-            <a:schemeClr val="tx1"/>
-          </a:fontRef>
-        </p:style>
-      </p:cxnSp>
-      <p:cxnSp>
-        <p:nvCxnSpPr>
-          <p:cNvPr id="19" name="直接连接符 18"/>
-          <p:cNvCxnSpPr>
-            <a:stCxn id="8" idx="2"/>
-            <a:endCxn id="11" idx="6"/>
-          </p:cNvCxnSpPr>
-          <p:nvPr/>
-        </p:nvCxnSpPr>
-        <p:spPr>
-          <a:xfrm flipH="1" flipV="1">
-            <a:off x="2013699" y="10262442"/>
-            <a:ext cx="478358" cy="141490"/>
-          </a:xfrm>
-          <a:prstGeom prst="line">
-            <a:avLst/>
-          </a:prstGeom>
-          <a:ln w="19050">
-            <a:solidFill>
-              <a:schemeClr val="tx1"/>
-            </a:solidFill>
-          </a:ln>
-        </p:spPr>
-        <p:style>
-          <a:lnRef idx="1">
-            <a:schemeClr val="accent1"/>
-          </a:lnRef>
-          <a:fillRef idx="0">
-            <a:schemeClr val="accent1"/>
-          </a:fillRef>
-          <a:effectRef idx="0">
-            <a:schemeClr val="accent1"/>
-          </a:effectRef>
-          <a:fontRef idx="minor">
-            <a:schemeClr val="tx1"/>
-          </a:fontRef>
-        </p:style>
-      </p:cxnSp>
-      <p:cxnSp>
-        <p:nvCxnSpPr>
-          <p:cNvPr id="20" name="直接连接符 19"/>
-          <p:cNvCxnSpPr>
-            <a:stCxn id="9" idx="0"/>
-            <a:endCxn id="10" idx="3"/>
-          </p:cNvCxnSpPr>
-          <p:nvPr/>
-        </p:nvCxnSpPr>
-        <p:spPr>
-          <a:xfrm flipV="1">
-            <a:off x="2970420" y="9807338"/>
-            <a:ext cx="202618" cy="349753"/>
-          </a:xfrm>
-          <a:prstGeom prst="line">
-            <a:avLst/>
-          </a:prstGeom>
-          <a:ln w="19050">
-            <a:solidFill>
-              <a:schemeClr val="tx1"/>
-            </a:solidFill>
-          </a:ln>
-        </p:spPr>
-        <p:style>
-          <a:lnRef idx="1">
-            <a:schemeClr val="accent1"/>
-          </a:lnRef>
-          <a:fillRef idx="0">
-            <a:schemeClr val="accent1"/>
-          </a:fillRef>
-          <a:effectRef idx="0">
-            <a:schemeClr val="accent1"/>
-          </a:effectRef>
-          <a:fontRef idx="minor">
-            <a:schemeClr val="tx1"/>
-          </a:fontRef>
-        </p:style>
-      </p:cxnSp>
-      <p:sp>
-        <p:nvSpPr>
           <p:cNvPr id="21" name="椭圆 20"/>
           <p:cNvSpPr/>
           <p:nvPr/>
@@ -24934,311 +24186,6 @@
       </p:sp>
       <p:sp>
         <p:nvSpPr>
-          <p:cNvPr id="31" name="文本框 30"/>
-          <p:cNvSpPr txBox="1"/>
-          <p:nvPr/>
-        </p:nvSpPr>
-        <p:spPr>
-          <a:xfrm>
-            <a:off x="1882403" y="8662519"/>
-            <a:ext cx="450508" cy="400110"/>
-          </a:xfrm>
-          <a:prstGeom prst="rect">
-            <a:avLst/>
-          </a:prstGeom>
-          <a:noFill/>
-        </p:spPr>
-        <p:txBody>
-          <a:bodyPr wrap="none" rtlCol="0">
-            <a:spAutoFit/>
-          </a:bodyPr>
-          <a:lstStyle/>
-          <a:p>
-            <a:r>
-              <a:rPr lang="en-US" sz="2000" dirty="0" smtClean="0"/>
-              <a:t>SA</a:t>
-            </a:r>
-            <a:endParaRPr lang="en-US" sz="1600" dirty="0"/>
-          </a:p>
-        </p:txBody>
-      </p:sp>
-      <p:sp>
-        <p:nvSpPr>
-          <p:cNvPr id="32" name="文本框 31"/>
-          <p:cNvSpPr txBox="1"/>
-          <p:nvPr/>
-        </p:nvSpPr>
-        <p:spPr>
-          <a:xfrm>
-            <a:off x="1201125" y="9186778"/>
-            <a:ext cx="473206" cy="400110"/>
-          </a:xfrm>
-          <a:prstGeom prst="rect">
-            <a:avLst/>
-          </a:prstGeom>
-          <a:noFill/>
-        </p:spPr>
-        <p:txBody>
-          <a:bodyPr wrap="none" rtlCol="0">
-            <a:spAutoFit/>
-          </a:bodyPr>
-          <a:lstStyle/>
-          <a:p>
-            <a:r>
-              <a:rPr lang="en-US" sz="2000" dirty="0"/>
-              <a:t>RA</a:t>
-            </a:r>
-          </a:p>
-        </p:txBody>
-      </p:sp>
-      <p:sp>
-        <p:nvSpPr>
-          <p:cNvPr id="33" name="文本框 32"/>
-          <p:cNvSpPr txBox="1"/>
-          <p:nvPr/>
-        </p:nvSpPr>
-        <p:spPr>
-          <a:xfrm>
-            <a:off x="2570002" y="8665265"/>
-            <a:ext cx="441146" cy="400110"/>
-          </a:xfrm>
-          <a:prstGeom prst="rect">
-            <a:avLst/>
-          </a:prstGeom>
-          <a:noFill/>
-        </p:spPr>
-        <p:txBody>
-          <a:bodyPr wrap="none" rtlCol="0">
-            <a:spAutoFit/>
-          </a:bodyPr>
-          <a:lstStyle>
-            <a:defPPr>
-              <a:defRPr lang="en-US"/>
-            </a:defPPr>
-            <a:lvl1pPr>
-              <a:defRPr sz="2000"/>
-            </a:lvl1pPr>
-          </a:lstStyle>
-          <a:p>
-            <a:r>
-              <a:rPr lang="en-US" dirty="0"/>
-              <a:t>LA</a:t>
-            </a:r>
-          </a:p>
-        </p:txBody>
-      </p:sp>
-      <p:sp>
-        <p:nvSpPr>
-          <p:cNvPr id="34" name="文本框 33"/>
-          <p:cNvSpPr txBox="1"/>
-          <p:nvPr/>
-        </p:nvSpPr>
-        <p:spPr>
-          <a:xfrm>
-            <a:off x="1819643" y="9314004"/>
-            <a:ext cx="468462" cy="400110"/>
-          </a:xfrm>
-          <a:prstGeom prst="rect">
-            <a:avLst/>
-          </a:prstGeom>
-          <a:noFill/>
-        </p:spPr>
-        <p:txBody>
-          <a:bodyPr wrap="none" rtlCol="0">
-            <a:spAutoFit/>
-          </a:bodyPr>
-          <a:lstStyle/>
-          <a:p>
-            <a:r>
-              <a:rPr lang="en-US" sz="2000" dirty="0" smtClean="0"/>
-              <a:t>AV</a:t>
-            </a:r>
-            <a:endParaRPr lang="en-US" sz="2000" dirty="0"/>
-          </a:p>
-        </p:txBody>
-      </p:sp>
-      <p:sp>
-        <p:nvSpPr>
-          <p:cNvPr id="35" name="文本框 34"/>
-          <p:cNvSpPr txBox="1"/>
-          <p:nvPr/>
-        </p:nvSpPr>
-        <p:spPr>
-          <a:xfrm>
-            <a:off x="2573298" y="9404816"/>
-            <a:ext cx="570990" cy="400110"/>
-          </a:xfrm>
-          <a:prstGeom prst="rect">
-            <a:avLst/>
-          </a:prstGeom>
-          <a:noFill/>
-        </p:spPr>
-        <p:txBody>
-          <a:bodyPr wrap="none" rtlCol="0">
-            <a:spAutoFit/>
-          </a:bodyPr>
-          <a:lstStyle/>
-          <a:p>
-            <a:r>
-              <a:rPr lang="en-US" sz="2000" dirty="0" smtClean="0"/>
-              <a:t>LBB</a:t>
-            </a:r>
-            <a:endParaRPr lang="en-US" sz="2000" dirty="0"/>
-          </a:p>
-        </p:txBody>
-      </p:sp>
-      <p:sp>
-        <p:nvSpPr>
-          <p:cNvPr id="36" name="文本框 35"/>
-          <p:cNvSpPr txBox="1"/>
-          <p:nvPr/>
-        </p:nvSpPr>
-        <p:spPr>
-          <a:xfrm>
-            <a:off x="1771843" y="9752445"/>
-            <a:ext cx="603050" cy="400110"/>
-          </a:xfrm>
-          <a:prstGeom prst="rect">
-            <a:avLst/>
-          </a:prstGeom>
-          <a:noFill/>
-        </p:spPr>
-        <p:txBody>
-          <a:bodyPr wrap="none" rtlCol="0">
-            <a:spAutoFit/>
-          </a:bodyPr>
-          <a:lstStyle/>
-          <a:p>
-            <a:r>
-              <a:rPr lang="en-US" sz="2000" dirty="0" smtClean="0"/>
-              <a:t>RBB</a:t>
-            </a:r>
-            <a:endParaRPr lang="en-US" sz="2000" dirty="0"/>
-          </a:p>
-        </p:txBody>
-      </p:sp>
-      <p:sp>
-        <p:nvSpPr>
-          <p:cNvPr id="37" name="文本框 36"/>
-          <p:cNvSpPr txBox="1"/>
-          <p:nvPr/>
-        </p:nvSpPr>
-        <p:spPr>
-          <a:xfrm>
-            <a:off x="1385347" y="10003820"/>
-            <a:ext cx="466474" cy="400110"/>
-          </a:xfrm>
-          <a:prstGeom prst="rect">
-            <a:avLst/>
-          </a:prstGeom>
-          <a:noFill/>
-        </p:spPr>
-        <p:txBody>
-          <a:bodyPr wrap="none" rtlCol="0">
-            <a:spAutoFit/>
-          </a:bodyPr>
-          <a:lstStyle/>
-          <a:p>
-            <a:r>
-              <a:rPr lang="en-US" sz="2000" dirty="0" smtClean="0"/>
-              <a:t>RV</a:t>
-            </a:r>
-            <a:endParaRPr lang="en-US" sz="2000" dirty="0"/>
-          </a:p>
-        </p:txBody>
-      </p:sp>
-      <p:sp>
-        <p:nvSpPr>
-          <p:cNvPr id="38" name="文本框 37"/>
-          <p:cNvSpPr txBox="1"/>
-          <p:nvPr/>
-        </p:nvSpPr>
-        <p:spPr>
-          <a:xfrm>
-            <a:off x="2013698" y="10382795"/>
-            <a:ext cx="603499" cy="400110"/>
-          </a:xfrm>
-          <a:prstGeom prst="rect">
-            <a:avLst/>
-          </a:prstGeom>
-          <a:noFill/>
-        </p:spPr>
-        <p:txBody>
-          <a:bodyPr wrap="none" rtlCol="0">
-            <a:spAutoFit/>
-          </a:bodyPr>
-          <a:lstStyle/>
-          <a:p>
-            <a:r>
-              <a:rPr lang="en-US" sz="2000" dirty="0" smtClean="0"/>
-              <a:t>RVA</a:t>
-            </a:r>
-            <a:endParaRPr lang="en-US" sz="2000" dirty="0"/>
-          </a:p>
-        </p:txBody>
-      </p:sp>
-      <p:sp>
-        <p:nvSpPr>
-          <p:cNvPr id="39" name="文本框 38"/>
-          <p:cNvSpPr txBox="1"/>
-          <p:nvPr/>
-        </p:nvSpPr>
-        <p:spPr>
-          <a:xfrm>
-            <a:off x="2991127" y="10241743"/>
-            <a:ext cx="556563" cy="400110"/>
-          </a:xfrm>
-          <a:prstGeom prst="rect">
-            <a:avLst/>
-          </a:prstGeom>
-          <a:noFill/>
-        </p:spPr>
-        <p:txBody>
-          <a:bodyPr wrap="none" rtlCol="0">
-            <a:spAutoFit/>
-          </a:bodyPr>
-          <a:lstStyle/>
-          <a:p>
-            <a:r>
-              <a:rPr lang="en-US" sz="2000" dirty="0" smtClean="0"/>
-              <a:t>LVA</a:t>
-            </a:r>
-            <a:endParaRPr lang="en-US" sz="2000" dirty="0"/>
-          </a:p>
-        </p:txBody>
-      </p:sp>
-      <p:sp>
-        <p:nvSpPr>
-          <p:cNvPr id="40" name="文本框 39"/>
-          <p:cNvSpPr txBox="1"/>
-          <p:nvPr/>
-        </p:nvSpPr>
-        <p:spPr>
-          <a:xfrm>
-            <a:off x="3130164" y="9330275"/>
-            <a:ext cx="419538" cy="400110"/>
-          </a:xfrm>
-          <a:prstGeom prst="rect">
-            <a:avLst/>
-          </a:prstGeom>
-          <a:noFill/>
-        </p:spPr>
-        <p:txBody>
-          <a:bodyPr wrap="none" rtlCol="0">
-            <a:spAutoFit/>
-          </a:bodyPr>
-          <a:lstStyle/>
-          <a:p>
-            <a:r>
-              <a:rPr lang="en-US" sz="2000" dirty="0" smtClean="0"/>
-              <a:t>LV</a:t>
-            </a:r>
-            <a:endParaRPr lang="en-US" sz="2000" dirty="0"/>
-          </a:p>
-        </p:txBody>
-      </p:sp>
-      <p:sp>
-        <p:nvSpPr>
           <p:cNvPr id="41" name="文本框 40"/>
           <p:cNvSpPr txBox="1"/>
           <p:nvPr/>
@@ -25447,16 +24394,415 @@
           </a:p>
         </p:txBody>
       </p:sp>
+      <mc:AlternateContent xmlns:mc="http://schemas.openxmlformats.org/markup-compatibility/2006">
+        <mc:Choice xmlns:a14="http://schemas.microsoft.com/office/drawing/2010/main" Requires="a14">
+          <p:sp>
+            <p:nvSpPr>
+              <p:cNvPr id="48" name="文本框 47"/>
+              <p:cNvSpPr txBox="1"/>
+              <p:nvPr/>
+            </p:nvSpPr>
+            <p:spPr>
+              <a:xfrm>
+                <a:off x="4071458" y="10659812"/>
+                <a:ext cx="1089786" cy="584775"/>
+              </a:xfrm>
+              <a:prstGeom prst="rect">
+                <a:avLst/>
+              </a:prstGeom>
+              <a:noFill/>
+            </p:spPr>
+            <p:txBody>
+              <a:bodyPr wrap="none" rtlCol="0">
+                <a:spAutoFit/>
+              </a:bodyPr>
+              <a:lstStyle/>
+              <a:p>
+                <a14:m>
+                  <m:oMathPara xmlns:m="http://schemas.openxmlformats.org/officeDocument/2006/math">
+                    <m:oMathParaPr>
+                      <m:jc m:val="centerGroup"/>
+                    </m:oMathParaPr>
+                    <m:oMath xmlns:m="http://schemas.openxmlformats.org/officeDocument/2006/math">
+                      <m:sSub>
+                        <m:sSubPr>
+                          <m:ctrlPr>
+                            <a:rPr lang="en-US" sz="3200" b="0" i="1" smtClean="0">
+                              <a:solidFill>
+                                <a:srgbClr val="FF0000"/>
+                              </a:solidFill>
+                              <a:latin typeface="Cambria Math" panose="02040503050406030204" pitchFamily="18" charset="0"/>
+                            </a:rPr>
+                          </m:ctrlPr>
+                        </m:sSubPr>
+                        <m:e>
+                          <m:r>
+                            <a:rPr lang="en-US" sz="3200" b="0" i="1" smtClean="0">
+                              <a:solidFill>
+                                <a:srgbClr val="FF0000"/>
+                              </a:solidFill>
+                              <a:latin typeface="Cambria Math" panose="02040503050406030204" pitchFamily="18" charset="0"/>
+                            </a:rPr>
+                            <m:t>𝐻</m:t>
+                          </m:r>
+                        </m:e>
+                        <m:sub>
+                          <m:r>
+                            <a:rPr lang="en-US" sz="3200" b="0" i="1" smtClean="0">
+                              <a:solidFill>
+                                <a:srgbClr val="FF0000"/>
+                              </a:solidFill>
+                              <a:latin typeface="Cambria Math" panose="02040503050406030204" pitchFamily="18" charset="0"/>
+                            </a:rPr>
+                            <m:t>𝑣𝑡</m:t>
+                          </m:r>
+                        </m:sub>
+                      </m:sSub>
+                      <m:r>
+                        <a:rPr lang="en-US" sz="3200" b="0" i="1" smtClean="0">
+                          <a:solidFill>
+                            <a:srgbClr val="FF0000"/>
+                          </a:solidFill>
+                          <a:latin typeface="Cambria Math" panose="02040503050406030204" pitchFamily="18" charset="0"/>
+                        </a:rPr>
+                        <m:t>′′</m:t>
+                      </m:r>
+                    </m:oMath>
+                  </m:oMathPara>
+                </a14:m>
+                <a:endParaRPr lang="en-US" sz="3200" dirty="0">
+                  <a:solidFill>
+                    <a:srgbClr val="FF0000"/>
+                  </a:solidFill>
+                </a:endParaRPr>
+              </a:p>
+            </p:txBody>
+          </p:sp>
+        </mc:Choice>
+        <mc:Fallback>
+          <p:sp>
+            <p:nvSpPr>
+              <p:cNvPr id="48" name="文本框 47"/>
+              <p:cNvSpPr txBox="1">
+                <a:spLocks noRot="1" noChangeAspect="1" noMove="1" noResize="1" noEditPoints="1" noAdjustHandles="1" noChangeArrowheads="1" noChangeShapeType="1" noTextEdit="1"/>
+              </p:cNvSpPr>
+              <p:nvPr/>
+            </p:nvSpPr>
+            <p:spPr>
+              <a:xfrm>
+                <a:off x="4071458" y="10659812"/>
+                <a:ext cx="1089786" cy="584775"/>
+              </a:xfrm>
+              <a:prstGeom prst="rect">
+                <a:avLst/>
+              </a:prstGeom>
+              <a:blipFill rotWithShape="0">
+                <a:blip r:embed="rId2"/>
+                <a:stretch>
+                  <a:fillRect/>
+                </a:stretch>
+              </a:blipFill>
+            </p:spPr>
+            <p:txBody>
+              <a:bodyPr/>
+              <a:lstStyle/>
+              <a:p>
+                <a:r>
+                  <a:rPr lang="en-US">
+                    <a:noFill/>
+                  </a:rPr>
+                  <a:t> </a:t>
+                </a:r>
+              </a:p>
+            </p:txBody>
+          </p:sp>
+        </mc:Fallback>
+      </mc:AlternateContent>
+      <mc:AlternateContent xmlns:mc="http://schemas.openxmlformats.org/markup-compatibility/2006">
+        <mc:Choice xmlns:a14="http://schemas.microsoft.com/office/drawing/2010/main" Requires="a14">
+          <p:sp>
+            <p:nvSpPr>
+              <p:cNvPr id="53" name="文本框 52"/>
+              <p:cNvSpPr txBox="1"/>
+              <p:nvPr/>
+            </p:nvSpPr>
+            <p:spPr>
+              <a:xfrm>
+                <a:off x="5984139" y="10664560"/>
+                <a:ext cx="1195584" cy="584775"/>
+              </a:xfrm>
+              <a:prstGeom prst="rect">
+                <a:avLst/>
+              </a:prstGeom>
+              <a:noFill/>
+            </p:spPr>
+            <p:txBody>
+              <a:bodyPr wrap="none" rtlCol="0">
+                <a:spAutoFit/>
+              </a:bodyPr>
+              <a:lstStyle/>
+              <a:p>
+                <a14:m>
+                  <m:oMathPara xmlns:m="http://schemas.openxmlformats.org/officeDocument/2006/math">
+                    <m:oMathParaPr>
+                      <m:jc m:val="centerGroup"/>
+                    </m:oMathParaPr>
+                    <m:oMath xmlns:m="http://schemas.openxmlformats.org/officeDocument/2006/math">
+                      <m:sSub>
+                        <m:sSubPr>
+                          <m:ctrlPr>
+                            <a:rPr lang="en-US" sz="3200" b="0" i="1" smtClean="0">
+                              <a:solidFill>
+                                <a:srgbClr val="FF0000"/>
+                              </a:solidFill>
+                              <a:latin typeface="Cambria Math" panose="02040503050406030204" pitchFamily="18" charset="0"/>
+                            </a:rPr>
+                          </m:ctrlPr>
+                        </m:sSubPr>
+                        <m:e>
+                          <m:r>
+                            <a:rPr lang="en-US" sz="3200" b="0" i="1" smtClean="0">
+                              <a:solidFill>
+                                <a:srgbClr val="FF0000"/>
+                              </a:solidFill>
+                              <a:latin typeface="Cambria Math" panose="02040503050406030204" pitchFamily="18" charset="0"/>
+                            </a:rPr>
+                            <m:t>𝐻</m:t>
+                          </m:r>
+                        </m:e>
+                        <m:sub>
+                          <m:r>
+                            <a:rPr lang="en-US" sz="3200" b="0" i="1" smtClean="0">
+                              <a:solidFill>
+                                <a:srgbClr val="FF0000"/>
+                              </a:solidFill>
+                              <a:latin typeface="Cambria Math" panose="02040503050406030204" pitchFamily="18" charset="0"/>
+                            </a:rPr>
+                            <m:t>𝑣𝑡</m:t>
+                          </m:r>
+                        </m:sub>
+                      </m:sSub>
+                      <m:r>
+                        <a:rPr lang="en-US" sz="3200" b="0" i="1" smtClean="0">
+                          <a:solidFill>
+                            <a:srgbClr val="FF0000"/>
+                          </a:solidFill>
+                          <a:latin typeface="Cambria Math" panose="02040503050406030204" pitchFamily="18" charset="0"/>
+                        </a:rPr>
+                        <m:t>′′′</m:t>
+                      </m:r>
+                    </m:oMath>
+                  </m:oMathPara>
+                </a14:m>
+                <a:endParaRPr lang="en-US" sz="3200" dirty="0">
+                  <a:solidFill>
+                    <a:srgbClr val="FF0000"/>
+                  </a:solidFill>
+                </a:endParaRPr>
+              </a:p>
+            </p:txBody>
+          </p:sp>
+        </mc:Choice>
+        <mc:Fallback>
+          <p:sp>
+            <p:nvSpPr>
+              <p:cNvPr id="53" name="文本框 52"/>
+              <p:cNvSpPr txBox="1">
+                <a:spLocks noRot="1" noChangeAspect="1" noMove="1" noResize="1" noEditPoints="1" noAdjustHandles="1" noChangeArrowheads="1" noChangeShapeType="1" noTextEdit="1"/>
+              </p:cNvSpPr>
+              <p:nvPr/>
+            </p:nvSpPr>
+            <p:spPr>
+              <a:xfrm>
+                <a:off x="5984139" y="10664560"/>
+                <a:ext cx="1195584" cy="584775"/>
+              </a:xfrm>
+              <a:prstGeom prst="rect">
+                <a:avLst/>
+              </a:prstGeom>
+              <a:blipFill rotWithShape="0">
+                <a:blip r:embed="rId3"/>
+                <a:stretch>
+                  <a:fillRect/>
+                </a:stretch>
+              </a:blipFill>
+            </p:spPr>
+            <p:txBody>
+              <a:bodyPr/>
+              <a:lstStyle/>
+              <a:p>
+                <a:r>
+                  <a:rPr lang="en-US">
+                    <a:noFill/>
+                  </a:rPr>
+                  <a:t> </a:t>
+                </a:r>
+              </a:p>
+            </p:txBody>
+          </p:sp>
+        </mc:Fallback>
+      </mc:AlternateContent>
+      <mc:AlternateContent xmlns:mc="http://schemas.openxmlformats.org/markup-compatibility/2006">
+        <mc:Choice xmlns:a14="http://schemas.microsoft.com/office/drawing/2010/main" Requires="a14">
+          <p:sp>
+            <p:nvSpPr>
+              <p:cNvPr id="54" name="文本框 53"/>
+              <p:cNvSpPr txBox="1"/>
+              <p:nvPr/>
+            </p:nvSpPr>
+            <p:spPr>
+              <a:xfrm>
+                <a:off x="7901251" y="10619058"/>
+                <a:ext cx="978217" cy="584775"/>
+              </a:xfrm>
+              <a:prstGeom prst="rect">
+                <a:avLst/>
+              </a:prstGeom>
+              <a:noFill/>
+            </p:spPr>
+            <p:txBody>
+              <a:bodyPr wrap="none" rtlCol="0">
+                <a:spAutoFit/>
+              </a:bodyPr>
+              <a:lstStyle/>
+              <a:p>
+                <a14:m>
+                  <m:oMathPara xmlns:m="http://schemas.openxmlformats.org/officeDocument/2006/math">
+                    <m:oMathParaPr>
+                      <m:jc m:val="centerGroup"/>
+                    </m:oMathParaPr>
+                    <m:oMath xmlns:m="http://schemas.openxmlformats.org/officeDocument/2006/math">
+                      <m:sSub>
+                        <m:sSubPr>
+                          <m:ctrlPr>
+                            <a:rPr lang="en-US" sz="3200" b="0" i="1" smtClean="0">
+                              <a:solidFill>
+                                <a:srgbClr val="FF0000"/>
+                              </a:solidFill>
+                              <a:latin typeface="Cambria Math" panose="02040503050406030204" pitchFamily="18" charset="0"/>
+                            </a:rPr>
+                          </m:ctrlPr>
+                        </m:sSubPr>
+                        <m:e>
+                          <m:r>
+                            <a:rPr lang="en-US" sz="3200" b="0" i="1" smtClean="0">
+                              <a:solidFill>
+                                <a:srgbClr val="FF0000"/>
+                              </a:solidFill>
+                              <a:latin typeface="Cambria Math" panose="02040503050406030204" pitchFamily="18" charset="0"/>
+                            </a:rPr>
+                            <m:t>𝐻</m:t>
+                          </m:r>
+                        </m:e>
+                        <m:sub>
+                          <m:r>
+                            <a:rPr lang="en-US" sz="3200" b="0" i="1" smtClean="0">
+                              <a:solidFill>
+                                <a:srgbClr val="FF0000"/>
+                              </a:solidFill>
+                              <a:latin typeface="Cambria Math" panose="02040503050406030204" pitchFamily="18" charset="0"/>
+                            </a:rPr>
+                            <m:t>𝑎𝑙𝑙</m:t>
+                          </m:r>
+                        </m:sub>
+                      </m:sSub>
+                    </m:oMath>
+                  </m:oMathPara>
+                </a14:m>
+                <a:endParaRPr lang="en-US" sz="3200" dirty="0">
+                  <a:solidFill>
+                    <a:srgbClr val="FF0000"/>
+                  </a:solidFill>
+                </a:endParaRPr>
+              </a:p>
+            </p:txBody>
+          </p:sp>
+        </mc:Choice>
+        <mc:Fallback>
+          <p:sp>
+            <p:nvSpPr>
+              <p:cNvPr id="54" name="文本框 53"/>
+              <p:cNvSpPr txBox="1">
+                <a:spLocks noRot="1" noChangeAspect="1" noMove="1" noResize="1" noEditPoints="1" noAdjustHandles="1" noChangeArrowheads="1" noChangeShapeType="1" noTextEdit="1"/>
+              </p:cNvSpPr>
+              <p:nvPr/>
+            </p:nvSpPr>
+            <p:spPr>
+              <a:xfrm>
+                <a:off x="7901251" y="10619058"/>
+                <a:ext cx="978217" cy="584775"/>
+              </a:xfrm>
+              <a:prstGeom prst="rect">
+                <a:avLst/>
+              </a:prstGeom>
+              <a:blipFill rotWithShape="0">
+                <a:blip r:embed="rId4"/>
+                <a:stretch>
+                  <a:fillRect/>
+                </a:stretch>
+              </a:blipFill>
+            </p:spPr>
+            <p:txBody>
+              <a:bodyPr/>
+              <a:lstStyle/>
+              <a:p>
+                <a:r>
+                  <a:rPr lang="en-US">
+                    <a:noFill/>
+                  </a:rPr>
+                  <a:t> </a:t>
+                </a:r>
+              </a:p>
+            </p:txBody>
+          </p:sp>
+        </mc:Fallback>
+      </mc:AlternateContent>
+      <p:cxnSp>
+        <p:nvCxnSpPr>
+          <p:cNvPr id="56" name="直接箭头连接符 55"/>
+          <p:cNvCxnSpPr/>
+          <p:nvPr/>
+        </p:nvCxnSpPr>
+        <p:spPr>
+          <a:xfrm>
+            <a:off x="5249638" y="9778084"/>
+            <a:ext cx="734501" cy="0"/>
+          </a:xfrm>
+          <a:prstGeom prst="straightConnector1">
+            <a:avLst/>
+          </a:prstGeom>
+          <a:ln w="57150">
+            <a:solidFill>
+              <a:schemeClr val="tx1"/>
+            </a:solidFill>
+            <a:tailEnd type="triangle"/>
+          </a:ln>
+        </p:spPr>
+        <p:style>
+          <a:lnRef idx="1">
+            <a:schemeClr val="accent1"/>
+          </a:lnRef>
+          <a:fillRef idx="0">
+            <a:schemeClr val="accent1"/>
+          </a:fillRef>
+          <a:effectRef idx="0">
+            <a:schemeClr val="accent1"/>
+          </a:effectRef>
+          <a:fontRef idx="minor">
+            <a:schemeClr val="tx1"/>
+          </a:fontRef>
+        </p:style>
+      </p:cxnSp>
       <p:sp>
         <p:nvSpPr>
-          <p:cNvPr id="49" name="文本框 48"/>
+          <p:cNvPr id="57" name="文本框 56"/>
           <p:cNvSpPr txBox="1"/>
           <p:nvPr/>
         </p:nvSpPr>
         <p:spPr>
           <a:xfrm>
-            <a:off x="2300009" y="10782905"/>
-            <a:ext cx="471604" cy="400110"/>
+            <a:off x="5206596" y="9378923"/>
+            <a:ext cx="769763" cy="369332"/>
           </a:xfrm>
           <a:prstGeom prst="rect">
             <a:avLst/>
@@ -25470,23 +24816,59 @@
           <a:lstStyle/>
           <a:p>
             <a:r>
-              <a:rPr lang="en-US" sz="2000" b="1" dirty="0" smtClean="0"/>
-              <a:t>(a)</a:t>
+              <a:rPr lang="en-US" dirty="0" smtClean="0"/>
+              <a:t>Rule 6</a:t>
             </a:r>
-            <a:endParaRPr lang="en-US" b="1" dirty="0"/>
+            <a:endParaRPr lang="en-US" dirty="0"/>
           </a:p>
         </p:txBody>
       </p:sp>
+      <p:cxnSp>
+        <p:nvCxnSpPr>
+          <p:cNvPr id="58" name="直接箭头连接符 57"/>
+          <p:cNvCxnSpPr/>
+          <p:nvPr/>
+        </p:nvCxnSpPr>
+        <p:spPr>
+          <a:xfrm>
+            <a:off x="6969331" y="9748972"/>
+            <a:ext cx="734501" cy="0"/>
+          </a:xfrm>
+          <a:prstGeom prst="straightConnector1">
+            <a:avLst/>
+          </a:prstGeom>
+          <a:ln w="57150">
+            <a:solidFill>
+              <a:schemeClr val="tx1"/>
+            </a:solidFill>
+            <a:tailEnd type="triangle"/>
+          </a:ln>
+        </p:spPr>
+        <p:style>
+          <a:lnRef idx="1">
+            <a:schemeClr val="accent1"/>
+          </a:lnRef>
+          <a:fillRef idx="0">
+            <a:schemeClr val="accent1"/>
+          </a:fillRef>
+          <a:effectRef idx="0">
+            <a:schemeClr val="accent1"/>
+          </a:effectRef>
+          <a:fontRef idx="minor">
+            <a:schemeClr val="tx1"/>
+          </a:fontRef>
+        </p:style>
+      </p:cxnSp>
       <p:sp>
         <p:nvSpPr>
-          <p:cNvPr id="50" name="文本框 49"/>
+          <p:cNvPr id="59" name="文本框 58"/>
           <p:cNvSpPr txBox="1"/>
           <p:nvPr/>
         </p:nvSpPr>
         <p:spPr>
           <a:xfrm>
-            <a:off x="4367649" y="10782905"/>
-            <a:ext cx="482824" cy="400110"/>
+            <a:off x="6926289" y="9349811"/>
+            <a:ext cx="769763" cy="369332"/>
           </a:xfrm>
           <a:prstGeom prst="rect">
             <a:avLst/>
@@ -25500,70 +24882,10 @@
           <a:lstStyle/>
           <a:p>
             <a:r>
-              <a:rPr lang="en-US" sz="2000" b="1" dirty="0" smtClean="0"/>
-              <a:t>(b)</a:t>
+              <a:rPr lang="en-US" dirty="0" smtClean="0"/>
+              <a:t>Rule 7</a:t>
             </a:r>
-            <a:endParaRPr lang="en-US" b="1" dirty="0"/>
-          </a:p>
-        </p:txBody>
-      </p:sp>
-      <p:sp>
-        <p:nvSpPr>
-          <p:cNvPr id="51" name="文本框 50"/>
-          <p:cNvSpPr txBox="1"/>
-          <p:nvPr/>
-        </p:nvSpPr>
-        <p:spPr>
-          <a:xfrm>
-            <a:off x="6296388" y="10782905"/>
-            <a:ext cx="452368" cy="400110"/>
-          </a:xfrm>
-          <a:prstGeom prst="rect">
-            <a:avLst/>
-          </a:prstGeom>
-          <a:noFill/>
-        </p:spPr>
-        <p:txBody>
-          <a:bodyPr wrap="none" rtlCol="0">
-            <a:spAutoFit/>
-          </a:bodyPr>
-          <a:lstStyle/>
-          <a:p>
-            <a:r>
-              <a:rPr lang="en-US" sz="2000" b="1" dirty="0" smtClean="0"/>
-              <a:t>(c)</a:t>
-            </a:r>
-            <a:endParaRPr lang="en-US" b="1" dirty="0"/>
-          </a:p>
-        </p:txBody>
-      </p:sp>
-      <p:sp>
-        <p:nvSpPr>
-          <p:cNvPr id="52" name="文本框 51"/>
-          <p:cNvSpPr txBox="1"/>
-          <p:nvPr/>
-        </p:nvSpPr>
-        <p:spPr>
-          <a:xfrm>
-            <a:off x="7953259" y="10782905"/>
-            <a:ext cx="482824" cy="400110"/>
-          </a:xfrm>
-          <a:prstGeom prst="rect">
-            <a:avLst/>
-          </a:prstGeom>
-          <a:noFill/>
-        </p:spPr>
-        <p:txBody>
-          <a:bodyPr wrap="none" rtlCol="0">
-            <a:spAutoFit/>
-          </a:bodyPr>
-          <a:lstStyle/>
-          <a:p>
-            <a:r>
-              <a:rPr lang="en-US" sz="2000" b="1" dirty="0" smtClean="0"/>
-              <a:t>(d)</a:t>
-            </a:r>
-            <a:endParaRPr lang="en-US" b="1" dirty="0"/>
+            <a:endParaRPr lang="en-US" dirty="0"/>
           </a:p>
         </p:txBody>
       </p:sp>
@@ -43431,8 +42753,8 @@
           </p:sp>
         </mc:Fallback>
       </mc:AlternateContent>
-      <mc:AlternateContent xmlns:mc="http://schemas.openxmlformats.org/markup-compatibility/2006">
-        <mc:Choice xmlns:a14="http://schemas.microsoft.com/office/drawing/2010/main" Requires="a14">
+      <mc:AlternateContent xmlns:mc="http://schemas.openxmlformats.org/markup-compatibility/2006" xmlns:a14="http://schemas.microsoft.com/office/drawing/2010/main">
+        <mc:Choice Requires="a14">
           <p:sp>
             <p:nvSpPr>
               <p:cNvPr id="863" name="文本框 862"/>
@@ -43503,25 +42825,7 @@
                           </a:solidFill>
                           <a:latin typeface="Cambria Math" panose="02040503050406030204" pitchFamily="18" charset="0"/>
                         </a:rPr>
-                        <m:t>′</m:t>
-                      </m:r>
-                      <m:r>
-                        <a:rPr lang="en-US" sz="1000" b="0" i="1" smtClean="0">
-                          <a:solidFill>
-                            <a:srgbClr val="FF0000"/>
-                          </a:solidFill>
-                          <a:latin typeface="Cambria Math" panose="02040503050406030204" pitchFamily="18" charset="0"/>
-                        </a:rPr>
-                        <m:t>′</m:t>
-                      </m:r>
-                      <m:r>
-                        <a:rPr lang="en-US" sz="1000" b="0" i="1" smtClean="0">
-                          <a:solidFill>
-                            <a:srgbClr val="FF0000"/>
-                          </a:solidFill>
-                          <a:latin typeface="Cambria Math" panose="02040503050406030204" pitchFamily="18" charset="0"/>
-                        </a:rPr>
-                        <m:t>′′</m:t>
+                        <m:t>′′′′</m:t>
                       </m:r>
                     </m:oMath>
                   </m:oMathPara>
@@ -43535,7 +42839,7 @@
             </p:txBody>
           </p:sp>
         </mc:Choice>
-        <mc:Fallback>
+        <mc:Fallback xmlns="">
           <p:sp>
             <p:nvSpPr>
               <p:cNvPr id="863" name="文本框 862"/>
@@ -50968,8 +50272,8 @@
           </p:sp>
         </mc:Fallback>
       </mc:AlternateContent>
-      <mc:AlternateContent xmlns:mc="http://schemas.openxmlformats.org/markup-compatibility/2006">
-        <mc:Choice xmlns:a14="http://schemas.microsoft.com/office/drawing/2010/main" Requires="a14">
+      <mc:AlternateContent xmlns:mc="http://schemas.openxmlformats.org/markup-compatibility/2006" xmlns:a14="http://schemas.microsoft.com/office/drawing/2010/main">
+        <mc:Choice Requires="a14">
           <p:sp>
             <p:nvSpPr>
               <p:cNvPr id="1054" name="文本框 1053"/>
@@ -51054,7 +50358,7 @@
             </p:txBody>
           </p:sp>
         </mc:Choice>
-        <mc:Fallback>
+        <mc:Fallback xmlns="">
           <p:sp>
             <p:nvSpPr>
               <p:cNvPr id="1054" name="文本框 1053"/>
@@ -51093,8 +50397,8 @@
           </p:sp>
         </mc:Fallback>
       </mc:AlternateContent>
-      <mc:AlternateContent xmlns:mc="http://schemas.openxmlformats.org/markup-compatibility/2006">
-        <mc:Choice xmlns:a14="http://schemas.microsoft.com/office/drawing/2010/main" Requires="a14">
+      <mc:AlternateContent xmlns:mc="http://schemas.openxmlformats.org/markup-compatibility/2006" xmlns:a14="http://schemas.microsoft.com/office/drawing/2010/main">
+        <mc:Choice Requires="a14">
           <p:sp>
             <p:nvSpPr>
               <p:cNvPr id="1055" name="文本框 1054"/>
@@ -51154,16 +50458,7 @@
                               </a:solidFill>
                               <a:latin typeface="Cambria Math" panose="02040503050406030204" pitchFamily="18" charset="0"/>
                             </a:rPr>
-                            <m:t>𝑎</m:t>
-                          </m:r>
-                          <m:r>
-                            <a:rPr lang="en-US" sz="1000" b="0" i="1" smtClean="0">
-                              <a:solidFill>
-                                <a:srgbClr val="FF0000"/>
-                              </a:solidFill>
-                              <a:latin typeface="Cambria Math" panose="02040503050406030204" pitchFamily="18" charset="0"/>
-                            </a:rPr>
-                            <m:t>𝑡</m:t>
+                            <m:t>𝑎𝑡</m:t>
                           </m:r>
                         </m:sub>
                       </m:sSub>
@@ -51174,16 +50469,7 @@
                           </a:solidFill>
                           <a:latin typeface="Cambria Math" panose="02040503050406030204" pitchFamily="18" charset="0"/>
                         </a:rPr>
-                        <m:t>′</m:t>
-                      </m:r>
-                      <m:r>
-                        <a:rPr lang="en-US" sz="1000" b="0" i="1" smtClean="0">
-                          <a:solidFill>
-                            <a:srgbClr val="FF0000"/>
-                          </a:solidFill>
-                          <a:latin typeface="Cambria Math" panose="02040503050406030204" pitchFamily="18" charset="0"/>
-                        </a:rPr>
-                        <m:t>′</m:t>
+                        <m:t>′′</m:t>
                       </m:r>
                     </m:oMath>
                   </m:oMathPara>
@@ -51197,7 +50483,7 @@
             </p:txBody>
           </p:sp>
         </mc:Choice>
-        <mc:Fallback>
+        <mc:Fallback xmlns="">
           <p:sp>
             <p:nvSpPr>
               <p:cNvPr id="1055" name="文本框 1054"/>
@@ -51236,8 +50522,8 @@
           </p:sp>
         </mc:Fallback>
       </mc:AlternateContent>
-      <mc:AlternateContent xmlns:mc="http://schemas.openxmlformats.org/markup-compatibility/2006">
-        <mc:Choice xmlns:a14="http://schemas.microsoft.com/office/drawing/2010/main" Requires="a14">
+      <mc:AlternateContent xmlns:mc="http://schemas.openxmlformats.org/markup-compatibility/2006" xmlns:a14="http://schemas.microsoft.com/office/drawing/2010/main">
+        <mc:Choice Requires="a14">
           <p:sp>
             <p:nvSpPr>
               <p:cNvPr id="1056" name="文本框 1055"/>
@@ -51308,25 +50594,7 @@
                           </a:solidFill>
                           <a:latin typeface="Cambria Math" panose="02040503050406030204" pitchFamily="18" charset="0"/>
                         </a:rPr>
-                        <m:t>′</m:t>
-                      </m:r>
-                      <m:r>
-                        <a:rPr lang="en-US" sz="1000" b="0" i="1" smtClean="0">
-                          <a:solidFill>
-                            <a:srgbClr val="FF0000"/>
-                          </a:solidFill>
-                          <a:latin typeface="Cambria Math" panose="02040503050406030204" pitchFamily="18" charset="0"/>
-                        </a:rPr>
-                        <m:t>′</m:t>
-                      </m:r>
-                      <m:r>
-                        <a:rPr lang="en-US" sz="1000" b="0" i="1" smtClean="0">
-                          <a:solidFill>
-                            <a:srgbClr val="FF0000"/>
-                          </a:solidFill>
-                          <a:latin typeface="Cambria Math" panose="02040503050406030204" pitchFamily="18" charset="0"/>
-                        </a:rPr>
-                        <m:t>′</m:t>
+                        <m:t>′′′</m:t>
                       </m:r>
                     </m:oMath>
                   </m:oMathPara>
@@ -51340,7 +50608,7 @@
             </p:txBody>
           </p:sp>
         </mc:Choice>
-        <mc:Fallback>
+        <mc:Fallback xmlns="">
           <p:sp>
             <p:nvSpPr>
               <p:cNvPr id="1056" name="文本框 1055"/>
@@ -51379,8 +50647,8 @@
           </p:sp>
         </mc:Fallback>
       </mc:AlternateContent>
-      <mc:AlternateContent xmlns:mc="http://schemas.openxmlformats.org/markup-compatibility/2006">
-        <mc:Choice xmlns:a14="http://schemas.microsoft.com/office/drawing/2010/main" Requires="a14">
+      <mc:AlternateContent xmlns:mc="http://schemas.openxmlformats.org/markup-compatibility/2006" xmlns:a14="http://schemas.microsoft.com/office/drawing/2010/main">
+        <mc:Choice Requires="a14">
           <p:sp>
             <p:nvSpPr>
               <p:cNvPr id="1057" name="文本框 1056"/>
@@ -51465,7 +50733,7 @@
             </p:txBody>
           </p:sp>
         </mc:Choice>
-        <mc:Fallback>
+        <mc:Fallback xmlns="">
           <p:sp>
             <p:nvSpPr>
               <p:cNvPr id="1057" name="文本框 1056"/>
@@ -51504,8 +50772,8 @@
           </p:sp>
         </mc:Fallback>
       </mc:AlternateContent>
-      <mc:AlternateContent xmlns:mc="http://schemas.openxmlformats.org/markup-compatibility/2006">
-        <mc:Choice xmlns:a14="http://schemas.microsoft.com/office/drawing/2010/main" Requires="a14">
+      <mc:AlternateContent xmlns:mc="http://schemas.openxmlformats.org/markup-compatibility/2006" xmlns:a14="http://schemas.microsoft.com/office/drawing/2010/main">
+        <mc:Choice Requires="a14">
           <p:sp>
             <p:nvSpPr>
               <p:cNvPr id="1058" name="文本框 1057"/>
@@ -51581,7 +50849,7 @@
             </p:txBody>
           </p:sp>
         </mc:Choice>
-        <mc:Fallback>
+        <mc:Fallback xmlns="">
           <p:sp>
             <p:nvSpPr>
               <p:cNvPr id="1058" name="文本框 1057"/>

--- a/figs/abs.pptx
+++ b/figs/abs.pptx
@@ -245,7 +245,7 @@
           <a:p>
             <a:fld id="{5083D971-42EC-47BE-9198-28BD41951433}" type="datetimeFigureOut">
               <a:rPr lang="en-US" smtClean="0"/>
-              <a:t>4/23/2015</a:t>
+              <a:t>4/24/2015</a:t>
             </a:fld>
             <a:endParaRPr lang="en-US"/>
           </a:p>
@@ -415,7 +415,7 @@
           <a:p>
             <a:fld id="{5083D971-42EC-47BE-9198-28BD41951433}" type="datetimeFigureOut">
               <a:rPr lang="en-US" smtClean="0"/>
-              <a:t>4/23/2015</a:t>
+              <a:t>4/24/2015</a:t>
             </a:fld>
             <a:endParaRPr lang="en-US"/>
           </a:p>
@@ -595,7 +595,7 @@
           <a:p>
             <a:fld id="{5083D971-42EC-47BE-9198-28BD41951433}" type="datetimeFigureOut">
               <a:rPr lang="en-US" smtClean="0"/>
-              <a:t>4/23/2015</a:t>
+              <a:t>4/24/2015</a:t>
             </a:fld>
             <a:endParaRPr lang="en-US"/>
           </a:p>
@@ -765,7 +765,7 @@
           <a:p>
             <a:fld id="{5083D971-42EC-47BE-9198-28BD41951433}" type="datetimeFigureOut">
               <a:rPr lang="en-US" smtClean="0"/>
-              <a:t>4/23/2015</a:t>
+              <a:t>4/24/2015</a:t>
             </a:fld>
             <a:endParaRPr lang="en-US"/>
           </a:p>
@@ -1009,7 +1009,7 @@
           <a:p>
             <a:fld id="{5083D971-42EC-47BE-9198-28BD41951433}" type="datetimeFigureOut">
               <a:rPr lang="en-US" smtClean="0"/>
-              <a:t>4/23/2015</a:t>
+              <a:t>4/24/2015</a:t>
             </a:fld>
             <a:endParaRPr lang="en-US"/>
           </a:p>
@@ -1241,7 +1241,7 @@
           <a:p>
             <a:fld id="{5083D971-42EC-47BE-9198-28BD41951433}" type="datetimeFigureOut">
               <a:rPr lang="en-US" smtClean="0"/>
-              <a:t>4/23/2015</a:t>
+              <a:t>4/24/2015</a:t>
             </a:fld>
             <a:endParaRPr lang="en-US"/>
           </a:p>
@@ -1608,7 +1608,7 @@
           <a:p>
             <a:fld id="{5083D971-42EC-47BE-9198-28BD41951433}" type="datetimeFigureOut">
               <a:rPr lang="en-US" smtClean="0"/>
-              <a:t>4/23/2015</a:t>
+              <a:t>4/24/2015</a:t>
             </a:fld>
             <a:endParaRPr lang="en-US"/>
           </a:p>
@@ -1726,7 +1726,7 @@
           <a:p>
             <a:fld id="{5083D971-42EC-47BE-9198-28BD41951433}" type="datetimeFigureOut">
               <a:rPr lang="en-US" smtClean="0"/>
-              <a:t>4/23/2015</a:t>
+              <a:t>4/24/2015</a:t>
             </a:fld>
             <a:endParaRPr lang="en-US"/>
           </a:p>
@@ -1821,7 +1821,7 @@
           <a:p>
             <a:fld id="{5083D971-42EC-47BE-9198-28BD41951433}" type="datetimeFigureOut">
               <a:rPr lang="en-US" smtClean="0"/>
-              <a:t>4/23/2015</a:t>
+              <a:t>4/24/2015</a:t>
             </a:fld>
             <a:endParaRPr lang="en-US"/>
           </a:p>
@@ -2098,7 +2098,7 @@
           <a:p>
             <a:fld id="{5083D971-42EC-47BE-9198-28BD41951433}" type="datetimeFigureOut">
               <a:rPr lang="en-US" smtClean="0"/>
-              <a:t>4/23/2015</a:t>
+              <a:t>4/24/2015</a:t>
             </a:fld>
             <a:endParaRPr lang="en-US"/>
           </a:p>
@@ -2355,7 +2355,7 @@
           <a:p>
             <a:fld id="{5083D971-42EC-47BE-9198-28BD41951433}" type="datetimeFigureOut">
               <a:rPr lang="en-US" smtClean="0"/>
-              <a:t>4/23/2015</a:t>
+              <a:t>4/24/2015</a:t>
             </a:fld>
             <a:endParaRPr lang="en-US"/>
           </a:p>
@@ -2568,7 +2568,7 @@
           <a:p>
             <a:fld id="{5083D971-42EC-47BE-9198-28BD41951433}" type="datetimeFigureOut">
               <a:rPr lang="en-US" smtClean="0"/>
-              <a:t>4/23/2015</a:t>
+              <a:t>4/24/2015</a:t>
             </a:fld>
             <a:endParaRPr lang="en-US"/>
           </a:p>
@@ -24394,8 +24394,8 @@
           </a:p>
         </p:txBody>
       </p:sp>
-      <mc:AlternateContent xmlns:mc="http://schemas.openxmlformats.org/markup-compatibility/2006">
-        <mc:Choice xmlns:a14="http://schemas.microsoft.com/office/drawing/2010/main" Requires="a14">
+      <mc:AlternateContent xmlns:mc="http://schemas.openxmlformats.org/markup-compatibility/2006" xmlns:a14="http://schemas.microsoft.com/office/drawing/2010/main">
+        <mc:Choice Requires="a14">
           <p:sp>
             <p:nvSpPr>
               <p:cNvPr id="48" name="文本框 47"/>
@@ -24418,6 +24418,7 @@
               </a:bodyPr>
               <a:lstStyle/>
               <a:p>
+                <a:pPr/>
                 <a14:m>
                   <m:oMathPara xmlns:m="http://schemas.openxmlformats.org/officeDocument/2006/math">
                     <m:oMathParaPr>
@@ -24479,7 +24480,7 @@
             </p:txBody>
           </p:sp>
         </mc:Choice>
-        <mc:Fallback>
+        <mc:Fallback xmlns="">
           <p:sp>
             <p:nvSpPr>
               <p:cNvPr id="48" name="文本框 47"/>
@@ -24518,8 +24519,8 @@
           </p:sp>
         </mc:Fallback>
       </mc:AlternateContent>
-      <mc:AlternateContent xmlns:mc="http://schemas.openxmlformats.org/markup-compatibility/2006">
-        <mc:Choice xmlns:a14="http://schemas.microsoft.com/office/drawing/2010/main" Requires="a14">
+      <mc:AlternateContent xmlns:mc="http://schemas.openxmlformats.org/markup-compatibility/2006" xmlns:a14="http://schemas.microsoft.com/office/drawing/2010/main">
+        <mc:Choice Requires="a14">
           <p:sp>
             <p:nvSpPr>
               <p:cNvPr id="53" name="文本框 52"/>
@@ -24542,6 +24543,7 @@
               </a:bodyPr>
               <a:lstStyle/>
               <a:p>
+                <a:pPr/>
                 <a14:m>
                   <m:oMathPara xmlns:m="http://schemas.openxmlformats.org/officeDocument/2006/math">
                     <m:oMathParaPr>
@@ -24603,7 +24605,7 @@
             </p:txBody>
           </p:sp>
         </mc:Choice>
-        <mc:Fallback>
+        <mc:Fallback xmlns="">
           <p:sp>
             <p:nvSpPr>
               <p:cNvPr id="53" name="文本框 52"/>
@@ -24642,8 +24644,8 @@
           </p:sp>
         </mc:Fallback>
       </mc:AlternateContent>
-      <mc:AlternateContent xmlns:mc="http://schemas.openxmlformats.org/markup-compatibility/2006">
-        <mc:Choice xmlns:a14="http://schemas.microsoft.com/office/drawing/2010/main" Requires="a14">
+      <mc:AlternateContent xmlns:mc="http://schemas.openxmlformats.org/markup-compatibility/2006" xmlns:a14="http://schemas.microsoft.com/office/drawing/2010/main">
+        <mc:Choice Requires="a14">
           <p:sp>
             <p:nvSpPr>
               <p:cNvPr id="54" name="文本框 53"/>
@@ -24666,6 +24668,7 @@
               </a:bodyPr>
               <a:lstStyle/>
               <a:p>
+                <a:pPr/>
                 <a14:m>
                   <m:oMathPara xmlns:m="http://schemas.openxmlformats.org/officeDocument/2006/math">
                     <m:oMathParaPr>
@@ -24718,7 +24721,7 @@
             </p:txBody>
           </p:sp>
         </mc:Choice>
-        <mc:Fallback>
+        <mc:Fallback xmlns="">
           <p:sp>
             <p:nvSpPr>
               <p:cNvPr id="54" name="文本框 53"/>
@@ -24928,13 +24931,351 @@
       </p:grpSpPr>
       <p:sp>
         <p:nvSpPr>
+          <p:cNvPr id="16" name="任意多边形 15"/>
+          <p:cNvSpPr/>
+          <p:nvPr/>
+        </p:nvSpPr>
+        <p:spPr>
+          <a:xfrm>
+            <a:off x="1764991" y="8534062"/>
+            <a:ext cx="4049475" cy="2630851"/>
+          </a:xfrm>
+          <a:custGeom>
+            <a:avLst/>
+            <a:gdLst>
+              <a:gd name="connsiteX0" fmla="*/ 3940281 w 4049475"/>
+              <a:gd name="connsiteY0" fmla="*/ 400793 h 2630851"/>
+              <a:gd name="connsiteX1" fmla="*/ 2865375 w 4049475"/>
+              <a:gd name="connsiteY1" fmla="*/ 395929 h 2630851"/>
+              <a:gd name="connsiteX2" fmla="*/ 2515179 w 4049475"/>
+              <a:gd name="connsiteY2" fmla="*/ 235423 h 2630851"/>
+              <a:gd name="connsiteX3" fmla="*/ 2369264 w 4049475"/>
+              <a:gd name="connsiteY3" fmla="*/ 6823 h 2630851"/>
+              <a:gd name="connsiteX4" fmla="*/ 1829379 w 4049475"/>
+              <a:gd name="connsiteY4" fmla="*/ 65189 h 2630851"/>
+              <a:gd name="connsiteX5" fmla="*/ 842022 w 4049475"/>
+              <a:gd name="connsiteY5" fmla="*/ 118691 h 2630851"/>
+              <a:gd name="connsiteX6" fmla="*/ 336183 w 4049475"/>
+              <a:gd name="connsiteY6" fmla="*/ 118691 h 2630851"/>
+              <a:gd name="connsiteX7" fmla="*/ 122175 w 4049475"/>
+              <a:gd name="connsiteY7" fmla="*/ 128419 h 2630851"/>
+              <a:gd name="connsiteX8" fmla="*/ 10307 w 4049475"/>
+              <a:gd name="connsiteY8" fmla="*/ 318108 h 2630851"/>
+              <a:gd name="connsiteX9" fmla="*/ 10307 w 4049475"/>
+              <a:gd name="connsiteY9" fmla="*/ 712078 h 2630851"/>
+              <a:gd name="connsiteX10" fmla="*/ 579 w 4049475"/>
+              <a:gd name="connsiteY10" fmla="*/ 1179006 h 2630851"/>
+              <a:gd name="connsiteX11" fmla="*/ 29762 w 4049475"/>
+              <a:gd name="connsiteY11" fmla="*/ 1743210 h 2630851"/>
+              <a:gd name="connsiteX12" fmla="*/ 44354 w 4049475"/>
+              <a:gd name="connsiteY12" fmla="*/ 2005857 h 2630851"/>
+              <a:gd name="connsiteX13" fmla="*/ 350775 w 4049475"/>
+              <a:gd name="connsiteY13" fmla="*/ 2020449 h 2630851"/>
+              <a:gd name="connsiteX14" fmla="*/ 866341 w 4049475"/>
+              <a:gd name="connsiteY14" fmla="*/ 2025312 h 2630851"/>
+              <a:gd name="connsiteX15" fmla="*/ 1279766 w 4049475"/>
+              <a:gd name="connsiteY15" fmla="*/ 1991266 h 2630851"/>
+              <a:gd name="connsiteX16" fmla="*/ 1576460 w 4049475"/>
+              <a:gd name="connsiteY16" fmla="*/ 2098270 h 2630851"/>
+              <a:gd name="connsiteX17" fmla="*/ 1751558 w 4049475"/>
+              <a:gd name="connsiteY17" fmla="*/ 2312278 h 2630851"/>
+              <a:gd name="connsiteX18" fmla="*/ 1790469 w 4049475"/>
+              <a:gd name="connsiteY18" fmla="*/ 2545742 h 2630851"/>
+              <a:gd name="connsiteX19" fmla="*/ 2164983 w 4049475"/>
+              <a:gd name="connsiteY19" fmla="*/ 2628427 h 2630851"/>
+              <a:gd name="connsiteX20" fmla="*/ 2734052 w 4049475"/>
+              <a:gd name="connsiteY20" fmla="*/ 2604108 h 2630851"/>
+              <a:gd name="connsiteX21" fmla="*/ 3312847 w 4049475"/>
+              <a:gd name="connsiteY21" fmla="*/ 2555470 h 2630851"/>
+              <a:gd name="connsiteX22" fmla="*/ 3546311 w 4049475"/>
+              <a:gd name="connsiteY22" fmla="*/ 2283095 h 2630851"/>
+              <a:gd name="connsiteX23" fmla="*/ 3697090 w 4049475"/>
+              <a:gd name="connsiteY23" fmla="*/ 1874534 h 2630851"/>
+              <a:gd name="connsiteX24" fmla="*/ 3828413 w 4049475"/>
+              <a:gd name="connsiteY24" fmla="*/ 1373559 h 2630851"/>
+              <a:gd name="connsiteX25" fmla="*/ 3920826 w 4049475"/>
+              <a:gd name="connsiteY25" fmla="*/ 1047683 h 2630851"/>
+              <a:gd name="connsiteX26" fmla="*/ 4008375 w 4049475"/>
+              <a:gd name="connsiteY26" fmla="*/ 731534 h 2630851"/>
+              <a:gd name="connsiteX27" fmla="*/ 3940281 w 4049475"/>
+              <a:gd name="connsiteY27" fmla="*/ 400793 h 2630851"/>
+            </a:gdLst>
+            <a:ahLst/>
+            <a:cxnLst>
+              <a:cxn ang="0">
+                <a:pos x="connsiteX0" y="connsiteY0"/>
+              </a:cxn>
+              <a:cxn ang="0">
+                <a:pos x="connsiteX1" y="connsiteY1"/>
+              </a:cxn>
+              <a:cxn ang="0">
+                <a:pos x="connsiteX2" y="connsiteY2"/>
+              </a:cxn>
+              <a:cxn ang="0">
+                <a:pos x="connsiteX3" y="connsiteY3"/>
+              </a:cxn>
+              <a:cxn ang="0">
+                <a:pos x="connsiteX4" y="connsiteY4"/>
+              </a:cxn>
+              <a:cxn ang="0">
+                <a:pos x="connsiteX5" y="connsiteY5"/>
+              </a:cxn>
+              <a:cxn ang="0">
+                <a:pos x="connsiteX6" y="connsiteY6"/>
+              </a:cxn>
+              <a:cxn ang="0">
+                <a:pos x="connsiteX7" y="connsiteY7"/>
+              </a:cxn>
+              <a:cxn ang="0">
+                <a:pos x="connsiteX8" y="connsiteY8"/>
+              </a:cxn>
+              <a:cxn ang="0">
+                <a:pos x="connsiteX9" y="connsiteY9"/>
+              </a:cxn>
+              <a:cxn ang="0">
+                <a:pos x="connsiteX10" y="connsiteY10"/>
+              </a:cxn>
+              <a:cxn ang="0">
+                <a:pos x="connsiteX11" y="connsiteY11"/>
+              </a:cxn>
+              <a:cxn ang="0">
+                <a:pos x="connsiteX12" y="connsiteY12"/>
+              </a:cxn>
+              <a:cxn ang="0">
+                <a:pos x="connsiteX13" y="connsiteY13"/>
+              </a:cxn>
+              <a:cxn ang="0">
+                <a:pos x="connsiteX14" y="connsiteY14"/>
+              </a:cxn>
+              <a:cxn ang="0">
+                <a:pos x="connsiteX15" y="connsiteY15"/>
+              </a:cxn>
+              <a:cxn ang="0">
+                <a:pos x="connsiteX16" y="connsiteY16"/>
+              </a:cxn>
+              <a:cxn ang="0">
+                <a:pos x="connsiteX17" y="connsiteY17"/>
+              </a:cxn>
+              <a:cxn ang="0">
+                <a:pos x="connsiteX18" y="connsiteY18"/>
+              </a:cxn>
+              <a:cxn ang="0">
+                <a:pos x="connsiteX19" y="connsiteY19"/>
+              </a:cxn>
+              <a:cxn ang="0">
+                <a:pos x="connsiteX20" y="connsiteY20"/>
+              </a:cxn>
+              <a:cxn ang="0">
+                <a:pos x="connsiteX21" y="connsiteY21"/>
+              </a:cxn>
+              <a:cxn ang="0">
+                <a:pos x="connsiteX22" y="connsiteY22"/>
+              </a:cxn>
+              <a:cxn ang="0">
+                <a:pos x="connsiteX23" y="connsiteY23"/>
+              </a:cxn>
+              <a:cxn ang="0">
+                <a:pos x="connsiteX24" y="connsiteY24"/>
+              </a:cxn>
+              <a:cxn ang="0">
+                <a:pos x="connsiteX25" y="connsiteY25"/>
+              </a:cxn>
+              <a:cxn ang="0">
+                <a:pos x="connsiteX26" y="connsiteY26"/>
+              </a:cxn>
+              <a:cxn ang="0">
+                <a:pos x="connsiteX27" y="connsiteY27"/>
+              </a:cxn>
+            </a:cxnLst>
+            <a:rect l="l" t="t" r="r" b="b"/>
+            <a:pathLst>
+              <a:path w="4049475" h="2630851">
+                <a:moveTo>
+                  <a:pt x="3940281" y="400793"/>
+                </a:moveTo>
+                <a:cubicBezTo>
+                  <a:pt x="3749781" y="344859"/>
+                  <a:pt x="3102892" y="423491"/>
+                  <a:pt x="2865375" y="395929"/>
+                </a:cubicBezTo>
+                <a:cubicBezTo>
+                  <a:pt x="2627858" y="368367"/>
+                  <a:pt x="2597864" y="300274"/>
+                  <a:pt x="2515179" y="235423"/>
+                </a:cubicBezTo>
+                <a:cubicBezTo>
+                  <a:pt x="2432494" y="170572"/>
+                  <a:pt x="2483564" y="35195"/>
+                  <a:pt x="2369264" y="6823"/>
+                </a:cubicBezTo>
+                <a:cubicBezTo>
+                  <a:pt x="2254964" y="-21549"/>
+                  <a:pt x="2083919" y="46544"/>
+                  <a:pt x="1829379" y="65189"/>
+                </a:cubicBezTo>
+                <a:cubicBezTo>
+                  <a:pt x="1574839" y="83834"/>
+                  <a:pt x="1090888" y="109774"/>
+                  <a:pt x="842022" y="118691"/>
+                </a:cubicBezTo>
+                <a:cubicBezTo>
+                  <a:pt x="593156" y="127608"/>
+                  <a:pt x="456157" y="117070"/>
+                  <a:pt x="336183" y="118691"/>
+                </a:cubicBezTo>
+                <a:cubicBezTo>
+                  <a:pt x="216209" y="120312"/>
+                  <a:pt x="176488" y="95183"/>
+                  <a:pt x="122175" y="128419"/>
+                </a:cubicBezTo>
+                <a:cubicBezTo>
+                  <a:pt x="67862" y="161655"/>
+                  <a:pt x="28952" y="220832"/>
+                  <a:pt x="10307" y="318108"/>
+                </a:cubicBezTo>
+                <a:cubicBezTo>
+                  <a:pt x="-8338" y="415384"/>
+                  <a:pt x="11928" y="568595"/>
+                  <a:pt x="10307" y="712078"/>
+                </a:cubicBezTo>
+                <a:cubicBezTo>
+                  <a:pt x="8686" y="855561"/>
+                  <a:pt x="-2663" y="1007151"/>
+                  <a:pt x="579" y="1179006"/>
+                </a:cubicBezTo>
+                <a:cubicBezTo>
+                  <a:pt x="3821" y="1350861"/>
+                  <a:pt x="22466" y="1605402"/>
+                  <a:pt x="29762" y="1743210"/>
+                </a:cubicBezTo>
+                <a:cubicBezTo>
+                  <a:pt x="37058" y="1881018"/>
+                  <a:pt x="-9148" y="1959651"/>
+                  <a:pt x="44354" y="2005857"/>
+                </a:cubicBezTo>
+                <a:cubicBezTo>
+                  <a:pt x="97856" y="2052063"/>
+                  <a:pt x="213777" y="2017207"/>
+                  <a:pt x="350775" y="2020449"/>
+                </a:cubicBezTo>
+                <a:cubicBezTo>
+                  <a:pt x="487773" y="2023691"/>
+                  <a:pt x="711509" y="2030176"/>
+                  <a:pt x="866341" y="2025312"/>
+                </a:cubicBezTo>
+                <a:cubicBezTo>
+                  <a:pt x="1021173" y="2020448"/>
+                  <a:pt x="1161413" y="1979106"/>
+                  <a:pt x="1279766" y="1991266"/>
+                </a:cubicBezTo>
+                <a:cubicBezTo>
+                  <a:pt x="1398119" y="2003426"/>
+                  <a:pt x="1497828" y="2044768"/>
+                  <a:pt x="1576460" y="2098270"/>
+                </a:cubicBezTo>
+                <a:cubicBezTo>
+                  <a:pt x="1655092" y="2151772"/>
+                  <a:pt x="1715890" y="2237699"/>
+                  <a:pt x="1751558" y="2312278"/>
+                </a:cubicBezTo>
+                <a:cubicBezTo>
+                  <a:pt x="1787226" y="2386857"/>
+                  <a:pt x="1721565" y="2493051"/>
+                  <a:pt x="1790469" y="2545742"/>
+                </a:cubicBezTo>
+                <a:cubicBezTo>
+                  <a:pt x="1859373" y="2598434"/>
+                  <a:pt x="2007719" y="2618699"/>
+                  <a:pt x="2164983" y="2628427"/>
+                </a:cubicBezTo>
+                <a:cubicBezTo>
+                  <a:pt x="2322247" y="2638155"/>
+                  <a:pt x="2542741" y="2616268"/>
+                  <a:pt x="2734052" y="2604108"/>
+                </a:cubicBezTo>
+                <a:cubicBezTo>
+                  <a:pt x="2925363" y="2591948"/>
+                  <a:pt x="3177470" y="2608972"/>
+                  <a:pt x="3312847" y="2555470"/>
+                </a:cubicBezTo>
+                <a:cubicBezTo>
+                  <a:pt x="3448224" y="2501968"/>
+                  <a:pt x="3482271" y="2396584"/>
+                  <a:pt x="3546311" y="2283095"/>
+                </a:cubicBezTo>
+                <a:cubicBezTo>
+                  <a:pt x="3610351" y="2169606"/>
+                  <a:pt x="3650073" y="2026123"/>
+                  <a:pt x="3697090" y="1874534"/>
+                </a:cubicBezTo>
+                <a:cubicBezTo>
+                  <a:pt x="3744107" y="1722945"/>
+                  <a:pt x="3791124" y="1511367"/>
+                  <a:pt x="3828413" y="1373559"/>
+                </a:cubicBezTo>
+                <a:cubicBezTo>
+                  <a:pt x="3865702" y="1235751"/>
+                  <a:pt x="3890832" y="1154687"/>
+                  <a:pt x="3920826" y="1047683"/>
+                </a:cubicBezTo>
+                <a:cubicBezTo>
+                  <a:pt x="3950820" y="940679"/>
+                  <a:pt x="4001079" y="839349"/>
+                  <a:pt x="4008375" y="731534"/>
+                </a:cubicBezTo>
+                <a:cubicBezTo>
+                  <a:pt x="4015671" y="623719"/>
+                  <a:pt x="4130781" y="456727"/>
+                  <a:pt x="3940281" y="400793"/>
+                </a:cubicBezTo>
+                <a:close/>
+              </a:path>
+            </a:pathLst>
+          </a:custGeom>
+          <a:solidFill>
+            <a:schemeClr val="bg2"/>
+          </a:solidFill>
+          <a:ln>
+            <a:solidFill>
+              <a:srgbClr val="00B050"/>
+            </a:solidFill>
+            <a:prstDash val="sysDot"/>
+          </a:ln>
+        </p:spPr>
+        <p:style>
+          <a:lnRef idx="2">
+            <a:schemeClr val="accent1">
+              <a:shade val="50000"/>
+            </a:schemeClr>
+          </a:lnRef>
+          <a:fillRef idx="1">
+            <a:schemeClr val="accent1"/>
+          </a:fillRef>
+          <a:effectRef idx="0">
+            <a:schemeClr val="accent1"/>
+          </a:effectRef>
+          <a:fontRef idx="minor">
+            <a:schemeClr val="lt1"/>
+          </a:fontRef>
+        </p:style>
+        <p:txBody>
+          <a:bodyPr rtlCol="0" anchor="ctr"/>
+          <a:lstStyle/>
+          <a:p>
+            <a:pPr algn="ctr"/>
+            <a:endParaRPr lang="en-US"/>
+          </a:p>
+        </p:txBody>
+      </p:sp>
+      <p:sp>
+        <p:nvSpPr>
           <p:cNvPr id="1002" name="文本框 1001"/>
           <p:cNvSpPr txBox="1"/>
           <p:nvPr/>
         </p:nvSpPr>
         <p:spPr>
           <a:xfrm>
-            <a:off x="2583037" y="11127449"/>
+            <a:off x="3400160" y="11117721"/>
             <a:ext cx="304892" cy="230832"/>
           </a:xfrm>
           <a:prstGeom prst="rect">
@@ -24964,7 +25305,7 @@
         </p:nvSpPr>
         <p:spPr>
           <a:xfrm>
-            <a:off x="3037431" y="7909066"/>
+            <a:off x="3854554" y="7899338"/>
             <a:ext cx="304892" cy="230832"/>
           </a:xfrm>
           <a:prstGeom prst="rect">
@@ -24994,7 +25335,7 @@
         </p:nvGrpSpPr>
         <p:grpSpPr>
           <a:xfrm>
-            <a:off x="1623854" y="9063173"/>
+            <a:off x="2440977" y="9053445"/>
             <a:ext cx="386136" cy="335911"/>
             <a:chOff x="4205906" y="8622862"/>
             <a:chExt cx="386136" cy="335911"/>
@@ -25757,7 +26098,7 @@
         </p:nvGrpSpPr>
         <p:grpSpPr>
           <a:xfrm>
-            <a:off x="1623854" y="10604278"/>
+            <a:off x="2440977" y="10594550"/>
             <a:ext cx="386136" cy="335911"/>
             <a:chOff x="4197688" y="10514565"/>
             <a:chExt cx="386136" cy="335911"/>
@@ -26523,7 +26864,7 @@
         </p:nvGrpSpPr>
         <p:grpSpPr>
           <a:xfrm>
-            <a:off x="4140468" y="9200663"/>
+            <a:off x="4957591" y="9190935"/>
             <a:ext cx="235809" cy="305209"/>
             <a:chOff x="7938751" y="8487266"/>
             <a:chExt cx="235809" cy="305209"/>
@@ -26666,7 +27007,7 @@
         </p:nvGrpSpPr>
         <p:grpSpPr>
           <a:xfrm>
-            <a:off x="4633513" y="9172959"/>
+            <a:off x="5450636" y="9163231"/>
             <a:ext cx="235809" cy="305209"/>
             <a:chOff x="8876401" y="8504821"/>
             <a:chExt cx="235809" cy="305209"/>
@@ -26771,7 +27112,7 @@
         </p:nvCxnSpPr>
         <p:spPr>
           <a:xfrm>
-            <a:off x="1419220" y="7310794"/>
+            <a:off x="2236343" y="7301066"/>
             <a:ext cx="239679" cy="2339"/>
           </a:xfrm>
           <a:prstGeom prst="straightConnector1">
@@ -26807,7 +27148,7 @@
         </p:nvSpPr>
         <p:spPr>
           <a:xfrm>
-            <a:off x="2677089" y="7903755"/>
+            <a:off x="3494212" y="7894027"/>
             <a:ext cx="45719" cy="45719"/>
           </a:xfrm>
           <a:prstGeom prst="ellipse">
@@ -26850,7 +27191,7 @@
         </p:nvSpPr>
         <p:spPr>
           <a:xfrm>
-            <a:off x="2722808" y="8002609"/>
+            <a:off x="3539931" y="7992881"/>
             <a:ext cx="45719" cy="45719"/>
           </a:xfrm>
           <a:prstGeom prst="ellipse">
@@ -26890,7 +27231,7 @@
         </p:nvSpPr>
         <p:spPr>
           <a:xfrm>
-            <a:off x="2745667" y="8101463"/>
+            <a:off x="3562790" y="8091735"/>
             <a:ext cx="45719" cy="45719"/>
           </a:xfrm>
           <a:prstGeom prst="ellipse">
@@ -26930,7 +27271,7 @@
         </p:nvSpPr>
         <p:spPr>
           <a:xfrm>
-            <a:off x="2786239" y="8193947"/>
+            <a:off x="3603362" y="8184219"/>
             <a:ext cx="45719" cy="45719"/>
           </a:xfrm>
           <a:prstGeom prst="ellipse">
@@ -26973,7 +27314,7 @@
         </p:nvCxnSpPr>
         <p:spPr>
           <a:xfrm>
-            <a:off x="2716113" y="7942779"/>
+            <a:off x="3533236" y="7933051"/>
             <a:ext cx="29555" cy="59830"/>
           </a:xfrm>
           <a:prstGeom prst="line">
@@ -27011,7 +27352,7 @@
         </p:nvCxnSpPr>
         <p:spPr>
           <a:xfrm>
-            <a:off x="2745668" y="8048328"/>
+            <a:off x="3562791" y="8038600"/>
             <a:ext cx="6694" cy="59830"/>
           </a:xfrm>
           <a:prstGeom prst="line">
@@ -27049,7 +27390,7 @@
         </p:nvCxnSpPr>
         <p:spPr>
           <a:xfrm>
-            <a:off x="2768527" y="8147182"/>
+            <a:off x="3585650" y="8137454"/>
             <a:ext cx="40572" cy="46765"/>
           </a:xfrm>
           <a:prstGeom prst="line">
@@ -27084,7 +27425,7 @@
         </p:nvSpPr>
         <p:spPr>
           <a:xfrm>
-            <a:off x="2337071" y="9430631"/>
+            <a:off x="3154194" y="9420903"/>
             <a:ext cx="45719" cy="45719"/>
           </a:xfrm>
           <a:prstGeom prst="ellipse">
@@ -27127,7 +27468,7 @@
         </p:nvSpPr>
         <p:spPr>
           <a:xfrm>
-            <a:off x="2382790" y="9529485"/>
+            <a:off x="3199913" y="9519757"/>
             <a:ext cx="45719" cy="45719"/>
           </a:xfrm>
           <a:prstGeom prst="ellipse">
@@ -27167,7 +27508,7 @@
         </p:nvSpPr>
         <p:spPr>
           <a:xfrm>
-            <a:off x="2405649" y="9628339"/>
+            <a:off x="3222772" y="9618611"/>
             <a:ext cx="45719" cy="45719"/>
           </a:xfrm>
           <a:prstGeom prst="ellipse">
@@ -27207,7 +27548,7 @@
         </p:nvSpPr>
         <p:spPr>
           <a:xfrm>
-            <a:off x="2246875" y="9528596"/>
+            <a:off x="3063998" y="9518868"/>
             <a:ext cx="45719" cy="45719"/>
           </a:xfrm>
           <a:prstGeom prst="ellipse">
@@ -27250,7 +27591,7 @@
         </p:nvSpPr>
         <p:spPr>
           <a:xfrm>
-            <a:off x="2446221" y="9720823"/>
+            <a:off x="3263344" y="9711095"/>
             <a:ext cx="45719" cy="45719"/>
           </a:xfrm>
           <a:prstGeom prst="ellipse">
@@ -27293,7 +27634,7 @@
         </p:nvCxnSpPr>
         <p:spPr>
           <a:xfrm flipH="1">
-            <a:off x="2285899" y="9469655"/>
+            <a:off x="3103022" y="9459927"/>
             <a:ext cx="57867" cy="65636"/>
           </a:xfrm>
           <a:prstGeom prst="line">
@@ -27331,7 +27672,7 @@
         </p:nvCxnSpPr>
         <p:spPr>
           <a:xfrm>
-            <a:off x="2376095" y="9469655"/>
+            <a:off x="3193218" y="9459927"/>
             <a:ext cx="29555" cy="59830"/>
           </a:xfrm>
           <a:prstGeom prst="line">
@@ -27369,7 +27710,7 @@
         </p:nvCxnSpPr>
         <p:spPr>
           <a:xfrm>
-            <a:off x="2405650" y="9575204"/>
+            <a:off x="3222773" y="9565476"/>
             <a:ext cx="6694" cy="59830"/>
           </a:xfrm>
           <a:prstGeom prst="line">
@@ -27407,7 +27748,7 @@
         </p:nvCxnSpPr>
         <p:spPr>
           <a:xfrm>
-            <a:off x="2428509" y="9674058"/>
+            <a:off x="3245632" y="9664330"/>
             <a:ext cx="40572" cy="46765"/>
           </a:xfrm>
           <a:prstGeom prst="line">
@@ -27442,7 +27783,7 @@
         </p:nvGrpSpPr>
         <p:grpSpPr>
           <a:xfrm>
-            <a:off x="2249816" y="10618244"/>
+            <a:off x="3066939" y="10608516"/>
             <a:ext cx="195237" cy="335911"/>
             <a:chOff x="2299836" y="10327767"/>
             <a:chExt cx="195237" cy="335911"/>
@@ -27818,7 +28159,7 @@
         </p:nvSpPr>
         <p:spPr>
           <a:xfrm>
-            <a:off x="1091208" y="9068126"/>
+            <a:off x="1908331" y="9058398"/>
             <a:ext cx="45719" cy="45719"/>
           </a:xfrm>
           <a:prstGeom prst="ellipse">
@@ -27861,7 +28202,7 @@
         </p:nvSpPr>
         <p:spPr>
           <a:xfrm>
-            <a:off x="1136927" y="9166980"/>
+            <a:off x="1954050" y="9157252"/>
             <a:ext cx="45719" cy="45719"/>
           </a:xfrm>
           <a:prstGeom prst="ellipse">
@@ -27901,7 +28242,7 @@
         </p:nvSpPr>
         <p:spPr>
           <a:xfrm>
-            <a:off x="1159786" y="9265834"/>
+            <a:off x="1976909" y="9256106"/>
             <a:ext cx="45719" cy="45719"/>
           </a:xfrm>
           <a:prstGeom prst="ellipse">
@@ -27941,7 +28282,7 @@
         </p:nvSpPr>
         <p:spPr>
           <a:xfrm>
-            <a:off x="1224150" y="9228863"/>
+            <a:off x="2041273" y="9219135"/>
             <a:ext cx="45719" cy="45719"/>
           </a:xfrm>
           <a:prstGeom prst="ellipse">
@@ -27981,7 +28322,7 @@
         </p:nvSpPr>
         <p:spPr>
           <a:xfrm>
-            <a:off x="1009861" y="9107150"/>
+            <a:off x="1826984" y="9097422"/>
             <a:ext cx="45719" cy="45719"/>
           </a:xfrm>
           <a:prstGeom prst="ellipse">
@@ -28021,7 +28362,7 @@
         </p:nvSpPr>
         <p:spPr>
           <a:xfrm>
-            <a:off x="1242274" y="9076491"/>
+            <a:off x="2059397" y="9066763"/>
             <a:ext cx="45719" cy="45719"/>
           </a:xfrm>
           <a:prstGeom prst="ellipse">
@@ -28061,7 +28402,7 @@
         </p:nvSpPr>
         <p:spPr>
           <a:xfrm>
-            <a:off x="1200358" y="9358318"/>
+            <a:off x="2017481" y="9348590"/>
             <a:ext cx="45719" cy="45719"/>
           </a:xfrm>
           <a:prstGeom prst="ellipse">
@@ -28101,7 +28442,7 @@
         </p:nvSpPr>
         <p:spPr>
           <a:xfrm>
-            <a:off x="1281298" y="9327616"/>
+            <a:off x="2098421" y="9317888"/>
             <a:ext cx="45719" cy="45719"/>
           </a:xfrm>
           <a:prstGeom prst="ellipse">
@@ -28141,7 +28482,7 @@
         </p:nvSpPr>
         <p:spPr>
           <a:xfrm>
-            <a:off x="1341429" y="9212699"/>
+            <a:off x="2158552" y="9202971"/>
             <a:ext cx="45719" cy="45719"/>
           </a:xfrm>
           <a:prstGeom prst="ellipse">
@@ -28181,7 +28522,7 @@
         </p:nvSpPr>
         <p:spPr>
           <a:xfrm>
-            <a:off x="1050840" y="9327616"/>
+            <a:off x="1867963" y="9317888"/>
             <a:ext cx="45719" cy="45719"/>
           </a:xfrm>
           <a:prstGeom prst="ellipse">
@@ -28224,7 +28565,7 @@
         </p:nvCxnSpPr>
         <p:spPr>
           <a:xfrm flipH="1">
-            <a:off x="1048885" y="9107150"/>
+            <a:off x="1866008" y="9097422"/>
             <a:ext cx="49018" cy="6695"/>
           </a:xfrm>
           <a:prstGeom prst="line">
@@ -28262,7 +28603,7 @@
         </p:nvCxnSpPr>
         <p:spPr>
           <a:xfrm>
-            <a:off x="1136927" y="9090986"/>
+            <a:off x="1954050" y="9081258"/>
             <a:ext cx="105347" cy="8365"/>
           </a:xfrm>
           <a:prstGeom prst="line">
@@ -28300,7 +28641,7 @@
         </p:nvCxnSpPr>
         <p:spPr>
           <a:xfrm>
-            <a:off x="1130232" y="9107150"/>
+            <a:off x="1947355" y="9097422"/>
             <a:ext cx="29555" cy="59830"/>
           </a:xfrm>
           <a:prstGeom prst="line">
@@ -28338,7 +28679,7 @@
         </p:nvCxnSpPr>
         <p:spPr>
           <a:xfrm>
-            <a:off x="1159787" y="9212699"/>
+            <a:off x="1976910" y="9202971"/>
             <a:ext cx="6694" cy="59830"/>
           </a:xfrm>
           <a:prstGeom prst="line">
@@ -28376,7 +28717,7 @@
         </p:nvCxnSpPr>
         <p:spPr>
           <a:xfrm>
-            <a:off x="1175951" y="9206004"/>
+            <a:off x="1993074" y="9196276"/>
             <a:ext cx="54894" cy="29554"/>
           </a:xfrm>
           <a:prstGeom prst="line">
@@ -28414,7 +28755,7 @@
         </p:nvCxnSpPr>
         <p:spPr>
           <a:xfrm>
-            <a:off x="1182646" y="9311553"/>
+            <a:off x="1999769" y="9301825"/>
             <a:ext cx="40572" cy="46765"/>
           </a:xfrm>
           <a:prstGeom prst="line">
@@ -28452,7 +28793,7 @@
         </p:nvCxnSpPr>
         <p:spPr>
           <a:xfrm>
-            <a:off x="1247010" y="9274582"/>
+            <a:off x="2064133" y="9264854"/>
             <a:ext cx="40983" cy="59729"/>
           </a:xfrm>
           <a:prstGeom prst="line">
@@ -28490,7 +28831,7 @@
         </p:nvCxnSpPr>
         <p:spPr>
           <a:xfrm flipH="1" flipV="1">
-            <a:off x="1096559" y="9350476"/>
+            <a:off x="1913682" y="9340748"/>
             <a:ext cx="103799" cy="30702"/>
           </a:xfrm>
           <a:prstGeom prst="line">
@@ -28528,7 +28869,7 @@
         </p:nvCxnSpPr>
         <p:spPr>
           <a:xfrm flipV="1">
-            <a:off x="1304158" y="9251723"/>
+            <a:off x="2121281" y="9241995"/>
             <a:ext cx="43966" cy="75893"/>
           </a:xfrm>
           <a:prstGeom prst="line">
@@ -28563,7 +28904,7 @@
         </p:nvSpPr>
         <p:spPr>
           <a:xfrm>
-            <a:off x="1073707" y="7132596"/>
+            <a:off x="1890830" y="7122868"/>
             <a:ext cx="45719" cy="45719"/>
           </a:xfrm>
           <a:prstGeom prst="ellipse">
@@ -28606,7 +28947,7 @@
         </p:nvSpPr>
         <p:spPr>
           <a:xfrm>
-            <a:off x="1119426" y="7231450"/>
+            <a:off x="1936549" y="7221722"/>
             <a:ext cx="45719" cy="45719"/>
           </a:xfrm>
           <a:prstGeom prst="ellipse">
@@ -28646,7 +28987,7 @@
         </p:nvSpPr>
         <p:spPr>
           <a:xfrm>
-            <a:off x="1142285" y="7330304"/>
+            <a:off x="1959408" y="7320576"/>
             <a:ext cx="45719" cy="45719"/>
           </a:xfrm>
           <a:prstGeom prst="ellipse">
@@ -28686,7 +29027,7 @@
         </p:nvSpPr>
         <p:spPr>
           <a:xfrm>
-            <a:off x="1206649" y="7293333"/>
+            <a:off x="2023772" y="7283605"/>
             <a:ext cx="45719" cy="45719"/>
           </a:xfrm>
           <a:prstGeom prst="ellipse">
@@ -28726,7 +29067,7 @@
         </p:nvSpPr>
         <p:spPr>
           <a:xfrm>
-            <a:off x="983511" y="7230561"/>
+            <a:off x="1800634" y="7220833"/>
             <a:ext cx="45719" cy="45719"/>
           </a:xfrm>
           <a:prstGeom prst="ellipse">
@@ -28766,7 +29107,7 @@
         </p:nvSpPr>
         <p:spPr>
           <a:xfrm>
-            <a:off x="1224773" y="7140961"/>
+            <a:off x="2041896" y="7131233"/>
             <a:ext cx="45719" cy="45719"/>
           </a:xfrm>
           <a:prstGeom prst="ellipse">
@@ -28806,7 +29147,7 @@
         </p:nvSpPr>
         <p:spPr>
           <a:xfrm>
-            <a:off x="1182857" y="7422788"/>
+            <a:off x="1999980" y="7413060"/>
             <a:ext cx="45719" cy="45719"/>
           </a:xfrm>
           <a:prstGeom prst="ellipse">
@@ -28846,7 +29187,7 @@
         </p:nvSpPr>
         <p:spPr>
           <a:xfrm>
-            <a:off x="1263797" y="7392086"/>
+            <a:off x="2080920" y="7382358"/>
             <a:ext cx="45719" cy="45719"/>
           </a:xfrm>
           <a:prstGeom prst="ellipse">
@@ -28886,7 +29227,7 @@
         </p:nvSpPr>
         <p:spPr>
           <a:xfrm>
-            <a:off x="1323928" y="7277169"/>
+            <a:off x="2141051" y="7267441"/>
             <a:ext cx="45719" cy="45719"/>
           </a:xfrm>
           <a:prstGeom prst="ellipse">
@@ -28926,7 +29267,7 @@
         </p:nvSpPr>
         <p:spPr>
           <a:xfrm>
-            <a:off x="1033339" y="7392086"/>
+            <a:off x="1850462" y="7382358"/>
             <a:ext cx="45719" cy="45719"/>
           </a:xfrm>
           <a:prstGeom prst="ellipse">
@@ -28969,7 +29310,7 @@
         </p:nvCxnSpPr>
         <p:spPr>
           <a:xfrm flipH="1">
-            <a:off x="1022535" y="7171620"/>
+            <a:off x="1839658" y="7161892"/>
             <a:ext cx="57867" cy="65636"/>
           </a:xfrm>
           <a:prstGeom prst="line">
@@ -29007,7 +29348,7 @@
         </p:nvCxnSpPr>
         <p:spPr>
           <a:xfrm>
-            <a:off x="1119426" y="7155456"/>
+            <a:off x="1936549" y="7145728"/>
             <a:ext cx="105347" cy="8365"/>
           </a:xfrm>
           <a:prstGeom prst="line">
@@ -29045,7 +29386,7 @@
         </p:nvCxnSpPr>
         <p:spPr>
           <a:xfrm>
-            <a:off x="1112731" y="7171620"/>
+            <a:off x="1929854" y="7161892"/>
             <a:ext cx="29555" cy="59830"/>
           </a:xfrm>
           <a:prstGeom prst="line">
@@ -29083,7 +29424,7 @@
         </p:nvCxnSpPr>
         <p:spPr>
           <a:xfrm>
-            <a:off x="1142286" y="7277169"/>
+            <a:off x="1959409" y="7267441"/>
             <a:ext cx="6694" cy="59830"/>
           </a:xfrm>
           <a:prstGeom prst="line">
@@ -29121,7 +29462,7 @@
         </p:nvCxnSpPr>
         <p:spPr>
           <a:xfrm>
-            <a:off x="1158450" y="7270474"/>
+            <a:off x="1975573" y="7260746"/>
             <a:ext cx="54894" cy="29554"/>
           </a:xfrm>
           <a:prstGeom prst="line">
@@ -29159,7 +29500,7 @@
         </p:nvCxnSpPr>
         <p:spPr>
           <a:xfrm>
-            <a:off x="1165145" y="7376023"/>
+            <a:off x="1982268" y="7366295"/>
             <a:ext cx="40572" cy="46765"/>
           </a:xfrm>
           <a:prstGeom prst="line">
@@ -29197,7 +29538,7 @@
         </p:nvCxnSpPr>
         <p:spPr>
           <a:xfrm>
-            <a:off x="1229509" y="7339052"/>
+            <a:off x="2046632" y="7329324"/>
             <a:ext cx="40983" cy="59729"/>
           </a:xfrm>
           <a:prstGeom prst="line">
@@ -29235,7 +29576,7 @@
         </p:nvCxnSpPr>
         <p:spPr>
           <a:xfrm flipH="1" flipV="1">
-            <a:off x="1079058" y="7414946"/>
+            <a:off x="1896181" y="7405218"/>
             <a:ext cx="103799" cy="30702"/>
           </a:xfrm>
           <a:prstGeom prst="line">
@@ -29273,7 +29614,7 @@
         </p:nvCxnSpPr>
         <p:spPr>
           <a:xfrm flipV="1">
-            <a:off x="1286657" y="7316193"/>
+            <a:off x="2103780" y="7306465"/>
             <a:ext cx="43966" cy="75893"/>
           </a:xfrm>
           <a:prstGeom prst="line">
@@ -29308,7 +29649,7 @@
         </p:nvSpPr>
         <p:spPr>
           <a:xfrm>
-            <a:off x="1099047" y="7536558"/>
+            <a:off x="1916170" y="7526830"/>
             <a:ext cx="45719" cy="45719"/>
           </a:xfrm>
           <a:prstGeom prst="ellipse">
@@ -29351,7 +29692,7 @@
         </p:nvSpPr>
         <p:spPr>
           <a:xfrm>
-            <a:off x="1144766" y="7635412"/>
+            <a:off x="1961889" y="7625684"/>
             <a:ext cx="45719" cy="45719"/>
           </a:xfrm>
           <a:prstGeom prst="ellipse">
@@ -29391,7 +29732,7 @@
         </p:nvSpPr>
         <p:spPr>
           <a:xfrm>
-            <a:off x="1167625" y="7734266"/>
+            <a:off x="1984748" y="7724538"/>
             <a:ext cx="45719" cy="45719"/>
           </a:xfrm>
           <a:prstGeom prst="ellipse">
@@ -29431,7 +29772,7 @@
         </p:nvSpPr>
         <p:spPr>
           <a:xfrm>
-            <a:off x="1231989" y="7697295"/>
+            <a:off x="2049112" y="7687567"/>
             <a:ext cx="45719" cy="45719"/>
           </a:xfrm>
           <a:prstGeom prst="ellipse">
@@ -29471,7 +29812,7 @@
         </p:nvSpPr>
         <p:spPr>
           <a:xfrm>
-            <a:off x="1008851" y="7634523"/>
+            <a:off x="1825974" y="7624795"/>
             <a:ext cx="45719" cy="45719"/>
           </a:xfrm>
           <a:prstGeom prst="ellipse">
@@ -29511,7 +29852,7 @@
         </p:nvSpPr>
         <p:spPr>
           <a:xfrm>
-            <a:off x="1250113" y="7544923"/>
+            <a:off x="2067236" y="7535195"/>
             <a:ext cx="45719" cy="45719"/>
           </a:xfrm>
           <a:prstGeom prst="ellipse">
@@ -29551,7 +29892,7 @@
         </p:nvSpPr>
         <p:spPr>
           <a:xfrm>
-            <a:off x="1208197" y="7826750"/>
+            <a:off x="2025320" y="7817022"/>
             <a:ext cx="45719" cy="45719"/>
           </a:xfrm>
           <a:prstGeom prst="ellipse">
@@ -29591,7 +29932,7 @@
         </p:nvSpPr>
         <p:spPr>
           <a:xfrm>
-            <a:off x="1289137" y="7796048"/>
+            <a:off x="2106260" y="7786320"/>
             <a:ext cx="45719" cy="45719"/>
           </a:xfrm>
           <a:prstGeom prst="ellipse">
@@ -29631,7 +29972,7 @@
         </p:nvSpPr>
         <p:spPr>
           <a:xfrm>
-            <a:off x="1349268" y="7681131"/>
+            <a:off x="2166391" y="7671403"/>
             <a:ext cx="45719" cy="45719"/>
           </a:xfrm>
           <a:prstGeom prst="ellipse">
@@ -29671,7 +30012,7 @@
         </p:nvSpPr>
         <p:spPr>
           <a:xfrm>
-            <a:off x="1058679" y="7796048"/>
+            <a:off x="1875802" y="7786320"/>
             <a:ext cx="45719" cy="45719"/>
           </a:xfrm>
           <a:prstGeom prst="ellipse">
@@ -29714,7 +30055,7 @@
         </p:nvCxnSpPr>
         <p:spPr>
           <a:xfrm flipH="1">
-            <a:off x="1047875" y="7575582"/>
+            <a:off x="1864998" y="7565854"/>
             <a:ext cx="57867" cy="65636"/>
           </a:xfrm>
           <a:prstGeom prst="line">
@@ -29752,7 +30093,7 @@
         </p:nvCxnSpPr>
         <p:spPr>
           <a:xfrm>
-            <a:off x="1144766" y="7559418"/>
+            <a:off x="1961889" y="7549690"/>
             <a:ext cx="105347" cy="8365"/>
           </a:xfrm>
           <a:prstGeom prst="line">
@@ -29790,7 +30131,7 @@
         </p:nvCxnSpPr>
         <p:spPr>
           <a:xfrm>
-            <a:off x="1138071" y="7575582"/>
+            <a:off x="1955194" y="7565854"/>
             <a:ext cx="29555" cy="59830"/>
           </a:xfrm>
           <a:prstGeom prst="line">
@@ -29828,7 +30169,7 @@
         </p:nvCxnSpPr>
         <p:spPr>
           <a:xfrm>
-            <a:off x="1167626" y="7681131"/>
+            <a:off x="1984749" y="7671403"/>
             <a:ext cx="6694" cy="59830"/>
           </a:xfrm>
           <a:prstGeom prst="line">
@@ -29866,7 +30207,7 @@
         </p:nvCxnSpPr>
         <p:spPr>
           <a:xfrm>
-            <a:off x="1183790" y="7674436"/>
+            <a:off x="2000913" y="7664708"/>
             <a:ext cx="54894" cy="29554"/>
           </a:xfrm>
           <a:prstGeom prst="line">
@@ -29904,7 +30245,7 @@
         </p:nvCxnSpPr>
         <p:spPr>
           <a:xfrm>
-            <a:off x="1190485" y="7779985"/>
+            <a:off x="2007608" y="7770257"/>
             <a:ext cx="40572" cy="46765"/>
           </a:xfrm>
           <a:prstGeom prst="line">
@@ -29942,7 +30283,7 @@
         </p:nvCxnSpPr>
         <p:spPr>
           <a:xfrm>
-            <a:off x="1254849" y="7743014"/>
+            <a:off x="2071972" y="7733286"/>
             <a:ext cx="40983" cy="59729"/>
           </a:xfrm>
           <a:prstGeom prst="line">
@@ -29980,7 +30321,7 @@
         </p:nvCxnSpPr>
         <p:spPr>
           <a:xfrm flipH="1" flipV="1">
-            <a:off x="1104398" y="7818908"/>
+            <a:off x="1921521" y="7809180"/>
             <a:ext cx="103799" cy="30702"/>
           </a:xfrm>
           <a:prstGeom prst="line">
@@ -30018,7 +30359,7 @@
         </p:nvCxnSpPr>
         <p:spPr>
           <a:xfrm flipV="1">
-            <a:off x="1311997" y="7720155"/>
+            <a:off x="2129120" y="7710427"/>
             <a:ext cx="43966" cy="75893"/>
           </a:xfrm>
           <a:prstGeom prst="line">
@@ -30053,7 +30394,7 @@
         </p:nvSpPr>
         <p:spPr>
           <a:xfrm>
-            <a:off x="1071696" y="9215108"/>
+            <a:off x="1888819" y="9205380"/>
             <a:ext cx="45719" cy="45719"/>
           </a:xfrm>
           <a:prstGeom prst="ellipse">
@@ -30093,7 +30434,7 @@
         </p:nvSpPr>
         <p:spPr>
           <a:xfrm>
-            <a:off x="995950" y="9185491"/>
+            <a:off x="1813073" y="9175763"/>
             <a:ext cx="45719" cy="45719"/>
           </a:xfrm>
           <a:prstGeom prst="ellipse">
@@ -30136,7 +30477,7 @@
         </p:nvCxnSpPr>
         <p:spPr>
           <a:xfrm flipH="1">
-            <a:off x="1018810" y="9152869"/>
+            <a:off x="1835933" y="9143141"/>
             <a:ext cx="13911" cy="32622"/>
           </a:xfrm>
           <a:prstGeom prst="line">
@@ -30174,7 +30515,7 @@
         </p:nvCxnSpPr>
         <p:spPr>
           <a:xfrm>
-            <a:off x="1034974" y="9224515"/>
+            <a:off x="1852097" y="9214787"/>
             <a:ext cx="36722" cy="13453"/>
           </a:xfrm>
           <a:prstGeom prst="line">
@@ -30212,7 +30553,7 @@
         </p:nvCxnSpPr>
         <p:spPr>
           <a:xfrm flipV="1">
-            <a:off x="1110720" y="9206004"/>
+            <a:off x="1927843" y="9196276"/>
             <a:ext cx="32902" cy="15799"/>
           </a:xfrm>
           <a:prstGeom prst="line">
@@ -30247,7 +30588,7 @@
         </p:nvSpPr>
         <p:spPr>
           <a:xfrm>
-            <a:off x="1100970" y="7909885"/>
+            <a:off x="1918093" y="7900157"/>
             <a:ext cx="45719" cy="45719"/>
           </a:xfrm>
           <a:prstGeom prst="ellipse">
@@ -30290,7 +30631,7 @@
         </p:nvSpPr>
         <p:spPr>
           <a:xfrm>
-            <a:off x="1146689" y="8008739"/>
+            <a:off x="1963812" y="7999011"/>
             <a:ext cx="45719" cy="45719"/>
           </a:xfrm>
           <a:prstGeom prst="ellipse">
@@ -30330,7 +30671,7 @@
         </p:nvSpPr>
         <p:spPr>
           <a:xfrm>
-            <a:off x="1169548" y="8107593"/>
+            <a:off x="1986671" y="8097865"/>
             <a:ext cx="45719" cy="45719"/>
           </a:xfrm>
           <a:prstGeom prst="ellipse">
@@ -30370,7 +30711,7 @@
         </p:nvSpPr>
         <p:spPr>
           <a:xfrm>
-            <a:off x="1233912" y="8070622"/>
+            <a:off x="2051035" y="8060894"/>
             <a:ext cx="45719" cy="45719"/>
           </a:xfrm>
           <a:prstGeom prst="ellipse">
@@ -30410,7 +30751,7 @@
         </p:nvSpPr>
         <p:spPr>
           <a:xfrm>
-            <a:off x="1010774" y="8007850"/>
+            <a:off x="1827897" y="7998122"/>
             <a:ext cx="45719" cy="45719"/>
           </a:xfrm>
           <a:prstGeom prst="ellipse">
@@ -30450,7 +30791,7 @@
         </p:nvSpPr>
         <p:spPr>
           <a:xfrm>
-            <a:off x="1252036" y="7918250"/>
+            <a:off x="2069159" y="7908522"/>
             <a:ext cx="45719" cy="45719"/>
           </a:xfrm>
           <a:prstGeom prst="ellipse">
@@ -30490,7 +30831,7 @@
         </p:nvSpPr>
         <p:spPr>
           <a:xfrm>
-            <a:off x="1210120" y="8200077"/>
+            <a:off x="2027243" y="8190349"/>
             <a:ext cx="45719" cy="45719"/>
           </a:xfrm>
           <a:prstGeom prst="ellipse">
@@ -30530,7 +30871,7 @@
         </p:nvSpPr>
         <p:spPr>
           <a:xfrm>
-            <a:off x="1291060" y="8169375"/>
+            <a:off x="2108183" y="8159647"/>
             <a:ext cx="45719" cy="45719"/>
           </a:xfrm>
           <a:prstGeom prst="ellipse">
@@ -30570,7 +30911,7 @@
         </p:nvSpPr>
         <p:spPr>
           <a:xfrm>
-            <a:off x="1351191" y="8054458"/>
+            <a:off x="2168314" y="8044730"/>
             <a:ext cx="45719" cy="45719"/>
           </a:xfrm>
           <a:prstGeom prst="ellipse">
@@ -30610,7 +30951,7 @@
         </p:nvSpPr>
         <p:spPr>
           <a:xfrm>
-            <a:off x="1060602" y="8169375"/>
+            <a:off x="1877725" y="8159647"/>
             <a:ext cx="45719" cy="45719"/>
           </a:xfrm>
           <a:prstGeom prst="ellipse">
@@ -30653,7 +30994,7 @@
         </p:nvCxnSpPr>
         <p:spPr>
           <a:xfrm flipH="1">
-            <a:off x="1049798" y="7948909"/>
+            <a:off x="1866921" y="7939181"/>
             <a:ext cx="57867" cy="65636"/>
           </a:xfrm>
           <a:prstGeom prst="line">
@@ -30691,7 +31032,7 @@
         </p:nvCxnSpPr>
         <p:spPr>
           <a:xfrm>
-            <a:off x="1146689" y="7932745"/>
+            <a:off x="1963812" y="7923017"/>
             <a:ext cx="105347" cy="8365"/>
           </a:xfrm>
           <a:prstGeom prst="line">
@@ -30729,7 +31070,7 @@
         </p:nvCxnSpPr>
         <p:spPr>
           <a:xfrm>
-            <a:off x="1139994" y="7948909"/>
+            <a:off x="1957117" y="7939181"/>
             <a:ext cx="29555" cy="59830"/>
           </a:xfrm>
           <a:prstGeom prst="line">
@@ -30767,7 +31108,7 @@
         </p:nvCxnSpPr>
         <p:spPr>
           <a:xfrm>
-            <a:off x="1169549" y="8054458"/>
+            <a:off x="1986672" y="8044730"/>
             <a:ext cx="6694" cy="59830"/>
           </a:xfrm>
           <a:prstGeom prst="line">
@@ -30805,7 +31146,7 @@
         </p:nvCxnSpPr>
         <p:spPr>
           <a:xfrm>
-            <a:off x="1185713" y="8047763"/>
+            <a:off x="2002836" y="8038035"/>
             <a:ext cx="54894" cy="29554"/>
           </a:xfrm>
           <a:prstGeom prst="line">
@@ -30843,7 +31184,7 @@
         </p:nvCxnSpPr>
         <p:spPr>
           <a:xfrm>
-            <a:off x="1192408" y="8153312"/>
+            <a:off x="2009531" y="8143584"/>
             <a:ext cx="40572" cy="46765"/>
           </a:xfrm>
           <a:prstGeom prst="line">
@@ -30881,7 +31222,7 @@
         </p:nvCxnSpPr>
         <p:spPr>
           <a:xfrm>
-            <a:off x="1256772" y="8116341"/>
+            <a:off x="2073895" y="8106613"/>
             <a:ext cx="40983" cy="59729"/>
           </a:xfrm>
           <a:prstGeom prst="line">
@@ -30919,7 +31260,7 @@
         </p:nvCxnSpPr>
         <p:spPr>
           <a:xfrm flipH="1" flipV="1">
-            <a:off x="1106321" y="8192235"/>
+            <a:off x="1923444" y="8182507"/>
             <a:ext cx="103799" cy="30702"/>
           </a:xfrm>
           <a:prstGeom prst="line">
@@ -30957,7 +31298,7 @@
         </p:nvCxnSpPr>
         <p:spPr>
           <a:xfrm flipV="1">
-            <a:off x="1313920" y="8093482"/>
+            <a:off x="2131043" y="8083754"/>
             <a:ext cx="43966" cy="75893"/>
           </a:xfrm>
           <a:prstGeom prst="line">
@@ -30992,7 +31333,7 @@
         </p:nvSpPr>
         <p:spPr>
           <a:xfrm>
-            <a:off x="1096559" y="8298564"/>
+            <a:off x="1913682" y="8288836"/>
             <a:ext cx="45719" cy="45719"/>
           </a:xfrm>
           <a:prstGeom prst="ellipse">
@@ -31035,7 +31376,7 @@
         </p:nvSpPr>
         <p:spPr>
           <a:xfrm>
-            <a:off x="1142278" y="8397418"/>
+            <a:off x="1959401" y="8387690"/>
             <a:ext cx="45719" cy="45719"/>
           </a:xfrm>
           <a:prstGeom prst="ellipse">
@@ -31075,7 +31416,7 @@
         </p:nvSpPr>
         <p:spPr>
           <a:xfrm>
-            <a:off x="1165137" y="8496272"/>
+            <a:off x="1982260" y="8486544"/>
             <a:ext cx="45719" cy="45719"/>
           </a:xfrm>
           <a:prstGeom prst="ellipse">
@@ -31115,7 +31456,7 @@
         </p:nvSpPr>
         <p:spPr>
           <a:xfrm>
-            <a:off x="1229501" y="8459301"/>
+            <a:off x="2046624" y="8449573"/>
             <a:ext cx="45719" cy="45719"/>
           </a:xfrm>
           <a:prstGeom prst="ellipse">
@@ -31155,7 +31496,7 @@
         </p:nvSpPr>
         <p:spPr>
           <a:xfrm>
-            <a:off x="1006363" y="8396529"/>
+            <a:off x="1823486" y="8386801"/>
             <a:ext cx="45719" cy="45719"/>
           </a:xfrm>
           <a:prstGeom prst="ellipse">
@@ -31195,7 +31536,7 @@
         </p:nvSpPr>
         <p:spPr>
           <a:xfrm>
-            <a:off x="1247625" y="8306929"/>
+            <a:off x="2064748" y="8297201"/>
             <a:ext cx="45719" cy="45719"/>
           </a:xfrm>
           <a:prstGeom prst="ellipse">
@@ -31235,7 +31576,7 @@
         </p:nvSpPr>
         <p:spPr>
           <a:xfrm>
-            <a:off x="1205709" y="8588756"/>
+            <a:off x="2022832" y="8579028"/>
             <a:ext cx="45719" cy="45719"/>
           </a:xfrm>
           <a:prstGeom prst="ellipse">
@@ -31275,7 +31616,7 @@
         </p:nvSpPr>
         <p:spPr>
           <a:xfrm>
-            <a:off x="1286649" y="8558054"/>
+            <a:off x="2103772" y="8548326"/>
             <a:ext cx="45719" cy="45719"/>
           </a:xfrm>
           <a:prstGeom prst="ellipse">
@@ -31315,7 +31656,7 @@
         </p:nvSpPr>
         <p:spPr>
           <a:xfrm>
-            <a:off x="1346780" y="8443137"/>
+            <a:off x="2163903" y="8433409"/>
             <a:ext cx="45719" cy="45719"/>
           </a:xfrm>
           <a:prstGeom prst="ellipse">
@@ -31355,7 +31696,7 @@
         </p:nvSpPr>
         <p:spPr>
           <a:xfrm>
-            <a:off x="1056191" y="8558054"/>
+            <a:off x="1873314" y="8548326"/>
             <a:ext cx="45719" cy="45719"/>
           </a:xfrm>
           <a:prstGeom prst="ellipse">
@@ -31398,7 +31739,7 @@
         </p:nvCxnSpPr>
         <p:spPr>
           <a:xfrm flipH="1">
-            <a:off x="1045387" y="8337588"/>
+            <a:off x="1862510" y="8327860"/>
             <a:ext cx="57867" cy="65636"/>
           </a:xfrm>
           <a:prstGeom prst="line">
@@ -31436,7 +31777,7 @@
         </p:nvCxnSpPr>
         <p:spPr>
           <a:xfrm>
-            <a:off x="1142278" y="8321424"/>
+            <a:off x="1959401" y="8311696"/>
             <a:ext cx="105347" cy="8365"/>
           </a:xfrm>
           <a:prstGeom prst="line">
@@ -31474,7 +31815,7 @@
         </p:nvCxnSpPr>
         <p:spPr>
           <a:xfrm>
-            <a:off x="1135583" y="8337588"/>
+            <a:off x="1952706" y="8327860"/>
             <a:ext cx="29555" cy="59830"/>
           </a:xfrm>
           <a:prstGeom prst="line">
@@ -31512,7 +31853,7 @@
         </p:nvCxnSpPr>
         <p:spPr>
           <a:xfrm>
-            <a:off x="1165138" y="8443137"/>
+            <a:off x="1982261" y="8433409"/>
             <a:ext cx="6694" cy="59830"/>
           </a:xfrm>
           <a:prstGeom prst="line">
@@ -31550,7 +31891,7 @@
         </p:nvCxnSpPr>
         <p:spPr>
           <a:xfrm>
-            <a:off x="1181302" y="8436442"/>
+            <a:off x="1998425" y="8426714"/>
             <a:ext cx="54894" cy="29554"/>
           </a:xfrm>
           <a:prstGeom prst="line">
@@ -31588,7 +31929,7 @@
         </p:nvCxnSpPr>
         <p:spPr>
           <a:xfrm>
-            <a:off x="1187997" y="8541991"/>
+            <a:off x="2005120" y="8532263"/>
             <a:ext cx="40572" cy="46765"/>
           </a:xfrm>
           <a:prstGeom prst="line">
@@ -31626,7 +31967,7 @@
         </p:nvCxnSpPr>
         <p:spPr>
           <a:xfrm>
-            <a:off x="1252361" y="8505020"/>
+            <a:off x="2069484" y="8495292"/>
             <a:ext cx="40983" cy="59729"/>
           </a:xfrm>
           <a:prstGeom prst="line">
@@ -31664,7 +32005,7 @@
         </p:nvCxnSpPr>
         <p:spPr>
           <a:xfrm flipH="1" flipV="1">
-            <a:off x="1101910" y="8580914"/>
+            <a:off x="1919033" y="8571186"/>
             <a:ext cx="103799" cy="30702"/>
           </a:xfrm>
           <a:prstGeom prst="line">
@@ -31702,7 +32043,7 @@
         </p:nvCxnSpPr>
         <p:spPr>
           <a:xfrm flipV="1">
-            <a:off x="1309509" y="8482161"/>
+            <a:off x="2126632" y="8472433"/>
             <a:ext cx="43966" cy="75893"/>
           </a:xfrm>
           <a:prstGeom prst="line">
@@ -31737,7 +32078,7 @@
         </p:nvSpPr>
         <p:spPr>
           <a:xfrm>
-            <a:off x="1105764" y="8687811"/>
+            <a:off x="1922887" y="8678083"/>
             <a:ext cx="45719" cy="45719"/>
           </a:xfrm>
           <a:prstGeom prst="ellipse">
@@ -31780,7 +32121,7 @@
         </p:nvSpPr>
         <p:spPr>
           <a:xfrm>
-            <a:off x="1151483" y="8786665"/>
+            <a:off x="1968606" y="8776937"/>
             <a:ext cx="45719" cy="45719"/>
           </a:xfrm>
           <a:prstGeom prst="ellipse">
@@ -31820,7 +32161,7 @@
         </p:nvSpPr>
         <p:spPr>
           <a:xfrm>
-            <a:off x="1174342" y="8885519"/>
+            <a:off x="1991465" y="8875791"/>
             <a:ext cx="45719" cy="45719"/>
           </a:xfrm>
           <a:prstGeom prst="ellipse">
@@ -31860,7 +32201,7 @@
         </p:nvSpPr>
         <p:spPr>
           <a:xfrm>
-            <a:off x="1238706" y="8848548"/>
+            <a:off x="2055829" y="8838820"/>
             <a:ext cx="45719" cy="45719"/>
           </a:xfrm>
           <a:prstGeom prst="ellipse">
@@ -31900,7 +32241,7 @@
         </p:nvSpPr>
         <p:spPr>
           <a:xfrm>
-            <a:off x="1015568" y="8785776"/>
+            <a:off x="1832691" y="8776048"/>
             <a:ext cx="45719" cy="45719"/>
           </a:xfrm>
           <a:prstGeom prst="ellipse">
@@ -31940,7 +32281,7 @@
         </p:nvSpPr>
         <p:spPr>
           <a:xfrm>
-            <a:off x="1256830" y="8696176"/>
+            <a:off x="2073953" y="8686448"/>
             <a:ext cx="45719" cy="45719"/>
           </a:xfrm>
           <a:prstGeom prst="ellipse">
@@ -31980,7 +32321,7 @@
         </p:nvSpPr>
         <p:spPr>
           <a:xfrm>
-            <a:off x="1214914" y="8978003"/>
+            <a:off x="2032037" y="8968275"/>
             <a:ext cx="45719" cy="45719"/>
           </a:xfrm>
           <a:prstGeom prst="ellipse">
@@ -32020,7 +32361,7 @@
         </p:nvSpPr>
         <p:spPr>
           <a:xfrm>
-            <a:off x="1295854" y="8947301"/>
+            <a:off x="2112977" y="8937573"/>
             <a:ext cx="45719" cy="45719"/>
           </a:xfrm>
           <a:prstGeom prst="ellipse">
@@ -32060,7 +32401,7 @@
         </p:nvSpPr>
         <p:spPr>
           <a:xfrm>
-            <a:off x="1355985" y="8832384"/>
+            <a:off x="2173108" y="8822656"/>
             <a:ext cx="45719" cy="45719"/>
           </a:xfrm>
           <a:prstGeom prst="ellipse">
@@ -32100,7 +32441,7 @@
         </p:nvSpPr>
         <p:spPr>
           <a:xfrm>
-            <a:off x="1065396" y="8947301"/>
+            <a:off x="1882519" y="8937573"/>
             <a:ext cx="45719" cy="45719"/>
           </a:xfrm>
           <a:prstGeom prst="ellipse">
@@ -32143,7 +32484,7 @@
         </p:nvCxnSpPr>
         <p:spPr>
           <a:xfrm flipH="1">
-            <a:off x="1054592" y="8726835"/>
+            <a:off x="1871715" y="8717107"/>
             <a:ext cx="57867" cy="65636"/>
           </a:xfrm>
           <a:prstGeom prst="line">
@@ -32181,7 +32522,7 @@
         </p:nvCxnSpPr>
         <p:spPr>
           <a:xfrm>
-            <a:off x="1151483" y="8710671"/>
+            <a:off x="1968606" y="8700943"/>
             <a:ext cx="105347" cy="8365"/>
           </a:xfrm>
           <a:prstGeom prst="line">
@@ -32219,7 +32560,7 @@
         </p:nvCxnSpPr>
         <p:spPr>
           <a:xfrm>
-            <a:off x="1144788" y="8726835"/>
+            <a:off x="1961911" y="8717107"/>
             <a:ext cx="29555" cy="59830"/>
           </a:xfrm>
           <a:prstGeom prst="line">
@@ -32257,7 +32598,7 @@
         </p:nvCxnSpPr>
         <p:spPr>
           <a:xfrm>
-            <a:off x="1174343" y="8832384"/>
+            <a:off x="1991466" y="8822656"/>
             <a:ext cx="6694" cy="59830"/>
           </a:xfrm>
           <a:prstGeom prst="line">
@@ -32295,7 +32636,7 @@
         </p:nvCxnSpPr>
         <p:spPr>
           <a:xfrm>
-            <a:off x="1190507" y="8825689"/>
+            <a:off x="2007630" y="8815961"/>
             <a:ext cx="54894" cy="29554"/>
           </a:xfrm>
           <a:prstGeom prst="line">
@@ -32333,7 +32674,7 @@
         </p:nvCxnSpPr>
         <p:spPr>
           <a:xfrm>
-            <a:off x="1197202" y="8931238"/>
+            <a:off x="2014325" y="8921510"/>
             <a:ext cx="40572" cy="46765"/>
           </a:xfrm>
           <a:prstGeom prst="line">
@@ -32371,7 +32712,7 @@
         </p:nvCxnSpPr>
         <p:spPr>
           <a:xfrm>
-            <a:off x="1261566" y="8894267"/>
+            <a:off x="2078689" y="8884539"/>
             <a:ext cx="40983" cy="59729"/>
           </a:xfrm>
           <a:prstGeom prst="line">
@@ -32409,7 +32750,7 @@
         </p:nvCxnSpPr>
         <p:spPr>
           <a:xfrm flipH="1" flipV="1">
-            <a:off x="1111115" y="8970161"/>
+            <a:off x="1928238" y="8960433"/>
             <a:ext cx="103799" cy="30702"/>
           </a:xfrm>
           <a:prstGeom prst="line">
@@ -32447,7 +32788,7 @@
         </p:nvCxnSpPr>
         <p:spPr>
           <a:xfrm flipV="1">
-            <a:off x="1318714" y="8871408"/>
+            <a:off x="2135837" y="8861680"/>
             <a:ext cx="43966" cy="75893"/>
           </a:xfrm>
           <a:prstGeom prst="line">
@@ -32482,7 +32823,7 @@
         </p:nvSpPr>
         <p:spPr>
           <a:xfrm>
-            <a:off x="1097910" y="9445769"/>
+            <a:off x="1915033" y="9436041"/>
             <a:ext cx="45719" cy="45719"/>
           </a:xfrm>
           <a:prstGeom prst="ellipse">
@@ -32525,7 +32866,7 @@
         </p:nvSpPr>
         <p:spPr>
           <a:xfrm>
-            <a:off x="1143629" y="9544623"/>
+            <a:off x="1960752" y="9534895"/>
             <a:ext cx="45719" cy="45719"/>
           </a:xfrm>
           <a:prstGeom prst="ellipse">
@@ -32565,7 +32906,7 @@
         </p:nvSpPr>
         <p:spPr>
           <a:xfrm>
-            <a:off x="1166488" y="9643477"/>
+            <a:off x="1983611" y="9633749"/>
             <a:ext cx="45719" cy="45719"/>
           </a:xfrm>
           <a:prstGeom prst="ellipse">
@@ -32605,7 +32946,7 @@
         </p:nvSpPr>
         <p:spPr>
           <a:xfrm>
-            <a:off x="1230852" y="9606506"/>
+            <a:off x="2047975" y="9596778"/>
             <a:ext cx="45719" cy="45719"/>
           </a:xfrm>
           <a:prstGeom prst="ellipse">
@@ -32645,7 +32986,7 @@
         </p:nvSpPr>
         <p:spPr>
           <a:xfrm>
-            <a:off x="1055066" y="9515042"/>
+            <a:off x="1872189" y="9505314"/>
             <a:ext cx="45719" cy="45719"/>
           </a:xfrm>
           <a:prstGeom prst="ellipse">
@@ -32685,7 +33026,7 @@
         </p:nvSpPr>
         <p:spPr>
           <a:xfrm>
-            <a:off x="1248976" y="9454134"/>
+            <a:off x="2066099" y="9444406"/>
             <a:ext cx="45719" cy="45719"/>
           </a:xfrm>
           <a:prstGeom prst="ellipse">
@@ -32725,7 +33066,7 @@
         </p:nvSpPr>
         <p:spPr>
           <a:xfrm>
-            <a:off x="1207060" y="9735961"/>
+            <a:off x="2024183" y="9726233"/>
             <a:ext cx="45719" cy="45719"/>
           </a:xfrm>
           <a:prstGeom prst="ellipse">
@@ -32765,7 +33106,7 @@
         </p:nvSpPr>
         <p:spPr>
           <a:xfrm>
-            <a:off x="1288000" y="9705259"/>
+            <a:off x="2105123" y="9695531"/>
             <a:ext cx="45719" cy="45719"/>
           </a:xfrm>
           <a:prstGeom prst="ellipse">
@@ -32805,7 +33146,7 @@
         </p:nvSpPr>
         <p:spPr>
           <a:xfrm>
-            <a:off x="1348131" y="9590342"/>
+            <a:off x="2165254" y="9580614"/>
             <a:ext cx="45719" cy="45719"/>
           </a:xfrm>
           <a:prstGeom prst="ellipse">
@@ -32845,7 +33186,7 @@
         </p:nvSpPr>
         <p:spPr>
           <a:xfrm>
-            <a:off x="1057542" y="9705259"/>
+            <a:off x="1874665" y="9695531"/>
             <a:ext cx="45719" cy="45719"/>
           </a:xfrm>
           <a:prstGeom prst="ellipse">
@@ -32888,7 +33229,7 @@
         </p:nvCxnSpPr>
         <p:spPr>
           <a:xfrm>
-            <a:off x="1143629" y="9468629"/>
+            <a:off x="1960752" y="9458901"/>
             <a:ext cx="105347" cy="8365"/>
           </a:xfrm>
           <a:prstGeom prst="line">
@@ -32926,7 +33267,7 @@
         </p:nvCxnSpPr>
         <p:spPr>
           <a:xfrm>
-            <a:off x="1136934" y="9484793"/>
+            <a:off x="1954057" y="9475065"/>
             <a:ext cx="29555" cy="59830"/>
           </a:xfrm>
           <a:prstGeom prst="line">
@@ -32964,7 +33305,7 @@
         </p:nvCxnSpPr>
         <p:spPr>
           <a:xfrm>
-            <a:off x="1166489" y="9590342"/>
+            <a:off x="1983612" y="9580614"/>
             <a:ext cx="6694" cy="59830"/>
           </a:xfrm>
           <a:prstGeom prst="line">
@@ -33002,7 +33343,7 @@
         </p:nvCxnSpPr>
         <p:spPr>
           <a:xfrm>
-            <a:off x="1182653" y="9583647"/>
+            <a:off x="1999776" y="9573919"/>
             <a:ext cx="54894" cy="29554"/>
           </a:xfrm>
           <a:prstGeom prst="line">
@@ -33040,7 +33381,7 @@
         </p:nvCxnSpPr>
         <p:spPr>
           <a:xfrm>
-            <a:off x="1189348" y="9689196"/>
+            <a:off x="2006471" y="9679468"/>
             <a:ext cx="40572" cy="46765"/>
           </a:xfrm>
           <a:prstGeom prst="line">
@@ -33078,7 +33419,7 @@
         </p:nvCxnSpPr>
         <p:spPr>
           <a:xfrm>
-            <a:off x="1253712" y="9652225"/>
+            <a:off x="2070835" y="9642497"/>
             <a:ext cx="40983" cy="59729"/>
           </a:xfrm>
           <a:prstGeom prst="line">
@@ -33116,7 +33457,7 @@
         </p:nvCxnSpPr>
         <p:spPr>
           <a:xfrm flipH="1" flipV="1">
-            <a:off x="1103261" y="9728119"/>
+            <a:off x="1920384" y="9718391"/>
             <a:ext cx="103799" cy="30702"/>
           </a:xfrm>
           <a:prstGeom prst="line">
@@ -33154,7 +33495,7 @@
         </p:nvCxnSpPr>
         <p:spPr>
           <a:xfrm flipV="1">
-            <a:off x="1310860" y="9629366"/>
+            <a:off x="2127983" y="9619638"/>
             <a:ext cx="43966" cy="75893"/>
           </a:xfrm>
           <a:prstGeom prst="line">
@@ -33189,7 +33530,7 @@
         </p:nvSpPr>
         <p:spPr>
           <a:xfrm>
-            <a:off x="1082299" y="9604644"/>
+            <a:off x="1899422" y="9594916"/>
             <a:ext cx="45719" cy="45719"/>
           </a:xfrm>
           <a:prstGeom prst="ellipse">
@@ -33229,7 +33570,7 @@
         </p:nvSpPr>
         <p:spPr>
           <a:xfrm>
-            <a:off x="1006838" y="9576112"/>
+            <a:off x="1823961" y="9566384"/>
             <a:ext cx="45719" cy="45719"/>
           </a:xfrm>
           <a:prstGeom prst="ellipse">
@@ -33272,7 +33613,7 @@
         </p:nvCxnSpPr>
         <p:spPr>
           <a:xfrm flipH="1">
-            <a:off x="1029698" y="9554066"/>
+            <a:off x="1846821" y="9544338"/>
             <a:ext cx="32063" cy="22046"/>
           </a:xfrm>
           <a:prstGeom prst="line">
@@ -33310,7 +33651,7 @@
         </p:nvCxnSpPr>
         <p:spPr>
           <a:xfrm>
-            <a:off x="1045862" y="9615136"/>
+            <a:off x="1862985" y="9605408"/>
             <a:ext cx="36437" cy="12368"/>
           </a:xfrm>
           <a:prstGeom prst="line">
@@ -33348,7 +33689,7 @@
         </p:nvCxnSpPr>
         <p:spPr>
           <a:xfrm flipV="1">
-            <a:off x="1121323" y="9583647"/>
+            <a:off x="1938446" y="9573919"/>
             <a:ext cx="29001" cy="27692"/>
           </a:xfrm>
           <a:prstGeom prst="line">
@@ -33386,7 +33727,7 @@
         </p:nvCxnSpPr>
         <p:spPr>
           <a:xfrm>
-            <a:off x="1100785" y="9537902"/>
+            <a:off x="1917908" y="9528174"/>
             <a:ext cx="42844" cy="29581"/>
           </a:xfrm>
           <a:prstGeom prst="line">
@@ -33421,7 +33762,7 @@
         </p:nvSpPr>
         <p:spPr>
           <a:xfrm>
-            <a:off x="975335" y="9498904"/>
+            <a:off x="1792458" y="9489176"/>
             <a:ext cx="45719" cy="45719"/>
           </a:xfrm>
           <a:prstGeom prst="ellipse">
@@ -33464,7 +33805,7 @@
         </p:nvCxnSpPr>
         <p:spPr>
           <a:xfrm flipH="1">
-            <a:off x="1014359" y="9468629"/>
+            <a:off x="1831482" y="9458901"/>
             <a:ext cx="83551" cy="36970"/>
           </a:xfrm>
           <a:prstGeom prst="line">
@@ -33499,7 +33840,7 @@
         </p:nvSpPr>
         <p:spPr>
           <a:xfrm>
-            <a:off x="1083862" y="9823566"/>
+            <a:off x="1900985" y="9813838"/>
             <a:ext cx="45719" cy="45719"/>
           </a:xfrm>
           <a:prstGeom prst="ellipse">
@@ -33542,7 +33883,7 @@
         </p:nvSpPr>
         <p:spPr>
           <a:xfrm>
-            <a:off x="1129581" y="9922420"/>
+            <a:off x="1946704" y="9912692"/>
             <a:ext cx="45719" cy="45719"/>
           </a:xfrm>
           <a:prstGeom prst="ellipse">
@@ -33582,7 +33923,7 @@
         </p:nvSpPr>
         <p:spPr>
           <a:xfrm>
-            <a:off x="1152440" y="10021274"/>
+            <a:off x="1969563" y="10011546"/>
             <a:ext cx="45719" cy="45719"/>
           </a:xfrm>
           <a:prstGeom prst="ellipse">
@@ -33622,7 +33963,7 @@
         </p:nvSpPr>
         <p:spPr>
           <a:xfrm>
-            <a:off x="1216804" y="9984303"/>
+            <a:off x="2033927" y="9974575"/>
             <a:ext cx="45719" cy="45719"/>
           </a:xfrm>
           <a:prstGeom prst="ellipse">
@@ -33662,7 +34003,7 @@
         </p:nvSpPr>
         <p:spPr>
           <a:xfrm>
-            <a:off x="1002515" y="9862590"/>
+            <a:off x="1819638" y="9852862"/>
             <a:ext cx="45719" cy="45719"/>
           </a:xfrm>
           <a:prstGeom prst="ellipse">
@@ -33702,7 +34043,7 @@
         </p:nvSpPr>
         <p:spPr>
           <a:xfrm>
-            <a:off x="1171832" y="9795690"/>
+            <a:off x="1988955" y="9785962"/>
             <a:ext cx="45719" cy="45719"/>
           </a:xfrm>
           <a:prstGeom prst="ellipse">
@@ -33742,7 +34083,7 @@
         </p:nvSpPr>
         <p:spPr>
           <a:xfrm>
-            <a:off x="1193012" y="10113758"/>
+            <a:off x="2010135" y="10104030"/>
             <a:ext cx="45719" cy="45719"/>
           </a:xfrm>
           <a:prstGeom prst="ellipse">
@@ -33782,7 +34123,7 @@
         </p:nvSpPr>
         <p:spPr>
           <a:xfrm>
-            <a:off x="1273952" y="10083056"/>
+            <a:off x="2091075" y="10073328"/>
             <a:ext cx="45719" cy="45719"/>
           </a:xfrm>
           <a:prstGeom prst="ellipse">
@@ -33822,7 +34163,7 @@
         </p:nvSpPr>
         <p:spPr>
           <a:xfrm>
-            <a:off x="1334083" y="9968139"/>
+            <a:off x="2151206" y="9958411"/>
             <a:ext cx="45719" cy="45719"/>
           </a:xfrm>
           <a:prstGeom prst="ellipse">
@@ -33862,7 +34203,7 @@
         </p:nvSpPr>
         <p:spPr>
           <a:xfrm>
-            <a:off x="1043494" y="10083056"/>
+            <a:off x="1860617" y="10073328"/>
             <a:ext cx="45719" cy="45719"/>
           </a:xfrm>
           <a:prstGeom prst="ellipse">
@@ -33905,7 +34246,7 @@
         </p:nvCxnSpPr>
         <p:spPr>
           <a:xfrm flipH="1">
-            <a:off x="1041539" y="9862590"/>
+            <a:off x="1858662" y="9852862"/>
             <a:ext cx="49018" cy="6695"/>
           </a:xfrm>
           <a:prstGeom prst="line">
@@ -33943,7 +34284,7 @@
         </p:nvCxnSpPr>
         <p:spPr>
           <a:xfrm flipV="1">
-            <a:off x="1129581" y="9818550"/>
+            <a:off x="1946704" y="9808822"/>
             <a:ext cx="42251" cy="27876"/>
           </a:xfrm>
           <a:prstGeom prst="line">
@@ -33981,7 +34322,7 @@
         </p:nvCxnSpPr>
         <p:spPr>
           <a:xfrm>
-            <a:off x="1122886" y="9862590"/>
+            <a:off x="1940009" y="9852862"/>
             <a:ext cx="29555" cy="59830"/>
           </a:xfrm>
           <a:prstGeom prst="line">
@@ -34019,7 +34360,7 @@
         </p:nvCxnSpPr>
         <p:spPr>
           <a:xfrm>
-            <a:off x="1152441" y="9968139"/>
+            <a:off x="1969564" y="9958411"/>
             <a:ext cx="6694" cy="59830"/>
           </a:xfrm>
           <a:prstGeom prst="line">
@@ -34057,7 +34398,7 @@
         </p:nvCxnSpPr>
         <p:spPr>
           <a:xfrm>
-            <a:off x="1168605" y="9961444"/>
+            <a:off x="1985728" y="9951716"/>
             <a:ext cx="54894" cy="29554"/>
           </a:xfrm>
           <a:prstGeom prst="line">
@@ -34095,7 +34436,7 @@
         </p:nvCxnSpPr>
         <p:spPr>
           <a:xfrm>
-            <a:off x="1175300" y="10066993"/>
+            <a:off x="1992423" y="10057265"/>
             <a:ext cx="40572" cy="46765"/>
           </a:xfrm>
           <a:prstGeom prst="line">
@@ -34133,7 +34474,7 @@
         </p:nvCxnSpPr>
         <p:spPr>
           <a:xfrm>
-            <a:off x="1239664" y="10030022"/>
+            <a:off x="2056787" y="10020294"/>
             <a:ext cx="40983" cy="59729"/>
           </a:xfrm>
           <a:prstGeom prst="line">
@@ -34171,7 +34512,7 @@
         </p:nvCxnSpPr>
         <p:spPr>
           <a:xfrm flipH="1" flipV="1">
-            <a:off x="1089213" y="10105916"/>
+            <a:off x="1906336" y="10096188"/>
             <a:ext cx="103799" cy="30702"/>
           </a:xfrm>
           <a:prstGeom prst="line">
@@ -34209,7 +34550,7 @@
         </p:nvCxnSpPr>
         <p:spPr>
           <a:xfrm flipV="1">
-            <a:off x="1296812" y="10007163"/>
+            <a:off x="2113935" y="9997435"/>
             <a:ext cx="43966" cy="75893"/>
           </a:xfrm>
           <a:prstGeom prst="line">
@@ -34244,7 +34585,7 @@
         </p:nvSpPr>
         <p:spPr>
           <a:xfrm>
-            <a:off x="1064350" y="9970548"/>
+            <a:off x="1881473" y="9960820"/>
             <a:ext cx="45719" cy="45719"/>
           </a:xfrm>
           <a:prstGeom prst="ellipse">
@@ -34284,7 +34625,7 @@
         </p:nvSpPr>
         <p:spPr>
           <a:xfrm>
-            <a:off x="988604" y="9940931"/>
+            <a:off x="1805727" y="9931203"/>
             <a:ext cx="45719" cy="45719"/>
           </a:xfrm>
           <a:prstGeom prst="ellipse">
@@ -34327,7 +34668,7 @@
         </p:nvCxnSpPr>
         <p:spPr>
           <a:xfrm flipH="1">
-            <a:off x="1011464" y="9908309"/>
+            <a:off x="1828587" y="9898581"/>
             <a:ext cx="13911" cy="32622"/>
           </a:xfrm>
           <a:prstGeom prst="line">
@@ -34365,7 +34706,7 @@
         </p:nvCxnSpPr>
         <p:spPr>
           <a:xfrm>
-            <a:off x="1027628" y="9979955"/>
+            <a:off x="1844751" y="9970227"/>
             <a:ext cx="36722" cy="13453"/>
           </a:xfrm>
           <a:prstGeom prst="line">
@@ -34403,7 +34744,7 @@
         </p:nvCxnSpPr>
         <p:spPr>
           <a:xfrm flipV="1">
-            <a:off x="1103374" y="9961444"/>
+            <a:off x="1920497" y="9951716"/>
             <a:ext cx="32902" cy="15799"/>
           </a:xfrm>
           <a:prstGeom prst="line">
@@ -34438,7 +34779,7 @@
         </p:nvSpPr>
         <p:spPr>
           <a:xfrm>
-            <a:off x="1064350" y="9895262"/>
+            <a:off x="1881473" y="9885534"/>
             <a:ext cx="45719" cy="45719"/>
           </a:xfrm>
           <a:prstGeom prst="ellipse">
@@ -34478,7 +34819,7 @@
         </p:nvSpPr>
         <p:spPr>
           <a:xfrm>
-            <a:off x="1259802" y="9831048"/>
+            <a:off x="2076925" y="9821320"/>
             <a:ext cx="45719" cy="45719"/>
           </a:xfrm>
           <a:prstGeom prst="ellipse">
@@ -34518,7 +34859,7 @@
         </p:nvSpPr>
         <p:spPr>
           <a:xfrm>
-            <a:off x="1162963" y="9860417"/>
+            <a:off x="1980086" y="9850689"/>
             <a:ext cx="45719" cy="45719"/>
           </a:xfrm>
           <a:prstGeom prst="ellipse">
@@ -34558,7 +34899,7 @@
         </p:nvSpPr>
         <p:spPr>
           <a:xfrm>
-            <a:off x="1224847" y="9901613"/>
+            <a:off x="2041970" y="9891885"/>
             <a:ext cx="45719" cy="45719"/>
           </a:xfrm>
           <a:prstGeom prst="ellipse">
@@ -34601,7 +34942,7 @@
         </p:nvCxnSpPr>
         <p:spPr>
           <a:xfrm>
-            <a:off x="1041539" y="9901614"/>
+            <a:off x="1858662" y="9891886"/>
             <a:ext cx="22811" cy="16508"/>
           </a:xfrm>
           <a:prstGeom prst="line">
@@ -34639,7 +34980,7 @@
         </p:nvCxnSpPr>
         <p:spPr>
           <a:xfrm flipH="1">
-            <a:off x="1027628" y="9934286"/>
+            <a:off x="1844751" y="9924558"/>
             <a:ext cx="43417" cy="13340"/>
           </a:xfrm>
           <a:prstGeom prst="line">
@@ -34677,7 +35018,7 @@
         </p:nvCxnSpPr>
         <p:spPr>
           <a:xfrm>
-            <a:off x="1087210" y="9940981"/>
+            <a:off x="1904333" y="9931253"/>
             <a:ext cx="0" cy="29567"/>
           </a:xfrm>
           <a:prstGeom prst="line">
@@ -34715,7 +35056,7 @@
         </p:nvCxnSpPr>
         <p:spPr>
           <a:xfrm>
-            <a:off x="1110069" y="9918122"/>
+            <a:off x="1927192" y="9908394"/>
             <a:ext cx="26207" cy="10993"/>
           </a:xfrm>
           <a:prstGeom prst="line">
@@ -34753,7 +35094,7 @@
         </p:nvCxnSpPr>
         <p:spPr>
           <a:xfrm flipV="1">
-            <a:off x="1087210" y="9869285"/>
+            <a:off x="1904333" y="9859557"/>
             <a:ext cx="19512" cy="25977"/>
           </a:xfrm>
           <a:prstGeom prst="line">
@@ -34791,7 +35132,7 @@
         </p:nvCxnSpPr>
         <p:spPr>
           <a:xfrm>
-            <a:off x="1129581" y="9846426"/>
+            <a:off x="1946704" y="9836698"/>
             <a:ext cx="40077" cy="20686"/>
           </a:xfrm>
           <a:prstGeom prst="line">
@@ -34829,7 +35170,7 @@
         </p:nvCxnSpPr>
         <p:spPr>
           <a:xfrm flipV="1">
-            <a:off x="1185823" y="9841409"/>
+            <a:off x="2002946" y="9831681"/>
             <a:ext cx="8869" cy="19008"/>
           </a:xfrm>
           <a:prstGeom prst="line">
@@ -34867,7 +35208,7 @@
         </p:nvCxnSpPr>
         <p:spPr>
           <a:xfrm flipH="1">
-            <a:off x="1168605" y="9906136"/>
+            <a:off x="1985728" y="9896408"/>
             <a:ext cx="17218" cy="22979"/>
           </a:xfrm>
           <a:prstGeom prst="line">
@@ -34905,7 +35246,7 @@
         </p:nvCxnSpPr>
         <p:spPr>
           <a:xfrm>
-            <a:off x="1208682" y="9883277"/>
+            <a:off x="2025805" y="9873549"/>
             <a:ext cx="22860" cy="25031"/>
           </a:xfrm>
           <a:prstGeom prst="line">
@@ -34943,7 +35284,7 @@
         </p:nvCxnSpPr>
         <p:spPr>
           <a:xfrm flipV="1">
-            <a:off x="1175300" y="9924473"/>
+            <a:off x="1992423" y="9914745"/>
             <a:ext cx="49547" cy="20807"/>
           </a:xfrm>
           <a:prstGeom prst="line">
@@ -34981,7 +35322,7 @@
         </p:nvCxnSpPr>
         <p:spPr>
           <a:xfrm>
-            <a:off x="1210856" y="9834714"/>
+            <a:off x="2027979" y="9824986"/>
             <a:ext cx="48946" cy="19194"/>
           </a:xfrm>
           <a:prstGeom prst="line">
@@ -35019,7 +35360,7 @@
         </p:nvCxnSpPr>
         <p:spPr>
           <a:xfrm flipH="1">
-            <a:off x="1263871" y="9876767"/>
+            <a:off x="2080994" y="9867039"/>
             <a:ext cx="18791" cy="31541"/>
           </a:xfrm>
           <a:prstGeom prst="line">
@@ -35054,7 +35395,7 @@
         </p:nvSpPr>
         <p:spPr>
           <a:xfrm>
-            <a:off x="1066005" y="10614974"/>
+            <a:off x="1883128" y="10605246"/>
             <a:ext cx="45719" cy="45719"/>
           </a:xfrm>
           <a:prstGeom prst="ellipse">
@@ -35097,7 +35438,7 @@
         </p:nvSpPr>
         <p:spPr>
           <a:xfrm>
-            <a:off x="1111724" y="10713828"/>
+            <a:off x="1928847" y="10704100"/>
             <a:ext cx="45719" cy="45719"/>
           </a:xfrm>
           <a:prstGeom prst="ellipse">
@@ -35137,7 +35478,7 @@
         </p:nvSpPr>
         <p:spPr>
           <a:xfrm>
-            <a:off x="1134583" y="10812682"/>
+            <a:off x="1951706" y="10802954"/>
             <a:ext cx="45719" cy="45719"/>
           </a:xfrm>
           <a:prstGeom prst="ellipse">
@@ -35177,7 +35518,7 @@
         </p:nvSpPr>
         <p:spPr>
           <a:xfrm>
-            <a:off x="1198947" y="10775711"/>
+            <a:off x="2016070" y="10765983"/>
             <a:ext cx="45719" cy="45719"/>
           </a:xfrm>
           <a:prstGeom prst="ellipse">
@@ -35217,7 +35558,7 @@
         </p:nvSpPr>
         <p:spPr>
           <a:xfrm>
-            <a:off x="975809" y="10712939"/>
+            <a:off x="1792932" y="10703211"/>
             <a:ext cx="45719" cy="45719"/>
           </a:xfrm>
           <a:prstGeom prst="ellipse">
@@ -35260,7 +35601,7 @@
         </p:nvSpPr>
         <p:spPr>
           <a:xfrm>
-            <a:off x="1217071" y="10623339"/>
+            <a:off x="2034194" y="10613611"/>
             <a:ext cx="45719" cy="45719"/>
           </a:xfrm>
           <a:prstGeom prst="ellipse">
@@ -35300,7 +35641,7 @@
         </p:nvSpPr>
         <p:spPr>
           <a:xfrm>
-            <a:off x="1175155" y="10905166"/>
+            <a:off x="1992278" y="10895438"/>
             <a:ext cx="45719" cy="45719"/>
           </a:xfrm>
           <a:prstGeom prst="ellipse">
@@ -35340,7 +35681,7 @@
         </p:nvSpPr>
         <p:spPr>
           <a:xfrm>
-            <a:off x="1256095" y="10874464"/>
+            <a:off x="2073218" y="10864736"/>
             <a:ext cx="45719" cy="45719"/>
           </a:xfrm>
           <a:prstGeom prst="ellipse">
@@ -35380,7 +35721,7 @@
         </p:nvSpPr>
         <p:spPr>
           <a:xfrm>
-            <a:off x="1317979" y="10780548"/>
+            <a:off x="2135102" y="10770820"/>
             <a:ext cx="45719" cy="45719"/>
           </a:xfrm>
           <a:prstGeom prst="ellipse">
@@ -35420,7 +35761,7 @@
         </p:nvSpPr>
         <p:spPr>
           <a:xfrm>
-            <a:off x="1062658" y="10915204"/>
+            <a:off x="1879781" y="10905476"/>
             <a:ext cx="45719" cy="45719"/>
           </a:xfrm>
           <a:prstGeom prst="ellipse">
@@ -35463,7 +35804,7 @@
         </p:nvCxnSpPr>
         <p:spPr>
           <a:xfrm flipH="1">
-            <a:off x="1014833" y="10653998"/>
+            <a:off x="1831956" y="10644270"/>
             <a:ext cx="57867" cy="65636"/>
           </a:xfrm>
           <a:prstGeom prst="line">
@@ -35501,7 +35842,7 @@
         </p:nvCxnSpPr>
         <p:spPr>
           <a:xfrm>
-            <a:off x="1111724" y="10637834"/>
+            <a:off x="1928847" y="10628106"/>
             <a:ext cx="105347" cy="8365"/>
           </a:xfrm>
           <a:prstGeom prst="line">
@@ -35539,7 +35880,7 @@
         </p:nvCxnSpPr>
         <p:spPr>
           <a:xfrm>
-            <a:off x="1105029" y="10653998"/>
+            <a:off x="1922152" y="10644270"/>
             <a:ext cx="29555" cy="59830"/>
           </a:xfrm>
           <a:prstGeom prst="line">
@@ -35577,7 +35918,7 @@
         </p:nvCxnSpPr>
         <p:spPr>
           <a:xfrm>
-            <a:off x="1134584" y="10759547"/>
+            <a:off x="1951707" y="10749819"/>
             <a:ext cx="6694" cy="59830"/>
           </a:xfrm>
           <a:prstGeom prst="line">
@@ -35615,7 +35956,7 @@
         </p:nvCxnSpPr>
         <p:spPr>
           <a:xfrm>
-            <a:off x="1150748" y="10752852"/>
+            <a:off x="1967871" y="10743124"/>
             <a:ext cx="54894" cy="29554"/>
           </a:xfrm>
           <a:prstGeom prst="line">
@@ -35653,7 +35994,7 @@
         </p:nvCxnSpPr>
         <p:spPr>
           <a:xfrm>
-            <a:off x="1157443" y="10858401"/>
+            <a:off x="1974566" y="10848673"/>
             <a:ext cx="40572" cy="46765"/>
           </a:xfrm>
           <a:prstGeom prst="line">
@@ -35691,7 +36032,7 @@
         </p:nvCxnSpPr>
         <p:spPr>
           <a:xfrm>
-            <a:off x="1221807" y="10821430"/>
+            <a:off x="2038930" y="10811702"/>
             <a:ext cx="40983" cy="59729"/>
           </a:xfrm>
           <a:prstGeom prst="line">
@@ -35729,7 +36070,7 @@
         </p:nvCxnSpPr>
         <p:spPr>
           <a:xfrm flipH="1">
-            <a:off x="1108377" y="10928026"/>
+            <a:off x="1925500" y="10918298"/>
             <a:ext cx="66778" cy="10038"/>
           </a:xfrm>
           <a:prstGeom prst="line">
@@ -35767,7 +36108,7 @@
         </p:nvCxnSpPr>
         <p:spPr>
           <a:xfrm flipV="1">
-            <a:off x="1295119" y="10819572"/>
+            <a:off x="2112242" y="10809844"/>
             <a:ext cx="29555" cy="61587"/>
           </a:xfrm>
           <a:prstGeom prst="line">
@@ -35802,7 +36143,7 @@
         </p:nvSpPr>
         <p:spPr>
           <a:xfrm>
-            <a:off x="1072700" y="10985316"/>
+            <a:off x="1889823" y="10975588"/>
             <a:ext cx="45719" cy="45719"/>
           </a:xfrm>
           <a:prstGeom prst="ellipse">
@@ -35845,7 +36186,7 @@
         </p:nvSpPr>
         <p:spPr>
           <a:xfrm>
-            <a:off x="1118419" y="11084170"/>
+            <a:off x="1935542" y="11074442"/>
             <a:ext cx="45719" cy="45719"/>
           </a:xfrm>
           <a:prstGeom prst="ellipse">
@@ -35885,7 +36226,7 @@
         </p:nvSpPr>
         <p:spPr>
           <a:xfrm>
-            <a:off x="1141278" y="11183024"/>
+            <a:off x="1958401" y="11173296"/>
             <a:ext cx="45719" cy="45719"/>
           </a:xfrm>
           <a:prstGeom prst="ellipse">
@@ -35925,7 +36266,7 @@
         </p:nvSpPr>
         <p:spPr>
           <a:xfrm>
-            <a:off x="1205642" y="11146053"/>
+            <a:off x="2022765" y="11136325"/>
             <a:ext cx="45719" cy="45719"/>
           </a:xfrm>
           <a:prstGeom prst="ellipse">
@@ -35965,7 +36306,7 @@
         </p:nvSpPr>
         <p:spPr>
           <a:xfrm>
-            <a:off x="982504" y="11083281"/>
+            <a:off x="1799627" y="11073553"/>
             <a:ext cx="45719" cy="45719"/>
           </a:xfrm>
           <a:prstGeom prst="ellipse">
@@ -36008,7 +36349,7 @@
         </p:nvSpPr>
         <p:spPr>
           <a:xfrm>
-            <a:off x="1223766" y="10993681"/>
+            <a:off x="2040889" y="10983953"/>
             <a:ext cx="45719" cy="45719"/>
           </a:xfrm>
           <a:prstGeom prst="ellipse">
@@ -36048,7 +36389,7 @@
         </p:nvSpPr>
         <p:spPr>
           <a:xfrm>
-            <a:off x="1181850" y="11275508"/>
+            <a:off x="1998973" y="11265780"/>
             <a:ext cx="45719" cy="45719"/>
           </a:xfrm>
           <a:prstGeom prst="ellipse">
@@ -36088,7 +36429,7 @@
         </p:nvSpPr>
         <p:spPr>
           <a:xfrm>
-            <a:off x="1262790" y="11244806"/>
+            <a:off x="2079913" y="11235078"/>
             <a:ext cx="45719" cy="45719"/>
           </a:xfrm>
           <a:prstGeom prst="ellipse">
@@ -36128,7 +36469,7 @@
         </p:nvSpPr>
         <p:spPr>
           <a:xfrm>
-            <a:off x="1351972" y="11174452"/>
+            <a:off x="2169095" y="11164724"/>
             <a:ext cx="45719" cy="45719"/>
           </a:xfrm>
           <a:prstGeom prst="ellipse">
@@ -36168,7 +36509,7 @@
         </p:nvSpPr>
         <p:spPr>
           <a:xfrm>
-            <a:off x="1096730" y="11248087"/>
+            <a:off x="1913853" y="11238359"/>
             <a:ext cx="45719" cy="45719"/>
           </a:xfrm>
           <a:prstGeom prst="ellipse">
@@ -36211,7 +36552,7 @@
         </p:nvCxnSpPr>
         <p:spPr>
           <a:xfrm flipH="1">
-            <a:off x="1021528" y="11024340"/>
+            <a:off x="1838651" y="11014612"/>
             <a:ext cx="57867" cy="65636"/>
           </a:xfrm>
           <a:prstGeom prst="line">
@@ -36249,7 +36590,7 @@
         </p:nvCxnSpPr>
         <p:spPr>
           <a:xfrm>
-            <a:off x="1118419" y="11008176"/>
+            <a:off x="1935542" y="10998448"/>
             <a:ext cx="105347" cy="8365"/>
           </a:xfrm>
           <a:prstGeom prst="line">
@@ -36287,7 +36628,7 @@
         </p:nvCxnSpPr>
         <p:spPr>
           <a:xfrm>
-            <a:off x="1111724" y="11024340"/>
+            <a:off x="1928847" y="11014612"/>
             <a:ext cx="29555" cy="59830"/>
           </a:xfrm>
           <a:prstGeom prst="line">
@@ -36325,7 +36666,7 @@
         </p:nvCxnSpPr>
         <p:spPr>
           <a:xfrm>
-            <a:off x="1141279" y="11129889"/>
+            <a:off x="1958402" y="11120161"/>
             <a:ext cx="6694" cy="59830"/>
           </a:xfrm>
           <a:prstGeom prst="line">
@@ -36363,7 +36704,7 @@
         </p:nvCxnSpPr>
         <p:spPr>
           <a:xfrm>
-            <a:off x="1157443" y="11123194"/>
+            <a:off x="1974566" y="11113466"/>
             <a:ext cx="54894" cy="29554"/>
           </a:xfrm>
           <a:prstGeom prst="line">
@@ -36401,7 +36742,7 @@
         </p:nvCxnSpPr>
         <p:spPr>
           <a:xfrm>
-            <a:off x="1164138" y="11228743"/>
+            <a:off x="1981261" y="11219015"/>
             <a:ext cx="40572" cy="46765"/>
           </a:xfrm>
           <a:prstGeom prst="line">
@@ -36439,7 +36780,7 @@
         </p:nvCxnSpPr>
         <p:spPr>
           <a:xfrm>
-            <a:off x="1228502" y="11191772"/>
+            <a:off x="2045625" y="11182044"/>
             <a:ext cx="40983" cy="59729"/>
           </a:xfrm>
           <a:prstGeom prst="line">
@@ -36477,7 +36818,7 @@
         </p:nvCxnSpPr>
         <p:spPr>
           <a:xfrm flipH="1" flipV="1">
-            <a:off x="1142449" y="11270947"/>
+            <a:off x="1959572" y="11261219"/>
             <a:ext cx="39401" cy="27421"/>
           </a:xfrm>
           <a:prstGeom prst="line">
@@ -36515,7 +36856,7 @@
         </p:nvCxnSpPr>
         <p:spPr>
           <a:xfrm flipV="1">
-            <a:off x="1301814" y="11213476"/>
+            <a:off x="2118937" y="11203748"/>
             <a:ext cx="56853" cy="38025"/>
           </a:xfrm>
           <a:prstGeom prst="line">
@@ -36550,7 +36891,7 @@
         </p:nvSpPr>
         <p:spPr>
           <a:xfrm>
-            <a:off x="1285649" y="11100334"/>
+            <a:off x="2102772" y="11090606"/>
             <a:ext cx="45719" cy="45719"/>
           </a:xfrm>
           <a:prstGeom prst="ellipse">
@@ -36593,7 +36934,7 @@
         </p:nvCxnSpPr>
         <p:spPr>
           <a:xfrm flipV="1">
-            <a:off x="1244666" y="11139358"/>
+            <a:off x="2061789" y="11129630"/>
             <a:ext cx="47678" cy="13390"/>
           </a:xfrm>
           <a:prstGeom prst="line">
@@ -36631,7 +36972,7 @@
         </p:nvCxnSpPr>
         <p:spPr>
           <a:xfrm>
-            <a:off x="1324673" y="11139358"/>
+            <a:off x="2141796" y="11129630"/>
             <a:ext cx="33994" cy="41789"/>
           </a:xfrm>
           <a:prstGeom prst="line">
@@ -36666,7 +37007,7 @@
         </p:nvSpPr>
         <p:spPr>
           <a:xfrm>
-            <a:off x="1275153" y="11167765"/>
+            <a:off x="2092276" y="11158037"/>
             <a:ext cx="45719" cy="45719"/>
           </a:xfrm>
           <a:prstGeom prst="ellipse">
@@ -36706,7 +37047,7 @@
         </p:nvSpPr>
         <p:spPr>
           <a:xfrm>
-            <a:off x="1033148" y="11195480"/>
+            <a:off x="1850271" y="11185752"/>
             <a:ext cx="45719" cy="45719"/>
           </a:xfrm>
           <a:prstGeom prst="ellipse">
@@ -36746,7 +37087,7 @@
         </p:nvSpPr>
         <p:spPr>
           <a:xfrm>
-            <a:off x="1052907" y="11290525"/>
+            <a:off x="1870030" y="11280797"/>
             <a:ext cx="45719" cy="45719"/>
           </a:xfrm>
           <a:prstGeom prst="ellipse">
@@ -36789,7 +37130,7 @@
         </p:nvCxnSpPr>
         <p:spPr>
           <a:xfrm>
-            <a:off x="1244666" y="11185077"/>
+            <a:off x="2061789" y="11175349"/>
             <a:ext cx="30487" cy="5548"/>
           </a:xfrm>
           <a:prstGeom prst="line">
@@ -36827,7 +37168,7 @@
         </p:nvCxnSpPr>
         <p:spPr>
           <a:xfrm flipV="1">
-            <a:off x="1298013" y="11146053"/>
+            <a:off x="2115136" y="11136325"/>
             <a:ext cx="10496" cy="21712"/>
           </a:xfrm>
           <a:prstGeom prst="line">
@@ -36865,7 +37206,7 @@
         </p:nvCxnSpPr>
         <p:spPr>
           <a:xfrm flipH="1">
-            <a:off x="1285650" y="11213484"/>
+            <a:off x="2102773" y="11203756"/>
             <a:ext cx="12363" cy="31322"/>
           </a:xfrm>
           <a:prstGeom prst="line">
@@ -36903,7 +37244,7 @@
         </p:nvCxnSpPr>
         <p:spPr>
           <a:xfrm flipV="1">
-            <a:off x="1314177" y="11197312"/>
+            <a:off x="2131300" y="11187584"/>
             <a:ext cx="37795" cy="9477"/>
           </a:xfrm>
           <a:prstGeom prst="line">
@@ -36941,7 +37282,7 @@
         </p:nvCxnSpPr>
         <p:spPr>
           <a:xfrm flipV="1">
-            <a:off x="1186997" y="11185077"/>
+            <a:off x="2004120" y="11175349"/>
             <a:ext cx="25340" cy="20807"/>
           </a:xfrm>
           <a:prstGeom prst="line">
@@ -36979,7 +37320,7 @@
         </p:nvCxnSpPr>
         <p:spPr>
           <a:xfrm flipV="1">
-            <a:off x="1227569" y="11267666"/>
+            <a:off x="2044692" y="11257938"/>
             <a:ext cx="35221" cy="30702"/>
           </a:xfrm>
           <a:prstGeom prst="line">
@@ -37017,7 +37358,7 @@
         </p:nvCxnSpPr>
         <p:spPr>
           <a:xfrm>
-            <a:off x="1078867" y="11218340"/>
+            <a:off x="1895990" y="11208612"/>
             <a:ext cx="69106" cy="3708"/>
           </a:xfrm>
           <a:prstGeom prst="line">
@@ -37055,7 +37396,7 @@
         </p:nvCxnSpPr>
         <p:spPr>
           <a:xfrm>
-            <a:off x="1056008" y="11241199"/>
+            <a:off x="1873131" y="11231471"/>
             <a:ext cx="47417" cy="13583"/>
           </a:xfrm>
           <a:prstGeom prst="line">
@@ -37093,7 +37434,7 @@
         </p:nvCxnSpPr>
         <p:spPr>
           <a:xfrm flipH="1" flipV="1">
-            <a:off x="1075767" y="11290525"/>
+            <a:off x="1892890" y="11280797"/>
             <a:ext cx="43823" cy="3281"/>
           </a:xfrm>
           <a:prstGeom prst="line">
@@ -37131,7 +37472,7 @@
         </p:nvCxnSpPr>
         <p:spPr>
           <a:xfrm>
-            <a:off x="1098626" y="11313385"/>
+            <a:off x="1915749" y="11303657"/>
             <a:ext cx="89919" cy="1147"/>
           </a:xfrm>
           <a:prstGeom prst="line">
@@ -37166,7 +37507,7 @@
         </p:nvCxnSpPr>
         <p:spPr>
           <a:xfrm flipV="1">
-            <a:off x="1453471" y="8843516"/>
+            <a:off x="2270594" y="8833788"/>
             <a:ext cx="1526279" cy="15592"/>
           </a:xfrm>
           <a:prstGeom prst="straightConnector1">
@@ -37203,13 +37544,13 @@
           <p:nvPr>
             <p:extLst>
               <p:ext uri="{D42A27DB-BD31-4B8C-83A1-F6EECF244321}">
-                <p14:modId xmlns:p14="http://schemas.microsoft.com/office/powerpoint/2010/main" val="796073101"/>
+                <p14:modId xmlns:p14="http://schemas.microsoft.com/office/powerpoint/2010/main" val="2900837111"/>
               </p:ext>
             </p:extLst>
           </p:nvPr>
         </p:nvGraphicFramePr>
         <p:xfrm>
-          <a:off x="322634" y="7130453"/>
+          <a:off x="1139757" y="7120725"/>
           <a:ext cx="614217" cy="4208838"/>
         </p:xfrm>
         <a:graphic>
@@ -37902,7 +38243,7 @@
         </p:nvCxnSpPr>
         <p:spPr>
           <a:xfrm>
-            <a:off x="1418100" y="9292352"/>
+            <a:off x="2235223" y="9282624"/>
             <a:ext cx="183470" cy="4053"/>
           </a:xfrm>
           <a:prstGeom prst="straightConnector1">
@@ -37938,7 +38279,7 @@
         </p:nvCxnSpPr>
         <p:spPr>
           <a:xfrm>
-            <a:off x="1453471" y="9650104"/>
+            <a:off x="2270594" y="9640376"/>
             <a:ext cx="186702" cy="0"/>
           </a:xfrm>
           <a:prstGeom prst="straightConnector1">
@@ -37974,7 +38315,7 @@
         </p:nvCxnSpPr>
         <p:spPr>
           <a:xfrm flipV="1">
-            <a:off x="1401704" y="10013858"/>
+            <a:off x="2218827" y="10004130"/>
             <a:ext cx="231472" cy="1"/>
           </a:xfrm>
           <a:prstGeom prst="straightConnector1">
@@ -38010,7 +38351,7 @@
         </p:nvCxnSpPr>
         <p:spPr>
           <a:xfrm>
-            <a:off x="1934984" y="7407100"/>
+            <a:off x="2752107" y="7397372"/>
             <a:ext cx="735259" cy="678582"/>
           </a:xfrm>
           <a:prstGeom prst="straightConnector1">
@@ -38046,7 +38387,7 @@
         </p:nvCxnSpPr>
         <p:spPr>
           <a:xfrm>
-            <a:off x="2071420" y="9589562"/>
+            <a:off x="2888543" y="9579834"/>
             <a:ext cx="129736" cy="0"/>
           </a:xfrm>
           <a:prstGeom prst="straightConnector1">
@@ -38082,7 +38423,7 @@
         </p:nvSpPr>
         <p:spPr>
           <a:xfrm>
-            <a:off x="3162471" y="9451370"/>
+            <a:off x="3979594" y="9441642"/>
             <a:ext cx="45719" cy="45719"/>
           </a:xfrm>
           <a:prstGeom prst="ellipse">
@@ -38125,7 +38466,7 @@
         </p:nvSpPr>
         <p:spPr>
           <a:xfrm>
-            <a:off x="3208190" y="9550224"/>
+            <a:off x="4025313" y="9540496"/>
             <a:ext cx="45719" cy="45719"/>
           </a:xfrm>
           <a:prstGeom prst="ellipse">
@@ -38165,7 +38506,7 @@
         </p:nvSpPr>
         <p:spPr>
           <a:xfrm>
-            <a:off x="3231049" y="9649078"/>
+            <a:off x="4048172" y="9639350"/>
             <a:ext cx="45719" cy="45719"/>
           </a:xfrm>
           <a:prstGeom prst="ellipse">
@@ -38205,7 +38546,7 @@
         </p:nvSpPr>
         <p:spPr>
           <a:xfrm>
-            <a:off x="3271621" y="9741562"/>
+            <a:off x="4088744" y="9731834"/>
             <a:ext cx="45719" cy="45719"/>
           </a:xfrm>
           <a:prstGeom prst="ellipse">
@@ -38248,7 +38589,7 @@
         </p:nvCxnSpPr>
         <p:spPr>
           <a:xfrm>
-            <a:off x="3201495" y="9490394"/>
+            <a:off x="4018618" y="9480666"/>
             <a:ext cx="29555" cy="59830"/>
           </a:xfrm>
           <a:prstGeom prst="line">
@@ -38286,7 +38627,7 @@
         </p:nvCxnSpPr>
         <p:spPr>
           <a:xfrm>
-            <a:off x="3231050" y="9595943"/>
+            <a:off x="4048173" y="9586215"/>
             <a:ext cx="6694" cy="59830"/>
           </a:xfrm>
           <a:prstGeom prst="line">
@@ -38324,7 +38665,7 @@
         </p:nvCxnSpPr>
         <p:spPr>
           <a:xfrm>
-            <a:off x="3253909" y="9694797"/>
+            <a:off x="4071032" y="9685069"/>
             <a:ext cx="40572" cy="46765"/>
           </a:xfrm>
           <a:prstGeom prst="line">
@@ -38359,7 +38700,7 @@
         </p:nvCxnSpPr>
         <p:spPr>
           <a:xfrm>
-            <a:off x="2958587" y="9600462"/>
+            <a:off x="3775710" y="9590734"/>
             <a:ext cx="182276" cy="0"/>
           </a:xfrm>
           <a:prstGeom prst="straightConnector1">
@@ -38395,7 +38736,7 @@
         </p:nvCxnSpPr>
         <p:spPr>
           <a:xfrm>
-            <a:off x="2043716" y="10784577"/>
+            <a:off x="2860839" y="10774849"/>
             <a:ext cx="161090" cy="0"/>
           </a:xfrm>
           <a:prstGeom prst="straightConnector1">
@@ -38431,7 +38772,7 @@
         </p:nvSpPr>
         <p:spPr>
           <a:xfrm>
-            <a:off x="3219980" y="10724121"/>
+            <a:off x="4037103" y="10714393"/>
             <a:ext cx="45719" cy="45719"/>
           </a:xfrm>
           <a:prstGeom prst="ellipse">
@@ -38474,7 +38815,7 @@
         </p:nvSpPr>
         <p:spPr>
           <a:xfrm>
-            <a:off x="3265699" y="10822975"/>
+            <a:off x="4082822" y="10813247"/>
             <a:ext cx="45719" cy="45719"/>
           </a:xfrm>
           <a:prstGeom prst="ellipse">
@@ -38514,7 +38855,7 @@
         </p:nvSpPr>
         <p:spPr>
           <a:xfrm>
-            <a:off x="3288558" y="10921829"/>
+            <a:off x="4105681" y="10912101"/>
             <a:ext cx="45719" cy="45719"/>
           </a:xfrm>
           <a:prstGeom prst="ellipse">
@@ -38554,7 +38895,7 @@
         </p:nvSpPr>
         <p:spPr>
           <a:xfrm>
-            <a:off x="3329130" y="11014313"/>
+            <a:off x="4146253" y="11004585"/>
             <a:ext cx="45719" cy="45719"/>
           </a:xfrm>
           <a:prstGeom prst="ellipse">
@@ -38600,7 +38941,7 @@
         </p:nvCxnSpPr>
         <p:spPr>
           <a:xfrm>
-            <a:off x="3259004" y="10763145"/>
+            <a:off x="4076127" y="10753417"/>
             <a:ext cx="29555" cy="59830"/>
           </a:xfrm>
           <a:prstGeom prst="line">
@@ -38638,7 +38979,7 @@
         </p:nvCxnSpPr>
         <p:spPr>
           <a:xfrm>
-            <a:off x="3288559" y="10868694"/>
+            <a:off x="4105682" y="10858966"/>
             <a:ext cx="6694" cy="59830"/>
           </a:xfrm>
           <a:prstGeom prst="line">
@@ -38676,7 +39017,7 @@
         </p:nvCxnSpPr>
         <p:spPr>
           <a:xfrm>
-            <a:off x="3311418" y="10967548"/>
+            <a:off x="4128541" y="10957820"/>
             <a:ext cx="40572" cy="46765"/>
           </a:xfrm>
           <a:prstGeom prst="line">
@@ -38711,7 +39052,7 @@
         </p:nvCxnSpPr>
         <p:spPr>
           <a:xfrm>
-            <a:off x="2979750" y="10884597"/>
+            <a:off x="3796873" y="10874869"/>
             <a:ext cx="182276" cy="0"/>
           </a:xfrm>
           <a:prstGeom prst="straightConnector1">
@@ -38747,7 +39088,7 @@
         </p:nvSpPr>
         <p:spPr>
           <a:xfrm>
-            <a:off x="3737442" y="9183614"/>
+            <a:off x="4554565" y="9173886"/>
             <a:ext cx="45719" cy="45719"/>
           </a:xfrm>
           <a:prstGeom prst="ellipse">
@@ -38790,7 +39131,7 @@
         </p:nvSpPr>
         <p:spPr>
           <a:xfrm>
-            <a:off x="3783161" y="9282468"/>
+            <a:off x="4600284" y="9272740"/>
             <a:ext cx="45719" cy="45719"/>
           </a:xfrm>
           <a:prstGeom prst="ellipse">
@@ -38830,7 +39171,7 @@
         </p:nvSpPr>
         <p:spPr>
           <a:xfrm>
-            <a:off x="3846592" y="9473806"/>
+            <a:off x="4663715" y="9464078"/>
             <a:ext cx="45719" cy="45719"/>
           </a:xfrm>
           <a:prstGeom prst="ellipse">
@@ -38876,7 +39217,7 @@
         </p:nvCxnSpPr>
         <p:spPr>
           <a:xfrm>
-            <a:off x="3776466" y="9222638"/>
+            <a:off x="4593589" y="9212910"/>
             <a:ext cx="29555" cy="59830"/>
           </a:xfrm>
           <a:prstGeom prst="line">
@@ -38914,7 +39255,7 @@
         </p:nvCxnSpPr>
         <p:spPr>
           <a:xfrm>
-            <a:off x="3806021" y="9328187"/>
+            <a:off x="4623144" y="9318459"/>
             <a:ext cx="63431" cy="145619"/>
           </a:xfrm>
           <a:prstGeom prst="line">
@@ -38949,7 +39290,7 @@
         </p:nvCxnSpPr>
         <p:spPr>
           <a:xfrm>
-            <a:off x="2873872" y="8077317"/>
+            <a:off x="3690995" y="8067589"/>
             <a:ext cx="685503" cy="0"/>
           </a:xfrm>
           <a:prstGeom prst="straightConnector1">
@@ -38985,7 +39326,7 @@
         </p:nvCxnSpPr>
         <p:spPr>
           <a:xfrm flipV="1">
-            <a:off x="3580582" y="9366359"/>
+            <a:off x="4397705" y="9356631"/>
             <a:ext cx="213891" cy="1"/>
           </a:xfrm>
           <a:prstGeom prst="straightConnector1">
@@ -39021,7 +39362,7 @@
         </p:nvCxnSpPr>
         <p:spPr>
           <a:xfrm>
-            <a:off x="3388137" y="10884597"/>
+            <a:off x="4205260" y="10874869"/>
             <a:ext cx="187710" cy="0"/>
           </a:xfrm>
           <a:prstGeom prst="straightConnector1">
@@ -39057,7 +39398,7 @@
         </p:nvCxnSpPr>
         <p:spPr>
           <a:xfrm>
-            <a:off x="3902178" y="9341626"/>
+            <a:off x="4719301" y="9331898"/>
             <a:ext cx="254783" cy="4027"/>
           </a:xfrm>
           <a:prstGeom prst="straightConnector1">
@@ -39093,7 +39434,7 @@
         </p:nvCxnSpPr>
         <p:spPr>
           <a:xfrm flipV="1">
-            <a:off x="4388346" y="9327497"/>
+            <a:off x="5205469" y="9317769"/>
             <a:ext cx="245167" cy="1523"/>
           </a:xfrm>
           <a:prstGeom prst="straightConnector1">
@@ -39129,7 +39470,7 @@
         </p:nvSpPr>
         <p:spPr>
           <a:xfrm>
-            <a:off x="1372235" y="7113089"/>
+            <a:off x="2189358" y="7103361"/>
             <a:ext cx="304892" cy="230832"/>
           </a:xfrm>
           <a:prstGeom prst="rect">
@@ -39159,7 +39500,7 @@
         </p:nvSpPr>
         <p:spPr>
           <a:xfrm>
-            <a:off x="3541938" y="10717195"/>
+            <a:off x="4359061" y="10707467"/>
             <a:ext cx="45719" cy="45719"/>
           </a:xfrm>
           <a:prstGeom prst="ellipse">
@@ -39202,7 +39543,7 @@
         </p:nvSpPr>
         <p:spPr>
           <a:xfrm>
-            <a:off x="3587657" y="10816049"/>
+            <a:off x="4404780" y="10806321"/>
             <a:ext cx="45719" cy="45719"/>
           </a:xfrm>
           <a:prstGeom prst="ellipse">
@@ -39242,7 +39583,7 @@
         </p:nvSpPr>
         <p:spPr>
           <a:xfrm>
-            <a:off x="3651088" y="11007387"/>
+            <a:off x="4468211" y="10997659"/>
             <a:ext cx="45719" cy="45719"/>
           </a:xfrm>
           <a:prstGeom prst="ellipse">
@@ -39288,7 +39629,7 @@
         </p:nvCxnSpPr>
         <p:spPr>
           <a:xfrm>
-            <a:off x="3580962" y="10756219"/>
+            <a:off x="4398085" y="10746491"/>
             <a:ext cx="29555" cy="59830"/>
           </a:xfrm>
           <a:prstGeom prst="line">
@@ -39326,7 +39667,7 @@
         </p:nvCxnSpPr>
         <p:spPr>
           <a:xfrm>
-            <a:off x="3610517" y="10861768"/>
+            <a:off x="4427640" y="10852040"/>
             <a:ext cx="63431" cy="145619"/>
           </a:xfrm>
           <a:prstGeom prst="line">
@@ -39361,7 +39702,7 @@
         </p:nvCxnSpPr>
         <p:spPr>
           <a:xfrm>
-            <a:off x="3696807" y="10880301"/>
+            <a:off x="4513930" y="10870573"/>
             <a:ext cx="238290" cy="0"/>
           </a:xfrm>
           <a:prstGeom prst="straightConnector1">
@@ -39397,7 +39738,7 @@
         </p:nvSpPr>
         <p:spPr>
           <a:xfrm>
-            <a:off x="1039668" y="10826267"/>
+            <a:off x="1856791" y="10816539"/>
             <a:ext cx="45719" cy="45719"/>
           </a:xfrm>
           <a:prstGeom prst="ellipse">
@@ -39440,7 +39781,7 @@
         </p:nvCxnSpPr>
         <p:spPr>
           <a:xfrm>
-            <a:off x="1085387" y="10849127"/>
+            <a:off x="1902510" y="10839399"/>
             <a:ext cx="55891" cy="2579"/>
           </a:xfrm>
           <a:prstGeom prst="line">
@@ -39478,7 +39819,7 @@
         </p:nvCxnSpPr>
         <p:spPr>
           <a:xfrm>
-            <a:off x="1062528" y="10871986"/>
+            <a:off x="1879651" y="10862258"/>
             <a:ext cx="22990" cy="43218"/>
           </a:xfrm>
           <a:prstGeom prst="line">
@@ -39513,7 +39854,7 @@
         </p:nvSpPr>
         <p:spPr>
           <a:xfrm>
-            <a:off x="1904954" y="8647503"/>
+            <a:off x="2722077" y="8637775"/>
             <a:ext cx="304892" cy="230832"/>
           </a:xfrm>
           <a:prstGeom prst="rect">
@@ -39543,7 +39884,7 @@
         </p:nvSpPr>
         <p:spPr>
           <a:xfrm>
-            <a:off x="2222034" y="7549153"/>
+            <a:off x="3039157" y="7539425"/>
             <a:ext cx="304892" cy="230832"/>
           </a:xfrm>
           <a:prstGeom prst="rect">
@@ -39573,7 +39914,7 @@
         </p:nvSpPr>
         <p:spPr>
           <a:xfrm>
-            <a:off x="1955882" y="9384815"/>
+            <a:off x="2773005" y="9375087"/>
             <a:ext cx="304892" cy="230832"/>
           </a:xfrm>
           <a:prstGeom prst="rect">
@@ -39603,7 +39944,7 @@
         </p:nvSpPr>
         <p:spPr>
           <a:xfrm>
-            <a:off x="1954019" y="10597357"/>
+            <a:off x="2771142" y="10587629"/>
             <a:ext cx="304892" cy="230832"/>
           </a:xfrm>
           <a:prstGeom prst="rect">
@@ -39633,7 +39974,7 @@
         </p:nvSpPr>
         <p:spPr>
           <a:xfrm>
-            <a:off x="1334609" y="9099350"/>
+            <a:off x="2151732" y="9089622"/>
             <a:ext cx="304892" cy="230832"/>
           </a:xfrm>
           <a:prstGeom prst="rect">
@@ -39663,7 +40004,7 @@
         </p:nvSpPr>
         <p:spPr>
           <a:xfrm>
-            <a:off x="1360816" y="9465434"/>
+            <a:off x="2177939" y="9455706"/>
             <a:ext cx="304892" cy="230832"/>
           </a:xfrm>
           <a:prstGeom prst="rect">
@@ -39693,7 +40034,7 @@
         </p:nvSpPr>
         <p:spPr>
           <a:xfrm>
-            <a:off x="1348359" y="9824638"/>
+            <a:off x="2165482" y="9814910"/>
             <a:ext cx="304892" cy="230832"/>
           </a:xfrm>
           <a:prstGeom prst="rect">
@@ -39723,7 +40064,7 @@
         </p:nvSpPr>
         <p:spPr>
           <a:xfrm>
-            <a:off x="1348319" y="10588179"/>
+            <a:off x="2165442" y="10578451"/>
             <a:ext cx="304892" cy="230832"/>
           </a:xfrm>
           <a:prstGeom prst="rect">
@@ -39753,7 +40094,7 @@
         </p:nvSpPr>
         <p:spPr>
           <a:xfrm>
-            <a:off x="1331482" y="10960370"/>
+            <a:off x="2148605" y="10950642"/>
             <a:ext cx="304892" cy="230832"/>
           </a:xfrm>
           <a:prstGeom prst="rect">
@@ -39783,7 +40124,7 @@
         </p:nvSpPr>
         <p:spPr>
           <a:xfrm>
-            <a:off x="2907952" y="9380507"/>
+            <a:off x="3725075" y="9370779"/>
             <a:ext cx="304892" cy="230832"/>
           </a:xfrm>
           <a:prstGeom prst="rect">
@@ -39813,7 +40154,7 @@
         </p:nvSpPr>
         <p:spPr>
           <a:xfrm>
-            <a:off x="2924059" y="10650791"/>
+            <a:off x="3741182" y="10641063"/>
             <a:ext cx="304892" cy="230832"/>
           </a:xfrm>
           <a:prstGeom prst="rect">
@@ -39843,7 +40184,7 @@
         </p:nvSpPr>
         <p:spPr>
           <a:xfrm>
-            <a:off x="3515240" y="9166980"/>
+            <a:off x="4332363" y="9157252"/>
             <a:ext cx="304892" cy="230832"/>
           </a:xfrm>
           <a:prstGeom prst="rect">
@@ -39873,7 +40214,7 @@
         </p:nvSpPr>
         <p:spPr>
           <a:xfrm>
-            <a:off x="3320275" y="10682292"/>
+            <a:off x="4137398" y="10672564"/>
             <a:ext cx="304892" cy="230832"/>
           </a:xfrm>
           <a:prstGeom prst="rect">
@@ -39903,7 +40244,7 @@
         </p:nvSpPr>
         <p:spPr>
           <a:xfrm>
-            <a:off x="3843793" y="9150418"/>
+            <a:off x="4660916" y="9140690"/>
             <a:ext cx="304892" cy="230832"/>
           </a:xfrm>
           <a:prstGeom prst="rect">
@@ -39933,7 +40274,7 @@
         </p:nvGrpSpPr>
         <p:grpSpPr>
           <a:xfrm>
-            <a:off x="3979851" y="10720955"/>
+            <a:off x="4796974" y="10711227"/>
             <a:ext cx="235809" cy="305209"/>
             <a:chOff x="7938751" y="8487266"/>
             <a:chExt cx="235809" cy="305209"/>
@@ -40076,7 +40417,7 @@
         </p:nvSpPr>
         <p:spPr>
           <a:xfrm>
-            <a:off x="3658397" y="10672119"/>
+            <a:off x="4475520" y="10662391"/>
             <a:ext cx="304892" cy="230832"/>
           </a:xfrm>
           <a:prstGeom prst="rect">
@@ -40106,7 +40447,7 @@
         </p:nvSpPr>
         <p:spPr>
           <a:xfrm>
-            <a:off x="3559375" y="7900412"/>
+            <a:off x="4376498" y="7890684"/>
             <a:ext cx="45719" cy="45719"/>
           </a:xfrm>
           <a:prstGeom prst="ellipse">
@@ -40149,7 +40490,7 @@
         </p:nvSpPr>
         <p:spPr>
           <a:xfrm>
-            <a:off x="3605094" y="7999266"/>
+            <a:off x="4422217" y="7989538"/>
             <a:ext cx="45719" cy="45719"/>
           </a:xfrm>
           <a:prstGeom prst="ellipse">
@@ -40189,7 +40530,7 @@
         </p:nvSpPr>
         <p:spPr>
           <a:xfrm>
-            <a:off x="3668525" y="8190604"/>
+            <a:off x="4485648" y="8180876"/>
             <a:ext cx="45719" cy="45719"/>
           </a:xfrm>
           <a:prstGeom prst="ellipse">
@@ -40235,7 +40576,7 @@
         </p:nvCxnSpPr>
         <p:spPr>
           <a:xfrm>
-            <a:off x="3598399" y="7939436"/>
+            <a:off x="4415522" y="7929708"/>
             <a:ext cx="29555" cy="59830"/>
           </a:xfrm>
           <a:prstGeom prst="line">
@@ -40273,7 +40614,7 @@
         </p:nvCxnSpPr>
         <p:spPr>
           <a:xfrm>
-            <a:off x="3627954" y="8044985"/>
+            <a:off x="4445077" y="8035257"/>
             <a:ext cx="63431" cy="145619"/>
           </a:xfrm>
           <a:prstGeom prst="line">
@@ -40308,7 +40649,7 @@
         </p:nvGrpSpPr>
         <p:grpSpPr>
           <a:xfrm>
-            <a:off x="3956813" y="7915965"/>
+            <a:off x="4773936" y="7906237"/>
             <a:ext cx="235809" cy="305209"/>
             <a:chOff x="7938751" y="8487266"/>
             <a:chExt cx="235809" cy="305209"/>
@@ -40451,7 +40792,7 @@
         </p:nvCxnSpPr>
         <p:spPr>
           <a:xfrm>
-            <a:off x="3718523" y="8073554"/>
+            <a:off x="4535646" y="8063826"/>
             <a:ext cx="254783" cy="4027"/>
           </a:xfrm>
           <a:prstGeom prst="straightConnector1">
@@ -40487,7 +40828,7 @@
         </p:nvSpPr>
         <p:spPr>
           <a:xfrm>
-            <a:off x="3660138" y="7882346"/>
+            <a:off x="4477261" y="7872618"/>
             <a:ext cx="304892" cy="230832"/>
           </a:xfrm>
           <a:prstGeom prst="rect">
@@ -40517,7 +40858,7 @@
         </p:nvCxnSpPr>
         <p:spPr>
           <a:xfrm>
-            <a:off x="4169762" y="8260198"/>
+            <a:off x="4986885" y="8250470"/>
             <a:ext cx="423166" cy="875715"/>
           </a:xfrm>
           <a:prstGeom prst="straightConnector1">
@@ -40553,7 +40894,7 @@
         </p:nvCxnSpPr>
         <p:spPr>
           <a:xfrm flipV="1">
-            <a:off x="4198491" y="9565364"/>
+            <a:off x="5015614" y="9555636"/>
             <a:ext cx="435022" cy="1222511"/>
           </a:xfrm>
           <a:prstGeom prst="straightConnector1">
@@ -40589,7 +40930,7 @@
         </p:nvSpPr>
         <p:spPr>
           <a:xfrm>
-            <a:off x="4294470" y="8547086"/>
+            <a:off x="5111593" y="8537358"/>
             <a:ext cx="304892" cy="230832"/>
           </a:xfrm>
           <a:prstGeom prst="rect">
@@ -40619,7 +40960,7 @@
         </p:nvSpPr>
         <p:spPr>
           <a:xfrm>
-            <a:off x="4198491" y="9843477"/>
+            <a:off x="5015614" y="9833749"/>
             <a:ext cx="304892" cy="230832"/>
           </a:xfrm>
           <a:prstGeom prst="rect">
@@ -40649,7 +40990,7 @@
         </p:nvSpPr>
         <p:spPr>
           <a:xfrm>
-            <a:off x="3061734" y="8710640"/>
+            <a:off x="3878857" y="8700912"/>
             <a:ext cx="45719" cy="45719"/>
           </a:xfrm>
           <a:prstGeom prst="ellipse">
@@ -40692,7 +41033,7 @@
         </p:nvSpPr>
         <p:spPr>
           <a:xfrm>
-            <a:off x="3107453" y="8809494"/>
+            <a:off x="3924576" y="8799766"/>
             <a:ext cx="45719" cy="45719"/>
           </a:xfrm>
           <a:prstGeom prst="ellipse">
@@ -40732,7 +41073,7 @@
         </p:nvSpPr>
         <p:spPr>
           <a:xfrm>
-            <a:off x="3130312" y="8908348"/>
+            <a:off x="3947435" y="8898620"/>
             <a:ext cx="45719" cy="45719"/>
           </a:xfrm>
           <a:prstGeom prst="ellipse">
@@ -40772,7 +41113,7 @@
         </p:nvSpPr>
         <p:spPr>
           <a:xfrm>
-            <a:off x="3170884" y="9000832"/>
+            <a:off x="3988007" y="8991104"/>
             <a:ext cx="45719" cy="45719"/>
           </a:xfrm>
           <a:prstGeom prst="ellipse">
@@ -40815,7 +41156,7 @@
         </p:nvCxnSpPr>
         <p:spPr>
           <a:xfrm>
-            <a:off x="3100758" y="8749664"/>
+            <a:off x="3917881" y="8739936"/>
             <a:ext cx="29555" cy="59830"/>
           </a:xfrm>
           <a:prstGeom prst="line">
@@ -40853,7 +41194,7 @@
         </p:nvCxnSpPr>
         <p:spPr>
           <a:xfrm>
-            <a:off x="3130313" y="8855213"/>
+            <a:off x="3947436" y="8845485"/>
             <a:ext cx="6694" cy="59830"/>
           </a:xfrm>
           <a:prstGeom prst="line">
@@ -40891,7 +41232,7 @@
         </p:nvCxnSpPr>
         <p:spPr>
           <a:xfrm>
-            <a:off x="3153172" y="8954067"/>
+            <a:off x="3970295" y="8944339"/>
             <a:ext cx="40572" cy="46765"/>
           </a:xfrm>
           <a:prstGeom prst="line">
@@ -40926,7 +41267,7 @@
         </p:nvSpPr>
         <p:spPr>
           <a:xfrm>
-            <a:off x="4306692" y="9145411"/>
+            <a:off x="5123815" y="9135683"/>
             <a:ext cx="304892" cy="230832"/>
           </a:xfrm>
           <a:prstGeom prst="rect">
@@ -40956,7 +41297,7 @@
         </p:nvGrpSpPr>
         <p:grpSpPr>
           <a:xfrm>
-            <a:off x="1731587" y="7132072"/>
+            <a:off x="2548710" y="7122344"/>
             <a:ext cx="154869" cy="335911"/>
             <a:chOff x="2829489" y="8056155"/>
             <a:chExt cx="154869" cy="335911"/>
@@ -41248,7 +41589,7 @@
         </p:nvCxnSpPr>
         <p:spPr>
           <a:xfrm>
-            <a:off x="1419483" y="7711962"/>
+            <a:off x="2236606" y="7702234"/>
             <a:ext cx="239679" cy="2339"/>
           </a:xfrm>
           <a:prstGeom prst="straightConnector1">
@@ -41284,7 +41625,7 @@
         </p:nvSpPr>
         <p:spPr>
           <a:xfrm>
-            <a:off x="1372498" y="7514257"/>
+            <a:off x="2189621" y="7504529"/>
             <a:ext cx="304892" cy="230832"/>
           </a:xfrm>
           <a:prstGeom prst="rect">
@@ -41314,7 +41655,7 @@
         </p:nvGrpSpPr>
         <p:grpSpPr>
           <a:xfrm>
-            <a:off x="1731850" y="7533240"/>
+            <a:off x="2548973" y="7523512"/>
             <a:ext cx="154869" cy="335911"/>
             <a:chOff x="2829489" y="8056155"/>
             <a:chExt cx="154869" cy="335911"/>
@@ -41606,7 +41947,7 @@
         </p:nvCxnSpPr>
         <p:spPr>
           <a:xfrm>
-            <a:off x="1428332" y="8072732"/>
+            <a:off x="2245455" y="8063004"/>
             <a:ext cx="239679" cy="2339"/>
           </a:xfrm>
           <a:prstGeom prst="straightConnector1">
@@ -41642,7 +41983,7 @@
         </p:nvSpPr>
         <p:spPr>
           <a:xfrm>
-            <a:off x="1381347" y="7913821"/>
+            <a:off x="2198470" y="7904093"/>
             <a:ext cx="304892" cy="230832"/>
           </a:xfrm>
           <a:prstGeom prst="rect">
@@ -41672,7 +42013,7 @@
         </p:nvGrpSpPr>
         <p:grpSpPr>
           <a:xfrm>
-            <a:off x="1740699" y="7894010"/>
+            <a:off x="2557822" y="7884282"/>
             <a:ext cx="154869" cy="335911"/>
             <a:chOff x="2829489" y="8056155"/>
             <a:chExt cx="154869" cy="335911"/>
@@ -41964,7 +42305,7 @@
         </p:nvCxnSpPr>
         <p:spPr>
           <a:xfrm>
-            <a:off x="1444152" y="8466307"/>
+            <a:off x="2261275" y="8456579"/>
             <a:ext cx="239679" cy="2339"/>
           </a:xfrm>
           <a:prstGeom prst="straightConnector1">
@@ -42000,7 +42341,7 @@
         </p:nvSpPr>
         <p:spPr>
           <a:xfrm>
-            <a:off x="1385546" y="8301934"/>
+            <a:off x="2202669" y="8292206"/>
             <a:ext cx="304892" cy="230832"/>
           </a:xfrm>
           <a:prstGeom prst="rect">
@@ -42030,7 +42371,7 @@
         </p:nvGrpSpPr>
         <p:grpSpPr>
           <a:xfrm>
-            <a:off x="1756519" y="8287585"/>
+            <a:off x="2573642" y="8277857"/>
             <a:ext cx="154869" cy="335911"/>
             <a:chOff x="2829489" y="8056155"/>
             <a:chExt cx="154869" cy="335911"/>
@@ -42322,7 +42663,7 @@
         </p:nvSpPr>
         <p:spPr>
           <a:xfrm>
-            <a:off x="2075079" y="7724231"/>
+            <a:off x="2892202" y="7714503"/>
             <a:ext cx="304892" cy="230832"/>
           </a:xfrm>
           <a:prstGeom prst="rect">
@@ -42352,7 +42693,7 @@
         </p:nvSpPr>
         <p:spPr>
           <a:xfrm>
-            <a:off x="2010916" y="7931651"/>
+            <a:off x="2828039" y="7921923"/>
             <a:ext cx="304892" cy="230832"/>
           </a:xfrm>
           <a:prstGeom prst="rect">
@@ -42382,7 +42723,7 @@
         </p:nvSpPr>
         <p:spPr>
           <a:xfrm>
-            <a:off x="2076182" y="8156590"/>
+            <a:off x="2893305" y="8146862"/>
             <a:ext cx="304892" cy="230832"/>
           </a:xfrm>
           <a:prstGeom prst="rect">
@@ -42412,7 +42753,7 @@
         </p:nvCxnSpPr>
         <p:spPr>
           <a:xfrm>
-            <a:off x="1909980" y="7755436"/>
+            <a:off x="2727103" y="7745708"/>
             <a:ext cx="690247" cy="373167"/>
           </a:xfrm>
           <a:prstGeom prst="straightConnector1">
@@ -42448,7 +42789,7 @@
         </p:nvCxnSpPr>
         <p:spPr>
           <a:xfrm>
-            <a:off x="1917404" y="8093481"/>
+            <a:off x="2734527" y="8083753"/>
             <a:ext cx="704641" cy="74613"/>
           </a:xfrm>
           <a:prstGeom prst="straightConnector1">
@@ -42484,7 +42825,7 @@
         </p:nvCxnSpPr>
         <p:spPr>
           <a:xfrm flipV="1">
-            <a:off x="1982768" y="8229159"/>
+            <a:off x="2799891" y="8219431"/>
             <a:ext cx="626237" cy="226691"/>
           </a:xfrm>
           <a:prstGeom prst="straightConnector1">
@@ -42512,8 +42853,8 @@
           </a:fontRef>
         </p:style>
       </p:cxnSp>
-      <mc:AlternateContent xmlns:mc="http://schemas.openxmlformats.org/markup-compatibility/2006" xmlns:a14="http://schemas.microsoft.com/office/drawing/2010/main">
-        <mc:Choice Requires="a14">
+      <mc:AlternateContent xmlns:mc="http://schemas.openxmlformats.org/markup-compatibility/2006">
+        <mc:Choice xmlns:a14="http://schemas.microsoft.com/office/drawing/2010/main" Requires="a14">
           <p:sp>
             <p:nvSpPr>
               <p:cNvPr id="112" name="文本框 111"/>
@@ -42522,7 +42863,7 @@
             </p:nvSpPr>
             <p:spPr>
               <a:xfrm>
-                <a:off x="4609116" y="8929495"/>
+                <a:off x="5426239" y="8919767"/>
                 <a:ext cx="247888" cy="153888"/>
               </a:xfrm>
               <a:prstGeom prst="rect">
@@ -42589,7 +42930,7 @@
             </p:txBody>
           </p:sp>
         </mc:Choice>
-        <mc:Fallback xmlns="">
+        <mc:Fallback>
           <p:sp>
             <p:nvSpPr>
               <p:cNvPr id="112" name="文本框 111"/>
@@ -42600,7 +42941,7 @@
             </p:nvSpPr>
             <p:spPr>
               <a:xfrm>
-                <a:off x="4609116" y="8929495"/>
+                <a:off x="5426239" y="8919767"/>
                 <a:ext cx="247888" cy="153888"/>
               </a:xfrm>
               <a:prstGeom prst="rect">
@@ -42609,7 +42950,7 @@
               <a:blipFill rotWithShape="0">
                 <a:blip r:embed="rId2"/>
                 <a:stretch>
-                  <a:fillRect l="-9756" r="-2439" b="-16000"/>
+                  <a:fillRect l="-9756" r="-2439" b="-20000"/>
                 </a:stretch>
               </a:blipFill>
             </p:spPr>
@@ -42628,8 +42969,8 @@
           </p:sp>
         </mc:Fallback>
       </mc:AlternateContent>
-      <mc:AlternateContent xmlns:mc="http://schemas.openxmlformats.org/markup-compatibility/2006" xmlns:a14="http://schemas.microsoft.com/office/drawing/2010/main">
-        <mc:Choice Requires="a14">
+      <mc:AlternateContent xmlns:mc="http://schemas.openxmlformats.org/markup-compatibility/2006">
+        <mc:Choice xmlns:a14="http://schemas.microsoft.com/office/drawing/2010/main" Requires="a14">
           <p:sp>
             <p:nvSpPr>
               <p:cNvPr id="861" name="文本框 860"/>
@@ -42638,7 +42979,7 @@
             </p:nvSpPr>
             <p:spPr>
               <a:xfrm>
-                <a:off x="3892985" y="7679380"/>
+                <a:off x="4710108" y="7669652"/>
                 <a:ext cx="249492" cy="153888"/>
               </a:xfrm>
               <a:prstGeom prst="rect">
@@ -42714,7 +43055,7 @@
             </p:txBody>
           </p:sp>
         </mc:Choice>
-        <mc:Fallback xmlns="">
+        <mc:Fallback>
           <p:sp>
             <p:nvSpPr>
               <p:cNvPr id="861" name="文本框 860"/>
@@ -42725,7 +43066,7 @@
             </p:nvSpPr>
             <p:spPr>
               <a:xfrm>
-                <a:off x="3892985" y="7679380"/>
+                <a:off x="4710108" y="7669652"/>
                 <a:ext cx="249492" cy="153888"/>
               </a:xfrm>
               <a:prstGeom prst="rect">
@@ -42734,7 +43075,7 @@
               <a:blipFill rotWithShape="0">
                 <a:blip r:embed="rId3"/>
                 <a:stretch>
-                  <a:fillRect l="-12195" t="-4000" r="-12195" b="-12000"/>
+                  <a:fillRect l="-12195" r="-12195" b="-16000"/>
                 </a:stretch>
               </a:blipFill>
             </p:spPr>
@@ -42753,8 +43094,8 @@
           </p:sp>
         </mc:Fallback>
       </mc:AlternateContent>
-      <mc:AlternateContent xmlns:mc="http://schemas.openxmlformats.org/markup-compatibility/2006" xmlns:a14="http://schemas.microsoft.com/office/drawing/2010/main">
-        <mc:Choice Requires="a14">
+      <mc:AlternateContent xmlns:mc="http://schemas.openxmlformats.org/markup-compatibility/2006">
+        <mc:Choice xmlns:a14="http://schemas.microsoft.com/office/drawing/2010/main" Requires="a14">
           <p:sp>
             <p:nvSpPr>
               <p:cNvPr id="863" name="文本框 862"/>
@@ -42763,7 +43104,7 @@
             </p:nvSpPr>
             <p:spPr>
               <a:xfrm>
-                <a:off x="4014527" y="8993020"/>
+                <a:off x="4831650" y="8983292"/>
                 <a:ext cx="356188" cy="153888"/>
               </a:xfrm>
               <a:prstGeom prst="rect">
@@ -42839,7 +43180,7 @@
             </p:txBody>
           </p:sp>
         </mc:Choice>
-        <mc:Fallback xmlns="">
+        <mc:Fallback>
           <p:sp>
             <p:nvSpPr>
               <p:cNvPr id="863" name="文本框 862"/>
@@ -42850,7 +43191,7 @@
             </p:nvSpPr>
             <p:spPr>
               <a:xfrm>
-                <a:off x="4014527" y="8993020"/>
+                <a:off x="4831650" y="8983292"/>
                 <a:ext cx="356188" cy="153888"/>
               </a:xfrm>
               <a:prstGeom prst="rect">
@@ -42859,7 +43200,7 @@
               <a:blipFill rotWithShape="0">
                 <a:blip r:embed="rId4"/>
                 <a:stretch>
-                  <a:fillRect l="-8621" r="-8621" b="-16000"/>
+                  <a:fillRect l="-8621" t="-4000" r="-8621" b="-16000"/>
                 </a:stretch>
               </a:blipFill>
             </p:spPr>
@@ -42886,7 +43227,7 @@
         </p:nvGrpSpPr>
         <p:grpSpPr>
           <a:xfrm>
-            <a:off x="1643552" y="9430967"/>
+            <a:off x="2460675" y="9421239"/>
             <a:ext cx="386136" cy="335911"/>
             <a:chOff x="4205906" y="8622862"/>
             <a:chExt cx="386136" cy="335911"/>
@@ -43649,7 +43990,7 @@
         </p:nvGrpSpPr>
         <p:grpSpPr>
           <a:xfrm>
-            <a:off x="1655266" y="9797241"/>
+            <a:off x="2472389" y="9787513"/>
             <a:ext cx="386136" cy="335911"/>
             <a:chOff x="4205906" y="8622862"/>
             <a:chExt cx="386136" cy="335911"/>
@@ -44412,7 +44753,7 @@
         </p:nvSpPr>
         <p:spPr>
           <a:xfrm>
-            <a:off x="2322592" y="9084089"/>
+            <a:off x="3139715" y="9074361"/>
             <a:ext cx="45719" cy="45719"/>
           </a:xfrm>
           <a:prstGeom prst="ellipse">
@@ -44455,7 +44796,7 @@
         </p:nvSpPr>
         <p:spPr>
           <a:xfrm>
-            <a:off x="2368311" y="9182943"/>
+            <a:off x="3185434" y="9173215"/>
             <a:ext cx="45719" cy="45719"/>
           </a:xfrm>
           <a:prstGeom prst="ellipse">
@@ -44495,7 +44836,7 @@
         </p:nvSpPr>
         <p:spPr>
           <a:xfrm>
-            <a:off x="2391170" y="9281797"/>
+            <a:off x="3208293" y="9272069"/>
             <a:ext cx="45719" cy="45719"/>
           </a:xfrm>
           <a:prstGeom prst="ellipse">
@@ -44535,7 +44876,7 @@
         </p:nvSpPr>
         <p:spPr>
           <a:xfrm>
-            <a:off x="2232396" y="9182054"/>
+            <a:off x="3049519" y="9172326"/>
             <a:ext cx="45719" cy="45719"/>
           </a:xfrm>
           <a:prstGeom prst="ellipse">
@@ -44578,7 +44919,7 @@
         </p:nvSpPr>
         <p:spPr>
           <a:xfrm>
-            <a:off x="2431742" y="9374281"/>
+            <a:off x="3248865" y="9364553"/>
             <a:ext cx="45719" cy="45719"/>
           </a:xfrm>
           <a:prstGeom prst="ellipse">
@@ -44621,7 +44962,7 @@
         </p:nvCxnSpPr>
         <p:spPr>
           <a:xfrm flipH="1">
-            <a:off x="2271420" y="9123113"/>
+            <a:off x="3088543" y="9113385"/>
             <a:ext cx="57867" cy="65636"/>
           </a:xfrm>
           <a:prstGeom prst="line">
@@ -44659,7 +45000,7 @@
         </p:nvCxnSpPr>
         <p:spPr>
           <a:xfrm>
-            <a:off x="2361616" y="9123113"/>
+            <a:off x="3178739" y="9113385"/>
             <a:ext cx="29555" cy="59830"/>
           </a:xfrm>
           <a:prstGeom prst="line">
@@ -44697,7 +45038,7 @@
         </p:nvCxnSpPr>
         <p:spPr>
           <a:xfrm>
-            <a:off x="2391171" y="9228662"/>
+            <a:off x="3208294" y="9218934"/>
             <a:ext cx="6694" cy="59830"/>
           </a:xfrm>
           <a:prstGeom prst="line">
@@ -44735,7 +45076,7 @@
         </p:nvCxnSpPr>
         <p:spPr>
           <a:xfrm>
-            <a:off x="2414030" y="9327516"/>
+            <a:off x="3231153" y="9317788"/>
             <a:ext cx="40572" cy="46765"/>
           </a:xfrm>
           <a:prstGeom prst="line">
@@ -44770,7 +45111,7 @@
         </p:nvCxnSpPr>
         <p:spPr>
           <a:xfrm>
-            <a:off x="2056941" y="9243020"/>
+            <a:off x="2874064" y="9233292"/>
             <a:ext cx="129736" cy="0"/>
           </a:xfrm>
           <a:prstGeom prst="straightConnector1">
@@ -44806,7 +45147,7 @@
         </p:nvSpPr>
         <p:spPr>
           <a:xfrm>
-            <a:off x="1941403" y="9010563"/>
+            <a:off x="2758526" y="9000835"/>
             <a:ext cx="304892" cy="230832"/>
           </a:xfrm>
           <a:prstGeom prst="rect">
@@ -44836,7 +45177,7 @@
         </p:nvSpPr>
         <p:spPr>
           <a:xfrm>
-            <a:off x="2346662" y="9800336"/>
+            <a:off x="3163785" y="9790608"/>
             <a:ext cx="45719" cy="45719"/>
           </a:xfrm>
           <a:prstGeom prst="ellipse">
@@ -44879,7 +45220,7 @@
         </p:nvSpPr>
         <p:spPr>
           <a:xfrm>
-            <a:off x="2392381" y="9899190"/>
+            <a:off x="3209504" y="9889462"/>
             <a:ext cx="45719" cy="45719"/>
           </a:xfrm>
           <a:prstGeom prst="ellipse">
@@ -44919,7 +45260,7 @@
         </p:nvSpPr>
         <p:spPr>
           <a:xfrm>
-            <a:off x="2415240" y="9998044"/>
+            <a:off x="3232363" y="9988316"/>
             <a:ext cx="45719" cy="45719"/>
           </a:xfrm>
           <a:prstGeom prst="ellipse">
@@ -44959,7 +45300,7 @@
         </p:nvSpPr>
         <p:spPr>
           <a:xfrm>
-            <a:off x="2256466" y="9898301"/>
+            <a:off x="3073589" y="9888573"/>
             <a:ext cx="45719" cy="45719"/>
           </a:xfrm>
           <a:prstGeom prst="ellipse">
@@ -45002,7 +45343,7 @@
         </p:nvSpPr>
         <p:spPr>
           <a:xfrm>
-            <a:off x="2455812" y="10090528"/>
+            <a:off x="3272935" y="10080800"/>
             <a:ext cx="45719" cy="45719"/>
           </a:xfrm>
           <a:prstGeom prst="ellipse">
@@ -45045,7 +45386,7 @@
         </p:nvCxnSpPr>
         <p:spPr>
           <a:xfrm flipH="1">
-            <a:off x="2295490" y="9839360"/>
+            <a:off x="3112613" y="9829632"/>
             <a:ext cx="57867" cy="65636"/>
           </a:xfrm>
           <a:prstGeom prst="line">
@@ -45083,7 +45424,7 @@
         </p:nvCxnSpPr>
         <p:spPr>
           <a:xfrm>
-            <a:off x="2385686" y="9839360"/>
+            <a:off x="3202809" y="9829632"/>
             <a:ext cx="29555" cy="59830"/>
           </a:xfrm>
           <a:prstGeom prst="line">
@@ -45121,7 +45462,7 @@
         </p:nvCxnSpPr>
         <p:spPr>
           <a:xfrm>
-            <a:off x="2415241" y="9944909"/>
+            <a:off x="3232364" y="9935181"/>
             <a:ext cx="6694" cy="59830"/>
           </a:xfrm>
           <a:prstGeom prst="line">
@@ -45159,7 +45500,7 @@
         </p:nvCxnSpPr>
         <p:spPr>
           <a:xfrm>
-            <a:off x="2438100" y="10043763"/>
+            <a:off x="3255223" y="10034035"/>
             <a:ext cx="40572" cy="46765"/>
           </a:xfrm>
           <a:prstGeom prst="line">
@@ -45194,7 +45535,7 @@
         </p:nvCxnSpPr>
         <p:spPr>
           <a:xfrm>
-            <a:off x="2081011" y="9959267"/>
+            <a:off x="2898134" y="9949539"/>
             <a:ext cx="129736" cy="0"/>
           </a:xfrm>
           <a:prstGeom prst="straightConnector1">
@@ -45230,7 +45571,7 @@
         </p:nvSpPr>
         <p:spPr>
           <a:xfrm>
-            <a:off x="1965473" y="9765604"/>
+            <a:off x="2782596" y="9755876"/>
             <a:ext cx="304892" cy="230832"/>
           </a:xfrm>
           <a:prstGeom prst="rect">
@@ -45260,7 +45601,7 @@
         </p:nvSpPr>
         <p:spPr>
           <a:xfrm>
-            <a:off x="2767526" y="9452856"/>
+            <a:off x="3584649" y="9443128"/>
             <a:ext cx="45719" cy="45719"/>
           </a:xfrm>
           <a:prstGeom prst="ellipse">
@@ -45303,7 +45644,7 @@
         </p:nvSpPr>
         <p:spPr>
           <a:xfrm>
-            <a:off x="2813245" y="9551710"/>
+            <a:off x="3630368" y="9541982"/>
             <a:ext cx="45719" cy="45719"/>
           </a:xfrm>
           <a:prstGeom prst="ellipse">
@@ -45343,7 +45684,7 @@
         </p:nvSpPr>
         <p:spPr>
           <a:xfrm>
-            <a:off x="2836104" y="9650564"/>
+            <a:off x="3653227" y="9640836"/>
             <a:ext cx="45719" cy="45719"/>
           </a:xfrm>
           <a:prstGeom prst="ellipse">
@@ -45383,7 +45724,7 @@
         </p:nvSpPr>
         <p:spPr>
           <a:xfrm>
-            <a:off x="2677330" y="9550821"/>
+            <a:off x="3494453" y="9541093"/>
             <a:ext cx="45719" cy="45719"/>
           </a:xfrm>
           <a:prstGeom prst="ellipse">
@@ -45426,7 +45767,7 @@
         </p:nvSpPr>
         <p:spPr>
           <a:xfrm>
-            <a:off x="2876676" y="9743048"/>
+            <a:off x="3693799" y="9733320"/>
             <a:ext cx="45719" cy="45719"/>
           </a:xfrm>
           <a:prstGeom prst="ellipse">
@@ -45469,7 +45810,7 @@
         </p:nvCxnSpPr>
         <p:spPr>
           <a:xfrm flipH="1">
-            <a:off x="2716354" y="9491880"/>
+            <a:off x="3533477" y="9482152"/>
             <a:ext cx="57867" cy="65636"/>
           </a:xfrm>
           <a:prstGeom prst="line">
@@ -45507,7 +45848,7 @@
         </p:nvCxnSpPr>
         <p:spPr>
           <a:xfrm>
-            <a:off x="2806550" y="9491880"/>
+            <a:off x="3623673" y="9482152"/>
             <a:ext cx="29555" cy="59830"/>
           </a:xfrm>
           <a:prstGeom prst="line">
@@ -45545,7 +45886,7 @@
         </p:nvCxnSpPr>
         <p:spPr>
           <a:xfrm>
-            <a:off x="2836105" y="9597429"/>
+            <a:off x="3653228" y="9587701"/>
             <a:ext cx="6694" cy="59830"/>
           </a:xfrm>
           <a:prstGeom prst="line">
@@ -45583,7 +45924,7 @@
         </p:nvCxnSpPr>
         <p:spPr>
           <a:xfrm>
-            <a:off x="2858964" y="9696283"/>
+            <a:off x="3676087" y="9686555"/>
             <a:ext cx="40572" cy="46765"/>
           </a:xfrm>
           <a:prstGeom prst="line">
@@ -45618,7 +45959,7 @@
         </p:nvCxnSpPr>
         <p:spPr>
           <a:xfrm>
-            <a:off x="2477461" y="9243020"/>
+            <a:off x="3294584" y="9233292"/>
             <a:ext cx="192782" cy="223489"/>
           </a:xfrm>
           <a:prstGeom prst="straightConnector1">
@@ -45654,7 +45995,7 @@
         </p:nvCxnSpPr>
         <p:spPr>
           <a:xfrm>
-            <a:off x="2504843" y="9627504"/>
+            <a:off x="3321966" y="9617776"/>
             <a:ext cx="169353" cy="0"/>
           </a:xfrm>
           <a:prstGeom prst="straightConnector1">
@@ -45690,7 +46031,7 @@
         </p:nvCxnSpPr>
         <p:spPr>
           <a:xfrm flipV="1">
-            <a:off x="2501531" y="9758821"/>
+            <a:off x="3318654" y="9749093"/>
             <a:ext cx="214582" cy="225482"/>
           </a:xfrm>
           <a:prstGeom prst="straightConnector1">
@@ -45726,7 +46067,7 @@
         </p:nvSpPr>
         <p:spPr>
           <a:xfrm>
-            <a:off x="2485100" y="9180745"/>
+            <a:off x="3302223" y="9171017"/>
             <a:ext cx="304892" cy="230832"/>
           </a:xfrm>
           <a:prstGeom prst="rect">
@@ -45756,7 +46097,7 @@
         </p:nvSpPr>
         <p:spPr>
           <a:xfrm>
-            <a:off x="2413043" y="9419753"/>
+            <a:off x="3230166" y="9410025"/>
             <a:ext cx="304892" cy="230832"/>
           </a:xfrm>
           <a:prstGeom prst="rect">
@@ -45786,7 +46127,7 @@
         </p:nvSpPr>
         <p:spPr>
           <a:xfrm>
-            <a:off x="2495549" y="9848139"/>
+            <a:off x="3312672" y="9838411"/>
             <a:ext cx="304892" cy="230832"/>
           </a:xfrm>
           <a:prstGeom prst="rect">
@@ -45816,7 +46157,7 @@
         </p:nvGrpSpPr>
         <p:grpSpPr>
           <a:xfrm>
-            <a:off x="2789007" y="10725518"/>
+            <a:off x="3606130" y="10715790"/>
             <a:ext cx="195237" cy="335911"/>
             <a:chOff x="2299836" y="10327767"/>
             <a:chExt cx="195237" cy="335911"/>
@@ -46192,7 +46533,7 @@
         </p:nvGrpSpPr>
         <p:grpSpPr>
           <a:xfrm>
-            <a:off x="1610518" y="10990930"/>
+            <a:off x="2427641" y="10981202"/>
             <a:ext cx="386136" cy="335911"/>
             <a:chOff x="4197688" y="10514565"/>
             <a:chExt cx="386136" cy="335911"/>
@@ -46958,7 +47299,7 @@
         </p:nvCxnSpPr>
         <p:spPr>
           <a:xfrm>
-            <a:off x="1415602" y="10807709"/>
+            <a:off x="2232725" y="10797981"/>
             <a:ext cx="186702" cy="0"/>
           </a:xfrm>
           <a:prstGeom prst="straightConnector1">
@@ -46994,7 +47335,7 @@
         </p:nvCxnSpPr>
         <p:spPr>
           <a:xfrm>
-            <a:off x="1411892" y="11123193"/>
+            <a:off x="2229015" y="11113465"/>
             <a:ext cx="186702" cy="0"/>
           </a:xfrm>
           <a:prstGeom prst="straightConnector1">
@@ -47030,7 +47371,7 @@
         </p:nvGrpSpPr>
         <p:grpSpPr>
           <a:xfrm>
-            <a:off x="2279904" y="10975096"/>
+            <a:off x="3097027" y="10965368"/>
             <a:ext cx="195237" cy="335911"/>
             <a:chOff x="2299836" y="10327767"/>
             <a:chExt cx="195237" cy="335911"/>
@@ -47406,7 +47747,7 @@
         </p:nvCxnSpPr>
         <p:spPr>
           <a:xfrm>
-            <a:off x="2073804" y="11141429"/>
+            <a:off x="2890927" y="11131701"/>
             <a:ext cx="161090" cy="0"/>
           </a:xfrm>
           <a:prstGeom prst="straightConnector1">
@@ -47442,7 +47783,7 @@
         </p:nvSpPr>
         <p:spPr>
           <a:xfrm>
-            <a:off x="1984107" y="10954209"/>
+            <a:off x="2801230" y="10944481"/>
             <a:ext cx="304892" cy="230832"/>
           </a:xfrm>
           <a:prstGeom prst="rect">
@@ -47472,7 +47813,7 @@
         </p:nvCxnSpPr>
         <p:spPr>
           <a:xfrm>
-            <a:off x="2472981" y="10787875"/>
+            <a:off x="3290104" y="10778147"/>
             <a:ext cx="284708" cy="106595"/>
           </a:xfrm>
           <a:prstGeom prst="straightConnector1">
@@ -47508,7 +47849,7 @@
         </p:nvCxnSpPr>
         <p:spPr>
           <a:xfrm flipV="1">
-            <a:off x="2526300" y="11085805"/>
+            <a:off x="3343423" y="11076077"/>
             <a:ext cx="295791" cy="204092"/>
           </a:xfrm>
           <a:prstGeom prst="straightConnector1">
@@ -47544,7 +47885,7 @@
         </p:nvSpPr>
         <p:spPr>
           <a:xfrm>
-            <a:off x="2453818" y="10621022"/>
+            <a:off x="3270941" y="10611294"/>
             <a:ext cx="304892" cy="230832"/>
           </a:xfrm>
           <a:prstGeom prst="rect">
@@ -47566,8 +47907,8 @@
           </a:p>
         </p:txBody>
       </p:sp>
-      <mc:AlternateContent xmlns:mc="http://schemas.openxmlformats.org/markup-compatibility/2006" xmlns:a14="http://schemas.microsoft.com/office/drawing/2010/main">
-        <mc:Choice Requires="a14">
+      <mc:AlternateContent xmlns:mc="http://schemas.openxmlformats.org/markup-compatibility/2006">
+        <mc:Choice xmlns:a14="http://schemas.microsoft.com/office/drawing/2010/main" Requires="a14">
           <p:sp>
             <p:nvSpPr>
               <p:cNvPr id="1004" name="文本框 1003"/>
@@ -47576,7 +47917,7 @@
             </p:nvSpPr>
             <p:spPr>
               <a:xfrm>
-                <a:off x="3467097" y="10547767"/>
+                <a:off x="4284220" y="10538039"/>
                 <a:ext cx="284052" cy="153888"/>
               </a:xfrm>
               <a:prstGeom prst="rect">
@@ -47652,7 +47993,7 @@
             </p:txBody>
           </p:sp>
         </mc:Choice>
-        <mc:Fallback xmlns="">
+        <mc:Fallback>
           <p:sp>
             <p:nvSpPr>
               <p:cNvPr id="1004" name="文本框 1003"/>
@@ -47663,16 +48004,16 @@
             </p:nvSpPr>
             <p:spPr>
               <a:xfrm>
-                <a:off x="3467097" y="10547767"/>
+                <a:off x="4284220" y="10538039"/>
                 <a:ext cx="284052" cy="153888"/>
               </a:xfrm>
               <a:prstGeom prst="rect">
                 <a:avLst/>
               </a:prstGeom>
               <a:blipFill rotWithShape="0">
-                <a:blip r:embed="rId6"/>
+                <a:blip r:embed="rId5"/>
                 <a:stretch>
-                  <a:fillRect l="-13043" r="-10870" b="-11538"/>
+                  <a:fillRect l="-13043" t="-4000" r="-10870" b="-16000"/>
                 </a:stretch>
               </a:blipFill>
             </p:spPr>
@@ -47699,7 +48040,7 @@
         </p:nvGrpSpPr>
         <p:grpSpPr>
           <a:xfrm>
-            <a:off x="1005363" y="10207089"/>
+            <a:off x="1822486" y="10197361"/>
             <a:ext cx="386136" cy="335911"/>
             <a:chOff x="4197688" y="10514565"/>
             <a:chExt cx="386136" cy="335911"/>
@@ -48465,7 +48806,7 @@
         </p:nvGrpSpPr>
         <p:grpSpPr>
           <a:xfrm>
-            <a:off x="2246934" y="10221940"/>
+            <a:off x="3064057" y="10212212"/>
             <a:ext cx="195237" cy="335911"/>
             <a:chOff x="2299836" y="10327767"/>
             <a:chExt cx="195237" cy="335911"/>
@@ -48841,7 +49182,7 @@
         </p:nvCxnSpPr>
         <p:spPr>
           <a:xfrm flipV="1">
-            <a:off x="1444152" y="10388273"/>
+            <a:off x="2261275" y="10378545"/>
             <a:ext cx="757772" cy="9108"/>
           </a:xfrm>
           <a:prstGeom prst="straightConnector1">
@@ -48877,7 +49218,7 @@
         </p:nvSpPr>
         <p:spPr>
           <a:xfrm>
-            <a:off x="1601898" y="10207050"/>
+            <a:off x="2419021" y="10197322"/>
             <a:ext cx="304892" cy="230832"/>
           </a:xfrm>
           <a:prstGeom prst="rect">
@@ -48907,7 +49248,7 @@
         </p:nvCxnSpPr>
         <p:spPr>
           <a:xfrm>
-            <a:off x="2464281" y="10402940"/>
+            <a:off x="3281404" y="10393212"/>
             <a:ext cx="347385" cy="261023"/>
           </a:xfrm>
           <a:prstGeom prst="straightConnector1">
@@ -48943,7 +49284,7 @@
         </p:nvSpPr>
         <p:spPr>
           <a:xfrm>
-            <a:off x="2522938" y="10326565"/>
+            <a:off x="3340061" y="10316837"/>
             <a:ext cx="304892" cy="230832"/>
           </a:xfrm>
           <a:prstGeom prst="rect">
@@ -48965,8 +49306,8 @@
           </a:p>
         </p:txBody>
       </p:sp>
-      <mc:AlternateContent xmlns:mc="http://schemas.openxmlformats.org/markup-compatibility/2006" xmlns:a14="http://schemas.microsoft.com/office/drawing/2010/main">
-        <mc:Choice Requires="a14">
+      <mc:AlternateContent xmlns:mc="http://schemas.openxmlformats.org/markup-compatibility/2006">
+        <mc:Choice xmlns:a14="http://schemas.microsoft.com/office/drawing/2010/main" Requires="a14">
           <p:sp>
             <p:nvSpPr>
               <p:cNvPr id="1042" name="文本框 1041"/>
@@ -48975,7 +49316,7 @@
             </p:nvSpPr>
             <p:spPr>
               <a:xfrm>
-                <a:off x="3470993" y="7720755"/>
+                <a:off x="4288116" y="7711027"/>
                 <a:ext cx="215828" cy="153888"/>
               </a:xfrm>
               <a:prstGeom prst="rect">
@@ -49051,7 +49392,7 @@
             </p:txBody>
           </p:sp>
         </mc:Choice>
-        <mc:Fallback xmlns="">
+        <mc:Fallback>
           <p:sp>
             <p:nvSpPr>
               <p:cNvPr id="1042" name="文本框 1041"/>
@@ -49062,14 +49403,14 @@
             </p:nvSpPr>
             <p:spPr>
               <a:xfrm>
-                <a:off x="3470993" y="7720755"/>
+                <a:off x="4288116" y="7711027"/>
                 <a:ext cx="215828" cy="153888"/>
               </a:xfrm>
               <a:prstGeom prst="rect">
                 <a:avLst/>
               </a:prstGeom>
               <a:blipFill rotWithShape="0">
-                <a:blip r:embed="rId7"/>
+                <a:blip r:embed="rId6"/>
                 <a:stretch>
                   <a:fillRect l="-13889" t="-4000" r="-13889" b="-12000"/>
                 </a:stretch>
@@ -49090,8 +49431,8 @@
           </p:sp>
         </mc:Fallback>
       </mc:AlternateContent>
-      <mc:AlternateContent xmlns:mc="http://schemas.openxmlformats.org/markup-compatibility/2006" xmlns:a14="http://schemas.microsoft.com/office/drawing/2010/main">
-        <mc:Choice Requires="a14">
+      <mc:AlternateContent xmlns:mc="http://schemas.openxmlformats.org/markup-compatibility/2006">
+        <mc:Choice xmlns:a14="http://schemas.microsoft.com/office/drawing/2010/main" Requires="a14">
           <p:sp>
             <p:nvSpPr>
               <p:cNvPr id="1043" name="文本框 1042"/>
@@ -49100,7 +49441,7 @@
             </p:nvSpPr>
             <p:spPr>
               <a:xfrm>
-                <a:off x="2615335" y="7720591"/>
+                <a:off x="3432458" y="7710863"/>
                 <a:ext cx="182166" cy="153888"/>
               </a:xfrm>
               <a:prstGeom prst="rect">
@@ -49167,7 +49508,7 @@
             </p:txBody>
           </p:sp>
         </mc:Choice>
-        <mc:Fallback xmlns="">
+        <mc:Fallback>
           <p:sp>
             <p:nvSpPr>
               <p:cNvPr id="1043" name="文本框 1042"/>
@@ -49178,14 +49519,14 @@
             </p:nvSpPr>
             <p:spPr>
               <a:xfrm>
-                <a:off x="2615335" y="7720591"/>
+                <a:off x="3432458" y="7710863"/>
                 <a:ext cx="182166" cy="153888"/>
               </a:xfrm>
               <a:prstGeom prst="rect">
                 <a:avLst/>
               </a:prstGeom>
               <a:blipFill rotWithShape="0">
-                <a:blip r:embed="rId8"/>
+                <a:blip r:embed="rId7"/>
                 <a:stretch>
                   <a:fillRect l="-16667" b="-12000"/>
                 </a:stretch>
@@ -49206,8 +49547,8 @@
           </p:sp>
         </mc:Fallback>
       </mc:AlternateContent>
-      <mc:AlternateContent xmlns:mc="http://schemas.openxmlformats.org/markup-compatibility/2006" xmlns:a14="http://schemas.microsoft.com/office/drawing/2010/main">
-        <mc:Choice Requires="a14">
+      <mc:AlternateContent xmlns:mc="http://schemas.openxmlformats.org/markup-compatibility/2006">
+        <mc:Choice xmlns:a14="http://schemas.microsoft.com/office/drawing/2010/main" Requires="a14">
           <p:sp>
             <p:nvSpPr>
               <p:cNvPr id="1044" name="文本框 1043"/>
@@ -49216,7 +49557,7 @@
             </p:nvSpPr>
             <p:spPr>
               <a:xfrm>
-                <a:off x="1828347" y="7133872"/>
+                <a:off x="2645470" y="7124144"/>
                 <a:ext cx="311752" cy="153888"/>
               </a:xfrm>
               <a:prstGeom prst="rect">
@@ -49292,7 +49633,7 @@
             </p:txBody>
           </p:sp>
         </mc:Choice>
-        <mc:Fallback xmlns="">
+        <mc:Fallback>
           <p:sp>
             <p:nvSpPr>
               <p:cNvPr id="1044" name="文本框 1043"/>
@@ -49303,16 +49644,16 @@
             </p:nvSpPr>
             <p:spPr>
               <a:xfrm>
-                <a:off x="1828347" y="7133872"/>
+                <a:off x="2645470" y="7124144"/>
                 <a:ext cx="311752" cy="153888"/>
               </a:xfrm>
               <a:prstGeom prst="rect">
                 <a:avLst/>
               </a:prstGeom>
               <a:blipFill rotWithShape="0">
-                <a:blip r:embed="rId9"/>
+                <a:blip r:embed="rId8"/>
                 <a:stretch>
-                  <a:fillRect l="-9804" r="-9804" b="-16000"/>
+                  <a:fillRect l="-9804" t="-4000" r="-9804" b="-12000"/>
                 </a:stretch>
               </a:blipFill>
             </p:spPr>
@@ -49331,8 +49672,8 @@
           </p:sp>
         </mc:Fallback>
       </mc:AlternateContent>
-      <mc:AlternateContent xmlns:mc="http://schemas.openxmlformats.org/markup-compatibility/2006" xmlns:a14="http://schemas.microsoft.com/office/drawing/2010/main">
-        <mc:Choice Requires="a14">
+      <mc:AlternateContent xmlns:mc="http://schemas.openxmlformats.org/markup-compatibility/2006">
+        <mc:Choice xmlns:a14="http://schemas.microsoft.com/office/drawing/2010/main" Requires="a14">
           <p:sp>
             <p:nvSpPr>
               <p:cNvPr id="1045" name="文本框 1044"/>
@@ -49341,7 +49682,7 @@
             </p:nvSpPr>
             <p:spPr>
               <a:xfrm>
-                <a:off x="1811987" y="7495478"/>
+                <a:off x="2629110" y="7485750"/>
                 <a:ext cx="231602" cy="153888"/>
               </a:xfrm>
               <a:prstGeom prst="rect">
@@ -49410,7 +49751,7 @@
             </p:txBody>
           </p:sp>
         </mc:Choice>
-        <mc:Fallback xmlns="">
+        <mc:Fallback>
           <p:sp>
             <p:nvSpPr>
               <p:cNvPr id="1045" name="文本框 1044"/>
@@ -49421,14 +49762,14 @@
             </p:nvSpPr>
             <p:spPr>
               <a:xfrm>
-                <a:off x="1811987" y="7495478"/>
+                <a:off x="2629110" y="7485750"/>
                 <a:ext cx="231602" cy="153888"/>
               </a:xfrm>
               <a:prstGeom prst="rect">
                 <a:avLst/>
               </a:prstGeom>
               <a:blipFill rotWithShape="0">
-                <a:blip r:embed="rId10"/>
+                <a:blip r:embed="rId9"/>
                 <a:stretch>
                   <a:fillRect l="-18421" t="-24000" r="-31579" b="-56000"/>
                 </a:stretch>
@@ -49449,8 +49790,8 @@
           </p:sp>
         </mc:Fallback>
       </mc:AlternateContent>
-      <mc:AlternateContent xmlns:mc="http://schemas.openxmlformats.org/markup-compatibility/2006" xmlns:a14="http://schemas.microsoft.com/office/drawing/2010/main">
-        <mc:Choice Requires="a14">
+      <mc:AlternateContent xmlns:mc="http://schemas.openxmlformats.org/markup-compatibility/2006">
+        <mc:Choice xmlns:a14="http://schemas.microsoft.com/office/drawing/2010/main" Requires="a14">
           <p:sp>
             <p:nvSpPr>
               <p:cNvPr id="1046" name="文本框 1045"/>
@@ -49459,7 +49800,7 @@
             </p:nvSpPr>
             <p:spPr>
               <a:xfrm>
-                <a:off x="1830128" y="7876348"/>
+                <a:off x="2647251" y="7866620"/>
                 <a:ext cx="235834" cy="153888"/>
               </a:xfrm>
               <a:prstGeom prst="rect">
@@ -49528,7 +49869,7 @@
             </p:txBody>
           </p:sp>
         </mc:Choice>
-        <mc:Fallback xmlns="">
+        <mc:Fallback>
           <p:sp>
             <p:nvSpPr>
               <p:cNvPr id="1046" name="文本框 1045"/>
@@ -49539,16 +49880,16 @@
             </p:nvSpPr>
             <p:spPr>
               <a:xfrm>
-                <a:off x="1830128" y="7876348"/>
+                <a:off x="2647251" y="7866620"/>
                 <a:ext cx="235834" cy="153888"/>
               </a:xfrm>
               <a:prstGeom prst="rect">
                 <a:avLst/>
               </a:prstGeom>
               <a:blipFill rotWithShape="0">
-                <a:blip r:embed="rId11"/>
+                <a:blip r:embed="rId10"/>
                 <a:stretch>
-                  <a:fillRect l="-17949" t="-24000" r="-30769" b="-56000"/>
+                  <a:fillRect l="-17949" t="-19231" r="-30769" b="-50000"/>
                 </a:stretch>
               </a:blipFill>
             </p:spPr>
@@ -49567,8 +49908,8 @@
           </p:sp>
         </mc:Fallback>
       </mc:AlternateContent>
-      <mc:AlternateContent xmlns:mc="http://schemas.openxmlformats.org/markup-compatibility/2006" xmlns:a14="http://schemas.microsoft.com/office/drawing/2010/main">
-        <mc:Choice Requires="a14">
+      <mc:AlternateContent xmlns:mc="http://schemas.openxmlformats.org/markup-compatibility/2006">
+        <mc:Choice xmlns:a14="http://schemas.microsoft.com/office/drawing/2010/main" Requires="a14">
           <p:sp>
             <p:nvSpPr>
               <p:cNvPr id="1048" name="文本框 1047"/>
@@ -49577,7 +49918,7 @@
             </p:nvSpPr>
             <p:spPr>
               <a:xfrm>
-                <a:off x="1840083" y="8252501"/>
+                <a:off x="2657206" y="8242773"/>
                 <a:ext cx="324128" cy="153888"/>
               </a:xfrm>
               <a:prstGeom prst="rect">
@@ -49653,7 +49994,7 @@
             </p:txBody>
           </p:sp>
         </mc:Choice>
-        <mc:Fallback xmlns="">
+        <mc:Fallback>
           <p:sp>
             <p:nvSpPr>
               <p:cNvPr id="1048" name="文本框 1047"/>
@@ -49664,16 +50005,16 @@
             </p:nvSpPr>
             <p:spPr>
               <a:xfrm>
-                <a:off x="1840083" y="8252501"/>
+                <a:off x="2657206" y="8242773"/>
                 <a:ext cx="324128" cy="153888"/>
               </a:xfrm>
               <a:prstGeom prst="rect">
                 <a:avLst/>
               </a:prstGeom>
               <a:blipFill rotWithShape="0">
-                <a:blip r:embed="rId12"/>
+                <a:blip r:embed="rId11"/>
                 <a:stretch>
-                  <a:fillRect l="-9434" t="-4000" r="-9434" b="-16000"/>
+                  <a:fillRect l="-9434" r="-9434" b="-20000"/>
                 </a:stretch>
               </a:blipFill>
             </p:spPr>
@@ -49692,8 +50033,8 @@
           </p:sp>
         </mc:Fallback>
       </mc:AlternateContent>
-      <mc:AlternateContent xmlns:mc="http://schemas.openxmlformats.org/markup-compatibility/2006" xmlns:a14="http://schemas.microsoft.com/office/drawing/2010/main">
-        <mc:Choice Requires="a14">
+      <mc:AlternateContent xmlns:mc="http://schemas.openxmlformats.org/markup-compatibility/2006">
+        <mc:Choice xmlns:a14="http://schemas.microsoft.com/office/drawing/2010/main" Requires="a14">
           <p:sp>
             <p:nvSpPr>
               <p:cNvPr id="1049" name="文本框 1048"/>
@@ -49702,7 +50043,7 @@
             </p:nvSpPr>
             <p:spPr>
               <a:xfrm>
-                <a:off x="1329282" y="8638718"/>
+                <a:off x="2146405" y="8628990"/>
                 <a:ext cx="208710" cy="153888"/>
               </a:xfrm>
               <a:prstGeom prst="rect">
@@ -49769,7 +50110,7 @@
             </p:txBody>
           </p:sp>
         </mc:Choice>
-        <mc:Fallback xmlns="">
+        <mc:Fallback>
           <p:sp>
             <p:nvSpPr>
               <p:cNvPr id="1049" name="文本框 1048"/>
@@ -49780,14 +50121,14 @@
             </p:nvSpPr>
             <p:spPr>
               <a:xfrm>
-                <a:off x="1329282" y="8638718"/>
+                <a:off x="2146405" y="8628990"/>
                 <a:ext cx="208710" cy="153888"/>
               </a:xfrm>
               <a:prstGeom prst="rect">
                 <a:avLst/>
               </a:prstGeom>
               <a:blipFill rotWithShape="0">
-                <a:blip r:embed="rId13"/>
+                <a:blip r:embed="rId12"/>
                 <a:stretch>
                   <a:fillRect l="-14706" r="-2941" b="-16000"/>
                 </a:stretch>
@@ -49808,8 +50149,8 @@
           </p:sp>
         </mc:Fallback>
       </mc:AlternateContent>
-      <mc:AlternateContent xmlns:mc="http://schemas.openxmlformats.org/markup-compatibility/2006" xmlns:a14="http://schemas.microsoft.com/office/drawing/2010/main">
-        <mc:Choice Requires="a14">
+      <mc:AlternateContent xmlns:mc="http://schemas.openxmlformats.org/markup-compatibility/2006">
+        <mc:Choice xmlns:a14="http://schemas.microsoft.com/office/drawing/2010/main" Requires="a14">
           <p:sp>
             <p:nvSpPr>
               <p:cNvPr id="1050" name="文本框 1049"/>
@@ -49818,7 +50159,7 @@
             </p:nvSpPr>
             <p:spPr>
               <a:xfrm>
-                <a:off x="1293593" y="8211616"/>
+                <a:off x="2110716" y="8201888"/>
                 <a:ext cx="290464" cy="153888"/>
               </a:xfrm>
               <a:prstGeom prst="rect">
@@ -49885,7 +50226,7 @@
             </p:txBody>
           </p:sp>
         </mc:Choice>
-        <mc:Fallback xmlns="">
+        <mc:Fallback>
           <p:sp>
             <p:nvSpPr>
               <p:cNvPr id="1050" name="文本框 1049"/>
@@ -49896,16 +50237,16 @@
             </p:nvSpPr>
             <p:spPr>
               <a:xfrm>
-                <a:off x="1293593" y="8211616"/>
+                <a:off x="2110716" y="8201888"/>
                 <a:ext cx="290464" cy="153888"/>
               </a:xfrm>
               <a:prstGeom prst="rect">
                 <a:avLst/>
               </a:prstGeom>
               <a:blipFill rotWithShape="0">
-                <a:blip r:embed="rId14"/>
+                <a:blip r:embed="rId13"/>
                 <a:stretch>
-                  <a:fillRect l="-10417" r="-2083" b="-20000"/>
+                  <a:fillRect l="-10417" r="-2083" b="-15385"/>
                 </a:stretch>
               </a:blipFill>
             </p:spPr>
@@ -49924,8 +50265,8 @@
           </p:sp>
         </mc:Fallback>
       </mc:AlternateContent>
-      <mc:AlternateContent xmlns:mc="http://schemas.openxmlformats.org/markup-compatibility/2006" xmlns:a14="http://schemas.microsoft.com/office/drawing/2010/main">
-        <mc:Choice Requires="a14">
+      <mc:AlternateContent xmlns:mc="http://schemas.openxmlformats.org/markup-compatibility/2006">
+        <mc:Choice xmlns:a14="http://schemas.microsoft.com/office/drawing/2010/main" Requires="a14">
           <p:sp>
             <p:nvSpPr>
               <p:cNvPr id="1051" name="文本框 1050"/>
@@ -49934,7 +50275,7 @@
             </p:nvSpPr>
             <p:spPr>
               <a:xfrm>
-                <a:off x="1289752" y="7812225"/>
+                <a:off x="2106875" y="7802497"/>
                 <a:ext cx="232628" cy="153888"/>
               </a:xfrm>
               <a:prstGeom prst="rect">
@@ -50001,7 +50342,7 @@
             </p:txBody>
           </p:sp>
         </mc:Choice>
-        <mc:Fallback xmlns="">
+        <mc:Fallback>
           <p:sp>
             <p:nvSpPr>
               <p:cNvPr id="1051" name="文本框 1050"/>
@@ -50012,14 +50353,14 @@
             </p:nvSpPr>
             <p:spPr>
               <a:xfrm>
-                <a:off x="1289752" y="7812225"/>
+                <a:off x="2106875" y="7802497"/>
                 <a:ext cx="232628" cy="153888"/>
               </a:xfrm>
               <a:prstGeom prst="rect">
                 <a:avLst/>
               </a:prstGeom>
               <a:blipFill rotWithShape="0">
-                <a:blip r:embed="rId15"/>
+                <a:blip r:embed="rId14"/>
                 <a:stretch>
                   <a:fillRect l="-15789" b="-12000"/>
                 </a:stretch>
@@ -50040,8 +50381,8 @@
           </p:sp>
         </mc:Fallback>
       </mc:AlternateContent>
-      <mc:AlternateContent xmlns:mc="http://schemas.openxmlformats.org/markup-compatibility/2006" xmlns:a14="http://schemas.microsoft.com/office/drawing/2010/main">
-        <mc:Choice Requires="a14">
+      <mc:AlternateContent xmlns:mc="http://schemas.openxmlformats.org/markup-compatibility/2006">
+        <mc:Choice xmlns:a14="http://schemas.microsoft.com/office/drawing/2010/main" Requires="a14">
           <p:sp>
             <p:nvSpPr>
               <p:cNvPr id="1052" name="文本框 1051"/>
@@ -50050,7 +50391,7 @@
             </p:nvSpPr>
             <p:spPr>
               <a:xfrm>
-                <a:off x="1293984" y="7437027"/>
+                <a:off x="2111107" y="7427299"/>
                 <a:ext cx="228396" cy="153888"/>
               </a:xfrm>
               <a:prstGeom prst="rect">
@@ -50117,7 +50458,7 @@
             </p:txBody>
           </p:sp>
         </mc:Choice>
-        <mc:Fallback xmlns="">
+        <mc:Fallback>
           <p:sp>
             <p:nvSpPr>
               <p:cNvPr id="1052" name="文本框 1051"/>
@@ -50128,16 +50469,16 @@
             </p:nvSpPr>
             <p:spPr>
               <a:xfrm>
-                <a:off x="1293984" y="7437027"/>
+                <a:off x="2111107" y="7427299"/>
                 <a:ext cx="228396" cy="153888"/>
               </a:xfrm>
               <a:prstGeom prst="rect">
                 <a:avLst/>
               </a:prstGeom>
               <a:blipFill rotWithShape="0">
-                <a:blip r:embed="rId16"/>
+                <a:blip r:embed="rId15"/>
                 <a:stretch>
-                  <a:fillRect l="-13158" r="-2632" b="-16000"/>
+                  <a:fillRect l="-13158" r="-2632" b="-15385"/>
                 </a:stretch>
               </a:blipFill>
             </p:spPr>
@@ -50156,8 +50497,8 @@
           </p:sp>
         </mc:Fallback>
       </mc:AlternateContent>
-      <mc:AlternateContent xmlns:mc="http://schemas.openxmlformats.org/markup-compatibility/2006" xmlns:a14="http://schemas.microsoft.com/office/drawing/2010/main">
-        <mc:Choice Requires="a14">
+      <mc:AlternateContent xmlns:mc="http://schemas.openxmlformats.org/markup-compatibility/2006">
+        <mc:Choice xmlns:a14="http://schemas.microsoft.com/office/drawing/2010/main" Requires="a14">
           <p:sp>
             <p:nvSpPr>
               <p:cNvPr id="1053" name="文本框 1052"/>
@@ -50166,7 +50507,7 @@
             </p:nvSpPr>
             <p:spPr>
               <a:xfrm>
-                <a:off x="1265482" y="7031132"/>
+                <a:off x="2082605" y="7021404"/>
                 <a:ext cx="278089" cy="153888"/>
               </a:xfrm>
               <a:prstGeom prst="rect">
@@ -50233,7 +50574,7 @@
             </p:txBody>
           </p:sp>
         </mc:Choice>
-        <mc:Fallback xmlns="">
+        <mc:Fallback>
           <p:sp>
             <p:nvSpPr>
               <p:cNvPr id="1053" name="文本框 1052"/>
@@ -50244,16 +50585,16 @@
             </p:nvSpPr>
             <p:spPr>
               <a:xfrm>
-                <a:off x="1265482" y="7031132"/>
+                <a:off x="2082605" y="7021404"/>
                 <a:ext cx="278089" cy="153888"/>
               </a:xfrm>
               <a:prstGeom prst="rect">
                 <a:avLst/>
               </a:prstGeom>
               <a:blipFill rotWithShape="0">
-                <a:blip r:embed="rId17"/>
+                <a:blip r:embed="rId16"/>
                 <a:stretch>
-                  <a:fillRect l="-11111" r="-2222" b="-7692"/>
+                  <a:fillRect l="-11111" r="-2222" b="-12000"/>
                 </a:stretch>
               </a:blipFill>
             </p:spPr>
@@ -50272,8 +50613,8 @@
           </p:sp>
         </mc:Fallback>
       </mc:AlternateContent>
-      <mc:AlternateContent xmlns:mc="http://schemas.openxmlformats.org/markup-compatibility/2006" xmlns:a14="http://schemas.microsoft.com/office/drawing/2010/main">
-        <mc:Choice Requires="a14">
+      <mc:AlternateContent xmlns:mc="http://schemas.openxmlformats.org/markup-compatibility/2006">
+        <mc:Choice xmlns:a14="http://schemas.microsoft.com/office/drawing/2010/main" Requires="a14">
           <p:sp>
             <p:nvSpPr>
               <p:cNvPr id="1054" name="文本框 1053"/>
@@ -50282,7 +50623,7 @@
             </p:nvSpPr>
             <p:spPr>
               <a:xfrm>
-                <a:off x="3115855" y="8609415"/>
+                <a:off x="3932978" y="8599687"/>
                 <a:ext cx="242374" cy="153888"/>
               </a:xfrm>
               <a:prstGeom prst="rect">
@@ -50358,7 +50699,7 @@
             </p:txBody>
           </p:sp>
         </mc:Choice>
-        <mc:Fallback xmlns="">
+        <mc:Fallback>
           <p:sp>
             <p:nvSpPr>
               <p:cNvPr id="1054" name="文本框 1053"/>
@@ -50369,16 +50710,16 @@
             </p:nvSpPr>
             <p:spPr>
               <a:xfrm>
-                <a:off x="3115855" y="8609415"/>
+                <a:off x="3932978" y="8599687"/>
                 <a:ext cx="242374" cy="153888"/>
               </a:xfrm>
               <a:prstGeom prst="rect">
                 <a:avLst/>
               </a:prstGeom>
               <a:blipFill rotWithShape="0">
-                <a:blip r:embed="rId18"/>
+                <a:blip r:embed="rId17"/>
                 <a:stretch>
-                  <a:fillRect l="-12500" r="-15000" b="-11538"/>
+                  <a:fillRect l="-12500" t="-4000" r="-15000" b="-16000"/>
                 </a:stretch>
               </a:blipFill>
             </p:spPr>
@@ -50397,8 +50738,8 @@
           </p:sp>
         </mc:Fallback>
       </mc:AlternateContent>
-      <mc:AlternateContent xmlns:mc="http://schemas.openxmlformats.org/markup-compatibility/2006" xmlns:a14="http://schemas.microsoft.com/office/drawing/2010/main">
-        <mc:Choice Requires="a14">
+      <mc:AlternateContent xmlns:mc="http://schemas.openxmlformats.org/markup-compatibility/2006">
+        <mc:Choice xmlns:a14="http://schemas.microsoft.com/office/drawing/2010/main" Requires="a14">
           <p:sp>
             <p:nvSpPr>
               <p:cNvPr id="1055" name="文本框 1054"/>
@@ -50407,7 +50748,7 @@
             </p:nvSpPr>
             <p:spPr>
               <a:xfrm>
-                <a:off x="3370114" y="8982612"/>
+                <a:off x="4187237" y="8972884"/>
                 <a:ext cx="288862" cy="153888"/>
               </a:xfrm>
               <a:prstGeom prst="rect">
@@ -50483,7 +50824,7 @@
             </p:txBody>
           </p:sp>
         </mc:Choice>
-        <mc:Fallback xmlns="">
+        <mc:Fallback>
           <p:sp>
             <p:nvSpPr>
               <p:cNvPr id="1055" name="文本框 1054"/>
@@ -50494,14 +50835,14 @@
             </p:nvSpPr>
             <p:spPr>
               <a:xfrm>
-                <a:off x="3370114" y="8982612"/>
+                <a:off x="4187237" y="8972884"/>
                 <a:ext cx="288862" cy="153888"/>
               </a:xfrm>
               <a:prstGeom prst="rect">
                 <a:avLst/>
               </a:prstGeom>
               <a:blipFill rotWithShape="0">
-                <a:blip r:embed="rId19"/>
+                <a:blip r:embed="rId18"/>
                 <a:stretch>
                   <a:fillRect l="-12766" t="-4000" r="-10638" b="-16000"/>
                 </a:stretch>
@@ -50522,8 +50863,8 @@
           </p:sp>
         </mc:Fallback>
       </mc:AlternateContent>
-      <mc:AlternateContent xmlns:mc="http://schemas.openxmlformats.org/markup-compatibility/2006" xmlns:a14="http://schemas.microsoft.com/office/drawing/2010/main">
-        <mc:Choice Requires="a14">
+      <mc:AlternateContent xmlns:mc="http://schemas.openxmlformats.org/markup-compatibility/2006">
+        <mc:Choice xmlns:a14="http://schemas.microsoft.com/office/drawing/2010/main" Requires="a14">
           <p:sp>
             <p:nvSpPr>
               <p:cNvPr id="1056" name="文本框 1055"/>
@@ -50532,7 +50873,7 @@
             </p:nvSpPr>
             <p:spPr>
               <a:xfrm>
-                <a:off x="3669178" y="8985313"/>
+                <a:off x="4486301" y="8975585"/>
                 <a:ext cx="322524" cy="153888"/>
               </a:xfrm>
               <a:prstGeom prst="rect">
@@ -50608,7 +50949,7 @@
             </p:txBody>
           </p:sp>
         </mc:Choice>
-        <mc:Fallback xmlns="">
+        <mc:Fallback>
           <p:sp>
             <p:nvSpPr>
               <p:cNvPr id="1056" name="文本框 1055"/>
@@ -50619,16 +50960,16 @@
             </p:nvSpPr>
             <p:spPr>
               <a:xfrm>
-                <a:off x="3669178" y="8985313"/>
+                <a:off x="4486301" y="8975585"/>
                 <a:ext cx="322524" cy="153888"/>
               </a:xfrm>
               <a:prstGeom prst="rect">
                 <a:avLst/>
               </a:prstGeom>
               <a:blipFill rotWithShape="0">
-                <a:blip r:embed="rId20"/>
+                <a:blip r:embed="rId19"/>
                 <a:stretch>
-                  <a:fillRect l="-9434" t="-4000" r="-7547" b="-16000"/>
+                  <a:fillRect l="-9434" r="-7547" b="-11538"/>
                 </a:stretch>
               </a:blipFill>
             </p:spPr>
@@ -50647,8 +50988,8 @@
           </p:sp>
         </mc:Fallback>
       </mc:AlternateContent>
-      <mc:AlternateContent xmlns:mc="http://schemas.openxmlformats.org/markup-compatibility/2006" xmlns:a14="http://schemas.microsoft.com/office/drawing/2010/main">
-        <mc:Choice Requires="a14">
+      <mc:AlternateContent xmlns:mc="http://schemas.openxmlformats.org/markup-compatibility/2006">
+        <mc:Choice xmlns:a14="http://schemas.microsoft.com/office/drawing/2010/main" Requires="a14">
           <p:sp>
             <p:nvSpPr>
               <p:cNvPr id="1057" name="文本框 1056"/>
@@ -50657,7 +50998,7 @@
             </p:nvSpPr>
             <p:spPr>
               <a:xfrm>
-                <a:off x="3081668" y="9270915"/>
+                <a:off x="3898791" y="9261187"/>
                 <a:ext cx="255198" cy="153888"/>
               </a:xfrm>
               <a:prstGeom prst="rect">
@@ -50733,7 +51074,7 @@
             </p:txBody>
           </p:sp>
         </mc:Choice>
-        <mc:Fallback xmlns="">
+        <mc:Fallback>
           <p:sp>
             <p:nvSpPr>
               <p:cNvPr id="1057" name="文本框 1056"/>
@@ -50744,16 +51085,16 @@
             </p:nvSpPr>
             <p:spPr>
               <a:xfrm>
-                <a:off x="3081668" y="9270915"/>
+                <a:off x="3898791" y="9261187"/>
                 <a:ext cx="255198" cy="153888"/>
               </a:xfrm>
               <a:prstGeom prst="rect">
                 <a:avLst/>
               </a:prstGeom>
               <a:blipFill rotWithShape="0">
-                <a:blip r:embed="rId21"/>
+                <a:blip r:embed="rId20"/>
                 <a:stretch>
-                  <a:fillRect l="-14634" t="-4000" r="-14634" b="-16000"/>
+                  <a:fillRect l="-14634" r="-14634" b="-16000"/>
                 </a:stretch>
               </a:blipFill>
             </p:spPr>
@@ -50772,8 +51113,8 @@
           </p:sp>
         </mc:Fallback>
       </mc:AlternateContent>
-      <mc:AlternateContent xmlns:mc="http://schemas.openxmlformats.org/markup-compatibility/2006" xmlns:a14="http://schemas.microsoft.com/office/drawing/2010/main">
-        <mc:Choice Requires="a14">
+      <mc:AlternateContent xmlns:mc="http://schemas.openxmlformats.org/markup-compatibility/2006">
+        <mc:Choice xmlns:a14="http://schemas.microsoft.com/office/drawing/2010/main" Requires="a14">
           <p:sp>
             <p:nvSpPr>
               <p:cNvPr id="1058" name="文本框 1057"/>
@@ -50782,7 +51123,7 @@
             </p:nvSpPr>
             <p:spPr>
               <a:xfrm>
-                <a:off x="2724840" y="9288937"/>
+                <a:off x="3541963" y="9279209"/>
                 <a:ext cx="221535" cy="153888"/>
               </a:xfrm>
               <a:prstGeom prst="rect">
@@ -50849,7 +51190,7 @@
             </p:txBody>
           </p:sp>
         </mc:Choice>
-        <mc:Fallback xmlns="">
+        <mc:Fallback>
           <p:sp>
             <p:nvSpPr>
               <p:cNvPr id="1058" name="文本框 1057"/>
@@ -50860,16 +51201,16 @@
             </p:nvSpPr>
             <p:spPr>
               <a:xfrm>
-                <a:off x="2724840" y="9288937"/>
+                <a:off x="3541963" y="9279209"/>
                 <a:ext cx="221535" cy="153888"/>
               </a:xfrm>
               <a:prstGeom prst="rect">
                 <a:avLst/>
               </a:prstGeom>
               <a:blipFill rotWithShape="0">
-                <a:blip r:embed="rId22"/>
+                <a:blip r:embed="rId21"/>
                 <a:stretch>
-                  <a:fillRect l="-16667" r="-2778" b="-16000"/>
+                  <a:fillRect l="-13889" r="-2778" b="-16000"/>
                 </a:stretch>
               </a:blipFill>
             </p:spPr>
@@ -50888,8 +51229,8 @@
           </p:sp>
         </mc:Fallback>
       </mc:AlternateContent>
-      <mc:AlternateContent xmlns:mc="http://schemas.openxmlformats.org/markup-compatibility/2006" xmlns:a14="http://schemas.microsoft.com/office/drawing/2010/main">
-        <mc:Choice Requires="a14">
+      <mc:AlternateContent xmlns:mc="http://schemas.openxmlformats.org/markup-compatibility/2006">
+        <mc:Choice xmlns:a14="http://schemas.microsoft.com/office/drawing/2010/main" Requires="a14">
           <p:sp>
             <p:nvSpPr>
               <p:cNvPr id="1059" name="文本框 1058"/>
@@ -50898,7 +51239,7 @@
             </p:nvSpPr>
             <p:spPr>
               <a:xfrm>
-                <a:off x="2381193" y="8982612"/>
+                <a:off x="3198316" y="8972884"/>
                 <a:ext cx="271228" cy="166199"/>
               </a:xfrm>
               <a:prstGeom prst="rect">
@@ -50967,7 +51308,7 @@
             </p:txBody>
           </p:sp>
         </mc:Choice>
-        <mc:Fallback xmlns="">
+        <mc:Fallback>
           <p:sp>
             <p:nvSpPr>
               <p:cNvPr id="1059" name="文本框 1058"/>
@@ -50978,14 +51319,14 @@
             </p:nvSpPr>
             <p:spPr>
               <a:xfrm>
-                <a:off x="2381193" y="8982612"/>
+                <a:off x="3198316" y="8972884"/>
                 <a:ext cx="271228" cy="166199"/>
               </a:xfrm>
               <a:prstGeom prst="rect">
                 <a:avLst/>
               </a:prstGeom>
               <a:blipFill rotWithShape="0">
-                <a:blip r:embed="rId23"/>
+                <a:blip r:embed="rId22"/>
                 <a:stretch>
                   <a:fillRect l="-18182" t="-22222" r="-29545" b="-44444"/>
                 </a:stretch>
@@ -51006,8 +51347,8 @@
           </p:sp>
         </mc:Fallback>
       </mc:AlternateContent>
-      <mc:AlternateContent xmlns:mc="http://schemas.openxmlformats.org/markup-compatibility/2006" xmlns:a14="http://schemas.microsoft.com/office/drawing/2010/main">
-        <mc:Choice Requires="a14">
+      <mc:AlternateContent xmlns:mc="http://schemas.openxmlformats.org/markup-compatibility/2006">
+        <mc:Choice xmlns:a14="http://schemas.microsoft.com/office/drawing/2010/main" Requires="a14">
           <p:sp>
             <p:nvSpPr>
               <p:cNvPr id="1060" name="文本框 1059"/>
@@ -51016,7 +51357,7 @@
             </p:nvSpPr>
             <p:spPr>
               <a:xfrm>
-                <a:off x="2072684" y="9311831"/>
+                <a:off x="2889807" y="9302103"/>
                 <a:ext cx="328039" cy="153888"/>
               </a:xfrm>
               <a:prstGeom prst="rect">
@@ -51085,7 +51426,7 @@
             </p:txBody>
           </p:sp>
         </mc:Choice>
-        <mc:Fallback xmlns="">
+        <mc:Fallback>
           <p:sp>
             <p:nvSpPr>
               <p:cNvPr id="1060" name="文本框 1059"/>
@@ -51096,14 +51437,14 @@
             </p:nvSpPr>
             <p:spPr>
               <a:xfrm>
-                <a:off x="2072684" y="9311831"/>
+                <a:off x="2889807" y="9302103"/>
                 <a:ext cx="328039" cy="153888"/>
               </a:xfrm>
               <a:prstGeom prst="rect">
                 <a:avLst/>
               </a:prstGeom>
               <a:blipFill rotWithShape="0">
-                <a:blip r:embed="rId24"/>
+                <a:blip r:embed="rId23"/>
                 <a:stretch>
                   <a:fillRect l="-12963" t="-24000" r="-22222" b="-56000"/>
                 </a:stretch>
@@ -51124,8 +51465,8 @@
           </p:sp>
         </mc:Fallback>
       </mc:AlternateContent>
-      <mc:AlternateContent xmlns:mc="http://schemas.openxmlformats.org/markup-compatibility/2006" xmlns:a14="http://schemas.microsoft.com/office/drawing/2010/main">
-        <mc:Choice Requires="a14">
+      <mc:AlternateContent xmlns:mc="http://schemas.openxmlformats.org/markup-compatibility/2006">
+        <mc:Choice xmlns:a14="http://schemas.microsoft.com/office/drawing/2010/main" Requires="a14">
           <p:sp>
             <p:nvSpPr>
               <p:cNvPr id="1061" name="文本框 1060"/>
@@ -51134,7 +51475,7 @@
             </p:nvSpPr>
             <p:spPr>
               <a:xfrm>
-                <a:off x="2063189" y="9649767"/>
+                <a:off x="2880312" y="9640039"/>
                 <a:ext cx="359394" cy="166199"/>
               </a:xfrm>
               <a:prstGeom prst="rect">
@@ -51203,7 +51544,7 @@
             </p:txBody>
           </p:sp>
         </mc:Choice>
-        <mc:Fallback xmlns="">
+        <mc:Fallback>
           <p:sp>
             <p:nvSpPr>
               <p:cNvPr id="1061" name="文本框 1060"/>
@@ -51214,16 +51555,16 @@
             </p:nvSpPr>
             <p:spPr>
               <a:xfrm>
-                <a:off x="2063189" y="9649767"/>
+                <a:off x="2880312" y="9640039"/>
                 <a:ext cx="359394" cy="166199"/>
               </a:xfrm>
               <a:prstGeom prst="rect">
                 <a:avLst/>
               </a:prstGeom>
               <a:blipFill rotWithShape="0">
-                <a:blip r:embed="rId25"/>
+                <a:blip r:embed="rId24"/>
                 <a:stretch>
-                  <a:fillRect l="-11864" t="-22222" r="-20339" b="-44444"/>
+                  <a:fillRect l="-11864" t="-17857" r="-20339" b="-39286"/>
                 </a:stretch>
               </a:blipFill>
             </p:spPr>
@@ -51242,8 +51583,8 @@
           </p:sp>
         </mc:Fallback>
       </mc:AlternateContent>
-      <mc:AlternateContent xmlns:mc="http://schemas.openxmlformats.org/markup-compatibility/2006" xmlns:a14="http://schemas.microsoft.com/office/drawing/2010/main">
-        <mc:Choice Requires="a14">
+      <mc:AlternateContent xmlns:mc="http://schemas.openxmlformats.org/markup-compatibility/2006">
+        <mc:Choice xmlns:a14="http://schemas.microsoft.com/office/drawing/2010/main" Requires="a14">
           <p:sp>
             <p:nvSpPr>
               <p:cNvPr id="1062" name="文本框 1061"/>
@@ -51252,7 +51593,7 @@
             </p:nvSpPr>
             <p:spPr>
               <a:xfrm>
-                <a:off x="1471444" y="8996885"/>
+                <a:off x="2288567" y="8987157"/>
                 <a:ext cx="239168" cy="166199"/>
               </a:xfrm>
               <a:prstGeom prst="rect">
@@ -51321,7 +51662,7 @@
             </p:txBody>
           </p:sp>
         </mc:Choice>
-        <mc:Fallback xmlns="">
+        <mc:Fallback>
           <p:sp>
             <p:nvSpPr>
               <p:cNvPr id="1062" name="文本框 1061"/>
@@ -51332,16 +51673,16 @@
             </p:nvSpPr>
             <p:spPr>
               <a:xfrm>
-                <a:off x="1471444" y="8996885"/>
+                <a:off x="2288567" y="8987157"/>
                 <a:ext cx="239168" cy="166199"/>
               </a:xfrm>
               <a:prstGeom prst="rect">
                 <a:avLst/>
               </a:prstGeom>
               <a:blipFill rotWithShape="0">
-                <a:blip r:embed="rId26"/>
+                <a:blip r:embed="rId25"/>
                 <a:stretch>
-                  <a:fillRect l="-17500" t="-22222" r="-30000" b="-44444"/>
+                  <a:fillRect l="-17500" t="-17857" r="-30000" b="-39286"/>
                 </a:stretch>
               </a:blipFill>
             </p:spPr>
@@ -51360,8 +51701,8 @@
           </p:sp>
         </mc:Fallback>
       </mc:AlternateContent>
-      <mc:AlternateContent xmlns:mc="http://schemas.openxmlformats.org/markup-compatibility/2006" xmlns:a14="http://schemas.microsoft.com/office/drawing/2010/main">
-        <mc:Choice Requires="a14">
+      <mc:AlternateContent xmlns:mc="http://schemas.openxmlformats.org/markup-compatibility/2006">
+        <mc:Choice xmlns:a14="http://schemas.microsoft.com/office/drawing/2010/main" Requires="a14">
           <p:sp>
             <p:nvSpPr>
               <p:cNvPr id="1063" name="文本框 1062"/>
@@ -51370,7 +51711,7 @@
             </p:nvSpPr>
             <p:spPr>
               <a:xfrm>
-                <a:off x="1416266" y="9380958"/>
+                <a:off x="2233389" y="9371230"/>
                 <a:ext cx="295978" cy="153888"/>
               </a:xfrm>
               <a:prstGeom prst="rect">
@@ -51439,7 +51780,7 @@
             </p:txBody>
           </p:sp>
         </mc:Choice>
-        <mc:Fallback xmlns="">
+        <mc:Fallback>
           <p:sp>
             <p:nvSpPr>
               <p:cNvPr id="1063" name="文本框 1062"/>
@@ -51450,16 +51791,16 @@
             </p:nvSpPr>
             <p:spPr>
               <a:xfrm>
-                <a:off x="1416266" y="9380958"/>
+                <a:off x="2233389" y="9371230"/>
                 <a:ext cx="295978" cy="153888"/>
               </a:xfrm>
               <a:prstGeom prst="rect">
                 <a:avLst/>
               </a:prstGeom>
               <a:blipFill rotWithShape="0">
-                <a:blip r:embed="rId27"/>
+                <a:blip r:embed="rId26"/>
                 <a:stretch>
-                  <a:fillRect l="-14286" t="-24000" r="-24490" b="-56000"/>
+                  <a:fillRect l="-14286" t="-19231" r="-24490" b="-50000"/>
                 </a:stretch>
               </a:blipFill>
             </p:spPr>
@@ -51478,8 +51819,8 @@
           </p:sp>
         </mc:Fallback>
       </mc:AlternateContent>
-      <mc:AlternateContent xmlns:mc="http://schemas.openxmlformats.org/markup-compatibility/2006" xmlns:a14="http://schemas.microsoft.com/office/drawing/2010/main">
-        <mc:Choice Requires="a14">
+      <mc:AlternateContent xmlns:mc="http://schemas.openxmlformats.org/markup-compatibility/2006">
+        <mc:Choice xmlns:a14="http://schemas.microsoft.com/office/drawing/2010/main" Requires="a14">
           <p:sp>
             <p:nvSpPr>
               <p:cNvPr id="1064" name="文本框 1063"/>
@@ -51488,7 +51829,7 @@
             </p:nvSpPr>
             <p:spPr>
               <a:xfrm>
-                <a:off x="1406771" y="9718894"/>
+                <a:off x="2223894" y="9709166"/>
                 <a:ext cx="327334" cy="166199"/>
               </a:xfrm>
               <a:prstGeom prst="rect">
@@ -51557,7 +51898,7 @@
             </p:txBody>
           </p:sp>
         </mc:Choice>
-        <mc:Fallback xmlns="">
+        <mc:Fallback>
           <p:sp>
             <p:nvSpPr>
               <p:cNvPr id="1064" name="文本框 1063"/>
@@ -51568,16 +51909,16 @@
             </p:nvSpPr>
             <p:spPr>
               <a:xfrm>
-                <a:off x="1406771" y="9718894"/>
+                <a:off x="2223894" y="9709166"/>
                 <a:ext cx="327334" cy="166199"/>
               </a:xfrm>
               <a:prstGeom prst="rect">
                 <a:avLst/>
               </a:prstGeom>
               <a:blipFill rotWithShape="0">
-                <a:blip r:embed="rId28"/>
+                <a:blip r:embed="rId27"/>
                 <a:stretch>
-                  <a:fillRect l="-15094" t="-17857" r="-24528" b="-39286"/>
+                  <a:fillRect l="-14815" t="-22222" r="-22222" b="-44444"/>
                 </a:stretch>
               </a:blipFill>
             </p:spPr>
@@ -51596,8 +51937,8 @@
           </p:sp>
         </mc:Fallback>
       </mc:AlternateContent>
-      <mc:AlternateContent xmlns:mc="http://schemas.openxmlformats.org/markup-compatibility/2006" xmlns:a14="http://schemas.microsoft.com/office/drawing/2010/main">
-        <mc:Choice Requires="a14">
+      <mc:AlternateContent xmlns:mc="http://schemas.openxmlformats.org/markup-compatibility/2006">
+        <mc:Choice xmlns:a14="http://schemas.microsoft.com/office/drawing/2010/main" Requires="a14">
           <p:sp>
             <p:nvSpPr>
               <p:cNvPr id="1068" name="文本框 1067"/>
@@ -51606,7 +51947,7 @@
             </p:nvSpPr>
             <p:spPr>
               <a:xfrm>
-                <a:off x="2384340" y="10167412"/>
+                <a:off x="3201463" y="10157684"/>
                 <a:ext cx="314958" cy="165751"/>
               </a:xfrm>
               <a:prstGeom prst="rect">
@@ -51682,7 +52023,7 @@
             </p:txBody>
           </p:sp>
         </mc:Choice>
-        <mc:Fallback xmlns="">
+        <mc:Fallback>
           <p:sp>
             <p:nvSpPr>
               <p:cNvPr id="1068" name="文本框 1067"/>
@@ -51693,16 +52034,16 @@
             </p:nvSpPr>
             <p:spPr>
               <a:xfrm>
-                <a:off x="2384340" y="10167412"/>
+                <a:off x="3201463" y="10157684"/>
                 <a:ext cx="314958" cy="165751"/>
               </a:xfrm>
               <a:prstGeom prst="rect">
                 <a:avLst/>
               </a:prstGeom>
               <a:blipFill rotWithShape="0">
-                <a:blip r:embed="rId29"/>
+                <a:blip r:embed="rId28"/>
                 <a:stretch>
-                  <a:fillRect l="-7692" t="-3704" r="-11538" b="-18519"/>
+                  <a:fillRect l="-7692" r="-11538" b="-22222"/>
                 </a:stretch>
               </a:blipFill>
             </p:spPr>
@@ -51721,8 +52062,8 @@
           </p:sp>
         </mc:Fallback>
       </mc:AlternateContent>
-      <mc:AlternateContent xmlns:mc="http://schemas.openxmlformats.org/markup-compatibility/2006" xmlns:a14="http://schemas.microsoft.com/office/drawing/2010/main">
-        <mc:Choice Requires="a14">
+      <mc:AlternateContent xmlns:mc="http://schemas.openxmlformats.org/markup-compatibility/2006">
+        <mc:Choice xmlns:a14="http://schemas.microsoft.com/office/drawing/2010/main" Requires="a14">
           <p:sp>
             <p:nvSpPr>
               <p:cNvPr id="1069" name="文本框 1068"/>
@@ -51731,7 +52072,7 @@
             </p:nvSpPr>
             <p:spPr>
               <a:xfrm>
-                <a:off x="1301573" y="10152339"/>
+                <a:off x="2118696" y="10142611"/>
                 <a:ext cx="281295" cy="165751"/>
               </a:xfrm>
               <a:prstGeom prst="rect">
@@ -51798,7 +52139,7 @@
             </p:txBody>
           </p:sp>
         </mc:Choice>
-        <mc:Fallback xmlns="">
+        <mc:Fallback>
           <p:sp>
             <p:nvSpPr>
               <p:cNvPr id="1069" name="文本框 1068"/>
@@ -51809,16 +52150,16 @@
             </p:nvSpPr>
             <p:spPr>
               <a:xfrm>
-                <a:off x="1301573" y="10152339"/>
+                <a:off x="2118696" y="10142611"/>
                 <a:ext cx="281295" cy="165751"/>
               </a:xfrm>
               <a:prstGeom prst="rect">
                 <a:avLst/>
               </a:prstGeom>
               <a:blipFill rotWithShape="0">
-                <a:blip r:embed="rId30"/>
+                <a:blip r:embed="rId29"/>
                 <a:stretch>
-                  <a:fillRect l="-10870" r="-2174" b="-17857"/>
+                  <a:fillRect l="-10870" r="-2174" b="-18519"/>
                 </a:stretch>
               </a:blipFill>
             </p:spPr>
@@ -51837,8 +52178,8 @@
           </p:sp>
         </mc:Fallback>
       </mc:AlternateContent>
-      <mc:AlternateContent xmlns:mc="http://schemas.openxmlformats.org/markup-compatibility/2006" xmlns:a14="http://schemas.microsoft.com/office/drawing/2010/main">
-        <mc:Choice Requires="a14">
+      <mc:AlternateContent xmlns:mc="http://schemas.openxmlformats.org/markup-compatibility/2006">
+        <mc:Choice xmlns:a14="http://schemas.microsoft.com/office/drawing/2010/main" Requires="a14">
           <p:sp>
             <p:nvSpPr>
               <p:cNvPr id="1070" name="文本框 1069"/>
@@ -51847,7 +52188,7 @@
             </p:nvSpPr>
             <p:spPr>
               <a:xfrm>
-                <a:off x="2331714" y="10558307"/>
+                <a:off x="3148837" y="10548579"/>
                 <a:ext cx="292516" cy="153888"/>
               </a:xfrm>
               <a:prstGeom prst="rect">
@@ -51923,7 +52264,7 @@
             </p:txBody>
           </p:sp>
         </mc:Choice>
-        <mc:Fallback xmlns="">
+        <mc:Fallback>
           <p:sp>
             <p:nvSpPr>
               <p:cNvPr id="1070" name="文本框 1069"/>
@@ -51934,16 +52275,16 @@
             </p:nvSpPr>
             <p:spPr>
               <a:xfrm>
-                <a:off x="2331714" y="10558307"/>
+                <a:off x="3148837" y="10548579"/>
                 <a:ext cx="292516" cy="153888"/>
               </a:xfrm>
               <a:prstGeom prst="rect">
                 <a:avLst/>
               </a:prstGeom>
               <a:blipFill rotWithShape="0">
-                <a:blip r:embed="rId31"/>
+                <a:blip r:embed="rId30"/>
                 <a:stretch>
-                  <a:fillRect l="-8333" r="-10417" b="-16000"/>
+                  <a:fillRect l="-10417" r="-8333" b="-11538"/>
                 </a:stretch>
               </a:blipFill>
             </p:spPr>
@@ -51962,8 +52303,8 @@
           </p:sp>
         </mc:Fallback>
       </mc:AlternateContent>
-      <mc:AlternateContent xmlns:mc="http://schemas.openxmlformats.org/markup-compatibility/2006" xmlns:a14="http://schemas.microsoft.com/office/drawing/2010/main">
-        <mc:Choice Requires="a14">
+      <mc:AlternateContent xmlns:mc="http://schemas.openxmlformats.org/markup-compatibility/2006">
+        <mc:Choice xmlns:a14="http://schemas.microsoft.com/office/drawing/2010/main" Requires="a14">
           <p:sp>
             <p:nvSpPr>
               <p:cNvPr id="1071" name="文本框 1070"/>
@@ -51972,7 +52313,7 @@
             </p:nvSpPr>
             <p:spPr>
               <a:xfrm>
-                <a:off x="1914081" y="10504959"/>
+                <a:off x="2731204" y="10495231"/>
                 <a:ext cx="258853" cy="153888"/>
               </a:xfrm>
               <a:prstGeom prst="rect">
@@ -52048,7 +52389,7 @@
             </p:txBody>
           </p:sp>
         </mc:Choice>
-        <mc:Fallback xmlns="">
+        <mc:Fallback>
           <p:sp>
             <p:nvSpPr>
               <p:cNvPr id="1071" name="文本框 1070"/>
@@ -52059,16 +52400,16 @@
             </p:nvSpPr>
             <p:spPr>
               <a:xfrm>
-                <a:off x="1914081" y="10504959"/>
+                <a:off x="2731204" y="10495231"/>
                 <a:ext cx="258853" cy="153888"/>
               </a:xfrm>
               <a:prstGeom prst="rect">
                 <a:avLst/>
               </a:prstGeom>
               <a:blipFill rotWithShape="0">
-                <a:blip r:embed="rId32"/>
+                <a:blip r:embed="rId31"/>
                 <a:stretch>
-                  <a:fillRect l="-11905" r="-11905" b="-16000"/>
+                  <a:fillRect l="-9524" t="-4000" r="-14286" b="-12000"/>
                 </a:stretch>
               </a:blipFill>
             </p:spPr>
@@ -52087,8 +52428,8 @@
           </p:sp>
         </mc:Fallback>
       </mc:AlternateContent>
-      <mc:AlternateContent xmlns:mc="http://schemas.openxmlformats.org/markup-compatibility/2006" xmlns:a14="http://schemas.microsoft.com/office/drawing/2010/main">
-        <mc:Choice Requires="a14">
+      <mc:AlternateContent xmlns:mc="http://schemas.openxmlformats.org/markup-compatibility/2006">
+        <mc:Choice xmlns:a14="http://schemas.microsoft.com/office/drawing/2010/main" Requires="a14">
           <p:sp>
             <p:nvSpPr>
               <p:cNvPr id="1072" name="文本框 1071"/>
@@ -52097,7 +52438,7 @@
             </p:nvSpPr>
             <p:spPr>
               <a:xfrm>
-                <a:off x="1252129" y="10522074"/>
+                <a:off x="2069252" y="10512346"/>
                 <a:ext cx="225190" cy="153888"/>
               </a:xfrm>
               <a:prstGeom prst="rect">
@@ -52164,7 +52505,7 @@
             </p:txBody>
           </p:sp>
         </mc:Choice>
-        <mc:Fallback xmlns="">
+        <mc:Fallback>
           <p:sp>
             <p:nvSpPr>
               <p:cNvPr id="1072" name="文本框 1071"/>
@@ -52175,16 +52516,16 @@
             </p:nvSpPr>
             <p:spPr>
               <a:xfrm>
-                <a:off x="1252129" y="10522074"/>
+                <a:off x="2069252" y="10512346"/>
                 <a:ext cx="225190" cy="153888"/>
               </a:xfrm>
               <a:prstGeom prst="rect">
                 <a:avLst/>
               </a:prstGeom>
               <a:blipFill rotWithShape="0">
-                <a:blip r:embed="rId33"/>
+                <a:blip r:embed="rId32"/>
                 <a:stretch>
-                  <a:fillRect l="-13514" b="-12000"/>
+                  <a:fillRect l="-13514" b="-7692"/>
                 </a:stretch>
               </a:blipFill>
             </p:spPr>
@@ -52203,8 +52544,8 @@
           </p:sp>
         </mc:Fallback>
       </mc:AlternateContent>
-      <mc:AlternateContent xmlns:mc="http://schemas.openxmlformats.org/markup-compatibility/2006" xmlns:a14="http://schemas.microsoft.com/office/drawing/2010/main">
-        <mc:Choice Requires="a14">
+      <mc:AlternateContent xmlns:mc="http://schemas.openxmlformats.org/markup-compatibility/2006">
+        <mc:Choice xmlns:a14="http://schemas.microsoft.com/office/drawing/2010/main" Requires="a14">
           <p:sp>
             <p:nvSpPr>
               <p:cNvPr id="1073" name="文本框 1072"/>
@@ -52213,7 +52554,7 @@
             </p:nvSpPr>
             <p:spPr>
               <a:xfrm>
-                <a:off x="2386113" y="10929839"/>
+                <a:off x="3203236" y="10920111"/>
                 <a:ext cx="298480" cy="166199"/>
               </a:xfrm>
               <a:prstGeom prst="rect">
@@ -52289,7 +52630,7 @@
             </p:txBody>
           </p:sp>
         </mc:Choice>
-        <mc:Fallback xmlns="">
+        <mc:Fallback>
           <p:sp>
             <p:nvSpPr>
               <p:cNvPr id="1073" name="文本框 1072"/>
@@ -52300,16 +52641,16 @@
             </p:nvSpPr>
             <p:spPr>
               <a:xfrm>
-                <a:off x="2386113" y="10929839"/>
+                <a:off x="3203236" y="10920111"/>
                 <a:ext cx="298480" cy="166199"/>
               </a:xfrm>
               <a:prstGeom prst="rect">
                 <a:avLst/>
               </a:prstGeom>
               <a:blipFill rotWithShape="0">
-                <a:blip r:embed="rId34"/>
+                <a:blip r:embed="rId33"/>
                 <a:stretch>
-                  <a:fillRect l="-8163" t="-3704" r="-10204" b="-25926"/>
+                  <a:fillRect l="-8163" r="-10204" b="-21429"/>
                 </a:stretch>
               </a:blipFill>
             </p:spPr>
@@ -52328,8 +52669,8 @@
           </p:sp>
         </mc:Fallback>
       </mc:AlternateContent>
-      <mc:AlternateContent xmlns:mc="http://schemas.openxmlformats.org/markup-compatibility/2006" xmlns:a14="http://schemas.microsoft.com/office/drawing/2010/main">
-        <mc:Choice Requires="a14">
+      <mc:AlternateContent xmlns:mc="http://schemas.openxmlformats.org/markup-compatibility/2006">
+        <mc:Choice xmlns:a14="http://schemas.microsoft.com/office/drawing/2010/main" Requires="a14">
           <p:sp>
             <p:nvSpPr>
               <p:cNvPr id="1075" name="文本框 1074"/>
@@ -52338,7 +52679,7 @@
             </p:nvSpPr>
             <p:spPr>
               <a:xfrm>
-                <a:off x="1885477" y="10891484"/>
+                <a:off x="2702600" y="10881756"/>
                 <a:ext cx="264816" cy="166199"/>
               </a:xfrm>
               <a:prstGeom prst="rect">
@@ -52414,7 +52755,7 @@
             </p:txBody>
           </p:sp>
         </mc:Choice>
-        <mc:Fallback xmlns="">
+        <mc:Fallback>
           <p:sp>
             <p:nvSpPr>
               <p:cNvPr id="1075" name="文本框 1074"/>
@@ -52425,16 +52766,16 @@
             </p:nvSpPr>
             <p:spPr>
               <a:xfrm>
-                <a:off x="1885477" y="10891484"/>
+                <a:off x="2702600" y="10881756"/>
                 <a:ext cx="264816" cy="166199"/>
               </a:xfrm>
               <a:prstGeom prst="rect">
                 <a:avLst/>
               </a:prstGeom>
               <a:blipFill rotWithShape="0">
-                <a:blip r:embed="rId35"/>
+                <a:blip r:embed="rId34"/>
                 <a:stretch>
-                  <a:fillRect l="-11364" t="-3704" r="-11364" b="-25926"/>
+                  <a:fillRect l="-11364" r="-11364" b="-25926"/>
                 </a:stretch>
               </a:blipFill>
             </p:spPr>
@@ -52453,8 +52794,8 @@
           </p:sp>
         </mc:Fallback>
       </mc:AlternateContent>
-      <mc:AlternateContent xmlns:mc="http://schemas.openxmlformats.org/markup-compatibility/2006" xmlns:a14="http://schemas.microsoft.com/office/drawing/2010/main">
-        <mc:Choice Requires="a14">
+      <mc:AlternateContent xmlns:mc="http://schemas.openxmlformats.org/markup-compatibility/2006">
+        <mc:Choice xmlns:a14="http://schemas.microsoft.com/office/drawing/2010/main" Requires="a14">
           <p:sp>
             <p:nvSpPr>
               <p:cNvPr id="1076" name="文本框 1075"/>
@@ -52463,7 +52804,7 @@
             </p:nvSpPr>
             <p:spPr>
               <a:xfrm>
-                <a:off x="1253034" y="10888283"/>
+                <a:off x="2070157" y="10878555"/>
                 <a:ext cx="231153" cy="166199"/>
               </a:xfrm>
               <a:prstGeom prst="rect">
@@ -52530,7 +52871,7 @@
             </p:txBody>
           </p:sp>
         </mc:Choice>
-        <mc:Fallback xmlns="">
+        <mc:Fallback>
           <p:sp>
             <p:nvSpPr>
               <p:cNvPr id="1076" name="文本框 1075"/>
@@ -52541,16 +52882,16 @@
             </p:nvSpPr>
             <p:spPr>
               <a:xfrm>
-                <a:off x="1253034" y="10888283"/>
+                <a:off x="2070157" y="10878555"/>
                 <a:ext cx="231153" cy="166199"/>
               </a:xfrm>
               <a:prstGeom prst="rect">
                 <a:avLst/>
               </a:prstGeom>
               <a:blipFill rotWithShape="0">
-                <a:blip r:embed="rId36"/>
+                <a:blip r:embed="rId35"/>
                 <a:stretch>
-                  <a:fillRect l="-16216" r="-8108" b="-25926"/>
+                  <a:fillRect l="-15789" r="-5263" b="-25926"/>
                 </a:stretch>
               </a:blipFill>
             </p:spPr>
@@ -52569,8 +52910,8 @@
           </p:sp>
         </mc:Fallback>
       </mc:AlternateContent>
-      <mc:AlternateContent xmlns:mc="http://schemas.openxmlformats.org/markup-compatibility/2006" xmlns:a14="http://schemas.microsoft.com/office/drawing/2010/main">
-        <mc:Choice Requires="a14">
+      <mc:AlternateContent xmlns:mc="http://schemas.openxmlformats.org/markup-compatibility/2006">
+        <mc:Choice xmlns:a14="http://schemas.microsoft.com/office/drawing/2010/main" Requires="a14">
           <p:sp>
             <p:nvSpPr>
               <p:cNvPr id="1077" name="文本框 1076"/>
@@ -52579,7 +52920,7 @@
             </p:nvSpPr>
             <p:spPr>
               <a:xfrm>
-                <a:off x="2803083" y="10531299"/>
+                <a:off x="3620206" y="10521571"/>
                 <a:ext cx="216726" cy="153888"/>
               </a:xfrm>
               <a:prstGeom prst="rect">
@@ -52646,7 +52987,7 @@
             </p:txBody>
           </p:sp>
         </mc:Choice>
-        <mc:Fallback xmlns="">
+        <mc:Fallback>
           <p:sp>
             <p:nvSpPr>
               <p:cNvPr id="1077" name="文本框 1076"/>
@@ -52657,14 +52998,14 @@
             </p:nvSpPr>
             <p:spPr>
               <a:xfrm>
-                <a:off x="2803083" y="10531299"/>
+                <a:off x="3620206" y="10521571"/>
                 <a:ext cx="216726" cy="153888"/>
               </a:xfrm>
               <a:prstGeom prst="rect">
                 <a:avLst/>
               </a:prstGeom>
               <a:blipFill rotWithShape="0">
-                <a:blip r:embed="rId37"/>
+                <a:blip r:embed="rId36"/>
                 <a:stretch>
                   <a:fillRect l="-17143" r="-2857" b="-16000"/>
                 </a:stretch>
@@ -52685,8 +53026,8 @@
           </p:sp>
         </mc:Fallback>
       </mc:AlternateContent>
-      <mc:AlternateContent xmlns:mc="http://schemas.openxmlformats.org/markup-compatibility/2006" xmlns:a14="http://schemas.microsoft.com/office/drawing/2010/main">
-        <mc:Choice Requires="a14">
+      <mc:AlternateContent xmlns:mc="http://schemas.openxmlformats.org/markup-compatibility/2006">
+        <mc:Choice xmlns:a14="http://schemas.microsoft.com/office/drawing/2010/main" Requires="a14">
           <p:sp>
             <p:nvSpPr>
               <p:cNvPr id="1078" name="文本框 1077"/>
@@ -52695,7 +53036,7 @@
             </p:nvSpPr>
             <p:spPr>
               <a:xfrm>
-                <a:off x="3138396" y="10533324"/>
+                <a:off x="3955519" y="10523596"/>
                 <a:ext cx="219932" cy="153888"/>
               </a:xfrm>
               <a:prstGeom prst="rect">
@@ -52764,7 +53105,7 @@
             </p:txBody>
           </p:sp>
         </mc:Choice>
-        <mc:Fallback xmlns="">
+        <mc:Fallback>
           <p:sp>
             <p:nvSpPr>
               <p:cNvPr id="1078" name="文本框 1077"/>
@@ -52775,16 +53116,16 @@
             </p:nvSpPr>
             <p:spPr>
               <a:xfrm>
-                <a:off x="3138396" y="10533324"/>
+                <a:off x="3955519" y="10523596"/>
                 <a:ext cx="219932" cy="153888"/>
               </a:xfrm>
               <a:prstGeom prst="rect">
                 <a:avLst/>
               </a:prstGeom>
               <a:blipFill rotWithShape="0">
-                <a:blip r:embed="rId38"/>
+                <a:blip r:embed="rId37"/>
                 <a:stretch>
-                  <a:fillRect l="-22222" t="-24000" r="-36111" b="-56000"/>
+                  <a:fillRect l="-22222" t="-19231" r="-36111" b="-50000"/>
                 </a:stretch>
               </a:blipFill>
             </p:spPr>
@@ -52803,8 +53144,8 @@
           </p:sp>
         </mc:Fallback>
       </mc:AlternateContent>
-      <mc:AlternateContent xmlns:mc="http://schemas.openxmlformats.org/markup-compatibility/2006" xmlns:a14="http://schemas.microsoft.com/office/drawing/2010/main">
-        <mc:Choice Requires="a14">
+      <mc:AlternateContent xmlns:mc="http://schemas.openxmlformats.org/markup-compatibility/2006">
+        <mc:Choice xmlns:a14="http://schemas.microsoft.com/office/drawing/2010/main" Requires="a14">
           <p:sp>
             <p:nvSpPr>
               <p:cNvPr id="1079" name="文本框 1078"/>
@@ -52813,7 +53154,7 @@
             </p:nvSpPr>
             <p:spPr>
               <a:xfrm>
-                <a:off x="3917038" y="10543727"/>
+                <a:off x="4734161" y="10533999"/>
                 <a:ext cx="317716" cy="153888"/>
               </a:xfrm>
               <a:prstGeom prst="rect">
@@ -52889,7 +53230,7 @@
             </p:txBody>
           </p:sp>
         </mc:Choice>
-        <mc:Fallback xmlns="">
+        <mc:Fallback>
           <p:sp>
             <p:nvSpPr>
               <p:cNvPr id="1079" name="文本框 1078"/>
@@ -52900,16 +53241,16 @@
             </p:nvSpPr>
             <p:spPr>
               <a:xfrm>
-                <a:off x="3917038" y="10543727"/>
+                <a:off x="4734161" y="10533999"/>
                 <a:ext cx="317716" cy="153888"/>
               </a:xfrm>
               <a:prstGeom prst="rect">
                 <a:avLst/>
               </a:prstGeom>
               <a:blipFill rotWithShape="0">
-                <a:blip r:embed="rId39"/>
+                <a:blip r:embed="rId38"/>
                 <a:stretch>
-                  <a:fillRect l="-9615" t="-4000" r="-9615" b="-16000"/>
+                  <a:fillRect l="-9615" r="-9615" b="-16000"/>
                 </a:stretch>
               </a:blipFill>
             </p:spPr>
@@ -52936,7 +53277,7 @@
         </p:nvSpPr>
         <p:spPr>
           <a:xfrm>
-            <a:off x="3459490" y="9188811"/>
+            <a:off x="4276613" y="9179083"/>
             <a:ext cx="45719" cy="45719"/>
           </a:xfrm>
           <a:prstGeom prst="ellipse">
@@ -52979,7 +53320,7 @@
         </p:nvSpPr>
         <p:spPr>
           <a:xfrm>
-            <a:off x="3505209" y="9287665"/>
+            <a:off x="4322332" y="9277937"/>
             <a:ext cx="45719" cy="45719"/>
           </a:xfrm>
           <a:prstGeom prst="ellipse">
@@ -53019,7 +53360,7 @@
         </p:nvSpPr>
         <p:spPr>
           <a:xfrm>
-            <a:off x="3528068" y="9386519"/>
+            <a:off x="4345191" y="9376791"/>
             <a:ext cx="45719" cy="45719"/>
           </a:xfrm>
           <a:prstGeom prst="ellipse">
@@ -53059,7 +53400,7 @@
         </p:nvSpPr>
         <p:spPr>
           <a:xfrm>
-            <a:off x="3568640" y="9479003"/>
+            <a:off x="4385763" y="9469275"/>
             <a:ext cx="45719" cy="45719"/>
           </a:xfrm>
           <a:prstGeom prst="ellipse">
@@ -53102,7 +53443,7 @@
         </p:nvCxnSpPr>
         <p:spPr>
           <a:xfrm>
-            <a:off x="3498514" y="9227835"/>
+            <a:off x="4315637" y="9218107"/>
             <a:ext cx="29555" cy="59830"/>
           </a:xfrm>
           <a:prstGeom prst="line">
@@ -53140,7 +53481,7 @@
         </p:nvCxnSpPr>
         <p:spPr>
           <a:xfrm>
-            <a:off x="3528069" y="9333384"/>
+            <a:off x="4345192" y="9323656"/>
             <a:ext cx="6694" cy="59830"/>
           </a:xfrm>
           <a:prstGeom prst="line">
@@ -53178,7 +53519,7 @@
         </p:nvCxnSpPr>
         <p:spPr>
           <a:xfrm>
-            <a:off x="3550928" y="9432238"/>
+            <a:off x="4368051" y="9422510"/>
             <a:ext cx="40572" cy="46765"/>
           </a:xfrm>
           <a:prstGeom prst="line">
@@ -53213,7 +53554,7 @@
         </p:nvCxnSpPr>
         <p:spPr>
           <a:xfrm>
-            <a:off x="3234315" y="9049189"/>
+            <a:off x="4051438" y="9039461"/>
             <a:ext cx="166751" cy="173449"/>
           </a:xfrm>
           <a:prstGeom prst="straightConnector1">
@@ -53249,7 +53590,7 @@
         </p:nvCxnSpPr>
         <p:spPr>
           <a:xfrm flipV="1">
-            <a:off x="3305965" y="9448377"/>
+            <a:off x="4123088" y="9438649"/>
             <a:ext cx="156647" cy="179249"/>
           </a:xfrm>
           <a:prstGeom prst="straightConnector1">
@@ -53285,7 +53626,7 @@
         </p:nvSpPr>
         <p:spPr>
           <a:xfrm>
-            <a:off x="3082085" y="9039869"/>
+            <a:off x="3899208" y="9030141"/>
             <a:ext cx="304892" cy="230832"/>
           </a:xfrm>
           <a:prstGeom prst="rect">
@@ -53315,7 +53656,7 @@
         </p:nvSpPr>
         <p:spPr>
           <a:xfrm>
-            <a:off x="3286667" y="9530669"/>
+            <a:off x="4103790" y="9520941"/>
             <a:ext cx="304892" cy="230832"/>
           </a:xfrm>
           <a:prstGeom prst="rect">
@@ -53334,6 +53675,225 @@
               <a:t>R4</a:t>
             </a:r>
             <a:endParaRPr lang="en-US" sz="900" dirty="0"/>
+          </a:p>
+        </p:txBody>
+      </p:sp>
+      <p:sp>
+        <p:nvSpPr>
+          <p:cNvPr id="2" name="左大括号 1"/>
+          <p:cNvSpPr/>
+          <p:nvPr/>
+        </p:nvSpPr>
+        <p:spPr>
+          <a:xfrm>
+            <a:off x="973572" y="7107621"/>
+            <a:ext cx="107891" cy="1578827"/>
+          </a:xfrm>
+          <a:prstGeom prst="leftBrace">
+            <a:avLst/>
+          </a:prstGeom>
+          <a:ln w="12700">
+            <a:solidFill>
+              <a:schemeClr val="tx1"/>
+            </a:solidFill>
+          </a:ln>
+        </p:spPr>
+        <p:style>
+          <a:lnRef idx="1">
+            <a:schemeClr val="accent1"/>
+          </a:lnRef>
+          <a:fillRef idx="0">
+            <a:schemeClr val="accent1"/>
+          </a:fillRef>
+          <a:effectRef idx="0">
+            <a:schemeClr val="accent1"/>
+          </a:effectRef>
+          <a:fontRef idx="minor">
+            <a:schemeClr val="tx1"/>
+          </a:fontRef>
+        </p:style>
+        <p:txBody>
+          <a:bodyPr rtlCol="0" anchor="ctr"/>
+          <a:lstStyle/>
+          <a:p>
+            <a:pPr algn="ctr"/>
+            <a:endParaRPr lang="en-US"/>
+          </a:p>
+        </p:txBody>
+      </p:sp>
+      <p:sp>
+        <p:nvSpPr>
+          <p:cNvPr id="759" name="左大括号 758"/>
+          <p:cNvSpPr/>
+          <p:nvPr/>
+        </p:nvSpPr>
+        <p:spPr>
+          <a:xfrm>
+            <a:off x="966443" y="8685425"/>
+            <a:ext cx="109907" cy="1472260"/>
+          </a:xfrm>
+          <a:prstGeom prst="leftBrace">
+            <a:avLst/>
+          </a:prstGeom>
+          <a:ln w="12700">
+            <a:solidFill>
+              <a:schemeClr val="tx1"/>
+            </a:solidFill>
+          </a:ln>
+        </p:spPr>
+        <p:style>
+          <a:lnRef idx="1">
+            <a:schemeClr val="accent1"/>
+          </a:lnRef>
+          <a:fillRef idx="0">
+            <a:schemeClr val="accent1"/>
+          </a:fillRef>
+          <a:effectRef idx="0">
+            <a:schemeClr val="accent1"/>
+          </a:effectRef>
+          <a:fontRef idx="minor">
+            <a:schemeClr val="tx1"/>
+          </a:fontRef>
+        </p:style>
+        <p:txBody>
+          <a:bodyPr rtlCol="0" anchor="ctr"/>
+          <a:lstStyle/>
+          <a:p>
+            <a:pPr algn="ctr"/>
+            <a:endParaRPr lang="en-US"/>
+          </a:p>
+        </p:txBody>
+      </p:sp>
+      <p:sp>
+        <p:nvSpPr>
+          <p:cNvPr id="760" name="左大括号 759"/>
+          <p:cNvSpPr/>
+          <p:nvPr/>
+        </p:nvSpPr>
+        <p:spPr>
+          <a:xfrm>
+            <a:off x="961662" y="10196579"/>
+            <a:ext cx="121041" cy="1129937"/>
+          </a:xfrm>
+          <a:prstGeom prst="leftBrace">
+            <a:avLst/>
+          </a:prstGeom>
+          <a:ln w="12700">
+            <a:solidFill>
+              <a:schemeClr val="tx1"/>
+            </a:solidFill>
+          </a:ln>
+        </p:spPr>
+        <p:style>
+          <a:lnRef idx="1">
+            <a:schemeClr val="accent1"/>
+          </a:lnRef>
+          <a:fillRef idx="0">
+            <a:schemeClr val="accent1"/>
+          </a:fillRef>
+          <a:effectRef idx="0">
+            <a:schemeClr val="accent1"/>
+          </a:effectRef>
+          <a:fontRef idx="minor">
+            <a:schemeClr val="tx1"/>
+          </a:fontRef>
+        </p:style>
+        <p:txBody>
+          <a:bodyPr rtlCol="0" anchor="ctr"/>
+          <a:lstStyle/>
+          <a:p>
+            <a:pPr algn="ctr"/>
+            <a:endParaRPr lang="en-US"/>
+          </a:p>
+        </p:txBody>
+      </p:sp>
+      <p:sp>
+        <p:nvSpPr>
+          <p:cNvPr id="3" name="文本框 2"/>
+          <p:cNvSpPr txBox="1"/>
+          <p:nvPr/>
+        </p:nvSpPr>
+        <p:spPr>
+          <a:xfrm rot="10800000">
+            <a:off x="648263" y="7173309"/>
+            <a:ext cx="353943" cy="1440459"/>
+          </a:xfrm>
+          <a:prstGeom prst="rect">
+            <a:avLst/>
+          </a:prstGeom>
+          <a:noFill/>
+        </p:spPr>
+        <p:txBody>
+          <a:bodyPr vert="eaVert" wrap="none" rtlCol="0">
+            <a:spAutoFit/>
+          </a:bodyPr>
+          <a:lstStyle/>
+          <a:p>
+            <a:r>
+              <a:rPr lang="en-US" sz="1100" dirty="0" smtClean="0"/>
+              <a:t>Normal/slow heart rate</a:t>
+            </a:r>
+            <a:endParaRPr lang="en-US" sz="1100" dirty="0"/>
+          </a:p>
+        </p:txBody>
+      </p:sp>
+      <p:sp>
+        <p:nvSpPr>
+          <p:cNvPr id="761" name="文本框 760"/>
+          <p:cNvSpPr txBox="1"/>
+          <p:nvPr/>
+        </p:nvSpPr>
+        <p:spPr>
+          <a:xfrm rot="10800000">
+            <a:off x="646789" y="8903723"/>
+            <a:ext cx="353943" cy="959558"/>
+          </a:xfrm>
+          <a:prstGeom prst="rect">
+            <a:avLst/>
+          </a:prstGeom>
+          <a:noFill/>
+        </p:spPr>
+        <p:txBody>
+          <a:bodyPr vert="eaVert" wrap="none" rtlCol="0">
+            <a:spAutoFit/>
+          </a:bodyPr>
+          <a:lstStyle/>
+          <a:p>
+            <a:r>
+              <a:rPr lang="en-US" sz="1100" dirty="0" smtClean="0"/>
+              <a:t>Fast Atrial Rate</a:t>
+            </a:r>
+            <a:endParaRPr lang="en-US" sz="1100" dirty="0"/>
+          </a:p>
+        </p:txBody>
+      </p:sp>
+      <p:sp>
+        <p:nvSpPr>
+          <p:cNvPr id="762" name="文本框 761"/>
+          <p:cNvSpPr txBox="1"/>
+          <p:nvPr/>
+        </p:nvSpPr>
+        <p:spPr>
+          <a:xfrm rot="10800000">
+            <a:off x="650758" y="10083586"/>
+            <a:ext cx="353943" cy="1284967"/>
+          </a:xfrm>
+          <a:prstGeom prst="rect">
+            <a:avLst/>
+          </a:prstGeom>
+          <a:noFill/>
+        </p:spPr>
+        <p:txBody>
+          <a:bodyPr vert="eaVert" wrap="none" rtlCol="0">
+            <a:spAutoFit/>
+          </a:bodyPr>
+          <a:lstStyle/>
+          <a:p>
+            <a:r>
+              <a:rPr lang="en-US" sz="1100" dirty="0" smtClean="0"/>
+              <a:t>Fast Ventricular Rate</a:t>
+            </a:r>
+            <a:endParaRPr lang="en-US" sz="1100" dirty="0"/>
           </a:p>
         </p:txBody>
       </p:sp>

--- a/figs/abs.pptx
+++ b/figs/abs.pptx
@@ -245,7 +245,7 @@
           <a:p>
             <a:fld id="{5083D971-42EC-47BE-9198-28BD41951433}" type="datetimeFigureOut">
               <a:rPr lang="en-US" smtClean="0"/>
-              <a:t>4/24/2015</a:t>
+              <a:t>4/27/2015</a:t>
             </a:fld>
             <a:endParaRPr lang="en-US"/>
           </a:p>
@@ -415,7 +415,7 @@
           <a:p>
             <a:fld id="{5083D971-42EC-47BE-9198-28BD41951433}" type="datetimeFigureOut">
               <a:rPr lang="en-US" smtClean="0"/>
-              <a:t>4/24/2015</a:t>
+              <a:t>4/27/2015</a:t>
             </a:fld>
             <a:endParaRPr lang="en-US"/>
           </a:p>
@@ -595,7 +595,7 @@
           <a:p>
             <a:fld id="{5083D971-42EC-47BE-9198-28BD41951433}" type="datetimeFigureOut">
               <a:rPr lang="en-US" smtClean="0"/>
-              <a:t>4/24/2015</a:t>
+              <a:t>4/27/2015</a:t>
             </a:fld>
             <a:endParaRPr lang="en-US"/>
           </a:p>
@@ -765,7 +765,7 @@
           <a:p>
             <a:fld id="{5083D971-42EC-47BE-9198-28BD41951433}" type="datetimeFigureOut">
               <a:rPr lang="en-US" smtClean="0"/>
-              <a:t>4/24/2015</a:t>
+              <a:t>4/27/2015</a:t>
             </a:fld>
             <a:endParaRPr lang="en-US"/>
           </a:p>
@@ -1009,7 +1009,7 @@
           <a:p>
             <a:fld id="{5083D971-42EC-47BE-9198-28BD41951433}" type="datetimeFigureOut">
               <a:rPr lang="en-US" smtClean="0"/>
-              <a:t>4/24/2015</a:t>
+              <a:t>4/27/2015</a:t>
             </a:fld>
             <a:endParaRPr lang="en-US"/>
           </a:p>
@@ -1241,7 +1241,7 @@
           <a:p>
             <a:fld id="{5083D971-42EC-47BE-9198-28BD41951433}" type="datetimeFigureOut">
               <a:rPr lang="en-US" smtClean="0"/>
-              <a:t>4/24/2015</a:t>
+              <a:t>4/27/2015</a:t>
             </a:fld>
             <a:endParaRPr lang="en-US"/>
           </a:p>
@@ -1608,7 +1608,7 @@
           <a:p>
             <a:fld id="{5083D971-42EC-47BE-9198-28BD41951433}" type="datetimeFigureOut">
               <a:rPr lang="en-US" smtClean="0"/>
-              <a:t>4/24/2015</a:t>
+              <a:t>4/27/2015</a:t>
             </a:fld>
             <a:endParaRPr lang="en-US"/>
           </a:p>
@@ -1726,7 +1726,7 @@
           <a:p>
             <a:fld id="{5083D971-42EC-47BE-9198-28BD41951433}" type="datetimeFigureOut">
               <a:rPr lang="en-US" smtClean="0"/>
-              <a:t>4/24/2015</a:t>
+              <a:t>4/27/2015</a:t>
             </a:fld>
             <a:endParaRPr lang="en-US"/>
           </a:p>
@@ -1821,7 +1821,7 @@
           <a:p>
             <a:fld id="{5083D971-42EC-47BE-9198-28BD41951433}" type="datetimeFigureOut">
               <a:rPr lang="en-US" smtClean="0"/>
-              <a:t>4/24/2015</a:t>
+              <a:t>4/27/2015</a:t>
             </a:fld>
             <a:endParaRPr lang="en-US"/>
           </a:p>
@@ -2098,7 +2098,7 @@
           <a:p>
             <a:fld id="{5083D971-42EC-47BE-9198-28BD41951433}" type="datetimeFigureOut">
               <a:rPr lang="en-US" smtClean="0"/>
-              <a:t>4/24/2015</a:t>
+              <a:t>4/27/2015</a:t>
             </a:fld>
             <a:endParaRPr lang="en-US"/>
           </a:p>
@@ -2355,7 +2355,7 @@
           <a:p>
             <a:fld id="{5083D971-42EC-47BE-9198-28BD41951433}" type="datetimeFigureOut">
               <a:rPr lang="en-US" smtClean="0"/>
-              <a:t>4/24/2015</a:t>
+              <a:t>4/27/2015</a:t>
             </a:fld>
             <a:endParaRPr lang="en-US"/>
           </a:p>
@@ -2568,7 +2568,7 @@
           <a:p>
             <a:fld id="{5083D971-42EC-47BE-9198-28BD41951433}" type="datetimeFigureOut">
               <a:rPr lang="en-US" smtClean="0"/>
-              <a:t>4/24/2015</a:t>
+              <a:t>4/27/2015</a:t>
             </a:fld>
             <a:endParaRPr lang="en-US"/>
           </a:p>
@@ -24931,74 +24931,54 @@
       </p:grpSpPr>
       <p:sp>
         <p:nvSpPr>
-          <p:cNvPr id="16" name="任意多边形 15"/>
+          <p:cNvPr id="19" name="任意多边形 18"/>
           <p:cNvSpPr/>
           <p:nvPr/>
         </p:nvSpPr>
         <p:spPr>
           <a:xfrm>
-            <a:off x="1764991" y="8534062"/>
-            <a:ext cx="4049475" cy="2630851"/>
+            <a:off x="1765517" y="8550967"/>
+            <a:ext cx="4183281" cy="2742967"/>
           </a:xfrm>
           <a:custGeom>
             <a:avLst/>
             <a:gdLst>
-              <a:gd name="connsiteX0" fmla="*/ 3940281 w 4049475"/>
-              <a:gd name="connsiteY0" fmla="*/ 400793 h 2630851"/>
-              <a:gd name="connsiteX1" fmla="*/ 2865375 w 4049475"/>
-              <a:gd name="connsiteY1" fmla="*/ 395929 h 2630851"/>
-              <a:gd name="connsiteX2" fmla="*/ 2515179 w 4049475"/>
-              <a:gd name="connsiteY2" fmla="*/ 235423 h 2630851"/>
-              <a:gd name="connsiteX3" fmla="*/ 2369264 w 4049475"/>
-              <a:gd name="connsiteY3" fmla="*/ 6823 h 2630851"/>
-              <a:gd name="connsiteX4" fmla="*/ 1829379 w 4049475"/>
-              <a:gd name="connsiteY4" fmla="*/ 65189 h 2630851"/>
-              <a:gd name="connsiteX5" fmla="*/ 842022 w 4049475"/>
-              <a:gd name="connsiteY5" fmla="*/ 118691 h 2630851"/>
-              <a:gd name="connsiteX6" fmla="*/ 336183 w 4049475"/>
-              <a:gd name="connsiteY6" fmla="*/ 118691 h 2630851"/>
-              <a:gd name="connsiteX7" fmla="*/ 122175 w 4049475"/>
-              <a:gd name="connsiteY7" fmla="*/ 128419 h 2630851"/>
-              <a:gd name="connsiteX8" fmla="*/ 10307 w 4049475"/>
-              <a:gd name="connsiteY8" fmla="*/ 318108 h 2630851"/>
-              <a:gd name="connsiteX9" fmla="*/ 10307 w 4049475"/>
-              <a:gd name="connsiteY9" fmla="*/ 712078 h 2630851"/>
-              <a:gd name="connsiteX10" fmla="*/ 579 w 4049475"/>
-              <a:gd name="connsiteY10" fmla="*/ 1179006 h 2630851"/>
-              <a:gd name="connsiteX11" fmla="*/ 29762 w 4049475"/>
-              <a:gd name="connsiteY11" fmla="*/ 1743210 h 2630851"/>
-              <a:gd name="connsiteX12" fmla="*/ 44354 w 4049475"/>
-              <a:gd name="connsiteY12" fmla="*/ 2005857 h 2630851"/>
-              <a:gd name="connsiteX13" fmla="*/ 350775 w 4049475"/>
-              <a:gd name="connsiteY13" fmla="*/ 2020449 h 2630851"/>
-              <a:gd name="connsiteX14" fmla="*/ 866341 w 4049475"/>
-              <a:gd name="connsiteY14" fmla="*/ 2025312 h 2630851"/>
-              <a:gd name="connsiteX15" fmla="*/ 1279766 w 4049475"/>
-              <a:gd name="connsiteY15" fmla="*/ 1991266 h 2630851"/>
-              <a:gd name="connsiteX16" fmla="*/ 1576460 w 4049475"/>
-              <a:gd name="connsiteY16" fmla="*/ 2098270 h 2630851"/>
-              <a:gd name="connsiteX17" fmla="*/ 1751558 w 4049475"/>
-              <a:gd name="connsiteY17" fmla="*/ 2312278 h 2630851"/>
-              <a:gd name="connsiteX18" fmla="*/ 1790469 w 4049475"/>
-              <a:gd name="connsiteY18" fmla="*/ 2545742 h 2630851"/>
-              <a:gd name="connsiteX19" fmla="*/ 2164983 w 4049475"/>
-              <a:gd name="connsiteY19" fmla="*/ 2628427 h 2630851"/>
-              <a:gd name="connsiteX20" fmla="*/ 2734052 w 4049475"/>
-              <a:gd name="connsiteY20" fmla="*/ 2604108 h 2630851"/>
-              <a:gd name="connsiteX21" fmla="*/ 3312847 w 4049475"/>
-              <a:gd name="connsiteY21" fmla="*/ 2555470 h 2630851"/>
-              <a:gd name="connsiteX22" fmla="*/ 3546311 w 4049475"/>
-              <a:gd name="connsiteY22" fmla="*/ 2283095 h 2630851"/>
-              <a:gd name="connsiteX23" fmla="*/ 3697090 w 4049475"/>
-              <a:gd name="connsiteY23" fmla="*/ 1874534 h 2630851"/>
-              <a:gd name="connsiteX24" fmla="*/ 3828413 w 4049475"/>
-              <a:gd name="connsiteY24" fmla="*/ 1373559 h 2630851"/>
-              <a:gd name="connsiteX25" fmla="*/ 3920826 w 4049475"/>
-              <a:gd name="connsiteY25" fmla="*/ 1047683 h 2630851"/>
-              <a:gd name="connsiteX26" fmla="*/ 4008375 w 4049475"/>
-              <a:gd name="connsiteY26" fmla="*/ 731534 h 2630851"/>
-              <a:gd name="connsiteX27" fmla="*/ 3940281 w 4049475"/>
-              <a:gd name="connsiteY27" fmla="*/ 400793 h 2630851"/>
+              <a:gd name="connsiteX0" fmla="*/ 3985426 w 4183281"/>
+              <a:gd name="connsiteY0" fmla="*/ 150210 h 2742967"/>
+              <a:gd name="connsiteX1" fmla="*/ 3611615 w 4183281"/>
+              <a:gd name="connsiteY1" fmla="*/ 242225 h 2742967"/>
+              <a:gd name="connsiteX2" fmla="*/ 2605200 w 4183281"/>
+              <a:gd name="connsiteY2" fmla="*/ 409003 h 2742967"/>
+              <a:gd name="connsiteX3" fmla="*/ 2415419 w 4183281"/>
+              <a:gd name="connsiteY3" fmla="*/ 17939 h 2742967"/>
+              <a:gd name="connsiteX4" fmla="*/ 1719555 w 4183281"/>
+              <a:gd name="connsiteY4" fmla="*/ 69697 h 2742967"/>
+              <a:gd name="connsiteX5" fmla="*/ 385336 w 4183281"/>
+              <a:gd name="connsiteY5" fmla="*/ 104203 h 2742967"/>
+              <a:gd name="connsiteX6" fmla="*/ 40279 w 4183281"/>
+              <a:gd name="connsiteY6" fmla="*/ 161712 h 2742967"/>
+              <a:gd name="connsiteX7" fmla="*/ 5774 w 4183281"/>
+              <a:gd name="connsiteY7" fmla="*/ 702301 h 2742967"/>
+              <a:gd name="connsiteX8" fmla="*/ 28777 w 4183281"/>
+              <a:gd name="connsiteY8" fmla="*/ 1748973 h 2742967"/>
+              <a:gd name="connsiteX9" fmla="*/ 109291 w 4183281"/>
+              <a:gd name="connsiteY9" fmla="*/ 2002014 h 2742967"/>
+              <a:gd name="connsiteX10" fmla="*/ 828158 w 4183281"/>
+              <a:gd name="connsiteY10" fmla="*/ 1979010 h 2742967"/>
+              <a:gd name="connsiteX11" fmla="*/ 1455011 w 4183281"/>
+              <a:gd name="connsiteY11" fmla="*/ 2013516 h 2742967"/>
+              <a:gd name="connsiteX12" fmla="*/ 1794317 w 4183281"/>
+              <a:gd name="connsiteY12" fmla="*/ 2295312 h 2742967"/>
+              <a:gd name="connsiteX13" fmla="*/ 1851826 w 4183281"/>
+              <a:gd name="connsiteY13" fmla="*/ 2697878 h 2742967"/>
+              <a:gd name="connsiteX14" fmla="*/ 2967509 w 4183281"/>
+              <a:gd name="connsiteY14" fmla="*/ 2697878 h 2742967"/>
+              <a:gd name="connsiteX15" fmla="*/ 3628868 w 4183281"/>
+              <a:gd name="connsiteY15" fmla="*/ 2381576 h 2742967"/>
+              <a:gd name="connsiteX16" fmla="*/ 4169457 w 4183281"/>
+              <a:gd name="connsiteY16" fmla="*/ 731056 h 2742967"/>
+              <a:gd name="connsiteX17" fmla="*/ 3985426 w 4183281"/>
+              <a:gd name="connsiteY17" fmla="*/ 150210 h 2742967"/>
             </a:gdLst>
             <a:ahLst/>
             <a:cxnLst>
@@ -25056,177 +25036,97 @@
               <a:cxn ang="0">
                 <a:pos x="connsiteX17" y="connsiteY17"/>
               </a:cxn>
-              <a:cxn ang="0">
-                <a:pos x="connsiteX18" y="connsiteY18"/>
-              </a:cxn>
-              <a:cxn ang="0">
-                <a:pos x="connsiteX19" y="connsiteY19"/>
-              </a:cxn>
-              <a:cxn ang="0">
-                <a:pos x="connsiteX20" y="connsiteY20"/>
-              </a:cxn>
-              <a:cxn ang="0">
-                <a:pos x="connsiteX21" y="connsiteY21"/>
-              </a:cxn>
-              <a:cxn ang="0">
-                <a:pos x="connsiteX22" y="connsiteY22"/>
-              </a:cxn>
-              <a:cxn ang="0">
-                <a:pos x="connsiteX23" y="connsiteY23"/>
-              </a:cxn>
-              <a:cxn ang="0">
-                <a:pos x="connsiteX24" y="connsiteY24"/>
-              </a:cxn>
-              <a:cxn ang="0">
-                <a:pos x="connsiteX25" y="connsiteY25"/>
-              </a:cxn>
-              <a:cxn ang="0">
-                <a:pos x="connsiteX26" y="connsiteY26"/>
-              </a:cxn>
-              <a:cxn ang="0">
-                <a:pos x="connsiteX27" y="connsiteY27"/>
-              </a:cxn>
             </a:cxnLst>
             <a:rect l="l" t="t" r="r" b="b"/>
             <a:pathLst>
-              <a:path w="4049475" h="2630851">
+              <a:path w="4183281" h="2742967">
                 <a:moveTo>
-                  <a:pt x="3940281" y="400793"/>
+                  <a:pt x="3985426" y="150210"/>
                 </a:moveTo>
                 <a:cubicBezTo>
-                  <a:pt x="3749781" y="344859"/>
-                  <a:pt x="3102892" y="423491"/>
-                  <a:pt x="2865375" y="395929"/>
+                  <a:pt x="3892452" y="68738"/>
+                  <a:pt x="3841653" y="199093"/>
+                  <a:pt x="3611615" y="242225"/>
                 </a:cubicBezTo>
                 <a:cubicBezTo>
-                  <a:pt x="2627858" y="368367"/>
-                  <a:pt x="2597864" y="300274"/>
-                  <a:pt x="2515179" y="235423"/>
+                  <a:pt x="3381577" y="285357"/>
+                  <a:pt x="2804566" y="446384"/>
+                  <a:pt x="2605200" y="409003"/>
                 </a:cubicBezTo>
                 <a:cubicBezTo>
-                  <a:pt x="2432494" y="170572"/>
-                  <a:pt x="2483564" y="35195"/>
-                  <a:pt x="2369264" y="6823"/>
+                  <a:pt x="2405834" y="371622"/>
+                  <a:pt x="2563026" y="74490"/>
+                  <a:pt x="2415419" y="17939"/>
                 </a:cubicBezTo>
                 <a:cubicBezTo>
-                  <a:pt x="2254964" y="-21549"/>
-                  <a:pt x="2083919" y="46544"/>
-                  <a:pt x="1829379" y="65189"/>
+                  <a:pt x="2267812" y="-38612"/>
+                  <a:pt x="2057902" y="55320"/>
+                  <a:pt x="1719555" y="69697"/>
                 </a:cubicBezTo>
                 <a:cubicBezTo>
-                  <a:pt x="1574839" y="83834"/>
-                  <a:pt x="1090888" y="109774"/>
-                  <a:pt x="842022" y="118691"/>
+                  <a:pt x="1381208" y="84074"/>
+                  <a:pt x="665215" y="88867"/>
+                  <a:pt x="385336" y="104203"/>
                 </a:cubicBezTo>
                 <a:cubicBezTo>
-                  <a:pt x="593156" y="127608"/>
-                  <a:pt x="456157" y="117070"/>
-                  <a:pt x="336183" y="118691"/>
+                  <a:pt x="105457" y="119539"/>
+                  <a:pt x="103539" y="62029"/>
+                  <a:pt x="40279" y="161712"/>
                 </a:cubicBezTo>
                 <a:cubicBezTo>
-                  <a:pt x="216209" y="120312"/>
-                  <a:pt x="176488" y="95183"/>
-                  <a:pt x="122175" y="128419"/>
+                  <a:pt x="-22981" y="261395"/>
+                  <a:pt x="7691" y="437758"/>
+                  <a:pt x="5774" y="702301"/>
                 </a:cubicBezTo>
                 <a:cubicBezTo>
-                  <a:pt x="67862" y="161655"/>
-                  <a:pt x="28952" y="220832"/>
-                  <a:pt x="10307" y="318108"/>
+                  <a:pt x="3857" y="966844"/>
+                  <a:pt x="11524" y="1532354"/>
+                  <a:pt x="28777" y="1748973"/>
                 </a:cubicBezTo>
                 <a:cubicBezTo>
-                  <a:pt x="-8338" y="415384"/>
-                  <a:pt x="11928" y="568595"/>
-                  <a:pt x="10307" y="712078"/>
+                  <a:pt x="46030" y="1965592"/>
+                  <a:pt x="-23939" y="1963674"/>
+                  <a:pt x="109291" y="2002014"/>
                 </a:cubicBezTo>
                 <a:cubicBezTo>
-                  <a:pt x="8686" y="855561"/>
-                  <a:pt x="-2663" y="1007151"/>
-                  <a:pt x="579" y="1179006"/>
+                  <a:pt x="242521" y="2040354"/>
+                  <a:pt x="603871" y="1977093"/>
+                  <a:pt x="828158" y="1979010"/>
                 </a:cubicBezTo>
                 <a:cubicBezTo>
-                  <a:pt x="3821" y="1350861"/>
-                  <a:pt x="22466" y="1605402"/>
-                  <a:pt x="29762" y="1743210"/>
+                  <a:pt x="1052445" y="1980927"/>
+                  <a:pt x="1293985" y="1960799"/>
+                  <a:pt x="1455011" y="2013516"/>
                 </a:cubicBezTo>
                 <a:cubicBezTo>
-                  <a:pt x="37058" y="1881018"/>
-                  <a:pt x="-9148" y="1959651"/>
-                  <a:pt x="44354" y="2005857"/>
+                  <a:pt x="1616037" y="2066233"/>
+                  <a:pt x="1728181" y="2181252"/>
+                  <a:pt x="1794317" y="2295312"/>
                 </a:cubicBezTo>
                 <a:cubicBezTo>
-                  <a:pt x="97856" y="2052063"/>
-                  <a:pt x="213777" y="2017207"/>
-                  <a:pt x="350775" y="2020449"/>
+                  <a:pt x="1860453" y="2409372"/>
+                  <a:pt x="1656294" y="2630784"/>
+                  <a:pt x="1851826" y="2697878"/>
                 </a:cubicBezTo>
                 <a:cubicBezTo>
-                  <a:pt x="487773" y="2023691"/>
-                  <a:pt x="711509" y="2030176"/>
-                  <a:pt x="866341" y="2025312"/>
+                  <a:pt x="2047358" y="2764972"/>
+                  <a:pt x="2671335" y="2750595"/>
+                  <a:pt x="2967509" y="2697878"/>
                 </a:cubicBezTo>
                 <a:cubicBezTo>
-                  <a:pt x="1021173" y="2020448"/>
-                  <a:pt x="1161413" y="1979106"/>
-                  <a:pt x="1279766" y="1991266"/>
+                  <a:pt x="3263683" y="2645161"/>
+                  <a:pt x="3428543" y="2709380"/>
+                  <a:pt x="3628868" y="2381576"/>
                 </a:cubicBezTo>
                 <a:cubicBezTo>
-                  <a:pt x="1398119" y="2003426"/>
-                  <a:pt x="1497828" y="2044768"/>
-                  <a:pt x="1576460" y="2098270"/>
+                  <a:pt x="3829193" y="2053772"/>
+                  <a:pt x="4109072" y="1098158"/>
+                  <a:pt x="4169457" y="731056"/>
                 </a:cubicBezTo>
                 <a:cubicBezTo>
-                  <a:pt x="1655092" y="2151772"/>
-                  <a:pt x="1715890" y="2237699"/>
-                  <a:pt x="1751558" y="2312278"/>
-                </a:cubicBezTo>
-                <a:cubicBezTo>
-                  <a:pt x="1787226" y="2386857"/>
-                  <a:pt x="1721565" y="2493051"/>
-                  <a:pt x="1790469" y="2545742"/>
-                </a:cubicBezTo>
-                <a:cubicBezTo>
-                  <a:pt x="1859373" y="2598434"/>
-                  <a:pt x="2007719" y="2618699"/>
-                  <a:pt x="2164983" y="2628427"/>
-                </a:cubicBezTo>
-                <a:cubicBezTo>
-                  <a:pt x="2322247" y="2638155"/>
-                  <a:pt x="2542741" y="2616268"/>
-                  <a:pt x="2734052" y="2604108"/>
-                </a:cubicBezTo>
-                <a:cubicBezTo>
-                  <a:pt x="2925363" y="2591948"/>
-                  <a:pt x="3177470" y="2608972"/>
-                  <a:pt x="3312847" y="2555470"/>
-                </a:cubicBezTo>
-                <a:cubicBezTo>
-                  <a:pt x="3448224" y="2501968"/>
-                  <a:pt x="3482271" y="2396584"/>
-                  <a:pt x="3546311" y="2283095"/>
-                </a:cubicBezTo>
-                <a:cubicBezTo>
-                  <a:pt x="3610351" y="2169606"/>
-                  <a:pt x="3650073" y="2026123"/>
-                  <a:pt x="3697090" y="1874534"/>
-                </a:cubicBezTo>
-                <a:cubicBezTo>
-                  <a:pt x="3744107" y="1722945"/>
-                  <a:pt x="3791124" y="1511367"/>
-                  <a:pt x="3828413" y="1373559"/>
-                </a:cubicBezTo>
-                <a:cubicBezTo>
-                  <a:pt x="3865702" y="1235751"/>
-                  <a:pt x="3890832" y="1154687"/>
-                  <a:pt x="3920826" y="1047683"/>
-                </a:cubicBezTo>
-                <a:cubicBezTo>
-                  <a:pt x="3950820" y="940679"/>
-                  <a:pt x="4001079" y="839349"/>
-                  <a:pt x="4008375" y="731534"/>
-                </a:cubicBezTo>
-                <a:cubicBezTo>
-                  <a:pt x="4015671" y="623719"/>
-                  <a:pt x="4130781" y="456727"/>
-                  <a:pt x="3940281" y="400793"/>
+                  <a:pt x="4229842" y="363954"/>
+                  <a:pt x="4078400" y="231682"/>
+                  <a:pt x="3985426" y="150210"/>
                 </a:cubicBezTo>
                 <a:close/>
               </a:path>
@@ -25235,12 +25135,203 @@
           <a:solidFill>
             <a:schemeClr val="bg2"/>
           </a:solidFill>
-          <a:ln>
+          <a:ln w="38100">
             <a:solidFill>
               <a:srgbClr val="00B050"/>
             </a:solidFill>
             <a:prstDash val="sysDot"/>
           </a:ln>
+        </p:spPr>
+        <p:style>
+          <a:lnRef idx="2">
+            <a:schemeClr val="accent1">
+              <a:shade val="50000"/>
+            </a:schemeClr>
+          </a:lnRef>
+          <a:fillRef idx="1">
+            <a:schemeClr val="accent1"/>
+          </a:fillRef>
+          <a:effectRef idx="0">
+            <a:schemeClr val="accent1"/>
+          </a:effectRef>
+          <a:fontRef idx="minor">
+            <a:schemeClr val="lt1"/>
+          </a:fontRef>
+        </p:style>
+        <p:txBody>
+          <a:bodyPr rtlCol="0" anchor="ctr"/>
+          <a:lstStyle/>
+          <a:p>
+            <a:pPr algn="ctr"/>
+            <a:endParaRPr lang="en-US"/>
+          </a:p>
+        </p:txBody>
+      </p:sp>
+      <p:sp>
+        <p:nvSpPr>
+          <p:cNvPr id="13" name="矩形 12"/>
+          <p:cNvSpPr/>
+          <p:nvPr/>
+        </p:nvSpPr>
+        <p:spPr>
+          <a:xfrm>
+            <a:off x="3715077" y="7003250"/>
+            <a:ext cx="2150886" cy="633899"/>
+          </a:xfrm>
+          <a:prstGeom prst="rect">
+            <a:avLst/>
+          </a:prstGeom>
+          <a:noFill/>
+          <a:ln w="38100">
+            <a:solidFill>
+              <a:schemeClr val="tx1"/>
+            </a:solidFill>
+          </a:ln>
+        </p:spPr>
+        <p:style>
+          <a:lnRef idx="2">
+            <a:schemeClr val="accent1">
+              <a:shade val="50000"/>
+            </a:schemeClr>
+          </a:lnRef>
+          <a:fillRef idx="1">
+            <a:schemeClr val="accent1"/>
+          </a:fillRef>
+          <a:effectRef idx="0">
+            <a:schemeClr val="accent1"/>
+          </a:effectRef>
+          <a:fontRef idx="minor">
+            <a:schemeClr val="lt1"/>
+          </a:fontRef>
+        </p:style>
+        <p:txBody>
+          <a:bodyPr rtlCol="0" anchor="ctr"/>
+          <a:lstStyle/>
+          <a:p>
+            <a:pPr algn="ctr"/>
+            <a:endParaRPr lang="en-US" dirty="0"/>
+          </a:p>
+        </p:txBody>
+      </p:sp>
+      <p:sp>
+        <p:nvSpPr>
+          <p:cNvPr id="10" name="任意多边形 9"/>
+          <p:cNvSpPr/>
+          <p:nvPr/>
+        </p:nvSpPr>
+        <p:spPr>
+          <a:xfrm>
+            <a:off x="4243152" y="8787104"/>
+            <a:ext cx="1572892" cy="2359299"/>
+          </a:xfrm>
+          <a:custGeom>
+            <a:avLst/>
+            <a:gdLst>
+              <a:gd name="connsiteX0" fmla="*/ 1156984 w 1572892"/>
+              <a:gd name="connsiteY0" fmla="*/ 138360 h 2359299"/>
+              <a:gd name="connsiteX1" fmla="*/ 1559550 w 1572892"/>
+              <a:gd name="connsiteY1" fmla="*/ 178617 h 2359299"/>
+              <a:gd name="connsiteX2" fmla="*/ 1433029 w 1572892"/>
+              <a:gd name="connsiteY2" fmla="*/ 1029756 h 2359299"/>
+              <a:gd name="connsiteX3" fmla="*/ 1007459 w 1572892"/>
+              <a:gd name="connsiteY3" fmla="*/ 2082179 h 2359299"/>
+              <a:gd name="connsiteX4" fmla="*/ 340350 w 1572892"/>
+              <a:gd name="connsiteY4" fmla="*/ 2358224 h 2359299"/>
+              <a:gd name="connsiteX5" fmla="*/ 35550 w 1572892"/>
+              <a:gd name="connsiteY5" fmla="*/ 2018919 h 2359299"/>
+              <a:gd name="connsiteX6" fmla="*/ 81557 w 1572892"/>
+              <a:gd name="connsiteY6" fmla="*/ 1719870 h 2359299"/>
+              <a:gd name="connsiteX7" fmla="*/ 708410 w 1572892"/>
+              <a:gd name="connsiteY7" fmla="*/ 1702617 h 2359299"/>
+              <a:gd name="connsiteX8" fmla="*/ 1156984 w 1572892"/>
+              <a:gd name="connsiteY8" fmla="*/ 138360 h 2359299"/>
+            </a:gdLst>
+            <a:ahLst/>
+            <a:cxnLst>
+              <a:cxn ang="0">
+                <a:pos x="connsiteX0" y="connsiteY0"/>
+              </a:cxn>
+              <a:cxn ang="0">
+                <a:pos x="connsiteX1" y="connsiteY1"/>
+              </a:cxn>
+              <a:cxn ang="0">
+                <a:pos x="connsiteX2" y="connsiteY2"/>
+              </a:cxn>
+              <a:cxn ang="0">
+                <a:pos x="connsiteX3" y="connsiteY3"/>
+              </a:cxn>
+              <a:cxn ang="0">
+                <a:pos x="connsiteX4" y="connsiteY4"/>
+              </a:cxn>
+              <a:cxn ang="0">
+                <a:pos x="connsiteX5" y="connsiteY5"/>
+              </a:cxn>
+              <a:cxn ang="0">
+                <a:pos x="connsiteX6" y="connsiteY6"/>
+              </a:cxn>
+              <a:cxn ang="0">
+                <a:pos x="connsiteX7" y="connsiteY7"/>
+              </a:cxn>
+              <a:cxn ang="0">
+                <a:pos x="connsiteX8" y="connsiteY8"/>
+              </a:cxn>
+            </a:cxnLst>
+            <a:rect l="l" t="t" r="r" b="b"/>
+            <a:pathLst>
+              <a:path w="1572892" h="2359299">
+                <a:moveTo>
+                  <a:pt x="1156984" y="138360"/>
+                </a:moveTo>
+                <a:cubicBezTo>
+                  <a:pt x="1298841" y="-115640"/>
+                  <a:pt x="1513543" y="30051"/>
+                  <a:pt x="1559550" y="178617"/>
+                </a:cubicBezTo>
+                <a:cubicBezTo>
+                  <a:pt x="1605558" y="327183"/>
+                  <a:pt x="1525044" y="712496"/>
+                  <a:pt x="1433029" y="1029756"/>
+                </a:cubicBezTo>
+                <a:cubicBezTo>
+                  <a:pt x="1341014" y="1347016"/>
+                  <a:pt x="1189572" y="1860768"/>
+                  <a:pt x="1007459" y="2082179"/>
+                </a:cubicBezTo>
+                <a:cubicBezTo>
+                  <a:pt x="825346" y="2303590"/>
+                  <a:pt x="502335" y="2368767"/>
+                  <a:pt x="340350" y="2358224"/>
+                </a:cubicBezTo>
+                <a:cubicBezTo>
+                  <a:pt x="178365" y="2347681"/>
+                  <a:pt x="78682" y="2125311"/>
+                  <a:pt x="35550" y="2018919"/>
+                </a:cubicBezTo>
+                <a:cubicBezTo>
+                  <a:pt x="-7582" y="1912527"/>
+                  <a:pt x="-30586" y="1772587"/>
+                  <a:pt x="81557" y="1719870"/>
+                </a:cubicBezTo>
+                <a:cubicBezTo>
+                  <a:pt x="193700" y="1667153"/>
+                  <a:pt x="525338" y="1963327"/>
+                  <a:pt x="708410" y="1702617"/>
+                </a:cubicBezTo>
+                <a:cubicBezTo>
+                  <a:pt x="891482" y="1441908"/>
+                  <a:pt x="1015127" y="392360"/>
+                  <a:pt x="1156984" y="138360"/>
+                </a:cubicBezTo>
+                <a:close/>
+              </a:path>
+            </a:pathLst>
+          </a:custGeom>
+          <a:solidFill>
+            <a:schemeClr val="accent4">
+              <a:lumMod val="40000"/>
+              <a:lumOff val="60000"/>
+            </a:schemeClr>
+          </a:solidFill>
         </p:spPr>
         <p:style>
           <a:lnRef idx="2">
@@ -42853,8 +42944,8 @@
           </a:fontRef>
         </p:style>
       </p:cxnSp>
-      <mc:AlternateContent xmlns:mc="http://schemas.openxmlformats.org/markup-compatibility/2006">
-        <mc:Choice xmlns:a14="http://schemas.microsoft.com/office/drawing/2010/main" Requires="a14">
+      <mc:AlternateContent xmlns:mc="http://schemas.openxmlformats.org/markup-compatibility/2006" xmlns:a14="http://schemas.microsoft.com/office/drawing/2010/main">
+        <mc:Choice Requires="a14">
           <p:sp>
             <p:nvSpPr>
               <p:cNvPr id="112" name="文本框 111"/>
@@ -42930,7 +43021,7 @@
             </p:txBody>
           </p:sp>
         </mc:Choice>
-        <mc:Fallback>
+        <mc:Fallback xmlns="">
           <p:sp>
             <p:nvSpPr>
               <p:cNvPr id="112" name="文本框 111"/>
@@ -42969,8 +43060,8 @@
           </p:sp>
         </mc:Fallback>
       </mc:AlternateContent>
-      <mc:AlternateContent xmlns:mc="http://schemas.openxmlformats.org/markup-compatibility/2006">
-        <mc:Choice xmlns:a14="http://schemas.microsoft.com/office/drawing/2010/main" Requires="a14">
+      <mc:AlternateContent xmlns:mc="http://schemas.openxmlformats.org/markup-compatibility/2006" xmlns:a14="http://schemas.microsoft.com/office/drawing/2010/main">
+        <mc:Choice Requires="a14">
           <p:sp>
             <p:nvSpPr>
               <p:cNvPr id="861" name="文本框 860"/>
@@ -43055,7 +43146,7 @@
             </p:txBody>
           </p:sp>
         </mc:Choice>
-        <mc:Fallback>
+        <mc:Fallback xmlns="">
           <p:sp>
             <p:nvSpPr>
               <p:cNvPr id="861" name="文本框 860"/>
@@ -43094,8 +43185,8 @@
           </p:sp>
         </mc:Fallback>
       </mc:AlternateContent>
-      <mc:AlternateContent xmlns:mc="http://schemas.openxmlformats.org/markup-compatibility/2006">
-        <mc:Choice xmlns:a14="http://schemas.microsoft.com/office/drawing/2010/main" Requires="a14">
+      <mc:AlternateContent xmlns:mc="http://schemas.openxmlformats.org/markup-compatibility/2006" xmlns:a14="http://schemas.microsoft.com/office/drawing/2010/main">
+        <mc:Choice Requires="a14">
           <p:sp>
             <p:nvSpPr>
               <p:cNvPr id="863" name="文本框 862"/>
@@ -43180,7 +43271,7 @@
             </p:txBody>
           </p:sp>
         </mc:Choice>
-        <mc:Fallback>
+        <mc:Fallback xmlns="">
           <p:sp>
             <p:nvSpPr>
               <p:cNvPr id="863" name="文本框 862"/>
@@ -47907,8 +47998,8 @@
           </a:p>
         </p:txBody>
       </p:sp>
-      <mc:AlternateContent xmlns:mc="http://schemas.openxmlformats.org/markup-compatibility/2006">
-        <mc:Choice xmlns:a14="http://schemas.microsoft.com/office/drawing/2010/main" Requires="a14">
+      <mc:AlternateContent xmlns:mc="http://schemas.openxmlformats.org/markup-compatibility/2006" xmlns:a14="http://schemas.microsoft.com/office/drawing/2010/main">
+        <mc:Choice Requires="a14">
           <p:sp>
             <p:nvSpPr>
               <p:cNvPr id="1004" name="文本框 1003"/>
@@ -47993,7 +48084,7 @@
             </p:txBody>
           </p:sp>
         </mc:Choice>
-        <mc:Fallback>
+        <mc:Fallback xmlns="">
           <p:sp>
             <p:nvSpPr>
               <p:cNvPr id="1004" name="文本框 1003"/>
@@ -49306,8 +49397,8 @@
           </a:p>
         </p:txBody>
       </p:sp>
-      <mc:AlternateContent xmlns:mc="http://schemas.openxmlformats.org/markup-compatibility/2006">
-        <mc:Choice xmlns:a14="http://schemas.microsoft.com/office/drawing/2010/main" Requires="a14">
+      <mc:AlternateContent xmlns:mc="http://schemas.openxmlformats.org/markup-compatibility/2006" xmlns:a14="http://schemas.microsoft.com/office/drawing/2010/main">
+        <mc:Choice Requires="a14">
           <p:sp>
             <p:nvSpPr>
               <p:cNvPr id="1042" name="文本框 1041"/>
@@ -49392,7 +49483,7 @@
             </p:txBody>
           </p:sp>
         </mc:Choice>
-        <mc:Fallback>
+        <mc:Fallback xmlns="">
           <p:sp>
             <p:nvSpPr>
               <p:cNvPr id="1042" name="文本框 1041"/>
@@ -49431,8 +49522,8 @@
           </p:sp>
         </mc:Fallback>
       </mc:AlternateContent>
-      <mc:AlternateContent xmlns:mc="http://schemas.openxmlformats.org/markup-compatibility/2006">
-        <mc:Choice xmlns:a14="http://schemas.microsoft.com/office/drawing/2010/main" Requires="a14">
+      <mc:AlternateContent xmlns:mc="http://schemas.openxmlformats.org/markup-compatibility/2006" xmlns:a14="http://schemas.microsoft.com/office/drawing/2010/main">
+        <mc:Choice Requires="a14">
           <p:sp>
             <p:nvSpPr>
               <p:cNvPr id="1043" name="文本框 1042"/>
@@ -49508,7 +49599,7 @@
             </p:txBody>
           </p:sp>
         </mc:Choice>
-        <mc:Fallback>
+        <mc:Fallback xmlns="">
           <p:sp>
             <p:nvSpPr>
               <p:cNvPr id="1043" name="文本框 1042"/>
@@ -49547,8 +49638,8 @@
           </p:sp>
         </mc:Fallback>
       </mc:AlternateContent>
-      <mc:AlternateContent xmlns:mc="http://schemas.openxmlformats.org/markup-compatibility/2006">
-        <mc:Choice xmlns:a14="http://schemas.microsoft.com/office/drawing/2010/main" Requires="a14">
+      <mc:AlternateContent xmlns:mc="http://schemas.openxmlformats.org/markup-compatibility/2006" xmlns:a14="http://schemas.microsoft.com/office/drawing/2010/main">
+        <mc:Choice Requires="a14">
           <p:sp>
             <p:nvSpPr>
               <p:cNvPr id="1044" name="文本框 1043"/>
@@ -49633,7 +49724,7 @@
             </p:txBody>
           </p:sp>
         </mc:Choice>
-        <mc:Fallback>
+        <mc:Fallback xmlns="">
           <p:sp>
             <p:nvSpPr>
               <p:cNvPr id="1044" name="文本框 1043"/>
@@ -49672,8 +49763,8 @@
           </p:sp>
         </mc:Fallback>
       </mc:AlternateContent>
-      <mc:AlternateContent xmlns:mc="http://schemas.openxmlformats.org/markup-compatibility/2006">
-        <mc:Choice xmlns:a14="http://schemas.microsoft.com/office/drawing/2010/main" Requires="a14">
+      <mc:AlternateContent xmlns:mc="http://schemas.openxmlformats.org/markup-compatibility/2006" xmlns:a14="http://schemas.microsoft.com/office/drawing/2010/main">
+        <mc:Choice Requires="a14">
           <p:sp>
             <p:nvSpPr>
               <p:cNvPr id="1045" name="文本框 1044"/>
@@ -49751,7 +49842,7 @@
             </p:txBody>
           </p:sp>
         </mc:Choice>
-        <mc:Fallback>
+        <mc:Fallback xmlns="">
           <p:sp>
             <p:nvSpPr>
               <p:cNvPr id="1045" name="文本框 1044"/>
@@ -49790,8 +49881,8 @@
           </p:sp>
         </mc:Fallback>
       </mc:AlternateContent>
-      <mc:AlternateContent xmlns:mc="http://schemas.openxmlformats.org/markup-compatibility/2006">
-        <mc:Choice xmlns:a14="http://schemas.microsoft.com/office/drawing/2010/main" Requires="a14">
+      <mc:AlternateContent xmlns:mc="http://schemas.openxmlformats.org/markup-compatibility/2006" xmlns:a14="http://schemas.microsoft.com/office/drawing/2010/main">
+        <mc:Choice Requires="a14">
           <p:sp>
             <p:nvSpPr>
               <p:cNvPr id="1046" name="文本框 1045"/>
@@ -49869,7 +49960,7 @@
             </p:txBody>
           </p:sp>
         </mc:Choice>
-        <mc:Fallback>
+        <mc:Fallback xmlns="">
           <p:sp>
             <p:nvSpPr>
               <p:cNvPr id="1046" name="文本框 1045"/>
@@ -49908,8 +49999,8 @@
           </p:sp>
         </mc:Fallback>
       </mc:AlternateContent>
-      <mc:AlternateContent xmlns:mc="http://schemas.openxmlformats.org/markup-compatibility/2006">
-        <mc:Choice xmlns:a14="http://schemas.microsoft.com/office/drawing/2010/main" Requires="a14">
+      <mc:AlternateContent xmlns:mc="http://schemas.openxmlformats.org/markup-compatibility/2006" xmlns:a14="http://schemas.microsoft.com/office/drawing/2010/main">
+        <mc:Choice Requires="a14">
           <p:sp>
             <p:nvSpPr>
               <p:cNvPr id="1048" name="文本框 1047"/>
@@ -49994,7 +50085,7 @@
             </p:txBody>
           </p:sp>
         </mc:Choice>
-        <mc:Fallback>
+        <mc:Fallback xmlns="">
           <p:sp>
             <p:nvSpPr>
               <p:cNvPr id="1048" name="文本框 1047"/>
@@ -50033,8 +50124,8 @@
           </p:sp>
         </mc:Fallback>
       </mc:AlternateContent>
-      <mc:AlternateContent xmlns:mc="http://schemas.openxmlformats.org/markup-compatibility/2006">
-        <mc:Choice xmlns:a14="http://schemas.microsoft.com/office/drawing/2010/main" Requires="a14">
+      <mc:AlternateContent xmlns:mc="http://schemas.openxmlformats.org/markup-compatibility/2006" xmlns:a14="http://schemas.microsoft.com/office/drawing/2010/main">
+        <mc:Choice Requires="a14">
           <p:sp>
             <p:nvSpPr>
               <p:cNvPr id="1049" name="文本框 1048"/>
@@ -50110,7 +50201,7 @@
             </p:txBody>
           </p:sp>
         </mc:Choice>
-        <mc:Fallback>
+        <mc:Fallback xmlns="">
           <p:sp>
             <p:nvSpPr>
               <p:cNvPr id="1049" name="文本框 1048"/>
@@ -50149,8 +50240,8 @@
           </p:sp>
         </mc:Fallback>
       </mc:AlternateContent>
-      <mc:AlternateContent xmlns:mc="http://schemas.openxmlformats.org/markup-compatibility/2006">
-        <mc:Choice xmlns:a14="http://schemas.microsoft.com/office/drawing/2010/main" Requires="a14">
+      <mc:AlternateContent xmlns:mc="http://schemas.openxmlformats.org/markup-compatibility/2006" xmlns:a14="http://schemas.microsoft.com/office/drawing/2010/main">
+        <mc:Choice Requires="a14">
           <p:sp>
             <p:nvSpPr>
               <p:cNvPr id="1050" name="文本框 1049"/>
@@ -50226,7 +50317,7 @@
             </p:txBody>
           </p:sp>
         </mc:Choice>
-        <mc:Fallback>
+        <mc:Fallback xmlns="">
           <p:sp>
             <p:nvSpPr>
               <p:cNvPr id="1050" name="文本框 1049"/>
@@ -50265,8 +50356,8 @@
           </p:sp>
         </mc:Fallback>
       </mc:AlternateContent>
-      <mc:AlternateContent xmlns:mc="http://schemas.openxmlformats.org/markup-compatibility/2006">
-        <mc:Choice xmlns:a14="http://schemas.microsoft.com/office/drawing/2010/main" Requires="a14">
+      <mc:AlternateContent xmlns:mc="http://schemas.openxmlformats.org/markup-compatibility/2006" xmlns:a14="http://schemas.microsoft.com/office/drawing/2010/main">
+        <mc:Choice Requires="a14">
           <p:sp>
             <p:nvSpPr>
               <p:cNvPr id="1051" name="文本框 1050"/>
@@ -50342,7 +50433,7 @@
             </p:txBody>
           </p:sp>
         </mc:Choice>
-        <mc:Fallback>
+        <mc:Fallback xmlns="">
           <p:sp>
             <p:nvSpPr>
               <p:cNvPr id="1051" name="文本框 1050"/>
@@ -50381,8 +50472,8 @@
           </p:sp>
         </mc:Fallback>
       </mc:AlternateContent>
-      <mc:AlternateContent xmlns:mc="http://schemas.openxmlformats.org/markup-compatibility/2006">
-        <mc:Choice xmlns:a14="http://schemas.microsoft.com/office/drawing/2010/main" Requires="a14">
+      <mc:AlternateContent xmlns:mc="http://schemas.openxmlformats.org/markup-compatibility/2006" xmlns:a14="http://schemas.microsoft.com/office/drawing/2010/main">
+        <mc:Choice Requires="a14">
           <p:sp>
             <p:nvSpPr>
               <p:cNvPr id="1052" name="文本框 1051"/>
@@ -50458,7 +50549,7 @@
             </p:txBody>
           </p:sp>
         </mc:Choice>
-        <mc:Fallback>
+        <mc:Fallback xmlns="">
           <p:sp>
             <p:nvSpPr>
               <p:cNvPr id="1052" name="文本框 1051"/>
@@ -50497,8 +50588,8 @@
           </p:sp>
         </mc:Fallback>
       </mc:AlternateContent>
-      <mc:AlternateContent xmlns:mc="http://schemas.openxmlformats.org/markup-compatibility/2006">
-        <mc:Choice xmlns:a14="http://schemas.microsoft.com/office/drawing/2010/main" Requires="a14">
+      <mc:AlternateContent xmlns:mc="http://schemas.openxmlformats.org/markup-compatibility/2006" xmlns:a14="http://schemas.microsoft.com/office/drawing/2010/main">
+        <mc:Choice Requires="a14">
           <p:sp>
             <p:nvSpPr>
               <p:cNvPr id="1053" name="文本框 1052"/>
@@ -50574,7 +50665,7 @@
             </p:txBody>
           </p:sp>
         </mc:Choice>
-        <mc:Fallback>
+        <mc:Fallback xmlns="">
           <p:sp>
             <p:nvSpPr>
               <p:cNvPr id="1053" name="文本框 1052"/>
@@ -50613,8 +50704,8 @@
           </p:sp>
         </mc:Fallback>
       </mc:AlternateContent>
-      <mc:AlternateContent xmlns:mc="http://schemas.openxmlformats.org/markup-compatibility/2006">
-        <mc:Choice xmlns:a14="http://schemas.microsoft.com/office/drawing/2010/main" Requires="a14">
+      <mc:AlternateContent xmlns:mc="http://schemas.openxmlformats.org/markup-compatibility/2006" xmlns:a14="http://schemas.microsoft.com/office/drawing/2010/main">
+        <mc:Choice Requires="a14">
           <p:sp>
             <p:nvSpPr>
               <p:cNvPr id="1054" name="文本框 1053"/>
@@ -50699,7 +50790,7 @@
             </p:txBody>
           </p:sp>
         </mc:Choice>
-        <mc:Fallback>
+        <mc:Fallback xmlns="">
           <p:sp>
             <p:nvSpPr>
               <p:cNvPr id="1054" name="文本框 1053"/>
@@ -50738,8 +50829,8 @@
           </p:sp>
         </mc:Fallback>
       </mc:AlternateContent>
-      <mc:AlternateContent xmlns:mc="http://schemas.openxmlformats.org/markup-compatibility/2006">
-        <mc:Choice xmlns:a14="http://schemas.microsoft.com/office/drawing/2010/main" Requires="a14">
+      <mc:AlternateContent xmlns:mc="http://schemas.openxmlformats.org/markup-compatibility/2006" xmlns:a14="http://schemas.microsoft.com/office/drawing/2010/main">
+        <mc:Choice Requires="a14">
           <p:sp>
             <p:nvSpPr>
               <p:cNvPr id="1055" name="文本框 1054"/>
@@ -50824,7 +50915,7 @@
             </p:txBody>
           </p:sp>
         </mc:Choice>
-        <mc:Fallback>
+        <mc:Fallback xmlns="">
           <p:sp>
             <p:nvSpPr>
               <p:cNvPr id="1055" name="文本框 1054"/>
@@ -50863,8 +50954,8 @@
           </p:sp>
         </mc:Fallback>
       </mc:AlternateContent>
-      <mc:AlternateContent xmlns:mc="http://schemas.openxmlformats.org/markup-compatibility/2006">
-        <mc:Choice xmlns:a14="http://schemas.microsoft.com/office/drawing/2010/main" Requires="a14">
+      <mc:AlternateContent xmlns:mc="http://schemas.openxmlformats.org/markup-compatibility/2006" xmlns:a14="http://schemas.microsoft.com/office/drawing/2010/main">
+        <mc:Choice Requires="a14">
           <p:sp>
             <p:nvSpPr>
               <p:cNvPr id="1056" name="文本框 1055"/>
@@ -50949,7 +51040,7 @@
             </p:txBody>
           </p:sp>
         </mc:Choice>
-        <mc:Fallback>
+        <mc:Fallback xmlns="">
           <p:sp>
             <p:nvSpPr>
               <p:cNvPr id="1056" name="文本框 1055"/>
@@ -50988,8 +51079,8 @@
           </p:sp>
         </mc:Fallback>
       </mc:AlternateContent>
-      <mc:AlternateContent xmlns:mc="http://schemas.openxmlformats.org/markup-compatibility/2006">
-        <mc:Choice xmlns:a14="http://schemas.microsoft.com/office/drawing/2010/main" Requires="a14">
+      <mc:AlternateContent xmlns:mc="http://schemas.openxmlformats.org/markup-compatibility/2006" xmlns:a14="http://schemas.microsoft.com/office/drawing/2010/main">
+        <mc:Choice Requires="a14">
           <p:sp>
             <p:nvSpPr>
               <p:cNvPr id="1057" name="文本框 1056"/>
@@ -51074,7 +51165,7 @@
             </p:txBody>
           </p:sp>
         </mc:Choice>
-        <mc:Fallback>
+        <mc:Fallback xmlns="">
           <p:sp>
             <p:nvSpPr>
               <p:cNvPr id="1057" name="文本框 1056"/>
@@ -51113,8 +51204,8 @@
           </p:sp>
         </mc:Fallback>
       </mc:AlternateContent>
-      <mc:AlternateContent xmlns:mc="http://schemas.openxmlformats.org/markup-compatibility/2006">
-        <mc:Choice xmlns:a14="http://schemas.microsoft.com/office/drawing/2010/main" Requires="a14">
+      <mc:AlternateContent xmlns:mc="http://schemas.openxmlformats.org/markup-compatibility/2006" xmlns:a14="http://schemas.microsoft.com/office/drawing/2010/main">
+        <mc:Choice Requires="a14">
           <p:sp>
             <p:nvSpPr>
               <p:cNvPr id="1058" name="文本框 1057"/>
@@ -51190,7 +51281,7 @@
             </p:txBody>
           </p:sp>
         </mc:Choice>
-        <mc:Fallback>
+        <mc:Fallback xmlns="">
           <p:sp>
             <p:nvSpPr>
               <p:cNvPr id="1058" name="文本框 1057"/>
@@ -51229,8 +51320,8 @@
           </p:sp>
         </mc:Fallback>
       </mc:AlternateContent>
-      <mc:AlternateContent xmlns:mc="http://schemas.openxmlformats.org/markup-compatibility/2006">
-        <mc:Choice xmlns:a14="http://schemas.microsoft.com/office/drawing/2010/main" Requires="a14">
+      <mc:AlternateContent xmlns:mc="http://schemas.openxmlformats.org/markup-compatibility/2006" xmlns:a14="http://schemas.microsoft.com/office/drawing/2010/main">
+        <mc:Choice Requires="a14">
           <p:sp>
             <p:nvSpPr>
               <p:cNvPr id="1059" name="文本框 1058"/>
@@ -51308,7 +51399,7 @@
             </p:txBody>
           </p:sp>
         </mc:Choice>
-        <mc:Fallback>
+        <mc:Fallback xmlns="">
           <p:sp>
             <p:nvSpPr>
               <p:cNvPr id="1059" name="文本框 1058"/>
@@ -51347,8 +51438,8 @@
           </p:sp>
         </mc:Fallback>
       </mc:AlternateContent>
-      <mc:AlternateContent xmlns:mc="http://schemas.openxmlformats.org/markup-compatibility/2006">
-        <mc:Choice xmlns:a14="http://schemas.microsoft.com/office/drawing/2010/main" Requires="a14">
+      <mc:AlternateContent xmlns:mc="http://schemas.openxmlformats.org/markup-compatibility/2006" xmlns:a14="http://schemas.microsoft.com/office/drawing/2010/main">
+        <mc:Choice Requires="a14">
           <p:sp>
             <p:nvSpPr>
               <p:cNvPr id="1060" name="文本框 1059"/>
@@ -51426,7 +51517,7 @@
             </p:txBody>
           </p:sp>
         </mc:Choice>
-        <mc:Fallback>
+        <mc:Fallback xmlns="">
           <p:sp>
             <p:nvSpPr>
               <p:cNvPr id="1060" name="文本框 1059"/>
@@ -51465,8 +51556,8 @@
           </p:sp>
         </mc:Fallback>
       </mc:AlternateContent>
-      <mc:AlternateContent xmlns:mc="http://schemas.openxmlformats.org/markup-compatibility/2006">
-        <mc:Choice xmlns:a14="http://schemas.microsoft.com/office/drawing/2010/main" Requires="a14">
+      <mc:AlternateContent xmlns:mc="http://schemas.openxmlformats.org/markup-compatibility/2006" xmlns:a14="http://schemas.microsoft.com/office/drawing/2010/main">
+        <mc:Choice Requires="a14">
           <p:sp>
             <p:nvSpPr>
               <p:cNvPr id="1061" name="文本框 1060"/>
@@ -51544,7 +51635,7 @@
             </p:txBody>
           </p:sp>
         </mc:Choice>
-        <mc:Fallback>
+        <mc:Fallback xmlns="">
           <p:sp>
             <p:nvSpPr>
               <p:cNvPr id="1061" name="文本框 1060"/>
@@ -51583,8 +51674,8 @@
           </p:sp>
         </mc:Fallback>
       </mc:AlternateContent>
-      <mc:AlternateContent xmlns:mc="http://schemas.openxmlformats.org/markup-compatibility/2006">
-        <mc:Choice xmlns:a14="http://schemas.microsoft.com/office/drawing/2010/main" Requires="a14">
+      <mc:AlternateContent xmlns:mc="http://schemas.openxmlformats.org/markup-compatibility/2006" xmlns:a14="http://schemas.microsoft.com/office/drawing/2010/main">
+        <mc:Choice Requires="a14">
           <p:sp>
             <p:nvSpPr>
               <p:cNvPr id="1062" name="文本框 1061"/>
@@ -51662,7 +51753,7 @@
             </p:txBody>
           </p:sp>
         </mc:Choice>
-        <mc:Fallback>
+        <mc:Fallback xmlns="">
           <p:sp>
             <p:nvSpPr>
               <p:cNvPr id="1062" name="文本框 1061"/>
@@ -51701,8 +51792,8 @@
           </p:sp>
         </mc:Fallback>
       </mc:AlternateContent>
-      <mc:AlternateContent xmlns:mc="http://schemas.openxmlformats.org/markup-compatibility/2006">
-        <mc:Choice xmlns:a14="http://schemas.microsoft.com/office/drawing/2010/main" Requires="a14">
+      <mc:AlternateContent xmlns:mc="http://schemas.openxmlformats.org/markup-compatibility/2006" xmlns:a14="http://schemas.microsoft.com/office/drawing/2010/main">
+        <mc:Choice Requires="a14">
           <p:sp>
             <p:nvSpPr>
               <p:cNvPr id="1063" name="文本框 1062"/>
@@ -51780,7 +51871,7 @@
             </p:txBody>
           </p:sp>
         </mc:Choice>
-        <mc:Fallback>
+        <mc:Fallback xmlns="">
           <p:sp>
             <p:nvSpPr>
               <p:cNvPr id="1063" name="文本框 1062"/>
@@ -51819,8 +51910,8 @@
           </p:sp>
         </mc:Fallback>
       </mc:AlternateContent>
-      <mc:AlternateContent xmlns:mc="http://schemas.openxmlformats.org/markup-compatibility/2006">
-        <mc:Choice xmlns:a14="http://schemas.microsoft.com/office/drawing/2010/main" Requires="a14">
+      <mc:AlternateContent xmlns:mc="http://schemas.openxmlformats.org/markup-compatibility/2006" xmlns:a14="http://schemas.microsoft.com/office/drawing/2010/main">
+        <mc:Choice Requires="a14">
           <p:sp>
             <p:nvSpPr>
               <p:cNvPr id="1064" name="文本框 1063"/>
@@ -51898,7 +51989,7 @@
             </p:txBody>
           </p:sp>
         </mc:Choice>
-        <mc:Fallback>
+        <mc:Fallback xmlns="">
           <p:sp>
             <p:nvSpPr>
               <p:cNvPr id="1064" name="文本框 1063"/>
@@ -51937,8 +52028,8 @@
           </p:sp>
         </mc:Fallback>
       </mc:AlternateContent>
-      <mc:AlternateContent xmlns:mc="http://schemas.openxmlformats.org/markup-compatibility/2006">
-        <mc:Choice xmlns:a14="http://schemas.microsoft.com/office/drawing/2010/main" Requires="a14">
+      <mc:AlternateContent xmlns:mc="http://schemas.openxmlformats.org/markup-compatibility/2006" xmlns:a14="http://schemas.microsoft.com/office/drawing/2010/main">
+        <mc:Choice Requires="a14">
           <p:sp>
             <p:nvSpPr>
               <p:cNvPr id="1068" name="文本框 1067"/>
@@ -52023,7 +52114,7 @@
             </p:txBody>
           </p:sp>
         </mc:Choice>
-        <mc:Fallback>
+        <mc:Fallback xmlns="">
           <p:sp>
             <p:nvSpPr>
               <p:cNvPr id="1068" name="文本框 1067"/>
@@ -52062,8 +52153,8 @@
           </p:sp>
         </mc:Fallback>
       </mc:AlternateContent>
-      <mc:AlternateContent xmlns:mc="http://schemas.openxmlformats.org/markup-compatibility/2006">
-        <mc:Choice xmlns:a14="http://schemas.microsoft.com/office/drawing/2010/main" Requires="a14">
+      <mc:AlternateContent xmlns:mc="http://schemas.openxmlformats.org/markup-compatibility/2006" xmlns:a14="http://schemas.microsoft.com/office/drawing/2010/main">
+        <mc:Choice Requires="a14">
           <p:sp>
             <p:nvSpPr>
               <p:cNvPr id="1069" name="文本框 1068"/>
@@ -52139,7 +52230,7 @@
             </p:txBody>
           </p:sp>
         </mc:Choice>
-        <mc:Fallback>
+        <mc:Fallback xmlns="">
           <p:sp>
             <p:nvSpPr>
               <p:cNvPr id="1069" name="文本框 1068"/>
@@ -52178,8 +52269,8 @@
           </p:sp>
         </mc:Fallback>
       </mc:AlternateContent>
-      <mc:AlternateContent xmlns:mc="http://schemas.openxmlformats.org/markup-compatibility/2006">
-        <mc:Choice xmlns:a14="http://schemas.microsoft.com/office/drawing/2010/main" Requires="a14">
+      <mc:AlternateContent xmlns:mc="http://schemas.openxmlformats.org/markup-compatibility/2006" xmlns:a14="http://schemas.microsoft.com/office/drawing/2010/main">
+        <mc:Choice Requires="a14">
           <p:sp>
             <p:nvSpPr>
               <p:cNvPr id="1070" name="文本框 1069"/>
@@ -52264,7 +52355,7 @@
             </p:txBody>
           </p:sp>
         </mc:Choice>
-        <mc:Fallback>
+        <mc:Fallback xmlns="">
           <p:sp>
             <p:nvSpPr>
               <p:cNvPr id="1070" name="文本框 1069"/>
@@ -52303,8 +52394,8 @@
           </p:sp>
         </mc:Fallback>
       </mc:AlternateContent>
-      <mc:AlternateContent xmlns:mc="http://schemas.openxmlformats.org/markup-compatibility/2006">
-        <mc:Choice xmlns:a14="http://schemas.microsoft.com/office/drawing/2010/main" Requires="a14">
+      <mc:AlternateContent xmlns:mc="http://schemas.openxmlformats.org/markup-compatibility/2006" xmlns:a14="http://schemas.microsoft.com/office/drawing/2010/main">
+        <mc:Choice Requires="a14">
           <p:sp>
             <p:nvSpPr>
               <p:cNvPr id="1071" name="文本框 1070"/>
@@ -52389,7 +52480,7 @@
             </p:txBody>
           </p:sp>
         </mc:Choice>
-        <mc:Fallback>
+        <mc:Fallback xmlns="">
           <p:sp>
             <p:nvSpPr>
               <p:cNvPr id="1071" name="文本框 1070"/>
@@ -52428,8 +52519,8 @@
           </p:sp>
         </mc:Fallback>
       </mc:AlternateContent>
-      <mc:AlternateContent xmlns:mc="http://schemas.openxmlformats.org/markup-compatibility/2006">
-        <mc:Choice xmlns:a14="http://schemas.microsoft.com/office/drawing/2010/main" Requires="a14">
+      <mc:AlternateContent xmlns:mc="http://schemas.openxmlformats.org/markup-compatibility/2006" xmlns:a14="http://schemas.microsoft.com/office/drawing/2010/main">
+        <mc:Choice Requires="a14">
           <p:sp>
             <p:nvSpPr>
               <p:cNvPr id="1072" name="文本框 1071"/>
@@ -52505,7 +52596,7 @@
             </p:txBody>
           </p:sp>
         </mc:Choice>
-        <mc:Fallback>
+        <mc:Fallback xmlns="">
           <p:sp>
             <p:nvSpPr>
               <p:cNvPr id="1072" name="文本框 1071"/>
@@ -52544,8 +52635,8 @@
           </p:sp>
         </mc:Fallback>
       </mc:AlternateContent>
-      <mc:AlternateContent xmlns:mc="http://schemas.openxmlformats.org/markup-compatibility/2006">
-        <mc:Choice xmlns:a14="http://schemas.microsoft.com/office/drawing/2010/main" Requires="a14">
+      <mc:AlternateContent xmlns:mc="http://schemas.openxmlformats.org/markup-compatibility/2006" xmlns:a14="http://schemas.microsoft.com/office/drawing/2010/main">
+        <mc:Choice Requires="a14">
           <p:sp>
             <p:nvSpPr>
               <p:cNvPr id="1073" name="文本框 1072"/>
@@ -52630,7 +52721,7 @@
             </p:txBody>
           </p:sp>
         </mc:Choice>
-        <mc:Fallback>
+        <mc:Fallback xmlns="">
           <p:sp>
             <p:nvSpPr>
               <p:cNvPr id="1073" name="文本框 1072"/>
@@ -52669,8 +52760,8 @@
           </p:sp>
         </mc:Fallback>
       </mc:AlternateContent>
-      <mc:AlternateContent xmlns:mc="http://schemas.openxmlformats.org/markup-compatibility/2006">
-        <mc:Choice xmlns:a14="http://schemas.microsoft.com/office/drawing/2010/main" Requires="a14">
+      <mc:AlternateContent xmlns:mc="http://schemas.openxmlformats.org/markup-compatibility/2006" xmlns:a14="http://schemas.microsoft.com/office/drawing/2010/main">
+        <mc:Choice Requires="a14">
           <p:sp>
             <p:nvSpPr>
               <p:cNvPr id="1075" name="文本框 1074"/>
@@ -52755,7 +52846,7 @@
             </p:txBody>
           </p:sp>
         </mc:Choice>
-        <mc:Fallback>
+        <mc:Fallback xmlns="">
           <p:sp>
             <p:nvSpPr>
               <p:cNvPr id="1075" name="文本框 1074"/>
@@ -52794,8 +52885,8 @@
           </p:sp>
         </mc:Fallback>
       </mc:AlternateContent>
-      <mc:AlternateContent xmlns:mc="http://schemas.openxmlformats.org/markup-compatibility/2006">
-        <mc:Choice xmlns:a14="http://schemas.microsoft.com/office/drawing/2010/main" Requires="a14">
+      <mc:AlternateContent xmlns:mc="http://schemas.openxmlformats.org/markup-compatibility/2006" xmlns:a14="http://schemas.microsoft.com/office/drawing/2010/main">
+        <mc:Choice Requires="a14">
           <p:sp>
             <p:nvSpPr>
               <p:cNvPr id="1076" name="文本框 1075"/>
@@ -52871,7 +52962,7 @@
             </p:txBody>
           </p:sp>
         </mc:Choice>
-        <mc:Fallback>
+        <mc:Fallback xmlns="">
           <p:sp>
             <p:nvSpPr>
               <p:cNvPr id="1076" name="文本框 1075"/>
@@ -52910,8 +53001,8 @@
           </p:sp>
         </mc:Fallback>
       </mc:AlternateContent>
-      <mc:AlternateContent xmlns:mc="http://schemas.openxmlformats.org/markup-compatibility/2006">
-        <mc:Choice xmlns:a14="http://schemas.microsoft.com/office/drawing/2010/main" Requires="a14">
+      <mc:AlternateContent xmlns:mc="http://schemas.openxmlformats.org/markup-compatibility/2006" xmlns:a14="http://schemas.microsoft.com/office/drawing/2010/main">
+        <mc:Choice Requires="a14">
           <p:sp>
             <p:nvSpPr>
               <p:cNvPr id="1077" name="文本框 1076"/>
@@ -52987,7 +53078,7 @@
             </p:txBody>
           </p:sp>
         </mc:Choice>
-        <mc:Fallback>
+        <mc:Fallback xmlns="">
           <p:sp>
             <p:nvSpPr>
               <p:cNvPr id="1077" name="文本框 1076"/>
@@ -53026,8 +53117,8 @@
           </p:sp>
         </mc:Fallback>
       </mc:AlternateContent>
-      <mc:AlternateContent xmlns:mc="http://schemas.openxmlformats.org/markup-compatibility/2006">
-        <mc:Choice xmlns:a14="http://schemas.microsoft.com/office/drawing/2010/main" Requires="a14">
+      <mc:AlternateContent xmlns:mc="http://schemas.openxmlformats.org/markup-compatibility/2006" xmlns:a14="http://schemas.microsoft.com/office/drawing/2010/main">
+        <mc:Choice Requires="a14">
           <p:sp>
             <p:nvSpPr>
               <p:cNvPr id="1078" name="文本框 1077"/>
@@ -53105,7 +53196,7 @@
             </p:txBody>
           </p:sp>
         </mc:Choice>
-        <mc:Fallback>
+        <mc:Fallback xmlns="">
           <p:sp>
             <p:nvSpPr>
               <p:cNvPr id="1078" name="文本框 1077"/>
@@ -53144,8 +53235,8 @@
           </p:sp>
         </mc:Fallback>
       </mc:AlternateContent>
-      <mc:AlternateContent xmlns:mc="http://schemas.openxmlformats.org/markup-compatibility/2006">
-        <mc:Choice xmlns:a14="http://schemas.microsoft.com/office/drawing/2010/main" Requires="a14">
+      <mc:AlternateContent xmlns:mc="http://schemas.openxmlformats.org/markup-compatibility/2006" xmlns:a14="http://schemas.microsoft.com/office/drawing/2010/main">
+        <mc:Choice Requires="a14">
           <p:sp>
             <p:nvSpPr>
               <p:cNvPr id="1079" name="文本框 1078"/>
@@ -53230,7 +53321,7 @@
             </p:txBody>
           </p:sp>
         </mc:Choice>
-        <mc:Fallback>
+        <mc:Fallback xmlns="">
           <p:sp>
             <p:nvSpPr>
               <p:cNvPr id="1079" name="文本框 1078"/>
@@ -53894,6 +53985,166 @@
               <a:t>Fast Ventricular Rate</a:t>
             </a:r>
             <a:endParaRPr lang="en-US" sz="1100" dirty="0"/>
+          </a:p>
+        </p:txBody>
+      </p:sp>
+      <p:sp>
+        <p:nvSpPr>
+          <p:cNvPr id="12" name="圆角矩形 11"/>
+          <p:cNvSpPr/>
+          <p:nvPr/>
+        </p:nvSpPr>
+        <p:spPr>
+          <a:xfrm>
+            <a:off x="3803777" y="7062605"/>
+            <a:ext cx="350743" cy="135319"/>
+          </a:xfrm>
+          <a:prstGeom prst="roundRect">
+            <a:avLst/>
+          </a:prstGeom>
+          <a:solidFill>
+            <a:schemeClr val="bg2"/>
+          </a:solidFill>
+          <a:ln w="38100">
+            <a:solidFill>
+              <a:srgbClr val="00B050"/>
+            </a:solidFill>
+            <a:prstDash val="sysDot"/>
+          </a:ln>
+        </p:spPr>
+        <p:style>
+          <a:lnRef idx="2">
+            <a:schemeClr val="accent1">
+              <a:shade val="50000"/>
+            </a:schemeClr>
+          </a:lnRef>
+          <a:fillRef idx="1">
+            <a:schemeClr val="accent1"/>
+          </a:fillRef>
+          <a:effectRef idx="0">
+            <a:schemeClr val="accent1"/>
+          </a:effectRef>
+          <a:fontRef idx="minor">
+            <a:schemeClr val="lt1"/>
+          </a:fontRef>
+        </p:style>
+        <p:txBody>
+          <a:bodyPr rtlCol="0" anchor="ctr"/>
+          <a:lstStyle/>
+          <a:p>
+            <a:pPr algn="ctr"/>
+            <a:endParaRPr lang="en-US"/>
+          </a:p>
+        </p:txBody>
+      </p:sp>
+      <p:sp>
+        <p:nvSpPr>
+          <p:cNvPr id="14" name="文本框 13"/>
+          <p:cNvSpPr txBox="1"/>
+          <p:nvPr/>
+        </p:nvSpPr>
+        <p:spPr>
+          <a:xfrm>
+            <a:off x="4134463" y="7006678"/>
+            <a:ext cx="1800493" cy="246221"/>
+          </a:xfrm>
+          <a:prstGeom prst="rect">
+            <a:avLst/>
+          </a:prstGeom>
+          <a:noFill/>
+        </p:spPr>
+        <p:txBody>
+          <a:bodyPr wrap="none" rtlCol="0">
+            <a:spAutoFit/>
+          </a:bodyPr>
+          <a:lstStyle/>
+          <a:p>
+            <a:r>
+              <a:rPr lang="en-US" sz="1000" dirty="0" smtClean="0"/>
+              <a:t>Models with counter-examples</a:t>
+            </a:r>
+            <a:endParaRPr lang="en-US" sz="1000" dirty="0"/>
+          </a:p>
+        </p:txBody>
+      </p:sp>
+      <p:sp>
+        <p:nvSpPr>
+          <p:cNvPr id="911" name="圆角矩形 910"/>
+          <p:cNvSpPr/>
+          <p:nvPr/>
+        </p:nvSpPr>
+        <p:spPr>
+          <a:xfrm>
+            <a:off x="3806613" y="7346115"/>
+            <a:ext cx="350743" cy="135319"/>
+          </a:xfrm>
+          <a:prstGeom prst="roundRect">
+            <a:avLst/>
+          </a:prstGeom>
+          <a:solidFill>
+            <a:schemeClr val="accent4">
+              <a:lumMod val="40000"/>
+              <a:lumOff val="60000"/>
+            </a:schemeClr>
+          </a:solidFill>
+        </p:spPr>
+        <p:style>
+          <a:lnRef idx="2">
+            <a:schemeClr val="accent1">
+              <a:shade val="50000"/>
+            </a:schemeClr>
+          </a:lnRef>
+          <a:fillRef idx="1">
+            <a:schemeClr val="accent1"/>
+          </a:fillRef>
+          <a:effectRef idx="0">
+            <a:schemeClr val="accent1"/>
+          </a:effectRef>
+          <a:fontRef idx="minor">
+            <a:schemeClr val="lt1"/>
+          </a:fontRef>
+        </p:style>
+        <p:txBody>
+          <a:bodyPr rot="0" spcFirstLastPara="0" vertOverflow="overflow" horzOverflow="overflow" vert="horz" wrap="square" lIns="91440" tIns="45720" rIns="91440" bIns="45720" numCol="1" spcCol="0" rtlCol="0" fromWordArt="0" anchor="ctr" anchorCtr="0" forceAA="0" compatLnSpc="1">
+            <a:prstTxWarp prst="textNoShape">
+              <a:avLst/>
+            </a:prstTxWarp>
+            <a:noAutofit/>
+          </a:bodyPr>
+          <a:lstStyle/>
+          <a:p>
+            <a:pPr algn="ctr"/>
+            <a:endParaRPr lang="en-US"/>
+          </a:p>
+        </p:txBody>
+      </p:sp>
+      <p:sp>
+        <p:nvSpPr>
+          <p:cNvPr id="912" name="文本框 911"/>
+          <p:cNvSpPr txBox="1"/>
+          <p:nvPr/>
+        </p:nvSpPr>
+        <p:spPr>
+          <a:xfrm>
+            <a:off x="4125179" y="7285471"/>
+            <a:ext cx="1473480" cy="246221"/>
+          </a:xfrm>
+          <a:prstGeom prst="rect">
+            <a:avLst/>
+          </a:prstGeom>
+          <a:noFill/>
+        </p:spPr>
+        <p:txBody>
+          <a:bodyPr wrap="none" rtlCol="0">
+            <a:spAutoFit/>
+          </a:bodyPr>
+          <a:lstStyle/>
+          <a:p>
+            <a:r>
+              <a:rPr lang="en-US" sz="1000" dirty="0" smtClean="0"/>
+              <a:t>Models in Fig. 9 example</a:t>
+            </a:r>
+            <a:endParaRPr lang="en-US" sz="1000" dirty="0"/>
           </a:p>
         </p:txBody>
       </p:sp>

--- a/figs/abs.pptx
+++ b/figs/abs.pptx
@@ -245,7 +245,7 @@
           <a:p>
             <a:fld id="{5083D971-42EC-47BE-9198-28BD41951433}" type="datetimeFigureOut">
               <a:rPr lang="en-US" smtClean="0"/>
-              <a:t>4/27/2015</a:t>
+              <a:t>5/1/2015</a:t>
             </a:fld>
             <a:endParaRPr lang="en-US"/>
           </a:p>
@@ -415,7 +415,7 @@
           <a:p>
             <a:fld id="{5083D971-42EC-47BE-9198-28BD41951433}" type="datetimeFigureOut">
               <a:rPr lang="en-US" smtClean="0"/>
-              <a:t>4/27/2015</a:t>
+              <a:t>5/1/2015</a:t>
             </a:fld>
             <a:endParaRPr lang="en-US"/>
           </a:p>
@@ -595,7 +595,7 @@
           <a:p>
             <a:fld id="{5083D971-42EC-47BE-9198-28BD41951433}" type="datetimeFigureOut">
               <a:rPr lang="en-US" smtClean="0"/>
-              <a:t>4/27/2015</a:t>
+              <a:t>5/1/2015</a:t>
             </a:fld>
             <a:endParaRPr lang="en-US"/>
           </a:p>
@@ -765,7 +765,7 @@
           <a:p>
             <a:fld id="{5083D971-42EC-47BE-9198-28BD41951433}" type="datetimeFigureOut">
               <a:rPr lang="en-US" smtClean="0"/>
-              <a:t>4/27/2015</a:t>
+              <a:t>5/1/2015</a:t>
             </a:fld>
             <a:endParaRPr lang="en-US"/>
           </a:p>
@@ -1009,7 +1009,7 @@
           <a:p>
             <a:fld id="{5083D971-42EC-47BE-9198-28BD41951433}" type="datetimeFigureOut">
               <a:rPr lang="en-US" smtClean="0"/>
-              <a:t>4/27/2015</a:t>
+              <a:t>5/1/2015</a:t>
             </a:fld>
             <a:endParaRPr lang="en-US"/>
           </a:p>
@@ -1241,7 +1241,7 @@
           <a:p>
             <a:fld id="{5083D971-42EC-47BE-9198-28BD41951433}" type="datetimeFigureOut">
               <a:rPr lang="en-US" smtClean="0"/>
-              <a:t>4/27/2015</a:t>
+              <a:t>5/1/2015</a:t>
             </a:fld>
             <a:endParaRPr lang="en-US"/>
           </a:p>
@@ -1608,7 +1608,7 @@
           <a:p>
             <a:fld id="{5083D971-42EC-47BE-9198-28BD41951433}" type="datetimeFigureOut">
               <a:rPr lang="en-US" smtClean="0"/>
-              <a:t>4/27/2015</a:t>
+              <a:t>5/1/2015</a:t>
             </a:fld>
             <a:endParaRPr lang="en-US"/>
           </a:p>
@@ -1726,7 +1726,7 @@
           <a:p>
             <a:fld id="{5083D971-42EC-47BE-9198-28BD41951433}" type="datetimeFigureOut">
               <a:rPr lang="en-US" smtClean="0"/>
-              <a:t>4/27/2015</a:t>
+              <a:t>5/1/2015</a:t>
             </a:fld>
             <a:endParaRPr lang="en-US"/>
           </a:p>
@@ -1821,7 +1821,7 @@
           <a:p>
             <a:fld id="{5083D971-42EC-47BE-9198-28BD41951433}" type="datetimeFigureOut">
               <a:rPr lang="en-US" smtClean="0"/>
-              <a:t>4/27/2015</a:t>
+              <a:t>5/1/2015</a:t>
             </a:fld>
             <a:endParaRPr lang="en-US"/>
           </a:p>
@@ -2098,7 +2098,7 @@
           <a:p>
             <a:fld id="{5083D971-42EC-47BE-9198-28BD41951433}" type="datetimeFigureOut">
               <a:rPr lang="en-US" smtClean="0"/>
-              <a:t>4/27/2015</a:t>
+              <a:t>5/1/2015</a:t>
             </a:fld>
             <a:endParaRPr lang="en-US"/>
           </a:p>
@@ -2355,7 +2355,7 @@
           <a:p>
             <a:fld id="{5083D971-42EC-47BE-9198-28BD41951433}" type="datetimeFigureOut">
               <a:rPr lang="en-US" smtClean="0"/>
-              <a:t>4/27/2015</a:t>
+              <a:t>5/1/2015</a:t>
             </a:fld>
             <a:endParaRPr lang="en-US"/>
           </a:p>
@@ -2568,7 +2568,7 @@
           <a:p>
             <a:fld id="{5083D971-42EC-47BE-9198-28BD41951433}" type="datetimeFigureOut">
               <a:rPr lang="en-US" smtClean="0"/>
-              <a:t>4/27/2015</a:t>
+              <a:t>5/1/2015</a:t>
             </a:fld>
             <a:endParaRPr lang="en-US"/>
           </a:p>
@@ -24184,216 +24184,312 @@
           </a:p>
         </p:txBody>
       </p:sp>
-      <p:sp>
-        <p:nvSpPr>
-          <p:cNvPr id="41" name="文本框 40"/>
-          <p:cNvSpPr txBox="1"/>
-          <p:nvPr/>
-        </p:nvSpPr>
-        <p:spPr>
-          <a:xfrm>
-            <a:off x="3690969" y="8765985"/>
-            <a:ext cx="498855" cy="400110"/>
-          </a:xfrm>
-          <a:prstGeom prst="rect">
-            <a:avLst/>
-          </a:prstGeom>
-          <a:noFill/>
-        </p:spPr>
-        <p:txBody>
-          <a:bodyPr wrap="none" rtlCol="0">
-            <a:spAutoFit/>
-          </a:bodyPr>
-          <a:lstStyle/>
-          <a:p>
-            <a:r>
-              <a:rPr lang="en-US" sz="2000" dirty="0" smtClean="0"/>
-              <a:t>NA</a:t>
-            </a:r>
-            <a:endParaRPr lang="en-US" sz="2000" dirty="0"/>
-          </a:p>
-        </p:txBody>
-      </p:sp>
-      <p:sp>
-        <p:nvSpPr>
-          <p:cNvPr id="42" name="文本框 41"/>
-          <p:cNvSpPr txBox="1"/>
-          <p:nvPr/>
-        </p:nvSpPr>
-        <p:spPr>
-          <a:xfrm>
-            <a:off x="4504235" y="10218948"/>
-            <a:ext cx="495649" cy="400110"/>
-          </a:xfrm>
-          <a:prstGeom prst="rect">
-            <a:avLst/>
-          </a:prstGeom>
-          <a:noFill/>
-        </p:spPr>
-        <p:txBody>
-          <a:bodyPr wrap="none" rtlCol="0">
-            <a:spAutoFit/>
-          </a:bodyPr>
-          <a:lstStyle/>
-          <a:p>
-            <a:r>
-              <a:rPr lang="en-US" sz="2000" dirty="0" smtClean="0"/>
-              <a:t>NV</a:t>
-            </a:r>
-            <a:endParaRPr lang="en-US" sz="2000" dirty="0"/>
-          </a:p>
-        </p:txBody>
-      </p:sp>
-      <p:sp>
-        <p:nvSpPr>
-          <p:cNvPr id="43" name="文本框 42"/>
-          <p:cNvSpPr txBox="1"/>
-          <p:nvPr/>
-        </p:nvSpPr>
-        <p:spPr>
-          <a:xfrm>
-            <a:off x="4438592" y="9272626"/>
-            <a:ext cx="539250" cy="400110"/>
-          </a:xfrm>
-          <a:prstGeom prst="rect">
-            <a:avLst/>
-          </a:prstGeom>
-          <a:noFill/>
-        </p:spPr>
-        <p:txBody>
-          <a:bodyPr wrap="none" rtlCol="0">
-            <a:spAutoFit/>
-          </a:bodyPr>
-          <a:lstStyle/>
-          <a:p>
-            <a:r>
-              <a:rPr lang="en-US" sz="2000" dirty="0" smtClean="0"/>
-              <a:t>AV’</a:t>
-            </a:r>
-            <a:endParaRPr lang="en-US" sz="2000" dirty="0"/>
-          </a:p>
-        </p:txBody>
-      </p:sp>
-      <p:sp>
-        <p:nvSpPr>
-          <p:cNvPr id="44" name="文本框 43"/>
-          <p:cNvSpPr txBox="1"/>
-          <p:nvPr/>
-        </p:nvSpPr>
-        <p:spPr>
-          <a:xfrm>
-            <a:off x="5520832" y="8735820"/>
-            <a:ext cx="553228" cy="400110"/>
-          </a:xfrm>
-          <a:prstGeom prst="rect">
-            <a:avLst/>
-          </a:prstGeom>
-          <a:noFill/>
-        </p:spPr>
-        <p:txBody>
-          <a:bodyPr wrap="none" rtlCol="0">
-            <a:spAutoFit/>
-          </a:bodyPr>
-          <a:lstStyle/>
-          <a:p>
-            <a:r>
-              <a:rPr lang="en-US" sz="2000" dirty="0" smtClean="0"/>
-              <a:t>NA’</a:t>
-            </a:r>
-            <a:endParaRPr lang="en-US" sz="2000" dirty="0"/>
-          </a:p>
-        </p:txBody>
-      </p:sp>
-      <p:sp>
-        <p:nvSpPr>
-          <p:cNvPr id="45" name="文本框 44"/>
-          <p:cNvSpPr txBox="1"/>
-          <p:nvPr/>
-        </p:nvSpPr>
-        <p:spPr>
-          <a:xfrm>
-            <a:off x="6299117" y="10151949"/>
-            <a:ext cx="566437" cy="400110"/>
-          </a:xfrm>
-          <a:prstGeom prst="rect">
-            <a:avLst/>
-          </a:prstGeom>
-          <a:noFill/>
-        </p:spPr>
-        <p:txBody>
-          <a:bodyPr wrap="none" rtlCol="0">
-            <a:spAutoFit/>
-          </a:bodyPr>
-          <a:lstStyle/>
-          <a:p>
-            <a:r>
-              <a:rPr lang="en-US" sz="2000" dirty="0" smtClean="0"/>
-              <a:t>NV’</a:t>
-            </a:r>
-            <a:endParaRPr lang="en-US" sz="2000" dirty="0"/>
-          </a:p>
-        </p:txBody>
-      </p:sp>
-      <p:sp>
-        <p:nvSpPr>
-          <p:cNvPr id="46" name="文本框 45"/>
-          <p:cNvSpPr txBox="1"/>
-          <p:nvPr/>
-        </p:nvSpPr>
-        <p:spPr>
-          <a:xfrm>
-            <a:off x="7303660" y="8612196"/>
-            <a:ext cx="617348" cy="400110"/>
-          </a:xfrm>
-          <a:prstGeom prst="rect">
-            <a:avLst/>
-          </a:prstGeom>
-          <a:noFill/>
-        </p:spPr>
-        <p:txBody>
-          <a:bodyPr wrap="none" rtlCol="0">
-            <a:spAutoFit/>
-          </a:bodyPr>
-          <a:lstStyle/>
-          <a:p>
-            <a:r>
-              <a:rPr lang="en-US" sz="2000" dirty="0" smtClean="0"/>
-              <a:t>NA’’</a:t>
-            </a:r>
-            <a:endParaRPr lang="en-US" sz="2000" dirty="0"/>
-          </a:p>
-        </p:txBody>
-      </p:sp>
-      <p:sp>
-        <p:nvSpPr>
-          <p:cNvPr id="47" name="文本框 46"/>
-          <p:cNvSpPr txBox="1"/>
-          <p:nvPr/>
-        </p:nvSpPr>
-        <p:spPr>
-          <a:xfrm>
-            <a:off x="8075082" y="10046832"/>
-            <a:ext cx="630557" cy="400110"/>
-          </a:xfrm>
-          <a:prstGeom prst="rect">
-            <a:avLst/>
-          </a:prstGeom>
-          <a:noFill/>
-        </p:spPr>
-        <p:txBody>
-          <a:bodyPr wrap="none" rtlCol="0">
-            <a:spAutoFit/>
-          </a:bodyPr>
-          <a:lstStyle/>
-          <a:p>
-            <a:r>
-              <a:rPr lang="en-US" sz="2000" dirty="0" smtClean="0"/>
-              <a:t>NV’’</a:t>
-            </a:r>
-            <a:endParaRPr lang="en-US" sz="2000" dirty="0"/>
-          </a:p>
-        </p:txBody>
-      </p:sp>
+      <mc:AlternateContent xmlns:mc="http://schemas.openxmlformats.org/markup-compatibility/2006">
+        <mc:Choice xmlns:a14="http://schemas.microsoft.com/office/drawing/2010/main" Requires="a14">
+          <p:sp>
+            <p:nvSpPr>
+              <p:cNvPr id="41" name="文本框 40"/>
+              <p:cNvSpPr txBox="1"/>
+              <p:nvPr/>
+            </p:nvSpPr>
+            <p:spPr>
+              <a:xfrm>
+                <a:off x="3690969" y="8765985"/>
+                <a:ext cx="531749" cy="400110"/>
+              </a:xfrm>
+              <a:prstGeom prst="rect">
+                <a:avLst/>
+              </a:prstGeom>
+              <a:noFill/>
+            </p:spPr>
+            <p:txBody>
+              <a:bodyPr wrap="none" rtlCol="0">
+                <a:spAutoFit/>
+              </a:bodyPr>
+              <a:lstStyle/>
+              <a:p>
+                <a14:m>
+                  <m:oMathPara xmlns:m="http://schemas.openxmlformats.org/officeDocument/2006/math">
+                    <m:oMathParaPr>
+                      <m:jc m:val="centerGroup"/>
+                    </m:oMathParaPr>
+                    <m:oMath xmlns:m="http://schemas.openxmlformats.org/officeDocument/2006/math">
+                      <m:sSub>
+                        <m:sSubPr>
+                          <m:ctrlPr>
+                            <a:rPr lang="en-US" sz="2000" b="0" i="1" dirty="0" smtClean="0">
+                              <a:latin typeface="Cambria Math" panose="02040503050406030204" pitchFamily="18" charset="0"/>
+                            </a:rPr>
+                          </m:ctrlPr>
+                        </m:sSubPr>
+                        <m:e>
+                          <m:r>
+                            <a:rPr lang="en-US" sz="2000" i="1" dirty="0" smtClean="0">
+                              <a:latin typeface="Cambria Math" panose="02040503050406030204" pitchFamily="18" charset="0"/>
+                            </a:rPr>
+                            <m:t>𝑁</m:t>
+                          </m:r>
+                        </m:e>
+                        <m:sub>
+                          <m:r>
+                            <a:rPr lang="en-US" sz="2000" b="0" i="1" dirty="0" smtClean="0">
+                              <a:latin typeface="Cambria Math" panose="02040503050406030204" pitchFamily="18" charset="0"/>
+                            </a:rPr>
+                            <m:t>𝐴</m:t>
+                          </m:r>
+                        </m:sub>
+                      </m:sSub>
+                    </m:oMath>
+                  </m:oMathPara>
+                </a14:m>
+                <a:endParaRPr lang="en-US" sz="2000" dirty="0"/>
+              </a:p>
+            </p:txBody>
+          </p:sp>
+        </mc:Choice>
+        <mc:Fallback>
+          <p:sp>
+            <p:nvSpPr>
+              <p:cNvPr id="41" name="文本框 40"/>
+              <p:cNvSpPr txBox="1">
+                <a:spLocks noRot="1" noChangeAspect="1" noMove="1" noResize="1" noEditPoints="1" noAdjustHandles="1" noChangeArrowheads="1" noChangeShapeType="1" noTextEdit="1"/>
+              </p:cNvSpPr>
+              <p:nvPr/>
+            </p:nvSpPr>
+            <p:spPr>
+              <a:xfrm>
+                <a:off x="3690969" y="8765985"/>
+                <a:ext cx="531749" cy="400110"/>
+              </a:xfrm>
+              <a:prstGeom prst="rect">
+                <a:avLst/>
+              </a:prstGeom>
+              <a:blipFill rotWithShape="0">
+                <a:blip r:embed="rId2"/>
+                <a:stretch>
+                  <a:fillRect/>
+                </a:stretch>
+              </a:blipFill>
+            </p:spPr>
+            <p:txBody>
+              <a:bodyPr/>
+              <a:lstStyle/>
+              <a:p>
+                <a:r>
+                  <a:rPr lang="en-US">
+                    <a:noFill/>
+                  </a:rPr>
+                  <a:t> </a:t>
+                </a:r>
+              </a:p>
+            </p:txBody>
+          </p:sp>
+        </mc:Fallback>
+      </mc:AlternateContent>
+      <mc:AlternateContent xmlns:mc="http://schemas.openxmlformats.org/markup-compatibility/2006">
+        <mc:Choice xmlns:a14="http://schemas.microsoft.com/office/drawing/2010/main" Requires="a14">
+          <p:sp>
+            <p:nvSpPr>
+              <p:cNvPr id="42" name="文本框 41"/>
+              <p:cNvSpPr txBox="1"/>
+              <p:nvPr/>
+            </p:nvSpPr>
+            <p:spPr>
+              <a:xfrm>
+                <a:off x="4604000" y="10293442"/>
+                <a:ext cx="585354" cy="410009"/>
+              </a:xfrm>
+              <a:prstGeom prst="rect">
+                <a:avLst/>
+              </a:prstGeom>
+              <a:noFill/>
+            </p:spPr>
+            <p:txBody>
+              <a:bodyPr wrap="square" rtlCol="0">
+                <a:spAutoFit/>
+              </a:bodyPr>
+              <a:lstStyle/>
+              <a:p>
+                <a14:m>
+                  <m:oMathPara xmlns:m="http://schemas.openxmlformats.org/officeDocument/2006/math">
+                    <m:oMathParaPr>
+                      <m:jc m:val="centerGroup"/>
+                    </m:oMathParaPr>
+                    <m:oMath xmlns:m="http://schemas.openxmlformats.org/officeDocument/2006/math">
+                      <m:sSub>
+                        <m:sSubPr>
+                          <m:ctrlPr>
+                            <a:rPr lang="en-US" sz="2000" b="0" i="1" dirty="0" smtClean="0">
+                              <a:latin typeface="Cambria Math" panose="02040503050406030204" pitchFamily="18" charset="0"/>
+                            </a:rPr>
+                          </m:ctrlPr>
+                        </m:sSubPr>
+                        <m:e>
+                          <m:r>
+                            <a:rPr lang="en-US" sz="2000" i="1" dirty="0" smtClean="0">
+                              <a:latin typeface="Cambria Math" panose="02040503050406030204" pitchFamily="18" charset="0"/>
+                            </a:rPr>
+                            <m:t>𝑁</m:t>
+                          </m:r>
+                        </m:e>
+                        <m:sub>
+                          <m:r>
+                            <a:rPr lang="en-US" sz="2000" b="0" i="1" dirty="0" smtClean="0">
+                              <a:latin typeface="Cambria Math" panose="02040503050406030204" pitchFamily="18" charset="0"/>
+                            </a:rPr>
+                            <m:t>𝑉</m:t>
+                          </m:r>
+                        </m:sub>
+                      </m:sSub>
+                    </m:oMath>
+                  </m:oMathPara>
+                </a14:m>
+                <a:endParaRPr lang="en-US" sz="2000" dirty="0"/>
+              </a:p>
+            </p:txBody>
+          </p:sp>
+        </mc:Choice>
+        <mc:Fallback>
+          <p:sp>
+            <p:nvSpPr>
+              <p:cNvPr id="42" name="文本框 41"/>
+              <p:cNvSpPr txBox="1">
+                <a:spLocks noRot="1" noChangeAspect="1" noMove="1" noResize="1" noEditPoints="1" noAdjustHandles="1" noChangeArrowheads="1" noChangeShapeType="1" noTextEdit="1"/>
+              </p:cNvSpPr>
+              <p:nvPr/>
+            </p:nvSpPr>
+            <p:spPr>
+              <a:xfrm>
+                <a:off x="4604000" y="10293442"/>
+                <a:ext cx="585354" cy="410009"/>
+              </a:xfrm>
+              <a:prstGeom prst="rect">
+                <a:avLst/>
+              </a:prstGeom>
+              <a:blipFill rotWithShape="0">
+                <a:blip r:embed="rId3"/>
+                <a:stretch>
+                  <a:fillRect/>
+                </a:stretch>
+              </a:blipFill>
+            </p:spPr>
+            <p:txBody>
+              <a:bodyPr/>
+              <a:lstStyle/>
+              <a:p>
+                <a:r>
+                  <a:rPr lang="en-US">
+                    <a:noFill/>
+                  </a:rPr>
+                  <a:t> </a:t>
+                </a:r>
+              </a:p>
+            </p:txBody>
+          </p:sp>
+        </mc:Fallback>
+      </mc:AlternateContent>
+      <mc:AlternateContent xmlns:mc="http://schemas.openxmlformats.org/markup-compatibility/2006">
+        <mc:Choice xmlns:a14="http://schemas.microsoft.com/office/drawing/2010/main" Requires="a14">
+          <p:sp>
+            <p:nvSpPr>
+              <p:cNvPr id="43" name="文本框 42"/>
+              <p:cNvSpPr txBox="1"/>
+              <p:nvPr/>
+            </p:nvSpPr>
+            <p:spPr>
+              <a:xfrm>
+                <a:off x="4499410" y="9272626"/>
+                <a:ext cx="657359" cy="400110"/>
+              </a:xfrm>
+              <a:prstGeom prst="rect">
+                <a:avLst/>
+              </a:prstGeom>
+              <a:noFill/>
+            </p:spPr>
+            <p:txBody>
+              <a:bodyPr wrap="none" rtlCol="0">
+                <a:spAutoFit/>
+              </a:bodyPr>
+              <a:lstStyle/>
+              <a:p>
+                <a14:m>
+                  <m:oMathPara xmlns:m="http://schemas.openxmlformats.org/officeDocument/2006/math">
+                    <m:oMathParaPr>
+                      <m:jc m:val="centerGroup"/>
+                    </m:oMathParaPr>
+                    <m:oMath xmlns:m="http://schemas.openxmlformats.org/officeDocument/2006/math">
+                      <m:sSub>
+                        <m:sSubPr>
+                          <m:ctrlPr>
+                            <a:rPr lang="en-US" sz="2000" b="0" i="1" dirty="0" smtClean="0">
+                              <a:latin typeface="Cambria Math" panose="02040503050406030204" pitchFamily="18" charset="0"/>
+                            </a:rPr>
+                          </m:ctrlPr>
+                        </m:sSubPr>
+                        <m:e>
+                          <m:r>
+                            <a:rPr lang="en-US" sz="2000" b="0" i="1" dirty="0" smtClean="0">
+                              <a:latin typeface="Cambria Math" panose="02040503050406030204" pitchFamily="18" charset="0"/>
+                            </a:rPr>
+                            <m:t>𝑁</m:t>
+                          </m:r>
+                        </m:e>
+                        <m:sub>
+                          <m:r>
+                            <a:rPr lang="en-US" sz="2000" b="0" i="1" dirty="0" smtClean="0">
+                              <a:latin typeface="Cambria Math" panose="02040503050406030204" pitchFamily="18" charset="0"/>
+                            </a:rPr>
+                            <m:t>𝐴𝑉</m:t>
+                          </m:r>
+                        </m:sub>
+                      </m:sSub>
+                    </m:oMath>
+                  </m:oMathPara>
+                </a14:m>
+                <a:endParaRPr lang="en-US" sz="2000" dirty="0"/>
+              </a:p>
+            </p:txBody>
+          </p:sp>
+        </mc:Choice>
+        <mc:Fallback>
+          <p:sp>
+            <p:nvSpPr>
+              <p:cNvPr id="43" name="文本框 42"/>
+              <p:cNvSpPr txBox="1">
+                <a:spLocks noRot="1" noChangeAspect="1" noMove="1" noResize="1" noEditPoints="1" noAdjustHandles="1" noChangeArrowheads="1" noChangeShapeType="1" noTextEdit="1"/>
+              </p:cNvSpPr>
+              <p:nvPr/>
+            </p:nvSpPr>
+            <p:spPr>
+              <a:xfrm>
+                <a:off x="4499410" y="9272626"/>
+                <a:ext cx="657359" cy="400110"/>
+              </a:xfrm>
+              <a:prstGeom prst="rect">
+                <a:avLst/>
+              </a:prstGeom>
+              <a:blipFill rotWithShape="0">
+                <a:blip r:embed="rId4"/>
+                <a:stretch>
+                  <a:fillRect/>
+                </a:stretch>
+              </a:blipFill>
+            </p:spPr>
+            <p:txBody>
+              <a:bodyPr/>
+              <a:lstStyle/>
+              <a:p>
+                <a:r>
+                  <a:rPr lang="en-US">
+                    <a:noFill/>
+                  </a:rPr>
+                  <a:t> </a:t>
+                </a:r>
+              </a:p>
+            </p:txBody>
+          </p:sp>
+        </mc:Fallback>
+      </mc:AlternateContent>
       <mc:AlternateContent xmlns:mc="http://schemas.openxmlformats.org/markup-compatibility/2006" xmlns:a14="http://schemas.microsoft.com/office/drawing/2010/main">
         <mc:Choice Requires="a14">
           <p:sp>
@@ -24498,7 +24594,7 @@
                 <a:avLst/>
               </a:prstGeom>
               <a:blipFill rotWithShape="0">
-                <a:blip r:embed="rId2"/>
+                <a:blip r:embed="rId5"/>
                 <a:stretch>
                   <a:fillRect/>
                 </a:stretch>
@@ -24623,7 +24719,7 @@
                 <a:avLst/>
               </a:prstGeom>
               <a:blipFill rotWithShape="0">
-                <a:blip r:embed="rId3"/>
+                <a:blip r:embed="rId6"/>
                 <a:stretch>
                   <a:fillRect/>
                 </a:stretch>
@@ -24739,7 +24835,7 @@
                 <a:avLst/>
               </a:prstGeom>
               <a:blipFill rotWithShape="0">
-                <a:blip r:embed="rId4"/>
+                <a:blip r:embed="rId7"/>
                 <a:stretch>
                   <a:fillRect/>
                 </a:stretch>
@@ -24892,6 +24988,732 @@
           </a:p>
         </p:txBody>
       </p:sp>
+      <mc:AlternateContent xmlns:mc="http://schemas.openxmlformats.org/markup-compatibility/2006">
+        <mc:Choice xmlns:a14="http://schemas.microsoft.com/office/drawing/2010/main" Requires="a14">
+          <p:sp>
+            <p:nvSpPr>
+              <p:cNvPr id="31" name="文本框 30"/>
+              <p:cNvSpPr txBox="1"/>
+              <p:nvPr/>
+            </p:nvSpPr>
+            <p:spPr>
+              <a:xfrm>
+                <a:off x="4012225" y="9231711"/>
+                <a:ext cx="487185" cy="400110"/>
+              </a:xfrm>
+              <a:prstGeom prst="rect">
+                <a:avLst/>
+              </a:prstGeom>
+              <a:noFill/>
+            </p:spPr>
+            <p:txBody>
+              <a:bodyPr wrap="none" rtlCol="0">
+                <a:spAutoFit/>
+              </a:bodyPr>
+              <a:lstStyle/>
+              <a:p>
+                <a14:m>
+                  <m:oMathPara xmlns:m="http://schemas.openxmlformats.org/officeDocument/2006/math">
+                    <m:oMathParaPr>
+                      <m:jc m:val="centerGroup"/>
+                    </m:oMathParaPr>
+                    <m:oMath xmlns:m="http://schemas.openxmlformats.org/officeDocument/2006/math">
+                      <m:sSub>
+                        <m:sSubPr>
+                          <m:ctrlPr>
+                            <a:rPr lang="en-US" sz="2000" b="0" i="1" smtClean="0">
+                              <a:latin typeface="Cambria Math" panose="02040503050406030204" pitchFamily="18" charset="0"/>
+                            </a:rPr>
+                          </m:ctrlPr>
+                        </m:sSubPr>
+                        <m:e>
+                          <m:r>
+                            <a:rPr lang="en-US" sz="2000" b="0" i="1" smtClean="0">
+                              <a:latin typeface="Cambria Math" panose="02040503050406030204" pitchFamily="18" charset="0"/>
+                            </a:rPr>
+                            <m:t>𝑃</m:t>
+                          </m:r>
+                        </m:e>
+                        <m:sub>
+                          <m:r>
+                            <a:rPr lang="en-US" sz="2000" b="0" i="1" smtClean="0">
+                              <a:latin typeface="Cambria Math" panose="02040503050406030204" pitchFamily="18" charset="0"/>
+                            </a:rPr>
+                            <m:t>1</m:t>
+                          </m:r>
+                        </m:sub>
+                      </m:sSub>
+                    </m:oMath>
+                  </m:oMathPara>
+                </a14:m>
+                <a:endParaRPr lang="en-US" sz="2000" dirty="0"/>
+              </a:p>
+            </p:txBody>
+          </p:sp>
+        </mc:Choice>
+        <mc:Fallback>
+          <p:sp>
+            <p:nvSpPr>
+              <p:cNvPr id="31" name="文本框 30"/>
+              <p:cNvSpPr txBox="1">
+                <a:spLocks noRot="1" noChangeAspect="1" noMove="1" noResize="1" noEditPoints="1" noAdjustHandles="1" noChangeArrowheads="1" noChangeShapeType="1" noTextEdit="1"/>
+              </p:cNvSpPr>
+              <p:nvPr/>
+            </p:nvSpPr>
+            <p:spPr>
+              <a:xfrm>
+                <a:off x="4012225" y="9231711"/>
+                <a:ext cx="487185" cy="400110"/>
+              </a:xfrm>
+              <a:prstGeom prst="rect">
+                <a:avLst/>
+              </a:prstGeom>
+              <a:blipFill rotWithShape="0">
+                <a:blip r:embed="rId8"/>
+                <a:stretch>
+                  <a:fillRect/>
+                </a:stretch>
+              </a:blipFill>
+            </p:spPr>
+            <p:txBody>
+              <a:bodyPr/>
+              <a:lstStyle/>
+              <a:p>
+                <a:r>
+                  <a:rPr lang="en-US">
+                    <a:noFill/>
+                  </a:rPr>
+                  <a:t> </a:t>
+                </a:r>
+              </a:p>
+            </p:txBody>
+          </p:sp>
+        </mc:Fallback>
+      </mc:AlternateContent>
+      <mc:AlternateContent xmlns:mc="http://schemas.openxmlformats.org/markup-compatibility/2006">
+        <mc:Choice xmlns:a14="http://schemas.microsoft.com/office/drawing/2010/main" Requires="a14">
+          <p:sp>
+            <p:nvSpPr>
+              <p:cNvPr id="32" name="文本框 31"/>
+              <p:cNvSpPr txBox="1"/>
+              <p:nvPr/>
+            </p:nvSpPr>
+            <p:spPr>
+              <a:xfrm>
+                <a:off x="4459525" y="9905707"/>
+                <a:ext cx="493148" cy="400110"/>
+              </a:xfrm>
+              <a:prstGeom prst="rect">
+                <a:avLst/>
+              </a:prstGeom>
+              <a:noFill/>
+            </p:spPr>
+            <p:txBody>
+              <a:bodyPr wrap="none" rtlCol="0">
+                <a:spAutoFit/>
+              </a:bodyPr>
+              <a:lstStyle/>
+              <a:p>
+                <a14:m>
+                  <m:oMathPara xmlns:m="http://schemas.openxmlformats.org/officeDocument/2006/math">
+                    <m:oMathParaPr>
+                      <m:jc m:val="centerGroup"/>
+                    </m:oMathParaPr>
+                    <m:oMath xmlns:m="http://schemas.openxmlformats.org/officeDocument/2006/math">
+                      <m:sSub>
+                        <m:sSubPr>
+                          <m:ctrlPr>
+                            <a:rPr lang="en-US" sz="2000" b="0" i="1" smtClean="0">
+                              <a:latin typeface="Cambria Math" panose="02040503050406030204" pitchFamily="18" charset="0"/>
+                            </a:rPr>
+                          </m:ctrlPr>
+                        </m:sSubPr>
+                        <m:e>
+                          <m:r>
+                            <a:rPr lang="en-US" sz="2000" b="0" i="1" smtClean="0">
+                              <a:latin typeface="Cambria Math" panose="02040503050406030204" pitchFamily="18" charset="0"/>
+                            </a:rPr>
+                            <m:t>𝑃</m:t>
+                          </m:r>
+                        </m:e>
+                        <m:sub>
+                          <m:r>
+                            <a:rPr lang="en-US" sz="2000" b="0" i="1" smtClean="0">
+                              <a:latin typeface="Cambria Math" panose="02040503050406030204" pitchFamily="18" charset="0"/>
+                            </a:rPr>
+                            <m:t>2</m:t>
+                          </m:r>
+                        </m:sub>
+                      </m:sSub>
+                    </m:oMath>
+                  </m:oMathPara>
+                </a14:m>
+                <a:endParaRPr lang="en-US" sz="2000" dirty="0"/>
+              </a:p>
+            </p:txBody>
+          </p:sp>
+        </mc:Choice>
+        <mc:Fallback>
+          <p:sp>
+            <p:nvSpPr>
+              <p:cNvPr id="32" name="文本框 31"/>
+              <p:cNvSpPr txBox="1">
+                <a:spLocks noRot="1" noChangeAspect="1" noMove="1" noResize="1" noEditPoints="1" noAdjustHandles="1" noChangeArrowheads="1" noChangeShapeType="1" noTextEdit="1"/>
+              </p:cNvSpPr>
+              <p:nvPr/>
+            </p:nvSpPr>
+            <p:spPr>
+              <a:xfrm>
+                <a:off x="4459525" y="9905707"/>
+                <a:ext cx="493148" cy="400110"/>
+              </a:xfrm>
+              <a:prstGeom prst="rect">
+                <a:avLst/>
+              </a:prstGeom>
+              <a:blipFill rotWithShape="0">
+                <a:blip r:embed="rId9"/>
+                <a:stretch>
+                  <a:fillRect/>
+                </a:stretch>
+              </a:blipFill>
+            </p:spPr>
+            <p:txBody>
+              <a:bodyPr/>
+              <a:lstStyle/>
+              <a:p>
+                <a:r>
+                  <a:rPr lang="en-US">
+                    <a:noFill/>
+                  </a:rPr>
+                  <a:t> </a:t>
+                </a:r>
+              </a:p>
+            </p:txBody>
+          </p:sp>
+        </mc:Fallback>
+      </mc:AlternateContent>
+      <mc:AlternateContent xmlns:mc="http://schemas.openxmlformats.org/markup-compatibility/2006">
+        <mc:Choice xmlns:a14="http://schemas.microsoft.com/office/drawing/2010/main" Requires="a14">
+          <p:sp>
+            <p:nvSpPr>
+              <p:cNvPr id="33" name="文本框 32"/>
+              <p:cNvSpPr txBox="1"/>
+              <p:nvPr/>
+            </p:nvSpPr>
+            <p:spPr>
+              <a:xfrm>
+                <a:off x="6131582" y="9586435"/>
+                <a:ext cx="493148" cy="400110"/>
+              </a:xfrm>
+              <a:prstGeom prst="rect">
+                <a:avLst/>
+              </a:prstGeom>
+              <a:noFill/>
+            </p:spPr>
+            <p:txBody>
+              <a:bodyPr wrap="none" rtlCol="0">
+                <a:spAutoFit/>
+              </a:bodyPr>
+              <a:lstStyle/>
+              <a:p>
+                <a14:m>
+                  <m:oMathPara xmlns:m="http://schemas.openxmlformats.org/officeDocument/2006/math">
+                    <m:oMathParaPr>
+                      <m:jc m:val="centerGroup"/>
+                    </m:oMathParaPr>
+                    <m:oMath xmlns:m="http://schemas.openxmlformats.org/officeDocument/2006/math">
+                      <m:sSub>
+                        <m:sSubPr>
+                          <m:ctrlPr>
+                            <a:rPr lang="en-US" sz="2000" b="0" i="1" smtClean="0">
+                              <a:latin typeface="Cambria Math" panose="02040503050406030204" pitchFamily="18" charset="0"/>
+                            </a:rPr>
+                          </m:ctrlPr>
+                        </m:sSubPr>
+                        <m:e>
+                          <m:r>
+                            <a:rPr lang="en-US" sz="2000" b="0" i="1" smtClean="0">
+                              <a:latin typeface="Cambria Math" panose="02040503050406030204" pitchFamily="18" charset="0"/>
+                            </a:rPr>
+                            <m:t>𝑃</m:t>
+                          </m:r>
+                        </m:e>
+                        <m:sub>
+                          <m:r>
+                            <a:rPr lang="en-US" sz="2000" b="0" i="1" smtClean="0">
+                              <a:latin typeface="Cambria Math" panose="02040503050406030204" pitchFamily="18" charset="0"/>
+                            </a:rPr>
+                            <m:t>3</m:t>
+                          </m:r>
+                        </m:sub>
+                      </m:sSub>
+                    </m:oMath>
+                  </m:oMathPara>
+                </a14:m>
+                <a:endParaRPr lang="en-US" sz="2000" dirty="0"/>
+              </a:p>
+            </p:txBody>
+          </p:sp>
+        </mc:Choice>
+        <mc:Fallback>
+          <p:sp>
+            <p:nvSpPr>
+              <p:cNvPr id="33" name="文本框 32"/>
+              <p:cNvSpPr txBox="1">
+                <a:spLocks noRot="1" noChangeAspect="1" noMove="1" noResize="1" noEditPoints="1" noAdjustHandles="1" noChangeArrowheads="1" noChangeShapeType="1" noTextEdit="1"/>
+              </p:cNvSpPr>
+              <p:nvPr/>
+            </p:nvSpPr>
+            <p:spPr>
+              <a:xfrm>
+                <a:off x="6131582" y="9586435"/>
+                <a:ext cx="493148" cy="400110"/>
+              </a:xfrm>
+              <a:prstGeom prst="rect">
+                <a:avLst/>
+              </a:prstGeom>
+              <a:blipFill rotWithShape="0">
+                <a:blip r:embed="rId10"/>
+                <a:stretch>
+                  <a:fillRect b="-1538"/>
+                </a:stretch>
+              </a:blipFill>
+            </p:spPr>
+            <p:txBody>
+              <a:bodyPr/>
+              <a:lstStyle/>
+              <a:p>
+                <a:r>
+                  <a:rPr lang="en-US">
+                    <a:noFill/>
+                  </a:rPr>
+                  <a:t> </a:t>
+                </a:r>
+              </a:p>
+            </p:txBody>
+          </p:sp>
+        </mc:Fallback>
+      </mc:AlternateContent>
+      <mc:AlternateContent xmlns:mc="http://schemas.openxmlformats.org/markup-compatibility/2006">
+        <mc:Choice xmlns:a14="http://schemas.microsoft.com/office/drawing/2010/main" Requires="a14">
+          <p:sp>
+            <p:nvSpPr>
+              <p:cNvPr id="34" name="文本框 33"/>
+              <p:cNvSpPr txBox="1"/>
+              <p:nvPr/>
+            </p:nvSpPr>
+            <p:spPr>
+              <a:xfrm>
+                <a:off x="5534111" y="8720126"/>
+                <a:ext cx="531749" cy="400110"/>
+              </a:xfrm>
+              <a:prstGeom prst="rect">
+                <a:avLst/>
+              </a:prstGeom>
+              <a:noFill/>
+            </p:spPr>
+            <p:txBody>
+              <a:bodyPr wrap="none" rtlCol="0">
+                <a:spAutoFit/>
+              </a:bodyPr>
+              <a:lstStyle/>
+              <a:p>
+                <a14:m>
+                  <m:oMathPara xmlns:m="http://schemas.openxmlformats.org/officeDocument/2006/math">
+                    <m:oMathParaPr>
+                      <m:jc m:val="centerGroup"/>
+                    </m:oMathParaPr>
+                    <m:oMath xmlns:m="http://schemas.openxmlformats.org/officeDocument/2006/math">
+                      <m:sSub>
+                        <m:sSubPr>
+                          <m:ctrlPr>
+                            <a:rPr lang="en-US" sz="2000" b="0" i="1" dirty="0" smtClean="0">
+                              <a:latin typeface="Cambria Math" panose="02040503050406030204" pitchFamily="18" charset="0"/>
+                            </a:rPr>
+                          </m:ctrlPr>
+                        </m:sSubPr>
+                        <m:e>
+                          <m:r>
+                            <a:rPr lang="en-US" sz="2000" i="1" dirty="0" smtClean="0">
+                              <a:latin typeface="Cambria Math" panose="02040503050406030204" pitchFamily="18" charset="0"/>
+                            </a:rPr>
+                            <m:t>𝑁</m:t>
+                          </m:r>
+                        </m:e>
+                        <m:sub>
+                          <m:r>
+                            <a:rPr lang="en-US" sz="2000" b="0" i="1" dirty="0" smtClean="0">
+                              <a:latin typeface="Cambria Math" panose="02040503050406030204" pitchFamily="18" charset="0"/>
+                            </a:rPr>
+                            <m:t>𝐴</m:t>
+                          </m:r>
+                        </m:sub>
+                      </m:sSub>
+                    </m:oMath>
+                  </m:oMathPara>
+                </a14:m>
+                <a:endParaRPr lang="en-US" sz="2000" dirty="0"/>
+              </a:p>
+            </p:txBody>
+          </p:sp>
+        </mc:Choice>
+        <mc:Fallback>
+          <p:sp>
+            <p:nvSpPr>
+              <p:cNvPr id="34" name="文本框 33"/>
+              <p:cNvSpPr txBox="1">
+                <a:spLocks noRot="1" noChangeAspect="1" noMove="1" noResize="1" noEditPoints="1" noAdjustHandles="1" noChangeArrowheads="1" noChangeShapeType="1" noTextEdit="1"/>
+              </p:cNvSpPr>
+              <p:nvPr/>
+            </p:nvSpPr>
+            <p:spPr>
+              <a:xfrm>
+                <a:off x="5534111" y="8720126"/>
+                <a:ext cx="531749" cy="400110"/>
+              </a:xfrm>
+              <a:prstGeom prst="rect">
+                <a:avLst/>
+              </a:prstGeom>
+              <a:blipFill rotWithShape="0">
+                <a:blip r:embed="rId11"/>
+                <a:stretch>
+                  <a:fillRect/>
+                </a:stretch>
+              </a:blipFill>
+            </p:spPr>
+            <p:txBody>
+              <a:bodyPr/>
+              <a:lstStyle/>
+              <a:p>
+                <a:r>
+                  <a:rPr lang="en-US">
+                    <a:noFill/>
+                  </a:rPr>
+                  <a:t> </a:t>
+                </a:r>
+              </a:p>
+            </p:txBody>
+          </p:sp>
+        </mc:Fallback>
+      </mc:AlternateContent>
+      <mc:AlternateContent xmlns:mc="http://schemas.openxmlformats.org/markup-compatibility/2006">
+        <mc:Choice xmlns:a14="http://schemas.microsoft.com/office/drawing/2010/main" Requires="a14">
+          <p:sp>
+            <p:nvSpPr>
+              <p:cNvPr id="35" name="文本框 34"/>
+              <p:cNvSpPr txBox="1"/>
+              <p:nvPr/>
+            </p:nvSpPr>
+            <p:spPr>
+              <a:xfrm>
+                <a:off x="6305670" y="10192445"/>
+                <a:ext cx="585354" cy="410009"/>
+              </a:xfrm>
+              <a:prstGeom prst="rect">
+                <a:avLst/>
+              </a:prstGeom>
+              <a:noFill/>
+            </p:spPr>
+            <p:txBody>
+              <a:bodyPr wrap="square" rtlCol="0">
+                <a:spAutoFit/>
+              </a:bodyPr>
+              <a:lstStyle/>
+              <a:p>
+                <a14:m>
+                  <m:oMathPara xmlns:m="http://schemas.openxmlformats.org/officeDocument/2006/math">
+                    <m:oMathParaPr>
+                      <m:jc m:val="centerGroup"/>
+                    </m:oMathParaPr>
+                    <m:oMath xmlns:m="http://schemas.openxmlformats.org/officeDocument/2006/math">
+                      <m:sSub>
+                        <m:sSubPr>
+                          <m:ctrlPr>
+                            <a:rPr lang="en-US" sz="2000" b="0" i="1" dirty="0" smtClean="0">
+                              <a:latin typeface="Cambria Math" panose="02040503050406030204" pitchFamily="18" charset="0"/>
+                            </a:rPr>
+                          </m:ctrlPr>
+                        </m:sSubPr>
+                        <m:e>
+                          <m:r>
+                            <a:rPr lang="en-US" sz="2000" i="1" dirty="0" smtClean="0">
+                              <a:latin typeface="Cambria Math" panose="02040503050406030204" pitchFamily="18" charset="0"/>
+                            </a:rPr>
+                            <m:t>𝑁</m:t>
+                          </m:r>
+                        </m:e>
+                        <m:sub>
+                          <m:r>
+                            <a:rPr lang="en-US" sz="2000" b="0" i="1" dirty="0" smtClean="0">
+                              <a:latin typeface="Cambria Math" panose="02040503050406030204" pitchFamily="18" charset="0"/>
+                            </a:rPr>
+                            <m:t>𝑉</m:t>
+                          </m:r>
+                        </m:sub>
+                      </m:sSub>
+                    </m:oMath>
+                  </m:oMathPara>
+                </a14:m>
+                <a:endParaRPr lang="en-US" sz="2000" dirty="0"/>
+              </a:p>
+            </p:txBody>
+          </p:sp>
+        </mc:Choice>
+        <mc:Fallback>
+          <p:sp>
+            <p:nvSpPr>
+              <p:cNvPr id="35" name="文本框 34"/>
+              <p:cNvSpPr txBox="1">
+                <a:spLocks noRot="1" noChangeAspect="1" noMove="1" noResize="1" noEditPoints="1" noAdjustHandles="1" noChangeArrowheads="1" noChangeShapeType="1" noTextEdit="1"/>
+              </p:cNvSpPr>
+              <p:nvPr/>
+            </p:nvSpPr>
+            <p:spPr>
+              <a:xfrm>
+                <a:off x="6305670" y="10192445"/>
+                <a:ext cx="585354" cy="410009"/>
+              </a:xfrm>
+              <a:prstGeom prst="rect">
+                <a:avLst/>
+              </a:prstGeom>
+              <a:blipFill rotWithShape="0">
+                <a:blip r:embed="rId12"/>
+                <a:stretch>
+                  <a:fillRect/>
+                </a:stretch>
+              </a:blipFill>
+            </p:spPr>
+            <p:txBody>
+              <a:bodyPr/>
+              <a:lstStyle/>
+              <a:p>
+                <a:r>
+                  <a:rPr lang="en-US">
+                    <a:noFill/>
+                  </a:rPr>
+                  <a:t> </a:t>
+                </a:r>
+              </a:p>
+            </p:txBody>
+          </p:sp>
+        </mc:Fallback>
+      </mc:AlternateContent>
+      <mc:AlternateContent xmlns:mc="http://schemas.openxmlformats.org/markup-compatibility/2006">
+        <mc:Choice xmlns:a14="http://schemas.microsoft.com/office/drawing/2010/main" Requires="a14">
+          <p:sp>
+            <p:nvSpPr>
+              <p:cNvPr id="36" name="文本框 35"/>
+              <p:cNvSpPr txBox="1"/>
+              <p:nvPr/>
+            </p:nvSpPr>
+            <p:spPr>
+              <a:xfrm>
+                <a:off x="7349974" y="8592122"/>
+                <a:ext cx="597471" cy="400110"/>
+              </a:xfrm>
+              <a:prstGeom prst="rect">
+                <a:avLst/>
+              </a:prstGeom>
+              <a:noFill/>
+            </p:spPr>
+            <p:txBody>
+              <a:bodyPr wrap="none" rtlCol="0">
+                <a:spAutoFit/>
+              </a:bodyPr>
+              <a:lstStyle/>
+              <a:p>
+                <a14:m>
+                  <m:oMathPara xmlns:m="http://schemas.openxmlformats.org/officeDocument/2006/math">
+                    <m:oMathParaPr>
+                      <m:jc m:val="centerGroup"/>
+                    </m:oMathParaPr>
+                    <m:oMath xmlns:m="http://schemas.openxmlformats.org/officeDocument/2006/math">
+                      <m:sSub>
+                        <m:sSubPr>
+                          <m:ctrlPr>
+                            <a:rPr lang="en-US" sz="2000" b="0" i="1" dirty="0" smtClean="0">
+                              <a:latin typeface="Cambria Math" panose="02040503050406030204" pitchFamily="18" charset="0"/>
+                            </a:rPr>
+                          </m:ctrlPr>
+                        </m:sSubPr>
+                        <m:e>
+                          <m:r>
+                            <a:rPr lang="en-US" sz="2000" i="1" dirty="0" smtClean="0">
+                              <a:latin typeface="Cambria Math" panose="02040503050406030204" pitchFamily="18" charset="0"/>
+                            </a:rPr>
+                            <m:t>𝑁</m:t>
+                          </m:r>
+                        </m:e>
+                        <m:sub>
+                          <m:r>
+                            <a:rPr lang="en-US" sz="2000" b="0" i="1" dirty="0" smtClean="0">
+                              <a:latin typeface="Cambria Math" panose="02040503050406030204" pitchFamily="18" charset="0"/>
+                            </a:rPr>
+                            <m:t>𝐴</m:t>
+                          </m:r>
+                        </m:sub>
+                      </m:sSub>
+                      <m:r>
+                        <a:rPr lang="en-US" sz="2000" b="0" i="1" dirty="0" smtClean="0">
+                          <a:latin typeface="Cambria Math" panose="02040503050406030204" pitchFamily="18" charset="0"/>
+                        </a:rPr>
+                        <m:t>′</m:t>
+                      </m:r>
+                    </m:oMath>
+                  </m:oMathPara>
+                </a14:m>
+                <a:endParaRPr lang="en-US" sz="2000" dirty="0"/>
+              </a:p>
+            </p:txBody>
+          </p:sp>
+        </mc:Choice>
+        <mc:Fallback>
+          <p:sp>
+            <p:nvSpPr>
+              <p:cNvPr id="36" name="文本框 35"/>
+              <p:cNvSpPr txBox="1">
+                <a:spLocks noRot="1" noChangeAspect="1" noMove="1" noResize="1" noEditPoints="1" noAdjustHandles="1" noChangeArrowheads="1" noChangeShapeType="1" noTextEdit="1"/>
+              </p:cNvSpPr>
+              <p:nvPr/>
+            </p:nvSpPr>
+            <p:spPr>
+              <a:xfrm>
+                <a:off x="7349974" y="8592122"/>
+                <a:ext cx="597471" cy="400110"/>
+              </a:xfrm>
+              <a:prstGeom prst="rect">
+                <a:avLst/>
+              </a:prstGeom>
+              <a:blipFill rotWithShape="0">
+                <a:blip r:embed="rId13"/>
+                <a:stretch>
+                  <a:fillRect/>
+                </a:stretch>
+              </a:blipFill>
+            </p:spPr>
+            <p:txBody>
+              <a:bodyPr/>
+              <a:lstStyle/>
+              <a:p>
+                <a:r>
+                  <a:rPr lang="en-US">
+                    <a:noFill/>
+                  </a:rPr>
+                  <a:t> </a:t>
+                </a:r>
+              </a:p>
+            </p:txBody>
+          </p:sp>
+        </mc:Fallback>
+      </mc:AlternateContent>
+      <mc:AlternateContent xmlns:mc="http://schemas.openxmlformats.org/markup-compatibility/2006">
+        <mc:Choice xmlns:a14="http://schemas.microsoft.com/office/drawing/2010/main" Requires="a14">
+          <p:sp>
+            <p:nvSpPr>
+              <p:cNvPr id="37" name="文本框 36"/>
+              <p:cNvSpPr txBox="1"/>
+              <p:nvPr/>
+            </p:nvSpPr>
+            <p:spPr>
+              <a:xfrm>
+                <a:off x="8121533" y="10064441"/>
+                <a:ext cx="585354" cy="410009"/>
+              </a:xfrm>
+              <a:prstGeom prst="rect">
+                <a:avLst/>
+              </a:prstGeom>
+              <a:noFill/>
+            </p:spPr>
+            <p:txBody>
+              <a:bodyPr wrap="square" rtlCol="0">
+                <a:spAutoFit/>
+              </a:bodyPr>
+              <a:lstStyle/>
+              <a:p>
+                <a14:m>
+                  <m:oMathPara xmlns:m="http://schemas.openxmlformats.org/officeDocument/2006/math">
+                    <m:oMathParaPr>
+                      <m:jc m:val="centerGroup"/>
+                    </m:oMathParaPr>
+                    <m:oMath xmlns:m="http://schemas.openxmlformats.org/officeDocument/2006/math">
+                      <m:sSub>
+                        <m:sSubPr>
+                          <m:ctrlPr>
+                            <a:rPr lang="en-US" sz="2000" b="0" i="1" dirty="0" smtClean="0">
+                              <a:latin typeface="Cambria Math" panose="02040503050406030204" pitchFamily="18" charset="0"/>
+                            </a:rPr>
+                          </m:ctrlPr>
+                        </m:sSubPr>
+                        <m:e>
+                          <m:r>
+                            <a:rPr lang="en-US" sz="2000" i="1" dirty="0" smtClean="0">
+                              <a:latin typeface="Cambria Math" panose="02040503050406030204" pitchFamily="18" charset="0"/>
+                            </a:rPr>
+                            <m:t>𝑁</m:t>
+                          </m:r>
+                        </m:e>
+                        <m:sub>
+                          <m:r>
+                            <a:rPr lang="en-US" sz="2000" b="0" i="1" dirty="0" smtClean="0">
+                              <a:latin typeface="Cambria Math" panose="02040503050406030204" pitchFamily="18" charset="0"/>
+                            </a:rPr>
+                            <m:t>𝑉</m:t>
+                          </m:r>
+                        </m:sub>
+                      </m:sSub>
+                      <m:r>
+                        <a:rPr lang="en-US" sz="2000" b="0" i="1" dirty="0" smtClean="0">
+                          <a:latin typeface="Cambria Math" panose="02040503050406030204" pitchFamily="18" charset="0"/>
+                        </a:rPr>
+                        <m:t>′</m:t>
+                      </m:r>
+                    </m:oMath>
+                  </m:oMathPara>
+                </a14:m>
+                <a:endParaRPr lang="en-US" sz="2000" dirty="0"/>
+              </a:p>
+            </p:txBody>
+          </p:sp>
+        </mc:Choice>
+        <mc:Fallback>
+          <p:sp>
+            <p:nvSpPr>
+              <p:cNvPr id="37" name="文本框 36"/>
+              <p:cNvSpPr txBox="1">
+                <a:spLocks noRot="1" noChangeAspect="1" noMove="1" noResize="1" noEditPoints="1" noAdjustHandles="1" noChangeArrowheads="1" noChangeShapeType="1" noTextEdit="1"/>
+              </p:cNvSpPr>
+              <p:nvPr/>
+            </p:nvSpPr>
+            <p:spPr>
+              <a:xfrm>
+                <a:off x="8121533" y="10064441"/>
+                <a:ext cx="585354" cy="410009"/>
+              </a:xfrm>
+              <a:prstGeom prst="rect">
+                <a:avLst/>
+              </a:prstGeom>
+              <a:blipFill rotWithShape="0">
+                <a:blip r:embed="rId14"/>
+                <a:stretch>
+                  <a:fillRect/>
+                </a:stretch>
+              </a:blipFill>
+            </p:spPr>
+            <p:txBody>
+              <a:bodyPr/>
+              <a:lstStyle/>
+              <a:p>
+                <a:r>
+                  <a:rPr lang="en-US">
+                    <a:noFill/>
+                  </a:rPr>
+                  <a:t> </a:t>
+                </a:r>
+              </a:p>
+            </p:txBody>
+          </p:sp>
+        </mc:Fallback>
+      </mc:AlternateContent>
     </p:spTree>
     <p:extLst>
       <p:ext uri="{BB962C8B-B14F-4D97-AF65-F5344CB8AC3E}">

--- a/figs/abs.pptx
+++ b/figs/abs.pptx
@@ -245,7 +245,7 @@
           <a:p>
             <a:fld id="{5083D971-42EC-47BE-9198-28BD41951433}" type="datetimeFigureOut">
               <a:rPr lang="en-US" smtClean="0"/>
-              <a:t>5/6/2015</a:t>
+              <a:t>5/8/2015</a:t>
             </a:fld>
             <a:endParaRPr lang="en-US"/>
           </a:p>
@@ -415,7 +415,7 @@
           <a:p>
             <a:fld id="{5083D971-42EC-47BE-9198-28BD41951433}" type="datetimeFigureOut">
               <a:rPr lang="en-US" smtClean="0"/>
-              <a:t>5/6/2015</a:t>
+              <a:t>5/8/2015</a:t>
             </a:fld>
             <a:endParaRPr lang="en-US"/>
           </a:p>
@@ -595,7 +595,7 @@
           <a:p>
             <a:fld id="{5083D971-42EC-47BE-9198-28BD41951433}" type="datetimeFigureOut">
               <a:rPr lang="en-US" smtClean="0"/>
-              <a:t>5/6/2015</a:t>
+              <a:t>5/8/2015</a:t>
             </a:fld>
             <a:endParaRPr lang="en-US"/>
           </a:p>
@@ -765,7 +765,7 @@
           <a:p>
             <a:fld id="{5083D971-42EC-47BE-9198-28BD41951433}" type="datetimeFigureOut">
               <a:rPr lang="en-US" smtClean="0"/>
-              <a:t>5/6/2015</a:t>
+              <a:t>5/8/2015</a:t>
             </a:fld>
             <a:endParaRPr lang="en-US"/>
           </a:p>
@@ -1009,7 +1009,7 @@
           <a:p>
             <a:fld id="{5083D971-42EC-47BE-9198-28BD41951433}" type="datetimeFigureOut">
               <a:rPr lang="en-US" smtClean="0"/>
-              <a:t>5/6/2015</a:t>
+              <a:t>5/8/2015</a:t>
             </a:fld>
             <a:endParaRPr lang="en-US"/>
           </a:p>
@@ -1241,7 +1241,7 @@
           <a:p>
             <a:fld id="{5083D971-42EC-47BE-9198-28BD41951433}" type="datetimeFigureOut">
               <a:rPr lang="en-US" smtClean="0"/>
-              <a:t>5/6/2015</a:t>
+              <a:t>5/8/2015</a:t>
             </a:fld>
             <a:endParaRPr lang="en-US"/>
           </a:p>
@@ -1608,7 +1608,7 @@
           <a:p>
             <a:fld id="{5083D971-42EC-47BE-9198-28BD41951433}" type="datetimeFigureOut">
               <a:rPr lang="en-US" smtClean="0"/>
-              <a:t>5/6/2015</a:t>
+              <a:t>5/8/2015</a:t>
             </a:fld>
             <a:endParaRPr lang="en-US"/>
           </a:p>
@@ -1726,7 +1726,7 @@
           <a:p>
             <a:fld id="{5083D971-42EC-47BE-9198-28BD41951433}" type="datetimeFigureOut">
               <a:rPr lang="en-US" smtClean="0"/>
-              <a:t>5/6/2015</a:t>
+              <a:t>5/8/2015</a:t>
             </a:fld>
             <a:endParaRPr lang="en-US"/>
           </a:p>
@@ -1821,7 +1821,7 @@
           <a:p>
             <a:fld id="{5083D971-42EC-47BE-9198-28BD41951433}" type="datetimeFigureOut">
               <a:rPr lang="en-US" smtClean="0"/>
-              <a:t>5/6/2015</a:t>
+              <a:t>5/8/2015</a:t>
             </a:fld>
             <a:endParaRPr lang="en-US"/>
           </a:p>
@@ -2098,7 +2098,7 @@
           <a:p>
             <a:fld id="{5083D971-42EC-47BE-9198-28BD41951433}" type="datetimeFigureOut">
               <a:rPr lang="en-US" smtClean="0"/>
-              <a:t>5/6/2015</a:t>
+              <a:t>5/8/2015</a:t>
             </a:fld>
             <a:endParaRPr lang="en-US"/>
           </a:p>
@@ -2355,7 +2355,7 @@
           <a:p>
             <a:fld id="{5083D971-42EC-47BE-9198-28BD41951433}" type="datetimeFigureOut">
               <a:rPr lang="en-US" smtClean="0"/>
-              <a:t>5/6/2015</a:t>
+              <a:t>5/8/2015</a:t>
             </a:fld>
             <a:endParaRPr lang="en-US"/>
           </a:p>
@@ -2568,7 +2568,7 @@
           <a:p>
             <a:fld id="{5083D971-42EC-47BE-9198-28BD41951433}" type="datetimeFigureOut">
               <a:rPr lang="en-US" smtClean="0"/>
-              <a:t>5/6/2015</a:t>
+              <a:t>5/8/2015</a:t>
             </a:fld>
             <a:endParaRPr lang="en-US"/>
           </a:p>
@@ -3498,8 +3498,8 @@
           </a:p>
         </p:txBody>
       </p:sp>
-      <mc:AlternateContent xmlns:mc="http://schemas.openxmlformats.org/markup-compatibility/2006">
-        <mc:Choice xmlns:a14="http://schemas.microsoft.com/office/drawing/2010/main" Requires="a14">
+      <mc:AlternateContent xmlns:mc="http://schemas.openxmlformats.org/markup-compatibility/2006" xmlns:a14="http://schemas.microsoft.com/office/drawing/2010/main">
+        <mc:Choice Requires="a14">
           <p:sp>
             <p:nvSpPr>
               <p:cNvPr id="33" name="文本框 32"/>
@@ -3570,7 +3570,7 @@
             </p:txBody>
           </p:sp>
         </mc:Choice>
-        <mc:Fallback>
+        <mc:Fallback xmlns="">
           <p:sp>
             <p:nvSpPr>
               <p:cNvPr id="33" name="文本框 32"/>
@@ -3609,8 +3609,8 @@
           </p:sp>
         </mc:Fallback>
       </mc:AlternateContent>
-      <mc:AlternateContent xmlns:mc="http://schemas.openxmlformats.org/markup-compatibility/2006">
-        <mc:Choice xmlns:a14="http://schemas.microsoft.com/office/drawing/2010/main" Requires="a14">
+      <mc:AlternateContent xmlns:mc="http://schemas.openxmlformats.org/markup-compatibility/2006" xmlns:a14="http://schemas.microsoft.com/office/drawing/2010/main">
+        <mc:Choice Requires="a14">
           <p:sp>
             <p:nvSpPr>
               <p:cNvPr id="34" name="文本框 33"/>
@@ -3681,7 +3681,7 @@
             </p:txBody>
           </p:sp>
         </mc:Choice>
-        <mc:Fallback>
+        <mc:Fallback xmlns="">
           <p:sp>
             <p:nvSpPr>
               <p:cNvPr id="34" name="文本框 33"/>
@@ -3720,8 +3720,8 @@
           </p:sp>
         </mc:Fallback>
       </mc:AlternateContent>
-      <mc:AlternateContent xmlns:mc="http://schemas.openxmlformats.org/markup-compatibility/2006">
-        <mc:Choice xmlns:a14="http://schemas.microsoft.com/office/drawing/2010/main" Requires="a14">
+      <mc:AlternateContent xmlns:mc="http://schemas.openxmlformats.org/markup-compatibility/2006" xmlns:a14="http://schemas.microsoft.com/office/drawing/2010/main">
+        <mc:Choice Requires="a14">
           <p:sp>
             <p:nvSpPr>
               <p:cNvPr id="35" name="文本框 34"/>
@@ -3792,7 +3792,7 @@
             </p:txBody>
           </p:sp>
         </mc:Choice>
-        <mc:Fallback>
+        <mc:Fallback xmlns="">
           <p:sp>
             <p:nvSpPr>
               <p:cNvPr id="35" name="文本框 34"/>
@@ -3831,8 +3831,8 @@
           </p:sp>
         </mc:Fallback>
       </mc:AlternateContent>
-      <mc:AlternateContent xmlns:mc="http://schemas.openxmlformats.org/markup-compatibility/2006">
-        <mc:Choice xmlns:a14="http://schemas.microsoft.com/office/drawing/2010/main" Requires="a14">
+      <mc:AlternateContent xmlns:mc="http://schemas.openxmlformats.org/markup-compatibility/2006" xmlns:a14="http://schemas.microsoft.com/office/drawing/2010/main">
+        <mc:Choice Requires="a14">
           <p:sp>
             <p:nvSpPr>
               <p:cNvPr id="36" name="文本框 35"/>
@@ -3903,7 +3903,7 @@
             </p:txBody>
           </p:sp>
         </mc:Choice>
-        <mc:Fallback>
+        <mc:Fallback xmlns="">
           <p:sp>
             <p:nvSpPr>
               <p:cNvPr id="36" name="文本框 35"/>
@@ -3942,8 +3942,8 @@
           </p:sp>
         </mc:Fallback>
       </mc:AlternateContent>
-      <mc:AlternateContent xmlns:mc="http://schemas.openxmlformats.org/markup-compatibility/2006">
-        <mc:Choice xmlns:a14="http://schemas.microsoft.com/office/drawing/2010/main" Requires="a14">
+      <mc:AlternateContent xmlns:mc="http://schemas.openxmlformats.org/markup-compatibility/2006" xmlns:a14="http://schemas.microsoft.com/office/drawing/2010/main">
+        <mc:Choice Requires="a14">
           <p:sp>
             <p:nvSpPr>
               <p:cNvPr id="37" name="文本框 36"/>
@@ -4014,7 +4014,7 @@
             </p:txBody>
           </p:sp>
         </mc:Choice>
-        <mc:Fallback>
+        <mc:Fallback xmlns="">
           <p:sp>
             <p:nvSpPr>
               <p:cNvPr id="37" name="文本框 36"/>
@@ -4964,7 +4964,9 @@
             </a:pathLst>
           </a:custGeom>
           <a:solidFill>
-            <a:schemeClr val="bg2"/>
+            <a:schemeClr val="bg1">
+              <a:lumMod val="95000"/>
+            </a:schemeClr>
           </a:solidFill>
           <a:ln w="38100">
             <a:solidFill>
@@ -33007,6 +33009,53 @@
           </a:p>
         </p:txBody>
       </p:sp>
+      <p:sp>
+        <p:nvSpPr>
+          <p:cNvPr id="5" name="文本框 4"/>
+          <p:cNvSpPr txBox="1"/>
+          <p:nvPr/>
+        </p:nvSpPr>
+        <p:spPr>
+          <a:xfrm>
+            <a:off x="1017331" y="6701718"/>
+            <a:ext cx="885179" cy="415498"/>
+          </a:xfrm>
+          <a:prstGeom prst="rect">
+            <a:avLst/>
+          </a:prstGeom>
+          <a:noFill/>
+        </p:spPr>
+        <p:txBody>
+          <a:bodyPr wrap="none" rtlCol="0">
+            <a:spAutoFit/>
+          </a:bodyPr>
+          <a:lstStyle/>
+          <a:p>
+            <a:pPr algn="ctr"/>
+            <a:r>
+              <a:rPr lang="en-US" sz="1000" b="1" dirty="0" smtClean="0">
+                <a:latin typeface="Arial" panose="020B0604020202020204" pitchFamily="34" charset="0"/>
+                <a:cs typeface="Arial" panose="020B0604020202020204" pitchFamily="34" charset="0"/>
+              </a:rPr>
+              <a:t>Heart</a:t>
+            </a:r>
+          </a:p>
+          <a:p>
+            <a:pPr algn="ctr"/>
+            <a:r>
+              <a:rPr lang="en-US" sz="1000" b="1" dirty="0" smtClean="0">
+                <a:latin typeface="Arial" panose="020B0604020202020204" pitchFamily="34" charset="0"/>
+                <a:cs typeface="Arial" panose="020B0604020202020204" pitchFamily="34" charset="0"/>
+              </a:rPr>
+              <a:t>Conditions</a:t>
+            </a:r>
+            <a:endParaRPr lang="en-US" sz="1000" b="1" dirty="0">
+              <a:latin typeface="Arial" panose="020B0604020202020204" pitchFamily="34" charset="0"/>
+              <a:cs typeface="Arial" panose="020B0604020202020204" pitchFamily="34" charset="0"/>
+            </a:endParaRPr>
+          </a:p>
+        </p:txBody>
+      </p:sp>
     </p:spTree>
     <p:extLst>
       <p:ext uri="{BB962C8B-B14F-4D97-AF65-F5344CB8AC3E}">
@@ -35475,8 +35524,8 @@
           </a:fontRef>
         </p:style>
       </p:cxnSp>
-      <mc:AlternateContent xmlns:mc="http://schemas.openxmlformats.org/markup-compatibility/2006">
-        <mc:Choice xmlns:a14="http://schemas.microsoft.com/office/drawing/2010/main" Requires="a14">
+      <mc:AlternateContent xmlns:mc="http://schemas.openxmlformats.org/markup-compatibility/2006" xmlns:a14="http://schemas.microsoft.com/office/drawing/2010/main">
+        <mc:Choice Requires="a14">
           <p:sp>
             <p:nvSpPr>
               <p:cNvPr id="75" name="文本框 74"/>
@@ -35552,7 +35601,7 @@
             </p:txBody>
           </p:sp>
         </mc:Choice>
-        <mc:Fallback>
+        <mc:Fallback xmlns="">
           <p:sp>
             <p:nvSpPr>
               <p:cNvPr id="75" name="文本框 74"/>
@@ -35591,8 +35640,8 @@
           </p:sp>
         </mc:Fallback>
       </mc:AlternateContent>
-      <mc:AlternateContent xmlns:mc="http://schemas.openxmlformats.org/markup-compatibility/2006">
-        <mc:Choice xmlns:a14="http://schemas.microsoft.com/office/drawing/2010/main" Requires="a14">
+      <mc:AlternateContent xmlns:mc="http://schemas.openxmlformats.org/markup-compatibility/2006" xmlns:a14="http://schemas.microsoft.com/office/drawing/2010/main">
+        <mc:Choice Requires="a14">
           <p:sp>
             <p:nvSpPr>
               <p:cNvPr id="76" name="文本框 75"/>
@@ -35677,7 +35726,7 @@
             </p:txBody>
           </p:sp>
         </mc:Choice>
-        <mc:Fallback>
+        <mc:Fallback xmlns="">
           <p:sp>
             <p:nvSpPr>
               <p:cNvPr id="76" name="文本框 75"/>
@@ -35716,8 +35765,8 @@
           </p:sp>
         </mc:Fallback>
       </mc:AlternateContent>
-      <mc:AlternateContent xmlns:mc="http://schemas.openxmlformats.org/markup-compatibility/2006">
-        <mc:Choice xmlns:a14="http://schemas.microsoft.com/office/drawing/2010/main" Requires="a14">
+      <mc:AlternateContent xmlns:mc="http://schemas.openxmlformats.org/markup-compatibility/2006" xmlns:a14="http://schemas.microsoft.com/office/drawing/2010/main">
+        <mc:Choice Requires="a14">
           <p:sp>
             <p:nvSpPr>
               <p:cNvPr id="77" name="文本框 76"/>
@@ -35802,7 +35851,7 @@
             </p:txBody>
           </p:sp>
         </mc:Choice>
-        <mc:Fallback>
+        <mc:Fallback xmlns="">
           <p:sp>
             <p:nvSpPr>
               <p:cNvPr id="77" name="文本框 76"/>
@@ -36575,8 +36624,8 @@
           </p:style>
         </p:cxnSp>
       </p:grpSp>
-      <mc:AlternateContent xmlns:mc="http://schemas.openxmlformats.org/markup-compatibility/2006">
-        <mc:Choice xmlns:a14="http://schemas.microsoft.com/office/drawing/2010/main" Requires="a14">
+      <mc:AlternateContent xmlns:mc="http://schemas.openxmlformats.org/markup-compatibility/2006" xmlns:a14="http://schemas.microsoft.com/office/drawing/2010/main">
+        <mc:Choice Requires="a14">
           <p:sp>
             <p:nvSpPr>
               <p:cNvPr id="97" name="文本框 96"/>
@@ -36661,7 +36710,7 @@
             </p:txBody>
           </p:sp>
         </mc:Choice>
-        <mc:Fallback>
+        <mc:Fallback xmlns="">
           <p:sp>
             <p:nvSpPr>
               <p:cNvPr id="97" name="文本框 96"/>
@@ -36700,8 +36749,8 @@
           </p:sp>
         </mc:Fallback>
       </mc:AlternateContent>
-      <mc:AlternateContent xmlns:mc="http://schemas.openxmlformats.org/markup-compatibility/2006">
-        <mc:Choice xmlns:a14="http://schemas.microsoft.com/office/drawing/2010/main" Requires="a14">
+      <mc:AlternateContent xmlns:mc="http://schemas.openxmlformats.org/markup-compatibility/2006" xmlns:a14="http://schemas.microsoft.com/office/drawing/2010/main">
+        <mc:Choice Requires="a14">
           <p:sp>
             <p:nvSpPr>
               <p:cNvPr id="98" name="文本框 97"/>
@@ -36786,7 +36835,7 @@
             </p:txBody>
           </p:sp>
         </mc:Choice>
-        <mc:Fallback>
+        <mc:Fallback xmlns="">
           <p:sp>
             <p:nvSpPr>
               <p:cNvPr id="98" name="文本框 97"/>
@@ -36825,8 +36874,8 @@
           </p:sp>
         </mc:Fallback>
       </mc:AlternateContent>
-      <mc:AlternateContent xmlns:mc="http://schemas.openxmlformats.org/markup-compatibility/2006">
-        <mc:Choice xmlns:a14="http://schemas.microsoft.com/office/drawing/2010/main" Requires="a14">
+      <mc:AlternateContent xmlns:mc="http://schemas.openxmlformats.org/markup-compatibility/2006" xmlns:a14="http://schemas.microsoft.com/office/drawing/2010/main">
+        <mc:Choice Requires="a14">
           <p:sp>
             <p:nvSpPr>
               <p:cNvPr id="99" name="文本框 98"/>
@@ -36902,7 +36951,7 @@
             </p:txBody>
           </p:sp>
         </mc:Choice>
-        <mc:Fallback>
+        <mc:Fallback xmlns="">
           <p:sp>
             <p:nvSpPr>
               <p:cNvPr id="99" name="文本框 98"/>
@@ -36941,8 +36990,8 @@
           </p:sp>
         </mc:Fallback>
       </mc:AlternateContent>
-      <mc:AlternateContent xmlns:mc="http://schemas.openxmlformats.org/markup-compatibility/2006">
-        <mc:Choice xmlns:a14="http://schemas.microsoft.com/office/drawing/2010/main" Requires="a14">
+      <mc:AlternateContent xmlns:mc="http://schemas.openxmlformats.org/markup-compatibility/2006" xmlns:a14="http://schemas.microsoft.com/office/drawing/2010/main">
+        <mc:Choice Requires="a14">
           <p:sp>
             <p:nvSpPr>
               <p:cNvPr id="100" name="文本框 99"/>
@@ -37027,7 +37076,7 @@
             </p:txBody>
           </p:sp>
         </mc:Choice>
-        <mc:Fallback>
+        <mc:Fallback xmlns="">
           <p:sp>
             <p:nvSpPr>
               <p:cNvPr id="100" name="文本框 99"/>
@@ -37066,8 +37115,8 @@
           </p:sp>
         </mc:Fallback>
       </mc:AlternateContent>
-      <mc:AlternateContent xmlns:mc="http://schemas.openxmlformats.org/markup-compatibility/2006">
-        <mc:Choice xmlns:a14="http://schemas.microsoft.com/office/drawing/2010/main" Requires="a14">
+      <mc:AlternateContent xmlns:mc="http://schemas.openxmlformats.org/markup-compatibility/2006" xmlns:a14="http://schemas.microsoft.com/office/drawing/2010/main">
+        <mc:Choice Requires="a14">
           <p:sp>
             <p:nvSpPr>
               <p:cNvPr id="101" name="文本框 100"/>
@@ -37152,7 +37201,7 @@
             </p:txBody>
           </p:sp>
         </mc:Choice>
-        <mc:Fallback>
+        <mc:Fallback xmlns="">
           <p:sp>
             <p:nvSpPr>
               <p:cNvPr id="101" name="文本框 100"/>
@@ -37191,8 +37240,8 @@
           </p:sp>
         </mc:Fallback>
       </mc:AlternateContent>
-      <mc:AlternateContent xmlns:mc="http://schemas.openxmlformats.org/markup-compatibility/2006">
-        <mc:Choice xmlns:a14="http://schemas.microsoft.com/office/drawing/2010/main" Requires="a14">
+      <mc:AlternateContent xmlns:mc="http://schemas.openxmlformats.org/markup-compatibility/2006" xmlns:a14="http://schemas.microsoft.com/office/drawing/2010/main">
+        <mc:Choice Requires="a14">
           <p:sp>
             <p:nvSpPr>
               <p:cNvPr id="102" name="文本框 101"/>
@@ -37277,7 +37326,7 @@
             </p:txBody>
           </p:sp>
         </mc:Choice>
-        <mc:Fallback>
+        <mc:Fallback xmlns="">
           <p:sp>
             <p:nvSpPr>
               <p:cNvPr id="102" name="文本框 101"/>
@@ -37316,8 +37365,8 @@
           </p:sp>
         </mc:Fallback>
       </mc:AlternateContent>
-      <mc:AlternateContent xmlns:mc="http://schemas.openxmlformats.org/markup-compatibility/2006">
-        <mc:Choice xmlns:a14="http://schemas.microsoft.com/office/drawing/2010/main" Requires="a14">
+      <mc:AlternateContent xmlns:mc="http://schemas.openxmlformats.org/markup-compatibility/2006" xmlns:a14="http://schemas.microsoft.com/office/drawing/2010/main">
+        <mc:Choice Requires="a14">
           <p:sp>
             <p:nvSpPr>
               <p:cNvPr id="103" name="文本框 102"/>
@@ -37393,7 +37442,7 @@
             </p:txBody>
           </p:sp>
         </mc:Choice>
-        <mc:Fallback>
+        <mc:Fallback xmlns="">
           <p:sp>
             <p:nvSpPr>
               <p:cNvPr id="103" name="文本框 102"/>
@@ -37432,8 +37481,8 @@
           </p:sp>
         </mc:Fallback>
       </mc:AlternateContent>
-      <mc:AlternateContent xmlns:mc="http://schemas.openxmlformats.org/markup-compatibility/2006">
-        <mc:Choice xmlns:a14="http://schemas.microsoft.com/office/drawing/2010/main" Requires="a14">
+      <mc:AlternateContent xmlns:mc="http://schemas.openxmlformats.org/markup-compatibility/2006" xmlns:a14="http://schemas.microsoft.com/office/drawing/2010/main">
+        <mc:Choice Requires="a14">
           <p:sp>
             <p:nvSpPr>
               <p:cNvPr id="104" name="文本框 103"/>
@@ -37509,7 +37558,7 @@
             </p:txBody>
           </p:sp>
         </mc:Choice>
-        <mc:Fallback>
+        <mc:Fallback xmlns="">
           <p:sp>
             <p:nvSpPr>
               <p:cNvPr id="104" name="文本框 103"/>
@@ -37548,8 +37597,8 @@
           </p:sp>
         </mc:Fallback>
       </mc:AlternateContent>
-      <mc:AlternateContent xmlns:mc="http://schemas.openxmlformats.org/markup-compatibility/2006">
-        <mc:Choice xmlns:a14="http://schemas.microsoft.com/office/drawing/2010/main" Requires="a14">
+      <mc:AlternateContent xmlns:mc="http://schemas.openxmlformats.org/markup-compatibility/2006" xmlns:a14="http://schemas.microsoft.com/office/drawing/2010/main">
+        <mc:Choice Requires="a14">
           <p:sp>
             <p:nvSpPr>
               <p:cNvPr id="105" name="文本框 104"/>
@@ -37627,7 +37676,7 @@
             </p:txBody>
           </p:sp>
         </mc:Choice>
-        <mc:Fallback>
+        <mc:Fallback xmlns="">
           <p:sp>
             <p:nvSpPr>
               <p:cNvPr id="105" name="文本框 104"/>
@@ -37666,8 +37715,8 @@
           </p:sp>
         </mc:Fallback>
       </mc:AlternateContent>
-      <mc:AlternateContent xmlns:mc="http://schemas.openxmlformats.org/markup-compatibility/2006">
-        <mc:Choice xmlns:a14="http://schemas.microsoft.com/office/drawing/2010/main" Requires="a14">
+      <mc:AlternateContent xmlns:mc="http://schemas.openxmlformats.org/markup-compatibility/2006" xmlns:a14="http://schemas.microsoft.com/office/drawing/2010/main">
+        <mc:Choice Requires="a14">
           <p:sp>
             <p:nvSpPr>
               <p:cNvPr id="106" name="文本框 105"/>
@@ -37752,7 +37801,7 @@
             </p:txBody>
           </p:sp>
         </mc:Choice>
-        <mc:Fallback>
+        <mc:Fallback xmlns="">
           <p:sp>
             <p:nvSpPr>
               <p:cNvPr id="106" name="文本框 105"/>
@@ -46491,8 +46540,8 @@
           </a:fontRef>
         </p:style>
       </p:cxnSp>
-      <mc:AlternateContent xmlns:mc="http://schemas.openxmlformats.org/markup-compatibility/2006">
-        <mc:Choice xmlns:a14="http://schemas.microsoft.com/office/drawing/2010/main" Requires="a14">
+      <mc:AlternateContent xmlns:mc="http://schemas.openxmlformats.org/markup-compatibility/2006" xmlns:a14="http://schemas.microsoft.com/office/drawing/2010/main">
+        <mc:Choice Requires="a14">
           <p:sp>
             <p:nvSpPr>
               <p:cNvPr id="341" name="文本框 340"/>
@@ -46570,7 +46619,7 @@
             </p:txBody>
           </p:sp>
         </mc:Choice>
-        <mc:Fallback>
+        <mc:Fallback xmlns="">
           <p:sp>
             <p:nvSpPr>
               <p:cNvPr id="341" name="文本框 340"/>
@@ -46609,8 +46658,8 @@
           </p:sp>
         </mc:Fallback>
       </mc:AlternateContent>
-      <mc:AlternateContent xmlns:mc="http://schemas.openxmlformats.org/markup-compatibility/2006">
-        <mc:Choice xmlns:a14="http://schemas.microsoft.com/office/drawing/2010/main" Requires="a14">
+      <mc:AlternateContent xmlns:mc="http://schemas.openxmlformats.org/markup-compatibility/2006" xmlns:a14="http://schemas.microsoft.com/office/drawing/2010/main">
+        <mc:Choice Requires="a14">
           <p:sp>
             <p:nvSpPr>
               <p:cNvPr id="342" name="文本框 341"/>
@@ -46688,7 +46737,7 @@
             </p:txBody>
           </p:sp>
         </mc:Choice>
-        <mc:Fallback>
+        <mc:Fallback xmlns="">
           <p:sp>
             <p:nvSpPr>
               <p:cNvPr id="342" name="文本框 341"/>
@@ -46727,8 +46776,8 @@
           </p:sp>
         </mc:Fallback>
       </mc:AlternateContent>
-      <mc:AlternateContent xmlns:mc="http://schemas.openxmlformats.org/markup-compatibility/2006">
-        <mc:Choice xmlns:a14="http://schemas.microsoft.com/office/drawing/2010/main" Requires="a14">
+      <mc:AlternateContent xmlns:mc="http://schemas.openxmlformats.org/markup-compatibility/2006" xmlns:a14="http://schemas.microsoft.com/office/drawing/2010/main">
+        <mc:Choice Requires="a14">
           <p:sp>
             <p:nvSpPr>
               <p:cNvPr id="343" name="文本框 342"/>
@@ -46806,7 +46855,7 @@
             </p:txBody>
           </p:sp>
         </mc:Choice>
-        <mc:Fallback>
+        <mc:Fallback xmlns="">
           <p:sp>
             <p:nvSpPr>
               <p:cNvPr id="343" name="文本框 342"/>
@@ -46845,8 +46894,8 @@
           </p:sp>
         </mc:Fallback>
       </mc:AlternateContent>
-      <mc:AlternateContent xmlns:mc="http://schemas.openxmlformats.org/markup-compatibility/2006">
-        <mc:Choice xmlns:a14="http://schemas.microsoft.com/office/drawing/2010/main" Requires="a14">
+      <mc:AlternateContent xmlns:mc="http://schemas.openxmlformats.org/markup-compatibility/2006" xmlns:a14="http://schemas.microsoft.com/office/drawing/2010/main">
+        <mc:Choice Requires="a14">
           <p:sp>
             <p:nvSpPr>
               <p:cNvPr id="344" name="文本框 343"/>
@@ -46924,7 +46973,7 @@
             </p:txBody>
           </p:sp>
         </mc:Choice>
-        <mc:Fallback>
+        <mc:Fallback xmlns="">
           <p:sp>
             <p:nvSpPr>
               <p:cNvPr id="344" name="文本框 343"/>
@@ -46963,8 +47012,8 @@
           </p:sp>
         </mc:Fallback>
       </mc:AlternateContent>
-      <mc:AlternateContent xmlns:mc="http://schemas.openxmlformats.org/markup-compatibility/2006">
-        <mc:Choice xmlns:a14="http://schemas.microsoft.com/office/drawing/2010/main" Requires="a14">
+      <mc:AlternateContent xmlns:mc="http://schemas.openxmlformats.org/markup-compatibility/2006" xmlns:a14="http://schemas.microsoft.com/office/drawing/2010/main">
+        <mc:Choice Requires="a14">
           <p:sp>
             <p:nvSpPr>
               <p:cNvPr id="345" name="文本框 344"/>
@@ -47049,7 +47098,7 @@
             </p:txBody>
           </p:sp>
         </mc:Choice>
-        <mc:Fallback>
+        <mc:Fallback xmlns="">
           <p:sp>
             <p:nvSpPr>
               <p:cNvPr id="345" name="文本框 344"/>
@@ -47088,8 +47137,8 @@
           </p:sp>
         </mc:Fallback>
       </mc:AlternateContent>
-      <mc:AlternateContent xmlns:mc="http://schemas.openxmlformats.org/markup-compatibility/2006">
-        <mc:Choice xmlns:a14="http://schemas.microsoft.com/office/drawing/2010/main" Requires="a14">
+      <mc:AlternateContent xmlns:mc="http://schemas.openxmlformats.org/markup-compatibility/2006" xmlns:a14="http://schemas.microsoft.com/office/drawing/2010/main">
+        <mc:Choice Requires="a14">
           <p:sp>
             <p:nvSpPr>
               <p:cNvPr id="346" name="文本框 345"/>
@@ -47165,7 +47214,7 @@
             </p:txBody>
           </p:sp>
         </mc:Choice>
-        <mc:Fallback>
+        <mc:Fallback xmlns="">
           <p:sp>
             <p:nvSpPr>
               <p:cNvPr id="346" name="文本框 345"/>
@@ -47204,8 +47253,8 @@
           </p:sp>
         </mc:Fallback>
       </mc:AlternateContent>
-      <mc:AlternateContent xmlns:mc="http://schemas.openxmlformats.org/markup-compatibility/2006">
-        <mc:Choice xmlns:a14="http://schemas.microsoft.com/office/drawing/2010/main" Requires="a14">
+      <mc:AlternateContent xmlns:mc="http://schemas.openxmlformats.org/markup-compatibility/2006" xmlns:a14="http://schemas.microsoft.com/office/drawing/2010/main">
+        <mc:Choice Requires="a14">
           <p:sp>
             <p:nvSpPr>
               <p:cNvPr id="348" name="文本框 347"/>
@@ -47283,7 +47332,7 @@
             </p:txBody>
           </p:sp>
         </mc:Choice>
-        <mc:Fallback>
+        <mc:Fallback xmlns="">
           <p:sp>
             <p:nvSpPr>
               <p:cNvPr id="348" name="文本框 347"/>
@@ -47322,8 +47371,8 @@
           </p:sp>
         </mc:Fallback>
       </mc:AlternateContent>
-      <mc:AlternateContent xmlns:mc="http://schemas.openxmlformats.org/markup-compatibility/2006">
-        <mc:Choice xmlns:a14="http://schemas.microsoft.com/office/drawing/2010/main" Requires="a14">
+      <mc:AlternateContent xmlns:mc="http://schemas.openxmlformats.org/markup-compatibility/2006" xmlns:a14="http://schemas.microsoft.com/office/drawing/2010/main">
+        <mc:Choice Requires="a14">
           <p:sp>
             <p:nvSpPr>
               <p:cNvPr id="349" name="文本框 348"/>
@@ -47401,7 +47450,7 @@
             </p:txBody>
           </p:sp>
         </mc:Choice>
-        <mc:Fallback>
+        <mc:Fallback xmlns="">
           <p:sp>
             <p:nvSpPr>
               <p:cNvPr id="349" name="文本框 348"/>
@@ -47440,8 +47489,8 @@
           </p:sp>
         </mc:Fallback>
       </mc:AlternateContent>
-      <mc:AlternateContent xmlns:mc="http://schemas.openxmlformats.org/markup-compatibility/2006">
-        <mc:Choice xmlns:a14="http://schemas.microsoft.com/office/drawing/2010/main" Requires="a14">
+      <mc:AlternateContent xmlns:mc="http://schemas.openxmlformats.org/markup-compatibility/2006" xmlns:a14="http://schemas.microsoft.com/office/drawing/2010/main">
+        <mc:Choice Requires="a14">
           <p:sp>
             <p:nvSpPr>
               <p:cNvPr id="350" name="文本框 349"/>
@@ -47517,7 +47566,7 @@
             </p:txBody>
           </p:sp>
         </mc:Choice>
-        <mc:Fallback>
+        <mc:Fallback xmlns="">
           <p:sp>
             <p:nvSpPr>
               <p:cNvPr id="350" name="文本框 349"/>
@@ -47556,8 +47605,8 @@
           </p:sp>
         </mc:Fallback>
       </mc:AlternateContent>
-      <mc:AlternateContent xmlns:mc="http://schemas.openxmlformats.org/markup-compatibility/2006">
-        <mc:Choice xmlns:a14="http://schemas.microsoft.com/office/drawing/2010/main" Requires="a14">
+      <mc:AlternateContent xmlns:mc="http://schemas.openxmlformats.org/markup-compatibility/2006" xmlns:a14="http://schemas.microsoft.com/office/drawing/2010/main">
+        <mc:Choice Requires="a14">
           <p:sp>
             <p:nvSpPr>
               <p:cNvPr id="351" name="文本框 350"/>
@@ -47633,7 +47682,7 @@
             </p:txBody>
           </p:sp>
         </mc:Choice>
-        <mc:Fallback>
+        <mc:Fallback xmlns="">
           <p:sp>
             <p:nvSpPr>
               <p:cNvPr id="351" name="文本框 350"/>
@@ -47672,8 +47721,8 @@
           </p:sp>
         </mc:Fallback>
       </mc:AlternateContent>
-      <mc:AlternateContent xmlns:mc="http://schemas.openxmlformats.org/markup-compatibility/2006">
-        <mc:Choice xmlns:a14="http://schemas.microsoft.com/office/drawing/2010/main" Requires="a14">
+      <mc:AlternateContent xmlns:mc="http://schemas.openxmlformats.org/markup-compatibility/2006" xmlns:a14="http://schemas.microsoft.com/office/drawing/2010/main">
+        <mc:Choice Requires="a14">
           <p:sp>
             <p:nvSpPr>
               <p:cNvPr id="352" name="文本框 351"/>
@@ -47749,7 +47798,7 @@
             </p:txBody>
           </p:sp>
         </mc:Choice>
-        <mc:Fallback>
+        <mc:Fallback xmlns="">
           <p:sp>
             <p:nvSpPr>
               <p:cNvPr id="352" name="文本框 351"/>
